--- a/Presentation.pptx
+++ b/Presentation.pptx
@@ -13,8 +13,9 @@
     <p:sldId id="265" r:id="rId7"/>
     <p:sldId id="260" r:id="rId8"/>
     <p:sldId id="264" r:id="rId9"/>
-    <p:sldId id="267" r:id="rId10"/>
-    <p:sldId id="268" r:id="rId11"/>
+    <p:sldId id="270" r:id="rId10"/>
+    <p:sldId id="267" r:id="rId11"/>
+    <p:sldId id="268" r:id="rId12"/>
   </p:sldIdLst>
   <p:sldSz cx="9144000" cy="5143500" type="screen16x9"/>
   <p:notesSz cx="6858000" cy="9144000"/>
@@ -132,6 +133,6170 @@
 </p:presentation>
 </file>
 
+<file path=ppt/diagrams/colors1.xml><?xml version="1.0" encoding="utf-8"?>
+<dgm:colorsDef xmlns:dgm="http://schemas.openxmlformats.org/drawingml/2006/diagram" xmlns:a="http://schemas.openxmlformats.org/drawingml/2006/main" uniqueId="urn:microsoft.com/office/officeart/2005/8/colors/accent2_2">
+  <dgm:title val=""/>
+  <dgm:desc val=""/>
+  <dgm:catLst>
+    <dgm:cat type="accent2" pri="11200"/>
+  </dgm:catLst>
+  <dgm:styleLbl name="node0">
+    <dgm:fillClrLst meth="repeat">
+      <a:schemeClr val="accent2"/>
+    </dgm:fillClrLst>
+    <dgm:linClrLst meth="repeat">
+      <a:schemeClr val="lt1"/>
+    </dgm:linClrLst>
+    <dgm:effectClrLst/>
+    <dgm:txLinClrLst/>
+    <dgm:txFillClrLst/>
+    <dgm:txEffectClrLst/>
+  </dgm:styleLbl>
+  <dgm:styleLbl name="node1">
+    <dgm:fillClrLst meth="repeat">
+      <a:schemeClr val="accent2"/>
+    </dgm:fillClrLst>
+    <dgm:linClrLst meth="repeat">
+      <a:schemeClr val="lt1"/>
+    </dgm:linClrLst>
+    <dgm:effectClrLst/>
+    <dgm:txLinClrLst/>
+    <dgm:txFillClrLst/>
+    <dgm:txEffectClrLst/>
+  </dgm:styleLbl>
+  <dgm:styleLbl name="alignNode1">
+    <dgm:fillClrLst meth="repeat">
+      <a:schemeClr val="accent2"/>
+    </dgm:fillClrLst>
+    <dgm:linClrLst meth="repeat">
+      <a:schemeClr val="accent2"/>
+    </dgm:linClrLst>
+    <dgm:effectClrLst/>
+    <dgm:txLinClrLst/>
+    <dgm:txFillClrLst/>
+    <dgm:txEffectClrLst/>
+  </dgm:styleLbl>
+  <dgm:styleLbl name="lnNode1">
+    <dgm:fillClrLst meth="repeat">
+      <a:schemeClr val="accent2"/>
+    </dgm:fillClrLst>
+    <dgm:linClrLst meth="repeat">
+      <a:schemeClr val="lt1"/>
+    </dgm:linClrLst>
+    <dgm:effectClrLst/>
+    <dgm:txLinClrLst/>
+    <dgm:txFillClrLst/>
+    <dgm:txEffectClrLst/>
+  </dgm:styleLbl>
+  <dgm:styleLbl name="vennNode1">
+    <dgm:fillClrLst meth="repeat">
+      <a:schemeClr val="accent2">
+        <a:alpha val="50000"/>
+      </a:schemeClr>
+    </dgm:fillClrLst>
+    <dgm:linClrLst meth="repeat">
+      <a:schemeClr val="lt1"/>
+    </dgm:linClrLst>
+    <dgm:effectClrLst/>
+    <dgm:txLinClrLst/>
+    <dgm:txFillClrLst/>
+    <dgm:txEffectClrLst/>
+  </dgm:styleLbl>
+  <dgm:styleLbl name="node2">
+    <dgm:fillClrLst meth="repeat">
+      <a:schemeClr val="accent2"/>
+    </dgm:fillClrLst>
+    <dgm:linClrLst meth="repeat">
+      <a:schemeClr val="lt1"/>
+    </dgm:linClrLst>
+    <dgm:effectClrLst/>
+    <dgm:txLinClrLst/>
+    <dgm:txFillClrLst/>
+    <dgm:txEffectClrLst/>
+  </dgm:styleLbl>
+  <dgm:styleLbl name="node3">
+    <dgm:fillClrLst meth="repeat">
+      <a:schemeClr val="accent2"/>
+    </dgm:fillClrLst>
+    <dgm:linClrLst meth="repeat">
+      <a:schemeClr val="lt1"/>
+    </dgm:linClrLst>
+    <dgm:effectClrLst/>
+    <dgm:txLinClrLst/>
+    <dgm:txFillClrLst/>
+    <dgm:txEffectClrLst/>
+  </dgm:styleLbl>
+  <dgm:styleLbl name="node4">
+    <dgm:fillClrLst meth="repeat">
+      <a:schemeClr val="accent2"/>
+    </dgm:fillClrLst>
+    <dgm:linClrLst meth="repeat">
+      <a:schemeClr val="lt1"/>
+    </dgm:linClrLst>
+    <dgm:effectClrLst/>
+    <dgm:txLinClrLst/>
+    <dgm:txFillClrLst/>
+    <dgm:txEffectClrLst/>
+  </dgm:styleLbl>
+  <dgm:styleLbl name="fgImgPlace1">
+    <dgm:fillClrLst meth="repeat">
+      <a:schemeClr val="accent2">
+        <a:tint val="50000"/>
+      </a:schemeClr>
+    </dgm:fillClrLst>
+    <dgm:linClrLst meth="repeat">
+      <a:schemeClr val="lt1"/>
+    </dgm:linClrLst>
+    <dgm:effectClrLst/>
+    <dgm:txLinClrLst/>
+    <dgm:txFillClrLst meth="repeat">
+      <a:schemeClr val="lt1"/>
+    </dgm:txFillClrLst>
+    <dgm:txEffectClrLst/>
+  </dgm:styleLbl>
+  <dgm:styleLbl name="alignImgPlace1">
+    <dgm:fillClrLst meth="repeat">
+      <a:schemeClr val="accent2">
+        <a:tint val="50000"/>
+      </a:schemeClr>
+    </dgm:fillClrLst>
+    <dgm:linClrLst meth="repeat">
+      <a:schemeClr val="lt1"/>
+    </dgm:linClrLst>
+    <dgm:effectClrLst/>
+    <dgm:txLinClrLst/>
+    <dgm:txFillClrLst meth="repeat">
+      <a:schemeClr val="lt1"/>
+    </dgm:txFillClrLst>
+    <dgm:txEffectClrLst/>
+  </dgm:styleLbl>
+  <dgm:styleLbl name="bgImgPlace1">
+    <dgm:fillClrLst meth="repeat">
+      <a:schemeClr val="accent2">
+        <a:tint val="50000"/>
+      </a:schemeClr>
+    </dgm:fillClrLst>
+    <dgm:linClrLst meth="repeat">
+      <a:schemeClr val="lt1"/>
+    </dgm:linClrLst>
+    <dgm:effectClrLst/>
+    <dgm:txLinClrLst/>
+    <dgm:txFillClrLst meth="repeat">
+      <a:schemeClr val="lt1"/>
+    </dgm:txFillClrLst>
+    <dgm:txEffectClrLst/>
+  </dgm:styleLbl>
+  <dgm:styleLbl name="sibTrans2D1">
+    <dgm:fillClrLst meth="repeat">
+      <a:schemeClr val="accent2">
+        <a:tint val="60000"/>
+      </a:schemeClr>
+    </dgm:fillClrLst>
+    <dgm:linClrLst meth="repeat">
+      <a:schemeClr val="accent2">
+        <a:tint val="60000"/>
+      </a:schemeClr>
+    </dgm:linClrLst>
+    <dgm:effectClrLst/>
+    <dgm:txLinClrLst/>
+    <dgm:txFillClrLst/>
+    <dgm:txEffectClrLst/>
+  </dgm:styleLbl>
+  <dgm:styleLbl name="fgSibTrans2D1">
+    <dgm:fillClrLst meth="repeat">
+      <a:schemeClr val="accent2">
+        <a:tint val="60000"/>
+      </a:schemeClr>
+    </dgm:fillClrLst>
+    <dgm:linClrLst meth="repeat">
+      <a:schemeClr val="accent2">
+        <a:tint val="60000"/>
+      </a:schemeClr>
+    </dgm:linClrLst>
+    <dgm:effectClrLst/>
+    <dgm:txLinClrLst/>
+    <dgm:txFillClrLst/>
+    <dgm:txEffectClrLst/>
+  </dgm:styleLbl>
+  <dgm:styleLbl name="bgSibTrans2D1">
+    <dgm:fillClrLst meth="repeat">
+      <a:schemeClr val="accent2">
+        <a:tint val="60000"/>
+      </a:schemeClr>
+    </dgm:fillClrLst>
+    <dgm:linClrLst meth="repeat">
+      <a:schemeClr val="accent2">
+        <a:tint val="60000"/>
+      </a:schemeClr>
+    </dgm:linClrLst>
+    <dgm:effectClrLst/>
+    <dgm:txLinClrLst/>
+    <dgm:txFillClrLst/>
+    <dgm:txEffectClrLst/>
+  </dgm:styleLbl>
+  <dgm:styleLbl name="sibTrans1D1">
+    <dgm:fillClrLst meth="repeat">
+      <a:schemeClr val="accent2"/>
+    </dgm:fillClrLst>
+    <dgm:linClrLst meth="repeat">
+      <a:schemeClr val="accent2"/>
+    </dgm:linClrLst>
+    <dgm:effectClrLst/>
+    <dgm:txLinClrLst/>
+    <dgm:txFillClrLst meth="repeat">
+      <a:schemeClr val="tx1"/>
+    </dgm:txFillClrLst>
+    <dgm:txEffectClrLst/>
+  </dgm:styleLbl>
+  <dgm:styleLbl name="callout">
+    <dgm:fillClrLst meth="repeat">
+      <a:schemeClr val="accent2"/>
+    </dgm:fillClrLst>
+    <dgm:linClrLst meth="repeat">
+      <a:schemeClr val="accent2">
+        <a:tint val="50000"/>
+      </a:schemeClr>
+    </dgm:linClrLst>
+    <dgm:effectClrLst/>
+    <dgm:txLinClrLst/>
+    <dgm:txFillClrLst meth="repeat">
+      <a:schemeClr val="tx1"/>
+    </dgm:txFillClrLst>
+    <dgm:txEffectClrLst/>
+  </dgm:styleLbl>
+  <dgm:styleLbl name="asst0">
+    <dgm:fillClrLst meth="repeat">
+      <a:schemeClr val="accent2"/>
+    </dgm:fillClrLst>
+    <dgm:linClrLst meth="repeat">
+      <a:schemeClr val="lt1"/>
+    </dgm:linClrLst>
+    <dgm:effectClrLst/>
+    <dgm:txLinClrLst/>
+    <dgm:txFillClrLst/>
+    <dgm:txEffectClrLst/>
+  </dgm:styleLbl>
+  <dgm:styleLbl name="asst1">
+    <dgm:fillClrLst meth="repeat">
+      <a:schemeClr val="accent2"/>
+    </dgm:fillClrLst>
+    <dgm:linClrLst meth="repeat">
+      <a:schemeClr val="lt1"/>
+    </dgm:linClrLst>
+    <dgm:effectClrLst/>
+    <dgm:txLinClrLst/>
+    <dgm:txFillClrLst/>
+    <dgm:txEffectClrLst/>
+  </dgm:styleLbl>
+  <dgm:styleLbl name="asst2">
+    <dgm:fillClrLst meth="repeat">
+      <a:schemeClr val="accent2"/>
+    </dgm:fillClrLst>
+    <dgm:linClrLst meth="repeat">
+      <a:schemeClr val="lt1"/>
+    </dgm:linClrLst>
+    <dgm:effectClrLst/>
+    <dgm:txLinClrLst/>
+    <dgm:txFillClrLst/>
+    <dgm:txEffectClrLst/>
+  </dgm:styleLbl>
+  <dgm:styleLbl name="asst3">
+    <dgm:fillClrLst meth="repeat">
+      <a:schemeClr val="accent2"/>
+    </dgm:fillClrLst>
+    <dgm:linClrLst meth="repeat">
+      <a:schemeClr val="lt1"/>
+    </dgm:linClrLst>
+    <dgm:effectClrLst/>
+    <dgm:txLinClrLst/>
+    <dgm:txFillClrLst/>
+    <dgm:txEffectClrLst/>
+  </dgm:styleLbl>
+  <dgm:styleLbl name="asst4">
+    <dgm:fillClrLst meth="repeat">
+      <a:schemeClr val="accent2"/>
+    </dgm:fillClrLst>
+    <dgm:linClrLst meth="repeat">
+      <a:schemeClr val="lt1"/>
+    </dgm:linClrLst>
+    <dgm:effectClrLst/>
+    <dgm:txLinClrLst/>
+    <dgm:txFillClrLst/>
+    <dgm:txEffectClrLst/>
+  </dgm:styleLbl>
+  <dgm:styleLbl name="parChTrans2D1">
+    <dgm:fillClrLst meth="repeat">
+      <a:schemeClr val="accent2">
+        <a:tint val="60000"/>
+      </a:schemeClr>
+    </dgm:fillClrLst>
+    <dgm:linClrLst meth="repeat">
+      <a:schemeClr val="accent2">
+        <a:tint val="60000"/>
+      </a:schemeClr>
+    </dgm:linClrLst>
+    <dgm:effectClrLst/>
+    <dgm:txLinClrLst/>
+    <dgm:txFillClrLst meth="repeat">
+      <a:schemeClr val="lt1"/>
+    </dgm:txFillClrLst>
+    <dgm:txEffectClrLst/>
+  </dgm:styleLbl>
+  <dgm:styleLbl name="parChTrans2D2">
+    <dgm:fillClrLst meth="repeat">
+      <a:schemeClr val="accent2"/>
+    </dgm:fillClrLst>
+    <dgm:linClrLst meth="repeat">
+      <a:schemeClr val="accent2"/>
+    </dgm:linClrLst>
+    <dgm:effectClrLst/>
+    <dgm:txLinClrLst/>
+    <dgm:txFillClrLst meth="repeat">
+      <a:schemeClr val="lt1"/>
+    </dgm:txFillClrLst>
+    <dgm:txEffectClrLst/>
+  </dgm:styleLbl>
+  <dgm:styleLbl name="parChTrans2D3">
+    <dgm:fillClrLst meth="repeat">
+      <a:schemeClr val="accent2"/>
+    </dgm:fillClrLst>
+    <dgm:linClrLst meth="repeat">
+      <a:schemeClr val="accent2"/>
+    </dgm:linClrLst>
+    <dgm:effectClrLst/>
+    <dgm:txLinClrLst/>
+    <dgm:txFillClrLst meth="repeat">
+      <a:schemeClr val="lt1"/>
+    </dgm:txFillClrLst>
+    <dgm:txEffectClrLst/>
+  </dgm:styleLbl>
+  <dgm:styleLbl name="parChTrans2D4">
+    <dgm:fillClrLst meth="repeat">
+      <a:schemeClr val="accent2"/>
+    </dgm:fillClrLst>
+    <dgm:linClrLst meth="repeat">
+      <a:schemeClr val="accent2"/>
+    </dgm:linClrLst>
+    <dgm:effectClrLst/>
+    <dgm:txLinClrLst/>
+    <dgm:txFillClrLst meth="repeat">
+      <a:schemeClr val="lt1"/>
+    </dgm:txFillClrLst>
+    <dgm:txEffectClrLst/>
+  </dgm:styleLbl>
+  <dgm:styleLbl name="parChTrans1D1">
+    <dgm:fillClrLst meth="repeat">
+      <a:schemeClr val="accent2"/>
+    </dgm:fillClrLst>
+    <dgm:linClrLst meth="repeat">
+      <a:schemeClr val="accent2">
+        <a:shade val="60000"/>
+      </a:schemeClr>
+    </dgm:linClrLst>
+    <dgm:effectClrLst/>
+    <dgm:txLinClrLst/>
+    <dgm:txFillClrLst meth="repeat">
+      <a:schemeClr val="tx1"/>
+    </dgm:txFillClrLst>
+    <dgm:txEffectClrLst/>
+  </dgm:styleLbl>
+  <dgm:styleLbl name="parChTrans1D2">
+    <dgm:fillClrLst meth="repeat">
+      <a:schemeClr val="accent2"/>
+    </dgm:fillClrLst>
+    <dgm:linClrLst meth="repeat">
+      <a:schemeClr val="accent2">
+        <a:shade val="60000"/>
+      </a:schemeClr>
+    </dgm:linClrLst>
+    <dgm:effectClrLst/>
+    <dgm:txLinClrLst/>
+    <dgm:txFillClrLst meth="repeat">
+      <a:schemeClr val="tx1"/>
+    </dgm:txFillClrLst>
+    <dgm:txEffectClrLst/>
+  </dgm:styleLbl>
+  <dgm:styleLbl name="parChTrans1D3">
+    <dgm:fillClrLst meth="repeat">
+      <a:schemeClr val="accent2"/>
+    </dgm:fillClrLst>
+    <dgm:linClrLst meth="repeat">
+      <a:schemeClr val="accent2">
+        <a:shade val="80000"/>
+      </a:schemeClr>
+    </dgm:linClrLst>
+    <dgm:effectClrLst/>
+    <dgm:txLinClrLst/>
+    <dgm:txFillClrLst meth="repeat">
+      <a:schemeClr val="tx1"/>
+    </dgm:txFillClrLst>
+    <dgm:txEffectClrLst/>
+  </dgm:styleLbl>
+  <dgm:styleLbl name="parChTrans1D4">
+    <dgm:fillClrLst meth="repeat">
+      <a:schemeClr val="accent2"/>
+    </dgm:fillClrLst>
+    <dgm:linClrLst meth="repeat">
+      <a:schemeClr val="accent2">
+        <a:shade val="80000"/>
+      </a:schemeClr>
+    </dgm:linClrLst>
+    <dgm:effectClrLst/>
+    <dgm:txLinClrLst/>
+    <dgm:txFillClrLst meth="repeat">
+      <a:schemeClr val="tx1"/>
+    </dgm:txFillClrLst>
+    <dgm:txEffectClrLst/>
+  </dgm:styleLbl>
+  <dgm:styleLbl name="fgAcc1">
+    <dgm:fillClrLst meth="repeat">
+      <a:schemeClr val="lt1">
+        <a:alpha val="90000"/>
+      </a:schemeClr>
+    </dgm:fillClrLst>
+    <dgm:linClrLst meth="repeat">
+      <a:schemeClr val="accent2"/>
+    </dgm:linClrLst>
+    <dgm:effectClrLst/>
+    <dgm:txLinClrLst/>
+    <dgm:txFillClrLst meth="repeat">
+      <a:schemeClr val="dk1"/>
+    </dgm:txFillClrLst>
+    <dgm:txEffectClrLst/>
+  </dgm:styleLbl>
+  <dgm:styleLbl name="conFgAcc1">
+    <dgm:fillClrLst meth="repeat">
+      <a:schemeClr val="lt1">
+        <a:alpha val="90000"/>
+      </a:schemeClr>
+    </dgm:fillClrLst>
+    <dgm:linClrLst meth="repeat">
+      <a:schemeClr val="accent2"/>
+    </dgm:linClrLst>
+    <dgm:effectClrLst/>
+    <dgm:txLinClrLst/>
+    <dgm:txFillClrLst meth="repeat">
+      <a:schemeClr val="dk1"/>
+    </dgm:txFillClrLst>
+    <dgm:txEffectClrLst/>
+  </dgm:styleLbl>
+  <dgm:styleLbl name="alignAcc1">
+    <dgm:fillClrLst meth="repeat">
+      <a:schemeClr val="lt1">
+        <a:alpha val="90000"/>
+      </a:schemeClr>
+    </dgm:fillClrLst>
+    <dgm:linClrLst meth="repeat">
+      <a:schemeClr val="accent2"/>
+    </dgm:linClrLst>
+    <dgm:effectClrLst/>
+    <dgm:txLinClrLst/>
+    <dgm:txFillClrLst meth="repeat">
+      <a:schemeClr val="dk1"/>
+    </dgm:txFillClrLst>
+    <dgm:txEffectClrLst/>
+  </dgm:styleLbl>
+  <dgm:styleLbl name="trAlignAcc1">
+    <dgm:fillClrLst meth="repeat">
+      <a:schemeClr val="lt1">
+        <a:alpha val="40000"/>
+      </a:schemeClr>
+    </dgm:fillClrLst>
+    <dgm:linClrLst meth="repeat">
+      <a:schemeClr val="accent2"/>
+    </dgm:linClrLst>
+    <dgm:effectClrLst/>
+    <dgm:txLinClrLst/>
+    <dgm:txFillClrLst meth="repeat">
+      <a:schemeClr val="dk1"/>
+    </dgm:txFillClrLst>
+    <dgm:txEffectClrLst/>
+  </dgm:styleLbl>
+  <dgm:styleLbl name="bgAcc1">
+    <dgm:fillClrLst meth="repeat">
+      <a:schemeClr val="lt1">
+        <a:alpha val="90000"/>
+      </a:schemeClr>
+    </dgm:fillClrLst>
+    <dgm:linClrLst meth="repeat">
+      <a:schemeClr val="accent2"/>
+    </dgm:linClrLst>
+    <dgm:effectClrLst/>
+    <dgm:txLinClrLst/>
+    <dgm:txFillClrLst meth="repeat">
+      <a:schemeClr val="dk1"/>
+    </dgm:txFillClrLst>
+    <dgm:txEffectClrLst/>
+  </dgm:styleLbl>
+  <dgm:styleLbl name="solidFgAcc1">
+    <dgm:fillClrLst meth="repeat">
+      <a:schemeClr val="lt1"/>
+    </dgm:fillClrLst>
+    <dgm:linClrLst meth="repeat">
+      <a:schemeClr val="accent2"/>
+    </dgm:linClrLst>
+    <dgm:effectClrLst/>
+    <dgm:txLinClrLst/>
+    <dgm:txFillClrLst meth="repeat">
+      <a:schemeClr val="dk1"/>
+    </dgm:txFillClrLst>
+    <dgm:txEffectClrLst/>
+  </dgm:styleLbl>
+  <dgm:styleLbl name="solidAlignAcc1">
+    <dgm:fillClrLst meth="repeat">
+      <a:schemeClr val="lt1"/>
+    </dgm:fillClrLst>
+    <dgm:linClrLst meth="repeat">
+      <a:schemeClr val="accent2"/>
+    </dgm:linClrLst>
+    <dgm:effectClrLst/>
+    <dgm:txLinClrLst/>
+    <dgm:txFillClrLst meth="repeat">
+      <a:schemeClr val="dk1"/>
+    </dgm:txFillClrLst>
+    <dgm:txEffectClrLst/>
+  </dgm:styleLbl>
+  <dgm:styleLbl name="solidBgAcc1">
+    <dgm:fillClrLst meth="repeat">
+      <a:schemeClr val="lt1"/>
+    </dgm:fillClrLst>
+    <dgm:linClrLst meth="repeat">
+      <a:schemeClr val="accent2"/>
+    </dgm:linClrLst>
+    <dgm:effectClrLst/>
+    <dgm:txLinClrLst/>
+    <dgm:txFillClrLst meth="repeat">
+      <a:schemeClr val="dk1"/>
+    </dgm:txFillClrLst>
+    <dgm:txEffectClrLst/>
+  </dgm:styleLbl>
+  <dgm:styleLbl name="fgAccFollowNode1">
+    <dgm:fillClrLst meth="repeat">
+      <a:schemeClr val="accent2">
+        <a:alpha val="90000"/>
+        <a:tint val="40000"/>
+      </a:schemeClr>
+    </dgm:fillClrLst>
+    <dgm:linClrLst meth="repeat">
+      <a:schemeClr val="accent2">
+        <a:alpha val="90000"/>
+        <a:tint val="40000"/>
+      </a:schemeClr>
+    </dgm:linClrLst>
+    <dgm:effectClrLst/>
+    <dgm:txLinClrLst/>
+    <dgm:txFillClrLst meth="repeat">
+      <a:schemeClr val="dk1"/>
+    </dgm:txFillClrLst>
+    <dgm:txEffectClrLst/>
+  </dgm:styleLbl>
+  <dgm:styleLbl name="alignAccFollowNode1">
+    <dgm:fillClrLst meth="repeat">
+      <a:schemeClr val="accent2">
+        <a:alpha val="90000"/>
+        <a:tint val="40000"/>
+      </a:schemeClr>
+    </dgm:fillClrLst>
+    <dgm:linClrLst meth="repeat">
+      <a:schemeClr val="accent2">
+        <a:alpha val="90000"/>
+        <a:tint val="40000"/>
+      </a:schemeClr>
+    </dgm:linClrLst>
+    <dgm:effectClrLst/>
+    <dgm:txLinClrLst/>
+    <dgm:txFillClrLst meth="repeat">
+      <a:schemeClr val="dk1"/>
+    </dgm:txFillClrLst>
+    <dgm:txEffectClrLst/>
+  </dgm:styleLbl>
+  <dgm:styleLbl name="bgAccFollowNode1">
+    <dgm:fillClrLst meth="repeat">
+      <a:schemeClr val="accent2">
+        <a:alpha val="90000"/>
+        <a:tint val="40000"/>
+      </a:schemeClr>
+    </dgm:fillClrLst>
+    <dgm:linClrLst meth="repeat">
+      <a:schemeClr val="accent2">
+        <a:alpha val="90000"/>
+        <a:tint val="40000"/>
+      </a:schemeClr>
+    </dgm:linClrLst>
+    <dgm:effectClrLst/>
+    <dgm:txLinClrLst/>
+    <dgm:txFillClrLst meth="repeat">
+      <a:schemeClr val="dk1"/>
+    </dgm:txFillClrLst>
+    <dgm:txEffectClrLst/>
+  </dgm:styleLbl>
+  <dgm:styleLbl name="fgAcc0">
+    <dgm:fillClrLst meth="repeat">
+      <a:schemeClr val="lt1">
+        <a:alpha val="90000"/>
+      </a:schemeClr>
+    </dgm:fillClrLst>
+    <dgm:linClrLst meth="repeat">
+      <a:schemeClr val="accent2"/>
+    </dgm:linClrLst>
+    <dgm:effectClrLst/>
+    <dgm:txLinClrLst/>
+    <dgm:txFillClrLst meth="repeat">
+      <a:schemeClr val="dk1"/>
+    </dgm:txFillClrLst>
+    <dgm:txEffectClrLst/>
+  </dgm:styleLbl>
+  <dgm:styleLbl name="fgAcc2">
+    <dgm:fillClrLst meth="repeat">
+      <a:schemeClr val="lt1">
+        <a:alpha val="90000"/>
+      </a:schemeClr>
+    </dgm:fillClrLst>
+    <dgm:linClrLst meth="repeat">
+      <a:schemeClr val="accent2"/>
+    </dgm:linClrLst>
+    <dgm:effectClrLst/>
+    <dgm:txLinClrLst/>
+    <dgm:txFillClrLst meth="repeat">
+      <a:schemeClr val="dk1"/>
+    </dgm:txFillClrLst>
+    <dgm:txEffectClrLst/>
+  </dgm:styleLbl>
+  <dgm:styleLbl name="fgAcc3">
+    <dgm:fillClrLst meth="repeat">
+      <a:schemeClr val="lt1">
+        <a:alpha val="90000"/>
+      </a:schemeClr>
+    </dgm:fillClrLst>
+    <dgm:linClrLst meth="repeat">
+      <a:schemeClr val="accent2"/>
+    </dgm:linClrLst>
+    <dgm:effectClrLst/>
+    <dgm:txLinClrLst/>
+    <dgm:txFillClrLst meth="repeat">
+      <a:schemeClr val="dk1"/>
+    </dgm:txFillClrLst>
+    <dgm:txEffectClrLst/>
+  </dgm:styleLbl>
+  <dgm:styleLbl name="fgAcc4">
+    <dgm:fillClrLst meth="repeat">
+      <a:schemeClr val="lt1">
+        <a:alpha val="90000"/>
+      </a:schemeClr>
+    </dgm:fillClrLst>
+    <dgm:linClrLst meth="repeat">
+      <a:schemeClr val="accent2"/>
+    </dgm:linClrLst>
+    <dgm:effectClrLst/>
+    <dgm:txLinClrLst/>
+    <dgm:txFillClrLst meth="repeat">
+      <a:schemeClr val="dk1"/>
+    </dgm:txFillClrLst>
+    <dgm:txEffectClrLst/>
+  </dgm:styleLbl>
+  <dgm:styleLbl name="bgShp">
+    <dgm:fillClrLst meth="repeat">
+      <a:schemeClr val="accent2">
+        <a:tint val="40000"/>
+      </a:schemeClr>
+    </dgm:fillClrLst>
+    <dgm:linClrLst meth="repeat">
+      <a:schemeClr val="accent2"/>
+    </dgm:linClrLst>
+    <dgm:effectClrLst/>
+    <dgm:txLinClrLst/>
+    <dgm:txFillClrLst meth="repeat">
+      <a:schemeClr val="dk1"/>
+    </dgm:txFillClrLst>
+    <dgm:txEffectClrLst/>
+  </dgm:styleLbl>
+  <dgm:styleLbl name="dkBgShp">
+    <dgm:fillClrLst meth="repeat">
+      <a:schemeClr val="accent2">
+        <a:shade val="80000"/>
+      </a:schemeClr>
+    </dgm:fillClrLst>
+    <dgm:linClrLst meth="repeat">
+      <a:schemeClr val="accent2"/>
+    </dgm:linClrLst>
+    <dgm:effectClrLst/>
+    <dgm:txLinClrLst/>
+    <dgm:txFillClrLst meth="repeat">
+      <a:schemeClr val="lt1"/>
+    </dgm:txFillClrLst>
+    <dgm:txEffectClrLst/>
+  </dgm:styleLbl>
+  <dgm:styleLbl name="trBgShp">
+    <dgm:fillClrLst meth="repeat">
+      <a:schemeClr val="accent2">
+        <a:tint val="50000"/>
+        <a:alpha val="40000"/>
+      </a:schemeClr>
+    </dgm:fillClrLst>
+    <dgm:linClrLst meth="repeat">
+      <a:schemeClr val="accent2"/>
+    </dgm:linClrLst>
+    <dgm:effectClrLst/>
+    <dgm:txLinClrLst/>
+    <dgm:txFillClrLst meth="repeat">
+      <a:schemeClr val="lt1"/>
+    </dgm:txFillClrLst>
+    <dgm:txEffectClrLst/>
+  </dgm:styleLbl>
+  <dgm:styleLbl name="fgShp">
+    <dgm:fillClrLst meth="repeat">
+      <a:schemeClr val="accent2">
+        <a:tint val="60000"/>
+      </a:schemeClr>
+    </dgm:fillClrLst>
+    <dgm:linClrLst meth="repeat">
+      <a:schemeClr val="lt1"/>
+    </dgm:linClrLst>
+    <dgm:effectClrLst/>
+    <dgm:txLinClrLst/>
+    <dgm:txFillClrLst meth="repeat">
+      <a:schemeClr val="dk1"/>
+    </dgm:txFillClrLst>
+    <dgm:txEffectClrLst/>
+  </dgm:styleLbl>
+  <dgm:styleLbl name="revTx">
+    <dgm:fillClrLst meth="repeat">
+      <a:schemeClr val="lt1">
+        <a:alpha val="0"/>
+      </a:schemeClr>
+    </dgm:fillClrLst>
+    <dgm:linClrLst meth="repeat">
+      <a:schemeClr val="dk1">
+        <a:alpha val="0"/>
+      </a:schemeClr>
+    </dgm:linClrLst>
+    <dgm:effectClrLst/>
+    <dgm:txLinClrLst/>
+    <dgm:txFillClrLst meth="repeat">
+      <a:schemeClr val="tx1"/>
+    </dgm:txFillClrLst>
+    <dgm:txEffectClrLst/>
+  </dgm:styleLbl>
+</dgm:colorsDef>
+</file>
+
+<file path=ppt/diagrams/colors2.xml><?xml version="1.0" encoding="utf-8"?>
+<dgm:colorsDef xmlns:dgm="http://schemas.openxmlformats.org/drawingml/2006/diagram" xmlns:a="http://schemas.openxmlformats.org/drawingml/2006/main" uniqueId="urn:microsoft.com/office/officeart/2005/8/colors/accent2_2">
+  <dgm:title val=""/>
+  <dgm:desc val=""/>
+  <dgm:catLst>
+    <dgm:cat type="accent2" pri="11200"/>
+  </dgm:catLst>
+  <dgm:styleLbl name="node0">
+    <dgm:fillClrLst meth="repeat">
+      <a:schemeClr val="accent2"/>
+    </dgm:fillClrLst>
+    <dgm:linClrLst meth="repeat">
+      <a:schemeClr val="lt1"/>
+    </dgm:linClrLst>
+    <dgm:effectClrLst/>
+    <dgm:txLinClrLst/>
+    <dgm:txFillClrLst/>
+    <dgm:txEffectClrLst/>
+  </dgm:styleLbl>
+  <dgm:styleLbl name="node1">
+    <dgm:fillClrLst meth="repeat">
+      <a:schemeClr val="accent2"/>
+    </dgm:fillClrLst>
+    <dgm:linClrLst meth="repeat">
+      <a:schemeClr val="lt1"/>
+    </dgm:linClrLst>
+    <dgm:effectClrLst/>
+    <dgm:txLinClrLst/>
+    <dgm:txFillClrLst/>
+    <dgm:txEffectClrLst/>
+  </dgm:styleLbl>
+  <dgm:styleLbl name="alignNode1">
+    <dgm:fillClrLst meth="repeat">
+      <a:schemeClr val="accent2"/>
+    </dgm:fillClrLst>
+    <dgm:linClrLst meth="repeat">
+      <a:schemeClr val="accent2"/>
+    </dgm:linClrLst>
+    <dgm:effectClrLst/>
+    <dgm:txLinClrLst/>
+    <dgm:txFillClrLst/>
+    <dgm:txEffectClrLst/>
+  </dgm:styleLbl>
+  <dgm:styleLbl name="lnNode1">
+    <dgm:fillClrLst meth="repeat">
+      <a:schemeClr val="accent2"/>
+    </dgm:fillClrLst>
+    <dgm:linClrLst meth="repeat">
+      <a:schemeClr val="lt1"/>
+    </dgm:linClrLst>
+    <dgm:effectClrLst/>
+    <dgm:txLinClrLst/>
+    <dgm:txFillClrLst/>
+    <dgm:txEffectClrLst/>
+  </dgm:styleLbl>
+  <dgm:styleLbl name="vennNode1">
+    <dgm:fillClrLst meth="repeat">
+      <a:schemeClr val="accent2">
+        <a:alpha val="50000"/>
+      </a:schemeClr>
+    </dgm:fillClrLst>
+    <dgm:linClrLst meth="repeat">
+      <a:schemeClr val="lt1"/>
+    </dgm:linClrLst>
+    <dgm:effectClrLst/>
+    <dgm:txLinClrLst/>
+    <dgm:txFillClrLst/>
+    <dgm:txEffectClrLst/>
+  </dgm:styleLbl>
+  <dgm:styleLbl name="node2">
+    <dgm:fillClrLst meth="repeat">
+      <a:schemeClr val="accent2"/>
+    </dgm:fillClrLst>
+    <dgm:linClrLst meth="repeat">
+      <a:schemeClr val="lt1"/>
+    </dgm:linClrLst>
+    <dgm:effectClrLst/>
+    <dgm:txLinClrLst/>
+    <dgm:txFillClrLst/>
+    <dgm:txEffectClrLst/>
+  </dgm:styleLbl>
+  <dgm:styleLbl name="node3">
+    <dgm:fillClrLst meth="repeat">
+      <a:schemeClr val="accent2"/>
+    </dgm:fillClrLst>
+    <dgm:linClrLst meth="repeat">
+      <a:schemeClr val="lt1"/>
+    </dgm:linClrLst>
+    <dgm:effectClrLst/>
+    <dgm:txLinClrLst/>
+    <dgm:txFillClrLst/>
+    <dgm:txEffectClrLst/>
+  </dgm:styleLbl>
+  <dgm:styleLbl name="node4">
+    <dgm:fillClrLst meth="repeat">
+      <a:schemeClr val="accent2"/>
+    </dgm:fillClrLst>
+    <dgm:linClrLst meth="repeat">
+      <a:schemeClr val="lt1"/>
+    </dgm:linClrLst>
+    <dgm:effectClrLst/>
+    <dgm:txLinClrLst/>
+    <dgm:txFillClrLst/>
+    <dgm:txEffectClrLst/>
+  </dgm:styleLbl>
+  <dgm:styleLbl name="fgImgPlace1">
+    <dgm:fillClrLst meth="repeat">
+      <a:schemeClr val="accent2">
+        <a:tint val="50000"/>
+      </a:schemeClr>
+    </dgm:fillClrLst>
+    <dgm:linClrLst meth="repeat">
+      <a:schemeClr val="lt1"/>
+    </dgm:linClrLst>
+    <dgm:effectClrLst/>
+    <dgm:txLinClrLst/>
+    <dgm:txFillClrLst meth="repeat">
+      <a:schemeClr val="lt1"/>
+    </dgm:txFillClrLst>
+    <dgm:txEffectClrLst/>
+  </dgm:styleLbl>
+  <dgm:styleLbl name="alignImgPlace1">
+    <dgm:fillClrLst meth="repeat">
+      <a:schemeClr val="accent2">
+        <a:tint val="50000"/>
+      </a:schemeClr>
+    </dgm:fillClrLst>
+    <dgm:linClrLst meth="repeat">
+      <a:schemeClr val="lt1"/>
+    </dgm:linClrLst>
+    <dgm:effectClrLst/>
+    <dgm:txLinClrLst/>
+    <dgm:txFillClrLst meth="repeat">
+      <a:schemeClr val="lt1"/>
+    </dgm:txFillClrLst>
+    <dgm:txEffectClrLst/>
+  </dgm:styleLbl>
+  <dgm:styleLbl name="bgImgPlace1">
+    <dgm:fillClrLst meth="repeat">
+      <a:schemeClr val="accent2">
+        <a:tint val="50000"/>
+      </a:schemeClr>
+    </dgm:fillClrLst>
+    <dgm:linClrLst meth="repeat">
+      <a:schemeClr val="lt1"/>
+    </dgm:linClrLst>
+    <dgm:effectClrLst/>
+    <dgm:txLinClrLst/>
+    <dgm:txFillClrLst meth="repeat">
+      <a:schemeClr val="lt1"/>
+    </dgm:txFillClrLst>
+    <dgm:txEffectClrLst/>
+  </dgm:styleLbl>
+  <dgm:styleLbl name="sibTrans2D1">
+    <dgm:fillClrLst meth="repeat">
+      <a:schemeClr val="accent2">
+        <a:tint val="60000"/>
+      </a:schemeClr>
+    </dgm:fillClrLst>
+    <dgm:linClrLst meth="repeat">
+      <a:schemeClr val="accent2">
+        <a:tint val="60000"/>
+      </a:schemeClr>
+    </dgm:linClrLst>
+    <dgm:effectClrLst/>
+    <dgm:txLinClrLst/>
+    <dgm:txFillClrLst/>
+    <dgm:txEffectClrLst/>
+  </dgm:styleLbl>
+  <dgm:styleLbl name="fgSibTrans2D1">
+    <dgm:fillClrLst meth="repeat">
+      <a:schemeClr val="accent2">
+        <a:tint val="60000"/>
+      </a:schemeClr>
+    </dgm:fillClrLst>
+    <dgm:linClrLst meth="repeat">
+      <a:schemeClr val="accent2">
+        <a:tint val="60000"/>
+      </a:schemeClr>
+    </dgm:linClrLst>
+    <dgm:effectClrLst/>
+    <dgm:txLinClrLst/>
+    <dgm:txFillClrLst/>
+    <dgm:txEffectClrLst/>
+  </dgm:styleLbl>
+  <dgm:styleLbl name="bgSibTrans2D1">
+    <dgm:fillClrLst meth="repeat">
+      <a:schemeClr val="accent2">
+        <a:tint val="60000"/>
+      </a:schemeClr>
+    </dgm:fillClrLst>
+    <dgm:linClrLst meth="repeat">
+      <a:schemeClr val="accent2">
+        <a:tint val="60000"/>
+      </a:schemeClr>
+    </dgm:linClrLst>
+    <dgm:effectClrLst/>
+    <dgm:txLinClrLst/>
+    <dgm:txFillClrLst/>
+    <dgm:txEffectClrLst/>
+  </dgm:styleLbl>
+  <dgm:styleLbl name="sibTrans1D1">
+    <dgm:fillClrLst meth="repeat">
+      <a:schemeClr val="accent2"/>
+    </dgm:fillClrLst>
+    <dgm:linClrLst meth="repeat">
+      <a:schemeClr val="accent2"/>
+    </dgm:linClrLst>
+    <dgm:effectClrLst/>
+    <dgm:txLinClrLst/>
+    <dgm:txFillClrLst meth="repeat">
+      <a:schemeClr val="tx1"/>
+    </dgm:txFillClrLst>
+    <dgm:txEffectClrLst/>
+  </dgm:styleLbl>
+  <dgm:styleLbl name="callout">
+    <dgm:fillClrLst meth="repeat">
+      <a:schemeClr val="accent2"/>
+    </dgm:fillClrLst>
+    <dgm:linClrLst meth="repeat">
+      <a:schemeClr val="accent2">
+        <a:tint val="50000"/>
+      </a:schemeClr>
+    </dgm:linClrLst>
+    <dgm:effectClrLst/>
+    <dgm:txLinClrLst/>
+    <dgm:txFillClrLst meth="repeat">
+      <a:schemeClr val="tx1"/>
+    </dgm:txFillClrLst>
+    <dgm:txEffectClrLst/>
+  </dgm:styleLbl>
+  <dgm:styleLbl name="asst0">
+    <dgm:fillClrLst meth="repeat">
+      <a:schemeClr val="accent2"/>
+    </dgm:fillClrLst>
+    <dgm:linClrLst meth="repeat">
+      <a:schemeClr val="lt1"/>
+    </dgm:linClrLst>
+    <dgm:effectClrLst/>
+    <dgm:txLinClrLst/>
+    <dgm:txFillClrLst/>
+    <dgm:txEffectClrLst/>
+  </dgm:styleLbl>
+  <dgm:styleLbl name="asst1">
+    <dgm:fillClrLst meth="repeat">
+      <a:schemeClr val="accent2"/>
+    </dgm:fillClrLst>
+    <dgm:linClrLst meth="repeat">
+      <a:schemeClr val="lt1"/>
+    </dgm:linClrLst>
+    <dgm:effectClrLst/>
+    <dgm:txLinClrLst/>
+    <dgm:txFillClrLst/>
+    <dgm:txEffectClrLst/>
+  </dgm:styleLbl>
+  <dgm:styleLbl name="asst2">
+    <dgm:fillClrLst meth="repeat">
+      <a:schemeClr val="accent2"/>
+    </dgm:fillClrLst>
+    <dgm:linClrLst meth="repeat">
+      <a:schemeClr val="lt1"/>
+    </dgm:linClrLst>
+    <dgm:effectClrLst/>
+    <dgm:txLinClrLst/>
+    <dgm:txFillClrLst/>
+    <dgm:txEffectClrLst/>
+  </dgm:styleLbl>
+  <dgm:styleLbl name="asst3">
+    <dgm:fillClrLst meth="repeat">
+      <a:schemeClr val="accent2"/>
+    </dgm:fillClrLst>
+    <dgm:linClrLst meth="repeat">
+      <a:schemeClr val="lt1"/>
+    </dgm:linClrLst>
+    <dgm:effectClrLst/>
+    <dgm:txLinClrLst/>
+    <dgm:txFillClrLst/>
+    <dgm:txEffectClrLst/>
+  </dgm:styleLbl>
+  <dgm:styleLbl name="asst4">
+    <dgm:fillClrLst meth="repeat">
+      <a:schemeClr val="accent2"/>
+    </dgm:fillClrLst>
+    <dgm:linClrLst meth="repeat">
+      <a:schemeClr val="lt1"/>
+    </dgm:linClrLst>
+    <dgm:effectClrLst/>
+    <dgm:txLinClrLst/>
+    <dgm:txFillClrLst/>
+    <dgm:txEffectClrLst/>
+  </dgm:styleLbl>
+  <dgm:styleLbl name="parChTrans2D1">
+    <dgm:fillClrLst meth="repeat">
+      <a:schemeClr val="accent2">
+        <a:tint val="60000"/>
+      </a:schemeClr>
+    </dgm:fillClrLst>
+    <dgm:linClrLst meth="repeat">
+      <a:schemeClr val="accent2">
+        <a:tint val="60000"/>
+      </a:schemeClr>
+    </dgm:linClrLst>
+    <dgm:effectClrLst/>
+    <dgm:txLinClrLst/>
+    <dgm:txFillClrLst meth="repeat">
+      <a:schemeClr val="lt1"/>
+    </dgm:txFillClrLst>
+    <dgm:txEffectClrLst/>
+  </dgm:styleLbl>
+  <dgm:styleLbl name="parChTrans2D2">
+    <dgm:fillClrLst meth="repeat">
+      <a:schemeClr val="accent2"/>
+    </dgm:fillClrLst>
+    <dgm:linClrLst meth="repeat">
+      <a:schemeClr val="accent2"/>
+    </dgm:linClrLst>
+    <dgm:effectClrLst/>
+    <dgm:txLinClrLst/>
+    <dgm:txFillClrLst meth="repeat">
+      <a:schemeClr val="lt1"/>
+    </dgm:txFillClrLst>
+    <dgm:txEffectClrLst/>
+  </dgm:styleLbl>
+  <dgm:styleLbl name="parChTrans2D3">
+    <dgm:fillClrLst meth="repeat">
+      <a:schemeClr val="accent2"/>
+    </dgm:fillClrLst>
+    <dgm:linClrLst meth="repeat">
+      <a:schemeClr val="accent2"/>
+    </dgm:linClrLst>
+    <dgm:effectClrLst/>
+    <dgm:txLinClrLst/>
+    <dgm:txFillClrLst meth="repeat">
+      <a:schemeClr val="lt1"/>
+    </dgm:txFillClrLst>
+    <dgm:txEffectClrLst/>
+  </dgm:styleLbl>
+  <dgm:styleLbl name="parChTrans2D4">
+    <dgm:fillClrLst meth="repeat">
+      <a:schemeClr val="accent2"/>
+    </dgm:fillClrLst>
+    <dgm:linClrLst meth="repeat">
+      <a:schemeClr val="accent2"/>
+    </dgm:linClrLst>
+    <dgm:effectClrLst/>
+    <dgm:txLinClrLst/>
+    <dgm:txFillClrLst meth="repeat">
+      <a:schemeClr val="lt1"/>
+    </dgm:txFillClrLst>
+    <dgm:txEffectClrLst/>
+  </dgm:styleLbl>
+  <dgm:styleLbl name="parChTrans1D1">
+    <dgm:fillClrLst meth="repeat">
+      <a:schemeClr val="accent2"/>
+    </dgm:fillClrLst>
+    <dgm:linClrLst meth="repeat">
+      <a:schemeClr val="accent2">
+        <a:shade val="60000"/>
+      </a:schemeClr>
+    </dgm:linClrLst>
+    <dgm:effectClrLst/>
+    <dgm:txLinClrLst/>
+    <dgm:txFillClrLst meth="repeat">
+      <a:schemeClr val="tx1"/>
+    </dgm:txFillClrLst>
+    <dgm:txEffectClrLst/>
+  </dgm:styleLbl>
+  <dgm:styleLbl name="parChTrans1D2">
+    <dgm:fillClrLst meth="repeat">
+      <a:schemeClr val="accent2"/>
+    </dgm:fillClrLst>
+    <dgm:linClrLst meth="repeat">
+      <a:schemeClr val="accent2">
+        <a:shade val="60000"/>
+      </a:schemeClr>
+    </dgm:linClrLst>
+    <dgm:effectClrLst/>
+    <dgm:txLinClrLst/>
+    <dgm:txFillClrLst meth="repeat">
+      <a:schemeClr val="tx1"/>
+    </dgm:txFillClrLst>
+    <dgm:txEffectClrLst/>
+  </dgm:styleLbl>
+  <dgm:styleLbl name="parChTrans1D3">
+    <dgm:fillClrLst meth="repeat">
+      <a:schemeClr val="accent2"/>
+    </dgm:fillClrLst>
+    <dgm:linClrLst meth="repeat">
+      <a:schemeClr val="accent2">
+        <a:shade val="80000"/>
+      </a:schemeClr>
+    </dgm:linClrLst>
+    <dgm:effectClrLst/>
+    <dgm:txLinClrLst/>
+    <dgm:txFillClrLst meth="repeat">
+      <a:schemeClr val="tx1"/>
+    </dgm:txFillClrLst>
+    <dgm:txEffectClrLst/>
+  </dgm:styleLbl>
+  <dgm:styleLbl name="parChTrans1D4">
+    <dgm:fillClrLst meth="repeat">
+      <a:schemeClr val="accent2"/>
+    </dgm:fillClrLst>
+    <dgm:linClrLst meth="repeat">
+      <a:schemeClr val="accent2">
+        <a:shade val="80000"/>
+      </a:schemeClr>
+    </dgm:linClrLst>
+    <dgm:effectClrLst/>
+    <dgm:txLinClrLst/>
+    <dgm:txFillClrLst meth="repeat">
+      <a:schemeClr val="tx1"/>
+    </dgm:txFillClrLst>
+    <dgm:txEffectClrLst/>
+  </dgm:styleLbl>
+  <dgm:styleLbl name="fgAcc1">
+    <dgm:fillClrLst meth="repeat">
+      <a:schemeClr val="lt1">
+        <a:alpha val="90000"/>
+      </a:schemeClr>
+    </dgm:fillClrLst>
+    <dgm:linClrLst meth="repeat">
+      <a:schemeClr val="accent2"/>
+    </dgm:linClrLst>
+    <dgm:effectClrLst/>
+    <dgm:txLinClrLst/>
+    <dgm:txFillClrLst meth="repeat">
+      <a:schemeClr val="dk1"/>
+    </dgm:txFillClrLst>
+    <dgm:txEffectClrLst/>
+  </dgm:styleLbl>
+  <dgm:styleLbl name="conFgAcc1">
+    <dgm:fillClrLst meth="repeat">
+      <a:schemeClr val="lt1">
+        <a:alpha val="90000"/>
+      </a:schemeClr>
+    </dgm:fillClrLst>
+    <dgm:linClrLst meth="repeat">
+      <a:schemeClr val="accent2"/>
+    </dgm:linClrLst>
+    <dgm:effectClrLst/>
+    <dgm:txLinClrLst/>
+    <dgm:txFillClrLst meth="repeat">
+      <a:schemeClr val="dk1"/>
+    </dgm:txFillClrLst>
+    <dgm:txEffectClrLst/>
+  </dgm:styleLbl>
+  <dgm:styleLbl name="alignAcc1">
+    <dgm:fillClrLst meth="repeat">
+      <a:schemeClr val="lt1">
+        <a:alpha val="90000"/>
+      </a:schemeClr>
+    </dgm:fillClrLst>
+    <dgm:linClrLst meth="repeat">
+      <a:schemeClr val="accent2"/>
+    </dgm:linClrLst>
+    <dgm:effectClrLst/>
+    <dgm:txLinClrLst/>
+    <dgm:txFillClrLst meth="repeat">
+      <a:schemeClr val="dk1"/>
+    </dgm:txFillClrLst>
+    <dgm:txEffectClrLst/>
+  </dgm:styleLbl>
+  <dgm:styleLbl name="trAlignAcc1">
+    <dgm:fillClrLst meth="repeat">
+      <a:schemeClr val="lt1">
+        <a:alpha val="40000"/>
+      </a:schemeClr>
+    </dgm:fillClrLst>
+    <dgm:linClrLst meth="repeat">
+      <a:schemeClr val="accent2"/>
+    </dgm:linClrLst>
+    <dgm:effectClrLst/>
+    <dgm:txLinClrLst/>
+    <dgm:txFillClrLst meth="repeat">
+      <a:schemeClr val="dk1"/>
+    </dgm:txFillClrLst>
+    <dgm:txEffectClrLst/>
+  </dgm:styleLbl>
+  <dgm:styleLbl name="bgAcc1">
+    <dgm:fillClrLst meth="repeat">
+      <a:schemeClr val="lt1">
+        <a:alpha val="90000"/>
+      </a:schemeClr>
+    </dgm:fillClrLst>
+    <dgm:linClrLst meth="repeat">
+      <a:schemeClr val="accent2"/>
+    </dgm:linClrLst>
+    <dgm:effectClrLst/>
+    <dgm:txLinClrLst/>
+    <dgm:txFillClrLst meth="repeat">
+      <a:schemeClr val="dk1"/>
+    </dgm:txFillClrLst>
+    <dgm:txEffectClrLst/>
+  </dgm:styleLbl>
+  <dgm:styleLbl name="solidFgAcc1">
+    <dgm:fillClrLst meth="repeat">
+      <a:schemeClr val="lt1"/>
+    </dgm:fillClrLst>
+    <dgm:linClrLst meth="repeat">
+      <a:schemeClr val="accent2"/>
+    </dgm:linClrLst>
+    <dgm:effectClrLst/>
+    <dgm:txLinClrLst/>
+    <dgm:txFillClrLst meth="repeat">
+      <a:schemeClr val="dk1"/>
+    </dgm:txFillClrLst>
+    <dgm:txEffectClrLst/>
+  </dgm:styleLbl>
+  <dgm:styleLbl name="solidAlignAcc1">
+    <dgm:fillClrLst meth="repeat">
+      <a:schemeClr val="lt1"/>
+    </dgm:fillClrLst>
+    <dgm:linClrLst meth="repeat">
+      <a:schemeClr val="accent2"/>
+    </dgm:linClrLst>
+    <dgm:effectClrLst/>
+    <dgm:txLinClrLst/>
+    <dgm:txFillClrLst meth="repeat">
+      <a:schemeClr val="dk1"/>
+    </dgm:txFillClrLst>
+    <dgm:txEffectClrLst/>
+  </dgm:styleLbl>
+  <dgm:styleLbl name="solidBgAcc1">
+    <dgm:fillClrLst meth="repeat">
+      <a:schemeClr val="lt1"/>
+    </dgm:fillClrLst>
+    <dgm:linClrLst meth="repeat">
+      <a:schemeClr val="accent2"/>
+    </dgm:linClrLst>
+    <dgm:effectClrLst/>
+    <dgm:txLinClrLst/>
+    <dgm:txFillClrLst meth="repeat">
+      <a:schemeClr val="dk1"/>
+    </dgm:txFillClrLst>
+    <dgm:txEffectClrLst/>
+  </dgm:styleLbl>
+  <dgm:styleLbl name="fgAccFollowNode1">
+    <dgm:fillClrLst meth="repeat">
+      <a:schemeClr val="accent2">
+        <a:alpha val="90000"/>
+        <a:tint val="40000"/>
+      </a:schemeClr>
+    </dgm:fillClrLst>
+    <dgm:linClrLst meth="repeat">
+      <a:schemeClr val="accent2">
+        <a:alpha val="90000"/>
+        <a:tint val="40000"/>
+      </a:schemeClr>
+    </dgm:linClrLst>
+    <dgm:effectClrLst/>
+    <dgm:txLinClrLst/>
+    <dgm:txFillClrLst meth="repeat">
+      <a:schemeClr val="dk1"/>
+    </dgm:txFillClrLst>
+    <dgm:txEffectClrLst/>
+  </dgm:styleLbl>
+  <dgm:styleLbl name="alignAccFollowNode1">
+    <dgm:fillClrLst meth="repeat">
+      <a:schemeClr val="accent2">
+        <a:alpha val="90000"/>
+        <a:tint val="40000"/>
+      </a:schemeClr>
+    </dgm:fillClrLst>
+    <dgm:linClrLst meth="repeat">
+      <a:schemeClr val="accent2">
+        <a:alpha val="90000"/>
+        <a:tint val="40000"/>
+      </a:schemeClr>
+    </dgm:linClrLst>
+    <dgm:effectClrLst/>
+    <dgm:txLinClrLst/>
+    <dgm:txFillClrLst meth="repeat">
+      <a:schemeClr val="dk1"/>
+    </dgm:txFillClrLst>
+    <dgm:txEffectClrLst/>
+  </dgm:styleLbl>
+  <dgm:styleLbl name="bgAccFollowNode1">
+    <dgm:fillClrLst meth="repeat">
+      <a:schemeClr val="accent2">
+        <a:alpha val="90000"/>
+        <a:tint val="40000"/>
+      </a:schemeClr>
+    </dgm:fillClrLst>
+    <dgm:linClrLst meth="repeat">
+      <a:schemeClr val="accent2">
+        <a:alpha val="90000"/>
+        <a:tint val="40000"/>
+      </a:schemeClr>
+    </dgm:linClrLst>
+    <dgm:effectClrLst/>
+    <dgm:txLinClrLst/>
+    <dgm:txFillClrLst meth="repeat">
+      <a:schemeClr val="dk1"/>
+    </dgm:txFillClrLst>
+    <dgm:txEffectClrLst/>
+  </dgm:styleLbl>
+  <dgm:styleLbl name="fgAcc0">
+    <dgm:fillClrLst meth="repeat">
+      <a:schemeClr val="lt1">
+        <a:alpha val="90000"/>
+      </a:schemeClr>
+    </dgm:fillClrLst>
+    <dgm:linClrLst meth="repeat">
+      <a:schemeClr val="accent2"/>
+    </dgm:linClrLst>
+    <dgm:effectClrLst/>
+    <dgm:txLinClrLst/>
+    <dgm:txFillClrLst meth="repeat">
+      <a:schemeClr val="dk1"/>
+    </dgm:txFillClrLst>
+    <dgm:txEffectClrLst/>
+  </dgm:styleLbl>
+  <dgm:styleLbl name="fgAcc2">
+    <dgm:fillClrLst meth="repeat">
+      <a:schemeClr val="lt1">
+        <a:alpha val="90000"/>
+      </a:schemeClr>
+    </dgm:fillClrLst>
+    <dgm:linClrLst meth="repeat">
+      <a:schemeClr val="accent2"/>
+    </dgm:linClrLst>
+    <dgm:effectClrLst/>
+    <dgm:txLinClrLst/>
+    <dgm:txFillClrLst meth="repeat">
+      <a:schemeClr val="dk1"/>
+    </dgm:txFillClrLst>
+    <dgm:txEffectClrLst/>
+  </dgm:styleLbl>
+  <dgm:styleLbl name="fgAcc3">
+    <dgm:fillClrLst meth="repeat">
+      <a:schemeClr val="lt1">
+        <a:alpha val="90000"/>
+      </a:schemeClr>
+    </dgm:fillClrLst>
+    <dgm:linClrLst meth="repeat">
+      <a:schemeClr val="accent2"/>
+    </dgm:linClrLst>
+    <dgm:effectClrLst/>
+    <dgm:txLinClrLst/>
+    <dgm:txFillClrLst meth="repeat">
+      <a:schemeClr val="dk1"/>
+    </dgm:txFillClrLst>
+    <dgm:txEffectClrLst/>
+  </dgm:styleLbl>
+  <dgm:styleLbl name="fgAcc4">
+    <dgm:fillClrLst meth="repeat">
+      <a:schemeClr val="lt1">
+        <a:alpha val="90000"/>
+      </a:schemeClr>
+    </dgm:fillClrLst>
+    <dgm:linClrLst meth="repeat">
+      <a:schemeClr val="accent2"/>
+    </dgm:linClrLst>
+    <dgm:effectClrLst/>
+    <dgm:txLinClrLst/>
+    <dgm:txFillClrLst meth="repeat">
+      <a:schemeClr val="dk1"/>
+    </dgm:txFillClrLst>
+    <dgm:txEffectClrLst/>
+  </dgm:styleLbl>
+  <dgm:styleLbl name="bgShp">
+    <dgm:fillClrLst meth="repeat">
+      <a:schemeClr val="accent2">
+        <a:tint val="40000"/>
+      </a:schemeClr>
+    </dgm:fillClrLst>
+    <dgm:linClrLst meth="repeat">
+      <a:schemeClr val="accent2"/>
+    </dgm:linClrLst>
+    <dgm:effectClrLst/>
+    <dgm:txLinClrLst/>
+    <dgm:txFillClrLst meth="repeat">
+      <a:schemeClr val="dk1"/>
+    </dgm:txFillClrLst>
+    <dgm:txEffectClrLst/>
+  </dgm:styleLbl>
+  <dgm:styleLbl name="dkBgShp">
+    <dgm:fillClrLst meth="repeat">
+      <a:schemeClr val="accent2">
+        <a:shade val="80000"/>
+      </a:schemeClr>
+    </dgm:fillClrLst>
+    <dgm:linClrLst meth="repeat">
+      <a:schemeClr val="accent2"/>
+    </dgm:linClrLst>
+    <dgm:effectClrLst/>
+    <dgm:txLinClrLst/>
+    <dgm:txFillClrLst meth="repeat">
+      <a:schemeClr val="lt1"/>
+    </dgm:txFillClrLst>
+    <dgm:txEffectClrLst/>
+  </dgm:styleLbl>
+  <dgm:styleLbl name="trBgShp">
+    <dgm:fillClrLst meth="repeat">
+      <a:schemeClr val="accent2">
+        <a:tint val="50000"/>
+        <a:alpha val="40000"/>
+      </a:schemeClr>
+    </dgm:fillClrLst>
+    <dgm:linClrLst meth="repeat">
+      <a:schemeClr val="accent2"/>
+    </dgm:linClrLst>
+    <dgm:effectClrLst/>
+    <dgm:txLinClrLst/>
+    <dgm:txFillClrLst meth="repeat">
+      <a:schemeClr val="lt1"/>
+    </dgm:txFillClrLst>
+    <dgm:txEffectClrLst/>
+  </dgm:styleLbl>
+  <dgm:styleLbl name="fgShp">
+    <dgm:fillClrLst meth="repeat">
+      <a:schemeClr val="accent2">
+        <a:tint val="60000"/>
+      </a:schemeClr>
+    </dgm:fillClrLst>
+    <dgm:linClrLst meth="repeat">
+      <a:schemeClr val="lt1"/>
+    </dgm:linClrLst>
+    <dgm:effectClrLst/>
+    <dgm:txLinClrLst/>
+    <dgm:txFillClrLst meth="repeat">
+      <a:schemeClr val="dk1"/>
+    </dgm:txFillClrLst>
+    <dgm:txEffectClrLst/>
+  </dgm:styleLbl>
+  <dgm:styleLbl name="revTx">
+    <dgm:fillClrLst meth="repeat">
+      <a:schemeClr val="lt1">
+        <a:alpha val="0"/>
+      </a:schemeClr>
+    </dgm:fillClrLst>
+    <dgm:linClrLst meth="repeat">
+      <a:schemeClr val="dk1">
+        <a:alpha val="0"/>
+      </a:schemeClr>
+    </dgm:linClrLst>
+    <dgm:effectClrLst/>
+    <dgm:txLinClrLst/>
+    <dgm:txFillClrLst meth="repeat">
+      <a:schemeClr val="tx1"/>
+    </dgm:txFillClrLst>
+    <dgm:txEffectClrLst/>
+  </dgm:styleLbl>
+</dgm:colorsDef>
+</file>
+
+<file path=ppt/diagrams/data1.xml><?xml version="1.0" encoding="utf-8"?>
+<dgm:dataModel xmlns:dgm="http://schemas.openxmlformats.org/drawingml/2006/diagram" xmlns:a="http://schemas.openxmlformats.org/drawingml/2006/main">
+  <dgm:ptLst>
+    <dgm:pt modelId="{EB68B606-1420-49B5-BEA9-02EAB87264D4}" type="doc">
+      <dgm:prSet loTypeId="urn:microsoft.com/office/officeart/2018/5/layout/IconCircleLabelList" loCatId="icon" qsTypeId="urn:microsoft.com/office/officeart/2005/8/quickstyle/simple1" qsCatId="simple" csTypeId="urn:microsoft.com/office/officeart/2005/8/colors/accent2_2" csCatId="accent2" phldr="1"/>
+      <dgm:spPr/>
+      <dgm:t>
+        <a:bodyPr/>
+        <a:lstStyle/>
+        <a:p>
+          <a:endParaRPr lang="en-US"/>
+        </a:p>
+      </dgm:t>
+    </dgm:pt>
+    <dgm:pt modelId="{215AE4E5-E865-4BD2-BFB2-16C2377BEC40}">
+      <dgm:prSet/>
+      <dgm:spPr/>
+      <dgm:t>
+        <a:bodyPr/>
+        <a:lstStyle/>
+        <a:p>
+          <a:pPr>
+            <a:lnSpc>
+              <a:spcPct val="100000"/>
+            </a:lnSpc>
+            <a:defRPr cap="all"/>
+          </a:pPr>
+          <a:r>
+            <a:rPr lang="en-US" dirty="0"/>
+            <a:t>Data Refinement</a:t>
+          </a:r>
+        </a:p>
+      </dgm:t>
+    </dgm:pt>
+    <dgm:pt modelId="{5568BF7E-B795-49C8-B1A3-80E125B6B7FD}" type="parTrans" cxnId="{1E401D8B-ACD0-4ED7-B206-7A2233C6E612}">
+      <dgm:prSet/>
+      <dgm:spPr/>
+      <dgm:t>
+        <a:bodyPr/>
+        <a:lstStyle/>
+        <a:p>
+          <a:endParaRPr lang="en-US"/>
+        </a:p>
+      </dgm:t>
+    </dgm:pt>
+    <dgm:pt modelId="{1E261905-046E-420D-B98A-2E76DA567ED4}" type="sibTrans" cxnId="{1E401D8B-ACD0-4ED7-B206-7A2233C6E612}">
+      <dgm:prSet/>
+      <dgm:spPr/>
+      <dgm:t>
+        <a:bodyPr/>
+        <a:lstStyle/>
+        <a:p>
+          <a:endParaRPr lang="en-US"/>
+        </a:p>
+      </dgm:t>
+    </dgm:pt>
+    <dgm:pt modelId="{186432AE-F030-4EC9-BC7D-13F1DF4F9317}">
+      <dgm:prSet/>
+      <dgm:spPr/>
+      <dgm:t>
+        <a:bodyPr/>
+        <a:lstStyle/>
+        <a:p>
+          <a:pPr>
+            <a:lnSpc>
+              <a:spcPct val="100000"/>
+            </a:lnSpc>
+            <a:defRPr cap="all"/>
+          </a:pPr>
+          <a:r>
+            <a:rPr lang="en-US"/>
+            <a:t>Application Development</a:t>
+          </a:r>
+        </a:p>
+      </dgm:t>
+    </dgm:pt>
+    <dgm:pt modelId="{9209FA6F-2121-4E97-8EBA-2EAC791CD230}" type="parTrans" cxnId="{7F164A45-F301-4F16-8446-269830A38444}">
+      <dgm:prSet/>
+      <dgm:spPr/>
+      <dgm:t>
+        <a:bodyPr/>
+        <a:lstStyle/>
+        <a:p>
+          <a:endParaRPr lang="en-US"/>
+        </a:p>
+      </dgm:t>
+    </dgm:pt>
+    <dgm:pt modelId="{2E490A07-DDA6-4640-AA7E-B68D9B394FCD}" type="sibTrans" cxnId="{7F164A45-F301-4F16-8446-269830A38444}">
+      <dgm:prSet/>
+      <dgm:spPr/>
+      <dgm:t>
+        <a:bodyPr/>
+        <a:lstStyle/>
+        <a:p>
+          <a:endParaRPr lang="en-US"/>
+        </a:p>
+      </dgm:t>
+    </dgm:pt>
+    <dgm:pt modelId="{838B7164-597D-400E-8F53-27D30036C9EE}">
+      <dgm:prSet/>
+      <dgm:spPr/>
+      <dgm:t>
+        <a:bodyPr/>
+        <a:lstStyle/>
+        <a:p>
+          <a:pPr>
+            <a:lnSpc>
+              <a:spcPct val="100000"/>
+            </a:lnSpc>
+            <a:defRPr cap="all"/>
+          </a:pPr>
+          <a:r>
+            <a:rPr lang="en-US"/>
+            <a:t>Demonstration</a:t>
+          </a:r>
+        </a:p>
+      </dgm:t>
+    </dgm:pt>
+    <dgm:pt modelId="{9FF97E8C-C2B8-4489-87A9-6B6ABBB2338B}" type="parTrans" cxnId="{BC34B794-6202-4D34-843E-25B3063C6C60}">
+      <dgm:prSet/>
+      <dgm:spPr/>
+      <dgm:t>
+        <a:bodyPr/>
+        <a:lstStyle/>
+        <a:p>
+          <a:endParaRPr lang="en-US"/>
+        </a:p>
+      </dgm:t>
+    </dgm:pt>
+    <dgm:pt modelId="{13F299F6-B3CA-4C43-AA7D-FBC99BCB431C}" type="sibTrans" cxnId="{BC34B794-6202-4D34-843E-25B3063C6C60}">
+      <dgm:prSet/>
+      <dgm:spPr/>
+      <dgm:t>
+        <a:bodyPr/>
+        <a:lstStyle/>
+        <a:p>
+          <a:endParaRPr lang="en-US"/>
+        </a:p>
+      </dgm:t>
+    </dgm:pt>
+    <dgm:pt modelId="{F2D447A9-CDE4-4864-A9B2-57489BECCFE5}">
+      <dgm:prSet/>
+      <dgm:spPr/>
+      <dgm:t>
+        <a:bodyPr/>
+        <a:lstStyle/>
+        <a:p>
+          <a:pPr>
+            <a:lnSpc>
+              <a:spcPct val="100000"/>
+            </a:lnSpc>
+            <a:defRPr cap="all"/>
+          </a:pPr>
+          <a:r>
+            <a:rPr lang="en-US"/>
+            <a:t>Key Insights</a:t>
+          </a:r>
+        </a:p>
+      </dgm:t>
+    </dgm:pt>
+    <dgm:pt modelId="{ED91B78D-998D-4FA2-9015-4F4BF2F20F8F}" type="parTrans" cxnId="{CD359057-A32D-46F2-8732-8B1A275FB1E9}">
+      <dgm:prSet/>
+      <dgm:spPr/>
+      <dgm:t>
+        <a:bodyPr/>
+        <a:lstStyle/>
+        <a:p>
+          <a:endParaRPr lang="en-US"/>
+        </a:p>
+      </dgm:t>
+    </dgm:pt>
+    <dgm:pt modelId="{AA19740E-D5D9-4B74-AEC1-CF5ECC87B3F4}" type="sibTrans" cxnId="{CD359057-A32D-46F2-8732-8B1A275FB1E9}">
+      <dgm:prSet/>
+      <dgm:spPr/>
+      <dgm:t>
+        <a:bodyPr/>
+        <a:lstStyle/>
+        <a:p>
+          <a:endParaRPr lang="en-US"/>
+        </a:p>
+      </dgm:t>
+    </dgm:pt>
+    <dgm:pt modelId="{331F6092-37A5-464D-BAE9-1E20FE4F275C}">
+      <dgm:prSet/>
+      <dgm:spPr/>
+      <dgm:t>
+        <a:bodyPr/>
+        <a:lstStyle/>
+        <a:p>
+          <a:pPr>
+            <a:lnSpc>
+              <a:spcPct val="100000"/>
+            </a:lnSpc>
+            <a:defRPr cap="all"/>
+          </a:pPr>
+          <a:r>
+            <a:rPr lang="en-US"/>
+            <a:t>Moving Forward</a:t>
+          </a:r>
+        </a:p>
+      </dgm:t>
+    </dgm:pt>
+    <dgm:pt modelId="{DED6D787-7ABA-4C9B-B5AD-79B8AA942DBA}" type="parTrans" cxnId="{D2C269B4-C759-419F-9C79-F2A121A09257}">
+      <dgm:prSet/>
+      <dgm:spPr/>
+      <dgm:t>
+        <a:bodyPr/>
+        <a:lstStyle/>
+        <a:p>
+          <a:endParaRPr lang="en-US"/>
+        </a:p>
+      </dgm:t>
+    </dgm:pt>
+    <dgm:pt modelId="{6E12FCA6-BE3D-40DD-A822-BACA86FFD33B}" type="sibTrans" cxnId="{D2C269B4-C759-419F-9C79-F2A121A09257}">
+      <dgm:prSet/>
+      <dgm:spPr/>
+      <dgm:t>
+        <a:bodyPr/>
+        <a:lstStyle/>
+        <a:p>
+          <a:endParaRPr lang="en-US"/>
+        </a:p>
+      </dgm:t>
+    </dgm:pt>
+    <dgm:pt modelId="{0587B48A-1CA1-4D9C-AB84-9044C27F7A58}" type="pres">
+      <dgm:prSet presAssocID="{EB68B606-1420-49B5-BEA9-02EAB87264D4}" presName="root" presStyleCnt="0">
+        <dgm:presLayoutVars>
+          <dgm:dir/>
+          <dgm:resizeHandles val="exact"/>
+        </dgm:presLayoutVars>
+      </dgm:prSet>
+      <dgm:spPr/>
+    </dgm:pt>
+    <dgm:pt modelId="{C48977EC-BE90-4474-A34A-A779045D375D}" type="pres">
+      <dgm:prSet presAssocID="{215AE4E5-E865-4BD2-BFB2-16C2377BEC40}" presName="compNode" presStyleCnt="0"/>
+      <dgm:spPr/>
+    </dgm:pt>
+    <dgm:pt modelId="{3CB65079-38CC-451D-BCBC-63E8A15D4539}" type="pres">
+      <dgm:prSet presAssocID="{215AE4E5-E865-4BD2-BFB2-16C2377BEC40}" presName="iconBgRect" presStyleLbl="bgShp" presStyleIdx="0" presStyleCnt="5"/>
+      <dgm:spPr/>
+    </dgm:pt>
+    <dgm:pt modelId="{F2DF2FB6-93D6-4BA4-9C49-F650C1E008D2}" type="pres">
+      <dgm:prSet presAssocID="{215AE4E5-E865-4BD2-BFB2-16C2377BEC40}" presName="iconRect" presStyleLbl="node1" presStyleIdx="0" presStyleCnt="5"/>
+      <dgm:spPr>
+        <a:blipFill>
+          <a:blip xmlns:r="http://schemas.openxmlformats.org/officeDocument/2006/relationships" r:embed="rId1">
+            <a:extLst>
+              <a:ext uri="{28A0092B-C50C-407E-A947-70E740481C1C}">
+                <a14:useLocalDpi xmlns:a14="http://schemas.microsoft.com/office/drawing/2010/main" val="0"/>
+              </a:ext>
+              <a:ext uri="{96DAC541-7B7A-43D3-8B79-37D633B846F1}">
+                <asvg:svgBlip xmlns:asvg="http://schemas.microsoft.com/office/drawing/2016/SVG/main" r:embed="rId2"/>
+              </a:ext>
+            </a:extLst>
+          </a:blip>
+          <a:stretch>
+            <a:fillRect/>
+          </a:stretch>
+        </a:blipFill>
+        <a:ln>
+          <a:noFill/>
+        </a:ln>
+      </dgm:spPr>
+      <dgm:extLst>
+        <a:ext uri="{E40237B7-FDA0-4F09-8148-C483321AD2D9}">
+          <dgm14:cNvPr xmlns:dgm14="http://schemas.microsoft.com/office/drawing/2010/diagram" id="0" name="" descr="Database"/>
+        </a:ext>
+      </dgm:extLst>
+    </dgm:pt>
+    <dgm:pt modelId="{31F14E3E-3B7B-4474-AD5E-85BB2EF20DB3}" type="pres">
+      <dgm:prSet presAssocID="{215AE4E5-E865-4BD2-BFB2-16C2377BEC40}" presName="spaceRect" presStyleCnt="0"/>
+      <dgm:spPr/>
+    </dgm:pt>
+    <dgm:pt modelId="{7D562ABD-5BCD-44FD-B56D-4EB46B05432A}" type="pres">
+      <dgm:prSet presAssocID="{215AE4E5-E865-4BD2-BFB2-16C2377BEC40}" presName="textRect" presStyleLbl="revTx" presStyleIdx="0" presStyleCnt="5">
+        <dgm:presLayoutVars>
+          <dgm:chMax val="1"/>
+          <dgm:chPref val="1"/>
+        </dgm:presLayoutVars>
+      </dgm:prSet>
+      <dgm:spPr/>
+    </dgm:pt>
+    <dgm:pt modelId="{7889F081-4AEE-4A80-AA58-7D5EC2D586BD}" type="pres">
+      <dgm:prSet presAssocID="{1E261905-046E-420D-B98A-2E76DA567ED4}" presName="sibTrans" presStyleCnt="0"/>
+      <dgm:spPr/>
+    </dgm:pt>
+    <dgm:pt modelId="{8D57A134-FDC4-453A-8C26-ADA212C6DCDF}" type="pres">
+      <dgm:prSet presAssocID="{186432AE-F030-4EC9-BC7D-13F1DF4F9317}" presName="compNode" presStyleCnt="0"/>
+      <dgm:spPr/>
+    </dgm:pt>
+    <dgm:pt modelId="{7CB44771-23F4-40BD-AE35-B5393FE5A9BD}" type="pres">
+      <dgm:prSet presAssocID="{186432AE-F030-4EC9-BC7D-13F1DF4F9317}" presName="iconBgRect" presStyleLbl="bgShp" presStyleIdx="1" presStyleCnt="5"/>
+      <dgm:spPr/>
+    </dgm:pt>
+    <dgm:pt modelId="{37D6A4DA-C23D-47D4-B4D5-1A403DCA0E79}" type="pres">
+      <dgm:prSet presAssocID="{186432AE-F030-4EC9-BC7D-13F1DF4F9317}" presName="iconRect" presStyleLbl="node1" presStyleIdx="1" presStyleCnt="5"/>
+      <dgm:spPr>
+        <a:blipFill>
+          <a:blip xmlns:r="http://schemas.openxmlformats.org/officeDocument/2006/relationships" r:embed="rId3">
+            <a:extLst>
+              <a:ext uri="{28A0092B-C50C-407E-A947-70E740481C1C}">
+                <a14:useLocalDpi xmlns:a14="http://schemas.microsoft.com/office/drawing/2010/main" val="0"/>
+              </a:ext>
+              <a:ext uri="{96DAC541-7B7A-43D3-8B79-37D633B846F1}">
+                <asvg:svgBlip xmlns:asvg="http://schemas.microsoft.com/office/drawing/2016/SVG/main" r:embed="rId4"/>
+              </a:ext>
+            </a:extLst>
+          </a:blip>
+          <a:stretch>
+            <a:fillRect/>
+          </a:stretch>
+        </a:blipFill>
+        <a:ln>
+          <a:noFill/>
+        </a:ln>
+      </dgm:spPr>
+      <dgm:extLst>
+        <a:ext uri="{E40237B7-FDA0-4F09-8148-C483321AD2D9}">
+          <dgm14:cNvPr xmlns:dgm14="http://schemas.microsoft.com/office/drawing/2010/diagram" id="0" name="" descr="Computer"/>
+        </a:ext>
+      </dgm:extLst>
+    </dgm:pt>
+    <dgm:pt modelId="{BCC2534B-1748-4D6B-B57E-851A49F0294A}" type="pres">
+      <dgm:prSet presAssocID="{186432AE-F030-4EC9-BC7D-13F1DF4F9317}" presName="spaceRect" presStyleCnt="0"/>
+      <dgm:spPr/>
+    </dgm:pt>
+    <dgm:pt modelId="{82049C56-CDDA-4586-B506-FF86E50908D8}" type="pres">
+      <dgm:prSet presAssocID="{186432AE-F030-4EC9-BC7D-13F1DF4F9317}" presName="textRect" presStyleLbl="revTx" presStyleIdx="1" presStyleCnt="5">
+        <dgm:presLayoutVars>
+          <dgm:chMax val="1"/>
+          <dgm:chPref val="1"/>
+        </dgm:presLayoutVars>
+      </dgm:prSet>
+      <dgm:spPr/>
+    </dgm:pt>
+    <dgm:pt modelId="{C2D51849-DC5B-4C87-BD67-45E7CB7CB68D}" type="pres">
+      <dgm:prSet presAssocID="{2E490A07-DDA6-4640-AA7E-B68D9B394FCD}" presName="sibTrans" presStyleCnt="0"/>
+      <dgm:spPr/>
+    </dgm:pt>
+    <dgm:pt modelId="{E1B4A9DF-F751-494E-A223-3C8F300A35C1}" type="pres">
+      <dgm:prSet presAssocID="{838B7164-597D-400E-8F53-27D30036C9EE}" presName="compNode" presStyleCnt="0"/>
+      <dgm:spPr/>
+    </dgm:pt>
+    <dgm:pt modelId="{CAC5FCF9-BF7D-4016-B93A-A4ACEED18E1B}" type="pres">
+      <dgm:prSet presAssocID="{838B7164-597D-400E-8F53-27D30036C9EE}" presName="iconBgRect" presStyleLbl="bgShp" presStyleIdx="2" presStyleCnt="5"/>
+      <dgm:spPr/>
+    </dgm:pt>
+    <dgm:pt modelId="{E3E66B4C-F902-4968-920A-FB0CC4D36F39}" type="pres">
+      <dgm:prSet presAssocID="{838B7164-597D-400E-8F53-27D30036C9EE}" presName="iconRect" presStyleLbl="node1" presStyleIdx="2" presStyleCnt="5"/>
+      <dgm:spPr>
+        <a:blipFill>
+          <a:blip xmlns:r="http://schemas.openxmlformats.org/officeDocument/2006/relationships" r:embed="rId5">
+            <a:extLst>
+              <a:ext uri="{28A0092B-C50C-407E-A947-70E740481C1C}">
+                <a14:useLocalDpi xmlns:a14="http://schemas.microsoft.com/office/drawing/2010/main" val="0"/>
+              </a:ext>
+              <a:ext uri="{96DAC541-7B7A-43D3-8B79-37D633B846F1}">
+                <asvg:svgBlip xmlns:asvg="http://schemas.microsoft.com/office/drawing/2016/SVG/main" r:embed="rId6"/>
+              </a:ext>
+            </a:extLst>
+          </a:blip>
+          <a:stretch>
+            <a:fillRect/>
+          </a:stretch>
+        </a:blipFill>
+        <a:ln>
+          <a:noFill/>
+        </a:ln>
+      </dgm:spPr>
+      <dgm:extLst>
+        <a:ext uri="{E40237B7-FDA0-4F09-8148-C483321AD2D9}">
+          <dgm14:cNvPr xmlns:dgm14="http://schemas.microsoft.com/office/drawing/2010/diagram" id="0" name="" descr="Teacher"/>
+        </a:ext>
+      </dgm:extLst>
+    </dgm:pt>
+    <dgm:pt modelId="{C0996E2C-3AE7-4C93-B9DD-5D88AC810CB9}" type="pres">
+      <dgm:prSet presAssocID="{838B7164-597D-400E-8F53-27D30036C9EE}" presName="spaceRect" presStyleCnt="0"/>
+      <dgm:spPr/>
+    </dgm:pt>
+    <dgm:pt modelId="{C00BA135-77C1-4413-B8C9-9CF9DF71BE4F}" type="pres">
+      <dgm:prSet presAssocID="{838B7164-597D-400E-8F53-27D30036C9EE}" presName="textRect" presStyleLbl="revTx" presStyleIdx="2" presStyleCnt="5">
+        <dgm:presLayoutVars>
+          <dgm:chMax val="1"/>
+          <dgm:chPref val="1"/>
+        </dgm:presLayoutVars>
+      </dgm:prSet>
+      <dgm:spPr/>
+    </dgm:pt>
+    <dgm:pt modelId="{D0E248F1-3BE9-4C8D-B23B-0B8609D0B969}" type="pres">
+      <dgm:prSet presAssocID="{13F299F6-B3CA-4C43-AA7D-FBC99BCB431C}" presName="sibTrans" presStyleCnt="0"/>
+      <dgm:spPr/>
+    </dgm:pt>
+    <dgm:pt modelId="{5937DC60-E29A-4EDC-B0E4-33ABA7C2F421}" type="pres">
+      <dgm:prSet presAssocID="{F2D447A9-CDE4-4864-A9B2-57489BECCFE5}" presName="compNode" presStyleCnt="0"/>
+      <dgm:spPr/>
+    </dgm:pt>
+    <dgm:pt modelId="{832059D7-76BA-4E21-B161-A4E15E779493}" type="pres">
+      <dgm:prSet presAssocID="{F2D447A9-CDE4-4864-A9B2-57489BECCFE5}" presName="iconBgRect" presStyleLbl="bgShp" presStyleIdx="3" presStyleCnt="5"/>
+      <dgm:spPr/>
+    </dgm:pt>
+    <dgm:pt modelId="{0493B229-E50F-4EBA-8681-873DF11A6F97}" type="pres">
+      <dgm:prSet presAssocID="{F2D447A9-CDE4-4864-A9B2-57489BECCFE5}" presName="iconRect" presStyleLbl="node1" presStyleIdx="3" presStyleCnt="5"/>
+      <dgm:spPr>
+        <a:blipFill>
+          <a:blip xmlns:r="http://schemas.openxmlformats.org/officeDocument/2006/relationships" r:embed="rId7">
+            <a:extLst>
+              <a:ext uri="{28A0092B-C50C-407E-A947-70E740481C1C}">
+                <a14:useLocalDpi xmlns:a14="http://schemas.microsoft.com/office/drawing/2010/main" val="0"/>
+              </a:ext>
+              <a:ext uri="{96DAC541-7B7A-43D3-8B79-37D633B846F1}">
+                <asvg:svgBlip xmlns:asvg="http://schemas.microsoft.com/office/drawing/2016/SVG/main" r:embed="rId8"/>
+              </a:ext>
+            </a:extLst>
+          </a:blip>
+          <a:stretch>
+            <a:fillRect/>
+          </a:stretch>
+        </a:blipFill>
+        <a:ln>
+          <a:noFill/>
+        </a:ln>
+      </dgm:spPr>
+      <dgm:extLst>
+        <a:ext uri="{E40237B7-FDA0-4F09-8148-C483321AD2D9}">
+          <dgm14:cNvPr xmlns:dgm14="http://schemas.microsoft.com/office/drawing/2010/diagram" id="0" name="" descr="Lightbulb"/>
+        </a:ext>
+      </dgm:extLst>
+    </dgm:pt>
+    <dgm:pt modelId="{5332F048-1B1B-4575-9569-FF870BAFD610}" type="pres">
+      <dgm:prSet presAssocID="{F2D447A9-CDE4-4864-A9B2-57489BECCFE5}" presName="spaceRect" presStyleCnt="0"/>
+      <dgm:spPr/>
+    </dgm:pt>
+    <dgm:pt modelId="{8D537994-233C-4B64-AF64-535FB5A84971}" type="pres">
+      <dgm:prSet presAssocID="{F2D447A9-CDE4-4864-A9B2-57489BECCFE5}" presName="textRect" presStyleLbl="revTx" presStyleIdx="3" presStyleCnt="5">
+        <dgm:presLayoutVars>
+          <dgm:chMax val="1"/>
+          <dgm:chPref val="1"/>
+        </dgm:presLayoutVars>
+      </dgm:prSet>
+      <dgm:spPr/>
+    </dgm:pt>
+    <dgm:pt modelId="{3CF925B0-90E7-43FE-9089-806F5AA81789}" type="pres">
+      <dgm:prSet presAssocID="{AA19740E-D5D9-4B74-AEC1-CF5ECC87B3F4}" presName="sibTrans" presStyleCnt="0"/>
+      <dgm:spPr/>
+    </dgm:pt>
+    <dgm:pt modelId="{80368893-C189-4475-802B-006183DE120D}" type="pres">
+      <dgm:prSet presAssocID="{331F6092-37A5-464D-BAE9-1E20FE4F275C}" presName="compNode" presStyleCnt="0"/>
+      <dgm:spPr/>
+    </dgm:pt>
+    <dgm:pt modelId="{EA849F21-AAC2-4581-BB34-ECC8401E89FA}" type="pres">
+      <dgm:prSet presAssocID="{331F6092-37A5-464D-BAE9-1E20FE4F275C}" presName="iconBgRect" presStyleLbl="bgShp" presStyleIdx="4" presStyleCnt="5"/>
+      <dgm:spPr/>
+    </dgm:pt>
+    <dgm:pt modelId="{5D87BD41-D4BC-47B7-95E9-F1E099701A3A}" type="pres">
+      <dgm:prSet presAssocID="{331F6092-37A5-464D-BAE9-1E20FE4F275C}" presName="iconRect" presStyleLbl="node1" presStyleIdx="4" presStyleCnt="5"/>
+      <dgm:spPr>
+        <a:blipFill>
+          <a:blip xmlns:r="http://schemas.openxmlformats.org/officeDocument/2006/relationships" r:embed="rId9">
+            <a:extLst>
+              <a:ext uri="{28A0092B-C50C-407E-A947-70E740481C1C}">
+                <a14:useLocalDpi xmlns:a14="http://schemas.microsoft.com/office/drawing/2010/main" val="0"/>
+              </a:ext>
+              <a:ext uri="{96DAC541-7B7A-43D3-8B79-37D633B846F1}">
+                <asvg:svgBlip xmlns:asvg="http://schemas.microsoft.com/office/drawing/2016/SVG/main" r:embed="rId10"/>
+              </a:ext>
+            </a:extLst>
+          </a:blip>
+          <a:stretch>
+            <a:fillRect/>
+          </a:stretch>
+        </a:blipFill>
+        <a:ln>
+          <a:noFill/>
+        </a:ln>
+      </dgm:spPr>
+      <dgm:extLst>
+        <a:ext uri="{E40237B7-FDA0-4F09-8148-C483321AD2D9}">
+          <dgm14:cNvPr xmlns:dgm14="http://schemas.microsoft.com/office/drawing/2010/diagram" id="0" name="" descr="Run"/>
+        </a:ext>
+      </dgm:extLst>
+    </dgm:pt>
+    <dgm:pt modelId="{69690137-BF6A-49DA-A48A-139DD3D69E6F}" type="pres">
+      <dgm:prSet presAssocID="{331F6092-37A5-464D-BAE9-1E20FE4F275C}" presName="spaceRect" presStyleCnt="0"/>
+      <dgm:spPr/>
+    </dgm:pt>
+    <dgm:pt modelId="{D7FAFEE7-461A-40DC-A7ED-92995FC038CC}" type="pres">
+      <dgm:prSet presAssocID="{331F6092-37A5-464D-BAE9-1E20FE4F275C}" presName="textRect" presStyleLbl="revTx" presStyleIdx="4" presStyleCnt="5">
+        <dgm:presLayoutVars>
+          <dgm:chMax val="1"/>
+          <dgm:chPref val="1"/>
+        </dgm:presLayoutVars>
+      </dgm:prSet>
+      <dgm:spPr/>
+    </dgm:pt>
+  </dgm:ptLst>
+  <dgm:cxnLst>
+    <dgm:cxn modelId="{F128AD18-05B0-4DF0-8E30-FE6FB29AB7A1}" type="presOf" srcId="{215AE4E5-E865-4BD2-BFB2-16C2377BEC40}" destId="{7D562ABD-5BCD-44FD-B56D-4EB46B05432A}" srcOrd="0" destOrd="0" presId="urn:microsoft.com/office/officeart/2018/5/layout/IconCircleLabelList"/>
+    <dgm:cxn modelId="{B922115B-29E5-4E77-8D1D-B5D2F7C6E907}" type="presOf" srcId="{EB68B606-1420-49B5-BEA9-02EAB87264D4}" destId="{0587B48A-1CA1-4D9C-AB84-9044C27F7A58}" srcOrd="0" destOrd="0" presId="urn:microsoft.com/office/officeart/2018/5/layout/IconCircleLabelList"/>
+    <dgm:cxn modelId="{7F164A45-F301-4F16-8446-269830A38444}" srcId="{EB68B606-1420-49B5-BEA9-02EAB87264D4}" destId="{186432AE-F030-4EC9-BC7D-13F1DF4F9317}" srcOrd="1" destOrd="0" parTransId="{9209FA6F-2121-4E97-8EBA-2EAC791CD230}" sibTransId="{2E490A07-DDA6-4640-AA7E-B68D9B394FCD}"/>
+    <dgm:cxn modelId="{BB252A56-ADF5-4FFC-AC89-A82221E15FFB}" type="presOf" srcId="{F2D447A9-CDE4-4864-A9B2-57489BECCFE5}" destId="{8D537994-233C-4B64-AF64-535FB5A84971}" srcOrd="0" destOrd="0" presId="urn:microsoft.com/office/officeart/2018/5/layout/IconCircleLabelList"/>
+    <dgm:cxn modelId="{CD359057-A32D-46F2-8732-8B1A275FB1E9}" srcId="{EB68B606-1420-49B5-BEA9-02EAB87264D4}" destId="{F2D447A9-CDE4-4864-A9B2-57489BECCFE5}" srcOrd="3" destOrd="0" parTransId="{ED91B78D-998D-4FA2-9015-4F4BF2F20F8F}" sibTransId="{AA19740E-D5D9-4B74-AEC1-CF5ECC87B3F4}"/>
+    <dgm:cxn modelId="{1E401D8B-ACD0-4ED7-B206-7A2233C6E612}" srcId="{EB68B606-1420-49B5-BEA9-02EAB87264D4}" destId="{215AE4E5-E865-4BD2-BFB2-16C2377BEC40}" srcOrd="0" destOrd="0" parTransId="{5568BF7E-B795-49C8-B1A3-80E125B6B7FD}" sibTransId="{1E261905-046E-420D-B98A-2E76DA567ED4}"/>
+    <dgm:cxn modelId="{BC34B794-6202-4D34-843E-25B3063C6C60}" srcId="{EB68B606-1420-49B5-BEA9-02EAB87264D4}" destId="{838B7164-597D-400E-8F53-27D30036C9EE}" srcOrd="2" destOrd="0" parTransId="{9FF97E8C-C2B8-4489-87A9-6B6ABBB2338B}" sibTransId="{13F299F6-B3CA-4C43-AA7D-FBC99BCB431C}"/>
+    <dgm:cxn modelId="{56A3F898-CA09-4134-BB15-12EC88F6AE77}" type="presOf" srcId="{331F6092-37A5-464D-BAE9-1E20FE4F275C}" destId="{D7FAFEE7-461A-40DC-A7ED-92995FC038CC}" srcOrd="0" destOrd="0" presId="urn:microsoft.com/office/officeart/2018/5/layout/IconCircleLabelList"/>
+    <dgm:cxn modelId="{2B22E4AD-E657-482F-BB71-B18E568A3F23}" type="presOf" srcId="{838B7164-597D-400E-8F53-27D30036C9EE}" destId="{C00BA135-77C1-4413-B8C9-9CF9DF71BE4F}" srcOrd="0" destOrd="0" presId="urn:microsoft.com/office/officeart/2018/5/layout/IconCircleLabelList"/>
+    <dgm:cxn modelId="{D2C269B4-C759-419F-9C79-F2A121A09257}" srcId="{EB68B606-1420-49B5-BEA9-02EAB87264D4}" destId="{331F6092-37A5-464D-BAE9-1E20FE4F275C}" srcOrd="4" destOrd="0" parTransId="{DED6D787-7ABA-4C9B-B5AD-79B8AA942DBA}" sibTransId="{6E12FCA6-BE3D-40DD-A822-BACA86FFD33B}"/>
+    <dgm:cxn modelId="{05090DD4-1E5D-4819-8287-FC2FED7AAFAC}" type="presOf" srcId="{186432AE-F030-4EC9-BC7D-13F1DF4F9317}" destId="{82049C56-CDDA-4586-B506-FF86E50908D8}" srcOrd="0" destOrd="0" presId="urn:microsoft.com/office/officeart/2018/5/layout/IconCircleLabelList"/>
+    <dgm:cxn modelId="{5164DB1E-25A9-4786-BB0B-683514DEC448}" type="presParOf" srcId="{0587B48A-1CA1-4D9C-AB84-9044C27F7A58}" destId="{C48977EC-BE90-4474-A34A-A779045D375D}" srcOrd="0" destOrd="0" presId="urn:microsoft.com/office/officeart/2018/5/layout/IconCircleLabelList"/>
+    <dgm:cxn modelId="{CA8DF6C6-A038-4E61-AFFC-C91027ED64E4}" type="presParOf" srcId="{C48977EC-BE90-4474-A34A-A779045D375D}" destId="{3CB65079-38CC-451D-BCBC-63E8A15D4539}" srcOrd="0" destOrd="0" presId="urn:microsoft.com/office/officeart/2018/5/layout/IconCircleLabelList"/>
+    <dgm:cxn modelId="{9F0A6116-7266-4912-A8CB-D629AC3C646A}" type="presParOf" srcId="{C48977EC-BE90-4474-A34A-A779045D375D}" destId="{F2DF2FB6-93D6-4BA4-9C49-F650C1E008D2}" srcOrd="1" destOrd="0" presId="urn:microsoft.com/office/officeart/2018/5/layout/IconCircleLabelList"/>
+    <dgm:cxn modelId="{FF4ECDDF-CCFF-4979-B9F5-620261BD59A4}" type="presParOf" srcId="{C48977EC-BE90-4474-A34A-A779045D375D}" destId="{31F14E3E-3B7B-4474-AD5E-85BB2EF20DB3}" srcOrd="2" destOrd="0" presId="urn:microsoft.com/office/officeart/2018/5/layout/IconCircleLabelList"/>
+    <dgm:cxn modelId="{EC27F928-B9D4-462D-93A0-792D2C1E8B08}" type="presParOf" srcId="{C48977EC-BE90-4474-A34A-A779045D375D}" destId="{7D562ABD-5BCD-44FD-B56D-4EB46B05432A}" srcOrd="3" destOrd="0" presId="urn:microsoft.com/office/officeart/2018/5/layout/IconCircleLabelList"/>
+    <dgm:cxn modelId="{3F81A333-1838-4FCB-9A3F-D7CF8CFBF5EF}" type="presParOf" srcId="{0587B48A-1CA1-4D9C-AB84-9044C27F7A58}" destId="{7889F081-4AEE-4A80-AA58-7D5EC2D586BD}" srcOrd="1" destOrd="0" presId="urn:microsoft.com/office/officeart/2018/5/layout/IconCircleLabelList"/>
+    <dgm:cxn modelId="{80E9850B-C744-4C75-B4CF-DAEC3C76DFDD}" type="presParOf" srcId="{0587B48A-1CA1-4D9C-AB84-9044C27F7A58}" destId="{8D57A134-FDC4-453A-8C26-ADA212C6DCDF}" srcOrd="2" destOrd="0" presId="urn:microsoft.com/office/officeart/2018/5/layout/IconCircleLabelList"/>
+    <dgm:cxn modelId="{B9B13A94-D0BA-45EF-884B-8F15FDF309E6}" type="presParOf" srcId="{8D57A134-FDC4-453A-8C26-ADA212C6DCDF}" destId="{7CB44771-23F4-40BD-AE35-B5393FE5A9BD}" srcOrd="0" destOrd="0" presId="urn:microsoft.com/office/officeart/2018/5/layout/IconCircleLabelList"/>
+    <dgm:cxn modelId="{F61AD86B-DC04-4D9E-967D-69E26FD94BE4}" type="presParOf" srcId="{8D57A134-FDC4-453A-8C26-ADA212C6DCDF}" destId="{37D6A4DA-C23D-47D4-B4D5-1A403DCA0E79}" srcOrd="1" destOrd="0" presId="urn:microsoft.com/office/officeart/2018/5/layout/IconCircleLabelList"/>
+    <dgm:cxn modelId="{20417906-088E-498F-9390-4F86C13C6E0E}" type="presParOf" srcId="{8D57A134-FDC4-453A-8C26-ADA212C6DCDF}" destId="{BCC2534B-1748-4D6B-B57E-851A49F0294A}" srcOrd="2" destOrd="0" presId="urn:microsoft.com/office/officeart/2018/5/layout/IconCircleLabelList"/>
+    <dgm:cxn modelId="{79C520F2-35DE-49D9-8035-559FC6C84132}" type="presParOf" srcId="{8D57A134-FDC4-453A-8C26-ADA212C6DCDF}" destId="{82049C56-CDDA-4586-B506-FF86E50908D8}" srcOrd="3" destOrd="0" presId="urn:microsoft.com/office/officeart/2018/5/layout/IconCircleLabelList"/>
+    <dgm:cxn modelId="{BB53058A-AA6B-4ABB-AEE2-E1BA20672372}" type="presParOf" srcId="{0587B48A-1CA1-4D9C-AB84-9044C27F7A58}" destId="{C2D51849-DC5B-4C87-BD67-45E7CB7CB68D}" srcOrd="3" destOrd="0" presId="urn:microsoft.com/office/officeart/2018/5/layout/IconCircleLabelList"/>
+    <dgm:cxn modelId="{70F8BF35-19AF-4250-AE94-1FC11E737C97}" type="presParOf" srcId="{0587B48A-1CA1-4D9C-AB84-9044C27F7A58}" destId="{E1B4A9DF-F751-494E-A223-3C8F300A35C1}" srcOrd="4" destOrd="0" presId="urn:microsoft.com/office/officeart/2018/5/layout/IconCircleLabelList"/>
+    <dgm:cxn modelId="{6DAC490C-6252-443E-A7B6-7749789A1564}" type="presParOf" srcId="{E1B4A9DF-F751-494E-A223-3C8F300A35C1}" destId="{CAC5FCF9-BF7D-4016-B93A-A4ACEED18E1B}" srcOrd="0" destOrd="0" presId="urn:microsoft.com/office/officeart/2018/5/layout/IconCircleLabelList"/>
+    <dgm:cxn modelId="{B149D581-450B-4DFD-928C-8172ADC5D07A}" type="presParOf" srcId="{E1B4A9DF-F751-494E-A223-3C8F300A35C1}" destId="{E3E66B4C-F902-4968-920A-FB0CC4D36F39}" srcOrd="1" destOrd="0" presId="urn:microsoft.com/office/officeart/2018/5/layout/IconCircleLabelList"/>
+    <dgm:cxn modelId="{64810E36-8BE6-4FA9-ABCA-9A2E0049E102}" type="presParOf" srcId="{E1B4A9DF-F751-494E-A223-3C8F300A35C1}" destId="{C0996E2C-3AE7-4C93-B9DD-5D88AC810CB9}" srcOrd="2" destOrd="0" presId="urn:microsoft.com/office/officeart/2018/5/layout/IconCircleLabelList"/>
+    <dgm:cxn modelId="{8DC1EE05-A2B7-4EFA-97C1-6614107C4D9A}" type="presParOf" srcId="{E1B4A9DF-F751-494E-A223-3C8F300A35C1}" destId="{C00BA135-77C1-4413-B8C9-9CF9DF71BE4F}" srcOrd="3" destOrd="0" presId="urn:microsoft.com/office/officeart/2018/5/layout/IconCircleLabelList"/>
+    <dgm:cxn modelId="{7624585B-6F48-448E-83A7-006C60AD7034}" type="presParOf" srcId="{0587B48A-1CA1-4D9C-AB84-9044C27F7A58}" destId="{D0E248F1-3BE9-4C8D-B23B-0B8609D0B969}" srcOrd="5" destOrd="0" presId="urn:microsoft.com/office/officeart/2018/5/layout/IconCircleLabelList"/>
+    <dgm:cxn modelId="{A6A6F845-7C4B-4715-BCC5-DEBDDF28C1CB}" type="presParOf" srcId="{0587B48A-1CA1-4D9C-AB84-9044C27F7A58}" destId="{5937DC60-E29A-4EDC-B0E4-33ABA7C2F421}" srcOrd="6" destOrd="0" presId="urn:microsoft.com/office/officeart/2018/5/layout/IconCircleLabelList"/>
+    <dgm:cxn modelId="{724416CA-5B46-4352-A510-C1FA7A6F03CF}" type="presParOf" srcId="{5937DC60-E29A-4EDC-B0E4-33ABA7C2F421}" destId="{832059D7-76BA-4E21-B161-A4E15E779493}" srcOrd="0" destOrd="0" presId="urn:microsoft.com/office/officeart/2018/5/layout/IconCircleLabelList"/>
+    <dgm:cxn modelId="{A8D0442E-2852-442B-9C73-5BEB4FB887D9}" type="presParOf" srcId="{5937DC60-E29A-4EDC-B0E4-33ABA7C2F421}" destId="{0493B229-E50F-4EBA-8681-873DF11A6F97}" srcOrd="1" destOrd="0" presId="urn:microsoft.com/office/officeart/2018/5/layout/IconCircleLabelList"/>
+    <dgm:cxn modelId="{141CB1C3-BE12-489C-8E3F-5F0671D9CB82}" type="presParOf" srcId="{5937DC60-E29A-4EDC-B0E4-33ABA7C2F421}" destId="{5332F048-1B1B-4575-9569-FF870BAFD610}" srcOrd="2" destOrd="0" presId="urn:microsoft.com/office/officeart/2018/5/layout/IconCircleLabelList"/>
+    <dgm:cxn modelId="{AA7D339B-1FA9-4384-8BD0-6C310FC27339}" type="presParOf" srcId="{5937DC60-E29A-4EDC-B0E4-33ABA7C2F421}" destId="{8D537994-233C-4B64-AF64-535FB5A84971}" srcOrd="3" destOrd="0" presId="urn:microsoft.com/office/officeart/2018/5/layout/IconCircleLabelList"/>
+    <dgm:cxn modelId="{8D453CD0-B917-4DDB-A244-2DA276ACAC45}" type="presParOf" srcId="{0587B48A-1CA1-4D9C-AB84-9044C27F7A58}" destId="{3CF925B0-90E7-43FE-9089-806F5AA81789}" srcOrd="7" destOrd="0" presId="urn:microsoft.com/office/officeart/2018/5/layout/IconCircleLabelList"/>
+    <dgm:cxn modelId="{1A83A905-23AA-402A-A092-57D0D902ED6A}" type="presParOf" srcId="{0587B48A-1CA1-4D9C-AB84-9044C27F7A58}" destId="{80368893-C189-4475-802B-006183DE120D}" srcOrd="8" destOrd="0" presId="urn:microsoft.com/office/officeart/2018/5/layout/IconCircleLabelList"/>
+    <dgm:cxn modelId="{9E8CBAA6-3C4A-4F5A-9A8B-6F598E5AF7C8}" type="presParOf" srcId="{80368893-C189-4475-802B-006183DE120D}" destId="{EA849F21-AAC2-4581-BB34-ECC8401E89FA}" srcOrd="0" destOrd="0" presId="urn:microsoft.com/office/officeart/2018/5/layout/IconCircleLabelList"/>
+    <dgm:cxn modelId="{8374B686-01DF-42B3-B65B-1534A986C097}" type="presParOf" srcId="{80368893-C189-4475-802B-006183DE120D}" destId="{5D87BD41-D4BC-47B7-95E9-F1E099701A3A}" srcOrd="1" destOrd="0" presId="urn:microsoft.com/office/officeart/2018/5/layout/IconCircleLabelList"/>
+    <dgm:cxn modelId="{7B2B85BD-2B32-4D6B-86AC-F9EB1D377C1C}" type="presParOf" srcId="{80368893-C189-4475-802B-006183DE120D}" destId="{69690137-BF6A-49DA-A48A-139DD3D69E6F}" srcOrd="2" destOrd="0" presId="urn:microsoft.com/office/officeart/2018/5/layout/IconCircleLabelList"/>
+    <dgm:cxn modelId="{4732E561-1C56-4C10-9CA8-8552B32BBFFD}" type="presParOf" srcId="{80368893-C189-4475-802B-006183DE120D}" destId="{D7FAFEE7-461A-40DC-A7ED-92995FC038CC}" srcOrd="3" destOrd="0" presId="urn:microsoft.com/office/officeart/2018/5/layout/IconCircleLabelList"/>
+  </dgm:cxnLst>
+  <dgm:bg/>
+  <dgm:whole/>
+  <dgm:extLst>
+    <a:ext uri="http://schemas.microsoft.com/office/drawing/2008/diagram">
+      <dsp:dataModelExt xmlns:dsp="http://schemas.microsoft.com/office/drawing/2008/diagram" relId="rId6" minVer="http://schemas.openxmlformats.org/drawingml/2006/diagram"/>
+    </a:ext>
+  </dgm:extLst>
+</dgm:dataModel>
+</file>
+
+<file path=ppt/diagrams/data2.xml><?xml version="1.0" encoding="utf-8"?>
+<dgm:dataModel xmlns:dgm="http://schemas.openxmlformats.org/drawingml/2006/diagram" xmlns:a="http://schemas.openxmlformats.org/drawingml/2006/main">
+  <dgm:ptLst>
+    <dgm:pt modelId="{7ACFA93C-7D07-49F0-8C42-7D5E91B653A8}" type="doc">
+      <dgm:prSet loTypeId="urn:microsoft.com/office/officeart/2018/2/layout/IconVerticalSolidList" loCatId="icon" qsTypeId="urn:microsoft.com/office/officeart/2005/8/quickstyle/simple4" qsCatId="simple" csTypeId="urn:microsoft.com/office/officeart/2005/8/colors/accent2_2" csCatId="accent2" phldr="1"/>
+      <dgm:spPr/>
+      <dgm:t>
+        <a:bodyPr/>
+        <a:lstStyle/>
+        <a:p>
+          <a:endParaRPr lang="en-US"/>
+        </a:p>
+      </dgm:t>
+    </dgm:pt>
+    <dgm:pt modelId="{78551E11-D860-44B8-9992-958595B15793}">
+      <dgm:prSet custT="1"/>
+      <dgm:spPr/>
+      <dgm:t>
+        <a:bodyPr/>
+        <a:lstStyle/>
+        <a:p>
+          <a:pPr>
+            <a:lnSpc>
+              <a:spcPct val="100000"/>
+            </a:lnSpc>
+          </a:pPr>
+          <a:r>
+            <a:rPr lang="en-US" sz="2000" dirty="0"/>
+            <a:t>Accounted for ordinality.</a:t>
+          </a:r>
+        </a:p>
+      </dgm:t>
+    </dgm:pt>
+    <dgm:pt modelId="{C4BF5AEB-D8D0-45A4-9C24-B3B14910B1A4}" type="parTrans" cxnId="{8544A54F-4233-41E7-9BF2-83DBBF1213EF}">
+      <dgm:prSet/>
+      <dgm:spPr/>
+      <dgm:t>
+        <a:bodyPr/>
+        <a:lstStyle/>
+        <a:p>
+          <a:endParaRPr lang="en-US" sz="2000"/>
+        </a:p>
+      </dgm:t>
+    </dgm:pt>
+    <dgm:pt modelId="{F2482834-48CA-4A21-9F29-278FFE265B2D}" type="sibTrans" cxnId="{8544A54F-4233-41E7-9BF2-83DBBF1213EF}">
+      <dgm:prSet/>
+      <dgm:spPr/>
+      <dgm:t>
+        <a:bodyPr/>
+        <a:lstStyle/>
+        <a:p>
+          <a:endParaRPr lang="en-US" sz="2000"/>
+        </a:p>
+      </dgm:t>
+    </dgm:pt>
+    <dgm:pt modelId="{D9C87C10-F188-4356-8DD8-EEEE3B7200A0}">
+      <dgm:prSet custT="1"/>
+      <dgm:spPr/>
+      <dgm:t>
+        <a:bodyPr/>
+        <a:lstStyle/>
+        <a:p>
+          <a:pPr>
+            <a:lnSpc>
+              <a:spcPct val="100000"/>
+            </a:lnSpc>
+          </a:pPr>
+          <a:r>
+            <a:rPr lang="en-US" sz="2000" dirty="0"/>
+            <a:t>Joined on XID.</a:t>
+          </a:r>
+        </a:p>
+      </dgm:t>
+    </dgm:pt>
+    <dgm:pt modelId="{4481ACAA-8E63-4524-8CBC-16623AFEDDBB}" type="parTrans" cxnId="{E86B321D-0510-4D1C-A2D2-E6DA8FB1A1D3}">
+      <dgm:prSet/>
+      <dgm:spPr/>
+      <dgm:t>
+        <a:bodyPr/>
+        <a:lstStyle/>
+        <a:p>
+          <a:endParaRPr lang="en-US" sz="2000"/>
+        </a:p>
+      </dgm:t>
+    </dgm:pt>
+    <dgm:pt modelId="{F20A6722-008F-40F2-8F7C-27412512459C}" type="sibTrans" cxnId="{E86B321D-0510-4D1C-A2D2-E6DA8FB1A1D3}">
+      <dgm:prSet/>
+      <dgm:spPr/>
+      <dgm:t>
+        <a:bodyPr/>
+        <a:lstStyle/>
+        <a:p>
+          <a:endParaRPr lang="en-US" sz="2000"/>
+        </a:p>
+      </dgm:t>
+    </dgm:pt>
+    <dgm:pt modelId="{18C80688-E618-4210-93D5-5DB0529A4020}">
+      <dgm:prSet custT="1"/>
+      <dgm:spPr/>
+      <dgm:t>
+        <a:bodyPr/>
+        <a:lstStyle/>
+        <a:p>
+          <a:pPr>
+            <a:lnSpc>
+              <a:spcPct val="100000"/>
+            </a:lnSpc>
+          </a:pPr>
+          <a:r>
+            <a:rPr lang="en-US" sz="2000" dirty="0"/>
+            <a:t>Improved readability.</a:t>
+          </a:r>
+        </a:p>
+      </dgm:t>
+    </dgm:pt>
+    <dgm:pt modelId="{85D85545-AC27-4D2B-8E4A-1A68DD958246}" type="parTrans" cxnId="{E3DAD137-08D9-4975-B3EE-2626720DBB0B}">
+      <dgm:prSet/>
+      <dgm:spPr/>
+      <dgm:t>
+        <a:bodyPr/>
+        <a:lstStyle/>
+        <a:p>
+          <a:endParaRPr lang="en-US" sz="2000"/>
+        </a:p>
+      </dgm:t>
+    </dgm:pt>
+    <dgm:pt modelId="{F717B399-6F1C-4235-B4F2-4D2B648DA606}" type="sibTrans" cxnId="{E3DAD137-08D9-4975-B3EE-2626720DBB0B}">
+      <dgm:prSet/>
+      <dgm:spPr/>
+      <dgm:t>
+        <a:bodyPr/>
+        <a:lstStyle/>
+        <a:p>
+          <a:endParaRPr lang="en-US" sz="2000"/>
+        </a:p>
+      </dgm:t>
+    </dgm:pt>
+    <dgm:pt modelId="{3E4A9CB8-55CF-4791-BB63-B0F4EEC3DD43}" type="pres">
+      <dgm:prSet presAssocID="{7ACFA93C-7D07-49F0-8C42-7D5E91B653A8}" presName="root" presStyleCnt="0">
+        <dgm:presLayoutVars>
+          <dgm:dir/>
+          <dgm:resizeHandles val="exact"/>
+        </dgm:presLayoutVars>
+      </dgm:prSet>
+      <dgm:spPr/>
+    </dgm:pt>
+    <dgm:pt modelId="{28D8DC73-B30C-4736-A18C-EF6812FE503F}" type="pres">
+      <dgm:prSet presAssocID="{78551E11-D860-44B8-9992-958595B15793}" presName="compNode" presStyleCnt="0"/>
+      <dgm:spPr/>
+    </dgm:pt>
+    <dgm:pt modelId="{5039C880-FE0C-4DA6-910F-7601852C7343}" type="pres">
+      <dgm:prSet presAssocID="{78551E11-D860-44B8-9992-958595B15793}" presName="bgRect" presStyleLbl="bgShp" presStyleIdx="0" presStyleCnt="3"/>
+      <dgm:spPr/>
+    </dgm:pt>
+    <dgm:pt modelId="{F8AC9FF0-E5B7-4131-8DD0-D54B4C35D6AE}" type="pres">
+      <dgm:prSet presAssocID="{78551E11-D860-44B8-9992-958595B15793}" presName="iconRect" presStyleLbl="node1" presStyleIdx="0" presStyleCnt="3"/>
+      <dgm:spPr>
+        <a:blipFill>
+          <a:blip xmlns:r="http://schemas.openxmlformats.org/officeDocument/2006/relationships" r:embed="rId1">
+            <a:extLst>
+              <a:ext uri="{96DAC541-7B7A-43D3-8B79-37D633B846F1}">
+                <asvg:svgBlip xmlns:asvg="http://schemas.microsoft.com/office/drawing/2016/SVG/main" r:embed="rId2"/>
+              </a:ext>
+            </a:extLst>
+          </a:blip>
+          <a:srcRect/>
+          <a:stretch>
+            <a:fillRect/>
+          </a:stretch>
+        </a:blipFill>
+      </dgm:spPr>
+      <dgm:extLst>
+        <a:ext uri="{E40237B7-FDA0-4F09-8148-C483321AD2D9}">
+          <dgm14:cNvPr xmlns:dgm14="http://schemas.microsoft.com/office/drawing/2010/diagram" id="0" name="" descr="Sort with solid fill"/>
+        </a:ext>
+      </dgm:extLst>
+    </dgm:pt>
+    <dgm:pt modelId="{4540D6E3-8963-495F-97FF-F94E55270E07}" type="pres">
+      <dgm:prSet presAssocID="{78551E11-D860-44B8-9992-958595B15793}" presName="spaceRect" presStyleCnt="0"/>
+      <dgm:spPr/>
+    </dgm:pt>
+    <dgm:pt modelId="{0BC06F2B-E777-4F44-A621-16EC352B017A}" type="pres">
+      <dgm:prSet presAssocID="{78551E11-D860-44B8-9992-958595B15793}" presName="parTx" presStyleLbl="revTx" presStyleIdx="0" presStyleCnt="3">
+        <dgm:presLayoutVars>
+          <dgm:chMax val="0"/>
+          <dgm:chPref val="0"/>
+        </dgm:presLayoutVars>
+      </dgm:prSet>
+      <dgm:spPr/>
+    </dgm:pt>
+    <dgm:pt modelId="{F0531908-5015-414B-8E59-6FB119CC1541}" type="pres">
+      <dgm:prSet presAssocID="{F2482834-48CA-4A21-9F29-278FFE265B2D}" presName="sibTrans" presStyleCnt="0"/>
+      <dgm:spPr/>
+    </dgm:pt>
+    <dgm:pt modelId="{965311E9-C5D0-438B-A696-CC9F78176384}" type="pres">
+      <dgm:prSet presAssocID="{D9C87C10-F188-4356-8DD8-EEEE3B7200A0}" presName="compNode" presStyleCnt="0"/>
+      <dgm:spPr/>
+    </dgm:pt>
+    <dgm:pt modelId="{F22FE2D6-3269-4C71-9BCA-B9D6167560A2}" type="pres">
+      <dgm:prSet presAssocID="{D9C87C10-F188-4356-8DD8-EEEE3B7200A0}" presName="bgRect" presStyleLbl="bgShp" presStyleIdx="1" presStyleCnt="3"/>
+      <dgm:spPr/>
+    </dgm:pt>
+    <dgm:pt modelId="{9DA7BBAD-05DF-4A34-A479-23D81049ED8D}" type="pres">
+      <dgm:prSet presAssocID="{D9C87C10-F188-4356-8DD8-EEEE3B7200A0}" presName="iconRect" presStyleLbl="node1" presStyleIdx="1" presStyleCnt="3"/>
+      <dgm:spPr>
+        <a:blipFill>
+          <a:blip xmlns:r="http://schemas.openxmlformats.org/officeDocument/2006/relationships" r:embed="rId3">
+            <a:extLst>
+              <a:ext uri="{96DAC541-7B7A-43D3-8B79-37D633B846F1}">
+                <asvg:svgBlip xmlns:asvg="http://schemas.microsoft.com/office/drawing/2016/SVG/main" r:embed="rId4"/>
+              </a:ext>
+            </a:extLst>
+          </a:blip>
+          <a:srcRect/>
+          <a:stretch>
+            <a:fillRect/>
+          </a:stretch>
+        </a:blipFill>
+      </dgm:spPr>
+      <dgm:extLst>
+        <a:ext uri="{E40237B7-FDA0-4F09-8148-C483321AD2D9}">
+          <dgm14:cNvPr xmlns:dgm14="http://schemas.microsoft.com/office/drawing/2010/diagram" id="0" name="" descr="Employee badge with solid fill"/>
+        </a:ext>
+      </dgm:extLst>
+    </dgm:pt>
+    <dgm:pt modelId="{0E3371CE-837D-4666-B192-773157D68D1E}" type="pres">
+      <dgm:prSet presAssocID="{D9C87C10-F188-4356-8DD8-EEEE3B7200A0}" presName="spaceRect" presStyleCnt="0"/>
+      <dgm:spPr/>
+    </dgm:pt>
+    <dgm:pt modelId="{64431AD4-207D-4384-892E-D8F4624D8FBA}" type="pres">
+      <dgm:prSet presAssocID="{D9C87C10-F188-4356-8DD8-EEEE3B7200A0}" presName="parTx" presStyleLbl="revTx" presStyleIdx="1" presStyleCnt="3">
+        <dgm:presLayoutVars>
+          <dgm:chMax val="0"/>
+          <dgm:chPref val="0"/>
+        </dgm:presLayoutVars>
+      </dgm:prSet>
+      <dgm:spPr/>
+    </dgm:pt>
+    <dgm:pt modelId="{7B2CA6F7-88A0-4E5A-A913-2C87F7DC212C}" type="pres">
+      <dgm:prSet presAssocID="{F20A6722-008F-40F2-8F7C-27412512459C}" presName="sibTrans" presStyleCnt="0"/>
+      <dgm:spPr/>
+    </dgm:pt>
+    <dgm:pt modelId="{FF8ECB04-292D-4844-A12A-509893A61A90}" type="pres">
+      <dgm:prSet presAssocID="{18C80688-E618-4210-93D5-5DB0529A4020}" presName="compNode" presStyleCnt="0"/>
+      <dgm:spPr/>
+    </dgm:pt>
+    <dgm:pt modelId="{8C8D02FE-FB19-4D3B-9148-90AE290AE10A}" type="pres">
+      <dgm:prSet presAssocID="{18C80688-E618-4210-93D5-5DB0529A4020}" presName="bgRect" presStyleLbl="bgShp" presStyleIdx="2" presStyleCnt="3"/>
+      <dgm:spPr/>
+    </dgm:pt>
+    <dgm:pt modelId="{9146751B-BF60-40D1-A8AE-F200B28D5BC9}" type="pres">
+      <dgm:prSet presAssocID="{18C80688-E618-4210-93D5-5DB0529A4020}" presName="iconRect" presStyleLbl="node1" presStyleIdx="2" presStyleCnt="3"/>
+      <dgm:spPr>
+        <a:blipFill>
+          <a:blip xmlns:r="http://schemas.openxmlformats.org/officeDocument/2006/relationships" r:embed="rId5">
+            <a:extLst>
+              <a:ext uri="{96DAC541-7B7A-43D3-8B79-37D633B846F1}">
+                <asvg:svgBlip xmlns:asvg="http://schemas.microsoft.com/office/drawing/2016/SVG/main" r:embed="rId6"/>
+              </a:ext>
+            </a:extLst>
+          </a:blip>
+          <a:srcRect/>
+          <a:stretch>
+            <a:fillRect/>
+          </a:stretch>
+        </a:blipFill>
+      </dgm:spPr>
+      <dgm:extLst>
+        <a:ext uri="{E40237B7-FDA0-4F09-8148-C483321AD2D9}">
+          <dgm14:cNvPr xmlns:dgm14="http://schemas.microsoft.com/office/drawing/2010/diagram" id="0" name="" descr="Books on shelf with solid fill"/>
+        </a:ext>
+      </dgm:extLst>
+    </dgm:pt>
+    <dgm:pt modelId="{5A48B824-F5B0-4F22-822C-216BC6D00968}" type="pres">
+      <dgm:prSet presAssocID="{18C80688-E618-4210-93D5-5DB0529A4020}" presName="spaceRect" presStyleCnt="0"/>
+      <dgm:spPr/>
+    </dgm:pt>
+    <dgm:pt modelId="{8137DD96-0246-4DDD-A0EC-3DAA049202BE}" type="pres">
+      <dgm:prSet presAssocID="{18C80688-E618-4210-93D5-5DB0529A4020}" presName="parTx" presStyleLbl="revTx" presStyleIdx="2" presStyleCnt="3">
+        <dgm:presLayoutVars>
+          <dgm:chMax val="0"/>
+          <dgm:chPref val="0"/>
+        </dgm:presLayoutVars>
+      </dgm:prSet>
+      <dgm:spPr/>
+    </dgm:pt>
+  </dgm:ptLst>
+  <dgm:cxnLst>
+    <dgm:cxn modelId="{44D36B0D-2B77-4D86-8CDA-DE490F5C4868}" type="presOf" srcId="{18C80688-E618-4210-93D5-5DB0529A4020}" destId="{8137DD96-0246-4DDD-A0EC-3DAA049202BE}" srcOrd="0" destOrd="0" presId="urn:microsoft.com/office/officeart/2018/2/layout/IconVerticalSolidList"/>
+    <dgm:cxn modelId="{E86B321D-0510-4D1C-A2D2-E6DA8FB1A1D3}" srcId="{7ACFA93C-7D07-49F0-8C42-7D5E91B653A8}" destId="{D9C87C10-F188-4356-8DD8-EEEE3B7200A0}" srcOrd="1" destOrd="0" parTransId="{4481ACAA-8E63-4524-8CBC-16623AFEDDBB}" sibTransId="{F20A6722-008F-40F2-8F7C-27412512459C}"/>
+    <dgm:cxn modelId="{E3DAD137-08D9-4975-B3EE-2626720DBB0B}" srcId="{7ACFA93C-7D07-49F0-8C42-7D5E91B653A8}" destId="{18C80688-E618-4210-93D5-5DB0529A4020}" srcOrd="2" destOrd="0" parTransId="{85D85545-AC27-4D2B-8E4A-1A68DD958246}" sibTransId="{F717B399-6F1C-4235-B4F2-4D2B648DA606}"/>
+    <dgm:cxn modelId="{0C437943-B23A-4DD3-A03A-EDF8EA6A5517}" type="presOf" srcId="{7ACFA93C-7D07-49F0-8C42-7D5E91B653A8}" destId="{3E4A9CB8-55CF-4791-BB63-B0F4EEC3DD43}" srcOrd="0" destOrd="0" presId="urn:microsoft.com/office/officeart/2018/2/layout/IconVerticalSolidList"/>
+    <dgm:cxn modelId="{8544A54F-4233-41E7-9BF2-83DBBF1213EF}" srcId="{7ACFA93C-7D07-49F0-8C42-7D5E91B653A8}" destId="{78551E11-D860-44B8-9992-958595B15793}" srcOrd="0" destOrd="0" parTransId="{C4BF5AEB-D8D0-45A4-9C24-B3B14910B1A4}" sibTransId="{F2482834-48CA-4A21-9F29-278FFE265B2D}"/>
+    <dgm:cxn modelId="{F6616B50-B4CB-40CA-87F8-905C406FE16E}" type="presOf" srcId="{D9C87C10-F188-4356-8DD8-EEEE3B7200A0}" destId="{64431AD4-207D-4384-892E-D8F4624D8FBA}" srcOrd="0" destOrd="0" presId="urn:microsoft.com/office/officeart/2018/2/layout/IconVerticalSolidList"/>
+    <dgm:cxn modelId="{4CCB9E86-0BF8-4053-87E5-998E5F5476FF}" type="presOf" srcId="{78551E11-D860-44B8-9992-958595B15793}" destId="{0BC06F2B-E777-4F44-A621-16EC352B017A}" srcOrd="0" destOrd="0" presId="urn:microsoft.com/office/officeart/2018/2/layout/IconVerticalSolidList"/>
+    <dgm:cxn modelId="{76FD991D-DD1D-4931-922A-14388E6608C1}" type="presParOf" srcId="{3E4A9CB8-55CF-4791-BB63-B0F4EEC3DD43}" destId="{28D8DC73-B30C-4736-A18C-EF6812FE503F}" srcOrd="0" destOrd="0" presId="urn:microsoft.com/office/officeart/2018/2/layout/IconVerticalSolidList"/>
+    <dgm:cxn modelId="{DE3E8C4A-D965-422C-80CA-CE116601A4C6}" type="presParOf" srcId="{28D8DC73-B30C-4736-A18C-EF6812FE503F}" destId="{5039C880-FE0C-4DA6-910F-7601852C7343}" srcOrd="0" destOrd="0" presId="urn:microsoft.com/office/officeart/2018/2/layout/IconVerticalSolidList"/>
+    <dgm:cxn modelId="{560CB107-F498-4DF2-B1E7-CB6F502CB5B4}" type="presParOf" srcId="{28D8DC73-B30C-4736-A18C-EF6812FE503F}" destId="{F8AC9FF0-E5B7-4131-8DD0-D54B4C35D6AE}" srcOrd="1" destOrd="0" presId="urn:microsoft.com/office/officeart/2018/2/layout/IconVerticalSolidList"/>
+    <dgm:cxn modelId="{DC146089-CCF2-45BB-9FAA-9270C8019085}" type="presParOf" srcId="{28D8DC73-B30C-4736-A18C-EF6812FE503F}" destId="{4540D6E3-8963-495F-97FF-F94E55270E07}" srcOrd="2" destOrd="0" presId="urn:microsoft.com/office/officeart/2018/2/layout/IconVerticalSolidList"/>
+    <dgm:cxn modelId="{504B9D2A-C4DB-466B-956A-8A418CEB903F}" type="presParOf" srcId="{28D8DC73-B30C-4736-A18C-EF6812FE503F}" destId="{0BC06F2B-E777-4F44-A621-16EC352B017A}" srcOrd="3" destOrd="0" presId="urn:microsoft.com/office/officeart/2018/2/layout/IconVerticalSolidList"/>
+    <dgm:cxn modelId="{38522DA5-B7BB-4914-A4D4-CB90D7195BBD}" type="presParOf" srcId="{3E4A9CB8-55CF-4791-BB63-B0F4EEC3DD43}" destId="{F0531908-5015-414B-8E59-6FB119CC1541}" srcOrd="1" destOrd="0" presId="urn:microsoft.com/office/officeart/2018/2/layout/IconVerticalSolidList"/>
+    <dgm:cxn modelId="{B75B762E-679A-4D55-8D9C-8987E0EAEB54}" type="presParOf" srcId="{3E4A9CB8-55CF-4791-BB63-B0F4EEC3DD43}" destId="{965311E9-C5D0-438B-A696-CC9F78176384}" srcOrd="2" destOrd="0" presId="urn:microsoft.com/office/officeart/2018/2/layout/IconVerticalSolidList"/>
+    <dgm:cxn modelId="{5444BBA1-022F-4AD5-996C-0D6B4A8DD57C}" type="presParOf" srcId="{965311E9-C5D0-438B-A696-CC9F78176384}" destId="{F22FE2D6-3269-4C71-9BCA-B9D6167560A2}" srcOrd="0" destOrd="0" presId="urn:microsoft.com/office/officeart/2018/2/layout/IconVerticalSolidList"/>
+    <dgm:cxn modelId="{353ED29D-977F-4C82-B3B3-EEE0D3BEA4D2}" type="presParOf" srcId="{965311E9-C5D0-438B-A696-CC9F78176384}" destId="{9DA7BBAD-05DF-4A34-A479-23D81049ED8D}" srcOrd="1" destOrd="0" presId="urn:microsoft.com/office/officeart/2018/2/layout/IconVerticalSolidList"/>
+    <dgm:cxn modelId="{FEFF0E89-667C-4A55-BCE5-412FEA5930B2}" type="presParOf" srcId="{965311E9-C5D0-438B-A696-CC9F78176384}" destId="{0E3371CE-837D-4666-B192-773157D68D1E}" srcOrd="2" destOrd="0" presId="urn:microsoft.com/office/officeart/2018/2/layout/IconVerticalSolidList"/>
+    <dgm:cxn modelId="{B9273607-A75A-4A41-ADDF-F37F6D1A2E2C}" type="presParOf" srcId="{965311E9-C5D0-438B-A696-CC9F78176384}" destId="{64431AD4-207D-4384-892E-D8F4624D8FBA}" srcOrd="3" destOrd="0" presId="urn:microsoft.com/office/officeart/2018/2/layout/IconVerticalSolidList"/>
+    <dgm:cxn modelId="{453C7AD6-AFB3-484F-8042-838B04B06BC9}" type="presParOf" srcId="{3E4A9CB8-55CF-4791-BB63-B0F4EEC3DD43}" destId="{7B2CA6F7-88A0-4E5A-A913-2C87F7DC212C}" srcOrd="3" destOrd="0" presId="urn:microsoft.com/office/officeart/2018/2/layout/IconVerticalSolidList"/>
+    <dgm:cxn modelId="{A6D9A59C-BD0D-4FE7-AFA6-E4A8C6BAB801}" type="presParOf" srcId="{3E4A9CB8-55CF-4791-BB63-B0F4EEC3DD43}" destId="{FF8ECB04-292D-4844-A12A-509893A61A90}" srcOrd="4" destOrd="0" presId="urn:microsoft.com/office/officeart/2018/2/layout/IconVerticalSolidList"/>
+    <dgm:cxn modelId="{9A35EC4C-099F-44F7-BFE3-8DD2A5C391C7}" type="presParOf" srcId="{FF8ECB04-292D-4844-A12A-509893A61A90}" destId="{8C8D02FE-FB19-4D3B-9148-90AE290AE10A}" srcOrd="0" destOrd="0" presId="urn:microsoft.com/office/officeart/2018/2/layout/IconVerticalSolidList"/>
+    <dgm:cxn modelId="{9F9BA46C-FAD4-48A4-ABCE-4F2D69514B27}" type="presParOf" srcId="{FF8ECB04-292D-4844-A12A-509893A61A90}" destId="{9146751B-BF60-40D1-A8AE-F200B28D5BC9}" srcOrd="1" destOrd="0" presId="urn:microsoft.com/office/officeart/2018/2/layout/IconVerticalSolidList"/>
+    <dgm:cxn modelId="{D49D205B-00AF-4E7A-952E-DFE579BD0FEA}" type="presParOf" srcId="{FF8ECB04-292D-4844-A12A-509893A61A90}" destId="{5A48B824-F5B0-4F22-822C-216BC6D00968}" srcOrd="2" destOrd="0" presId="urn:microsoft.com/office/officeart/2018/2/layout/IconVerticalSolidList"/>
+    <dgm:cxn modelId="{FC409802-AE45-4966-A32A-6D704B877137}" type="presParOf" srcId="{FF8ECB04-292D-4844-A12A-509893A61A90}" destId="{8137DD96-0246-4DDD-A0EC-3DAA049202BE}" srcOrd="3" destOrd="0" presId="urn:microsoft.com/office/officeart/2018/2/layout/IconVerticalSolidList"/>
+  </dgm:cxnLst>
+  <dgm:bg/>
+  <dgm:whole/>
+  <dgm:extLst>
+    <a:ext uri="http://schemas.microsoft.com/office/drawing/2008/diagram">
+      <dsp:dataModelExt xmlns:dsp="http://schemas.microsoft.com/office/drawing/2008/diagram" relId="rId6" minVer="http://schemas.openxmlformats.org/drawingml/2006/diagram"/>
+    </a:ext>
+  </dgm:extLst>
+</dgm:dataModel>
+</file>
+
+<file path=ppt/diagrams/drawing1.xml><?xml version="1.0" encoding="utf-8"?>
+<dsp:drawing xmlns:dgm="http://schemas.openxmlformats.org/drawingml/2006/diagram" xmlns:dsp="http://schemas.microsoft.com/office/drawing/2008/diagram" xmlns:a="http://schemas.openxmlformats.org/drawingml/2006/main">
+  <dsp:spTree>
+    <dsp:nvGrpSpPr>
+      <dsp:cNvPr id="0" name=""/>
+      <dsp:cNvGrpSpPr/>
+    </dsp:nvGrpSpPr>
+    <dsp:grpSpPr/>
+    <dsp:sp modelId="{3CB65079-38CC-451D-BCBC-63E8A15D4539}">
+      <dsp:nvSpPr>
+        <dsp:cNvPr id="0" name=""/>
+        <dsp:cNvSpPr/>
+      </dsp:nvSpPr>
+      <dsp:spPr>
+        <a:xfrm>
+          <a:off x="270427" y="801712"/>
+          <a:ext cx="843873" cy="843873"/>
+        </a:xfrm>
+        <a:prstGeom prst="ellipse">
+          <a:avLst/>
+        </a:prstGeom>
+        <a:solidFill>
+          <a:schemeClr val="accent2">
+            <a:tint val="40000"/>
+            <a:hueOff val="0"/>
+            <a:satOff val="0"/>
+            <a:lumOff val="0"/>
+            <a:alphaOff val="0"/>
+          </a:schemeClr>
+        </a:solidFill>
+        <a:ln>
+          <a:noFill/>
+        </a:ln>
+        <a:effectLst/>
+      </dsp:spPr>
+      <dsp:style>
+        <a:lnRef idx="0">
+          <a:scrgbClr r="0" g="0" b="0"/>
+        </a:lnRef>
+        <a:fillRef idx="1">
+          <a:scrgbClr r="0" g="0" b="0"/>
+        </a:fillRef>
+        <a:effectRef idx="0">
+          <a:scrgbClr r="0" g="0" b="0"/>
+        </a:effectRef>
+        <a:fontRef idx="minor"/>
+      </dsp:style>
+    </dsp:sp>
+    <dsp:sp modelId="{F2DF2FB6-93D6-4BA4-9C49-F650C1E008D2}">
+      <dsp:nvSpPr>
+        <dsp:cNvPr id="0" name=""/>
+        <dsp:cNvSpPr/>
+      </dsp:nvSpPr>
+      <dsp:spPr>
+        <a:xfrm>
+          <a:off x="450268" y="981554"/>
+          <a:ext cx="484189" cy="484189"/>
+        </a:xfrm>
+        <a:prstGeom prst="rect">
+          <a:avLst/>
+        </a:prstGeom>
+        <a:blipFill>
+          <a:blip xmlns:r="http://schemas.openxmlformats.org/officeDocument/2006/relationships" r:embed="rId1">
+            <a:extLst>
+              <a:ext uri="{28A0092B-C50C-407E-A947-70E740481C1C}">
+                <a14:useLocalDpi xmlns:a14="http://schemas.microsoft.com/office/drawing/2010/main" val="0"/>
+              </a:ext>
+              <a:ext uri="{96DAC541-7B7A-43D3-8B79-37D633B846F1}">
+                <asvg:svgBlip xmlns:asvg="http://schemas.microsoft.com/office/drawing/2016/SVG/main" r:embed="rId2"/>
+              </a:ext>
+            </a:extLst>
+          </a:blip>
+          <a:stretch>
+            <a:fillRect/>
+          </a:stretch>
+        </a:blipFill>
+        <a:ln w="12700" cap="flat" cmpd="sng" algn="ctr">
+          <a:noFill/>
+          <a:prstDash val="solid"/>
+          <a:miter lim="800000"/>
+        </a:ln>
+        <a:effectLst/>
+      </dsp:spPr>
+      <dsp:style>
+        <a:lnRef idx="2">
+          <a:scrgbClr r="0" g="0" b="0"/>
+        </a:lnRef>
+        <a:fillRef idx="1">
+          <a:scrgbClr r="0" g="0" b="0"/>
+        </a:fillRef>
+        <a:effectRef idx="0">
+          <a:scrgbClr r="0" g="0" b="0"/>
+        </a:effectRef>
+        <a:fontRef idx="minor">
+          <a:schemeClr val="lt1"/>
+        </a:fontRef>
+      </dsp:style>
+    </dsp:sp>
+    <dsp:sp modelId="{7D562ABD-5BCD-44FD-B56D-4EB46B05432A}">
+      <dsp:nvSpPr>
+        <dsp:cNvPr id="0" name=""/>
+        <dsp:cNvSpPr/>
+      </dsp:nvSpPr>
+      <dsp:spPr>
+        <a:xfrm>
+          <a:off x="664" y="1908431"/>
+          <a:ext cx="1383398" cy="553359"/>
+        </a:xfrm>
+        <a:prstGeom prst="rect">
+          <a:avLst/>
+        </a:prstGeom>
+        <a:noFill/>
+        <a:ln>
+          <a:noFill/>
+        </a:ln>
+        <a:effectLst/>
+      </dsp:spPr>
+      <dsp:style>
+        <a:lnRef idx="0">
+          <a:scrgbClr r="0" g="0" b="0"/>
+        </a:lnRef>
+        <a:fillRef idx="0">
+          <a:scrgbClr r="0" g="0" b="0"/>
+        </a:fillRef>
+        <a:effectRef idx="0">
+          <a:scrgbClr r="0" g="0" b="0"/>
+        </a:effectRef>
+        <a:fontRef idx="minor"/>
+      </dsp:style>
+      <dsp:txBody>
+        <a:bodyPr spcFirstLastPara="0" vert="horz" wrap="square" lIns="0" tIns="0" rIns="0" bIns="0" numCol="1" spcCol="1270" anchor="t" anchorCtr="0">
+          <a:noAutofit/>
+        </a:bodyPr>
+        <a:lstStyle/>
+        <a:p>
+          <a:pPr marL="0" lvl="0" indent="0" algn="ctr" defTabSz="622300">
+            <a:lnSpc>
+              <a:spcPct val="100000"/>
+            </a:lnSpc>
+            <a:spcBef>
+              <a:spcPct val="0"/>
+            </a:spcBef>
+            <a:spcAft>
+              <a:spcPct val="35000"/>
+            </a:spcAft>
+            <a:buNone/>
+            <a:defRPr cap="all"/>
+          </a:pPr>
+          <a:r>
+            <a:rPr lang="en-US" sz="1400" kern="1200" dirty="0"/>
+            <a:t>Data Refinement</a:t>
+          </a:r>
+        </a:p>
+      </dsp:txBody>
+      <dsp:txXfrm>
+        <a:off x="664" y="1908431"/>
+        <a:ext cx="1383398" cy="553359"/>
+      </dsp:txXfrm>
+    </dsp:sp>
+    <dsp:sp modelId="{7CB44771-23F4-40BD-AE35-B5393FE5A9BD}">
+      <dsp:nvSpPr>
+        <dsp:cNvPr id="0" name=""/>
+        <dsp:cNvSpPr/>
+      </dsp:nvSpPr>
+      <dsp:spPr>
+        <a:xfrm>
+          <a:off x="1895920" y="801712"/>
+          <a:ext cx="843873" cy="843873"/>
+        </a:xfrm>
+        <a:prstGeom prst="ellipse">
+          <a:avLst/>
+        </a:prstGeom>
+        <a:solidFill>
+          <a:schemeClr val="accent2">
+            <a:tint val="40000"/>
+            <a:hueOff val="0"/>
+            <a:satOff val="0"/>
+            <a:lumOff val="0"/>
+            <a:alphaOff val="0"/>
+          </a:schemeClr>
+        </a:solidFill>
+        <a:ln>
+          <a:noFill/>
+        </a:ln>
+        <a:effectLst/>
+      </dsp:spPr>
+      <dsp:style>
+        <a:lnRef idx="0">
+          <a:scrgbClr r="0" g="0" b="0"/>
+        </a:lnRef>
+        <a:fillRef idx="1">
+          <a:scrgbClr r="0" g="0" b="0"/>
+        </a:fillRef>
+        <a:effectRef idx="0">
+          <a:scrgbClr r="0" g="0" b="0"/>
+        </a:effectRef>
+        <a:fontRef idx="minor"/>
+      </dsp:style>
+    </dsp:sp>
+    <dsp:sp modelId="{37D6A4DA-C23D-47D4-B4D5-1A403DCA0E79}">
+      <dsp:nvSpPr>
+        <dsp:cNvPr id="0" name=""/>
+        <dsp:cNvSpPr/>
+      </dsp:nvSpPr>
+      <dsp:spPr>
+        <a:xfrm>
+          <a:off x="2075762" y="981554"/>
+          <a:ext cx="484189" cy="484189"/>
+        </a:xfrm>
+        <a:prstGeom prst="rect">
+          <a:avLst/>
+        </a:prstGeom>
+        <a:blipFill>
+          <a:blip xmlns:r="http://schemas.openxmlformats.org/officeDocument/2006/relationships" r:embed="rId3">
+            <a:extLst>
+              <a:ext uri="{28A0092B-C50C-407E-A947-70E740481C1C}">
+                <a14:useLocalDpi xmlns:a14="http://schemas.microsoft.com/office/drawing/2010/main" val="0"/>
+              </a:ext>
+              <a:ext uri="{96DAC541-7B7A-43D3-8B79-37D633B846F1}">
+                <asvg:svgBlip xmlns:asvg="http://schemas.microsoft.com/office/drawing/2016/SVG/main" r:embed="rId4"/>
+              </a:ext>
+            </a:extLst>
+          </a:blip>
+          <a:stretch>
+            <a:fillRect/>
+          </a:stretch>
+        </a:blipFill>
+        <a:ln w="12700" cap="flat" cmpd="sng" algn="ctr">
+          <a:noFill/>
+          <a:prstDash val="solid"/>
+          <a:miter lim="800000"/>
+        </a:ln>
+        <a:effectLst/>
+      </dsp:spPr>
+      <dsp:style>
+        <a:lnRef idx="2">
+          <a:scrgbClr r="0" g="0" b="0"/>
+        </a:lnRef>
+        <a:fillRef idx="1">
+          <a:scrgbClr r="0" g="0" b="0"/>
+        </a:fillRef>
+        <a:effectRef idx="0">
+          <a:scrgbClr r="0" g="0" b="0"/>
+        </a:effectRef>
+        <a:fontRef idx="minor">
+          <a:schemeClr val="lt1"/>
+        </a:fontRef>
+      </dsp:style>
+    </dsp:sp>
+    <dsp:sp modelId="{82049C56-CDDA-4586-B506-FF86E50908D8}">
+      <dsp:nvSpPr>
+        <dsp:cNvPr id="0" name=""/>
+        <dsp:cNvSpPr/>
+      </dsp:nvSpPr>
+      <dsp:spPr>
+        <a:xfrm>
+          <a:off x="1626157" y="1908431"/>
+          <a:ext cx="1383398" cy="553359"/>
+        </a:xfrm>
+        <a:prstGeom prst="rect">
+          <a:avLst/>
+        </a:prstGeom>
+        <a:noFill/>
+        <a:ln>
+          <a:noFill/>
+        </a:ln>
+        <a:effectLst/>
+      </dsp:spPr>
+      <dsp:style>
+        <a:lnRef idx="0">
+          <a:scrgbClr r="0" g="0" b="0"/>
+        </a:lnRef>
+        <a:fillRef idx="0">
+          <a:scrgbClr r="0" g="0" b="0"/>
+        </a:fillRef>
+        <a:effectRef idx="0">
+          <a:scrgbClr r="0" g="0" b="0"/>
+        </a:effectRef>
+        <a:fontRef idx="minor"/>
+      </dsp:style>
+      <dsp:txBody>
+        <a:bodyPr spcFirstLastPara="0" vert="horz" wrap="square" lIns="0" tIns="0" rIns="0" bIns="0" numCol="1" spcCol="1270" anchor="t" anchorCtr="0">
+          <a:noAutofit/>
+        </a:bodyPr>
+        <a:lstStyle/>
+        <a:p>
+          <a:pPr marL="0" lvl="0" indent="0" algn="ctr" defTabSz="622300">
+            <a:lnSpc>
+              <a:spcPct val="100000"/>
+            </a:lnSpc>
+            <a:spcBef>
+              <a:spcPct val="0"/>
+            </a:spcBef>
+            <a:spcAft>
+              <a:spcPct val="35000"/>
+            </a:spcAft>
+            <a:buNone/>
+            <a:defRPr cap="all"/>
+          </a:pPr>
+          <a:r>
+            <a:rPr lang="en-US" sz="1400" kern="1200"/>
+            <a:t>Application Development</a:t>
+          </a:r>
+        </a:p>
+      </dsp:txBody>
+      <dsp:txXfrm>
+        <a:off x="1626157" y="1908431"/>
+        <a:ext cx="1383398" cy="553359"/>
+      </dsp:txXfrm>
+    </dsp:sp>
+    <dsp:sp modelId="{CAC5FCF9-BF7D-4016-B93A-A4ACEED18E1B}">
+      <dsp:nvSpPr>
+        <dsp:cNvPr id="0" name=""/>
+        <dsp:cNvSpPr/>
+      </dsp:nvSpPr>
+      <dsp:spPr>
+        <a:xfrm>
+          <a:off x="3521413" y="801712"/>
+          <a:ext cx="843873" cy="843873"/>
+        </a:xfrm>
+        <a:prstGeom prst="ellipse">
+          <a:avLst/>
+        </a:prstGeom>
+        <a:solidFill>
+          <a:schemeClr val="accent2">
+            <a:tint val="40000"/>
+            <a:hueOff val="0"/>
+            <a:satOff val="0"/>
+            <a:lumOff val="0"/>
+            <a:alphaOff val="0"/>
+          </a:schemeClr>
+        </a:solidFill>
+        <a:ln>
+          <a:noFill/>
+        </a:ln>
+        <a:effectLst/>
+      </dsp:spPr>
+      <dsp:style>
+        <a:lnRef idx="0">
+          <a:scrgbClr r="0" g="0" b="0"/>
+        </a:lnRef>
+        <a:fillRef idx="1">
+          <a:scrgbClr r="0" g="0" b="0"/>
+        </a:fillRef>
+        <a:effectRef idx="0">
+          <a:scrgbClr r="0" g="0" b="0"/>
+        </a:effectRef>
+        <a:fontRef idx="minor"/>
+      </dsp:style>
+    </dsp:sp>
+    <dsp:sp modelId="{E3E66B4C-F902-4968-920A-FB0CC4D36F39}">
+      <dsp:nvSpPr>
+        <dsp:cNvPr id="0" name=""/>
+        <dsp:cNvSpPr/>
+      </dsp:nvSpPr>
+      <dsp:spPr>
+        <a:xfrm>
+          <a:off x="3701255" y="981554"/>
+          <a:ext cx="484189" cy="484189"/>
+        </a:xfrm>
+        <a:prstGeom prst="rect">
+          <a:avLst/>
+        </a:prstGeom>
+        <a:blipFill>
+          <a:blip xmlns:r="http://schemas.openxmlformats.org/officeDocument/2006/relationships" r:embed="rId5">
+            <a:extLst>
+              <a:ext uri="{28A0092B-C50C-407E-A947-70E740481C1C}">
+                <a14:useLocalDpi xmlns:a14="http://schemas.microsoft.com/office/drawing/2010/main" val="0"/>
+              </a:ext>
+              <a:ext uri="{96DAC541-7B7A-43D3-8B79-37D633B846F1}">
+                <asvg:svgBlip xmlns:asvg="http://schemas.microsoft.com/office/drawing/2016/SVG/main" r:embed="rId6"/>
+              </a:ext>
+            </a:extLst>
+          </a:blip>
+          <a:stretch>
+            <a:fillRect/>
+          </a:stretch>
+        </a:blipFill>
+        <a:ln w="12700" cap="flat" cmpd="sng" algn="ctr">
+          <a:noFill/>
+          <a:prstDash val="solid"/>
+          <a:miter lim="800000"/>
+        </a:ln>
+        <a:effectLst/>
+      </dsp:spPr>
+      <dsp:style>
+        <a:lnRef idx="2">
+          <a:scrgbClr r="0" g="0" b="0"/>
+        </a:lnRef>
+        <a:fillRef idx="1">
+          <a:scrgbClr r="0" g="0" b="0"/>
+        </a:fillRef>
+        <a:effectRef idx="0">
+          <a:scrgbClr r="0" g="0" b="0"/>
+        </a:effectRef>
+        <a:fontRef idx="minor">
+          <a:schemeClr val="lt1"/>
+        </a:fontRef>
+      </dsp:style>
+    </dsp:sp>
+    <dsp:sp modelId="{C00BA135-77C1-4413-B8C9-9CF9DF71BE4F}">
+      <dsp:nvSpPr>
+        <dsp:cNvPr id="0" name=""/>
+        <dsp:cNvSpPr/>
+      </dsp:nvSpPr>
+      <dsp:spPr>
+        <a:xfrm>
+          <a:off x="3251650" y="1908431"/>
+          <a:ext cx="1383398" cy="553359"/>
+        </a:xfrm>
+        <a:prstGeom prst="rect">
+          <a:avLst/>
+        </a:prstGeom>
+        <a:noFill/>
+        <a:ln>
+          <a:noFill/>
+        </a:ln>
+        <a:effectLst/>
+      </dsp:spPr>
+      <dsp:style>
+        <a:lnRef idx="0">
+          <a:scrgbClr r="0" g="0" b="0"/>
+        </a:lnRef>
+        <a:fillRef idx="0">
+          <a:scrgbClr r="0" g="0" b="0"/>
+        </a:fillRef>
+        <a:effectRef idx="0">
+          <a:scrgbClr r="0" g="0" b="0"/>
+        </a:effectRef>
+        <a:fontRef idx="minor"/>
+      </dsp:style>
+      <dsp:txBody>
+        <a:bodyPr spcFirstLastPara="0" vert="horz" wrap="square" lIns="0" tIns="0" rIns="0" bIns="0" numCol="1" spcCol="1270" anchor="t" anchorCtr="0">
+          <a:noAutofit/>
+        </a:bodyPr>
+        <a:lstStyle/>
+        <a:p>
+          <a:pPr marL="0" lvl="0" indent="0" algn="ctr" defTabSz="622300">
+            <a:lnSpc>
+              <a:spcPct val="100000"/>
+            </a:lnSpc>
+            <a:spcBef>
+              <a:spcPct val="0"/>
+            </a:spcBef>
+            <a:spcAft>
+              <a:spcPct val="35000"/>
+            </a:spcAft>
+            <a:buNone/>
+            <a:defRPr cap="all"/>
+          </a:pPr>
+          <a:r>
+            <a:rPr lang="en-US" sz="1400" kern="1200"/>
+            <a:t>Demonstration</a:t>
+          </a:r>
+        </a:p>
+      </dsp:txBody>
+      <dsp:txXfrm>
+        <a:off x="3251650" y="1908431"/>
+        <a:ext cx="1383398" cy="553359"/>
+      </dsp:txXfrm>
+    </dsp:sp>
+    <dsp:sp modelId="{832059D7-76BA-4E21-B161-A4E15E779493}">
+      <dsp:nvSpPr>
+        <dsp:cNvPr id="0" name=""/>
+        <dsp:cNvSpPr/>
+      </dsp:nvSpPr>
+      <dsp:spPr>
+        <a:xfrm>
+          <a:off x="5146906" y="801712"/>
+          <a:ext cx="843873" cy="843873"/>
+        </a:xfrm>
+        <a:prstGeom prst="ellipse">
+          <a:avLst/>
+        </a:prstGeom>
+        <a:solidFill>
+          <a:schemeClr val="accent2">
+            <a:tint val="40000"/>
+            <a:hueOff val="0"/>
+            <a:satOff val="0"/>
+            <a:lumOff val="0"/>
+            <a:alphaOff val="0"/>
+          </a:schemeClr>
+        </a:solidFill>
+        <a:ln>
+          <a:noFill/>
+        </a:ln>
+        <a:effectLst/>
+      </dsp:spPr>
+      <dsp:style>
+        <a:lnRef idx="0">
+          <a:scrgbClr r="0" g="0" b="0"/>
+        </a:lnRef>
+        <a:fillRef idx="1">
+          <a:scrgbClr r="0" g="0" b="0"/>
+        </a:fillRef>
+        <a:effectRef idx="0">
+          <a:scrgbClr r="0" g="0" b="0"/>
+        </a:effectRef>
+        <a:fontRef idx="minor"/>
+      </dsp:style>
+    </dsp:sp>
+    <dsp:sp modelId="{0493B229-E50F-4EBA-8681-873DF11A6F97}">
+      <dsp:nvSpPr>
+        <dsp:cNvPr id="0" name=""/>
+        <dsp:cNvSpPr/>
+      </dsp:nvSpPr>
+      <dsp:spPr>
+        <a:xfrm>
+          <a:off x="5326748" y="981554"/>
+          <a:ext cx="484189" cy="484189"/>
+        </a:xfrm>
+        <a:prstGeom prst="rect">
+          <a:avLst/>
+        </a:prstGeom>
+        <a:blipFill>
+          <a:blip xmlns:r="http://schemas.openxmlformats.org/officeDocument/2006/relationships" r:embed="rId7">
+            <a:extLst>
+              <a:ext uri="{28A0092B-C50C-407E-A947-70E740481C1C}">
+                <a14:useLocalDpi xmlns:a14="http://schemas.microsoft.com/office/drawing/2010/main" val="0"/>
+              </a:ext>
+              <a:ext uri="{96DAC541-7B7A-43D3-8B79-37D633B846F1}">
+                <asvg:svgBlip xmlns:asvg="http://schemas.microsoft.com/office/drawing/2016/SVG/main" r:embed="rId8"/>
+              </a:ext>
+            </a:extLst>
+          </a:blip>
+          <a:stretch>
+            <a:fillRect/>
+          </a:stretch>
+        </a:blipFill>
+        <a:ln w="12700" cap="flat" cmpd="sng" algn="ctr">
+          <a:noFill/>
+          <a:prstDash val="solid"/>
+          <a:miter lim="800000"/>
+        </a:ln>
+        <a:effectLst/>
+      </dsp:spPr>
+      <dsp:style>
+        <a:lnRef idx="2">
+          <a:scrgbClr r="0" g="0" b="0"/>
+        </a:lnRef>
+        <a:fillRef idx="1">
+          <a:scrgbClr r="0" g="0" b="0"/>
+        </a:fillRef>
+        <a:effectRef idx="0">
+          <a:scrgbClr r="0" g="0" b="0"/>
+        </a:effectRef>
+        <a:fontRef idx="minor">
+          <a:schemeClr val="lt1"/>
+        </a:fontRef>
+      </dsp:style>
+    </dsp:sp>
+    <dsp:sp modelId="{8D537994-233C-4B64-AF64-535FB5A84971}">
+      <dsp:nvSpPr>
+        <dsp:cNvPr id="0" name=""/>
+        <dsp:cNvSpPr/>
+      </dsp:nvSpPr>
+      <dsp:spPr>
+        <a:xfrm>
+          <a:off x="4877143" y="1908431"/>
+          <a:ext cx="1383398" cy="553359"/>
+        </a:xfrm>
+        <a:prstGeom prst="rect">
+          <a:avLst/>
+        </a:prstGeom>
+        <a:noFill/>
+        <a:ln>
+          <a:noFill/>
+        </a:ln>
+        <a:effectLst/>
+      </dsp:spPr>
+      <dsp:style>
+        <a:lnRef idx="0">
+          <a:scrgbClr r="0" g="0" b="0"/>
+        </a:lnRef>
+        <a:fillRef idx="0">
+          <a:scrgbClr r="0" g="0" b="0"/>
+        </a:fillRef>
+        <a:effectRef idx="0">
+          <a:scrgbClr r="0" g="0" b="0"/>
+        </a:effectRef>
+        <a:fontRef idx="minor"/>
+      </dsp:style>
+      <dsp:txBody>
+        <a:bodyPr spcFirstLastPara="0" vert="horz" wrap="square" lIns="0" tIns="0" rIns="0" bIns="0" numCol="1" spcCol="1270" anchor="t" anchorCtr="0">
+          <a:noAutofit/>
+        </a:bodyPr>
+        <a:lstStyle/>
+        <a:p>
+          <a:pPr marL="0" lvl="0" indent="0" algn="ctr" defTabSz="622300">
+            <a:lnSpc>
+              <a:spcPct val="100000"/>
+            </a:lnSpc>
+            <a:spcBef>
+              <a:spcPct val="0"/>
+            </a:spcBef>
+            <a:spcAft>
+              <a:spcPct val="35000"/>
+            </a:spcAft>
+            <a:buNone/>
+            <a:defRPr cap="all"/>
+          </a:pPr>
+          <a:r>
+            <a:rPr lang="en-US" sz="1400" kern="1200"/>
+            <a:t>Key Insights</a:t>
+          </a:r>
+        </a:p>
+      </dsp:txBody>
+      <dsp:txXfrm>
+        <a:off x="4877143" y="1908431"/>
+        <a:ext cx="1383398" cy="553359"/>
+      </dsp:txXfrm>
+    </dsp:sp>
+    <dsp:sp modelId="{EA849F21-AAC2-4581-BB34-ECC8401E89FA}">
+      <dsp:nvSpPr>
+        <dsp:cNvPr id="0" name=""/>
+        <dsp:cNvSpPr/>
+      </dsp:nvSpPr>
+      <dsp:spPr>
+        <a:xfrm>
+          <a:off x="6772399" y="801712"/>
+          <a:ext cx="843873" cy="843873"/>
+        </a:xfrm>
+        <a:prstGeom prst="ellipse">
+          <a:avLst/>
+        </a:prstGeom>
+        <a:solidFill>
+          <a:schemeClr val="accent2">
+            <a:tint val="40000"/>
+            <a:hueOff val="0"/>
+            <a:satOff val="0"/>
+            <a:lumOff val="0"/>
+            <a:alphaOff val="0"/>
+          </a:schemeClr>
+        </a:solidFill>
+        <a:ln>
+          <a:noFill/>
+        </a:ln>
+        <a:effectLst/>
+      </dsp:spPr>
+      <dsp:style>
+        <a:lnRef idx="0">
+          <a:scrgbClr r="0" g="0" b="0"/>
+        </a:lnRef>
+        <a:fillRef idx="1">
+          <a:scrgbClr r="0" g="0" b="0"/>
+        </a:fillRef>
+        <a:effectRef idx="0">
+          <a:scrgbClr r="0" g="0" b="0"/>
+        </a:effectRef>
+        <a:fontRef idx="minor"/>
+      </dsp:style>
+    </dsp:sp>
+    <dsp:sp modelId="{5D87BD41-D4BC-47B7-95E9-F1E099701A3A}">
+      <dsp:nvSpPr>
+        <dsp:cNvPr id="0" name=""/>
+        <dsp:cNvSpPr/>
+      </dsp:nvSpPr>
+      <dsp:spPr>
+        <a:xfrm>
+          <a:off x="6952241" y="981554"/>
+          <a:ext cx="484189" cy="484189"/>
+        </a:xfrm>
+        <a:prstGeom prst="rect">
+          <a:avLst/>
+        </a:prstGeom>
+        <a:blipFill>
+          <a:blip xmlns:r="http://schemas.openxmlformats.org/officeDocument/2006/relationships" r:embed="rId9">
+            <a:extLst>
+              <a:ext uri="{28A0092B-C50C-407E-A947-70E740481C1C}">
+                <a14:useLocalDpi xmlns:a14="http://schemas.microsoft.com/office/drawing/2010/main" val="0"/>
+              </a:ext>
+              <a:ext uri="{96DAC541-7B7A-43D3-8B79-37D633B846F1}">
+                <asvg:svgBlip xmlns:asvg="http://schemas.microsoft.com/office/drawing/2016/SVG/main" r:embed="rId10"/>
+              </a:ext>
+            </a:extLst>
+          </a:blip>
+          <a:stretch>
+            <a:fillRect/>
+          </a:stretch>
+        </a:blipFill>
+        <a:ln w="12700" cap="flat" cmpd="sng" algn="ctr">
+          <a:noFill/>
+          <a:prstDash val="solid"/>
+          <a:miter lim="800000"/>
+        </a:ln>
+        <a:effectLst/>
+      </dsp:spPr>
+      <dsp:style>
+        <a:lnRef idx="2">
+          <a:scrgbClr r="0" g="0" b="0"/>
+        </a:lnRef>
+        <a:fillRef idx="1">
+          <a:scrgbClr r="0" g="0" b="0"/>
+        </a:fillRef>
+        <a:effectRef idx="0">
+          <a:scrgbClr r="0" g="0" b="0"/>
+        </a:effectRef>
+        <a:fontRef idx="minor">
+          <a:schemeClr val="lt1"/>
+        </a:fontRef>
+      </dsp:style>
+    </dsp:sp>
+    <dsp:sp modelId="{D7FAFEE7-461A-40DC-A7ED-92995FC038CC}">
+      <dsp:nvSpPr>
+        <dsp:cNvPr id="0" name=""/>
+        <dsp:cNvSpPr/>
+      </dsp:nvSpPr>
+      <dsp:spPr>
+        <a:xfrm>
+          <a:off x="6502637" y="1908431"/>
+          <a:ext cx="1383398" cy="553359"/>
+        </a:xfrm>
+        <a:prstGeom prst="rect">
+          <a:avLst/>
+        </a:prstGeom>
+        <a:noFill/>
+        <a:ln>
+          <a:noFill/>
+        </a:ln>
+        <a:effectLst/>
+      </dsp:spPr>
+      <dsp:style>
+        <a:lnRef idx="0">
+          <a:scrgbClr r="0" g="0" b="0"/>
+        </a:lnRef>
+        <a:fillRef idx="0">
+          <a:scrgbClr r="0" g="0" b="0"/>
+        </a:fillRef>
+        <a:effectRef idx="0">
+          <a:scrgbClr r="0" g="0" b="0"/>
+        </a:effectRef>
+        <a:fontRef idx="minor"/>
+      </dsp:style>
+      <dsp:txBody>
+        <a:bodyPr spcFirstLastPara="0" vert="horz" wrap="square" lIns="0" tIns="0" rIns="0" bIns="0" numCol="1" spcCol="1270" anchor="t" anchorCtr="0">
+          <a:noAutofit/>
+        </a:bodyPr>
+        <a:lstStyle/>
+        <a:p>
+          <a:pPr marL="0" lvl="0" indent="0" algn="ctr" defTabSz="622300">
+            <a:lnSpc>
+              <a:spcPct val="100000"/>
+            </a:lnSpc>
+            <a:spcBef>
+              <a:spcPct val="0"/>
+            </a:spcBef>
+            <a:spcAft>
+              <a:spcPct val="35000"/>
+            </a:spcAft>
+            <a:buNone/>
+            <a:defRPr cap="all"/>
+          </a:pPr>
+          <a:r>
+            <a:rPr lang="en-US" sz="1400" kern="1200"/>
+            <a:t>Moving Forward</a:t>
+          </a:r>
+        </a:p>
+      </dsp:txBody>
+      <dsp:txXfrm>
+        <a:off x="6502637" y="1908431"/>
+        <a:ext cx="1383398" cy="553359"/>
+      </dsp:txXfrm>
+    </dsp:sp>
+  </dsp:spTree>
+</dsp:drawing>
+</file>
+
+<file path=ppt/diagrams/drawing2.xml><?xml version="1.0" encoding="utf-8"?>
+<dsp:drawing xmlns:dgm="http://schemas.openxmlformats.org/drawingml/2006/diagram" xmlns:dsp="http://schemas.microsoft.com/office/drawing/2008/diagram" xmlns:a="http://schemas.openxmlformats.org/drawingml/2006/main">
+  <dsp:spTree>
+    <dsp:nvGrpSpPr>
+      <dsp:cNvPr id="0" name=""/>
+      <dsp:cNvGrpSpPr/>
+    </dsp:nvGrpSpPr>
+    <dsp:grpSpPr/>
+    <dsp:sp modelId="{5039C880-FE0C-4DA6-910F-7601852C7343}">
+      <dsp:nvSpPr>
+        <dsp:cNvPr id="0" name=""/>
+        <dsp:cNvSpPr/>
+      </dsp:nvSpPr>
+      <dsp:spPr>
+        <a:xfrm>
+          <a:off x="0" y="375"/>
+          <a:ext cx="7886700" cy="878397"/>
+        </a:xfrm>
+        <a:prstGeom prst="roundRect">
+          <a:avLst>
+            <a:gd name="adj" fmla="val 10000"/>
+          </a:avLst>
+        </a:prstGeom>
+        <a:solidFill>
+          <a:schemeClr val="accent2">
+            <a:tint val="40000"/>
+            <a:hueOff val="0"/>
+            <a:satOff val="0"/>
+            <a:lumOff val="0"/>
+            <a:alphaOff val="0"/>
+          </a:schemeClr>
+        </a:solidFill>
+        <a:ln>
+          <a:noFill/>
+        </a:ln>
+        <a:effectLst/>
+      </dsp:spPr>
+      <dsp:style>
+        <a:lnRef idx="0">
+          <a:scrgbClr r="0" g="0" b="0"/>
+        </a:lnRef>
+        <a:fillRef idx="1">
+          <a:scrgbClr r="0" g="0" b="0"/>
+        </a:fillRef>
+        <a:effectRef idx="2">
+          <a:scrgbClr r="0" g="0" b="0"/>
+        </a:effectRef>
+        <a:fontRef idx="minor"/>
+      </dsp:style>
+    </dsp:sp>
+    <dsp:sp modelId="{F8AC9FF0-E5B7-4131-8DD0-D54B4C35D6AE}">
+      <dsp:nvSpPr>
+        <dsp:cNvPr id="0" name=""/>
+        <dsp:cNvSpPr/>
+      </dsp:nvSpPr>
+      <dsp:spPr>
+        <a:xfrm>
+          <a:off x="265715" y="198014"/>
+          <a:ext cx="483118" cy="483118"/>
+        </a:xfrm>
+        <a:prstGeom prst="rect">
+          <a:avLst/>
+        </a:prstGeom>
+        <a:blipFill>
+          <a:blip xmlns:r="http://schemas.openxmlformats.org/officeDocument/2006/relationships" r:embed="rId1">
+            <a:extLst>
+              <a:ext uri="{96DAC541-7B7A-43D3-8B79-37D633B846F1}">
+                <asvg:svgBlip xmlns:asvg="http://schemas.microsoft.com/office/drawing/2016/SVG/main" r:embed="rId2"/>
+              </a:ext>
+            </a:extLst>
+          </a:blip>
+          <a:srcRect/>
+          <a:stretch>
+            <a:fillRect/>
+          </a:stretch>
+        </a:blipFill>
+        <a:ln>
+          <a:noFill/>
+        </a:ln>
+        <a:effectLst/>
+      </dsp:spPr>
+      <dsp:style>
+        <a:lnRef idx="0">
+          <a:scrgbClr r="0" g="0" b="0"/>
+        </a:lnRef>
+        <a:fillRef idx="3">
+          <a:scrgbClr r="0" g="0" b="0"/>
+        </a:fillRef>
+        <a:effectRef idx="2">
+          <a:scrgbClr r="0" g="0" b="0"/>
+        </a:effectRef>
+        <a:fontRef idx="minor">
+          <a:schemeClr val="lt1"/>
+        </a:fontRef>
+      </dsp:style>
+    </dsp:sp>
+    <dsp:sp modelId="{0BC06F2B-E777-4F44-A621-16EC352B017A}">
+      <dsp:nvSpPr>
+        <dsp:cNvPr id="0" name=""/>
+        <dsp:cNvSpPr/>
+      </dsp:nvSpPr>
+      <dsp:spPr>
+        <a:xfrm>
+          <a:off x="1014549" y="375"/>
+          <a:ext cx="6872150" cy="878397"/>
+        </a:xfrm>
+        <a:prstGeom prst="rect">
+          <a:avLst/>
+        </a:prstGeom>
+        <a:noFill/>
+        <a:ln>
+          <a:noFill/>
+        </a:ln>
+        <a:effectLst/>
+      </dsp:spPr>
+      <dsp:style>
+        <a:lnRef idx="0">
+          <a:scrgbClr r="0" g="0" b="0"/>
+        </a:lnRef>
+        <a:fillRef idx="0">
+          <a:scrgbClr r="0" g="0" b="0"/>
+        </a:fillRef>
+        <a:effectRef idx="0">
+          <a:scrgbClr r="0" g="0" b="0"/>
+        </a:effectRef>
+        <a:fontRef idx="minor"/>
+      </dsp:style>
+      <dsp:txBody>
+        <a:bodyPr spcFirstLastPara="0" vert="horz" wrap="square" lIns="92964" tIns="92964" rIns="92964" bIns="92964" numCol="1" spcCol="1270" anchor="ctr" anchorCtr="0">
+          <a:noAutofit/>
+        </a:bodyPr>
+        <a:lstStyle/>
+        <a:p>
+          <a:pPr marL="0" lvl="0" indent="0" algn="l" defTabSz="889000">
+            <a:lnSpc>
+              <a:spcPct val="100000"/>
+            </a:lnSpc>
+            <a:spcBef>
+              <a:spcPct val="0"/>
+            </a:spcBef>
+            <a:spcAft>
+              <a:spcPct val="35000"/>
+            </a:spcAft>
+            <a:buNone/>
+          </a:pPr>
+          <a:r>
+            <a:rPr lang="en-US" sz="2000" kern="1200" dirty="0"/>
+            <a:t>Accounted for ordinality.</a:t>
+          </a:r>
+        </a:p>
+      </dsp:txBody>
+      <dsp:txXfrm>
+        <a:off x="1014549" y="375"/>
+        <a:ext cx="6872150" cy="878397"/>
+      </dsp:txXfrm>
+    </dsp:sp>
+    <dsp:sp modelId="{F22FE2D6-3269-4C71-9BCA-B9D6167560A2}">
+      <dsp:nvSpPr>
+        <dsp:cNvPr id="0" name=""/>
+        <dsp:cNvSpPr/>
+      </dsp:nvSpPr>
+      <dsp:spPr>
+        <a:xfrm>
+          <a:off x="0" y="1098372"/>
+          <a:ext cx="7886700" cy="878397"/>
+        </a:xfrm>
+        <a:prstGeom prst="roundRect">
+          <a:avLst>
+            <a:gd name="adj" fmla="val 10000"/>
+          </a:avLst>
+        </a:prstGeom>
+        <a:solidFill>
+          <a:schemeClr val="accent2">
+            <a:tint val="40000"/>
+            <a:hueOff val="0"/>
+            <a:satOff val="0"/>
+            <a:lumOff val="0"/>
+            <a:alphaOff val="0"/>
+          </a:schemeClr>
+        </a:solidFill>
+        <a:ln>
+          <a:noFill/>
+        </a:ln>
+        <a:effectLst/>
+      </dsp:spPr>
+      <dsp:style>
+        <a:lnRef idx="0">
+          <a:scrgbClr r="0" g="0" b="0"/>
+        </a:lnRef>
+        <a:fillRef idx="1">
+          <a:scrgbClr r="0" g="0" b="0"/>
+        </a:fillRef>
+        <a:effectRef idx="2">
+          <a:scrgbClr r="0" g="0" b="0"/>
+        </a:effectRef>
+        <a:fontRef idx="minor"/>
+      </dsp:style>
+    </dsp:sp>
+    <dsp:sp modelId="{9DA7BBAD-05DF-4A34-A479-23D81049ED8D}">
+      <dsp:nvSpPr>
+        <dsp:cNvPr id="0" name=""/>
+        <dsp:cNvSpPr/>
+      </dsp:nvSpPr>
+      <dsp:spPr>
+        <a:xfrm>
+          <a:off x="265715" y="1296012"/>
+          <a:ext cx="483118" cy="483118"/>
+        </a:xfrm>
+        <a:prstGeom prst="rect">
+          <a:avLst/>
+        </a:prstGeom>
+        <a:blipFill>
+          <a:blip xmlns:r="http://schemas.openxmlformats.org/officeDocument/2006/relationships" r:embed="rId3">
+            <a:extLst>
+              <a:ext uri="{96DAC541-7B7A-43D3-8B79-37D633B846F1}">
+                <asvg:svgBlip xmlns:asvg="http://schemas.microsoft.com/office/drawing/2016/SVG/main" r:embed="rId4"/>
+              </a:ext>
+            </a:extLst>
+          </a:blip>
+          <a:srcRect/>
+          <a:stretch>
+            <a:fillRect/>
+          </a:stretch>
+        </a:blipFill>
+        <a:ln>
+          <a:noFill/>
+        </a:ln>
+        <a:effectLst/>
+      </dsp:spPr>
+      <dsp:style>
+        <a:lnRef idx="0">
+          <a:scrgbClr r="0" g="0" b="0"/>
+        </a:lnRef>
+        <a:fillRef idx="3">
+          <a:scrgbClr r="0" g="0" b="0"/>
+        </a:fillRef>
+        <a:effectRef idx="2">
+          <a:scrgbClr r="0" g="0" b="0"/>
+        </a:effectRef>
+        <a:fontRef idx="minor">
+          <a:schemeClr val="lt1"/>
+        </a:fontRef>
+      </dsp:style>
+    </dsp:sp>
+    <dsp:sp modelId="{64431AD4-207D-4384-892E-D8F4624D8FBA}">
+      <dsp:nvSpPr>
+        <dsp:cNvPr id="0" name=""/>
+        <dsp:cNvSpPr/>
+      </dsp:nvSpPr>
+      <dsp:spPr>
+        <a:xfrm>
+          <a:off x="1014549" y="1098372"/>
+          <a:ext cx="6872150" cy="878397"/>
+        </a:xfrm>
+        <a:prstGeom prst="rect">
+          <a:avLst/>
+        </a:prstGeom>
+        <a:noFill/>
+        <a:ln>
+          <a:noFill/>
+        </a:ln>
+        <a:effectLst/>
+      </dsp:spPr>
+      <dsp:style>
+        <a:lnRef idx="0">
+          <a:scrgbClr r="0" g="0" b="0"/>
+        </a:lnRef>
+        <a:fillRef idx="0">
+          <a:scrgbClr r="0" g="0" b="0"/>
+        </a:fillRef>
+        <a:effectRef idx="0">
+          <a:scrgbClr r="0" g="0" b="0"/>
+        </a:effectRef>
+        <a:fontRef idx="minor"/>
+      </dsp:style>
+      <dsp:txBody>
+        <a:bodyPr spcFirstLastPara="0" vert="horz" wrap="square" lIns="92964" tIns="92964" rIns="92964" bIns="92964" numCol="1" spcCol="1270" anchor="ctr" anchorCtr="0">
+          <a:noAutofit/>
+        </a:bodyPr>
+        <a:lstStyle/>
+        <a:p>
+          <a:pPr marL="0" lvl="0" indent="0" algn="l" defTabSz="889000">
+            <a:lnSpc>
+              <a:spcPct val="100000"/>
+            </a:lnSpc>
+            <a:spcBef>
+              <a:spcPct val="0"/>
+            </a:spcBef>
+            <a:spcAft>
+              <a:spcPct val="35000"/>
+            </a:spcAft>
+            <a:buNone/>
+          </a:pPr>
+          <a:r>
+            <a:rPr lang="en-US" sz="2000" kern="1200" dirty="0"/>
+            <a:t>Joined on XID.</a:t>
+          </a:r>
+        </a:p>
+      </dsp:txBody>
+      <dsp:txXfrm>
+        <a:off x="1014549" y="1098372"/>
+        <a:ext cx="6872150" cy="878397"/>
+      </dsp:txXfrm>
+    </dsp:sp>
+    <dsp:sp modelId="{8C8D02FE-FB19-4D3B-9148-90AE290AE10A}">
+      <dsp:nvSpPr>
+        <dsp:cNvPr id="0" name=""/>
+        <dsp:cNvSpPr/>
+      </dsp:nvSpPr>
+      <dsp:spPr>
+        <a:xfrm>
+          <a:off x="0" y="2196369"/>
+          <a:ext cx="7886700" cy="878397"/>
+        </a:xfrm>
+        <a:prstGeom prst="roundRect">
+          <a:avLst>
+            <a:gd name="adj" fmla="val 10000"/>
+          </a:avLst>
+        </a:prstGeom>
+        <a:solidFill>
+          <a:schemeClr val="accent2">
+            <a:tint val="40000"/>
+            <a:hueOff val="0"/>
+            <a:satOff val="0"/>
+            <a:lumOff val="0"/>
+            <a:alphaOff val="0"/>
+          </a:schemeClr>
+        </a:solidFill>
+        <a:ln>
+          <a:noFill/>
+        </a:ln>
+        <a:effectLst/>
+      </dsp:spPr>
+      <dsp:style>
+        <a:lnRef idx="0">
+          <a:scrgbClr r="0" g="0" b="0"/>
+        </a:lnRef>
+        <a:fillRef idx="1">
+          <a:scrgbClr r="0" g="0" b="0"/>
+        </a:fillRef>
+        <a:effectRef idx="2">
+          <a:scrgbClr r="0" g="0" b="0"/>
+        </a:effectRef>
+        <a:fontRef idx="minor"/>
+      </dsp:style>
+    </dsp:sp>
+    <dsp:sp modelId="{9146751B-BF60-40D1-A8AE-F200B28D5BC9}">
+      <dsp:nvSpPr>
+        <dsp:cNvPr id="0" name=""/>
+        <dsp:cNvSpPr/>
+      </dsp:nvSpPr>
+      <dsp:spPr>
+        <a:xfrm>
+          <a:off x="265715" y="2394009"/>
+          <a:ext cx="483118" cy="483118"/>
+        </a:xfrm>
+        <a:prstGeom prst="rect">
+          <a:avLst/>
+        </a:prstGeom>
+        <a:blipFill>
+          <a:blip xmlns:r="http://schemas.openxmlformats.org/officeDocument/2006/relationships" r:embed="rId5">
+            <a:extLst>
+              <a:ext uri="{96DAC541-7B7A-43D3-8B79-37D633B846F1}">
+                <asvg:svgBlip xmlns:asvg="http://schemas.microsoft.com/office/drawing/2016/SVG/main" r:embed="rId6"/>
+              </a:ext>
+            </a:extLst>
+          </a:blip>
+          <a:srcRect/>
+          <a:stretch>
+            <a:fillRect/>
+          </a:stretch>
+        </a:blipFill>
+        <a:ln>
+          <a:noFill/>
+        </a:ln>
+        <a:effectLst/>
+      </dsp:spPr>
+      <dsp:style>
+        <a:lnRef idx="0">
+          <a:scrgbClr r="0" g="0" b="0"/>
+        </a:lnRef>
+        <a:fillRef idx="3">
+          <a:scrgbClr r="0" g="0" b="0"/>
+        </a:fillRef>
+        <a:effectRef idx="2">
+          <a:scrgbClr r="0" g="0" b="0"/>
+        </a:effectRef>
+        <a:fontRef idx="minor">
+          <a:schemeClr val="lt1"/>
+        </a:fontRef>
+      </dsp:style>
+    </dsp:sp>
+    <dsp:sp modelId="{8137DD96-0246-4DDD-A0EC-3DAA049202BE}">
+      <dsp:nvSpPr>
+        <dsp:cNvPr id="0" name=""/>
+        <dsp:cNvSpPr/>
+      </dsp:nvSpPr>
+      <dsp:spPr>
+        <a:xfrm>
+          <a:off x="1014549" y="2196369"/>
+          <a:ext cx="6872150" cy="878397"/>
+        </a:xfrm>
+        <a:prstGeom prst="rect">
+          <a:avLst/>
+        </a:prstGeom>
+        <a:noFill/>
+        <a:ln>
+          <a:noFill/>
+        </a:ln>
+        <a:effectLst/>
+      </dsp:spPr>
+      <dsp:style>
+        <a:lnRef idx="0">
+          <a:scrgbClr r="0" g="0" b="0"/>
+        </a:lnRef>
+        <a:fillRef idx="0">
+          <a:scrgbClr r="0" g="0" b="0"/>
+        </a:fillRef>
+        <a:effectRef idx="0">
+          <a:scrgbClr r="0" g="0" b="0"/>
+        </a:effectRef>
+        <a:fontRef idx="minor"/>
+      </dsp:style>
+      <dsp:txBody>
+        <a:bodyPr spcFirstLastPara="0" vert="horz" wrap="square" lIns="92964" tIns="92964" rIns="92964" bIns="92964" numCol="1" spcCol="1270" anchor="ctr" anchorCtr="0">
+          <a:noAutofit/>
+        </a:bodyPr>
+        <a:lstStyle/>
+        <a:p>
+          <a:pPr marL="0" lvl="0" indent="0" algn="l" defTabSz="889000">
+            <a:lnSpc>
+              <a:spcPct val="100000"/>
+            </a:lnSpc>
+            <a:spcBef>
+              <a:spcPct val="0"/>
+            </a:spcBef>
+            <a:spcAft>
+              <a:spcPct val="35000"/>
+            </a:spcAft>
+            <a:buNone/>
+          </a:pPr>
+          <a:r>
+            <a:rPr lang="en-US" sz="2000" kern="1200" dirty="0"/>
+            <a:t>Improved readability.</a:t>
+          </a:r>
+        </a:p>
+      </dsp:txBody>
+      <dsp:txXfrm>
+        <a:off x="1014549" y="2196369"/>
+        <a:ext cx="6872150" cy="878397"/>
+      </dsp:txXfrm>
+    </dsp:sp>
+  </dsp:spTree>
+</dsp:drawing>
+</file>
+
+<file path=ppt/diagrams/layout1.xml><?xml version="1.0" encoding="utf-8"?>
+<dgm:layoutDef xmlns:dgm="http://schemas.openxmlformats.org/drawingml/2006/diagram" xmlns:a="http://schemas.openxmlformats.org/drawingml/2006/main" uniqueId="urn:microsoft.com/office/officeart/2018/5/layout/IconCircleLabelList">
+  <dgm:title val="Icon Circle Label List"/>
+  <dgm:desc val="Use to show non-sequential or grouped chunks of information accompanied by a related visuals. Works best with icons or small pictures with short text captions."/>
+  <dgm:catLst>
+    <dgm:cat type="icon" pri="500"/>
+  </dgm:catLst>
+  <dgm:sampData useDef="1">
+    <dgm:dataModel>
+      <dgm:ptLst/>
+      <dgm:bg/>
+      <dgm:whole/>
+    </dgm:dataModel>
+  </dgm:sampData>
+  <dgm:styleData useDef="1">
+    <dgm:dataModel>
+      <dgm:ptLst/>
+      <dgm:bg/>
+      <dgm:whole/>
+    </dgm:dataModel>
+  </dgm:styleData>
+  <dgm:clrData useDef="1">
+    <dgm:dataModel>
+      <dgm:ptLst/>
+      <dgm:bg/>
+      <dgm:whole/>
+    </dgm:dataModel>
+  </dgm:clrData>
+  <dgm:layoutNode name="root">
+    <dgm:varLst>
+      <dgm:dir/>
+      <dgm:resizeHandles val="exact"/>
+    </dgm:varLst>
+    <dgm:choose name="Name0">
+      <dgm:if name="Name1" axis="self" func="var" arg="dir" op="equ" val="norm">
+        <dgm:alg type="snake">
+          <dgm:param type="grDir" val="tL"/>
+          <dgm:param type="flowDir" val="row"/>
+          <dgm:param type="contDir" val="sameDir"/>
+          <dgm:param type="off" val="ctr"/>
+          <dgm:param type="vertAlign" val="mid"/>
+          <dgm:param type="horzAlign" val="ctr"/>
+        </dgm:alg>
+      </dgm:if>
+      <dgm:else name="Name2">
+        <dgm:alg type="snake">
+          <dgm:param type="grDir" val="tR"/>
+          <dgm:param type="flowDir" val="row"/>
+          <dgm:param type="contDir" val="sameDir"/>
+          <dgm:param type="off" val="ctr"/>
+          <dgm:param type="vertAlign" val="mid"/>
+          <dgm:param type="horzAlign" val="ctr"/>
+        </dgm:alg>
+      </dgm:else>
+    </dgm:choose>
+    <dgm:shape xmlns:r="http://schemas.openxmlformats.org/officeDocument/2006/relationships" r:blip="">
+      <dgm:adjLst/>
+    </dgm:shape>
+    <dgm:presOf/>
+    <dgm:choose name="Name3">
+      <dgm:if name="Name4" axis="ch" ptType="node" func="cnt" op="lte" val="2">
+        <dgm:constrLst>
+          <dgm:constr type="h" for="ch" forName="compNode" refType="h" fact="0.4"/>
+          <dgm:constr type="w" for="ch" forName="compNode" val="100"/>
+          <dgm:constr type="w" for="ch" forName="sibTrans" refType="w" refFor="ch" refForName="compNode" fact="0.175"/>
+          <dgm:constr type="sp" refType="w" refFor="ch" refForName="compNode" op="equ" fact="0.25"/>
+          <dgm:constr type="primFontSz" for="des" ptType="node" op="equ" val="44"/>
+          <dgm:constr type="h" for="des" forName="compNode" op="equ"/>
+          <dgm:constr type="h" for="des" forName="textRect" op="equ"/>
+        </dgm:constrLst>
+      </dgm:if>
+      <dgm:if name="Name5" axis="ch" ptType="node" func="cnt" op="lte" val="3">
+        <dgm:constrLst>
+          <dgm:constr type="h" for="ch" forName="compNode" refType="h" fact="0.4"/>
+          <dgm:constr type="w" for="ch" forName="compNode" val="100"/>
+          <dgm:constr type="w" for="ch" forName="sibTrans" refType="w" refFor="ch" refForName="compNode" fact="0.175"/>
+          <dgm:constr type="sp" refType="w" refFor="ch" refForName="compNode" op="equ" fact="0.25"/>
+          <dgm:constr type="primFontSz" for="des" ptType="node" op="equ" val="40"/>
+          <dgm:constr type="h" for="des" forName="compNode" op="equ"/>
+          <dgm:constr type="h" for="des" forName="textRect" op="equ"/>
+        </dgm:constrLst>
+      </dgm:if>
+      <dgm:if name="Name6" axis="ch" ptType="node" func="cnt" op="lte" val="4">
+        <dgm:constrLst>
+          <dgm:constr type="h" for="ch" forName="compNode" refType="h" fact="0.4"/>
+          <dgm:constr type="w" for="ch" forName="compNode" refType="w"/>
+          <dgm:constr type="w" for="ch" forName="sibTrans" refType="w" refFor="ch" refForName="compNode" fact="0.175"/>
+          <dgm:constr type="sp" refType="w" refFor="ch" refForName="compNode" op="equ" fact="0.25"/>
+          <dgm:constr type="primFontSz" for="des" ptType="node" op="equ" val="32"/>
+          <dgm:constr type="h" for="des" forName="compNode" op="equ"/>
+          <dgm:constr type="h" for="des" forName="textRect" op="equ"/>
+        </dgm:constrLst>
+      </dgm:if>
+      <dgm:else name="Name7">
+        <dgm:constrLst>
+          <dgm:constr type="h" for="ch" forName="compNode" refType="h" fact="0.4"/>
+          <dgm:constr type="w" for="ch" forName="compNode" refType="w"/>
+          <dgm:constr type="w" for="ch" forName="sibTrans" refType="w" refFor="ch" refForName="compNode" fact="0.175"/>
+          <dgm:constr type="sp" refType="w" refFor="ch" refForName="compNode" op="equ" fact="0.25"/>
+          <dgm:constr type="primFontSz" for="des" ptType="node" op="equ" val="24"/>
+          <dgm:constr type="h" for="des" forName="compNode" op="equ"/>
+          <dgm:constr type="h" for="des" forName="textRect" op="equ"/>
+        </dgm:constrLst>
+      </dgm:else>
+    </dgm:choose>
+    <dgm:ruleLst>
+      <dgm:rule type="w" for="ch" forName="compNode" val="50" fact="NaN" max="NaN"/>
+    </dgm:ruleLst>
+    <dgm:forEach name="Name8" axis="ch" ptType="node">
+      <dgm:layoutNode name="compNode">
+        <dgm:alg type="composite"/>
+        <dgm:shape xmlns:r="http://schemas.openxmlformats.org/officeDocument/2006/relationships" r:blip="">
+          <dgm:adjLst/>
+        </dgm:shape>
+        <dgm:presOf axis="self"/>
+        <dgm:constrLst>
+          <dgm:constr type="w" for="ch" forName="iconBgRect" refType="w" fact="0.61"/>
+          <dgm:constr type="h" for="ch" forName="iconBgRect" refType="w" refFor="ch" refForName="iconBgRect"/>
+          <dgm:constr type="t" for="ch" forName="iconBgRect"/>
+          <dgm:constr type="ctrX" for="ch" forName="iconBgRect" refType="w" fact="0.5"/>
+          <dgm:constr type="w" for="ch" forName="iconRect" refType="w" fact="0.35"/>
+          <dgm:constr type="h" for="ch" forName="iconRect" refType="w" refFor="ch" refForName="iconRect"/>
+          <dgm:constr type="ctrX" for="ch" forName="iconRect" refType="ctrX" refFor="ch" refForName="iconBgRect"/>
+          <dgm:constr type="ctrY" for="ch" forName="iconRect" refType="ctrY" refFor="ch" refForName="iconBgRect"/>
+          <dgm:constr type="h" for="ch" forName="spaceRect" refType="w" fact="0.19"/>
+          <dgm:constr type="w" for="ch" forName="spaceRect" refType="w"/>
+          <dgm:constr type="l" for="ch" forName="spaceRect"/>
+          <dgm:constr type="t" for="ch" forName="spaceRect" refType="b" refFor="ch" refForName="iconBgRect"/>
+          <dgm:constr type="h" for="ch" forName="textRect" val="20"/>
+          <dgm:constr type="w" for="ch" forName="textRect" refType="w"/>
+          <dgm:constr type="l" for="ch" forName="textRect"/>
+          <dgm:constr type="t" for="ch" forName="textRect" refType="b" refFor="ch" refForName="spaceRect"/>
+        </dgm:constrLst>
+        <dgm:ruleLst>
+          <dgm:rule type="h" val="INF" fact="NaN" max="NaN"/>
+        </dgm:ruleLst>
+        <dgm:layoutNode name="iconBgRect" styleLbl="bgShp">
+          <dgm:alg type="sp"/>
+          <dgm:shape xmlns:r="http://schemas.openxmlformats.org/officeDocument/2006/relationships" type="ellipse" r:blip="">
+            <dgm:adjLst/>
+          </dgm:shape>
+          <dgm:presOf/>
+          <dgm:constrLst/>
+          <dgm:ruleLst/>
+        </dgm:layoutNode>
+        <dgm:layoutNode name="iconRect" styleLbl="node1">
+          <dgm:alg type="sp"/>
+          <dgm:shape xmlns:r="http://schemas.openxmlformats.org/officeDocument/2006/relationships" type="rect" r:blip="" blipPhldr="1">
+            <dgm:adjLst/>
+          </dgm:shape>
+          <dgm:presOf/>
+          <dgm:constrLst/>
+          <dgm:ruleLst/>
+        </dgm:layoutNode>
+        <dgm:layoutNode name="spaceRect">
+          <dgm:alg type="sp"/>
+          <dgm:shape xmlns:r="http://schemas.openxmlformats.org/officeDocument/2006/relationships" r:blip="">
+            <dgm:adjLst/>
+          </dgm:shape>
+          <dgm:presOf/>
+          <dgm:constrLst/>
+          <dgm:ruleLst/>
+        </dgm:layoutNode>
+        <dgm:layoutNode name="textRect" styleLbl="revTx">
+          <dgm:varLst>
+            <dgm:chMax val="1"/>
+            <dgm:chPref val="1"/>
+          </dgm:varLst>
+          <dgm:alg type="tx">
+            <dgm:param type="txAnchorVert" val="t"/>
+          </dgm:alg>
+          <dgm:shape xmlns:r="http://schemas.openxmlformats.org/officeDocument/2006/relationships" type="rect" r:blip="">
+            <dgm:adjLst/>
+          </dgm:shape>
+          <dgm:presOf axis="self" ptType="node"/>
+          <dgm:constrLst>
+            <dgm:constr type="lMarg"/>
+            <dgm:constr type="rMarg"/>
+            <dgm:constr type="tMarg"/>
+            <dgm:constr type="bMarg"/>
+          </dgm:constrLst>
+          <dgm:ruleLst>
+            <dgm:rule type="primFontSz" val="11" fact="NaN" max="NaN"/>
+            <dgm:rule type="h" val="INF" fact="NaN" max="NaN"/>
+          </dgm:ruleLst>
+        </dgm:layoutNode>
+      </dgm:layoutNode>
+      <dgm:forEach name="Name9" axis="followSib" ptType="sibTrans" cnt="1">
+        <dgm:layoutNode name="sibTrans">
+          <dgm:alg type="sp"/>
+          <dgm:shape xmlns:r="http://schemas.openxmlformats.org/officeDocument/2006/relationships" r:blip="">
+            <dgm:adjLst/>
+          </dgm:shape>
+          <dgm:presOf axis="self"/>
+          <dgm:constrLst/>
+          <dgm:ruleLst/>
+        </dgm:layoutNode>
+      </dgm:forEach>
+    </dgm:forEach>
+  </dgm:layoutNode>
+  <dgm:extLst>
+    <a:ext uri="{68A01E43-0DF5-4B5B-8FA6-DAF915123BFB}">
+      <dgm1612:lstStyle xmlns:dgm1612="http://schemas.microsoft.com/office/drawing/2016/12/diagram">
+        <a:lvl1pPr>
+          <a:lnSpc>
+            <a:spcPct val="100000"/>
+          </a:lnSpc>
+          <a:defRPr cap="all"/>
+        </a:lvl1pPr>
+      </dgm1612:lstStyle>
+    </a:ext>
+  </dgm:extLst>
+</dgm:layoutDef>
+</file>
+
+<file path=ppt/diagrams/layout2.xml><?xml version="1.0" encoding="utf-8"?>
+<dgm:layoutDef xmlns:dgm="http://schemas.openxmlformats.org/drawingml/2006/diagram" xmlns:a="http://schemas.openxmlformats.org/drawingml/2006/main" uniqueId="urn:microsoft.com/office/officeart/2018/2/layout/IconVerticalSolidList">
+  <dgm:title val="Icon Vertical Solid List"/>
+  <dgm:desc val="Use to show a series of visuals from top to bottom with Level 1 or Level 1 and Level 2 text grouped in a shape. Works best with icons or small pictures with lengthier descriptions."/>
+  <dgm:catLst>
+    <dgm:cat type="icon" pri="500"/>
+  </dgm:catLst>
+  <dgm:sampData useDef="1">
+    <dgm:dataModel>
+      <dgm:ptLst/>
+      <dgm:bg/>
+      <dgm:whole/>
+    </dgm:dataModel>
+  </dgm:sampData>
+  <dgm:styleData useDef="1">
+    <dgm:dataModel>
+      <dgm:ptLst/>
+      <dgm:bg/>
+      <dgm:whole/>
+    </dgm:dataModel>
+  </dgm:styleData>
+  <dgm:clrData useDef="1">
+    <dgm:dataModel>
+      <dgm:ptLst/>
+      <dgm:bg/>
+      <dgm:whole/>
+    </dgm:dataModel>
+  </dgm:clrData>
+  <dgm:layoutNode name="root">
+    <dgm:varLst>
+      <dgm:dir/>
+      <dgm:resizeHandles val="exact"/>
+    </dgm:varLst>
+    <dgm:choose name="Name0">
+      <dgm:if name="Name1" axis="self" func="var" arg="dir" op="equ" val="norm">
+        <dgm:alg type="lin">
+          <dgm:param type="linDir" val="fromT"/>
+          <dgm:param type="nodeHorzAlign" val="l"/>
+        </dgm:alg>
+      </dgm:if>
+      <dgm:else name="Name2">
+        <dgm:alg type="lin">
+          <dgm:param type="linDir" val="fromT"/>
+          <dgm:param type="nodeHorzAlign" val="r"/>
+        </dgm:alg>
+      </dgm:else>
+    </dgm:choose>
+    <dgm:shape xmlns:r="http://schemas.openxmlformats.org/officeDocument/2006/relationships" r:blip="">
+      <dgm:adjLst/>
+    </dgm:shape>
+    <dgm:presOf/>
+    <dgm:choose name="Name3">
+      <dgm:if name="Name4" axis="ch" ptType="node" func="cnt" op="lte" val="3">
+        <dgm:constrLst>
+          <dgm:constr type="h" for="ch" forName="compNode" refType="h" fact="0.3"/>
+          <dgm:constr type="w" for="ch" forName="compNode" refType="w"/>
+          <dgm:constr type="h" for="ch" forName="sibTrans" refType="h" refFor="ch" refForName="compNode" fact="0.25"/>
+          <dgm:constr type="primFontSz" for="des" forName="parTx" val="25"/>
+          <dgm:constr type="primFontSz" for="des" forName="desTx" refType="primFontSz" refFor="des" refForName="parTx" op="lte" fact="0.75"/>
+          <dgm:constr type="h" for="des" forName="compNode" op="equ"/>
+          <dgm:constr type="h" for="des" forName="bgRect" op="equ"/>
+          <dgm:constr type="h" for="des" forName="iconRect" op="equ"/>
+          <dgm:constr type="w" for="des" forName="iconRect" op="equ"/>
+          <dgm:constr type="h" for="des" forName="spaceRect" op="equ"/>
+          <dgm:constr type="h" for="des" forName="parTx" op="equ"/>
+          <dgm:constr type="h" for="des" forName="desTx" op="equ"/>
+        </dgm:constrLst>
+      </dgm:if>
+      <dgm:if name="Name5" axis="ch" ptType="node" func="cnt" op="lte" val="4">
+        <dgm:constrLst>
+          <dgm:constr type="h" for="ch" forName="compNode" refType="h" fact="0.3"/>
+          <dgm:constr type="w" for="ch" forName="compNode" refType="w"/>
+          <dgm:constr type="h" for="ch" forName="sibTrans" refType="h" refFor="ch" refForName="compNode" fact="0.25"/>
+          <dgm:constr type="primFontSz" for="des" forName="parTx" val="22"/>
+          <dgm:constr type="primFontSz" for="des" forName="desTx" refType="primFontSz" refFor="des" refForName="parTx" op="lte" fact="0.75"/>
+          <dgm:constr type="h" for="des" forName="compNode" op="equ"/>
+          <dgm:constr type="h" for="des" forName="bgRect" op="equ"/>
+          <dgm:constr type="h" for="des" forName="iconRect" op="equ"/>
+          <dgm:constr type="w" for="des" forName="iconRect" op="equ"/>
+          <dgm:constr type="h" for="des" forName="spaceRect" op="equ"/>
+          <dgm:constr type="h" for="des" forName="parTx" op="equ"/>
+          <dgm:constr type="h" for="des" forName="desTx" op="equ"/>
+        </dgm:constrLst>
+      </dgm:if>
+      <dgm:if name="Name6" axis="ch" ptType="node" func="cnt" op="lte" val="6">
+        <dgm:constrLst>
+          <dgm:constr type="h" for="ch" forName="compNode" refType="h" fact="0.3"/>
+          <dgm:constr type="w" for="ch" forName="compNode" refType="w"/>
+          <dgm:constr type="h" for="ch" forName="sibTrans" refType="h" refFor="ch" refForName="compNode" fact="0.25"/>
+          <dgm:constr type="primFontSz" for="des" forName="parTx" val="19"/>
+          <dgm:constr type="primFontSz" for="des" forName="desTx" refType="primFontSz" refFor="des" refForName="parTx" op="lte" fact="0.75"/>
+          <dgm:constr type="h" for="des" forName="compNode" op="equ"/>
+          <dgm:constr type="h" for="des" forName="bgRect" op="equ"/>
+          <dgm:constr type="h" for="des" forName="iconRect" op="equ"/>
+          <dgm:constr type="w" for="des" forName="iconRect" op="equ"/>
+          <dgm:constr type="h" for="des" forName="spaceRect" op="equ"/>
+          <dgm:constr type="h" for="des" forName="parTx" op="equ"/>
+          <dgm:constr type="h" for="des" forName="desTx" op="equ"/>
+        </dgm:constrLst>
+      </dgm:if>
+      <dgm:else name="Name7">
+        <dgm:constrLst>
+          <dgm:constr type="h" for="ch" forName="compNode" refType="h" fact="0.3"/>
+          <dgm:constr type="w" for="ch" forName="compNode" refType="w"/>
+          <dgm:constr type="h" for="ch" forName="sibTrans" refType="h" refFor="ch" refForName="compNode" fact="0.25"/>
+          <dgm:constr type="primFontSz" for="des" forName="parTx" val="16"/>
+          <dgm:constr type="primFontSz" for="des" forName="desTx" refType="primFontSz" refFor="des" refForName="parTx" op="lte" fact="0.75"/>
+          <dgm:constr type="h" for="des" forName="compNode" op="equ"/>
+          <dgm:constr type="h" for="des" forName="bgRect" op="equ"/>
+          <dgm:constr type="h" for="des" forName="iconRect" op="equ"/>
+          <dgm:constr type="w" for="des" forName="iconRect" op="equ"/>
+          <dgm:constr type="h" for="des" forName="spaceRect" op="equ"/>
+          <dgm:constr type="h" for="des" forName="parTx" op="equ"/>
+          <dgm:constr type="h" for="des" forName="desTx" op="equ"/>
+        </dgm:constrLst>
+      </dgm:else>
+    </dgm:choose>
+    <dgm:ruleLst>
+      <dgm:rule type="h" for="ch" forName="compNode" val="0" fact="NaN" max="NaN"/>
+    </dgm:ruleLst>
+    <dgm:forEach name="Name8" axis="ch" ptType="node">
+      <dgm:layoutNode name="compNode">
+        <dgm:alg type="composite"/>
+        <dgm:shape xmlns:r="http://schemas.openxmlformats.org/officeDocument/2006/relationships" r:blip="">
+          <dgm:adjLst/>
+        </dgm:shape>
+        <dgm:presOf axis="self"/>
+        <dgm:choose name="Name9">
+          <dgm:if name="Name10" axis="ch" ptType="node" func="cnt" op="gte" val="1">
+            <dgm:constrLst>
+              <dgm:constr type="w" for="ch" forName="bgRect" refType="w"/>
+              <dgm:constr type="h" for="ch" forName="bgRect" refType="h"/>
+              <dgm:constr type="l" for="ch" forName="bgRect"/>
+              <dgm:constr type="t" for="ch" forName="bgRect"/>
+              <dgm:constr type="h" for="ch" forName="iconRect" refType="h" fact="0.55"/>
+              <dgm:constr type="w" for="ch" forName="iconRect" refType="h" refFor="ch" refForName="iconRect"/>
+              <dgm:constr type="l" for="ch" forName="iconRect" refType="h" refFor="ch" refForName="iconRect" fact="0.55"/>
+              <dgm:constr type="ctrY" for="ch" forName="iconRect" refType="ctrY" refFor="ch" refForName="bgRect"/>
+              <dgm:constr type="w" for="ch" forName="spaceRect" refType="l" refFor="ch" refForName="iconRect"/>
+              <dgm:constr type="h" for="ch" forName="spaceRect" refType="h"/>
+              <dgm:constr type="l" for="ch" forName="spaceRect" refType="r" refFor="ch" refForName="iconRect"/>
+              <dgm:constr type="t" for="ch" forName="spaceRect"/>
+              <dgm:constr type="w" for="ch" forName="parTx" refType="w" fact="0.45"/>
+              <dgm:constr type="h" for="ch" forName="parTx" refType="h"/>
+              <dgm:constr type="l" for="ch" forName="parTx" refType="r" refFor="ch" refForName="spaceRect"/>
+              <dgm:constr type="t" for="ch" forName="parTx"/>
+              <dgm:constr type="h" for="ch" forName="desTx" refType="h"/>
+              <dgm:constr type="l" for="ch" forName="desTx" refType="r" refFor="ch" refForName="parTx"/>
+              <dgm:constr type="t" for="ch" forName="desTx"/>
+            </dgm:constrLst>
+          </dgm:if>
+          <dgm:else name="Name11">
+            <dgm:constrLst>
+              <dgm:constr type="w" for="ch" forName="bgRect" refType="w"/>
+              <dgm:constr type="h" for="ch" forName="bgRect" refType="h"/>
+              <dgm:constr type="l" for="ch" forName="bgRect"/>
+              <dgm:constr type="t" for="ch" forName="bgRect"/>
+              <dgm:constr type="h" for="ch" forName="iconRect" refType="h" fact="0.55"/>
+              <dgm:constr type="w" for="ch" forName="iconRect" refType="h" refFor="ch" refForName="iconRect"/>
+              <dgm:constr type="l" for="ch" forName="iconRect" refType="h" refFor="ch" refForName="iconRect" fact="0.55"/>
+              <dgm:constr type="ctrY" for="ch" forName="iconRect" refType="ctrY" refFor="ch" refForName="bgRect"/>
+              <dgm:constr type="w" for="ch" forName="spaceRect" refType="l" refFor="ch" refForName="iconRect"/>
+              <dgm:constr type="h" for="ch" forName="spaceRect" refType="h"/>
+              <dgm:constr type="l" for="ch" forName="spaceRect" refType="r" refFor="ch" refForName="iconRect"/>
+              <dgm:constr type="t" for="ch" forName="spaceRect"/>
+              <dgm:constr type="h" for="ch" forName="parTx" refType="h"/>
+              <dgm:constr type="l" for="ch" forName="parTx" refType="r" refFor="ch" refForName="spaceRect"/>
+              <dgm:constr type="t" for="ch" forName="parTx"/>
+            </dgm:constrLst>
+          </dgm:else>
+        </dgm:choose>
+        <dgm:ruleLst>
+          <dgm:rule type="h" val="INF" fact="NaN" max="NaN"/>
+        </dgm:ruleLst>
+        <dgm:layoutNode name="bgRect" styleLbl="bgShp">
+          <dgm:alg type="sp"/>
+          <dgm:shape xmlns:r="http://schemas.openxmlformats.org/officeDocument/2006/relationships" type="roundRect" r:blip="">
+            <dgm:adjLst>
+              <dgm:adj idx="1" val="0.1"/>
+            </dgm:adjLst>
+          </dgm:shape>
+          <dgm:presOf/>
+          <dgm:constrLst/>
+          <dgm:ruleLst/>
+        </dgm:layoutNode>
+        <dgm:layoutNode name="iconRect" styleLbl="node1">
+          <dgm:alg type="sp"/>
+          <dgm:shape xmlns:r="http://schemas.openxmlformats.org/officeDocument/2006/relationships" type="rect" r:blip="" blipPhldr="1">
+            <dgm:adjLst/>
+          </dgm:shape>
+          <dgm:presOf/>
+          <dgm:constrLst/>
+          <dgm:ruleLst/>
+        </dgm:layoutNode>
+        <dgm:layoutNode name="spaceRect">
+          <dgm:alg type="sp"/>
+          <dgm:shape xmlns:r="http://schemas.openxmlformats.org/officeDocument/2006/relationships" r:blip="">
+            <dgm:adjLst/>
+          </dgm:shape>
+          <dgm:presOf/>
+          <dgm:constrLst/>
+          <dgm:ruleLst/>
+        </dgm:layoutNode>
+        <dgm:layoutNode name="parTx" styleLbl="revTx">
+          <dgm:varLst>
+            <dgm:chMax val="0"/>
+            <dgm:chPref val="0"/>
+          </dgm:varLst>
+          <dgm:alg type="tx">
+            <dgm:param type="txAnchorVert" val="mid"/>
+            <dgm:param type="parTxLTRAlign" val="l"/>
+            <dgm:param type="shpTxLTRAlignCh" val="l"/>
+            <dgm:param type="parTxRTLAlign" val="r"/>
+            <dgm:param type="shpTxRTLAlignCh" val="r"/>
+          </dgm:alg>
+          <dgm:shape xmlns:r="http://schemas.openxmlformats.org/officeDocument/2006/relationships" type="rect" r:blip="">
+            <dgm:adjLst/>
+          </dgm:shape>
+          <dgm:presOf axis="self" ptType="node"/>
+          <dgm:constrLst>
+            <dgm:constr type="lMarg" refType="h" fact="0.3"/>
+            <dgm:constr type="rMarg" refType="h" fact="0.3"/>
+            <dgm:constr type="tMarg" refType="h" fact="0.3"/>
+            <dgm:constr type="bMarg" refType="h" fact="0.3"/>
+          </dgm:constrLst>
+          <dgm:ruleLst>
+            <dgm:rule type="primFontSz" val="14" fact="NaN" max="NaN"/>
+            <dgm:rule type="h" val="INF" fact="NaN" max="NaN"/>
+          </dgm:ruleLst>
+        </dgm:layoutNode>
+        <dgm:choose name="Name12">
+          <dgm:if name="Name13" axis="ch" ptType="node" func="cnt" op="gte" val="1">
+            <dgm:layoutNode name="desTx" styleLbl="revTx">
+              <dgm:varLst/>
+              <dgm:alg type="tx">
+                <dgm:param type="txAnchorVertCh" val="mid"/>
+                <dgm:param type="parTxLTRAlign" val="l"/>
+                <dgm:param type="shpTxLTRAlignCh" val="l"/>
+                <dgm:param type="parTxRTLAlign" val="r"/>
+                <dgm:param type="shpTxRTLAlignCh" val="r"/>
+                <dgm:param type="stBulletLvl" val="0"/>
+              </dgm:alg>
+              <dgm:shape xmlns:r="http://schemas.openxmlformats.org/officeDocument/2006/relationships" type="rect" r:blip="">
+                <dgm:adjLst/>
+              </dgm:shape>
+              <dgm:presOf axis="des" ptType="node"/>
+              <dgm:constrLst>
+                <dgm:constr type="primFontSz" val="18"/>
+                <dgm:constr type="secFontSz" refType="primFontSz"/>
+                <dgm:constr type="lMarg" refType="h" fact="0.3"/>
+                <dgm:constr type="rMarg" refType="h" fact="0.3"/>
+                <dgm:constr type="tMarg" refType="h" fact="0.3"/>
+                <dgm:constr type="bMarg" refType="h" fact="0.3"/>
+              </dgm:constrLst>
+              <dgm:ruleLst>
+                <dgm:rule type="primFontSz" val="11" fact="NaN" max="NaN"/>
+              </dgm:ruleLst>
+            </dgm:layoutNode>
+          </dgm:if>
+          <dgm:else name="Name14"/>
+        </dgm:choose>
+      </dgm:layoutNode>
+      <dgm:forEach name="Name15" axis="followSib" ptType="sibTrans" cnt="1">
+        <dgm:layoutNode name="sibTrans">
+          <dgm:alg type="sp"/>
+          <dgm:shape xmlns:r="http://schemas.openxmlformats.org/officeDocument/2006/relationships" r:blip="">
+            <dgm:adjLst/>
+          </dgm:shape>
+          <dgm:presOf axis="self"/>
+          <dgm:constrLst/>
+          <dgm:ruleLst/>
+        </dgm:layoutNode>
+      </dgm:forEach>
+    </dgm:forEach>
+  </dgm:layoutNode>
+  <dgm:extLst>
+    <a:ext uri="{68A01E43-0DF5-4B5B-8FA6-DAF915123BFB}">
+      <dgm1612:lstStyle xmlns:dgm1612="http://schemas.microsoft.com/office/drawing/2016/12/diagram">
+        <a:lvl1pPr>
+          <a:lnSpc>
+            <a:spcPct val="100000"/>
+          </a:lnSpc>
+        </a:lvl1pPr>
+        <a:lvl2pPr>
+          <a:lnSpc>
+            <a:spcPct val="100000"/>
+          </a:lnSpc>
+        </a:lvl2pPr>
+      </dgm1612:lstStyle>
+    </a:ext>
+  </dgm:extLst>
+</dgm:layoutDef>
+</file>
+
+<file path=ppt/diagrams/quickStyle1.xml><?xml version="1.0" encoding="utf-8"?>
+<dgm:styleDef xmlns:dgm="http://schemas.openxmlformats.org/drawingml/2006/diagram" xmlns:a="http://schemas.openxmlformats.org/drawingml/2006/main" uniqueId="urn:microsoft.com/office/officeart/2005/8/quickstyle/simple1">
+  <dgm:title val=""/>
+  <dgm:desc val=""/>
+  <dgm:catLst>
+    <dgm:cat type="simple" pri="10100"/>
+  </dgm:catLst>
+  <dgm:scene3d>
+    <a:camera prst="orthographicFront"/>
+    <a:lightRig rig="threePt" dir="t"/>
+  </dgm:scene3d>
+  <dgm:styleLbl name="node0">
+    <dgm:scene3d>
+      <a:camera prst="orthographicFront"/>
+      <a:lightRig rig="threePt" dir="t"/>
+    </dgm:scene3d>
+    <dgm:sp3d/>
+    <dgm:txPr/>
+    <dgm:style>
+      <a:lnRef idx="2">
+        <a:scrgbClr r="0" g="0" b="0"/>
+      </a:lnRef>
+      <a:fillRef idx="1">
+        <a:scrgbClr r="0" g="0" b="0"/>
+      </a:fillRef>
+      <a:effectRef idx="0">
+        <a:scrgbClr r="0" g="0" b="0"/>
+      </a:effectRef>
+      <a:fontRef idx="minor">
+        <a:schemeClr val="lt1"/>
+      </a:fontRef>
+    </dgm:style>
+  </dgm:styleLbl>
+  <dgm:styleLbl name="lnNode1">
+    <dgm:scene3d>
+      <a:camera prst="orthographicFront"/>
+      <a:lightRig rig="threePt" dir="t"/>
+    </dgm:scene3d>
+    <dgm:sp3d/>
+    <dgm:txPr/>
+    <dgm:style>
+      <a:lnRef idx="2">
+        <a:scrgbClr r="0" g="0" b="0"/>
+      </a:lnRef>
+      <a:fillRef idx="1">
+        <a:scrgbClr r="0" g="0" b="0"/>
+      </a:fillRef>
+      <a:effectRef idx="0">
+        <a:scrgbClr r="0" g="0" b="0"/>
+      </a:effectRef>
+      <a:fontRef idx="minor">
+        <a:schemeClr val="lt1"/>
+      </a:fontRef>
+    </dgm:style>
+  </dgm:styleLbl>
+  <dgm:styleLbl name="vennNode1">
+    <dgm:scene3d>
+      <a:camera prst="orthographicFront"/>
+      <a:lightRig rig="threePt" dir="t"/>
+    </dgm:scene3d>
+    <dgm:sp3d/>
+    <dgm:txPr/>
+    <dgm:style>
+      <a:lnRef idx="2">
+        <a:scrgbClr r="0" g="0" b="0"/>
+      </a:lnRef>
+      <a:fillRef idx="1">
+        <a:scrgbClr r="0" g="0" b="0"/>
+      </a:fillRef>
+      <a:effectRef idx="0">
+        <a:scrgbClr r="0" g="0" b="0"/>
+      </a:effectRef>
+      <a:fontRef idx="minor">
+        <a:schemeClr val="tx1"/>
+      </a:fontRef>
+    </dgm:style>
+  </dgm:styleLbl>
+  <dgm:styleLbl name="alignNode1">
+    <dgm:scene3d>
+      <a:camera prst="orthographicFront"/>
+      <a:lightRig rig="threePt" dir="t"/>
+    </dgm:scene3d>
+    <dgm:sp3d/>
+    <dgm:txPr/>
+    <dgm:style>
+      <a:lnRef idx="2">
+        <a:scrgbClr r="0" g="0" b="0"/>
+      </a:lnRef>
+      <a:fillRef idx="1">
+        <a:scrgbClr r="0" g="0" b="0"/>
+      </a:fillRef>
+      <a:effectRef idx="0">
+        <a:scrgbClr r="0" g="0" b="0"/>
+      </a:effectRef>
+      <a:fontRef idx="minor">
+        <a:schemeClr val="lt1"/>
+      </a:fontRef>
+    </dgm:style>
+  </dgm:styleLbl>
+  <dgm:styleLbl name="node1">
+    <dgm:scene3d>
+      <a:camera prst="orthographicFront"/>
+      <a:lightRig rig="threePt" dir="t"/>
+    </dgm:scene3d>
+    <dgm:sp3d/>
+    <dgm:txPr/>
+    <dgm:style>
+      <a:lnRef idx="2">
+        <a:scrgbClr r="0" g="0" b="0"/>
+      </a:lnRef>
+      <a:fillRef idx="1">
+        <a:scrgbClr r="0" g="0" b="0"/>
+      </a:fillRef>
+      <a:effectRef idx="0">
+        <a:scrgbClr r="0" g="0" b="0"/>
+      </a:effectRef>
+      <a:fontRef idx="minor">
+        <a:schemeClr val="lt1"/>
+      </a:fontRef>
+    </dgm:style>
+  </dgm:styleLbl>
+  <dgm:styleLbl name="node2">
+    <dgm:scene3d>
+      <a:camera prst="orthographicFront"/>
+      <a:lightRig rig="threePt" dir="t"/>
+    </dgm:scene3d>
+    <dgm:sp3d/>
+    <dgm:txPr/>
+    <dgm:style>
+      <a:lnRef idx="2">
+        <a:scrgbClr r="0" g="0" b="0"/>
+      </a:lnRef>
+      <a:fillRef idx="1">
+        <a:scrgbClr r="0" g="0" b="0"/>
+      </a:fillRef>
+      <a:effectRef idx="0">
+        <a:scrgbClr r="0" g="0" b="0"/>
+      </a:effectRef>
+      <a:fontRef idx="minor">
+        <a:schemeClr val="lt1"/>
+      </a:fontRef>
+    </dgm:style>
+  </dgm:styleLbl>
+  <dgm:styleLbl name="node3">
+    <dgm:scene3d>
+      <a:camera prst="orthographicFront"/>
+      <a:lightRig rig="threePt" dir="t"/>
+    </dgm:scene3d>
+    <dgm:sp3d/>
+    <dgm:txPr/>
+    <dgm:style>
+      <a:lnRef idx="2">
+        <a:scrgbClr r="0" g="0" b="0"/>
+      </a:lnRef>
+      <a:fillRef idx="1">
+        <a:scrgbClr r="0" g="0" b="0"/>
+      </a:fillRef>
+      <a:effectRef idx="0">
+        <a:scrgbClr r="0" g="0" b="0"/>
+      </a:effectRef>
+      <a:fontRef idx="minor">
+        <a:schemeClr val="lt1"/>
+      </a:fontRef>
+    </dgm:style>
+  </dgm:styleLbl>
+  <dgm:styleLbl name="node4">
+    <dgm:scene3d>
+      <a:camera prst="orthographicFront"/>
+      <a:lightRig rig="threePt" dir="t"/>
+    </dgm:scene3d>
+    <dgm:sp3d/>
+    <dgm:txPr/>
+    <dgm:style>
+      <a:lnRef idx="2">
+        <a:scrgbClr r="0" g="0" b="0"/>
+      </a:lnRef>
+      <a:fillRef idx="1">
+        <a:scrgbClr r="0" g="0" b="0"/>
+      </a:fillRef>
+      <a:effectRef idx="0">
+        <a:scrgbClr r="0" g="0" b="0"/>
+      </a:effectRef>
+      <a:fontRef idx="minor">
+        <a:schemeClr val="lt1"/>
+      </a:fontRef>
+    </dgm:style>
+  </dgm:styleLbl>
+  <dgm:styleLbl name="fgImgPlace1">
+    <dgm:scene3d>
+      <a:camera prst="orthographicFront"/>
+      <a:lightRig rig="threePt" dir="t"/>
+    </dgm:scene3d>
+    <dgm:sp3d/>
+    <dgm:txPr/>
+    <dgm:style>
+      <a:lnRef idx="2">
+        <a:scrgbClr r="0" g="0" b="0"/>
+      </a:lnRef>
+      <a:fillRef idx="1">
+        <a:scrgbClr r="0" g="0" b="0"/>
+      </a:fillRef>
+      <a:effectRef idx="0">
+        <a:scrgbClr r="0" g="0" b="0"/>
+      </a:effectRef>
+      <a:fontRef idx="minor"/>
+    </dgm:style>
+  </dgm:styleLbl>
+  <dgm:styleLbl name="alignImgPlace1">
+    <dgm:scene3d>
+      <a:camera prst="orthographicFront"/>
+      <a:lightRig rig="threePt" dir="t"/>
+    </dgm:scene3d>
+    <dgm:sp3d/>
+    <dgm:txPr/>
+    <dgm:style>
+      <a:lnRef idx="2">
+        <a:scrgbClr r="0" g="0" b="0"/>
+      </a:lnRef>
+      <a:fillRef idx="1">
+        <a:scrgbClr r="0" g="0" b="0"/>
+      </a:fillRef>
+      <a:effectRef idx="0">
+        <a:scrgbClr r="0" g="0" b="0"/>
+      </a:effectRef>
+      <a:fontRef idx="minor"/>
+    </dgm:style>
+  </dgm:styleLbl>
+  <dgm:styleLbl name="bgImgPlace1">
+    <dgm:scene3d>
+      <a:camera prst="orthographicFront"/>
+      <a:lightRig rig="threePt" dir="t"/>
+    </dgm:scene3d>
+    <dgm:sp3d/>
+    <dgm:txPr/>
+    <dgm:style>
+      <a:lnRef idx="2">
+        <a:scrgbClr r="0" g="0" b="0"/>
+      </a:lnRef>
+      <a:fillRef idx="1">
+        <a:scrgbClr r="0" g="0" b="0"/>
+      </a:fillRef>
+      <a:effectRef idx="0">
+        <a:scrgbClr r="0" g="0" b="0"/>
+      </a:effectRef>
+      <a:fontRef idx="minor"/>
+    </dgm:style>
+  </dgm:styleLbl>
+  <dgm:styleLbl name="sibTrans2D1">
+    <dgm:scene3d>
+      <a:camera prst="orthographicFront"/>
+      <a:lightRig rig="threePt" dir="t"/>
+    </dgm:scene3d>
+    <dgm:sp3d/>
+    <dgm:txPr/>
+    <dgm:style>
+      <a:lnRef idx="0">
+        <a:scrgbClr r="0" g="0" b="0"/>
+      </a:lnRef>
+      <a:fillRef idx="1">
+        <a:scrgbClr r="0" g="0" b="0"/>
+      </a:fillRef>
+      <a:effectRef idx="0">
+        <a:scrgbClr r="0" g="0" b="0"/>
+      </a:effectRef>
+      <a:fontRef idx="minor">
+        <a:schemeClr val="lt1"/>
+      </a:fontRef>
+    </dgm:style>
+  </dgm:styleLbl>
+  <dgm:styleLbl name="fgSibTrans2D1">
+    <dgm:scene3d>
+      <a:camera prst="orthographicFront"/>
+      <a:lightRig rig="threePt" dir="t"/>
+    </dgm:scene3d>
+    <dgm:sp3d/>
+    <dgm:txPr/>
+    <dgm:style>
+      <a:lnRef idx="0">
+        <a:scrgbClr r="0" g="0" b="0"/>
+      </a:lnRef>
+      <a:fillRef idx="1">
+        <a:scrgbClr r="0" g="0" b="0"/>
+      </a:fillRef>
+      <a:effectRef idx="0">
+        <a:scrgbClr r="0" g="0" b="0"/>
+      </a:effectRef>
+      <a:fontRef idx="minor">
+        <a:schemeClr val="lt1"/>
+      </a:fontRef>
+    </dgm:style>
+  </dgm:styleLbl>
+  <dgm:styleLbl name="bgSibTrans2D1">
+    <dgm:scene3d>
+      <a:camera prst="orthographicFront"/>
+      <a:lightRig rig="threePt" dir="t"/>
+    </dgm:scene3d>
+    <dgm:sp3d/>
+    <dgm:txPr/>
+    <dgm:style>
+      <a:lnRef idx="0">
+        <a:scrgbClr r="0" g="0" b="0"/>
+      </a:lnRef>
+      <a:fillRef idx="1">
+        <a:scrgbClr r="0" g="0" b="0"/>
+      </a:fillRef>
+      <a:effectRef idx="0">
+        <a:scrgbClr r="0" g="0" b="0"/>
+      </a:effectRef>
+      <a:fontRef idx="minor">
+        <a:schemeClr val="lt1"/>
+      </a:fontRef>
+    </dgm:style>
+  </dgm:styleLbl>
+  <dgm:styleLbl name="sibTrans1D1">
+    <dgm:scene3d>
+      <a:camera prst="orthographicFront"/>
+      <a:lightRig rig="threePt" dir="t"/>
+    </dgm:scene3d>
+    <dgm:sp3d/>
+    <dgm:txPr/>
+    <dgm:style>
+      <a:lnRef idx="1">
+        <a:scrgbClr r="0" g="0" b="0"/>
+      </a:lnRef>
+      <a:fillRef idx="0">
+        <a:scrgbClr r="0" g="0" b="0"/>
+      </a:fillRef>
+      <a:effectRef idx="0">
+        <a:scrgbClr r="0" g="0" b="0"/>
+      </a:effectRef>
+      <a:fontRef idx="minor"/>
+    </dgm:style>
+  </dgm:styleLbl>
+  <dgm:styleLbl name="callout">
+    <dgm:scene3d>
+      <a:camera prst="orthographicFront"/>
+      <a:lightRig rig="threePt" dir="t"/>
+    </dgm:scene3d>
+    <dgm:sp3d/>
+    <dgm:txPr/>
+    <dgm:style>
+      <a:lnRef idx="2">
+        <a:scrgbClr r="0" g="0" b="0"/>
+      </a:lnRef>
+      <a:fillRef idx="1">
+        <a:scrgbClr r="0" g="0" b="0"/>
+      </a:fillRef>
+      <a:effectRef idx="0">
+        <a:scrgbClr r="0" g="0" b="0"/>
+      </a:effectRef>
+      <a:fontRef idx="minor"/>
+    </dgm:style>
+  </dgm:styleLbl>
+  <dgm:styleLbl name="asst0">
+    <dgm:scene3d>
+      <a:camera prst="orthographicFront"/>
+      <a:lightRig rig="threePt" dir="t"/>
+    </dgm:scene3d>
+    <dgm:sp3d/>
+    <dgm:txPr/>
+    <dgm:style>
+      <a:lnRef idx="2">
+        <a:scrgbClr r="0" g="0" b="0"/>
+      </a:lnRef>
+      <a:fillRef idx="1">
+        <a:scrgbClr r="0" g="0" b="0"/>
+      </a:fillRef>
+      <a:effectRef idx="0">
+        <a:scrgbClr r="0" g="0" b="0"/>
+      </a:effectRef>
+      <a:fontRef idx="minor">
+        <a:schemeClr val="lt1"/>
+      </a:fontRef>
+    </dgm:style>
+  </dgm:styleLbl>
+  <dgm:styleLbl name="asst1">
+    <dgm:scene3d>
+      <a:camera prst="orthographicFront"/>
+      <a:lightRig rig="threePt" dir="t"/>
+    </dgm:scene3d>
+    <dgm:sp3d/>
+    <dgm:txPr/>
+    <dgm:style>
+      <a:lnRef idx="2">
+        <a:scrgbClr r="0" g="0" b="0"/>
+      </a:lnRef>
+      <a:fillRef idx="1">
+        <a:scrgbClr r="0" g="0" b="0"/>
+      </a:fillRef>
+      <a:effectRef idx="0">
+        <a:scrgbClr r="0" g="0" b="0"/>
+      </a:effectRef>
+      <a:fontRef idx="minor">
+        <a:schemeClr val="lt1"/>
+      </a:fontRef>
+    </dgm:style>
+  </dgm:styleLbl>
+  <dgm:styleLbl name="asst2">
+    <dgm:scene3d>
+      <a:camera prst="orthographicFront"/>
+      <a:lightRig rig="threePt" dir="t"/>
+    </dgm:scene3d>
+    <dgm:sp3d/>
+    <dgm:txPr/>
+    <dgm:style>
+      <a:lnRef idx="2">
+        <a:scrgbClr r="0" g="0" b="0"/>
+      </a:lnRef>
+      <a:fillRef idx="1">
+        <a:scrgbClr r="0" g="0" b="0"/>
+      </a:fillRef>
+      <a:effectRef idx="0">
+        <a:scrgbClr r="0" g="0" b="0"/>
+      </a:effectRef>
+      <a:fontRef idx="minor">
+        <a:schemeClr val="lt1"/>
+      </a:fontRef>
+    </dgm:style>
+  </dgm:styleLbl>
+  <dgm:styleLbl name="asst3">
+    <dgm:scene3d>
+      <a:camera prst="orthographicFront"/>
+      <a:lightRig rig="threePt" dir="t"/>
+    </dgm:scene3d>
+    <dgm:sp3d/>
+    <dgm:txPr/>
+    <dgm:style>
+      <a:lnRef idx="2">
+        <a:scrgbClr r="0" g="0" b="0"/>
+      </a:lnRef>
+      <a:fillRef idx="1">
+        <a:scrgbClr r="0" g="0" b="0"/>
+      </a:fillRef>
+      <a:effectRef idx="0">
+        <a:scrgbClr r="0" g="0" b="0"/>
+      </a:effectRef>
+      <a:fontRef idx="minor">
+        <a:schemeClr val="lt1"/>
+      </a:fontRef>
+    </dgm:style>
+  </dgm:styleLbl>
+  <dgm:styleLbl name="asst4">
+    <dgm:scene3d>
+      <a:camera prst="orthographicFront"/>
+      <a:lightRig rig="threePt" dir="t"/>
+    </dgm:scene3d>
+    <dgm:sp3d/>
+    <dgm:txPr/>
+    <dgm:style>
+      <a:lnRef idx="2">
+        <a:scrgbClr r="0" g="0" b="0"/>
+      </a:lnRef>
+      <a:fillRef idx="1">
+        <a:scrgbClr r="0" g="0" b="0"/>
+      </a:fillRef>
+      <a:effectRef idx="0">
+        <a:scrgbClr r="0" g="0" b="0"/>
+      </a:effectRef>
+      <a:fontRef idx="minor">
+        <a:schemeClr val="lt1"/>
+      </a:fontRef>
+    </dgm:style>
+  </dgm:styleLbl>
+  <dgm:styleLbl name="parChTrans2D1">
+    <dgm:scene3d>
+      <a:camera prst="orthographicFront"/>
+      <a:lightRig rig="threePt" dir="t"/>
+    </dgm:scene3d>
+    <dgm:sp3d/>
+    <dgm:txPr/>
+    <dgm:style>
+      <a:lnRef idx="2">
+        <a:scrgbClr r="0" g="0" b="0"/>
+      </a:lnRef>
+      <a:fillRef idx="1">
+        <a:scrgbClr r="0" g="0" b="0"/>
+      </a:fillRef>
+      <a:effectRef idx="0">
+        <a:scrgbClr r="0" g="0" b="0"/>
+      </a:effectRef>
+      <a:fontRef idx="minor">
+        <a:schemeClr val="lt1"/>
+      </a:fontRef>
+    </dgm:style>
+  </dgm:styleLbl>
+  <dgm:styleLbl name="parChTrans2D2">
+    <dgm:scene3d>
+      <a:camera prst="orthographicFront"/>
+      <a:lightRig rig="threePt" dir="t"/>
+    </dgm:scene3d>
+    <dgm:sp3d/>
+    <dgm:txPr/>
+    <dgm:style>
+      <a:lnRef idx="2">
+        <a:scrgbClr r="0" g="0" b="0"/>
+      </a:lnRef>
+      <a:fillRef idx="1">
+        <a:scrgbClr r="0" g="0" b="0"/>
+      </a:fillRef>
+      <a:effectRef idx="0">
+        <a:scrgbClr r="0" g="0" b="0"/>
+      </a:effectRef>
+      <a:fontRef idx="minor">
+        <a:schemeClr val="lt1"/>
+      </a:fontRef>
+    </dgm:style>
+  </dgm:styleLbl>
+  <dgm:styleLbl name="parChTrans2D3">
+    <dgm:scene3d>
+      <a:camera prst="orthographicFront"/>
+      <a:lightRig rig="threePt" dir="t"/>
+    </dgm:scene3d>
+    <dgm:sp3d/>
+    <dgm:txPr/>
+    <dgm:style>
+      <a:lnRef idx="2">
+        <a:scrgbClr r="0" g="0" b="0"/>
+      </a:lnRef>
+      <a:fillRef idx="1">
+        <a:scrgbClr r="0" g="0" b="0"/>
+      </a:fillRef>
+      <a:effectRef idx="0">
+        <a:scrgbClr r="0" g="0" b="0"/>
+      </a:effectRef>
+      <a:fontRef idx="minor">
+        <a:schemeClr val="lt1"/>
+      </a:fontRef>
+    </dgm:style>
+  </dgm:styleLbl>
+  <dgm:styleLbl name="parChTrans2D4">
+    <dgm:scene3d>
+      <a:camera prst="orthographicFront"/>
+      <a:lightRig rig="threePt" dir="t"/>
+    </dgm:scene3d>
+    <dgm:sp3d/>
+    <dgm:txPr/>
+    <dgm:style>
+      <a:lnRef idx="2">
+        <a:scrgbClr r="0" g="0" b="0"/>
+      </a:lnRef>
+      <a:fillRef idx="1">
+        <a:scrgbClr r="0" g="0" b="0"/>
+      </a:fillRef>
+      <a:effectRef idx="0">
+        <a:scrgbClr r="0" g="0" b="0"/>
+      </a:effectRef>
+      <a:fontRef idx="minor">
+        <a:schemeClr val="lt1"/>
+      </a:fontRef>
+    </dgm:style>
+  </dgm:styleLbl>
+  <dgm:styleLbl name="parChTrans1D1">
+    <dgm:scene3d>
+      <a:camera prst="orthographicFront"/>
+      <a:lightRig rig="threePt" dir="t"/>
+    </dgm:scene3d>
+    <dgm:sp3d/>
+    <dgm:txPr/>
+    <dgm:style>
+      <a:lnRef idx="2">
+        <a:scrgbClr r="0" g="0" b="0"/>
+      </a:lnRef>
+      <a:fillRef idx="0">
+        <a:scrgbClr r="0" g="0" b="0"/>
+      </a:fillRef>
+      <a:effectRef idx="0">
+        <a:scrgbClr r="0" g="0" b="0"/>
+      </a:effectRef>
+      <a:fontRef idx="minor"/>
+    </dgm:style>
+  </dgm:styleLbl>
+  <dgm:styleLbl name="parChTrans1D2">
+    <dgm:scene3d>
+      <a:camera prst="orthographicFront"/>
+      <a:lightRig rig="threePt" dir="t"/>
+    </dgm:scene3d>
+    <dgm:sp3d/>
+    <dgm:txPr/>
+    <dgm:style>
+      <a:lnRef idx="2">
+        <a:scrgbClr r="0" g="0" b="0"/>
+      </a:lnRef>
+      <a:fillRef idx="0">
+        <a:scrgbClr r="0" g="0" b="0"/>
+      </a:fillRef>
+      <a:effectRef idx="0">
+        <a:scrgbClr r="0" g="0" b="0"/>
+      </a:effectRef>
+      <a:fontRef idx="minor"/>
+    </dgm:style>
+  </dgm:styleLbl>
+  <dgm:styleLbl name="parChTrans1D3">
+    <dgm:scene3d>
+      <a:camera prst="orthographicFront"/>
+      <a:lightRig rig="threePt" dir="t"/>
+    </dgm:scene3d>
+    <dgm:sp3d/>
+    <dgm:txPr/>
+    <dgm:style>
+      <a:lnRef idx="2">
+        <a:scrgbClr r="0" g="0" b="0"/>
+      </a:lnRef>
+      <a:fillRef idx="0">
+        <a:scrgbClr r="0" g="0" b="0"/>
+      </a:fillRef>
+      <a:effectRef idx="0">
+        <a:scrgbClr r="0" g="0" b="0"/>
+      </a:effectRef>
+      <a:fontRef idx="minor"/>
+    </dgm:style>
+  </dgm:styleLbl>
+  <dgm:styleLbl name="parChTrans1D4">
+    <dgm:scene3d>
+      <a:camera prst="orthographicFront"/>
+      <a:lightRig rig="threePt" dir="t"/>
+    </dgm:scene3d>
+    <dgm:sp3d/>
+    <dgm:txPr/>
+    <dgm:style>
+      <a:lnRef idx="2">
+        <a:scrgbClr r="0" g="0" b="0"/>
+      </a:lnRef>
+      <a:fillRef idx="0">
+        <a:scrgbClr r="0" g="0" b="0"/>
+      </a:fillRef>
+      <a:effectRef idx="0">
+        <a:scrgbClr r="0" g="0" b="0"/>
+      </a:effectRef>
+      <a:fontRef idx="minor"/>
+    </dgm:style>
+  </dgm:styleLbl>
+  <dgm:styleLbl name="fgAcc1">
+    <dgm:scene3d>
+      <a:camera prst="orthographicFront"/>
+      <a:lightRig rig="threePt" dir="t"/>
+    </dgm:scene3d>
+    <dgm:sp3d/>
+    <dgm:txPr/>
+    <dgm:style>
+      <a:lnRef idx="2">
+        <a:scrgbClr r="0" g="0" b="0"/>
+      </a:lnRef>
+      <a:fillRef idx="1">
+        <a:scrgbClr r="0" g="0" b="0"/>
+      </a:fillRef>
+      <a:effectRef idx="0">
+        <a:scrgbClr r="0" g="0" b="0"/>
+      </a:effectRef>
+      <a:fontRef idx="minor"/>
+    </dgm:style>
+  </dgm:styleLbl>
+  <dgm:styleLbl name="conFgAcc1">
+    <dgm:scene3d>
+      <a:camera prst="orthographicFront"/>
+      <a:lightRig rig="threePt" dir="t"/>
+    </dgm:scene3d>
+    <dgm:sp3d/>
+    <dgm:txPr/>
+    <dgm:style>
+      <a:lnRef idx="2">
+        <a:scrgbClr r="0" g="0" b="0"/>
+      </a:lnRef>
+      <a:fillRef idx="1">
+        <a:scrgbClr r="0" g="0" b="0"/>
+      </a:fillRef>
+      <a:effectRef idx="0">
+        <a:scrgbClr r="0" g="0" b="0"/>
+      </a:effectRef>
+      <a:fontRef idx="minor"/>
+    </dgm:style>
+  </dgm:styleLbl>
+  <dgm:styleLbl name="alignAcc1">
+    <dgm:scene3d>
+      <a:camera prst="orthographicFront"/>
+      <a:lightRig rig="threePt" dir="t"/>
+    </dgm:scene3d>
+    <dgm:sp3d/>
+    <dgm:txPr/>
+    <dgm:style>
+      <a:lnRef idx="2">
+        <a:scrgbClr r="0" g="0" b="0"/>
+      </a:lnRef>
+      <a:fillRef idx="1">
+        <a:scrgbClr r="0" g="0" b="0"/>
+      </a:fillRef>
+      <a:effectRef idx="0">
+        <a:scrgbClr r="0" g="0" b="0"/>
+      </a:effectRef>
+      <a:fontRef idx="minor"/>
+    </dgm:style>
+  </dgm:styleLbl>
+  <dgm:styleLbl name="trAlignAcc1">
+    <dgm:scene3d>
+      <a:camera prst="orthographicFront"/>
+      <a:lightRig rig="threePt" dir="t"/>
+    </dgm:scene3d>
+    <dgm:sp3d/>
+    <dgm:txPr/>
+    <dgm:style>
+      <a:lnRef idx="1">
+        <a:scrgbClr r="0" g="0" b="0"/>
+      </a:lnRef>
+      <a:fillRef idx="1">
+        <a:scrgbClr r="0" g="0" b="0"/>
+      </a:fillRef>
+      <a:effectRef idx="0">
+        <a:scrgbClr r="0" g="0" b="0"/>
+      </a:effectRef>
+      <a:fontRef idx="minor"/>
+    </dgm:style>
+  </dgm:styleLbl>
+  <dgm:styleLbl name="bgAcc1">
+    <dgm:scene3d>
+      <a:camera prst="orthographicFront"/>
+      <a:lightRig rig="threePt" dir="t"/>
+    </dgm:scene3d>
+    <dgm:sp3d/>
+    <dgm:txPr/>
+    <dgm:style>
+      <a:lnRef idx="2">
+        <a:scrgbClr r="0" g="0" b="0"/>
+      </a:lnRef>
+      <a:fillRef idx="1">
+        <a:scrgbClr r="0" g="0" b="0"/>
+      </a:fillRef>
+      <a:effectRef idx="0">
+        <a:scrgbClr r="0" g="0" b="0"/>
+      </a:effectRef>
+      <a:fontRef idx="minor"/>
+    </dgm:style>
+  </dgm:styleLbl>
+  <dgm:styleLbl name="solidFgAcc1">
+    <dgm:scene3d>
+      <a:camera prst="orthographicFront"/>
+      <a:lightRig rig="threePt" dir="t"/>
+    </dgm:scene3d>
+    <dgm:sp3d/>
+    <dgm:txPr/>
+    <dgm:style>
+      <a:lnRef idx="2">
+        <a:scrgbClr r="0" g="0" b="0"/>
+      </a:lnRef>
+      <a:fillRef idx="1">
+        <a:scrgbClr r="0" g="0" b="0"/>
+      </a:fillRef>
+      <a:effectRef idx="0">
+        <a:scrgbClr r="0" g="0" b="0"/>
+      </a:effectRef>
+      <a:fontRef idx="minor"/>
+    </dgm:style>
+  </dgm:styleLbl>
+  <dgm:styleLbl name="solidAlignAcc1">
+    <dgm:scene3d>
+      <a:camera prst="orthographicFront"/>
+      <a:lightRig rig="threePt" dir="t"/>
+    </dgm:scene3d>
+    <dgm:sp3d/>
+    <dgm:txPr/>
+    <dgm:style>
+      <a:lnRef idx="2">
+        <a:scrgbClr r="0" g="0" b="0"/>
+      </a:lnRef>
+      <a:fillRef idx="1">
+        <a:scrgbClr r="0" g="0" b="0"/>
+      </a:fillRef>
+      <a:effectRef idx="0">
+        <a:scrgbClr r="0" g="0" b="0"/>
+      </a:effectRef>
+      <a:fontRef idx="minor"/>
+    </dgm:style>
+  </dgm:styleLbl>
+  <dgm:styleLbl name="solidBgAcc1">
+    <dgm:scene3d>
+      <a:camera prst="orthographicFront"/>
+      <a:lightRig rig="threePt" dir="t"/>
+    </dgm:scene3d>
+    <dgm:sp3d/>
+    <dgm:txPr/>
+    <dgm:style>
+      <a:lnRef idx="2">
+        <a:scrgbClr r="0" g="0" b="0"/>
+      </a:lnRef>
+      <a:fillRef idx="1">
+        <a:scrgbClr r="0" g="0" b="0"/>
+      </a:fillRef>
+      <a:effectRef idx="0">
+        <a:scrgbClr r="0" g="0" b="0"/>
+      </a:effectRef>
+      <a:fontRef idx="minor"/>
+    </dgm:style>
+  </dgm:styleLbl>
+  <dgm:styleLbl name="fgAccFollowNode1">
+    <dgm:scene3d>
+      <a:camera prst="orthographicFront"/>
+      <a:lightRig rig="threePt" dir="t"/>
+    </dgm:scene3d>
+    <dgm:sp3d/>
+    <dgm:txPr/>
+    <dgm:style>
+      <a:lnRef idx="2">
+        <a:scrgbClr r="0" g="0" b="0"/>
+      </a:lnRef>
+      <a:fillRef idx="1">
+        <a:scrgbClr r="0" g="0" b="0"/>
+      </a:fillRef>
+      <a:effectRef idx="0">
+        <a:scrgbClr r="0" g="0" b="0"/>
+      </a:effectRef>
+      <a:fontRef idx="minor"/>
+    </dgm:style>
+  </dgm:styleLbl>
+  <dgm:styleLbl name="alignAccFollowNode1">
+    <dgm:scene3d>
+      <a:camera prst="orthographicFront"/>
+      <a:lightRig rig="threePt" dir="t"/>
+    </dgm:scene3d>
+    <dgm:sp3d/>
+    <dgm:txPr/>
+    <dgm:style>
+      <a:lnRef idx="2">
+        <a:scrgbClr r="0" g="0" b="0"/>
+      </a:lnRef>
+      <a:fillRef idx="1">
+        <a:scrgbClr r="0" g="0" b="0"/>
+      </a:fillRef>
+      <a:effectRef idx="0">
+        <a:scrgbClr r="0" g="0" b="0"/>
+      </a:effectRef>
+      <a:fontRef idx="minor"/>
+    </dgm:style>
+  </dgm:styleLbl>
+  <dgm:styleLbl name="bgAccFollowNode1">
+    <dgm:scene3d>
+      <a:camera prst="orthographicFront"/>
+      <a:lightRig rig="threePt" dir="t"/>
+    </dgm:scene3d>
+    <dgm:sp3d/>
+    <dgm:txPr/>
+    <dgm:style>
+      <a:lnRef idx="2">
+        <a:scrgbClr r="0" g="0" b="0"/>
+      </a:lnRef>
+      <a:fillRef idx="1">
+        <a:scrgbClr r="0" g="0" b="0"/>
+      </a:fillRef>
+      <a:effectRef idx="0">
+        <a:scrgbClr r="0" g="0" b="0"/>
+      </a:effectRef>
+      <a:fontRef idx="minor"/>
+    </dgm:style>
+  </dgm:styleLbl>
+  <dgm:styleLbl name="fgAcc0">
+    <dgm:scene3d>
+      <a:camera prst="orthographicFront"/>
+      <a:lightRig rig="threePt" dir="t"/>
+    </dgm:scene3d>
+    <dgm:sp3d/>
+    <dgm:txPr/>
+    <dgm:style>
+      <a:lnRef idx="2">
+        <a:scrgbClr r="0" g="0" b="0"/>
+      </a:lnRef>
+      <a:fillRef idx="1">
+        <a:scrgbClr r="0" g="0" b="0"/>
+      </a:fillRef>
+      <a:effectRef idx="0">
+        <a:scrgbClr r="0" g="0" b="0"/>
+      </a:effectRef>
+      <a:fontRef idx="minor"/>
+    </dgm:style>
+  </dgm:styleLbl>
+  <dgm:styleLbl name="fgAcc2">
+    <dgm:scene3d>
+      <a:camera prst="orthographicFront"/>
+      <a:lightRig rig="threePt" dir="t"/>
+    </dgm:scene3d>
+    <dgm:sp3d/>
+    <dgm:txPr/>
+    <dgm:style>
+      <a:lnRef idx="2">
+        <a:scrgbClr r="0" g="0" b="0"/>
+      </a:lnRef>
+      <a:fillRef idx="1">
+        <a:scrgbClr r="0" g="0" b="0"/>
+      </a:fillRef>
+      <a:effectRef idx="0">
+        <a:scrgbClr r="0" g="0" b="0"/>
+      </a:effectRef>
+      <a:fontRef idx="minor"/>
+    </dgm:style>
+  </dgm:styleLbl>
+  <dgm:styleLbl name="fgAcc3">
+    <dgm:scene3d>
+      <a:camera prst="orthographicFront"/>
+      <a:lightRig rig="threePt" dir="t"/>
+    </dgm:scene3d>
+    <dgm:sp3d/>
+    <dgm:txPr/>
+    <dgm:style>
+      <a:lnRef idx="2">
+        <a:scrgbClr r="0" g="0" b="0"/>
+      </a:lnRef>
+      <a:fillRef idx="1">
+        <a:scrgbClr r="0" g="0" b="0"/>
+      </a:fillRef>
+      <a:effectRef idx="0">
+        <a:scrgbClr r="0" g="0" b="0"/>
+      </a:effectRef>
+      <a:fontRef idx="minor"/>
+    </dgm:style>
+  </dgm:styleLbl>
+  <dgm:styleLbl name="fgAcc4">
+    <dgm:scene3d>
+      <a:camera prst="orthographicFront"/>
+      <a:lightRig rig="threePt" dir="t"/>
+    </dgm:scene3d>
+    <dgm:sp3d/>
+    <dgm:txPr/>
+    <dgm:style>
+      <a:lnRef idx="2">
+        <a:scrgbClr r="0" g="0" b="0"/>
+      </a:lnRef>
+      <a:fillRef idx="1">
+        <a:scrgbClr r="0" g="0" b="0"/>
+      </a:fillRef>
+      <a:effectRef idx="0">
+        <a:scrgbClr r="0" g="0" b="0"/>
+      </a:effectRef>
+      <a:fontRef idx="minor"/>
+    </dgm:style>
+  </dgm:styleLbl>
+  <dgm:styleLbl name="bgShp">
+    <dgm:scene3d>
+      <a:camera prst="orthographicFront"/>
+      <a:lightRig rig="threePt" dir="t"/>
+    </dgm:scene3d>
+    <dgm:sp3d/>
+    <dgm:txPr/>
+    <dgm:style>
+      <a:lnRef idx="0">
+        <a:scrgbClr r="0" g="0" b="0"/>
+      </a:lnRef>
+      <a:fillRef idx="1">
+        <a:scrgbClr r="0" g="0" b="0"/>
+      </a:fillRef>
+      <a:effectRef idx="0">
+        <a:scrgbClr r="0" g="0" b="0"/>
+      </a:effectRef>
+      <a:fontRef idx="minor"/>
+    </dgm:style>
+  </dgm:styleLbl>
+  <dgm:styleLbl name="dkBgShp">
+    <dgm:scene3d>
+      <a:camera prst="orthographicFront"/>
+      <a:lightRig rig="threePt" dir="t"/>
+    </dgm:scene3d>
+    <dgm:sp3d/>
+    <dgm:txPr/>
+    <dgm:style>
+      <a:lnRef idx="0">
+        <a:scrgbClr r="0" g="0" b="0"/>
+      </a:lnRef>
+      <a:fillRef idx="1">
+        <a:scrgbClr r="0" g="0" b="0"/>
+      </a:fillRef>
+      <a:effectRef idx="0">
+        <a:scrgbClr r="0" g="0" b="0"/>
+      </a:effectRef>
+      <a:fontRef idx="minor"/>
+    </dgm:style>
+  </dgm:styleLbl>
+  <dgm:styleLbl name="trBgShp">
+    <dgm:scene3d>
+      <a:camera prst="orthographicFront"/>
+      <a:lightRig rig="threePt" dir="t"/>
+    </dgm:scene3d>
+    <dgm:sp3d/>
+    <dgm:txPr/>
+    <dgm:style>
+      <a:lnRef idx="0">
+        <a:scrgbClr r="0" g="0" b="0"/>
+      </a:lnRef>
+      <a:fillRef idx="1">
+        <a:scrgbClr r="0" g="0" b="0"/>
+      </a:fillRef>
+      <a:effectRef idx="0">
+        <a:scrgbClr r="0" g="0" b="0"/>
+      </a:effectRef>
+      <a:fontRef idx="minor"/>
+    </dgm:style>
+  </dgm:styleLbl>
+  <dgm:styleLbl name="fgShp">
+    <dgm:scene3d>
+      <a:camera prst="orthographicFront"/>
+      <a:lightRig rig="threePt" dir="t"/>
+    </dgm:scene3d>
+    <dgm:sp3d/>
+    <dgm:txPr/>
+    <dgm:style>
+      <a:lnRef idx="2">
+        <a:scrgbClr r="0" g="0" b="0"/>
+      </a:lnRef>
+      <a:fillRef idx="1">
+        <a:scrgbClr r="0" g="0" b="0"/>
+      </a:fillRef>
+      <a:effectRef idx="0">
+        <a:scrgbClr r="0" g="0" b="0"/>
+      </a:effectRef>
+      <a:fontRef idx="minor"/>
+    </dgm:style>
+  </dgm:styleLbl>
+  <dgm:styleLbl name="revTx">
+    <dgm:scene3d>
+      <a:camera prst="orthographicFront"/>
+      <a:lightRig rig="threePt" dir="t"/>
+    </dgm:scene3d>
+    <dgm:sp3d/>
+    <dgm:txPr/>
+    <dgm:style>
+      <a:lnRef idx="0">
+        <a:scrgbClr r="0" g="0" b="0"/>
+      </a:lnRef>
+      <a:fillRef idx="0">
+        <a:scrgbClr r="0" g="0" b="0"/>
+      </a:fillRef>
+      <a:effectRef idx="0">
+        <a:scrgbClr r="0" g="0" b="0"/>
+      </a:effectRef>
+      <a:fontRef idx="minor"/>
+    </dgm:style>
+  </dgm:styleLbl>
+</dgm:styleDef>
+</file>
+
+<file path=ppt/diagrams/quickStyle2.xml><?xml version="1.0" encoding="utf-8"?>
+<dgm:styleDef xmlns:dgm="http://schemas.openxmlformats.org/drawingml/2006/diagram" xmlns:a="http://schemas.openxmlformats.org/drawingml/2006/main" uniqueId="urn:microsoft.com/office/officeart/2005/8/quickstyle/simple4">
+  <dgm:title val=""/>
+  <dgm:desc val=""/>
+  <dgm:catLst>
+    <dgm:cat type="simple" pri="10400"/>
+  </dgm:catLst>
+  <dgm:scene3d>
+    <a:camera prst="orthographicFront"/>
+    <a:lightRig rig="threePt" dir="t"/>
+  </dgm:scene3d>
+  <dgm:styleLbl name="node0">
+    <dgm:scene3d>
+      <a:camera prst="orthographicFront"/>
+      <a:lightRig rig="threePt" dir="t"/>
+    </dgm:scene3d>
+    <dgm:sp3d/>
+    <dgm:txPr/>
+    <dgm:style>
+      <a:lnRef idx="0">
+        <a:scrgbClr r="0" g="0" b="0"/>
+      </a:lnRef>
+      <a:fillRef idx="3">
+        <a:scrgbClr r="0" g="0" b="0"/>
+      </a:fillRef>
+      <a:effectRef idx="2">
+        <a:scrgbClr r="0" g="0" b="0"/>
+      </a:effectRef>
+      <a:fontRef idx="minor">
+        <a:schemeClr val="lt1"/>
+      </a:fontRef>
+    </dgm:style>
+  </dgm:styleLbl>
+  <dgm:styleLbl name="lnNode1">
+    <dgm:scene3d>
+      <a:camera prst="orthographicFront"/>
+      <a:lightRig rig="threePt" dir="t"/>
+    </dgm:scene3d>
+    <dgm:sp3d/>
+    <dgm:txPr/>
+    <dgm:style>
+      <a:lnRef idx="1">
+        <a:scrgbClr r="0" g="0" b="0"/>
+      </a:lnRef>
+      <a:fillRef idx="3">
+        <a:scrgbClr r="0" g="0" b="0"/>
+      </a:fillRef>
+      <a:effectRef idx="2">
+        <a:scrgbClr r="0" g="0" b="0"/>
+      </a:effectRef>
+      <a:fontRef idx="minor">
+        <a:schemeClr val="lt1"/>
+      </a:fontRef>
+    </dgm:style>
+  </dgm:styleLbl>
+  <dgm:styleLbl name="vennNode1">
+    <dgm:scene3d>
+      <a:camera prst="orthographicFront"/>
+      <a:lightRig rig="threePt" dir="t"/>
+    </dgm:scene3d>
+    <dgm:sp3d/>
+    <dgm:txPr/>
+    <dgm:style>
+      <a:lnRef idx="0">
+        <a:scrgbClr r="0" g="0" b="0"/>
+      </a:lnRef>
+      <a:fillRef idx="3">
+        <a:scrgbClr r="0" g="0" b="0"/>
+      </a:fillRef>
+      <a:effectRef idx="0">
+        <a:scrgbClr r="0" g="0" b="0"/>
+      </a:effectRef>
+      <a:fontRef idx="minor">
+        <a:schemeClr val="tx1"/>
+      </a:fontRef>
+    </dgm:style>
+  </dgm:styleLbl>
+  <dgm:styleLbl name="alignNode1">
+    <dgm:scene3d>
+      <a:camera prst="orthographicFront"/>
+      <a:lightRig rig="threePt" dir="t"/>
+    </dgm:scene3d>
+    <dgm:sp3d/>
+    <dgm:txPr/>
+    <dgm:style>
+      <a:lnRef idx="1">
+        <a:scrgbClr r="0" g="0" b="0"/>
+      </a:lnRef>
+      <a:fillRef idx="3">
+        <a:scrgbClr r="0" g="0" b="0"/>
+      </a:fillRef>
+      <a:effectRef idx="2">
+        <a:scrgbClr r="0" g="0" b="0"/>
+      </a:effectRef>
+      <a:fontRef idx="minor">
+        <a:schemeClr val="lt1"/>
+      </a:fontRef>
+    </dgm:style>
+  </dgm:styleLbl>
+  <dgm:styleLbl name="node1">
+    <dgm:scene3d>
+      <a:camera prst="orthographicFront"/>
+      <a:lightRig rig="threePt" dir="t"/>
+    </dgm:scene3d>
+    <dgm:sp3d/>
+    <dgm:txPr/>
+    <dgm:style>
+      <a:lnRef idx="0">
+        <a:scrgbClr r="0" g="0" b="0"/>
+      </a:lnRef>
+      <a:fillRef idx="3">
+        <a:scrgbClr r="0" g="0" b="0"/>
+      </a:fillRef>
+      <a:effectRef idx="2">
+        <a:scrgbClr r="0" g="0" b="0"/>
+      </a:effectRef>
+      <a:fontRef idx="minor">
+        <a:schemeClr val="lt1"/>
+      </a:fontRef>
+    </dgm:style>
+  </dgm:styleLbl>
+  <dgm:styleLbl name="node2">
+    <dgm:scene3d>
+      <a:camera prst="orthographicFront"/>
+      <a:lightRig rig="threePt" dir="t"/>
+    </dgm:scene3d>
+    <dgm:sp3d/>
+    <dgm:txPr/>
+    <dgm:style>
+      <a:lnRef idx="0">
+        <a:scrgbClr r="0" g="0" b="0"/>
+      </a:lnRef>
+      <a:fillRef idx="3">
+        <a:scrgbClr r="0" g="0" b="0"/>
+      </a:fillRef>
+      <a:effectRef idx="2">
+        <a:scrgbClr r="0" g="0" b="0"/>
+      </a:effectRef>
+      <a:fontRef idx="minor">
+        <a:schemeClr val="lt1"/>
+      </a:fontRef>
+    </dgm:style>
+  </dgm:styleLbl>
+  <dgm:styleLbl name="node3">
+    <dgm:scene3d>
+      <a:camera prst="orthographicFront"/>
+      <a:lightRig rig="threePt" dir="t"/>
+    </dgm:scene3d>
+    <dgm:sp3d/>
+    <dgm:txPr/>
+    <dgm:style>
+      <a:lnRef idx="0">
+        <a:scrgbClr r="0" g="0" b="0"/>
+      </a:lnRef>
+      <a:fillRef idx="3">
+        <a:scrgbClr r="0" g="0" b="0"/>
+      </a:fillRef>
+      <a:effectRef idx="2">
+        <a:scrgbClr r="0" g="0" b="0"/>
+      </a:effectRef>
+      <a:fontRef idx="minor">
+        <a:schemeClr val="lt1"/>
+      </a:fontRef>
+    </dgm:style>
+  </dgm:styleLbl>
+  <dgm:styleLbl name="node4">
+    <dgm:scene3d>
+      <a:camera prst="orthographicFront"/>
+      <a:lightRig rig="threePt" dir="t"/>
+    </dgm:scene3d>
+    <dgm:sp3d/>
+    <dgm:txPr/>
+    <dgm:style>
+      <a:lnRef idx="0">
+        <a:scrgbClr r="0" g="0" b="0"/>
+      </a:lnRef>
+      <a:fillRef idx="3">
+        <a:scrgbClr r="0" g="0" b="0"/>
+      </a:fillRef>
+      <a:effectRef idx="2">
+        <a:scrgbClr r="0" g="0" b="0"/>
+      </a:effectRef>
+      <a:fontRef idx="minor">
+        <a:schemeClr val="lt1"/>
+      </a:fontRef>
+    </dgm:style>
+  </dgm:styleLbl>
+  <dgm:styleLbl name="fgImgPlace1">
+    <dgm:scene3d>
+      <a:camera prst="orthographicFront"/>
+      <a:lightRig rig="threePt" dir="t"/>
+    </dgm:scene3d>
+    <dgm:sp3d/>
+    <dgm:txPr/>
+    <dgm:style>
+      <a:lnRef idx="0">
+        <a:scrgbClr r="0" g="0" b="0"/>
+      </a:lnRef>
+      <a:fillRef idx="1">
+        <a:scrgbClr r="0" g="0" b="0"/>
+      </a:fillRef>
+      <a:effectRef idx="2">
+        <a:scrgbClr r="0" g="0" b="0"/>
+      </a:effectRef>
+      <a:fontRef idx="minor"/>
+    </dgm:style>
+  </dgm:styleLbl>
+  <dgm:styleLbl name="alignImgPlace1">
+    <dgm:scene3d>
+      <a:camera prst="orthographicFront"/>
+      <a:lightRig rig="threePt" dir="t"/>
+    </dgm:scene3d>
+    <dgm:sp3d/>
+    <dgm:txPr/>
+    <dgm:style>
+      <a:lnRef idx="0">
+        <a:scrgbClr r="0" g="0" b="0"/>
+      </a:lnRef>
+      <a:fillRef idx="1">
+        <a:scrgbClr r="0" g="0" b="0"/>
+      </a:fillRef>
+      <a:effectRef idx="2">
+        <a:scrgbClr r="0" g="0" b="0"/>
+      </a:effectRef>
+      <a:fontRef idx="minor"/>
+    </dgm:style>
+  </dgm:styleLbl>
+  <dgm:styleLbl name="bgImgPlace1">
+    <dgm:scene3d>
+      <a:camera prst="orthographicFront"/>
+      <a:lightRig rig="threePt" dir="t"/>
+    </dgm:scene3d>
+    <dgm:sp3d/>
+    <dgm:txPr/>
+    <dgm:style>
+      <a:lnRef idx="0">
+        <a:scrgbClr r="0" g="0" b="0"/>
+      </a:lnRef>
+      <a:fillRef idx="1">
+        <a:scrgbClr r="0" g="0" b="0"/>
+      </a:fillRef>
+      <a:effectRef idx="2">
+        <a:scrgbClr r="0" g="0" b="0"/>
+      </a:effectRef>
+      <a:fontRef idx="minor"/>
+    </dgm:style>
+  </dgm:styleLbl>
+  <dgm:styleLbl name="sibTrans2D1">
+    <dgm:scene3d>
+      <a:camera prst="orthographicFront"/>
+      <a:lightRig rig="threePt" dir="t"/>
+    </dgm:scene3d>
+    <dgm:sp3d/>
+    <dgm:txPr/>
+    <dgm:style>
+      <a:lnRef idx="0">
+        <a:scrgbClr r="0" g="0" b="0"/>
+      </a:lnRef>
+      <a:fillRef idx="3">
+        <a:scrgbClr r="0" g="0" b="0"/>
+      </a:fillRef>
+      <a:effectRef idx="2">
+        <a:scrgbClr r="0" g="0" b="0"/>
+      </a:effectRef>
+      <a:fontRef idx="minor">
+        <a:schemeClr val="lt1"/>
+      </a:fontRef>
+    </dgm:style>
+  </dgm:styleLbl>
+  <dgm:styleLbl name="fgSibTrans2D1">
+    <dgm:scene3d>
+      <a:camera prst="orthographicFront"/>
+      <a:lightRig rig="threePt" dir="t"/>
+    </dgm:scene3d>
+    <dgm:sp3d/>
+    <dgm:txPr/>
+    <dgm:style>
+      <a:lnRef idx="0">
+        <a:scrgbClr r="0" g="0" b="0"/>
+      </a:lnRef>
+      <a:fillRef idx="3">
+        <a:scrgbClr r="0" g="0" b="0"/>
+      </a:fillRef>
+      <a:effectRef idx="2">
+        <a:scrgbClr r="0" g="0" b="0"/>
+      </a:effectRef>
+      <a:fontRef idx="minor">
+        <a:schemeClr val="lt1"/>
+      </a:fontRef>
+    </dgm:style>
+  </dgm:styleLbl>
+  <dgm:styleLbl name="bgSibTrans2D1">
+    <dgm:scene3d>
+      <a:camera prst="orthographicFront"/>
+      <a:lightRig rig="threePt" dir="t"/>
+    </dgm:scene3d>
+    <dgm:sp3d/>
+    <dgm:txPr/>
+    <dgm:style>
+      <a:lnRef idx="0">
+        <a:scrgbClr r="0" g="0" b="0"/>
+      </a:lnRef>
+      <a:fillRef idx="3">
+        <a:scrgbClr r="0" g="0" b="0"/>
+      </a:fillRef>
+      <a:effectRef idx="2">
+        <a:scrgbClr r="0" g="0" b="0"/>
+      </a:effectRef>
+      <a:fontRef idx="minor">
+        <a:schemeClr val="lt1"/>
+      </a:fontRef>
+    </dgm:style>
+  </dgm:styleLbl>
+  <dgm:styleLbl name="sibTrans1D1">
+    <dgm:scene3d>
+      <a:camera prst="orthographicFront"/>
+      <a:lightRig rig="threePt" dir="t"/>
+    </dgm:scene3d>
+    <dgm:sp3d/>
+    <dgm:txPr/>
+    <dgm:style>
+      <a:lnRef idx="1">
+        <a:scrgbClr r="0" g="0" b="0"/>
+      </a:lnRef>
+      <a:fillRef idx="0">
+        <a:scrgbClr r="0" g="0" b="0"/>
+      </a:fillRef>
+      <a:effectRef idx="0">
+        <a:scrgbClr r="0" g="0" b="0"/>
+      </a:effectRef>
+      <a:fontRef idx="minor"/>
+    </dgm:style>
+  </dgm:styleLbl>
+  <dgm:styleLbl name="callout">
+    <dgm:scene3d>
+      <a:camera prst="orthographicFront"/>
+      <a:lightRig rig="threePt" dir="t"/>
+    </dgm:scene3d>
+    <dgm:sp3d/>
+    <dgm:txPr/>
+    <dgm:style>
+      <a:lnRef idx="2">
+        <a:scrgbClr r="0" g="0" b="0"/>
+      </a:lnRef>
+      <a:fillRef idx="1">
+        <a:scrgbClr r="0" g="0" b="0"/>
+      </a:fillRef>
+      <a:effectRef idx="1">
+        <a:scrgbClr r="0" g="0" b="0"/>
+      </a:effectRef>
+      <a:fontRef idx="minor"/>
+    </dgm:style>
+  </dgm:styleLbl>
+  <dgm:styleLbl name="asst0">
+    <dgm:scene3d>
+      <a:camera prst="orthographicFront"/>
+      <a:lightRig rig="threePt" dir="t"/>
+    </dgm:scene3d>
+    <dgm:sp3d/>
+    <dgm:txPr/>
+    <dgm:style>
+      <a:lnRef idx="0">
+        <a:scrgbClr r="0" g="0" b="0"/>
+      </a:lnRef>
+      <a:fillRef idx="3">
+        <a:scrgbClr r="0" g="0" b="0"/>
+      </a:fillRef>
+      <a:effectRef idx="2">
+        <a:scrgbClr r="0" g="0" b="0"/>
+      </a:effectRef>
+      <a:fontRef idx="minor">
+        <a:schemeClr val="lt1"/>
+      </a:fontRef>
+    </dgm:style>
+  </dgm:styleLbl>
+  <dgm:styleLbl name="asst1">
+    <dgm:scene3d>
+      <a:camera prst="orthographicFront"/>
+      <a:lightRig rig="threePt" dir="t"/>
+    </dgm:scene3d>
+    <dgm:sp3d/>
+    <dgm:txPr/>
+    <dgm:style>
+      <a:lnRef idx="0">
+        <a:scrgbClr r="0" g="0" b="0"/>
+      </a:lnRef>
+      <a:fillRef idx="3">
+        <a:scrgbClr r="0" g="0" b="0"/>
+      </a:fillRef>
+      <a:effectRef idx="2">
+        <a:scrgbClr r="0" g="0" b="0"/>
+      </a:effectRef>
+      <a:fontRef idx="minor">
+        <a:schemeClr val="lt1"/>
+      </a:fontRef>
+    </dgm:style>
+  </dgm:styleLbl>
+  <dgm:styleLbl name="asst2">
+    <dgm:scene3d>
+      <a:camera prst="orthographicFront"/>
+      <a:lightRig rig="threePt" dir="t"/>
+    </dgm:scene3d>
+    <dgm:sp3d/>
+    <dgm:txPr/>
+    <dgm:style>
+      <a:lnRef idx="0">
+        <a:scrgbClr r="0" g="0" b="0"/>
+      </a:lnRef>
+      <a:fillRef idx="3">
+        <a:scrgbClr r="0" g="0" b="0"/>
+      </a:fillRef>
+      <a:effectRef idx="2">
+        <a:scrgbClr r="0" g="0" b="0"/>
+      </a:effectRef>
+      <a:fontRef idx="minor">
+        <a:schemeClr val="lt1"/>
+      </a:fontRef>
+    </dgm:style>
+  </dgm:styleLbl>
+  <dgm:styleLbl name="asst3">
+    <dgm:scene3d>
+      <a:camera prst="orthographicFront"/>
+      <a:lightRig rig="threePt" dir="t"/>
+    </dgm:scene3d>
+    <dgm:sp3d/>
+    <dgm:txPr/>
+    <dgm:style>
+      <a:lnRef idx="0">
+        <a:scrgbClr r="0" g="0" b="0"/>
+      </a:lnRef>
+      <a:fillRef idx="3">
+        <a:scrgbClr r="0" g="0" b="0"/>
+      </a:fillRef>
+      <a:effectRef idx="2">
+        <a:scrgbClr r="0" g="0" b="0"/>
+      </a:effectRef>
+      <a:fontRef idx="minor">
+        <a:schemeClr val="lt1"/>
+      </a:fontRef>
+    </dgm:style>
+  </dgm:styleLbl>
+  <dgm:styleLbl name="asst4">
+    <dgm:scene3d>
+      <a:camera prst="orthographicFront"/>
+      <a:lightRig rig="threePt" dir="t"/>
+    </dgm:scene3d>
+    <dgm:sp3d/>
+    <dgm:txPr/>
+    <dgm:style>
+      <a:lnRef idx="0">
+        <a:scrgbClr r="0" g="0" b="0"/>
+      </a:lnRef>
+      <a:fillRef idx="3">
+        <a:scrgbClr r="0" g="0" b="0"/>
+      </a:fillRef>
+      <a:effectRef idx="2">
+        <a:scrgbClr r="0" g="0" b="0"/>
+      </a:effectRef>
+      <a:fontRef idx="minor">
+        <a:schemeClr val="lt1"/>
+      </a:fontRef>
+    </dgm:style>
+  </dgm:styleLbl>
+  <dgm:styleLbl name="parChTrans2D1">
+    <dgm:scene3d>
+      <a:camera prst="orthographicFront"/>
+      <a:lightRig rig="threePt" dir="t"/>
+    </dgm:scene3d>
+    <dgm:sp3d/>
+    <dgm:txPr/>
+    <dgm:style>
+      <a:lnRef idx="0">
+        <a:scrgbClr r="0" g="0" b="0"/>
+      </a:lnRef>
+      <a:fillRef idx="3">
+        <a:scrgbClr r="0" g="0" b="0"/>
+      </a:fillRef>
+      <a:effectRef idx="2">
+        <a:scrgbClr r="0" g="0" b="0"/>
+      </a:effectRef>
+      <a:fontRef idx="minor">
+        <a:schemeClr val="lt1"/>
+      </a:fontRef>
+    </dgm:style>
+  </dgm:styleLbl>
+  <dgm:styleLbl name="parChTrans2D2">
+    <dgm:scene3d>
+      <a:camera prst="orthographicFront"/>
+      <a:lightRig rig="threePt" dir="t"/>
+    </dgm:scene3d>
+    <dgm:sp3d/>
+    <dgm:txPr/>
+    <dgm:style>
+      <a:lnRef idx="0">
+        <a:scrgbClr r="0" g="0" b="0"/>
+      </a:lnRef>
+      <a:fillRef idx="3">
+        <a:scrgbClr r="0" g="0" b="0"/>
+      </a:fillRef>
+      <a:effectRef idx="2">
+        <a:scrgbClr r="0" g="0" b="0"/>
+      </a:effectRef>
+      <a:fontRef idx="minor">
+        <a:schemeClr val="lt1"/>
+      </a:fontRef>
+    </dgm:style>
+  </dgm:styleLbl>
+  <dgm:styleLbl name="parChTrans2D3">
+    <dgm:scene3d>
+      <a:camera prst="orthographicFront"/>
+      <a:lightRig rig="threePt" dir="t"/>
+    </dgm:scene3d>
+    <dgm:sp3d/>
+    <dgm:txPr/>
+    <dgm:style>
+      <a:lnRef idx="1">
+        <a:scrgbClr r="0" g="0" b="0"/>
+      </a:lnRef>
+      <a:fillRef idx="3">
+        <a:scrgbClr r="0" g="0" b="0"/>
+      </a:fillRef>
+      <a:effectRef idx="2">
+        <a:scrgbClr r="0" g="0" b="0"/>
+      </a:effectRef>
+      <a:fontRef idx="minor">
+        <a:schemeClr val="lt1"/>
+      </a:fontRef>
+    </dgm:style>
+  </dgm:styleLbl>
+  <dgm:styleLbl name="parChTrans2D4">
+    <dgm:scene3d>
+      <a:camera prst="orthographicFront"/>
+      <a:lightRig rig="threePt" dir="t"/>
+    </dgm:scene3d>
+    <dgm:sp3d/>
+    <dgm:txPr/>
+    <dgm:style>
+      <a:lnRef idx="1">
+        <a:scrgbClr r="0" g="0" b="0"/>
+      </a:lnRef>
+      <a:fillRef idx="3">
+        <a:scrgbClr r="0" g="0" b="0"/>
+      </a:fillRef>
+      <a:effectRef idx="2">
+        <a:scrgbClr r="0" g="0" b="0"/>
+      </a:effectRef>
+      <a:fontRef idx="minor">
+        <a:schemeClr val="lt1"/>
+      </a:fontRef>
+    </dgm:style>
+  </dgm:styleLbl>
+  <dgm:styleLbl name="parChTrans1D1">
+    <dgm:scene3d>
+      <a:camera prst="orthographicFront"/>
+      <a:lightRig rig="threePt" dir="t"/>
+    </dgm:scene3d>
+    <dgm:sp3d/>
+    <dgm:txPr/>
+    <dgm:style>
+      <a:lnRef idx="1">
+        <a:scrgbClr r="0" g="0" b="0"/>
+      </a:lnRef>
+      <a:fillRef idx="0">
+        <a:scrgbClr r="0" g="0" b="0"/>
+      </a:fillRef>
+      <a:effectRef idx="0">
+        <a:scrgbClr r="0" g="0" b="0"/>
+      </a:effectRef>
+      <a:fontRef idx="minor"/>
+    </dgm:style>
+  </dgm:styleLbl>
+  <dgm:styleLbl name="parChTrans1D2">
+    <dgm:scene3d>
+      <a:camera prst="orthographicFront"/>
+      <a:lightRig rig="threePt" dir="t"/>
+    </dgm:scene3d>
+    <dgm:sp3d/>
+    <dgm:txPr/>
+    <dgm:style>
+      <a:lnRef idx="1">
+        <a:scrgbClr r="0" g="0" b="0"/>
+      </a:lnRef>
+      <a:fillRef idx="0">
+        <a:scrgbClr r="0" g="0" b="0"/>
+      </a:fillRef>
+      <a:effectRef idx="0">
+        <a:scrgbClr r="0" g="0" b="0"/>
+      </a:effectRef>
+      <a:fontRef idx="minor"/>
+    </dgm:style>
+  </dgm:styleLbl>
+  <dgm:styleLbl name="parChTrans1D3">
+    <dgm:scene3d>
+      <a:camera prst="orthographicFront"/>
+      <a:lightRig rig="threePt" dir="t"/>
+    </dgm:scene3d>
+    <dgm:sp3d/>
+    <dgm:txPr/>
+    <dgm:style>
+      <a:lnRef idx="1">
+        <a:scrgbClr r="0" g="0" b="0"/>
+      </a:lnRef>
+      <a:fillRef idx="0">
+        <a:scrgbClr r="0" g="0" b="0"/>
+      </a:fillRef>
+      <a:effectRef idx="0">
+        <a:scrgbClr r="0" g="0" b="0"/>
+      </a:effectRef>
+      <a:fontRef idx="minor"/>
+    </dgm:style>
+  </dgm:styleLbl>
+  <dgm:styleLbl name="parChTrans1D4">
+    <dgm:scene3d>
+      <a:camera prst="orthographicFront"/>
+      <a:lightRig rig="threePt" dir="t"/>
+    </dgm:scene3d>
+    <dgm:sp3d/>
+    <dgm:txPr/>
+    <dgm:style>
+      <a:lnRef idx="1">
+        <a:scrgbClr r="0" g="0" b="0"/>
+      </a:lnRef>
+      <a:fillRef idx="0">
+        <a:scrgbClr r="0" g="0" b="0"/>
+      </a:fillRef>
+      <a:effectRef idx="0">
+        <a:scrgbClr r="0" g="0" b="0"/>
+      </a:effectRef>
+      <a:fontRef idx="minor"/>
+    </dgm:style>
+  </dgm:styleLbl>
+  <dgm:styleLbl name="fgAcc1">
+    <dgm:scene3d>
+      <a:camera prst="orthographicFront"/>
+      <a:lightRig rig="threePt" dir="t"/>
+    </dgm:scene3d>
+    <dgm:sp3d/>
+    <dgm:txPr/>
+    <dgm:style>
+      <a:lnRef idx="1">
+        <a:scrgbClr r="0" g="0" b="0"/>
+      </a:lnRef>
+      <a:fillRef idx="1">
+        <a:scrgbClr r="0" g="0" b="0"/>
+      </a:fillRef>
+      <a:effectRef idx="0">
+        <a:scrgbClr r="0" g="0" b="0"/>
+      </a:effectRef>
+      <a:fontRef idx="minor"/>
+    </dgm:style>
+  </dgm:styleLbl>
+  <dgm:styleLbl name="conFgAcc1">
+    <dgm:scene3d>
+      <a:camera prst="orthographicFront"/>
+      <a:lightRig rig="threePt" dir="t"/>
+    </dgm:scene3d>
+    <dgm:sp3d/>
+    <dgm:txPr/>
+    <dgm:style>
+      <a:lnRef idx="1">
+        <a:scrgbClr r="0" g="0" b="0"/>
+      </a:lnRef>
+      <a:fillRef idx="1">
+        <a:scrgbClr r="0" g="0" b="0"/>
+      </a:fillRef>
+      <a:effectRef idx="0">
+        <a:scrgbClr r="0" g="0" b="0"/>
+      </a:effectRef>
+      <a:fontRef idx="minor"/>
+    </dgm:style>
+  </dgm:styleLbl>
+  <dgm:styleLbl name="alignAcc1">
+    <dgm:scene3d>
+      <a:camera prst="orthographicFront"/>
+      <a:lightRig rig="threePt" dir="t"/>
+    </dgm:scene3d>
+    <dgm:sp3d/>
+    <dgm:txPr/>
+    <dgm:style>
+      <a:lnRef idx="1">
+        <a:scrgbClr r="0" g="0" b="0"/>
+      </a:lnRef>
+      <a:fillRef idx="1">
+        <a:scrgbClr r="0" g="0" b="0"/>
+      </a:fillRef>
+      <a:effectRef idx="0">
+        <a:scrgbClr r="0" g="0" b="0"/>
+      </a:effectRef>
+      <a:fontRef idx="minor"/>
+    </dgm:style>
+  </dgm:styleLbl>
+  <dgm:styleLbl name="trAlignAcc1">
+    <dgm:scene3d>
+      <a:camera prst="orthographicFront"/>
+      <a:lightRig rig="threePt" dir="t"/>
+    </dgm:scene3d>
+    <dgm:sp3d/>
+    <dgm:txPr/>
+    <dgm:style>
+      <a:lnRef idx="1">
+        <a:scrgbClr r="0" g="0" b="0"/>
+      </a:lnRef>
+      <a:fillRef idx="1">
+        <a:scrgbClr r="0" g="0" b="0"/>
+      </a:fillRef>
+      <a:effectRef idx="0">
+        <a:scrgbClr r="0" g="0" b="0"/>
+      </a:effectRef>
+      <a:fontRef idx="minor"/>
+    </dgm:style>
+  </dgm:styleLbl>
+  <dgm:styleLbl name="bgAcc1">
+    <dgm:scene3d>
+      <a:camera prst="orthographicFront"/>
+      <a:lightRig rig="threePt" dir="t"/>
+    </dgm:scene3d>
+    <dgm:sp3d/>
+    <dgm:txPr/>
+    <dgm:style>
+      <a:lnRef idx="1">
+        <a:scrgbClr r="0" g="0" b="0"/>
+      </a:lnRef>
+      <a:fillRef idx="1">
+        <a:scrgbClr r="0" g="0" b="0"/>
+      </a:fillRef>
+      <a:effectRef idx="0">
+        <a:scrgbClr r="0" g="0" b="0"/>
+      </a:effectRef>
+      <a:fontRef idx="minor"/>
+    </dgm:style>
+  </dgm:styleLbl>
+  <dgm:styleLbl name="solidFgAcc1">
+    <dgm:scene3d>
+      <a:camera prst="orthographicFront"/>
+      <a:lightRig rig="threePt" dir="t"/>
+    </dgm:scene3d>
+    <dgm:sp3d/>
+    <dgm:txPr/>
+    <dgm:style>
+      <a:lnRef idx="1">
+        <a:scrgbClr r="0" g="0" b="0"/>
+      </a:lnRef>
+      <a:fillRef idx="1">
+        <a:scrgbClr r="0" g="0" b="0"/>
+      </a:fillRef>
+      <a:effectRef idx="0">
+        <a:scrgbClr r="0" g="0" b="0"/>
+      </a:effectRef>
+      <a:fontRef idx="minor"/>
+    </dgm:style>
+  </dgm:styleLbl>
+  <dgm:styleLbl name="solidAlignAcc1">
+    <dgm:scene3d>
+      <a:camera prst="orthographicFront"/>
+      <a:lightRig rig="threePt" dir="t"/>
+    </dgm:scene3d>
+    <dgm:sp3d/>
+    <dgm:txPr/>
+    <dgm:style>
+      <a:lnRef idx="1">
+        <a:scrgbClr r="0" g="0" b="0"/>
+      </a:lnRef>
+      <a:fillRef idx="1">
+        <a:scrgbClr r="0" g="0" b="0"/>
+      </a:fillRef>
+      <a:effectRef idx="0">
+        <a:scrgbClr r="0" g="0" b="0"/>
+      </a:effectRef>
+      <a:fontRef idx="minor"/>
+    </dgm:style>
+  </dgm:styleLbl>
+  <dgm:styleLbl name="solidBgAcc1">
+    <dgm:scene3d>
+      <a:camera prst="orthographicFront"/>
+      <a:lightRig rig="threePt" dir="t"/>
+    </dgm:scene3d>
+    <dgm:sp3d/>
+    <dgm:txPr/>
+    <dgm:style>
+      <a:lnRef idx="1">
+        <a:scrgbClr r="0" g="0" b="0"/>
+      </a:lnRef>
+      <a:fillRef idx="1">
+        <a:scrgbClr r="0" g="0" b="0"/>
+      </a:fillRef>
+      <a:effectRef idx="0">
+        <a:scrgbClr r="0" g="0" b="0"/>
+      </a:effectRef>
+      <a:fontRef idx="minor"/>
+    </dgm:style>
+  </dgm:styleLbl>
+  <dgm:styleLbl name="fgAccFollowNode1">
+    <dgm:scene3d>
+      <a:camera prst="orthographicFront"/>
+      <a:lightRig rig="threePt" dir="t"/>
+    </dgm:scene3d>
+    <dgm:sp3d/>
+    <dgm:txPr/>
+    <dgm:style>
+      <a:lnRef idx="1">
+        <a:scrgbClr r="0" g="0" b="0"/>
+      </a:lnRef>
+      <a:fillRef idx="1">
+        <a:scrgbClr r="0" g="0" b="0"/>
+      </a:fillRef>
+      <a:effectRef idx="0">
+        <a:scrgbClr r="0" g="0" b="0"/>
+      </a:effectRef>
+      <a:fontRef idx="minor"/>
+    </dgm:style>
+  </dgm:styleLbl>
+  <dgm:styleLbl name="alignAccFollowNode1">
+    <dgm:scene3d>
+      <a:camera prst="orthographicFront"/>
+      <a:lightRig rig="threePt" dir="t"/>
+    </dgm:scene3d>
+    <dgm:sp3d/>
+    <dgm:txPr/>
+    <dgm:style>
+      <a:lnRef idx="1">
+        <a:scrgbClr r="0" g="0" b="0"/>
+      </a:lnRef>
+      <a:fillRef idx="1">
+        <a:scrgbClr r="0" g="0" b="0"/>
+      </a:fillRef>
+      <a:effectRef idx="0">
+        <a:scrgbClr r="0" g="0" b="0"/>
+      </a:effectRef>
+      <a:fontRef idx="minor"/>
+    </dgm:style>
+  </dgm:styleLbl>
+  <dgm:styleLbl name="bgAccFollowNode1">
+    <dgm:scene3d>
+      <a:camera prst="orthographicFront"/>
+      <a:lightRig rig="threePt" dir="t"/>
+    </dgm:scene3d>
+    <dgm:sp3d/>
+    <dgm:txPr/>
+    <dgm:style>
+      <a:lnRef idx="1">
+        <a:scrgbClr r="0" g="0" b="0"/>
+      </a:lnRef>
+      <a:fillRef idx="1">
+        <a:scrgbClr r="0" g="0" b="0"/>
+      </a:fillRef>
+      <a:effectRef idx="0">
+        <a:scrgbClr r="0" g="0" b="0"/>
+      </a:effectRef>
+      <a:fontRef idx="minor"/>
+    </dgm:style>
+  </dgm:styleLbl>
+  <dgm:styleLbl name="fgAcc0">
+    <dgm:scene3d>
+      <a:camera prst="orthographicFront"/>
+      <a:lightRig rig="threePt" dir="t"/>
+    </dgm:scene3d>
+    <dgm:sp3d/>
+    <dgm:txPr/>
+    <dgm:style>
+      <a:lnRef idx="1">
+        <a:scrgbClr r="0" g="0" b="0"/>
+      </a:lnRef>
+      <a:fillRef idx="1">
+        <a:scrgbClr r="0" g="0" b="0"/>
+      </a:fillRef>
+      <a:effectRef idx="0">
+        <a:scrgbClr r="0" g="0" b="0"/>
+      </a:effectRef>
+      <a:fontRef idx="minor"/>
+    </dgm:style>
+  </dgm:styleLbl>
+  <dgm:styleLbl name="fgAcc2">
+    <dgm:scene3d>
+      <a:camera prst="orthographicFront"/>
+      <a:lightRig rig="threePt" dir="t"/>
+    </dgm:scene3d>
+    <dgm:sp3d/>
+    <dgm:txPr/>
+    <dgm:style>
+      <a:lnRef idx="1">
+        <a:scrgbClr r="0" g="0" b="0"/>
+      </a:lnRef>
+      <a:fillRef idx="1">
+        <a:scrgbClr r="0" g="0" b="0"/>
+      </a:fillRef>
+      <a:effectRef idx="0">
+        <a:scrgbClr r="0" g="0" b="0"/>
+      </a:effectRef>
+      <a:fontRef idx="minor"/>
+    </dgm:style>
+  </dgm:styleLbl>
+  <dgm:styleLbl name="fgAcc3">
+    <dgm:scene3d>
+      <a:camera prst="orthographicFront"/>
+      <a:lightRig rig="threePt" dir="t"/>
+    </dgm:scene3d>
+    <dgm:sp3d/>
+    <dgm:txPr/>
+    <dgm:style>
+      <a:lnRef idx="1">
+        <a:scrgbClr r="0" g="0" b="0"/>
+      </a:lnRef>
+      <a:fillRef idx="1">
+        <a:scrgbClr r="0" g="0" b="0"/>
+      </a:fillRef>
+      <a:effectRef idx="0">
+        <a:scrgbClr r="0" g="0" b="0"/>
+      </a:effectRef>
+      <a:fontRef idx="minor"/>
+    </dgm:style>
+  </dgm:styleLbl>
+  <dgm:styleLbl name="fgAcc4">
+    <dgm:scene3d>
+      <a:camera prst="orthographicFront"/>
+      <a:lightRig rig="threePt" dir="t"/>
+    </dgm:scene3d>
+    <dgm:sp3d/>
+    <dgm:txPr/>
+    <dgm:style>
+      <a:lnRef idx="1">
+        <a:scrgbClr r="0" g="0" b="0"/>
+      </a:lnRef>
+      <a:fillRef idx="1">
+        <a:scrgbClr r="0" g="0" b="0"/>
+      </a:fillRef>
+      <a:effectRef idx="0">
+        <a:scrgbClr r="0" g="0" b="0"/>
+      </a:effectRef>
+      <a:fontRef idx="minor"/>
+    </dgm:style>
+  </dgm:styleLbl>
+  <dgm:styleLbl name="bgShp">
+    <dgm:scene3d>
+      <a:camera prst="orthographicFront"/>
+      <a:lightRig rig="threePt" dir="t"/>
+    </dgm:scene3d>
+    <dgm:sp3d/>
+    <dgm:txPr/>
+    <dgm:style>
+      <a:lnRef idx="0">
+        <a:scrgbClr r="0" g="0" b="0"/>
+      </a:lnRef>
+      <a:fillRef idx="1">
+        <a:scrgbClr r="0" g="0" b="0"/>
+      </a:fillRef>
+      <a:effectRef idx="2">
+        <a:scrgbClr r="0" g="0" b="0"/>
+      </a:effectRef>
+      <a:fontRef idx="minor"/>
+    </dgm:style>
+  </dgm:styleLbl>
+  <dgm:styleLbl name="dkBgShp">
+    <dgm:scene3d>
+      <a:camera prst="orthographicFront"/>
+      <a:lightRig rig="threePt" dir="t"/>
+    </dgm:scene3d>
+    <dgm:sp3d/>
+    <dgm:txPr/>
+    <dgm:style>
+      <a:lnRef idx="0">
+        <a:scrgbClr r="0" g="0" b="0"/>
+      </a:lnRef>
+      <a:fillRef idx="1">
+        <a:scrgbClr r="0" g="0" b="0"/>
+      </a:fillRef>
+      <a:effectRef idx="2">
+        <a:scrgbClr r="0" g="0" b="0"/>
+      </a:effectRef>
+      <a:fontRef idx="minor"/>
+    </dgm:style>
+  </dgm:styleLbl>
+  <dgm:styleLbl name="trBgShp">
+    <dgm:scene3d>
+      <a:camera prst="orthographicFront"/>
+      <a:lightRig rig="threePt" dir="t"/>
+    </dgm:scene3d>
+    <dgm:sp3d/>
+    <dgm:txPr/>
+    <dgm:style>
+      <a:lnRef idx="0">
+        <a:scrgbClr r="0" g="0" b="0"/>
+      </a:lnRef>
+      <a:fillRef idx="1">
+        <a:scrgbClr r="0" g="0" b="0"/>
+      </a:fillRef>
+      <a:effectRef idx="0">
+        <a:scrgbClr r="0" g="0" b="0"/>
+      </a:effectRef>
+      <a:fontRef idx="minor"/>
+    </dgm:style>
+  </dgm:styleLbl>
+  <dgm:styleLbl name="fgShp">
+    <dgm:scene3d>
+      <a:camera prst="orthographicFront"/>
+      <a:lightRig rig="threePt" dir="t"/>
+    </dgm:scene3d>
+    <dgm:sp3d/>
+    <dgm:txPr/>
+    <dgm:style>
+      <a:lnRef idx="0">
+        <a:scrgbClr r="0" g="0" b="0"/>
+      </a:lnRef>
+      <a:fillRef idx="3">
+        <a:scrgbClr r="0" g="0" b="0"/>
+      </a:fillRef>
+      <a:effectRef idx="2">
+        <a:scrgbClr r="0" g="0" b="0"/>
+      </a:effectRef>
+      <a:fontRef idx="minor"/>
+    </dgm:style>
+  </dgm:styleLbl>
+  <dgm:styleLbl name="revTx">
+    <dgm:scene3d>
+      <a:camera prst="orthographicFront"/>
+      <a:lightRig rig="threePt" dir="t"/>
+    </dgm:scene3d>
+    <dgm:sp3d/>
+    <dgm:txPr/>
+    <dgm:style>
+      <a:lnRef idx="0">
+        <a:scrgbClr r="0" g="0" b="0"/>
+      </a:lnRef>
+      <a:fillRef idx="0">
+        <a:scrgbClr r="0" g="0" b="0"/>
+      </a:fillRef>
+      <a:effectRef idx="0">
+        <a:scrgbClr r="0" g="0" b="0"/>
+      </a:effectRef>
+      <a:fontRef idx="minor"/>
+    </dgm:style>
+  </dgm:styleLbl>
+</dgm:styleDef>
+</file>
+
 <file path=ppt/slideLayouts/slideLayout1.xml><?xml version="1.0" encoding="utf-8"?>
 <p:sldLayout xmlns:a="http://schemas.openxmlformats.org/drawingml/2006/main" xmlns:r="http://schemas.openxmlformats.org/officeDocument/2006/relationships" xmlns:p="http://schemas.openxmlformats.org/presentationml/2006/main" type="title" preserve="1">
   <p:cSld name="Title Slide">
@@ -263,7 +6428,7 @@
           <a:p>
             <a:fld id="{D653F323-25C2-EC45-8262-C12E80E71EC0}" type="datetimeFigureOut">
               <a:rPr lang="en-US" smtClean="0"/>
-              <a:t>2/19/2025</a:t>
+              <a:t>2/20/2025</a:t>
             </a:fld>
             <a:endParaRPr lang="en-US"/>
           </a:p>
@@ -433,7 +6598,7 @@
           <a:p>
             <a:fld id="{D653F323-25C2-EC45-8262-C12E80E71EC0}" type="datetimeFigureOut">
               <a:rPr lang="en-US" smtClean="0"/>
-              <a:t>2/19/2025</a:t>
+              <a:t>2/20/2025</a:t>
             </a:fld>
             <a:endParaRPr lang="en-US"/>
           </a:p>
@@ -613,7 +6778,7 @@
           <a:p>
             <a:fld id="{D653F323-25C2-EC45-8262-C12E80E71EC0}" type="datetimeFigureOut">
               <a:rPr lang="en-US" smtClean="0"/>
-              <a:t>2/19/2025</a:t>
+              <a:t>2/20/2025</a:t>
             </a:fld>
             <a:endParaRPr lang="en-US"/>
           </a:p>
@@ -783,7 +6948,7 @@
           <a:p>
             <a:fld id="{D653F323-25C2-EC45-8262-C12E80E71EC0}" type="datetimeFigureOut">
               <a:rPr lang="en-US" smtClean="0"/>
-              <a:t>2/19/2025</a:t>
+              <a:t>2/20/2025</a:t>
             </a:fld>
             <a:endParaRPr lang="en-US"/>
           </a:p>
@@ -1029,7 +7194,7 @@
           <a:p>
             <a:fld id="{D653F323-25C2-EC45-8262-C12E80E71EC0}" type="datetimeFigureOut">
               <a:rPr lang="en-US" smtClean="0"/>
-              <a:t>2/19/2025</a:t>
+              <a:t>2/20/2025</a:t>
             </a:fld>
             <a:endParaRPr lang="en-US"/>
           </a:p>
@@ -1261,7 +7426,7 @@
           <a:p>
             <a:fld id="{D653F323-25C2-EC45-8262-C12E80E71EC0}" type="datetimeFigureOut">
               <a:rPr lang="en-US" smtClean="0"/>
-              <a:t>2/19/2025</a:t>
+              <a:t>2/20/2025</a:t>
             </a:fld>
             <a:endParaRPr lang="en-US"/>
           </a:p>
@@ -1628,7 +7793,7 @@
           <a:p>
             <a:fld id="{D653F323-25C2-EC45-8262-C12E80E71EC0}" type="datetimeFigureOut">
               <a:rPr lang="en-US" smtClean="0"/>
-              <a:t>2/19/2025</a:t>
+              <a:t>2/20/2025</a:t>
             </a:fld>
             <a:endParaRPr lang="en-US"/>
           </a:p>
@@ -1746,7 +7911,7 @@
           <a:p>
             <a:fld id="{D653F323-25C2-EC45-8262-C12E80E71EC0}" type="datetimeFigureOut">
               <a:rPr lang="en-US" smtClean="0"/>
-              <a:t>2/19/2025</a:t>
+              <a:t>2/20/2025</a:t>
             </a:fld>
             <a:endParaRPr lang="en-US"/>
           </a:p>
@@ -1841,7 +8006,7 @@
           <a:p>
             <a:fld id="{D653F323-25C2-EC45-8262-C12E80E71EC0}" type="datetimeFigureOut">
               <a:rPr lang="en-US" smtClean="0"/>
-              <a:t>2/19/2025</a:t>
+              <a:t>2/20/2025</a:t>
             </a:fld>
             <a:endParaRPr lang="en-US"/>
           </a:p>
@@ -2118,7 +8283,7 @@
           <a:p>
             <a:fld id="{D653F323-25C2-EC45-8262-C12E80E71EC0}" type="datetimeFigureOut">
               <a:rPr lang="en-US" smtClean="0"/>
-              <a:t>2/19/2025</a:t>
+              <a:t>2/20/2025</a:t>
             </a:fld>
             <a:endParaRPr lang="en-US"/>
           </a:p>
@@ -2375,7 +8540,7 @@
           <a:p>
             <a:fld id="{D653F323-25C2-EC45-8262-C12E80E71EC0}" type="datetimeFigureOut">
               <a:rPr lang="en-US" smtClean="0"/>
-              <a:t>2/19/2025</a:t>
+              <a:t>2/20/2025</a:t>
             </a:fld>
             <a:endParaRPr lang="en-US"/>
           </a:p>
@@ -2588,7 +8753,7 @@
           <a:p>
             <a:fld id="{D653F323-25C2-EC45-8262-C12E80E71EC0}" type="datetimeFigureOut">
               <a:rPr lang="en-US" smtClean="0"/>
-              <a:t>2/19/2025</a:t>
+              <a:t>2/20/2025</a:t>
             </a:fld>
             <a:endParaRPr lang="en-US"/>
           </a:p>
@@ -3168,6 +9333,256 @@
         <p:cNvPr id="1" name="">
           <a:extLst>
             <a:ext uri="{FF2B5EF4-FFF2-40B4-BE49-F238E27FC236}">
+              <a16:creationId xmlns:a16="http://schemas.microsoft.com/office/drawing/2014/main" id="{BC186F1D-A50A-3AD8-1D29-6F6BFC47FC1B}"/>
+            </a:ext>
+          </a:extLst>
+        </p:cNvPr>
+        <p:cNvGrpSpPr/>
+        <p:nvPr/>
+      </p:nvGrpSpPr>
+      <p:grpSpPr>
+        <a:xfrm>
+          <a:off x="0" y="0"/>
+          <a:ext cx="0" cy="0"/>
+          <a:chOff x="0" y="0"/>
+          <a:chExt cx="0" cy="0"/>
+        </a:xfrm>
+      </p:grpSpPr>
+      <p:sp>
+        <p:nvSpPr>
+          <p:cNvPr id="4" name="Title 1">
+            <a:extLst>
+              <a:ext uri="{FF2B5EF4-FFF2-40B4-BE49-F238E27FC236}">
+                <a16:creationId xmlns:a16="http://schemas.microsoft.com/office/drawing/2014/main" id="{440643C5-97DF-5B80-60B8-E85953A48708}"/>
+              </a:ext>
+            </a:extLst>
+          </p:cNvPr>
+          <p:cNvSpPr>
+            <a:spLocks noGrp="1"/>
+          </p:cNvSpPr>
+          <p:nvPr>
+            <p:ph type="title"/>
+          </p:nvPr>
+        </p:nvSpPr>
+        <p:spPr>
+          <a:xfrm>
+            <a:off x="628650" y="789228"/>
+            <a:ext cx="7886700" cy="678114"/>
+          </a:xfrm>
+        </p:spPr>
+        <p:txBody>
+          <a:bodyPr anchor="t">
+            <a:normAutofit/>
+          </a:bodyPr>
+          <a:lstStyle/>
+          <a:p>
+            <a:r>
+              <a:rPr lang="en-US" sz="3600" b="1"/>
+              <a:t>Moving Forward</a:t>
+            </a:r>
+            <a:endParaRPr lang="en-US" sz="3600" b="1" dirty="0"/>
+          </a:p>
+        </p:txBody>
+      </p:sp>
+      <p:sp>
+        <p:nvSpPr>
+          <p:cNvPr id="2" name="Title 1">
+            <a:extLst>
+              <a:ext uri="{FF2B5EF4-FFF2-40B4-BE49-F238E27FC236}">
+                <a16:creationId xmlns:a16="http://schemas.microsoft.com/office/drawing/2014/main" id="{77EF64A6-A094-182D-2F2E-26EEBE9BEE3C}"/>
+              </a:ext>
+            </a:extLst>
+          </p:cNvPr>
+          <p:cNvSpPr txBox="1">
+            <a:spLocks/>
+          </p:cNvSpPr>
+          <p:nvPr/>
+        </p:nvSpPr>
+        <p:spPr>
+          <a:xfrm>
+            <a:off x="628650" y="1568142"/>
+            <a:ext cx="7886700" cy="3090258"/>
+          </a:xfrm>
+          <a:prstGeom prst="rect">
+            <a:avLst/>
+          </a:prstGeom>
+        </p:spPr>
+        <p:txBody>
+          <a:bodyPr vert="horz" lIns="91440" tIns="45720" rIns="91440" bIns="45720" rtlCol="0" anchor="t">
+            <a:normAutofit/>
+          </a:bodyPr>
+          <a:lstStyle>
+            <a:lvl1pPr algn="l" defTabSz="685800" rtl="0" eaLnBrk="1" latinLnBrk="0" hangingPunct="1">
+              <a:lnSpc>
+                <a:spcPct val="90000"/>
+              </a:lnSpc>
+              <a:spcBef>
+                <a:spcPct val="0"/>
+              </a:spcBef>
+              <a:buNone/>
+              <a:defRPr sz="4500" kern="1200">
+                <a:solidFill>
+                  <a:schemeClr val="tx1"/>
+                </a:solidFill>
+                <a:latin typeface="+mj-lt"/>
+                <a:ea typeface="+mj-ea"/>
+                <a:cs typeface="+mj-cs"/>
+              </a:defRPr>
+            </a:lvl1pPr>
+          </a:lstStyle>
+          <a:p>
+            <a:pPr marL="342900" indent="-342900">
+              <a:lnSpc>
+                <a:spcPct val="150000"/>
+              </a:lnSpc>
+              <a:buFont typeface="Arial" panose="020B0604020202020204" pitchFamily="34" charset="0"/>
+              <a:buChar char="•"/>
+            </a:pPr>
+            <a:r>
+              <a:rPr lang="en-US" sz="2400" dirty="0">
+                <a:latin typeface="Calibri Light" panose="020F0302020204030204" pitchFamily="34" charset="0"/>
+                <a:ea typeface="Calibri Light" panose="020F0302020204030204" pitchFamily="34" charset="0"/>
+                <a:cs typeface="Calibri Light" panose="020F0302020204030204" pitchFamily="34" charset="0"/>
+              </a:rPr>
+              <a:t>Scalability:</a:t>
+            </a:r>
+          </a:p>
+          <a:p>
+            <a:pPr marL="800100" lvl="1" indent="-342900">
+              <a:lnSpc>
+                <a:spcPct val="150000"/>
+              </a:lnSpc>
+              <a:buFont typeface="Arial" panose="020B0604020202020204" pitchFamily="34" charset="0"/>
+              <a:buChar char="•"/>
+            </a:pPr>
+            <a:r>
+              <a:rPr lang="en-US" sz="2000" dirty="0">
+                <a:latin typeface="Calibri Light" panose="020F0302020204030204" pitchFamily="34" charset="0"/>
+                <a:ea typeface="Calibri Light" panose="020F0302020204030204" pitchFamily="34" charset="0"/>
+                <a:cs typeface="Calibri Light" panose="020F0302020204030204" pitchFamily="34" charset="0"/>
+              </a:rPr>
+              <a:t>Differential privacy.</a:t>
+            </a:r>
+          </a:p>
+          <a:p>
+            <a:pPr marL="800100" lvl="1" indent="-342900">
+              <a:lnSpc>
+                <a:spcPct val="150000"/>
+              </a:lnSpc>
+              <a:buFont typeface="Arial" panose="020B0604020202020204" pitchFamily="34" charset="0"/>
+              <a:buChar char="•"/>
+            </a:pPr>
+            <a:r>
+              <a:rPr lang="en-US" sz="2000" dirty="0">
+                <a:latin typeface="Calibri Light" panose="020F0302020204030204" pitchFamily="34" charset="0"/>
+                <a:ea typeface="Calibri Light" panose="020F0302020204030204" pitchFamily="34" charset="0"/>
+                <a:cs typeface="Calibri Light" panose="020F0302020204030204" pitchFamily="34" charset="0"/>
+              </a:rPr>
+              <a:t>Random sampling.</a:t>
+            </a:r>
+          </a:p>
+          <a:p>
+            <a:pPr marL="342900" indent="-342900">
+              <a:lnSpc>
+                <a:spcPct val="150000"/>
+              </a:lnSpc>
+              <a:buFont typeface="Arial" panose="020B0604020202020204" pitchFamily="34" charset="0"/>
+              <a:buChar char="•"/>
+            </a:pPr>
+            <a:r>
+              <a:rPr lang="en-US" sz="2400" dirty="0">
+                <a:latin typeface="Calibri Light" panose="020F0302020204030204" pitchFamily="34" charset="0"/>
+                <a:ea typeface="Calibri Light" panose="020F0302020204030204" pitchFamily="34" charset="0"/>
+                <a:cs typeface="Calibri Light" panose="020F0302020204030204" pitchFamily="34" charset="0"/>
+              </a:rPr>
+              <a:t>Enhancement:</a:t>
+            </a:r>
+          </a:p>
+          <a:p>
+            <a:pPr marL="800100" lvl="1" indent="-342900">
+              <a:lnSpc>
+                <a:spcPct val="150000"/>
+              </a:lnSpc>
+              <a:buFont typeface="Arial" panose="020B0604020202020204" pitchFamily="34" charset="0"/>
+              <a:buChar char="•"/>
+            </a:pPr>
+            <a:r>
+              <a:rPr lang="en-US" sz="2000" dirty="0">
+                <a:latin typeface="Calibri Light" panose="020F0302020204030204" pitchFamily="34" charset="0"/>
+                <a:ea typeface="Calibri Light" panose="020F0302020204030204" pitchFamily="34" charset="0"/>
+                <a:cs typeface="Calibri Light" panose="020F0302020204030204" pitchFamily="34" charset="0"/>
+              </a:rPr>
+              <a:t>Aesthetic/usability improvements.</a:t>
+            </a:r>
+          </a:p>
+          <a:p>
+            <a:pPr marL="800100" lvl="1" indent="-342900">
+              <a:lnSpc>
+                <a:spcPct val="150000"/>
+              </a:lnSpc>
+              <a:buFont typeface="Arial" panose="020B0604020202020204" pitchFamily="34" charset="0"/>
+              <a:buChar char="•"/>
+            </a:pPr>
+            <a:r>
+              <a:rPr lang="en-US" sz="2000" dirty="0">
+                <a:latin typeface="Calibri Light" panose="020F0302020204030204" pitchFamily="34" charset="0"/>
+                <a:ea typeface="Calibri Light" panose="020F0302020204030204" pitchFamily="34" charset="0"/>
+                <a:cs typeface="Calibri Light" panose="020F0302020204030204" pitchFamily="34" charset="0"/>
+              </a:rPr>
+              <a:t>Machine Learning implementation.</a:t>
+            </a:r>
+          </a:p>
+          <a:p>
+            <a:pPr marL="342900" indent="-342900">
+              <a:lnSpc>
+                <a:spcPct val="150000"/>
+              </a:lnSpc>
+              <a:buFont typeface="Arial" panose="020B0604020202020204" pitchFamily="34" charset="0"/>
+              <a:buChar char="•"/>
+            </a:pPr>
+            <a:endParaRPr lang="en-US" sz="2400" dirty="0">
+              <a:latin typeface="Calibri Light" panose="020F0302020204030204" pitchFamily="34" charset="0"/>
+              <a:ea typeface="Calibri Light" panose="020F0302020204030204" pitchFamily="34" charset="0"/>
+              <a:cs typeface="Calibri Light" panose="020F0302020204030204" pitchFamily="34" charset="0"/>
+            </a:endParaRPr>
+          </a:p>
+          <a:p>
+            <a:pPr marL="800100" lvl="1" indent="-342900">
+              <a:lnSpc>
+                <a:spcPct val="150000"/>
+              </a:lnSpc>
+              <a:buFont typeface="Arial" panose="020B0604020202020204" pitchFamily="34" charset="0"/>
+              <a:buChar char="•"/>
+            </a:pPr>
+            <a:endParaRPr lang="en-US" sz="2400" dirty="0">
+              <a:latin typeface="Calibri Light" panose="020F0302020204030204" pitchFamily="34" charset="0"/>
+              <a:ea typeface="Calibri Light" panose="020F0302020204030204" pitchFamily="34" charset="0"/>
+              <a:cs typeface="Calibri Light" panose="020F0302020204030204" pitchFamily="34" charset="0"/>
+            </a:endParaRPr>
+          </a:p>
+        </p:txBody>
+      </p:sp>
+    </p:spTree>
+    <p:extLst>
+      <p:ext uri="{BB962C8B-B14F-4D97-AF65-F5344CB8AC3E}">
+        <p14:creationId xmlns:p14="http://schemas.microsoft.com/office/powerpoint/2010/main" val="4104135966"/>
+      </p:ext>
+    </p:extLst>
+  </p:cSld>
+  <p:clrMapOvr>
+    <a:masterClrMapping/>
+  </p:clrMapOvr>
+</p:sld>
+</file>
+
+<file path=ppt/slides/slide11.xml><?xml version="1.0" encoding="utf-8"?>
+<p:sld xmlns:a="http://schemas.openxmlformats.org/drawingml/2006/main" xmlns:r="http://schemas.openxmlformats.org/officeDocument/2006/relationships" xmlns:p="http://schemas.openxmlformats.org/presentationml/2006/main">
+  <p:cSld>
+    <p:spTree>
+      <p:nvGrpSpPr>
+        <p:cNvPr id="1" name="">
+          <a:extLst>
+            <a:ext uri="{FF2B5EF4-FFF2-40B4-BE49-F238E27FC236}">
               <a16:creationId xmlns:a16="http://schemas.microsoft.com/office/drawing/2014/main" id="{3D1212D8-A40D-40ED-3CB3-60909E7B32A8}"/>
             </a:ext>
           </a:extLst>
@@ -3213,7 +9628,7 @@
           <a:p>
             <a:r>
               <a:rPr lang="en-US" sz="4000" b="1" dirty="0"/>
-              <a:t>Thank you for your consideration.</a:t>
+              <a:t>Thank you for your consideration!</a:t>
             </a:r>
           </a:p>
         </p:txBody>
@@ -3266,156 +9681,51 @@
         </p:nvSpPr>
         <p:spPr>
           <a:xfrm>
-            <a:off x="628650" y="789228"/>
-            <a:ext cx="7886700" cy="678114"/>
+            <a:off x="628650" y="504885"/>
+            <a:ext cx="7886700" cy="864334"/>
           </a:xfrm>
         </p:spPr>
         <p:txBody>
-          <a:bodyPr anchor="t">
+          <a:bodyPr vert="horz" lIns="91440" tIns="45720" rIns="91440" bIns="45720" rtlCol="0" anchor="ctr">
             <a:normAutofit/>
           </a:bodyPr>
           <a:lstStyle/>
           <a:p>
             <a:r>
-              <a:rPr lang="en-US" sz="3600" b="1" dirty="0"/>
+              <a:rPr lang="en-US" b="1" kern="1200" dirty="0"/>
               <a:t>Overview</a:t>
             </a:r>
           </a:p>
         </p:txBody>
       </p:sp>
-      <p:sp>
-        <p:nvSpPr>
-          <p:cNvPr id="6" name="Title 1">
+      <p:graphicFrame>
+        <p:nvGraphicFramePr>
+          <p:cNvPr id="8" name="Title 1">
             <a:extLst>
               <a:ext uri="{FF2B5EF4-FFF2-40B4-BE49-F238E27FC236}">
-                <a16:creationId xmlns:a16="http://schemas.microsoft.com/office/drawing/2014/main" id="{E2215EBF-19E0-0FDD-55C7-F2E5D8F1A14D}"/>
+                <a16:creationId xmlns:a16="http://schemas.microsoft.com/office/drawing/2014/main" id="{1155620D-A2E4-965D-DD93-CF076267A986}"/>
               </a:ext>
             </a:extLst>
           </p:cNvPr>
-          <p:cNvSpPr txBox="1">
-            <a:spLocks/>
-          </p:cNvSpPr>
-          <p:nvPr/>
-        </p:nvSpPr>
-        <p:spPr>
-          <a:xfrm>
-            <a:off x="628650" y="1568142"/>
-            <a:ext cx="7886700" cy="3090258"/>
-          </a:xfrm>
-          <a:prstGeom prst="rect">
-            <a:avLst/>
-          </a:prstGeom>
-        </p:spPr>
-        <p:txBody>
-          <a:bodyPr vert="horz" lIns="91440" tIns="45720" rIns="91440" bIns="45720" rtlCol="0" anchor="t">
-            <a:normAutofit/>
-          </a:bodyPr>
-          <a:lstStyle>
-            <a:lvl1pPr algn="l" defTabSz="685800" rtl="0" eaLnBrk="1" latinLnBrk="0" hangingPunct="1">
-              <a:lnSpc>
-                <a:spcPct val="90000"/>
-              </a:lnSpc>
-              <a:spcBef>
-                <a:spcPct val="0"/>
-              </a:spcBef>
-              <a:buNone/>
-              <a:defRPr sz="4500" kern="1200">
-                <a:solidFill>
-                  <a:schemeClr val="tx1"/>
-                </a:solidFill>
-                <a:latin typeface="+mj-lt"/>
-                <a:ea typeface="+mj-ea"/>
-                <a:cs typeface="+mj-cs"/>
-              </a:defRPr>
-            </a:lvl1pPr>
-          </a:lstStyle>
-          <a:p>
-            <a:pPr marL="342900" indent="-342900">
-              <a:lnSpc>
-                <a:spcPct val="150000"/>
-              </a:lnSpc>
-              <a:buFont typeface="Arial" panose="020B0604020202020204" pitchFamily="34" charset="0"/>
-              <a:buChar char="•"/>
-            </a:pPr>
-            <a:r>
-              <a:rPr lang="en-US" sz="2400" dirty="0">
-                <a:latin typeface="Calibri Light" panose="020F0302020204030204" pitchFamily="34" charset="0"/>
-                <a:ea typeface="Calibri Light" panose="020F0302020204030204" pitchFamily="34" charset="0"/>
-                <a:cs typeface="Calibri Light" panose="020F0302020204030204" pitchFamily="34" charset="0"/>
-              </a:rPr>
-              <a:t>Data Refinement</a:t>
-            </a:r>
-          </a:p>
-          <a:p>
-            <a:pPr marL="342900" indent="-342900">
-              <a:lnSpc>
-                <a:spcPct val="150000"/>
-              </a:lnSpc>
-              <a:buFont typeface="Arial" panose="020B0604020202020204" pitchFamily="34" charset="0"/>
-              <a:buChar char="•"/>
-            </a:pPr>
-            <a:r>
-              <a:rPr lang="en-US" sz="2400" dirty="0">
-                <a:latin typeface="Calibri Light" panose="020F0302020204030204" pitchFamily="34" charset="0"/>
-                <a:ea typeface="Calibri Light" panose="020F0302020204030204" pitchFamily="34" charset="0"/>
-                <a:cs typeface="Calibri Light" panose="020F0302020204030204" pitchFamily="34" charset="0"/>
-              </a:rPr>
-              <a:t>Application Development</a:t>
-            </a:r>
-          </a:p>
-          <a:p>
-            <a:pPr marL="342900" indent="-342900">
-              <a:lnSpc>
-                <a:spcPct val="150000"/>
-              </a:lnSpc>
-              <a:buFont typeface="Arial" panose="020B0604020202020204" pitchFamily="34" charset="0"/>
-              <a:buChar char="•"/>
-            </a:pPr>
-            <a:r>
-              <a:rPr lang="en-US" sz="2400" dirty="0">
-                <a:latin typeface="Calibri Light" panose="020F0302020204030204" pitchFamily="34" charset="0"/>
-                <a:ea typeface="Calibri Light" panose="020F0302020204030204" pitchFamily="34" charset="0"/>
-                <a:cs typeface="Calibri Light" panose="020F0302020204030204" pitchFamily="34" charset="0"/>
-              </a:rPr>
-              <a:t>Demonstration</a:t>
-            </a:r>
-          </a:p>
-          <a:p>
-            <a:pPr marL="342900" indent="-342900">
-              <a:lnSpc>
-                <a:spcPct val="150000"/>
-              </a:lnSpc>
-              <a:buFont typeface="Arial" panose="020B0604020202020204" pitchFamily="34" charset="0"/>
-              <a:buChar char="•"/>
-            </a:pPr>
-            <a:r>
-              <a:rPr lang="en-US" sz="2400" dirty="0">
-                <a:latin typeface="Calibri Light" panose="020F0302020204030204" pitchFamily="34" charset="0"/>
-                <a:ea typeface="Calibri Light" panose="020F0302020204030204" pitchFamily="34" charset="0"/>
-                <a:cs typeface="Calibri Light" panose="020F0302020204030204" pitchFamily="34" charset="0"/>
-              </a:rPr>
-              <a:t>Key Insights</a:t>
-            </a:r>
-          </a:p>
-          <a:p>
-            <a:pPr marL="342900" indent="-342900">
-              <a:lnSpc>
-                <a:spcPct val="150000"/>
-              </a:lnSpc>
-              <a:buFont typeface="Arial" panose="020B0604020202020204" pitchFamily="34" charset="0"/>
-              <a:buChar char="•"/>
-            </a:pPr>
-            <a:r>
-              <a:rPr lang="en-US" sz="2400" dirty="0">
-                <a:latin typeface="Calibri Light" panose="020F0302020204030204" pitchFamily="34" charset="0"/>
-                <a:ea typeface="Calibri Light" panose="020F0302020204030204" pitchFamily="34" charset="0"/>
-                <a:cs typeface="Calibri Light" panose="020F0302020204030204" pitchFamily="34" charset="0"/>
-              </a:rPr>
-              <a:t>Moving Forward</a:t>
-            </a:r>
-          </a:p>
-        </p:txBody>
-      </p:sp>
+          <p:cNvGraphicFramePr/>
+          <p:nvPr>
+            <p:extLst>
+              <p:ext uri="{D42A27DB-BD31-4B8C-83A1-F6EECF244321}">
+                <p14:modId xmlns:p14="http://schemas.microsoft.com/office/powerpoint/2010/main" val="3452738921"/>
+              </p:ext>
+            </p:extLst>
+          </p:nvPr>
+        </p:nvGraphicFramePr>
+        <p:xfrm>
+          <a:off x="628650" y="1369219"/>
+          <a:ext cx="7886700" cy="3263504"/>
+        </p:xfrm>
+        <a:graphic>
+          <a:graphicData uri="http://schemas.openxmlformats.org/drawingml/2006/diagram">
+            <dgm:relIds xmlns:dgm="http://schemas.openxmlformats.org/drawingml/2006/diagram" xmlns:r="http://schemas.openxmlformats.org/officeDocument/2006/relationships" r:dm="rId2" r:lo="rId3" r:qs="rId4" r:cs="rId5"/>
+          </a:graphicData>
+        </a:graphic>
+      </p:graphicFrame>
     </p:spTree>
     <p:extLst>
       <p:ext uri="{BB962C8B-B14F-4D97-AF65-F5344CB8AC3E}">
@@ -3452,47 +9762,40 @@
           <a:chExt cx="0" cy="0"/>
         </a:xfrm>
       </p:grpSpPr>
-      <p:sp>
-        <p:nvSpPr>
-          <p:cNvPr id="4" name="Title 1">
+      <p:graphicFrame>
+        <p:nvGraphicFramePr>
+          <p:cNvPr id="6" name="Title 1">
             <a:extLst>
               <a:ext uri="{FF2B5EF4-FFF2-40B4-BE49-F238E27FC236}">
-                <a16:creationId xmlns:a16="http://schemas.microsoft.com/office/drawing/2014/main" id="{0A072920-CB9E-A31A-33EB-21C32AA5C5FF}"/>
+                <a16:creationId xmlns:a16="http://schemas.microsoft.com/office/drawing/2014/main" id="{D598F0D7-05D1-2C87-8647-03EE67EC6A3B}"/>
               </a:ext>
             </a:extLst>
           </p:cNvPr>
-          <p:cNvSpPr>
-            <a:spLocks noGrp="1"/>
-          </p:cNvSpPr>
+          <p:cNvGraphicFramePr/>
           <p:nvPr>
-            <p:ph type="title"/>
+            <p:extLst>
+              <p:ext uri="{D42A27DB-BD31-4B8C-83A1-F6EECF244321}">
+                <p14:modId xmlns:p14="http://schemas.microsoft.com/office/powerpoint/2010/main" val="716732639"/>
+              </p:ext>
+            </p:extLst>
           </p:nvPr>
-        </p:nvSpPr>
-        <p:spPr>
-          <a:xfrm>
-            <a:off x="628650" y="789228"/>
-            <a:ext cx="7886700" cy="678114"/>
-          </a:xfrm>
-        </p:spPr>
-        <p:txBody>
-          <a:bodyPr anchor="t">
-            <a:normAutofit/>
-          </a:bodyPr>
-          <a:lstStyle/>
-          <a:p>
-            <a:r>
-              <a:rPr lang="en-US" sz="3600" b="1" dirty="0"/>
-              <a:t>Data Refinement</a:t>
-            </a:r>
-          </a:p>
-        </p:txBody>
-      </p:sp>
+        </p:nvGraphicFramePr>
+        <p:xfrm>
+          <a:off x="628650" y="1557579"/>
+          <a:ext cx="7886700" cy="3075143"/>
+        </p:xfrm>
+        <a:graphic>
+          <a:graphicData uri="http://schemas.openxmlformats.org/drawingml/2006/diagram">
+            <dgm:relIds xmlns:dgm="http://schemas.openxmlformats.org/drawingml/2006/diagram" xmlns:r="http://schemas.openxmlformats.org/officeDocument/2006/relationships" r:dm="rId2" r:lo="rId3" r:qs="rId4" r:cs="rId5"/>
+          </a:graphicData>
+        </a:graphic>
+      </p:graphicFrame>
       <p:sp>
         <p:nvSpPr>
-          <p:cNvPr id="2" name="Title 1">
+          <p:cNvPr id="7" name="Title 1">
             <a:extLst>
               <a:ext uri="{FF2B5EF4-FFF2-40B4-BE49-F238E27FC236}">
-                <a16:creationId xmlns:a16="http://schemas.microsoft.com/office/drawing/2014/main" id="{30BF0A44-4B3B-A860-8C83-2A819859366E}"/>
+                <a16:creationId xmlns:a16="http://schemas.microsoft.com/office/drawing/2014/main" id="{CDF608FF-2A81-2AED-8D6D-5B8293983D1A}"/>
               </a:ext>
             </a:extLst>
           </p:cNvPr>
@@ -3503,15 +9806,15 @@
         </p:nvSpPr>
         <p:spPr>
           <a:xfrm>
-            <a:off x="628650" y="1568142"/>
-            <a:ext cx="7886700" cy="3090258"/>
+            <a:off x="628650" y="504885"/>
+            <a:ext cx="7886700" cy="864334"/>
           </a:xfrm>
           <a:prstGeom prst="rect">
             <a:avLst/>
           </a:prstGeom>
         </p:spPr>
         <p:txBody>
-          <a:bodyPr vert="horz" lIns="91440" tIns="45720" rIns="91440" bIns="45720" rtlCol="0" anchor="t">
+          <a:bodyPr vert="horz" lIns="91440" tIns="45720" rIns="91440" bIns="45720" rtlCol="0" anchor="ctr">
             <a:normAutofit/>
           </a:bodyPr>
           <a:lstStyle>
@@ -3523,7 +9826,7 @@
                 <a:spcPct val="0"/>
               </a:spcBef>
               <a:buNone/>
-              <a:defRPr sz="4500" kern="1200">
+              <a:defRPr sz="3300" kern="1200">
                 <a:solidFill>
                   <a:schemeClr val="tx1"/>
                 </a:solidFill>
@@ -3534,66 +9837,10 @@
             </a:lvl1pPr>
           </a:lstStyle>
           <a:p>
-            <a:pPr marL="342900" indent="-342900">
-              <a:lnSpc>
-                <a:spcPct val="150000"/>
-              </a:lnSpc>
-              <a:buFont typeface="Arial" panose="020B0604020202020204" pitchFamily="34" charset="0"/>
-              <a:buChar char="•"/>
-            </a:pPr>
             <a:r>
-              <a:rPr lang="en-US" sz="2400" dirty="0">
-                <a:latin typeface="Calibri Light" panose="020F0302020204030204" pitchFamily="34" charset="0"/>
-                <a:ea typeface="Calibri Light" panose="020F0302020204030204" pitchFamily="34" charset="0"/>
-                <a:cs typeface="Calibri Light" panose="020F0302020204030204" pitchFamily="34" charset="0"/>
-              </a:rPr>
-              <a:t>Accounted for ordinality.</a:t>
+              <a:rPr lang="en-US" b="1" dirty="0"/>
+              <a:t>Data Refinement</a:t>
             </a:r>
-          </a:p>
-          <a:p>
-            <a:pPr marL="342900" indent="-342900">
-              <a:lnSpc>
-                <a:spcPct val="150000"/>
-              </a:lnSpc>
-              <a:buFont typeface="Arial" panose="020B0604020202020204" pitchFamily="34" charset="0"/>
-              <a:buChar char="•"/>
-            </a:pPr>
-            <a:r>
-              <a:rPr lang="en-US" sz="2400" dirty="0">
-                <a:latin typeface="Calibri Light" panose="020F0302020204030204" pitchFamily="34" charset="0"/>
-                <a:ea typeface="Calibri Light" panose="020F0302020204030204" pitchFamily="34" charset="0"/>
-                <a:cs typeface="Calibri Light" panose="020F0302020204030204" pitchFamily="34" charset="0"/>
-              </a:rPr>
-              <a:t>Joined on IDX.</a:t>
-            </a:r>
-          </a:p>
-          <a:p>
-            <a:pPr marL="342900" indent="-342900">
-              <a:lnSpc>
-                <a:spcPct val="150000"/>
-              </a:lnSpc>
-              <a:buFont typeface="Arial" panose="020B0604020202020204" pitchFamily="34" charset="0"/>
-              <a:buChar char="•"/>
-            </a:pPr>
-            <a:endParaRPr lang="en-US" sz="2400" dirty="0">
-              <a:latin typeface="Calibri Light" panose="020F0302020204030204" pitchFamily="34" charset="0"/>
-              <a:ea typeface="Calibri Light" panose="020F0302020204030204" pitchFamily="34" charset="0"/>
-              <a:cs typeface="Calibri Light" panose="020F0302020204030204" pitchFamily="34" charset="0"/>
-            </a:endParaRPr>
-          </a:p>
-          <a:p>
-            <a:pPr marL="800100" lvl="1" indent="-342900">
-              <a:lnSpc>
-                <a:spcPct val="150000"/>
-              </a:lnSpc>
-              <a:buFont typeface="Arial" panose="020B0604020202020204" pitchFamily="34" charset="0"/>
-              <a:buChar char="•"/>
-            </a:pPr>
-            <a:endParaRPr lang="en-US" sz="2400" dirty="0">
-              <a:latin typeface="Calibri Light" panose="020F0302020204030204" pitchFamily="34" charset="0"/>
-              <a:ea typeface="Calibri Light" panose="020F0302020204030204" pitchFamily="34" charset="0"/>
-              <a:cs typeface="Calibri Light" panose="020F0302020204030204" pitchFamily="34" charset="0"/>
-            </a:endParaRPr>
           </a:p>
         </p:txBody>
       </p:sp>
@@ -3822,7 +10069,7 @@
         <p:spPr>
           <a:xfrm>
             <a:off x="628650" y="1568506"/>
-            <a:ext cx="7886700" cy="3090258"/>
+            <a:ext cx="5237457" cy="3090258"/>
           </a:xfrm>
           <a:prstGeom prst="rect">
             <a:avLst/>
@@ -3860,7 +10107,7 @@
               <a:buChar char="•"/>
             </a:pPr>
             <a:r>
-              <a:rPr lang="en-US" sz="2400" dirty="0">
+              <a:rPr lang="en-US" sz="2000" dirty="0">
                 <a:latin typeface="Calibri Light" panose="020F0302020204030204" pitchFamily="34" charset="0"/>
                 <a:ea typeface="Calibri Light" panose="020F0302020204030204" pitchFamily="34" charset="0"/>
                 <a:cs typeface="Calibri Light" panose="020F0302020204030204" pitchFamily="34" charset="0"/>
@@ -3870,6 +10117,54 @@
           </a:p>
           <a:p>
             <a:pPr marL="800100" lvl="1" indent="-342900">
+              <a:lnSpc>
+                <a:spcPct val="150000"/>
+              </a:lnSpc>
+              <a:buFont typeface="Arial" panose="020B0604020202020204" pitchFamily="34" charset="0"/>
+              <a:buChar char="•"/>
+            </a:pPr>
+            <a:r>
+              <a:rPr lang="en-US" dirty="0">
+                <a:latin typeface="Calibri Light" panose="020F0302020204030204" pitchFamily="34" charset="0"/>
+                <a:ea typeface="Calibri Light" panose="020F0302020204030204" pitchFamily="34" charset="0"/>
+                <a:cs typeface="Calibri Light" panose="020F0302020204030204" pitchFamily="34" charset="0"/>
+              </a:rPr>
+              <a:t>Easily deployable.</a:t>
+            </a:r>
+          </a:p>
+          <a:p>
+            <a:pPr marL="800100" lvl="1" indent="-342900">
+              <a:lnSpc>
+                <a:spcPct val="150000"/>
+              </a:lnSpc>
+              <a:buFont typeface="Arial" panose="020B0604020202020204" pitchFamily="34" charset="0"/>
+              <a:buChar char="•"/>
+            </a:pPr>
+            <a:r>
+              <a:rPr lang="en-US" dirty="0">
+                <a:latin typeface="Calibri Light" panose="020F0302020204030204" pitchFamily="34" charset="0"/>
+                <a:ea typeface="Calibri Light" panose="020F0302020204030204" pitchFamily="34" charset="0"/>
+                <a:cs typeface="Calibri Light" panose="020F0302020204030204" pitchFamily="34" charset="0"/>
+              </a:rPr>
+              <a:t>Seamless integration with CSS and JavaScript.</a:t>
+            </a:r>
+          </a:p>
+          <a:p>
+            <a:pPr marL="800100" lvl="1" indent="-342900">
+              <a:lnSpc>
+                <a:spcPct val="150000"/>
+              </a:lnSpc>
+              <a:buFont typeface="Arial" panose="020B0604020202020204" pitchFamily="34" charset="0"/>
+              <a:buChar char="•"/>
+            </a:pPr>
+            <a:endParaRPr lang="en-US" sz="100" dirty="0">
+              <a:latin typeface="Calibri Light" panose="020F0302020204030204" pitchFamily="34" charset="0"/>
+              <a:ea typeface="Calibri Light" panose="020F0302020204030204" pitchFamily="34" charset="0"/>
+              <a:cs typeface="Calibri Light" panose="020F0302020204030204" pitchFamily="34" charset="0"/>
+            </a:endParaRPr>
+          </a:p>
+          <a:p>
+            <a:pPr marL="342900" indent="-342900">
               <a:lnSpc>
                 <a:spcPct val="150000"/>
               </a:lnSpc>
@@ -3882,11 +10177,11 @@
                 <a:ea typeface="Calibri Light" panose="020F0302020204030204" pitchFamily="34" charset="0"/>
                 <a:cs typeface="Calibri Light" panose="020F0302020204030204" pitchFamily="34" charset="0"/>
               </a:rPr>
-              <a:t>Easily deployable</a:t>
+              <a:t>Tab-based, point-and-click UI.</a:t>
             </a:r>
           </a:p>
           <a:p>
-            <a:pPr marL="800100" lvl="1" indent="-342900">
+            <a:pPr marL="342900" indent="-342900">
               <a:lnSpc>
                 <a:spcPct val="150000"/>
               </a:lnSpc>
@@ -3899,54 +10194,6 @@
                 <a:ea typeface="Calibri Light" panose="020F0302020204030204" pitchFamily="34" charset="0"/>
                 <a:cs typeface="Calibri Light" panose="020F0302020204030204" pitchFamily="34" charset="0"/>
               </a:rPr>
-              <a:t>Seamless integration with CSS and JavaScript</a:t>
-            </a:r>
-          </a:p>
-          <a:p>
-            <a:pPr marL="800100" lvl="1" indent="-342900">
-              <a:lnSpc>
-                <a:spcPct val="150000"/>
-              </a:lnSpc>
-              <a:buFont typeface="Arial" panose="020B0604020202020204" pitchFamily="34" charset="0"/>
-              <a:buChar char="•"/>
-            </a:pPr>
-            <a:endParaRPr lang="en-US" sz="100" dirty="0">
-              <a:latin typeface="Calibri Light" panose="020F0302020204030204" pitchFamily="34" charset="0"/>
-              <a:ea typeface="Calibri Light" panose="020F0302020204030204" pitchFamily="34" charset="0"/>
-              <a:cs typeface="Calibri Light" panose="020F0302020204030204" pitchFamily="34" charset="0"/>
-            </a:endParaRPr>
-          </a:p>
-          <a:p>
-            <a:pPr marL="342900" indent="-342900">
-              <a:lnSpc>
-                <a:spcPct val="150000"/>
-              </a:lnSpc>
-              <a:buFont typeface="Arial" panose="020B0604020202020204" pitchFamily="34" charset="0"/>
-              <a:buChar char="•"/>
-            </a:pPr>
-            <a:r>
-              <a:rPr lang="en-US" sz="2400" dirty="0">
-                <a:latin typeface="Calibri Light" panose="020F0302020204030204" pitchFamily="34" charset="0"/>
-                <a:ea typeface="Calibri Light" panose="020F0302020204030204" pitchFamily="34" charset="0"/>
-                <a:cs typeface="Calibri Light" panose="020F0302020204030204" pitchFamily="34" charset="0"/>
-              </a:rPr>
-              <a:t>Tab-based, point-and-click UI</a:t>
-            </a:r>
-          </a:p>
-          <a:p>
-            <a:pPr marL="342900" indent="-342900">
-              <a:lnSpc>
-                <a:spcPct val="150000"/>
-              </a:lnSpc>
-              <a:buFont typeface="Arial" panose="020B0604020202020204" pitchFamily="34" charset="0"/>
-              <a:buChar char="•"/>
-            </a:pPr>
-            <a:r>
-              <a:rPr lang="en-US" sz="2400" dirty="0">
-                <a:latin typeface="Calibri Light" panose="020F0302020204030204" pitchFamily="34" charset="0"/>
-                <a:ea typeface="Calibri Light" panose="020F0302020204030204" pitchFamily="34" charset="0"/>
-                <a:cs typeface="Calibri Light" panose="020F0302020204030204" pitchFamily="34" charset="0"/>
-              </a:rPr>
               <a:t>Visualization packages:</a:t>
             </a:r>
           </a:p>
@@ -3959,7 +10206,7 @@
               <a:buChar char="•"/>
             </a:pPr>
             <a:r>
-              <a:rPr lang="en-US" sz="2000" dirty="0">
+              <a:rPr lang="en-US" dirty="0">
                 <a:latin typeface="Calibri Light" panose="020F0302020204030204" pitchFamily="34" charset="0"/>
                 <a:ea typeface="Calibri Light" panose="020F0302020204030204" pitchFamily="34" charset="0"/>
                 <a:cs typeface="Calibri Light" panose="020F0302020204030204" pitchFamily="34" charset="0"/>
@@ -4194,7 +10441,7 @@
         <p:spPr>
           <a:xfrm>
             <a:off x="628650" y="1568506"/>
-            <a:ext cx="7886700" cy="3090258"/>
+            <a:ext cx="4997235" cy="3090258"/>
           </a:xfrm>
           <a:prstGeom prst="rect">
             <a:avLst/>
@@ -4202,7 +10449,7 @@
         </p:spPr>
         <p:txBody>
           <a:bodyPr vert="horz" lIns="91440" tIns="45720" rIns="91440" bIns="45720" rtlCol="0" anchor="t">
-            <a:normAutofit lnSpcReduction="10000"/>
+            <a:normAutofit/>
           </a:bodyPr>
           <a:lstStyle>
             <a:lvl1pPr algn="l" defTabSz="685800" rtl="0" eaLnBrk="1" latinLnBrk="0" hangingPunct="1">
@@ -4232,7 +10479,7 @@
               <a:buChar char="•"/>
             </a:pPr>
             <a:r>
-              <a:rPr lang="en-US" sz="2400" dirty="0">
+              <a:rPr lang="en-US" sz="2000" dirty="0">
                 <a:latin typeface="Calibri Light" panose="020F0302020204030204" pitchFamily="34" charset="0"/>
                 <a:ea typeface="Calibri Light" panose="020F0302020204030204" pitchFamily="34" charset="0"/>
                 <a:cs typeface="Calibri Light" panose="020F0302020204030204" pitchFamily="34" charset="0"/>
@@ -4242,6 +10489,40 @@
           </a:p>
           <a:p>
             <a:pPr marL="800100" lvl="1" indent="-342900">
+              <a:lnSpc>
+                <a:spcPct val="150000"/>
+              </a:lnSpc>
+              <a:buFont typeface="Arial" panose="020B0604020202020204" pitchFamily="34" charset="0"/>
+              <a:buChar char="•"/>
+            </a:pPr>
+            <a:r>
+              <a:rPr lang="en-US" dirty="0">
+                <a:latin typeface="Calibri Light" panose="020F0302020204030204" pitchFamily="34" charset="0"/>
+                <a:ea typeface="Calibri Light" panose="020F0302020204030204" pitchFamily="34" charset="0"/>
+                <a:cs typeface="Calibri Light" panose="020F0302020204030204" pitchFamily="34" charset="0"/>
+              </a:rPr>
+              <a:t>Sociality, Wellness, Success, and Grit.</a:t>
+            </a:r>
+          </a:p>
+          <a:p>
+            <a:pPr marL="800100" lvl="1" indent="-342900">
+              <a:lnSpc>
+                <a:spcPct val="150000"/>
+              </a:lnSpc>
+              <a:buFont typeface="Arial" panose="020B0604020202020204" pitchFamily="34" charset="0"/>
+              <a:buChar char="•"/>
+            </a:pPr>
+            <a:r>
+              <a:rPr lang="en-US" dirty="0">
+                <a:latin typeface="Calibri Light" panose="020F0302020204030204" pitchFamily="34" charset="0"/>
+                <a:ea typeface="Calibri Light" panose="020F0302020204030204" pitchFamily="34" charset="0"/>
+                <a:cs typeface="Calibri Light" panose="020F0302020204030204" pitchFamily="34" charset="0"/>
+              </a:rPr>
+              <a:t>Provides a more easily digestible narrative.</a:t>
+            </a:r>
+          </a:p>
+          <a:p>
+            <a:pPr marL="342900" indent="-342900">
               <a:lnSpc>
                 <a:spcPct val="150000"/>
               </a:lnSpc>
@@ -4254,11 +10535,11 @@
                 <a:ea typeface="Calibri Light" panose="020F0302020204030204" pitchFamily="34" charset="0"/>
                 <a:cs typeface="Calibri Light" panose="020F0302020204030204" pitchFamily="34" charset="0"/>
               </a:rPr>
-              <a:t>Sociality, Wellness, Success, and Grit.</a:t>
+              <a:t>Filtering by demographic.</a:t>
             </a:r>
           </a:p>
           <a:p>
-            <a:pPr marL="800100" lvl="1" indent="-342900">
+            <a:pPr marL="342900" indent="-342900">
               <a:lnSpc>
                 <a:spcPct val="150000"/>
               </a:lnSpc>
@@ -4271,40 +10552,6 @@
                 <a:ea typeface="Calibri Light" panose="020F0302020204030204" pitchFamily="34" charset="0"/>
                 <a:cs typeface="Calibri Light" panose="020F0302020204030204" pitchFamily="34" charset="0"/>
               </a:rPr>
-              <a:t>Provides a more easily digestible narrative.</a:t>
-            </a:r>
-          </a:p>
-          <a:p>
-            <a:pPr marL="342900" indent="-342900">
-              <a:lnSpc>
-                <a:spcPct val="150000"/>
-              </a:lnSpc>
-              <a:buFont typeface="Arial" panose="020B0604020202020204" pitchFamily="34" charset="0"/>
-              <a:buChar char="•"/>
-            </a:pPr>
-            <a:r>
-              <a:rPr lang="en-US" sz="2400" dirty="0">
-                <a:latin typeface="Calibri Light" panose="020F0302020204030204" pitchFamily="34" charset="0"/>
-                <a:ea typeface="Calibri Light" panose="020F0302020204030204" pitchFamily="34" charset="0"/>
-                <a:cs typeface="Calibri Light" panose="020F0302020204030204" pitchFamily="34" charset="0"/>
-              </a:rPr>
-              <a:t>Filtering by demographic.</a:t>
-            </a:r>
-          </a:p>
-          <a:p>
-            <a:pPr marL="342900" indent="-342900">
-              <a:lnSpc>
-                <a:spcPct val="150000"/>
-              </a:lnSpc>
-              <a:buFont typeface="Arial" panose="020B0604020202020204" pitchFamily="34" charset="0"/>
-              <a:buChar char="•"/>
-            </a:pPr>
-            <a:r>
-              <a:rPr lang="en-US" sz="2400" dirty="0">
-                <a:latin typeface="Calibri Light" panose="020F0302020204030204" pitchFamily="34" charset="0"/>
-                <a:ea typeface="Calibri Light" panose="020F0302020204030204" pitchFamily="34" charset="0"/>
-                <a:cs typeface="Calibri Light" panose="020F0302020204030204" pitchFamily="34" charset="0"/>
-              </a:rPr>
               <a:t>Statistical testing:</a:t>
             </a:r>
           </a:p>
@@ -4317,27 +10564,13 @@
               <a:buChar char="•"/>
             </a:pPr>
             <a:r>
-              <a:rPr lang="en-US" sz="2000" dirty="0">
+              <a:rPr lang="en-US" dirty="0">
                 <a:latin typeface="Calibri Light" panose="020F0302020204030204" pitchFamily="34" charset="0"/>
                 <a:ea typeface="Calibri Light" panose="020F0302020204030204" pitchFamily="34" charset="0"/>
                 <a:cs typeface="Calibri Light" panose="020F0302020204030204" pitchFamily="34" charset="0"/>
               </a:rPr>
-              <a:t>Significance in variation between groups.</a:t>
+              <a:t>Looks for significance in variation between groups.</a:t>
             </a:r>
-          </a:p>
-          <a:p>
-            <a:pPr marL="800100" lvl="1" indent="-342900">
-              <a:lnSpc>
-                <a:spcPct val="150000"/>
-              </a:lnSpc>
-              <a:buFont typeface="Arial" panose="020B0604020202020204" pitchFamily="34" charset="0"/>
-              <a:buChar char="•"/>
-            </a:pPr>
-            <a:endParaRPr lang="en-US" sz="2400" dirty="0">
-              <a:latin typeface="Calibri Light" panose="020F0302020204030204" pitchFamily="34" charset="0"/>
-              <a:ea typeface="Calibri Light" panose="020F0302020204030204" pitchFamily="34" charset="0"/>
-              <a:cs typeface="Calibri Light" panose="020F0302020204030204" pitchFamily="34" charset="0"/>
-            </a:endParaRPr>
           </a:p>
         </p:txBody>
       </p:sp>
@@ -4800,8 +11033,8 @@
         </p:nvSpPr>
         <p:spPr>
           <a:xfrm>
-            <a:off x="628650" y="1568142"/>
-            <a:ext cx="7886700" cy="3090258"/>
+            <a:off x="628651" y="1568142"/>
+            <a:ext cx="4834304" cy="3090258"/>
           </a:xfrm>
           <a:prstGeom prst="rect">
             <a:avLst/>
@@ -4839,12 +11072,12 @@
               <a:buChar char="•"/>
             </a:pPr>
             <a:r>
-              <a:rPr lang="en-US" sz="2400" dirty="0">
+              <a:rPr lang="en-US" sz="2000" dirty="0">
                 <a:latin typeface="Calibri Light" panose="020F0302020204030204" pitchFamily="34" charset="0"/>
                 <a:ea typeface="Calibri Light" panose="020F0302020204030204" pitchFamily="34" charset="0"/>
                 <a:cs typeface="Calibri Light" panose="020F0302020204030204" pitchFamily="34" charset="0"/>
               </a:rPr>
-              <a:t>Statistical tests.</a:t>
+              <a:t>Every question had overwhelmingly positive responses.</a:t>
             </a:r>
           </a:p>
           <a:p>
@@ -4855,11 +11088,14 @@
               <a:buFont typeface="Arial" panose="020B0604020202020204" pitchFamily="34" charset="0"/>
               <a:buChar char="•"/>
             </a:pPr>
-            <a:endParaRPr lang="en-US" sz="2400" dirty="0">
-              <a:latin typeface="Calibri Light" panose="020F0302020204030204" pitchFamily="34" charset="0"/>
-              <a:ea typeface="Calibri Light" panose="020F0302020204030204" pitchFamily="34" charset="0"/>
-              <a:cs typeface="Calibri Light" panose="020F0302020204030204" pitchFamily="34" charset="0"/>
-            </a:endParaRPr>
+            <a:r>
+              <a:rPr lang="en-US" sz="2000" dirty="0">
+                <a:latin typeface="Calibri Light" panose="020F0302020204030204" pitchFamily="34" charset="0"/>
+                <a:ea typeface="Calibri Light" panose="020F0302020204030204" pitchFamily="34" charset="0"/>
+                <a:cs typeface="Calibri Light" panose="020F0302020204030204" pitchFamily="34" charset="0"/>
+              </a:rPr>
+              <a:t>The only large jump came from Susquehanna College.</a:t>
+            </a:r>
           </a:p>
           <a:p>
             <a:pPr marL="800100" lvl="1" indent="-342900">
@@ -4869,14 +11105,47 @@
               <a:buFont typeface="Arial" panose="020B0604020202020204" pitchFamily="34" charset="0"/>
               <a:buChar char="•"/>
             </a:pPr>
-            <a:endParaRPr lang="en-US" sz="2400" dirty="0">
-              <a:latin typeface="Calibri Light" panose="020F0302020204030204" pitchFamily="34" charset="0"/>
-              <a:ea typeface="Calibri Light" panose="020F0302020204030204" pitchFamily="34" charset="0"/>
-              <a:cs typeface="Calibri Light" panose="020F0302020204030204" pitchFamily="34" charset="0"/>
-            </a:endParaRPr>
+            <a:r>
+              <a:rPr lang="en-US" dirty="0">
+                <a:latin typeface="Calibri Light" panose="020F0302020204030204" pitchFamily="34" charset="0"/>
+                <a:ea typeface="Calibri Light" panose="020F0302020204030204" pitchFamily="34" charset="0"/>
+                <a:cs typeface="Calibri Light" panose="020F0302020204030204" pitchFamily="34" charset="0"/>
+              </a:rPr>
+              <a:t>Upon further inspection, n was too small to make a reliable conclusion.</a:t>
+            </a:r>
           </a:p>
         </p:txBody>
       </p:sp>
+      <p:pic>
+        <p:nvPicPr>
+          <p:cNvPr id="5" name="Picture 4">
+            <a:extLst>
+              <a:ext uri="{FF2B5EF4-FFF2-40B4-BE49-F238E27FC236}">
+                <a16:creationId xmlns:a16="http://schemas.microsoft.com/office/drawing/2014/main" id="{00711E56-DF50-0025-34CE-0FFB119D8809}"/>
+              </a:ext>
+            </a:extLst>
+          </p:cNvPr>
+          <p:cNvPicPr>
+            <a:picLocks noChangeAspect="1"/>
+          </p:cNvPicPr>
+          <p:nvPr/>
+        </p:nvPicPr>
+        <p:blipFill>
+          <a:blip r:embed="rId2"/>
+          <a:stretch>
+            <a:fillRect/>
+          </a:stretch>
+        </p:blipFill>
+        <p:spPr>
+          <a:xfrm>
+            <a:off x="5686177" y="1404690"/>
+            <a:ext cx="3187757" cy="3090259"/>
+          </a:xfrm>
+          <a:prstGeom prst="rect">
+            <a:avLst/>
+          </a:prstGeom>
+        </p:spPr>
+      </p:pic>
     </p:spTree>
     <p:extLst>
       <p:ext uri="{BB962C8B-B14F-4D97-AF65-F5344CB8AC3E}">
@@ -4898,7 +11167,7 @@
         <p:cNvPr id="1" name="">
           <a:extLst>
             <a:ext uri="{FF2B5EF4-FFF2-40B4-BE49-F238E27FC236}">
-              <a16:creationId xmlns:a16="http://schemas.microsoft.com/office/drawing/2014/main" id="{BC186F1D-A50A-3AD8-1D29-6F6BFC47FC1B}"/>
+              <a16:creationId xmlns:a16="http://schemas.microsoft.com/office/drawing/2014/main" id="{0611215F-2AEC-C50E-6367-69C406AD76E4}"/>
             </a:ext>
           </a:extLst>
         </p:cNvPr>
@@ -4918,7 +11187,7 @@
           <p:cNvPr id="4" name="Title 1">
             <a:extLst>
               <a:ext uri="{FF2B5EF4-FFF2-40B4-BE49-F238E27FC236}">
-                <a16:creationId xmlns:a16="http://schemas.microsoft.com/office/drawing/2014/main" id="{440643C5-97DF-5B80-60B8-E85953A48708}"/>
+                <a16:creationId xmlns:a16="http://schemas.microsoft.com/office/drawing/2014/main" id="{E137B732-A130-ECA0-DEA0-2CCFF5F7C0FC}"/>
               </a:ext>
             </a:extLst>
           </p:cNvPr>
@@ -4943,176 +11212,75 @@
           <a:p>
             <a:r>
               <a:rPr lang="en-US" sz="3600" b="1" dirty="0"/>
-              <a:t>Moving Forward</a:t>
+              <a:t>Key Insights, cont.</a:t>
             </a:r>
           </a:p>
         </p:txBody>
       </p:sp>
-      <p:sp>
-        <p:nvSpPr>
-          <p:cNvPr id="2" name="Title 1">
+      <p:pic>
+        <p:nvPicPr>
+          <p:cNvPr id="5" name="Picture 4">
             <a:extLst>
               <a:ext uri="{FF2B5EF4-FFF2-40B4-BE49-F238E27FC236}">
-                <a16:creationId xmlns:a16="http://schemas.microsoft.com/office/drawing/2014/main" id="{77EF64A6-A094-182D-2F2E-26EEBE9BEE3C}"/>
+                <a16:creationId xmlns:a16="http://schemas.microsoft.com/office/drawing/2014/main" id="{F0CCA95F-DFF4-CE0F-557B-916F108CA012}"/>
               </a:ext>
             </a:extLst>
           </p:cNvPr>
-          <p:cNvSpPr txBox="1">
-            <a:spLocks/>
-          </p:cNvSpPr>
+          <p:cNvPicPr>
+            <a:picLocks noChangeAspect="1"/>
+          </p:cNvPicPr>
           <p:nvPr/>
-        </p:nvSpPr>
+        </p:nvPicPr>
+        <p:blipFill>
+          <a:blip r:embed="rId2"/>
+          <a:stretch>
+            <a:fillRect/>
+          </a:stretch>
+        </p:blipFill>
         <p:spPr>
           <a:xfrm>
-            <a:off x="628650" y="1568142"/>
-            <a:ext cx="7886700" cy="3090258"/>
+            <a:off x="628650" y="1467342"/>
+            <a:ext cx="4112952" cy="3189899"/>
           </a:xfrm>
           <a:prstGeom prst="rect">
             <a:avLst/>
           </a:prstGeom>
         </p:spPr>
-        <p:txBody>
-          <a:bodyPr vert="horz" lIns="91440" tIns="45720" rIns="91440" bIns="45720" rtlCol="0" anchor="t">
-            <a:normAutofit/>
-          </a:bodyPr>
-          <a:lstStyle>
-            <a:lvl1pPr algn="l" defTabSz="685800" rtl="0" eaLnBrk="1" latinLnBrk="0" hangingPunct="1">
-              <a:lnSpc>
-                <a:spcPct val="90000"/>
-              </a:lnSpc>
-              <a:spcBef>
-                <a:spcPct val="0"/>
-              </a:spcBef>
-              <a:buNone/>
-              <a:defRPr sz="4500" kern="1200">
-                <a:solidFill>
-                  <a:schemeClr val="tx1"/>
-                </a:solidFill>
-                <a:latin typeface="+mj-lt"/>
-                <a:ea typeface="+mj-ea"/>
-                <a:cs typeface="+mj-cs"/>
-              </a:defRPr>
-            </a:lvl1pPr>
-          </a:lstStyle>
-          <a:p>
-            <a:pPr marL="342900" indent="-342900">
-              <a:lnSpc>
-                <a:spcPct val="150000"/>
-              </a:lnSpc>
-              <a:buFont typeface="Arial" panose="020B0604020202020204" pitchFamily="34" charset="0"/>
-              <a:buChar char="•"/>
-            </a:pPr>
-            <a:r>
-              <a:rPr lang="en-US" sz="2400" dirty="0">
-                <a:latin typeface="Calibri Light" panose="020F0302020204030204" pitchFamily="34" charset="0"/>
-                <a:ea typeface="Calibri Light" panose="020F0302020204030204" pitchFamily="34" charset="0"/>
-                <a:cs typeface="Calibri Light" panose="020F0302020204030204" pitchFamily="34" charset="0"/>
-              </a:rPr>
-              <a:t>Scalability:</a:t>
-            </a:r>
-          </a:p>
-          <a:p>
-            <a:pPr marL="800100" lvl="1" indent="-342900">
-              <a:lnSpc>
-                <a:spcPct val="150000"/>
-              </a:lnSpc>
-              <a:buFont typeface="Arial" panose="020B0604020202020204" pitchFamily="34" charset="0"/>
-              <a:buChar char="•"/>
-            </a:pPr>
-            <a:r>
-              <a:rPr lang="en-US" sz="2000" dirty="0">
-                <a:latin typeface="Calibri Light" panose="020F0302020204030204" pitchFamily="34" charset="0"/>
-                <a:ea typeface="Calibri Light" panose="020F0302020204030204" pitchFamily="34" charset="0"/>
-                <a:cs typeface="Calibri Light" panose="020F0302020204030204" pitchFamily="34" charset="0"/>
-              </a:rPr>
-              <a:t>Differential privacy.</a:t>
-            </a:r>
-          </a:p>
-          <a:p>
-            <a:pPr marL="800100" lvl="1" indent="-342900">
-              <a:lnSpc>
-                <a:spcPct val="150000"/>
-              </a:lnSpc>
-              <a:buFont typeface="Arial" panose="020B0604020202020204" pitchFamily="34" charset="0"/>
-              <a:buChar char="•"/>
-            </a:pPr>
-            <a:r>
-              <a:rPr lang="en-US" sz="2000" dirty="0">
-                <a:latin typeface="Calibri Light" panose="020F0302020204030204" pitchFamily="34" charset="0"/>
-                <a:ea typeface="Calibri Light" panose="020F0302020204030204" pitchFamily="34" charset="0"/>
-                <a:cs typeface="Calibri Light" panose="020F0302020204030204" pitchFamily="34" charset="0"/>
-              </a:rPr>
-              <a:t>Random sampling.</a:t>
-            </a:r>
-          </a:p>
-          <a:p>
-            <a:pPr marL="342900" indent="-342900">
-              <a:lnSpc>
-                <a:spcPct val="150000"/>
-              </a:lnSpc>
-              <a:buFont typeface="Arial" panose="020B0604020202020204" pitchFamily="34" charset="0"/>
-              <a:buChar char="•"/>
-            </a:pPr>
-            <a:r>
-              <a:rPr lang="en-US" sz="2400" dirty="0">
-                <a:latin typeface="Calibri Light" panose="020F0302020204030204" pitchFamily="34" charset="0"/>
-                <a:ea typeface="Calibri Light" panose="020F0302020204030204" pitchFamily="34" charset="0"/>
-                <a:cs typeface="Calibri Light" panose="020F0302020204030204" pitchFamily="34" charset="0"/>
-              </a:rPr>
-              <a:t>Enhancement:</a:t>
-            </a:r>
-          </a:p>
-          <a:p>
-            <a:pPr marL="800100" lvl="1" indent="-342900">
-              <a:lnSpc>
-                <a:spcPct val="150000"/>
-              </a:lnSpc>
-              <a:buFont typeface="Arial" panose="020B0604020202020204" pitchFamily="34" charset="0"/>
-              <a:buChar char="•"/>
-            </a:pPr>
-            <a:r>
-              <a:rPr lang="en-US" sz="2000" dirty="0">
-                <a:latin typeface="Calibri Light" panose="020F0302020204030204" pitchFamily="34" charset="0"/>
-                <a:ea typeface="Calibri Light" panose="020F0302020204030204" pitchFamily="34" charset="0"/>
-                <a:cs typeface="Calibri Light" panose="020F0302020204030204" pitchFamily="34" charset="0"/>
-              </a:rPr>
-              <a:t>Aesthetic improvements.</a:t>
-            </a:r>
-          </a:p>
-          <a:p>
-            <a:pPr marL="342900" indent="-342900">
-              <a:lnSpc>
-                <a:spcPct val="150000"/>
-              </a:lnSpc>
-              <a:buFont typeface="Arial" panose="020B0604020202020204" pitchFamily="34" charset="0"/>
-              <a:buChar char="•"/>
-            </a:pPr>
-            <a:endParaRPr lang="en-US" sz="2400" dirty="0">
-              <a:latin typeface="Calibri Light" panose="020F0302020204030204" pitchFamily="34" charset="0"/>
-              <a:ea typeface="Calibri Light" panose="020F0302020204030204" pitchFamily="34" charset="0"/>
-              <a:cs typeface="Calibri Light" panose="020F0302020204030204" pitchFamily="34" charset="0"/>
-            </a:endParaRPr>
-          </a:p>
-          <a:p>
-            <a:pPr marL="800100" lvl="1" indent="-342900">
-              <a:lnSpc>
-                <a:spcPct val="150000"/>
-              </a:lnSpc>
-              <a:buFont typeface="Arial" panose="020B0604020202020204" pitchFamily="34" charset="0"/>
-              <a:buChar char="•"/>
-            </a:pPr>
-            <a:endParaRPr lang="en-US" sz="2400" dirty="0">
-              <a:latin typeface="Calibri Light" panose="020F0302020204030204" pitchFamily="34" charset="0"/>
-              <a:ea typeface="Calibri Light" panose="020F0302020204030204" pitchFamily="34" charset="0"/>
-              <a:cs typeface="Calibri Light" panose="020F0302020204030204" pitchFamily="34" charset="0"/>
-            </a:endParaRPr>
-          </a:p>
-        </p:txBody>
-      </p:sp>
+      </p:pic>
+      <p:pic>
+        <p:nvPicPr>
+          <p:cNvPr id="7" name="Picture 6">
+            <a:extLst>
+              <a:ext uri="{FF2B5EF4-FFF2-40B4-BE49-F238E27FC236}">
+                <a16:creationId xmlns:a16="http://schemas.microsoft.com/office/drawing/2014/main" id="{A02BE065-F508-E4BE-885E-77469B662CB8}"/>
+              </a:ext>
+            </a:extLst>
+          </p:cNvPr>
+          <p:cNvPicPr>
+            <a:picLocks noChangeAspect="1"/>
+          </p:cNvPicPr>
+          <p:nvPr/>
+        </p:nvPicPr>
+        <p:blipFill>
+          <a:blip r:embed="rId3"/>
+          <a:stretch>
+            <a:fillRect/>
+          </a:stretch>
+        </p:blipFill>
+        <p:spPr>
+          <a:xfrm>
+            <a:off x="4829656" y="1467342"/>
+            <a:ext cx="3925703" cy="3189899"/>
+          </a:xfrm>
+          <a:prstGeom prst="rect">
+            <a:avLst/>
+          </a:prstGeom>
+        </p:spPr>
+      </p:pic>
     </p:spTree>
     <p:extLst>
       <p:ext uri="{BB962C8B-B14F-4D97-AF65-F5344CB8AC3E}">
-        <p14:creationId xmlns:p14="http://schemas.microsoft.com/office/powerpoint/2010/main" val="4104135966"/>
+        <p14:creationId xmlns:p14="http://schemas.microsoft.com/office/powerpoint/2010/main" val="2986206479"/>
       </p:ext>
     </p:extLst>
   </p:cSld>

--- a/Presentation.pptx
+++ b/Presentation.pptx
@@ -4,18 +4,23 @@
   <p:sldMasterIdLst>
     <p:sldMasterId id="2147483660" r:id="rId1"/>
   </p:sldMasterIdLst>
+  <p:notesMasterIdLst>
+    <p:notesMasterId r:id="rId15"/>
+  </p:notesMasterIdLst>
   <p:sldIdLst>
     <p:sldId id="256" r:id="rId2"/>
     <p:sldId id="257" r:id="rId3"/>
     <p:sldId id="258" r:id="rId4"/>
-    <p:sldId id="262" r:id="rId5"/>
-    <p:sldId id="259" r:id="rId6"/>
-    <p:sldId id="265" r:id="rId7"/>
-    <p:sldId id="260" r:id="rId8"/>
-    <p:sldId id="264" r:id="rId9"/>
-    <p:sldId id="270" r:id="rId10"/>
-    <p:sldId id="267" r:id="rId11"/>
-    <p:sldId id="268" r:id="rId12"/>
+    <p:sldId id="275" r:id="rId5"/>
+    <p:sldId id="262" r:id="rId6"/>
+    <p:sldId id="259" r:id="rId7"/>
+    <p:sldId id="273" r:id="rId8"/>
+    <p:sldId id="274" r:id="rId9"/>
+    <p:sldId id="260" r:id="rId10"/>
+    <p:sldId id="264" r:id="rId11"/>
+    <p:sldId id="270" r:id="rId12"/>
+    <p:sldId id="267" r:id="rId13"/>
+    <p:sldId id="268" r:id="rId14"/>
   </p:sldIdLst>
   <p:sldSz cx="9144000" cy="5143500" type="screen16x9"/>
   <p:notesSz cx="6858000" cy="9144000"/>
@@ -134,15 +139,15 @@
 </file>
 
 <file path=ppt/diagrams/colors1.xml><?xml version="1.0" encoding="utf-8"?>
-<dgm:colorsDef xmlns:dgm="http://schemas.openxmlformats.org/drawingml/2006/diagram" xmlns:a="http://schemas.openxmlformats.org/drawingml/2006/main" uniqueId="urn:microsoft.com/office/officeart/2005/8/colors/accent2_2">
+<dgm:colorsDef xmlns:dgm="http://schemas.openxmlformats.org/drawingml/2006/diagram" xmlns:a="http://schemas.openxmlformats.org/drawingml/2006/main" uniqueId="urn:microsoft.com/office/officeart/2005/8/colors/accent6_2">
   <dgm:title val=""/>
   <dgm:desc val=""/>
   <dgm:catLst>
-    <dgm:cat type="accent2" pri="11200"/>
+    <dgm:cat type="accent6" pri="11200"/>
   </dgm:catLst>
   <dgm:styleLbl name="node0">
     <dgm:fillClrLst meth="repeat">
-      <a:schemeClr val="accent2"/>
+      <a:schemeClr val="accent6"/>
     </dgm:fillClrLst>
     <dgm:linClrLst meth="repeat">
       <a:schemeClr val="lt1"/>
@@ -154,7 +159,7 @@
   </dgm:styleLbl>
   <dgm:styleLbl name="node1">
     <dgm:fillClrLst meth="repeat">
-      <a:schemeClr val="accent2"/>
+      <a:schemeClr val="accent6"/>
     </dgm:fillClrLst>
     <dgm:linClrLst meth="repeat">
       <a:schemeClr val="lt1"/>
@@ -166,10 +171,10 @@
   </dgm:styleLbl>
   <dgm:styleLbl name="alignNode1">
     <dgm:fillClrLst meth="repeat">
-      <a:schemeClr val="accent2"/>
+      <a:schemeClr val="accent6"/>
     </dgm:fillClrLst>
     <dgm:linClrLst meth="repeat">
-      <a:schemeClr val="accent2"/>
+      <a:schemeClr val="accent6"/>
     </dgm:linClrLst>
     <dgm:effectClrLst/>
     <dgm:txLinClrLst/>
@@ -178,7 +183,7 @@
   </dgm:styleLbl>
   <dgm:styleLbl name="lnNode1">
     <dgm:fillClrLst meth="repeat">
-      <a:schemeClr val="accent2"/>
+      <a:schemeClr val="accent6"/>
     </dgm:fillClrLst>
     <dgm:linClrLst meth="repeat">
       <a:schemeClr val="lt1"/>
@@ -190,7 +195,7 @@
   </dgm:styleLbl>
   <dgm:styleLbl name="vennNode1">
     <dgm:fillClrLst meth="repeat">
-      <a:schemeClr val="accent2">
+      <a:schemeClr val="accent6">
         <a:alpha val="50000"/>
       </a:schemeClr>
     </dgm:fillClrLst>
@@ -204,7 +209,7 @@
   </dgm:styleLbl>
   <dgm:styleLbl name="node2">
     <dgm:fillClrLst meth="repeat">
-      <a:schemeClr val="accent2"/>
+      <a:schemeClr val="accent6"/>
     </dgm:fillClrLst>
     <dgm:linClrLst meth="repeat">
       <a:schemeClr val="lt1"/>
@@ -216,7 +221,7 @@
   </dgm:styleLbl>
   <dgm:styleLbl name="node3">
     <dgm:fillClrLst meth="repeat">
-      <a:schemeClr val="accent2"/>
+      <a:schemeClr val="accent6"/>
     </dgm:fillClrLst>
     <dgm:linClrLst meth="repeat">
       <a:schemeClr val="lt1"/>
@@ -228,7 +233,7 @@
   </dgm:styleLbl>
   <dgm:styleLbl name="node4">
     <dgm:fillClrLst meth="repeat">
-      <a:schemeClr val="accent2"/>
+      <a:schemeClr val="accent6"/>
     </dgm:fillClrLst>
     <dgm:linClrLst meth="repeat">
       <a:schemeClr val="lt1"/>
@@ -240,7 +245,7 @@
   </dgm:styleLbl>
   <dgm:styleLbl name="fgImgPlace1">
     <dgm:fillClrLst meth="repeat">
-      <a:schemeClr val="accent2">
+      <a:schemeClr val="accent6">
         <a:tint val="50000"/>
       </a:schemeClr>
     </dgm:fillClrLst>
@@ -256,7 +261,7 @@
   </dgm:styleLbl>
   <dgm:styleLbl name="alignImgPlace1">
     <dgm:fillClrLst meth="repeat">
-      <a:schemeClr val="accent2">
+      <a:schemeClr val="accent6">
         <a:tint val="50000"/>
       </a:schemeClr>
     </dgm:fillClrLst>
@@ -272,7 +277,7 @@
   </dgm:styleLbl>
   <dgm:styleLbl name="bgImgPlace1">
     <dgm:fillClrLst meth="repeat">
-      <a:schemeClr val="accent2">
+      <a:schemeClr val="accent6">
         <a:tint val="50000"/>
       </a:schemeClr>
     </dgm:fillClrLst>
@@ -288,12 +293,12 @@
   </dgm:styleLbl>
   <dgm:styleLbl name="sibTrans2D1">
     <dgm:fillClrLst meth="repeat">
-      <a:schemeClr val="accent2">
+      <a:schemeClr val="accent6">
         <a:tint val="60000"/>
       </a:schemeClr>
     </dgm:fillClrLst>
     <dgm:linClrLst meth="repeat">
-      <a:schemeClr val="accent2">
+      <a:schemeClr val="accent6">
         <a:tint val="60000"/>
       </a:schemeClr>
     </dgm:linClrLst>
@@ -304,12 +309,12 @@
   </dgm:styleLbl>
   <dgm:styleLbl name="fgSibTrans2D1">
     <dgm:fillClrLst meth="repeat">
-      <a:schemeClr val="accent2">
+      <a:schemeClr val="accent6">
         <a:tint val="60000"/>
       </a:schemeClr>
     </dgm:fillClrLst>
     <dgm:linClrLst meth="repeat">
-      <a:schemeClr val="accent2">
+      <a:schemeClr val="accent6">
         <a:tint val="60000"/>
       </a:schemeClr>
     </dgm:linClrLst>
@@ -320,12 +325,12 @@
   </dgm:styleLbl>
   <dgm:styleLbl name="bgSibTrans2D1">
     <dgm:fillClrLst meth="repeat">
-      <a:schemeClr val="accent2">
+      <a:schemeClr val="accent6">
         <a:tint val="60000"/>
       </a:schemeClr>
     </dgm:fillClrLst>
     <dgm:linClrLst meth="repeat">
-      <a:schemeClr val="accent2">
+      <a:schemeClr val="accent6">
         <a:tint val="60000"/>
       </a:schemeClr>
     </dgm:linClrLst>
@@ -336,10 +341,10 @@
   </dgm:styleLbl>
   <dgm:styleLbl name="sibTrans1D1">
     <dgm:fillClrLst meth="repeat">
-      <a:schemeClr val="accent2"/>
+      <a:schemeClr val="accent6"/>
     </dgm:fillClrLst>
     <dgm:linClrLst meth="repeat">
-      <a:schemeClr val="accent2"/>
+      <a:schemeClr val="accent6"/>
     </dgm:linClrLst>
     <dgm:effectClrLst/>
     <dgm:txLinClrLst/>
@@ -350,10 +355,10 @@
   </dgm:styleLbl>
   <dgm:styleLbl name="callout">
     <dgm:fillClrLst meth="repeat">
-      <a:schemeClr val="accent2"/>
+      <a:schemeClr val="accent6"/>
     </dgm:fillClrLst>
     <dgm:linClrLst meth="repeat">
-      <a:schemeClr val="accent2">
+      <a:schemeClr val="accent6">
         <a:tint val="50000"/>
       </a:schemeClr>
     </dgm:linClrLst>
@@ -366,7 +371,7 @@
   </dgm:styleLbl>
   <dgm:styleLbl name="asst0">
     <dgm:fillClrLst meth="repeat">
-      <a:schemeClr val="accent2"/>
+      <a:schemeClr val="accent6"/>
     </dgm:fillClrLst>
     <dgm:linClrLst meth="repeat">
       <a:schemeClr val="lt1"/>
@@ -378,7 +383,7 @@
   </dgm:styleLbl>
   <dgm:styleLbl name="asst1">
     <dgm:fillClrLst meth="repeat">
-      <a:schemeClr val="accent2"/>
+      <a:schemeClr val="accent6"/>
     </dgm:fillClrLst>
     <dgm:linClrLst meth="repeat">
       <a:schemeClr val="lt1"/>
@@ -390,7 +395,7 @@
   </dgm:styleLbl>
   <dgm:styleLbl name="asst2">
     <dgm:fillClrLst meth="repeat">
-      <a:schemeClr val="accent2"/>
+      <a:schemeClr val="accent6"/>
     </dgm:fillClrLst>
     <dgm:linClrLst meth="repeat">
       <a:schemeClr val="lt1"/>
@@ -402,7 +407,7 @@
   </dgm:styleLbl>
   <dgm:styleLbl name="asst3">
     <dgm:fillClrLst meth="repeat">
-      <a:schemeClr val="accent2"/>
+      <a:schemeClr val="accent6"/>
     </dgm:fillClrLst>
     <dgm:linClrLst meth="repeat">
       <a:schemeClr val="lt1"/>
@@ -414,7 +419,7 @@
   </dgm:styleLbl>
   <dgm:styleLbl name="asst4">
     <dgm:fillClrLst meth="repeat">
-      <a:schemeClr val="accent2"/>
+      <a:schemeClr val="accent6"/>
     </dgm:fillClrLst>
     <dgm:linClrLst meth="repeat">
       <a:schemeClr val="lt1"/>
@@ -426,12 +431,12 @@
   </dgm:styleLbl>
   <dgm:styleLbl name="parChTrans2D1">
     <dgm:fillClrLst meth="repeat">
-      <a:schemeClr val="accent2">
+      <a:schemeClr val="accent6">
         <a:tint val="60000"/>
       </a:schemeClr>
     </dgm:fillClrLst>
     <dgm:linClrLst meth="repeat">
-      <a:schemeClr val="accent2">
+      <a:schemeClr val="accent6">
         <a:tint val="60000"/>
       </a:schemeClr>
     </dgm:linClrLst>
@@ -444,10 +449,10 @@
   </dgm:styleLbl>
   <dgm:styleLbl name="parChTrans2D2">
     <dgm:fillClrLst meth="repeat">
-      <a:schemeClr val="accent2"/>
+      <a:schemeClr val="accent6"/>
     </dgm:fillClrLst>
     <dgm:linClrLst meth="repeat">
-      <a:schemeClr val="accent2"/>
+      <a:schemeClr val="accent6"/>
     </dgm:linClrLst>
     <dgm:effectClrLst/>
     <dgm:txLinClrLst/>
@@ -458,10 +463,10 @@
   </dgm:styleLbl>
   <dgm:styleLbl name="parChTrans2D3">
     <dgm:fillClrLst meth="repeat">
-      <a:schemeClr val="accent2"/>
+      <a:schemeClr val="accent6"/>
     </dgm:fillClrLst>
     <dgm:linClrLst meth="repeat">
-      <a:schemeClr val="accent2"/>
+      <a:schemeClr val="accent6"/>
     </dgm:linClrLst>
     <dgm:effectClrLst/>
     <dgm:txLinClrLst/>
@@ -472,10 +477,10 @@
   </dgm:styleLbl>
   <dgm:styleLbl name="parChTrans2D4">
     <dgm:fillClrLst meth="repeat">
-      <a:schemeClr val="accent2"/>
+      <a:schemeClr val="accent6"/>
     </dgm:fillClrLst>
     <dgm:linClrLst meth="repeat">
-      <a:schemeClr val="accent2"/>
+      <a:schemeClr val="accent6"/>
     </dgm:linClrLst>
     <dgm:effectClrLst/>
     <dgm:txLinClrLst/>
@@ -486,10 +491,10 @@
   </dgm:styleLbl>
   <dgm:styleLbl name="parChTrans1D1">
     <dgm:fillClrLst meth="repeat">
-      <a:schemeClr val="accent2"/>
+      <a:schemeClr val="accent6"/>
     </dgm:fillClrLst>
     <dgm:linClrLst meth="repeat">
-      <a:schemeClr val="accent2">
+      <a:schemeClr val="accent6">
         <a:shade val="60000"/>
       </a:schemeClr>
     </dgm:linClrLst>
@@ -502,10 +507,10 @@
   </dgm:styleLbl>
   <dgm:styleLbl name="parChTrans1D2">
     <dgm:fillClrLst meth="repeat">
-      <a:schemeClr val="accent2"/>
+      <a:schemeClr val="accent6"/>
     </dgm:fillClrLst>
     <dgm:linClrLst meth="repeat">
-      <a:schemeClr val="accent2">
+      <a:schemeClr val="accent6">
         <a:shade val="60000"/>
       </a:schemeClr>
     </dgm:linClrLst>
@@ -518,10 +523,10 @@
   </dgm:styleLbl>
   <dgm:styleLbl name="parChTrans1D3">
     <dgm:fillClrLst meth="repeat">
-      <a:schemeClr val="accent2"/>
+      <a:schemeClr val="accent6"/>
     </dgm:fillClrLst>
     <dgm:linClrLst meth="repeat">
-      <a:schemeClr val="accent2">
+      <a:schemeClr val="accent6">
         <a:shade val="80000"/>
       </a:schemeClr>
     </dgm:linClrLst>
@@ -534,10 +539,10 @@
   </dgm:styleLbl>
   <dgm:styleLbl name="parChTrans1D4">
     <dgm:fillClrLst meth="repeat">
-      <a:schemeClr val="accent2"/>
+      <a:schemeClr val="accent6"/>
     </dgm:fillClrLst>
     <dgm:linClrLst meth="repeat">
-      <a:schemeClr val="accent2">
+      <a:schemeClr val="accent6">
         <a:shade val="80000"/>
       </a:schemeClr>
     </dgm:linClrLst>
@@ -555,7 +560,7 @@
       </a:schemeClr>
     </dgm:fillClrLst>
     <dgm:linClrLst meth="repeat">
-      <a:schemeClr val="accent2"/>
+      <a:schemeClr val="accent6"/>
     </dgm:linClrLst>
     <dgm:effectClrLst/>
     <dgm:txLinClrLst/>
@@ -571,7 +576,7 @@
       </a:schemeClr>
     </dgm:fillClrLst>
     <dgm:linClrLst meth="repeat">
-      <a:schemeClr val="accent2"/>
+      <a:schemeClr val="accent6"/>
     </dgm:linClrLst>
     <dgm:effectClrLst/>
     <dgm:txLinClrLst/>
@@ -587,7 +592,7 @@
       </a:schemeClr>
     </dgm:fillClrLst>
     <dgm:linClrLst meth="repeat">
-      <a:schemeClr val="accent2"/>
+      <a:schemeClr val="accent6"/>
     </dgm:linClrLst>
     <dgm:effectClrLst/>
     <dgm:txLinClrLst/>
@@ -603,7 +608,7 @@
       </a:schemeClr>
     </dgm:fillClrLst>
     <dgm:linClrLst meth="repeat">
-      <a:schemeClr val="accent2"/>
+      <a:schemeClr val="accent6"/>
     </dgm:linClrLst>
     <dgm:effectClrLst/>
     <dgm:txLinClrLst/>
@@ -619,7 +624,7 @@
       </a:schemeClr>
     </dgm:fillClrLst>
     <dgm:linClrLst meth="repeat">
-      <a:schemeClr val="accent2"/>
+      <a:schemeClr val="accent6"/>
     </dgm:linClrLst>
     <dgm:effectClrLst/>
     <dgm:txLinClrLst/>
@@ -633,7 +638,7 @@
       <a:schemeClr val="lt1"/>
     </dgm:fillClrLst>
     <dgm:linClrLst meth="repeat">
-      <a:schemeClr val="accent2"/>
+      <a:schemeClr val="accent6"/>
     </dgm:linClrLst>
     <dgm:effectClrLst/>
     <dgm:txLinClrLst/>
@@ -647,7 +652,7 @@
       <a:schemeClr val="lt1"/>
     </dgm:fillClrLst>
     <dgm:linClrLst meth="repeat">
-      <a:schemeClr val="accent2"/>
+      <a:schemeClr val="accent6"/>
     </dgm:linClrLst>
     <dgm:effectClrLst/>
     <dgm:txLinClrLst/>
@@ -661,7 +666,7 @@
       <a:schemeClr val="lt1"/>
     </dgm:fillClrLst>
     <dgm:linClrLst meth="repeat">
-      <a:schemeClr val="accent2"/>
+      <a:schemeClr val="accent6"/>
     </dgm:linClrLst>
     <dgm:effectClrLst/>
     <dgm:txLinClrLst/>
@@ -672,13 +677,13 @@
   </dgm:styleLbl>
   <dgm:styleLbl name="fgAccFollowNode1">
     <dgm:fillClrLst meth="repeat">
-      <a:schemeClr val="accent2">
+      <a:schemeClr val="accent6">
         <a:alpha val="90000"/>
         <a:tint val="40000"/>
       </a:schemeClr>
     </dgm:fillClrLst>
     <dgm:linClrLst meth="repeat">
-      <a:schemeClr val="accent2">
+      <a:schemeClr val="accent6">
         <a:alpha val="90000"/>
         <a:tint val="40000"/>
       </a:schemeClr>
@@ -692,13 +697,13 @@
   </dgm:styleLbl>
   <dgm:styleLbl name="alignAccFollowNode1">
     <dgm:fillClrLst meth="repeat">
-      <a:schemeClr val="accent2">
+      <a:schemeClr val="accent6">
         <a:alpha val="90000"/>
         <a:tint val="40000"/>
       </a:schemeClr>
     </dgm:fillClrLst>
     <dgm:linClrLst meth="repeat">
-      <a:schemeClr val="accent2">
+      <a:schemeClr val="accent6">
         <a:alpha val="90000"/>
         <a:tint val="40000"/>
       </a:schemeClr>
@@ -712,13 +717,13 @@
   </dgm:styleLbl>
   <dgm:styleLbl name="bgAccFollowNode1">
     <dgm:fillClrLst meth="repeat">
-      <a:schemeClr val="accent2">
+      <a:schemeClr val="accent6">
         <a:alpha val="90000"/>
         <a:tint val="40000"/>
       </a:schemeClr>
     </dgm:fillClrLst>
     <dgm:linClrLst meth="repeat">
-      <a:schemeClr val="accent2">
+      <a:schemeClr val="accent6">
         <a:alpha val="90000"/>
         <a:tint val="40000"/>
       </a:schemeClr>
@@ -737,7 +742,7 @@
       </a:schemeClr>
     </dgm:fillClrLst>
     <dgm:linClrLst meth="repeat">
-      <a:schemeClr val="accent2"/>
+      <a:schemeClr val="accent6"/>
     </dgm:linClrLst>
     <dgm:effectClrLst/>
     <dgm:txLinClrLst/>
@@ -753,7 +758,7 @@
       </a:schemeClr>
     </dgm:fillClrLst>
     <dgm:linClrLst meth="repeat">
-      <a:schemeClr val="accent2"/>
+      <a:schemeClr val="accent6"/>
     </dgm:linClrLst>
     <dgm:effectClrLst/>
     <dgm:txLinClrLst/>
@@ -769,7 +774,7 @@
       </a:schemeClr>
     </dgm:fillClrLst>
     <dgm:linClrLst meth="repeat">
-      <a:schemeClr val="accent2"/>
+      <a:schemeClr val="accent6"/>
     </dgm:linClrLst>
     <dgm:effectClrLst/>
     <dgm:txLinClrLst/>
@@ -785,7 +790,7 @@
       </a:schemeClr>
     </dgm:fillClrLst>
     <dgm:linClrLst meth="repeat">
-      <a:schemeClr val="accent2"/>
+      <a:schemeClr val="accent6"/>
     </dgm:linClrLst>
     <dgm:effectClrLst/>
     <dgm:txLinClrLst/>
@@ -796,12 +801,12 @@
   </dgm:styleLbl>
   <dgm:styleLbl name="bgShp">
     <dgm:fillClrLst meth="repeat">
-      <a:schemeClr val="accent2">
+      <a:schemeClr val="accent6">
         <a:tint val="40000"/>
       </a:schemeClr>
     </dgm:fillClrLst>
     <dgm:linClrLst meth="repeat">
-      <a:schemeClr val="accent2"/>
+      <a:schemeClr val="accent6"/>
     </dgm:linClrLst>
     <dgm:effectClrLst/>
     <dgm:txLinClrLst/>
@@ -812,12 +817,12 @@
   </dgm:styleLbl>
   <dgm:styleLbl name="dkBgShp">
     <dgm:fillClrLst meth="repeat">
-      <a:schemeClr val="accent2">
+      <a:schemeClr val="accent6">
         <a:shade val="80000"/>
       </a:schemeClr>
     </dgm:fillClrLst>
     <dgm:linClrLst meth="repeat">
-      <a:schemeClr val="accent2"/>
+      <a:schemeClr val="accent6"/>
     </dgm:linClrLst>
     <dgm:effectClrLst/>
     <dgm:txLinClrLst/>
@@ -828,13 +833,13 @@
   </dgm:styleLbl>
   <dgm:styleLbl name="trBgShp">
     <dgm:fillClrLst meth="repeat">
-      <a:schemeClr val="accent2">
+      <a:schemeClr val="accent6">
         <a:tint val="50000"/>
         <a:alpha val="40000"/>
       </a:schemeClr>
     </dgm:fillClrLst>
     <dgm:linClrLst meth="repeat">
-      <a:schemeClr val="accent2"/>
+      <a:schemeClr val="accent6"/>
     </dgm:linClrLst>
     <dgm:effectClrLst/>
     <dgm:txLinClrLst/>
@@ -845,7 +850,7 @@
   </dgm:styleLbl>
   <dgm:styleLbl name="fgShp">
     <dgm:fillClrLst meth="repeat">
-      <a:schemeClr val="accent2">
+      <a:schemeClr val="accent6">
         <a:tint val="60000"/>
       </a:schemeClr>
     </dgm:fillClrLst>
@@ -881,15 +886,15 @@
 </file>
 
 <file path=ppt/diagrams/colors2.xml><?xml version="1.0" encoding="utf-8"?>
-<dgm:colorsDef xmlns:dgm="http://schemas.openxmlformats.org/drawingml/2006/diagram" xmlns:a="http://schemas.openxmlformats.org/drawingml/2006/main" uniqueId="urn:microsoft.com/office/officeart/2005/8/colors/accent2_2">
+<dgm:colorsDef xmlns:dgm="http://schemas.openxmlformats.org/drawingml/2006/diagram" xmlns:a="http://schemas.openxmlformats.org/drawingml/2006/main" uniqueId="urn:microsoft.com/office/officeart/2005/8/colors/accent6_2">
   <dgm:title val=""/>
   <dgm:desc val=""/>
   <dgm:catLst>
-    <dgm:cat type="accent2" pri="11200"/>
+    <dgm:cat type="accent6" pri="11200"/>
   </dgm:catLst>
   <dgm:styleLbl name="node0">
     <dgm:fillClrLst meth="repeat">
-      <a:schemeClr val="accent2"/>
+      <a:schemeClr val="accent6"/>
     </dgm:fillClrLst>
     <dgm:linClrLst meth="repeat">
       <a:schemeClr val="lt1"/>
@@ -901,7 +906,7 @@
   </dgm:styleLbl>
   <dgm:styleLbl name="node1">
     <dgm:fillClrLst meth="repeat">
-      <a:schemeClr val="accent2"/>
+      <a:schemeClr val="accent6"/>
     </dgm:fillClrLst>
     <dgm:linClrLst meth="repeat">
       <a:schemeClr val="lt1"/>
@@ -913,10 +918,10 @@
   </dgm:styleLbl>
   <dgm:styleLbl name="alignNode1">
     <dgm:fillClrLst meth="repeat">
-      <a:schemeClr val="accent2"/>
+      <a:schemeClr val="accent6"/>
     </dgm:fillClrLst>
     <dgm:linClrLst meth="repeat">
-      <a:schemeClr val="accent2"/>
+      <a:schemeClr val="accent6"/>
     </dgm:linClrLst>
     <dgm:effectClrLst/>
     <dgm:txLinClrLst/>
@@ -925,7 +930,7 @@
   </dgm:styleLbl>
   <dgm:styleLbl name="lnNode1">
     <dgm:fillClrLst meth="repeat">
-      <a:schemeClr val="accent2"/>
+      <a:schemeClr val="accent6"/>
     </dgm:fillClrLst>
     <dgm:linClrLst meth="repeat">
       <a:schemeClr val="lt1"/>
@@ -937,7 +942,7 @@
   </dgm:styleLbl>
   <dgm:styleLbl name="vennNode1">
     <dgm:fillClrLst meth="repeat">
-      <a:schemeClr val="accent2">
+      <a:schemeClr val="accent6">
         <a:alpha val="50000"/>
       </a:schemeClr>
     </dgm:fillClrLst>
@@ -951,7 +956,7 @@
   </dgm:styleLbl>
   <dgm:styleLbl name="node2">
     <dgm:fillClrLst meth="repeat">
-      <a:schemeClr val="accent2"/>
+      <a:schemeClr val="accent6"/>
     </dgm:fillClrLst>
     <dgm:linClrLst meth="repeat">
       <a:schemeClr val="lt1"/>
@@ -963,7 +968,7 @@
   </dgm:styleLbl>
   <dgm:styleLbl name="node3">
     <dgm:fillClrLst meth="repeat">
-      <a:schemeClr val="accent2"/>
+      <a:schemeClr val="accent6"/>
     </dgm:fillClrLst>
     <dgm:linClrLst meth="repeat">
       <a:schemeClr val="lt1"/>
@@ -975,7 +980,7 @@
   </dgm:styleLbl>
   <dgm:styleLbl name="node4">
     <dgm:fillClrLst meth="repeat">
-      <a:schemeClr val="accent2"/>
+      <a:schemeClr val="accent6"/>
     </dgm:fillClrLst>
     <dgm:linClrLst meth="repeat">
       <a:schemeClr val="lt1"/>
@@ -987,7 +992,7 @@
   </dgm:styleLbl>
   <dgm:styleLbl name="fgImgPlace1">
     <dgm:fillClrLst meth="repeat">
-      <a:schemeClr val="accent2">
+      <a:schemeClr val="accent6">
         <a:tint val="50000"/>
       </a:schemeClr>
     </dgm:fillClrLst>
@@ -1003,7 +1008,7 @@
   </dgm:styleLbl>
   <dgm:styleLbl name="alignImgPlace1">
     <dgm:fillClrLst meth="repeat">
-      <a:schemeClr val="accent2">
+      <a:schemeClr val="accent6">
         <a:tint val="50000"/>
       </a:schemeClr>
     </dgm:fillClrLst>
@@ -1019,7 +1024,7 @@
   </dgm:styleLbl>
   <dgm:styleLbl name="bgImgPlace1">
     <dgm:fillClrLst meth="repeat">
-      <a:schemeClr val="accent2">
+      <a:schemeClr val="accent6">
         <a:tint val="50000"/>
       </a:schemeClr>
     </dgm:fillClrLst>
@@ -1035,12 +1040,12 @@
   </dgm:styleLbl>
   <dgm:styleLbl name="sibTrans2D1">
     <dgm:fillClrLst meth="repeat">
-      <a:schemeClr val="accent2">
+      <a:schemeClr val="accent6">
         <a:tint val="60000"/>
       </a:schemeClr>
     </dgm:fillClrLst>
     <dgm:linClrLst meth="repeat">
-      <a:schemeClr val="accent2">
+      <a:schemeClr val="accent6">
         <a:tint val="60000"/>
       </a:schemeClr>
     </dgm:linClrLst>
@@ -1051,12 +1056,12 @@
   </dgm:styleLbl>
   <dgm:styleLbl name="fgSibTrans2D1">
     <dgm:fillClrLst meth="repeat">
-      <a:schemeClr val="accent2">
+      <a:schemeClr val="accent6">
         <a:tint val="60000"/>
       </a:schemeClr>
     </dgm:fillClrLst>
     <dgm:linClrLst meth="repeat">
-      <a:schemeClr val="accent2">
+      <a:schemeClr val="accent6">
         <a:tint val="60000"/>
       </a:schemeClr>
     </dgm:linClrLst>
@@ -1067,12 +1072,12 @@
   </dgm:styleLbl>
   <dgm:styleLbl name="bgSibTrans2D1">
     <dgm:fillClrLst meth="repeat">
-      <a:schemeClr val="accent2">
+      <a:schemeClr val="accent6">
         <a:tint val="60000"/>
       </a:schemeClr>
     </dgm:fillClrLst>
     <dgm:linClrLst meth="repeat">
-      <a:schemeClr val="accent2">
+      <a:schemeClr val="accent6">
         <a:tint val="60000"/>
       </a:schemeClr>
     </dgm:linClrLst>
@@ -1083,10 +1088,10 @@
   </dgm:styleLbl>
   <dgm:styleLbl name="sibTrans1D1">
     <dgm:fillClrLst meth="repeat">
-      <a:schemeClr val="accent2"/>
+      <a:schemeClr val="accent6"/>
     </dgm:fillClrLst>
     <dgm:linClrLst meth="repeat">
-      <a:schemeClr val="accent2"/>
+      <a:schemeClr val="accent6"/>
     </dgm:linClrLst>
     <dgm:effectClrLst/>
     <dgm:txLinClrLst/>
@@ -1097,10 +1102,10 @@
   </dgm:styleLbl>
   <dgm:styleLbl name="callout">
     <dgm:fillClrLst meth="repeat">
-      <a:schemeClr val="accent2"/>
+      <a:schemeClr val="accent6"/>
     </dgm:fillClrLst>
     <dgm:linClrLst meth="repeat">
-      <a:schemeClr val="accent2">
+      <a:schemeClr val="accent6">
         <a:tint val="50000"/>
       </a:schemeClr>
     </dgm:linClrLst>
@@ -1113,7 +1118,7 @@
   </dgm:styleLbl>
   <dgm:styleLbl name="asst0">
     <dgm:fillClrLst meth="repeat">
-      <a:schemeClr val="accent2"/>
+      <a:schemeClr val="accent6"/>
     </dgm:fillClrLst>
     <dgm:linClrLst meth="repeat">
       <a:schemeClr val="lt1"/>
@@ -1125,7 +1130,7 @@
   </dgm:styleLbl>
   <dgm:styleLbl name="asst1">
     <dgm:fillClrLst meth="repeat">
-      <a:schemeClr val="accent2"/>
+      <a:schemeClr val="accent6"/>
     </dgm:fillClrLst>
     <dgm:linClrLst meth="repeat">
       <a:schemeClr val="lt1"/>
@@ -1137,7 +1142,7 @@
   </dgm:styleLbl>
   <dgm:styleLbl name="asst2">
     <dgm:fillClrLst meth="repeat">
-      <a:schemeClr val="accent2"/>
+      <a:schemeClr val="accent6"/>
     </dgm:fillClrLst>
     <dgm:linClrLst meth="repeat">
       <a:schemeClr val="lt1"/>
@@ -1149,7 +1154,7 @@
   </dgm:styleLbl>
   <dgm:styleLbl name="asst3">
     <dgm:fillClrLst meth="repeat">
-      <a:schemeClr val="accent2"/>
+      <a:schemeClr val="accent6"/>
     </dgm:fillClrLst>
     <dgm:linClrLst meth="repeat">
       <a:schemeClr val="lt1"/>
@@ -1161,7 +1166,7 @@
   </dgm:styleLbl>
   <dgm:styleLbl name="asst4">
     <dgm:fillClrLst meth="repeat">
-      <a:schemeClr val="accent2"/>
+      <a:schemeClr val="accent6"/>
     </dgm:fillClrLst>
     <dgm:linClrLst meth="repeat">
       <a:schemeClr val="lt1"/>
@@ -1173,12 +1178,12 @@
   </dgm:styleLbl>
   <dgm:styleLbl name="parChTrans2D1">
     <dgm:fillClrLst meth="repeat">
-      <a:schemeClr val="accent2">
+      <a:schemeClr val="accent6">
         <a:tint val="60000"/>
       </a:schemeClr>
     </dgm:fillClrLst>
     <dgm:linClrLst meth="repeat">
-      <a:schemeClr val="accent2">
+      <a:schemeClr val="accent6">
         <a:tint val="60000"/>
       </a:schemeClr>
     </dgm:linClrLst>
@@ -1191,10 +1196,10 @@
   </dgm:styleLbl>
   <dgm:styleLbl name="parChTrans2D2">
     <dgm:fillClrLst meth="repeat">
-      <a:schemeClr val="accent2"/>
+      <a:schemeClr val="accent6"/>
     </dgm:fillClrLst>
     <dgm:linClrLst meth="repeat">
-      <a:schemeClr val="accent2"/>
+      <a:schemeClr val="accent6"/>
     </dgm:linClrLst>
     <dgm:effectClrLst/>
     <dgm:txLinClrLst/>
@@ -1205,10 +1210,10 @@
   </dgm:styleLbl>
   <dgm:styleLbl name="parChTrans2D3">
     <dgm:fillClrLst meth="repeat">
-      <a:schemeClr val="accent2"/>
+      <a:schemeClr val="accent6"/>
     </dgm:fillClrLst>
     <dgm:linClrLst meth="repeat">
-      <a:schemeClr val="accent2"/>
+      <a:schemeClr val="accent6"/>
     </dgm:linClrLst>
     <dgm:effectClrLst/>
     <dgm:txLinClrLst/>
@@ -1219,10 +1224,10 @@
   </dgm:styleLbl>
   <dgm:styleLbl name="parChTrans2D4">
     <dgm:fillClrLst meth="repeat">
-      <a:schemeClr val="accent2"/>
+      <a:schemeClr val="accent6"/>
     </dgm:fillClrLst>
     <dgm:linClrLst meth="repeat">
-      <a:schemeClr val="accent2"/>
+      <a:schemeClr val="accent6"/>
     </dgm:linClrLst>
     <dgm:effectClrLst/>
     <dgm:txLinClrLst/>
@@ -1233,10 +1238,10 @@
   </dgm:styleLbl>
   <dgm:styleLbl name="parChTrans1D1">
     <dgm:fillClrLst meth="repeat">
-      <a:schemeClr val="accent2"/>
+      <a:schemeClr val="accent6"/>
     </dgm:fillClrLst>
     <dgm:linClrLst meth="repeat">
-      <a:schemeClr val="accent2">
+      <a:schemeClr val="accent6">
         <a:shade val="60000"/>
       </a:schemeClr>
     </dgm:linClrLst>
@@ -1249,10 +1254,10 @@
   </dgm:styleLbl>
   <dgm:styleLbl name="parChTrans1D2">
     <dgm:fillClrLst meth="repeat">
-      <a:schemeClr val="accent2"/>
+      <a:schemeClr val="accent6"/>
     </dgm:fillClrLst>
     <dgm:linClrLst meth="repeat">
-      <a:schemeClr val="accent2">
+      <a:schemeClr val="accent6">
         <a:shade val="60000"/>
       </a:schemeClr>
     </dgm:linClrLst>
@@ -1265,10 +1270,10 @@
   </dgm:styleLbl>
   <dgm:styleLbl name="parChTrans1D3">
     <dgm:fillClrLst meth="repeat">
-      <a:schemeClr val="accent2"/>
+      <a:schemeClr val="accent6"/>
     </dgm:fillClrLst>
     <dgm:linClrLst meth="repeat">
-      <a:schemeClr val="accent2">
+      <a:schemeClr val="accent6">
         <a:shade val="80000"/>
       </a:schemeClr>
     </dgm:linClrLst>
@@ -1281,10 +1286,10 @@
   </dgm:styleLbl>
   <dgm:styleLbl name="parChTrans1D4">
     <dgm:fillClrLst meth="repeat">
-      <a:schemeClr val="accent2"/>
+      <a:schemeClr val="accent6"/>
     </dgm:fillClrLst>
     <dgm:linClrLst meth="repeat">
-      <a:schemeClr val="accent2">
+      <a:schemeClr val="accent6">
         <a:shade val="80000"/>
       </a:schemeClr>
     </dgm:linClrLst>
@@ -1302,7 +1307,7 @@
       </a:schemeClr>
     </dgm:fillClrLst>
     <dgm:linClrLst meth="repeat">
-      <a:schemeClr val="accent2"/>
+      <a:schemeClr val="accent6"/>
     </dgm:linClrLst>
     <dgm:effectClrLst/>
     <dgm:txLinClrLst/>
@@ -1318,7 +1323,7 @@
       </a:schemeClr>
     </dgm:fillClrLst>
     <dgm:linClrLst meth="repeat">
-      <a:schemeClr val="accent2"/>
+      <a:schemeClr val="accent6"/>
     </dgm:linClrLst>
     <dgm:effectClrLst/>
     <dgm:txLinClrLst/>
@@ -1334,7 +1339,7 @@
       </a:schemeClr>
     </dgm:fillClrLst>
     <dgm:linClrLst meth="repeat">
-      <a:schemeClr val="accent2"/>
+      <a:schemeClr val="accent6"/>
     </dgm:linClrLst>
     <dgm:effectClrLst/>
     <dgm:txLinClrLst/>
@@ -1350,7 +1355,7 @@
       </a:schemeClr>
     </dgm:fillClrLst>
     <dgm:linClrLst meth="repeat">
-      <a:schemeClr val="accent2"/>
+      <a:schemeClr val="accent6"/>
     </dgm:linClrLst>
     <dgm:effectClrLst/>
     <dgm:txLinClrLst/>
@@ -1366,7 +1371,7 @@
       </a:schemeClr>
     </dgm:fillClrLst>
     <dgm:linClrLst meth="repeat">
-      <a:schemeClr val="accent2"/>
+      <a:schemeClr val="accent6"/>
     </dgm:linClrLst>
     <dgm:effectClrLst/>
     <dgm:txLinClrLst/>
@@ -1380,7 +1385,7 @@
       <a:schemeClr val="lt1"/>
     </dgm:fillClrLst>
     <dgm:linClrLst meth="repeat">
-      <a:schemeClr val="accent2"/>
+      <a:schemeClr val="accent6"/>
     </dgm:linClrLst>
     <dgm:effectClrLst/>
     <dgm:txLinClrLst/>
@@ -1394,7 +1399,7 @@
       <a:schemeClr val="lt1"/>
     </dgm:fillClrLst>
     <dgm:linClrLst meth="repeat">
-      <a:schemeClr val="accent2"/>
+      <a:schemeClr val="accent6"/>
     </dgm:linClrLst>
     <dgm:effectClrLst/>
     <dgm:txLinClrLst/>
@@ -1408,7 +1413,7 @@
       <a:schemeClr val="lt1"/>
     </dgm:fillClrLst>
     <dgm:linClrLst meth="repeat">
-      <a:schemeClr val="accent2"/>
+      <a:schemeClr val="accent6"/>
     </dgm:linClrLst>
     <dgm:effectClrLst/>
     <dgm:txLinClrLst/>
@@ -1419,13 +1424,13 @@
   </dgm:styleLbl>
   <dgm:styleLbl name="fgAccFollowNode1">
     <dgm:fillClrLst meth="repeat">
-      <a:schemeClr val="accent2">
+      <a:schemeClr val="accent6">
         <a:alpha val="90000"/>
         <a:tint val="40000"/>
       </a:schemeClr>
     </dgm:fillClrLst>
     <dgm:linClrLst meth="repeat">
-      <a:schemeClr val="accent2">
+      <a:schemeClr val="accent6">
         <a:alpha val="90000"/>
         <a:tint val="40000"/>
       </a:schemeClr>
@@ -1439,13 +1444,13 @@
   </dgm:styleLbl>
   <dgm:styleLbl name="alignAccFollowNode1">
     <dgm:fillClrLst meth="repeat">
-      <a:schemeClr val="accent2">
+      <a:schemeClr val="accent6">
         <a:alpha val="90000"/>
         <a:tint val="40000"/>
       </a:schemeClr>
     </dgm:fillClrLst>
     <dgm:linClrLst meth="repeat">
-      <a:schemeClr val="accent2">
+      <a:schemeClr val="accent6">
         <a:alpha val="90000"/>
         <a:tint val="40000"/>
       </a:schemeClr>
@@ -1459,13 +1464,13 @@
   </dgm:styleLbl>
   <dgm:styleLbl name="bgAccFollowNode1">
     <dgm:fillClrLst meth="repeat">
-      <a:schemeClr val="accent2">
+      <a:schemeClr val="accent6">
         <a:alpha val="90000"/>
         <a:tint val="40000"/>
       </a:schemeClr>
     </dgm:fillClrLst>
     <dgm:linClrLst meth="repeat">
-      <a:schemeClr val="accent2">
+      <a:schemeClr val="accent6">
         <a:alpha val="90000"/>
         <a:tint val="40000"/>
       </a:schemeClr>
@@ -1484,7 +1489,7 @@
       </a:schemeClr>
     </dgm:fillClrLst>
     <dgm:linClrLst meth="repeat">
-      <a:schemeClr val="accent2"/>
+      <a:schemeClr val="accent6"/>
     </dgm:linClrLst>
     <dgm:effectClrLst/>
     <dgm:txLinClrLst/>
@@ -1500,7 +1505,7 @@
       </a:schemeClr>
     </dgm:fillClrLst>
     <dgm:linClrLst meth="repeat">
-      <a:schemeClr val="accent2"/>
+      <a:schemeClr val="accent6"/>
     </dgm:linClrLst>
     <dgm:effectClrLst/>
     <dgm:txLinClrLst/>
@@ -1516,7 +1521,7 @@
       </a:schemeClr>
     </dgm:fillClrLst>
     <dgm:linClrLst meth="repeat">
-      <a:schemeClr val="accent2"/>
+      <a:schemeClr val="accent6"/>
     </dgm:linClrLst>
     <dgm:effectClrLst/>
     <dgm:txLinClrLst/>
@@ -1532,7 +1537,7 @@
       </a:schemeClr>
     </dgm:fillClrLst>
     <dgm:linClrLst meth="repeat">
-      <a:schemeClr val="accent2"/>
+      <a:schemeClr val="accent6"/>
     </dgm:linClrLst>
     <dgm:effectClrLst/>
     <dgm:txLinClrLst/>
@@ -1543,12 +1548,12 @@
   </dgm:styleLbl>
   <dgm:styleLbl name="bgShp">
     <dgm:fillClrLst meth="repeat">
-      <a:schemeClr val="accent2">
+      <a:schemeClr val="accent6">
         <a:tint val="40000"/>
       </a:schemeClr>
     </dgm:fillClrLst>
     <dgm:linClrLst meth="repeat">
-      <a:schemeClr val="accent2"/>
+      <a:schemeClr val="accent6"/>
     </dgm:linClrLst>
     <dgm:effectClrLst/>
     <dgm:txLinClrLst/>
@@ -1559,12 +1564,12 @@
   </dgm:styleLbl>
   <dgm:styleLbl name="dkBgShp">
     <dgm:fillClrLst meth="repeat">
-      <a:schemeClr val="accent2">
+      <a:schemeClr val="accent6">
         <a:shade val="80000"/>
       </a:schemeClr>
     </dgm:fillClrLst>
     <dgm:linClrLst meth="repeat">
-      <a:schemeClr val="accent2"/>
+      <a:schemeClr val="accent6"/>
     </dgm:linClrLst>
     <dgm:effectClrLst/>
     <dgm:txLinClrLst/>
@@ -1575,13 +1580,13 @@
   </dgm:styleLbl>
   <dgm:styleLbl name="trBgShp">
     <dgm:fillClrLst meth="repeat">
-      <a:schemeClr val="accent2">
+      <a:schemeClr val="accent6">
         <a:tint val="50000"/>
         <a:alpha val="40000"/>
       </a:schemeClr>
     </dgm:fillClrLst>
     <dgm:linClrLst meth="repeat">
-      <a:schemeClr val="accent2"/>
+      <a:schemeClr val="accent6"/>
     </dgm:linClrLst>
     <dgm:effectClrLst/>
     <dgm:txLinClrLst/>
@@ -1592,7 +1597,7 @@
   </dgm:styleLbl>
   <dgm:styleLbl name="fgShp">
     <dgm:fillClrLst meth="repeat">
-      <a:schemeClr val="accent2">
+      <a:schemeClr val="accent6">
         <a:tint val="60000"/>
       </a:schemeClr>
     </dgm:fillClrLst>
@@ -1631,7 +1636,7 @@
 <dgm:dataModel xmlns:dgm="http://schemas.openxmlformats.org/drawingml/2006/diagram" xmlns:a="http://schemas.openxmlformats.org/drawingml/2006/main">
   <dgm:ptLst>
     <dgm:pt modelId="{EB68B606-1420-49B5-BEA9-02EAB87264D4}" type="doc">
-      <dgm:prSet loTypeId="urn:microsoft.com/office/officeart/2018/5/layout/IconCircleLabelList" loCatId="icon" qsTypeId="urn:microsoft.com/office/officeart/2005/8/quickstyle/simple1" qsCatId="simple" csTypeId="urn:microsoft.com/office/officeart/2005/8/colors/accent2_2" csCatId="accent2" phldr="1"/>
+      <dgm:prSet loTypeId="urn:microsoft.com/office/officeart/2018/5/layout/IconCircleLabelList" loCatId="icon" qsTypeId="urn:microsoft.com/office/officeart/2005/8/quickstyle/simple4" qsCatId="simple" csTypeId="urn:microsoft.com/office/officeart/2005/8/colors/accent6_2" csCatId="accent6" phldr="1"/>
       <dgm:spPr/>
       <dgm:t>
         <a:bodyPr/>
@@ -1656,7 +1661,7 @@
           </a:pPr>
           <a:r>
             <a:rPr lang="en-US" dirty="0"/>
-            <a:t>Data Refinement</a:t>
+            <a:t>Data INTRODUCTION AND CLEANING</a:t>
           </a:r>
         </a:p>
       </dgm:t>
@@ -1886,9 +1891,6 @@
             <a:fillRect/>
           </a:stretch>
         </a:blipFill>
-        <a:ln>
-          <a:noFill/>
-        </a:ln>
       </dgm:spPr>
       <dgm:extLst>
         <a:ext uri="{E40237B7-FDA0-4F09-8148-C483321AD2D9}">
@@ -1939,9 +1941,6 @@
             <a:fillRect/>
           </a:stretch>
         </a:blipFill>
-        <a:ln>
-          <a:noFill/>
-        </a:ln>
       </dgm:spPr>
       <dgm:extLst>
         <a:ext uri="{E40237B7-FDA0-4F09-8148-C483321AD2D9}">
@@ -1992,9 +1991,6 @@
             <a:fillRect/>
           </a:stretch>
         </a:blipFill>
-        <a:ln>
-          <a:noFill/>
-        </a:ln>
       </dgm:spPr>
       <dgm:extLst>
         <a:ext uri="{E40237B7-FDA0-4F09-8148-C483321AD2D9}">
@@ -2045,9 +2041,6 @@
             <a:fillRect/>
           </a:stretch>
         </a:blipFill>
-        <a:ln>
-          <a:noFill/>
-        </a:ln>
       </dgm:spPr>
       <dgm:extLst>
         <a:ext uri="{E40237B7-FDA0-4F09-8148-C483321AD2D9}">
@@ -2098,9 +2091,6 @@
             <a:fillRect/>
           </a:stretch>
         </a:blipFill>
-        <a:ln>
-          <a:noFill/>
-        </a:ln>
       </dgm:spPr>
       <dgm:extLst>
         <a:ext uri="{E40237B7-FDA0-4F09-8148-C483321AD2D9}">
@@ -2168,7 +2158,7 @@
   <dgm:whole/>
   <dgm:extLst>
     <a:ext uri="http://schemas.microsoft.com/office/drawing/2008/diagram">
-      <dsp:dataModelExt xmlns:dsp="http://schemas.microsoft.com/office/drawing/2008/diagram" relId="rId6" minVer="http://schemas.openxmlformats.org/drawingml/2006/diagram"/>
+      <dsp:dataModelExt xmlns:dsp="http://schemas.microsoft.com/office/drawing/2008/diagram" relId="rId7" minVer="http://schemas.openxmlformats.org/drawingml/2006/diagram"/>
     </a:ext>
   </dgm:extLst>
 </dgm:dataModel>
@@ -2178,7 +2168,7 @@
 <dgm:dataModel xmlns:dgm="http://schemas.openxmlformats.org/drawingml/2006/diagram" xmlns:a="http://schemas.openxmlformats.org/drawingml/2006/main">
   <dgm:ptLst>
     <dgm:pt modelId="{7ACFA93C-7D07-49F0-8C42-7D5E91B653A8}" type="doc">
-      <dgm:prSet loTypeId="urn:microsoft.com/office/officeart/2018/2/layout/IconVerticalSolidList" loCatId="icon" qsTypeId="urn:microsoft.com/office/officeart/2005/8/quickstyle/simple4" qsCatId="simple" csTypeId="urn:microsoft.com/office/officeart/2005/8/colors/accent2_2" csCatId="accent2" phldr="1"/>
+      <dgm:prSet loTypeId="urn:microsoft.com/office/officeart/2018/2/layout/IconVerticalSolidList" loCatId="icon" qsTypeId="urn:microsoft.com/office/officeart/2005/8/quickstyle/simple4" qsCatId="simple" csTypeId="urn:microsoft.com/office/officeart/2005/8/colors/accent6_2" csCatId="accent6" phldr="1"/>
       <dgm:spPr/>
       <dgm:t>
         <a:bodyPr/>
@@ -2243,7 +2233,7 @@
           </a:pPr>
           <a:r>
             <a:rPr lang="en-US" sz="2000" dirty="0"/>
-            <a:t>Joined on XID.</a:t>
+            <a:t>Joined tables on XID.</a:t>
           </a:r>
         </a:p>
       </dgm:t>
@@ -2491,7 +2481,7 @@
   <dgm:whole/>
   <dgm:extLst>
     <a:ext uri="http://schemas.microsoft.com/office/drawing/2008/diagram">
-      <dsp:dataModelExt xmlns:dsp="http://schemas.microsoft.com/office/drawing/2008/diagram" relId="rId6" minVer="http://schemas.openxmlformats.org/drawingml/2006/diagram"/>
+      <dsp:dataModelExt xmlns:dsp="http://schemas.microsoft.com/office/drawing/2008/diagram" relId="rId7" minVer="http://schemas.openxmlformats.org/drawingml/2006/diagram"/>
     </a:ext>
   </dgm:extLst>
 </dgm:dataModel>
@@ -2519,7 +2509,7 @@
           <a:avLst/>
         </a:prstGeom>
         <a:solidFill>
-          <a:schemeClr val="accent2">
+          <a:schemeClr val="accent6">
             <a:tint val="40000"/>
             <a:hueOff val="0"/>
             <a:satOff val="0"/>
@@ -2539,7 +2529,7 @@
         <a:fillRef idx="1">
           <a:scrgbClr r="0" g="0" b="0"/>
         </a:fillRef>
-        <a:effectRef idx="0">
+        <a:effectRef idx="2">
           <a:scrgbClr r="0" g="0" b="0"/>
         </a:effectRef>
         <a:fontRef idx="minor"/>
@@ -2573,21 +2563,19 @@
             <a:fillRect/>
           </a:stretch>
         </a:blipFill>
-        <a:ln w="12700" cap="flat" cmpd="sng" algn="ctr">
+        <a:ln>
           <a:noFill/>
-          <a:prstDash val="solid"/>
-          <a:miter lim="800000"/>
         </a:ln>
         <a:effectLst/>
       </dsp:spPr>
       <dsp:style>
-        <a:lnRef idx="2">
+        <a:lnRef idx="0">
           <a:scrgbClr r="0" g="0" b="0"/>
         </a:lnRef>
-        <a:fillRef idx="1">
+        <a:fillRef idx="3">
           <a:scrgbClr r="0" g="0" b="0"/>
         </a:fillRef>
-        <a:effectRef idx="0">
+        <a:effectRef idx="2">
           <a:scrgbClr r="0" g="0" b="0"/>
         </a:effectRef>
         <a:fontRef idx="minor">
@@ -2632,7 +2620,7 @@
         </a:bodyPr>
         <a:lstStyle/>
         <a:p>
-          <a:pPr marL="0" lvl="0" indent="0" algn="ctr" defTabSz="622300">
+          <a:pPr marL="0" lvl="0" indent="0" algn="ctr" defTabSz="533400">
             <a:lnSpc>
               <a:spcPct val="100000"/>
             </a:lnSpc>
@@ -2646,8 +2634,8 @@
             <a:defRPr cap="all"/>
           </a:pPr>
           <a:r>
-            <a:rPr lang="en-US" sz="1400" kern="1200" dirty="0"/>
-            <a:t>Data Refinement</a:t>
+            <a:rPr lang="en-US" sz="1200" kern="1200" dirty="0"/>
+            <a:t>Data INTRODUCTION AND CLEANING</a:t>
           </a:r>
         </a:p>
       </dsp:txBody>
@@ -2670,7 +2658,7 @@
           <a:avLst/>
         </a:prstGeom>
         <a:solidFill>
-          <a:schemeClr val="accent2">
+          <a:schemeClr val="accent6">
             <a:tint val="40000"/>
             <a:hueOff val="0"/>
             <a:satOff val="0"/>
@@ -2690,7 +2678,7 @@
         <a:fillRef idx="1">
           <a:scrgbClr r="0" g="0" b="0"/>
         </a:fillRef>
-        <a:effectRef idx="0">
+        <a:effectRef idx="2">
           <a:scrgbClr r="0" g="0" b="0"/>
         </a:effectRef>
         <a:fontRef idx="minor"/>
@@ -2724,21 +2712,19 @@
             <a:fillRect/>
           </a:stretch>
         </a:blipFill>
-        <a:ln w="12700" cap="flat" cmpd="sng" algn="ctr">
+        <a:ln>
           <a:noFill/>
-          <a:prstDash val="solid"/>
-          <a:miter lim="800000"/>
         </a:ln>
         <a:effectLst/>
       </dsp:spPr>
       <dsp:style>
-        <a:lnRef idx="2">
+        <a:lnRef idx="0">
           <a:scrgbClr r="0" g="0" b="0"/>
         </a:lnRef>
-        <a:fillRef idx="1">
+        <a:fillRef idx="3">
           <a:scrgbClr r="0" g="0" b="0"/>
         </a:fillRef>
-        <a:effectRef idx="0">
+        <a:effectRef idx="2">
           <a:scrgbClr r="0" g="0" b="0"/>
         </a:effectRef>
         <a:fontRef idx="minor">
@@ -2783,7 +2769,7 @@
         </a:bodyPr>
         <a:lstStyle/>
         <a:p>
-          <a:pPr marL="0" lvl="0" indent="0" algn="ctr" defTabSz="622300">
+          <a:pPr marL="0" lvl="0" indent="0" algn="ctr" defTabSz="533400">
             <a:lnSpc>
               <a:spcPct val="100000"/>
             </a:lnSpc>
@@ -2797,7 +2783,7 @@
             <a:defRPr cap="all"/>
           </a:pPr>
           <a:r>
-            <a:rPr lang="en-US" sz="1400" kern="1200"/>
+            <a:rPr lang="en-US" sz="1200" kern="1200"/>
             <a:t>Application Development</a:t>
           </a:r>
         </a:p>
@@ -2821,7 +2807,7 @@
           <a:avLst/>
         </a:prstGeom>
         <a:solidFill>
-          <a:schemeClr val="accent2">
+          <a:schemeClr val="accent6">
             <a:tint val="40000"/>
             <a:hueOff val="0"/>
             <a:satOff val="0"/>
@@ -2841,7 +2827,7 @@
         <a:fillRef idx="1">
           <a:scrgbClr r="0" g="0" b="0"/>
         </a:fillRef>
-        <a:effectRef idx="0">
+        <a:effectRef idx="2">
           <a:scrgbClr r="0" g="0" b="0"/>
         </a:effectRef>
         <a:fontRef idx="minor"/>
@@ -2875,21 +2861,19 @@
             <a:fillRect/>
           </a:stretch>
         </a:blipFill>
-        <a:ln w="12700" cap="flat" cmpd="sng" algn="ctr">
+        <a:ln>
           <a:noFill/>
-          <a:prstDash val="solid"/>
-          <a:miter lim="800000"/>
         </a:ln>
         <a:effectLst/>
       </dsp:spPr>
       <dsp:style>
-        <a:lnRef idx="2">
+        <a:lnRef idx="0">
           <a:scrgbClr r="0" g="0" b="0"/>
         </a:lnRef>
-        <a:fillRef idx="1">
+        <a:fillRef idx="3">
           <a:scrgbClr r="0" g="0" b="0"/>
         </a:fillRef>
-        <a:effectRef idx="0">
+        <a:effectRef idx="2">
           <a:scrgbClr r="0" g="0" b="0"/>
         </a:effectRef>
         <a:fontRef idx="minor">
@@ -2934,7 +2918,7 @@
         </a:bodyPr>
         <a:lstStyle/>
         <a:p>
-          <a:pPr marL="0" lvl="0" indent="0" algn="ctr" defTabSz="622300">
+          <a:pPr marL="0" lvl="0" indent="0" algn="ctr" defTabSz="533400">
             <a:lnSpc>
               <a:spcPct val="100000"/>
             </a:lnSpc>
@@ -2948,7 +2932,7 @@
             <a:defRPr cap="all"/>
           </a:pPr>
           <a:r>
-            <a:rPr lang="en-US" sz="1400" kern="1200"/>
+            <a:rPr lang="en-US" sz="1200" kern="1200"/>
             <a:t>Demonstration</a:t>
           </a:r>
         </a:p>
@@ -2972,7 +2956,7 @@
           <a:avLst/>
         </a:prstGeom>
         <a:solidFill>
-          <a:schemeClr val="accent2">
+          <a:schemeClr val="accent6">
             <a:tint val="40000"/>
             <a:hueOff val="0"/>
             <a:satOff val="0"/>
@@ -2992,7 +2976,7 @@
         <a:fillRef idx="1">
           <a:scrgbClr r="0" g="0" b="0"/>
         </a:fillRef>
-        <a:effectRef idx="0">
+        <a:effectRef idx="2">
           <a:scrgbClr r="0" g="0" b="0"/>
         </a:effectRef>
         <a:fontRef idx="minor"/>
@@ -3026,21 +3010,19 @@
             <a:fillRect/>
           </a:stretch>
         </a:blipFill>
-        <a:ln w="12700" cap="flat" cmpd="sng" algn="ctr">
+        <a:ln>
           <a:noFill/>
-          <a:prstDash val="solid"/>
-          <a:miter lim="800000"/>
         </a:ln>
         <a:effectLst/>
       </dsp:spPr>
       <dsp:style>
-        <a:lnRef idx="2">
+        <a:lnRef idx="0">
           <a:scrgbClr r="0" g="0" b="0"/>
         </a:lnRef>
-        <a:fillRef idx="1">
+        <a:fillRef idx="3">
           <a:scrgbClr r="0" g="0" b="0"/>
         </a:fillRef>
-        <a:effectRef idx="0">
+        <a:effectRef idx="2">
           <a:scrgbClr r="0" g="0" b="0"/>
         </a:effectRef>
         <a:fontRef idx="minor">
@@ -3085,7 +3067,7 @@
         </a:bodyPr>
         <a:lstStyle/>
         <a:p>
-          <a:pPr marL="0" lvl="0" indent="0" algn="ctr" defTabSz="622300">
+          <a:pPr marL="0" lvl="0" indent="0" algn="ctr" defTabSz="533400">
             <a:lnSpc>
               <a:spcPct val="100000"/>
             </a:lnSpc>
@@ -3099,7 +3081,7 @@
             <a:defRPr cap="all"/>
           </a:pPr>
           <a:r>
-            <a:rPr lang="en-US" sz="1400" kern="1200"/>
+            <a:rPr lang="en-US" sz="1200" kern="1200"/>
             <a:t>Key Insights</a:t>
           </a:r>
         </a:p>
@@ -3123,7 +3105,7 @@
           <a:avLst/>
         </a:prstGeom>
         <a:solidFill>
-          <a:schemeClr val="accent2">
+          <a:schemeClr val="accent6">
             <a:tint val="40000"/>
             <a:hueOff val="0"/>
             <a:satOff val="0"/>
@@ -3143,7 +3125,7 @@
         <a:fillRef idx="1">
           <a:scrgbClr r="0" g="0" b="0"/>
         </a:fillRef>
-        <a:effectRef idx="0">
+        <a:effectRef idx="2">
           <a:scrgbClr r="0" g="0" b="0"/>
         </a:effectRef>
         <a:fontRef idx="minor"/>
@@ -3177,21 +3159,19 @@
             <a:fillRect/>
           </a:stretch>
         </a:blipFill>
-        <a:ln w="12700" cap="flat" cmpd="sng" algn="ctr">
+        <a:ln>
           <a:noFill/>
-          <a:prstDash val="solid"/>
-          <a:miter lim="800000"/>
         </a:ln>
         <a:effectLst/>
       </dsp:spPr>
       <dsp:style>
-        <a:lnRef idx="2">
+        <a:lnRef idx="0">
           <a:scrgbClr r="0" g="0" b="0"/>
         </a:lnRef>
-        <a:fillRef idx="1">
+        <a:fillRef idx="3">
           <a:scrgbClr r="0" g="0" b="0"/>
         </a:fillRef>
-        <a:effectRef idx="0">
+        <a:effectRef idx="2">
           <a:scrgbClr r="0" g="0" b="0"/>
         </a:effectRef>
         <a:fontRef idx="minor">
@@ -3236,7 +3216,7 @@
         </a:bodyPr>
         <a:lstStyle/>
         <a:p>
-          <a:pPr marL="0" lvl="0" indent="0" algn="ctr" defTabSz="622300">
+          <a:pPr marL="0" lvl="0" indent="0" algn="ctr" defTabSz="533400">
             <a:lnSpc>
               <a:spcPct val="100000"/>
             </a:lnSpc>
@@ -3250,7 +3230,7 @@
             <a:defRPr cap="all"/>
           </a:pPr>
           <a:r>
-            <a:rPr lang="en-US" sz="1400" kern="1200"/>
+            <a:rPr lang="en-US" sz="1200" kern="1200"/>
             <a:t>Moving Forward</a:t>
           </a:r>
         </a:p>
@@ -3288,7 +3268,7 @@
           </a:avLst>
         </a:prstGeom>
         <a:solidFill>
-          <a:schemeClr val="accent2">
+          <a:schemeClr val="accent6">
             <a:tint val="40000"/>
             <a:hueOff val="0"/>
             <a:satOff val="0"/>
@@ -3436,7 +3416,7 @@
           </a:avLst>
         </a:prstGeom>
         <a:solidFill>
-          <a:schemeClr val="accent2">
+          <a:schemeClr val="accent6">
             <a:tint val="40000"/>
             <a:hueOff val="0"/>
             <a:satOff val="0"/>
@@ -3559,7 +3539,7 @@
           </a:pPr>
           <a:r>
             <a:rPr lang="en-US" sz="2000" kern="1200" dirty="0"/>
-            <a:t>Joined on XID.</a:t>
+            <a:t>Joined tables on XID.</a:t>
           </a:r>
         </a:p>
       </dsp:txBody>
@@ -3584,7 +3564,7 @@
           </a:avLst>
         </a:prstGeom>
         <a:solidFill>
-          <a:schemeClr val="accent2">
+          <a:schemeClr val="accent6">
             <a:tint val="40000"/>
             <a:hueOff val="0"/>
             <a:satOff val="0"/>
@@ -4230,11 +4210,11 @@
 </file>
 
 <file path=ppt/diagrams/quickStyle1.xml><?xml version="1.0" encoding="utf-8"?>
-<dgm:styleDef xmlns:dgm="http://schemas.openxmlformats.org/drawingml/2006/diagram" xmlns:a="http://schemas.openxmlformats.org/drawingml/2006/main" uniqueId="urn:microsoft.com/office/officeart/2005/8/quickstyle/simple1">
+<dgm:styleDef xmlns:dgm="http://schemas.openxmlformats.org/drawingml/2006/diagram" xmlns:a="http://schemas.openxmlformats.org/drawingml/2006/main" uniqueId="urn:microsoft.com/office/officeart/2005/8/quickstyle/simple4">
   <dgm:title val=""/>
   <dgm:desc val=""/>
   <dgm:catLst>
-    <dgm:cat type="simple" pri="10100"/>
+    <dgm:cat type="simple" pri="10400"/>
   </dgm:catLst>
   <dgm:scene3d>
     <a:camera prst="orthographicFront"/>
@@ -4248,13 +4228,13 @@
     <dgm:sp3d/>
     <dgm:txPr/>
     <dgm:style>
-      <a:lnRef idx="2">
+      <a:lnRef idx="0">
         <a:scrgbClr r="0" g="0" b="0"/>
       </a:lnRef>
-      <a:fillRef idx="1">
+      <a:fillRef idx="3">
         <a:scrgbClr r="0" g="0" b="0"/>
       </a:fillRef>
-      <a:effectRef idx="0">
+      <a:effectRef idx="2">
         <a:scrgbClr r="0" g="0" b="0"/>
       </a:effectRef>
       <a:fontRef idx="minor">
@@ -4270,13 +4250,13 @@
     <dgm:sp3d/>
     <dgm:txPr/>
     <dgm:style>
-      <a:lnRef idx="2">
+      <a:lnRef idx="1">
         <a:scrgbClr r="0" g="0" b="0"/>
       </a:lnRef>
-      <a:fillRef idx="1">
+      <a:fillRef idx="3">
         <a:scrgbClr r="0" g="0" b="0"/>
       </a:fillRef>
-      <a:effectRef idx="0">
+      <a:effectRef idx="2">
         <a:scrgbClr r="0" g="0" b="0"/>
       </a:effectRef>
       <a:fontRef idx="minor">
@@ -4292,10 +4272,10 @@
     <dgm:sp3d/>
     <dgm:txPr/>
     <dgm:style>
-      <a:lnRef idx="2">
+      <a:lnRef idx="0">
         <a:scrgbClr r="0" g="0" b="0"/>
       </a:lnRef>
-      <a:fillRef idx="1">
+      <a:fillRef idx="3">
         <a:scrgbClr r="0" g="0" b="0"/>
       </a:fillRef>
       <a:effectRef idx="0">
@@ -4314,13 +4294,13 @@
     <dgm:sp3d/>
     <dgm:txPr/>
     <dgm:style>
-      <a:lnRef idx="2">
+      <a:lnRef idx="1">
         <a:scrgbClr r="0" g="0" b="0"/>
       </a:lnRef>
-      <a:fillRef idx="1">
+      <a:fillRef idx="3">
         <a:scrgbClr r="0" g="0" b="0"/>
       </a:fillRef>
-      <a:effectRef idx="0">
+      <a:effectRef idx="2">
         <a:scrgbClr r="0" g="0" b="0"/>
       </a:effectRef>
       <a:fontRef idx="minor">
@@ -4336,13 +4316,13 @@
     <dgm:sp3d/>
     <dgm:txPr/>
     <dgm:style>
-      <a:lnRef idx="2">
+      <a:lnRef idx="0">
         <a:scrgbClr r="0" g="0" b="0"/>
       </a:lnRef>
-      <a:fillRef idx="1">
+      <a:fillRef idx="3">
         <a:scrgbClr r="0" g="0" b="0"/>
       </a:fillRef>
-      <a:effectRef idx="0">
+      <a:effectRef idx="2">
         <a:scrgbClr r="0" g="0" b="0"/>
       </a:effectRef>
       <a:fontRef idx="minor">
@@ -4358,13 +4338,13 @@
     <dgm:sp3d/>
     <dgm:txPr/>
     <dgm:style>
-      <a:lnRef idx="2">
+      <a:lnRef idx="0">
         <a:scrgbClr r="0" g="0" b="0"/>
       </a:lnRef>
-      <a:fillRef idx="1">
+      <a:fillRef idx="3">
         <a:scrgbClr r="0" g="0" b="0"/>
       </a:fillRef>
-      <a:effectRef idx="0">
+      <a:effectRef idx="2">
         <a:scrgbClr r="0" g="0" b="0"/>
       </a:effectRef>
       <a:fontRef idx="minor">
@@ -4380,13 +4360,13 @@
     <dgm:sp3d/>
     <dgm:txPr/>
     <dgm:style>
-      <a:lnRef idx="2">
+      <a:lnRef idx="0">
         <a:scrgbClr r="0" g="0" b="0"/>
       </a:lnRef>
-      <a:fillRef idx="1">
+      <a:fillRef idx="3">
         <a:scrgbClr r="0" g="0" b="0"/>
       </a:fillRef>
-      <a:effectRef idx="0">
+      <a:effectRef idx="2">
         <a:scrgbClr r="0" g="0" b="0"/>
       </a:effectRef>
       <a:fontRef idx="minor">
@@ -4402,13 +4382,13 @@
     <dgm:sp3d/>
     <dgm:txPr/>
     <dgm:style>
-      <a:lnRef idx="2">
+      <a:lnRef idx="0">
         <a:scrgbClr r="0" g="0" b="0"/>
       </a:lnRef>
-      <a:fillRef idx="1">
+      <a:fillRef idx="3">
         <a:scrgbClr r="0" g="0" b="0"/>
       </a:fillRef>
-      <a:effectRef idx="0">
+      <a:effectRef idx="2">
         <a:scrgbClr r="0" g="0" b="0"/>
       </a:effectRef>
       <a:fontRef idx="minor">
@@ -4424,13 +4404,13 @@
     <dgm:sp3d/>
     <dgm:txPr/>
     <dgm:style>
-      <a:lnRef idx="2">
+      <a:lnRef idx="0">
         <a:scrgbClr r="0" g="0" b="0"/>
       </a:lnRef>
       <a:fillRef idx="1">
         <a:scrgbClr r="0" g="0" b="0"/>
       </a:fillRef>
-      <a:effectRef idx="0">
+      <a:effectRef idx="2">
         <a:scrgbClr r="0" g="0" b="0"/>
       </a:effectRef>
       <a:fontRef idx="minor"/>
@@ -4444,13 +4424,13 @@
     <dgm:sp3d/>
     <dgm:txPr/>
     <dgm:style>
-      <a:lnRef idx="2">
+      <a:lnRef idx="0">
         <a:scrgbClr r="0" g="0" b="0"/>
       </a:lnRef>
       <a:fillRef idx="1">
         <a:scrgbClr r="0" g="0" b="0"/>
       </a:fillRef>
-      <a:effectRef idx="0">
+      <a:effectRef idx="2">
         <a:scrgbClr r="0" g="0" b="0"/>
       </a:effectRef>
       <a:fontRef idx="minor"/>
@@ -4464,13 +4444,13 @@
     <dgm:sp3d/>
     <dgm:txPr/>
     <dgm:style>
-      <a:lnRef idx="2">
+      <a:lnRef idx="0">
         <a:scrgbClr r="0" g="0" b="0"/>
       </a:lnRef>
       <a:fillRef idx="1">
         <a:scrgbClr r="0" g="0" b="0"/>
       </a:fillRef>
-      <a:effectRef idx="0">
+      <a:effectRef idx="2">
         <a:scrgbClr r="0" g="0" b="0"/>
       </a:effectRef>
       <a:fontRef idx="minor"/>
@@ -4487,10 +4467,10 @@
       <a:lnRef idx="0">
         <a:scrgbClr r="0" g="0" b="0"/>
       </a:lnRef>
-      <a:fillRef idx="1">
+      <a:fillRef idx="3">
         <a:scrgbClr r="0" g="0" b="0"/>
       </a:fillRef>
-      <a:effectRef idx="0">
+      <a:effectRef idx="2">
         <a:scrgbClr r="0" g="0" b="0"/>
       </a:effectRef>
       <a:fontRef idx="minor">
@@ -4509,10 +4489,10 @@
       <a:lnRef idx="0">
         <a:scrgbClr r="0" g="0" b="0"/>
       </a:lnRef>
-      <a:fillRef idx="1">
+      <a:fillRef idx="3">
         <a:scrgbClr r="0" g="0" b="0"/>
       </a:fillRef>
-      <a:effectRef idx="0">
+      <a:effectRef idx="2">
         <a:scrgbClr r="0" g="0" b="0"/>
       </a:effectRef>
       <a:fontRef idx="minor">
@@ -4531,10 +4511,10 @@
       <a:lnRef idx="0">
         <a:scrgbClr r="0" g="0" b="0"/>
       </a:lnRef>
-      <a:fillRef idx="1">
+      <a:fillRef idx="3">
         <a:scrgbClr r="0" g="0" b="0"/>
       </a:fillRef>
-      <a:effectRef idx="0">
+      <a:effectRef idx="2">
         <a:scrgbClr r="0" g="0" b="0"/>
       </a:effectRef>
       <a:fontRef idx="minor">
@@ -4576,7 +4556,7 @@
       <a:fillRef idx="1">
         <a:scrgbClr r="0" g="0" b="0"/>
       </a:fillRef>
-      <a:effectRef idx="0">
+      <a:effectRef idx="1">
         <a:scrgbClr r="0" g="0" b="0"/>
       </a:effectRef>
       <a:fontRef idx="minor"/>
@@ -4590,13 +4570,13 @@
     <dgm:sp3d/>
     <dgm:txPr/>
     <dgm:style>
-      <a:lnRef idx="2">
+      <a:lnRef idx="0">
         <a:scrgbClr r="0" g="0" b="0"/>
       </a:lnRef>
-      <a:fillRef idx="1">
+      <a:fillRef idx="3">
         <a:scrgbClr r="0" g="0" b="0"/>
       </a:fillRef>
-      <a:effectRef idx="0">
+      <a:effectRef idx="2">
         <a:scrgbClr r="0" g="0" b="0"/>
       </a:effectRef>
       <a:fontRef idx="minor">
@@ -4612,13 +4592,13 @@
     <dgm:sp3d/>
     <dgm:txPr/>
     <dgm:style>
-      <a:lnRef idx="2">
+      <a:lnRef idx="0">
         <a:scrgbClr r="0" g="0" b="0"/>
       </a:lnRef>
-      <a:fillRef idx="1">
+      <a:fillRef idx="3">
         <a:scrgbClr r="0" g="0" b="0"/>
       </a:fillRef>
-      <a:effectRef idx="0">
+      <a:effectRef idx="2">
         <a:scrgbClr r="0" g="0" b="0"/>
       </a:effectRef>
       <a:fontRef idx="minor">
@@ -4634,13 +4614,13 @@
     <dgm:sp3d/>
     <dgm:txPr/>
     <dgm:style>
-      <a:lnRef idx="2">
+      <a:lnRef idx="0">
         <a:scrgbClr r="0" g="0" b="0"/>
       </a:lnRef>
-      <a:fillRef idx="1">
+      <a:fillRef idx="3">
         <a:scrgbClr r="0" g="0" b="0"/>
       </a:fillRef>
-      <a:effectRef idx="0">
+      <a:effectRef idx="2">
         <a:scrgbClr r="0" g="0" b="0"/>
       </a:effectRef>
       <a:fontRef idx="minor">
@@ -4656,13 +4636,13 @@
     <dgm:sp3d/>
     <dgm:txPr/>
     <dgm:style>
-      <a:lnRef idx="2">
+      <a:lnRef idx="0">
         <a:scrgbClr r="0" g="0" b="0"/>
       </a:lnRef>
-      <a:fillRef idx="1">
+      <a:fillRef idx="3">
         <a:scrgbClr r="0" g="0" b="0"/>
       </a:fillRef>
-      <a:effectRef idx="0">
+      <a:effectRef idx="2">
         <a:scrgbClr r="0" g="0" b="0"/>
       </a:effectRef>
       <a:fontRef idx="minor">
@@ -4678,13 +4658,13 @@
     <dgm:sp3d/>
     <dgm:txPr/>
     <dgm:style>
-      <a:lnRef idx="2">
+      <a:lnRef idx="0">
         <a:scrgbClr r="0" g="0" b="0"/>
       </a:lnRef>
-      <a:fillRef idx="1">
+      <a:fillRef idx="3">
         <a:scrgbClr r="0" g="0" b="0"/>
       </a:fillRef>
-      <a:effectRef idx="0">
+      <a:effectRef idx="2">
         <a:scrgbClr r="0" g="0" b="0"/>
       </a:effectRef>
       <a:fontRef idx="minor">
@@ -4700,13 +4680,13 @@
     <dgm:sp3d/>
     <dgm:txPr/>
     <dgm:style>
-      <a:lnRef idx="2">
+      <a:lnRef idx="0">
         <a:scrgbClr r="0" g="0" b="0"/>
       </a:lnRef>
-      <a:fillRef idx="1">
+      <a:fillRef idx="3">
         <a:scrgbClr r="0" g="0" b="0"/>
       </a:fillRef>
-      <a:effectRef idx="0">
+      <a:effectRef idx="2">
         <a:scrgbClr r="0" g="0" b="0"/>
       </a:effectRef>
       <a:fontRef idx="minor">
@@ -4722,13 +4702,13 @@
     <dgm:sp3d/>
     <dgm:txPr/>
     <dgm:style>
-      <a:lnRef idx="2">
+      <a:lnRef idx="0">
         <a:scrgbClr r="0" g="0" b="0"/>
       </a:lnRef>
-      <a:fillRef idx="1">
+      <a:fillRef idx="3">
         <a:scrgbClr r="0" g="0" b="0"/>
       </a:fillRef>
-      <a:effectRef idx="0">
+      <a:effectRef idx="2">
         <a:scrgbClr r="0" g="0" b="0"/>
       </a:effectRef>
       <a:fontRef idx="minor">
@@ -4744,13 +4724,13 @@
     <dgm:sp3d/>
     <dgm:txPr/>
     <dgm:style>
-      <a:lnRef idx="2">
+      <a:lnRef idx="1">
         <a:scrgbClr r="0" g="0" b="0"/>
       </a:lnRef>
-      <a:fillRef idx="1">
+      <a:fillRef idx="3">
         <a:scrgbClr r="0" g="0" b="0"/>
       </a:fillRef>
-      <a:effectRef idx="0">
+      <a:effectRef idx="2">
         <a:scrgbClr r="0" g="0" b="0"/>
       </a:effectRef>
       <a:fontRef idx="minor">
@@ -4766,13 +4746,13 @@
     <dgm:sp3d/>
     <dgm:txPr/>
     <dgm:style>
-      <a:lnRef idx="2">
+      <a:lnRef idx="1">
         <a:scrgbClr r="0" g="0" b="0"/>
       </a:lnRef>
-      <a:fillRef idx="1">
+      <a:fillRef idx="3">
         <a:scrgbClr r="0" g="0" b="0"/>
       </a:fillRef>
-      <a:effectRef idx="0">
+      <a:effectRef idx="2">
         <a:scrgbClr r="0" g="0" b="0"/>
       </a:effectRef>
       <a:fontRef idx="minor">
@@ -4788,7 +4768,7 @@
     <dgm:sp3d/>
     <dgm:txPr/>
     <dgm:style>
-      <a:lnRef idx="2">
+      <a:lnRef idx="1">
         <a:scrgbClr r="0" g="0" b="0"/>
       </a:lnRef>
       <a:fillRef idx="0">
@@ -4808,7 +4788,7 @@
     <dgm:sp3d/>
     <dgm:txPr/>
     <dgm:style>
-      <a:lnRef idx="2">
+      <a:lnRef idx="1">
         <a:scrgbClr r="0" g="0" b="0"/>
       </a:lnRef>
       <a:fillRef idx="0">
@@ -4828,7 +4808,7 @@
     <dgm:sp3d/>
     <dgm:txPr/>
     <dgm:style>
-      <a:lnRef idx="2">
+      <a:lnRef idx="1">
         <a:scrgbClr r="0" g="0" b="0"/>
       </a:lnRef>
       <a:fillRef idx="0">
@@ -4848,7 +4828,7 @@
     <dgm:sp3d/>
     <dgm:txPr/>
     <dgm:style>
-      <a:lnRef idx="2">
+      <a:lnRef idx="1">
         <a:scrgbClr r="0" g="0" b="0"/>
       </a:lnRef>
       <a:fillRef idx="0">
@@ -4868,7 +4848,7 @@
     <dgm:sp3d/>
     <dgm:txPr/>
     <dgm:style>
-      <a:lnRef idx="2">
+      <a:lnRef idx="1">
         <a:scrgbClr r="0" g="0" b="0"/>
       </a:lnRef>
       <a:fillRef idx="1">
@@ -4888,7 +4868,7 @@
     <dgm:sp3d/>
     <dgm:txPr/>
     <dgm:style>
-      <a:lnRef idx="2">
+      <a:lnRef idx="1">
         <a:scrgbClr r="0" g="0" b="0"/>
       </a:lnRef>
       <a:fillRef idx="1">
@@ -4908,7 +4888,7 @@
     <dgm:sp3d/>
     <dgm:txPr/>
     <dgm:style>
-      <a:lnRef idx="2">
+      <a:lnRef idx="1">
         <a:scrgbClr r="0" g="0" b="0"/>
       </a:lnRef>
       <a:fillRef idx="1">
@@ -4948,7 +4928,7 @@
     <dgm:sp3d/>
     <dgm:txPr/>
     <dgm:style>
-      <a:lnRef idx="2">
+      <a:lnRef idx="1">
         <a:scrgbClr r="0" g="0" b="0"/>
       </a:lnRef>
       <a:fillRef idx="1">
@@ -4968,7 +4948,7 @@
     <dgm:sp3d/>
     <dgm:txPr/>
     <dgm:style>
-      <a:lnRef idx="2">
+      <a:lnRef idx="1">
         <a:scrgbClr r="0" g="0" b="0"/>
       </a:lnRef>
       <a:fillRef idx="1">
@@ -4988,7 +4968,7 @@
     <dgm:sp3d/>
     <dgm:txPr/>
     <dgm:style>
-      <a:lnRef idx="2">
+      <a:lnRef idx="1">
         <a:scrgbClr r="0" g="0" b="0"/>
       </a:lnRef>
       <a:fillRef idx="1">
@@ -5008,7 +4988,7 @@
     <dgm:sp3d/>
     <dgm:txPr/>
     <dgm:style>
-      <a:lnRef idx="2">
+      <a:lnRef idx="1">
         <a:scrgbClr r="0" g="0" b="0"/>
       </a:lnRef>
       <a:fillRef idx="1">
@@ -5028,7 +5008,7 @@
     <dgm:sp3d/>
     <dgm:txPr/>
     <dgm:style>
-      <a:lnRef idx="2">
+      <a:lnRef idx="1">
         <a:scrgbClr r="0" g="0" b="0"/>
       </a:lnRef>
       <a:fillRef idx="1">
@@ -5048,7 +5028,7 @@
     <dgm:sp3d/>
     <dgm:txPr/>
     <dgm:style>
-      <a:lnRef idx="2">
+      <a:lnRef idx="1">
         <a:scrgbClr r="0" g="0" b="0"/>
       </a:lnRef>
       <a:fillRef idx="1">
@@ -5068,7 +5048,7 @@
     <dgm:sp3d/>
     <dgm:txPr/>
     <dgm:style>
-      <a:lnRef idx="2">
+      <a:lnRef idx="1">
         <a:scrgbClr r="0" g="0" b="0"/>
       </a:lnRef>
       <a:fillRef idx="1">
@@ -5088,7 +5068,7 @@
     <dgm:sp3d/>
     <dgm:txPr/>
     <dgm:style>
-      <a:lnRef idx="2">
+      <a:lnRef idx="1">
         <a:scrgbClr r="0" g="0" b="0"/>
       </a:lnRef>
       <a:fillRef idx="1">
@@ -5108,7 +5088,7 @@
     <dgm:sp3d/>
     <dgm:txPr/>
     <dgm:style>
-      <a:lnRef idx="2">
+      <a:lnRef idx="1">
         <a:scrgbClr r="0" g="0" b="0"/>
       </a:lnRef>
       <a:fillRef idx="1">
@@ -5128,7 +5108,7 @@
     <dgm:sp3d/>
     <dgm:txPr/>
     <dgm:style>
-      <a:lnRef idx="2">
+      <a:lnRef idx="1">
         <a:scrgbClr r="0" g="0" b="0"/>
       </a:lnRef>
       <a:fillRef idx="1">
@@ -5148,7 +5128,7 @@
     <dgm:sp3d/>
     <dgm:txPr/>
     <dgm:style>
-      <a:lnRef idx="2">
+      <a:lnRef idx="1">
         <a:scrgbClr r="0" g="0" b="0"/>
       </a:lnRef>
       <a:fillRef idx="1">
@@ -5174,7 +5154,7 @@
       <a:fillRef idx="1">
         <a:scrgbClr r="0" g="0" b="0"/>
       </a:fillRef>
-      <a:effectRef idx="0">
+      <a:effectRef idx="2">
         <a:scrgbClr r="0" g="0" b="0"/>
       </a:effectRef>
       <a:fontRef idx="minor"/>
@@ -5194,7 +5174,7 @@
       <a:fillRef idx="1">
         <a:scrgbClr r="0" g="0" b="0"/>
       </a:fillRef>
-      <a:effectRef idx="0">
+      <a:effectRef idx="2">
         <a:scrgbClr r="0" g="0" b="0"/>
       </a:effectRef>
       <a:fontRef idx="minor"/>
@@ -5228,13 +5208,13 @@
     <dgm:sp3d/>
     <dgm:txPr/>
     <dgm:style>
-      <a:lnRef idx="2">
+      <a:lnRef idx="0">
         <a:scrgbClr r="0" g="0" b="0"/>
       </a:lnRef>
-      <a:fillRef idx="1">
+      <a:fillRef idx="3">
         <a:scrgbClr r="0" g="0" b="0"/>
       </a:fillRef>
-      <a:effectRef idx="0">
+      <a:effectRef idx="2">
         <a:scrgbClr r="0" g="0" b="0"/>
       </a:effectRef>
       <a:fontRef idx="minor"/>
@@ -6295,6 +6275,783 @@
     </dgm:style>
   </dgm:styleLbl>
 </dgm:styleDef>
+</file>
+
+<file path=ppt/notesMasters/notesMaster1.xml><?xml version="1.0" encoding="utf-8"?>
+<p:notesMaster xmlns:a="http://schemas.openxmlformats.org/drawingml/2006/main" xmlns:r="http://schemas.openxmlformats.org/officeDocument/2006/relationships" xmlns:p="http://schemas.openxmlformats.org/presentationml/2006/main">
+  <p:cSld>
+    <p:bg>
+      <p:bgRef idx="1001">
+        <a:schemeClr val="bg1"/>
+      </p:bgRef>
+    </p:bg>
+    <p:spTree>
+      <p:nvGrpSpPr>
+        <p:cNvPr id="1" name=""/>
+        <p:cNvGrpSpPr/>
+        <p:nvPr/>
+      </p:nvGrpSpPr>
+      <p:grpSpPr>
+        <a:xfrm>
+          <a:off x="0" y="0"/>
+          <a:ext cx="0" cy="0"/>
+          <a:chOff x="0" y="0"/>
+          <a:chExt cx="0" cy="0"/>
+        </a:xfrm>
+      </p:grpSpPr>
+      <p:sp>
+        <p:nvSpPr>
+          <p:cNvPr id="2" name="Header Placeholder 1"/>
+          <p:cNvSpPr>
+            <a:spLocks noGrp="1"/>
+          </p:cNvSpPr>
+          <p:nvPr>
+            <p:ph type="hdr" sz="quarter"/>
+          </p:nvPr>
+        </p:nvSpPr>
+        <p:spPr>
+          <a:xfrm>
+            <a:off x="0" y="0"/>
+            <a:ext cx="2971800" cy="458788"/>
+          </a:xfrm>
+          <a:prstGeom prst="rect">
+            <a:avLst/>
+          </a:prstGeom>
+        </p:spPr>
+        <p:txBody>
+          <a:bodyPr vert="horz" lIns="91440" tIns="45720" rIns="91440" bIns="45720" rtlCol="0"/>
+          <a:lstStyle>
+            <a:lvl1pPr algn="l">
+              <a:defRPr sz="1200"/>
+            </a:lvl1pPr>
+          </a:lstStyle>
+          <a:p>
+            <a:endParaRPr lang="en-US"/>
+          </a:p>
+        </p:txBody>
+      </p:sp>
+      <p:sp>
+        <p:nvSpPr>
+          <p:cNvPr id="3" name="Date Placeholder 2"/>
+          <p:cNvSpPr>
+            <a:spLocks noGrp="1"/>
+          </p:cNvSpPr>
+          <p:nvPr>
+            <p:ph type="dt" idx="1"/>
+          </p:nvPr>
+        </p:nvSpPr>
+        <p:spPr>
+          <a:xfrm>
+            <a:off x="3884613" y="0"/>
+            <a:ext cx="2971800" cy="458788"/>
+          </a:xfrm>
+          <a:prstGeom prst="rect">
+            <a:avLst/>
+          </a:prstGeom>
+        </p:spPr>
+        <p:txBody>
+          <a:bodyPr vert="horz" lIns="91440" tIns="45720" rIns="91440" bIns="45720" rtlCol="0"/>
+          <a:lstStyle>
+            <a:lvl1pPr algn="r">
+              <a:defRPr sz="1200"/>
+            </a:lvl1pPr>
+          </a:lstStyle>
+          <a:p>
+            <a:fld id="{07068E3F-EE1F-4700-9939-B081F4A99B2A}" type="datetimeFigureOut">
+              <a:rPr lang="en-US" smtClean="0"/>
+              <a:t>2/23/2025</a:t>
+            </a:fld>
+            <a:endParaRPr lang="en-US"/>
+          </a:p>
+        </p:txBody>
+      </p:sp>
+      <p:sp>
+        <p:nvSpPr>
+          <p:cNvPr id="4" name="Slide Image Placeholder 3"/>
+          <p:cNvSpPr>
+            <a:spLocks noGrp="1" noRot="1" noChangeAspect="1"/>
+          </p:cNvSpPr>
+          <p:nvPr>
+            <p:ph type="sldImg" idx="2"/>
+          </p:nvPr>
+        </p:nvSpPr>
+        <p:spPr>
+          <a:xfrm>
+            <a:off x="685800" y="1143000"/>
+            <a:ext cx="5486400" cy="3086100"/>
+          </a:xfrm>
+          <a:prstGeom prst="rect">
+            <a:avLst/>
+          </a:prstGeom>
+          <a:noFill/>
+          <a:ln w="12700">
+            <a:solidFill>
+              <a:prstClr val="black"/>
+            </a:solidFill>
+          </a:ln>
+        </p:spPr>
+        <p:txBody>
+          <a:bodyPr vert="horz" lIns="91440" tIns="45720" rIns="91440" bIns="45720" rtlCol="0" anchor="ctr"/>
+          <a:lstStyle/>
+          <a:p>
+            <a:endParaRPr lang="en-US"/>
+          </a:p>
+        </p:txBody>
+      </p:sp>
+      <p:sp>
+        <p:nvSpPr>
+          <p:cNvPr id="5" name="Notes Placeholder 4"/>
+          <p:cNvSpPr>
+            <a:spLocks noGrp="1"/>
+          </p:cNvSpPr>
+          <p:nvPr>
+            <p:ph type="body" sz="quarter" idx="3"/>
+          </p:nvPr>
+        </p:nvSpPr>
+        <p:spPr>
+          <a:xfrm>
+            <a:off x="685800" y="4400550"/>
+            <a:ext cx="5486400" cy="3600450"/>
+          </a:xfrm>
+          <a:prstGeom prst="rect">
+            <a:avLst/>
+          </a:prstGeom>
+        </p:spPr>
+        <p:txBody>
+          <a:bodyPr vert="horz" lIns="91440" tIns="45720" rIns="91440" bIns="45720" rtlCol="0"/>
+          <a:lstStyle/>
+          <a:p>
+            <a:pPr lvl="0"/>
+            <a:r>
+              <a:rPr lang="en-US"/>
+              <a:t>Click to edit Master text styles</a:t>
+            </a:r>
+          </a:p>
+          <a:p>
+            <a:pPr lvl="1"/>
+            <a:r>
+              <a:rPr lang="en-US"/>
+              <a:t>Second level</a:t>
+            </a:r>
+          </a:p>
+          <a:p>
+            <a:pPr lvl="2"/>
+            <a:r>
+              <a:rPr lang="en-US"/>
+              <a:t>Third level</a:t>
+            </a:r>
+          </a:p>
+          <a:p>
+            <a:pPr lvl="3"/>
+            <a:r>
+              <a:rPr lang="en-US"/>
+              <a:t>Fourth level</a:t>
+            </a:r>
+          </a:p>
+          <a:p>
+            <a:pPr lvl="4"/>
+            <a:r>
+              <a:rPr lang="en-US"/>
+              <a:t>Fifth level</a:t>
+            </a:r>
+          </a:p>
+        </p:txBody>
+      </p:sp>
+      <p:sp>
+        <p:nvSpPr>
+          <p:cNvPr id="6" name="Footer Placeholder 5"/>
+          <p:cNvSpPr>
+            <a:spLocks noGrp="1"/>
+          </p:cNvSpPr>
+          <p:nvPr>
+            <p:ph type="ftr" sz="quarter" idx="4"/>
+          </p:nvPr>
+        </p:nvSpPr>
+        <p:spPr>
+          <a:xfrm>
+            <a:off x="0" y="8685213"/>
+            <a:ext cx="2971800" cy="458787"/>
+          </a:xfrm>
+          <a:prstGeom prst="rect">
+            <a:avLst/>
+          </a:prstGeom>
+        </p:spPr>
+        <p:txBody>
+          <a:bodyPr vert="horz" lIns="91440" tIns="45720" rIns="91440" bIns="45720" rtlCol="0" anchor="b"/>
+          <a:lstStyle>
+            <a:lvl1pPr algn="l">
+              <a:defRPr sz="1200"/>
+            </a:lvl1pPr>
+          </a:lstStyle>
+          <a:p>
+            <a:endParaRPr lang="en-US"/>
+          </a:p>
+        </p:txBody>
+      </p:sp>
+      <p:sp>
+        <p:nvSpPr>
+          <p:cNvPr id="7" name="Slide Number Placeholder 6"/>
+          <p:cNvSpPr>
+            <a:spLocks noGrp="1"/>
+          </p:cNvSpPr>
+          <p:nvPr>
+            <p:ph type="sldNum" sz="quarter" idx="5"/>
+          </p:nvPr>
+        </p:nvSpPr>
+        <p:spPr>
+          <a:xfrm>
+            <a:off x="3884613" y="8685213"/>
+            <a:ext cx="2971800" cy="458787"/>
+          </a:xfrm>
+          <a:prstGeom prst="rect">
+            <a:avLst/>
+          </a:prstGeom>
+        </p:spPr>
+        <p:txBody>
+          <a:bodyPr vert="horz" lIns="91440" tIns="45720" rIns="91440" bIns="45720" rtlCol="0" anchor="b"/>
+          <a:lstStyle>
+            <a:lvl1pPr algn="r">
+              <a:defRPr sz="1200"/>
+            </a:lvl1pPr>
+          </a:lstStyle>
+          <a:p>
+            <a:fld id="{55F475E8-DF79-4D15-BE9D-AB07ECBE967F}" type="slidenum">
+              <a:rPr lang="en-US" smtClean="0"/>
+              <a:t>‹#›</a:t>
+            </a:fld>
+            <a:endParaRPr lang="en-US"/>
+          </a:p>
+        </p:txBody>
+      </p:sp>
+    </p:spTree>
+    <p:extLst>
+      <p:ext uri="{BB962C8B-B14F-4D97-AF65-F5344CB8AC3E}">
+        <p14:creationId xmlns:p14="http://schemas.microsoft.com/office/powerpoint/2010/main" val="255820394"/>
+      </p:ext>
+    </p:extLst>
+  </p:cSld>
+  <p:clrMap bg1="lt1" tx1="dk1" bg2="lt2" tx2="dk2" accent1="accent1" accent2="accent2" accent3="accent3" accent4="accent4" accent5="accent5" accent6="accent6" hlink="hlink" folHlink="folHlink"/>
+  <p:notesStyle>
+    <a:lvl1pPr marL="0" algn="l" defTabSz="914400" rtl="0" eaLnBrk="1" latinLnBrk="0" hangingPunct="1">
+      <a:defRPr sz="1200" kern="1200">
+        <a:solidFill>
+          <a:schemeClr val="tx1"/>
+        </a:solidFill>
+        <a:latin typeface="+mn-lt"/>
+        <a:ea typeface="+mn-ea"/>
+        <a:cs typeface="+mn-cs"/>
+      </a:defRPr>
+    </a:lvl1pPr>
+    <a:lvl2pPr marL="457200" algn="l" defTabSz="914400" rtl="0" eaLnBrk="1" latinLnBrk="0" hangingPunct="1">
+      <a:defRPr sz="1200" kern="1200">
+        <a:solidFill>
+          <a:schemeClr val="tx1"/>
+        </a:solidFill>
+        <a:latin typeface="+mn-lt"/>
+        <a:ea typeface="+mn-ea"/>
+        <a:cs typeface="+mn-cs"/>
+      </a:defRPr>
+    </a:lvl2pPr>
+    <a:lvl3pPr marL="914400" algn="l" defTabSz="914400" rtl="0" eaLnBrk="1" latinLnBrk="0" hangingPunct="1">
+      <a:defRPr sz="1200" kern="1200">
+        <a:solidFill>
+          <a:schemeClr val="tx1"/>
+        </a:solidFill>
+        <a:latin typeface="+mn-lt"/>
+        <a:ea typeface="+mn-ea"/>
+        <a:cs typeface="+mn-cs"/>
+      </a:defRPr>
+    </a:lvl3pPr>
+    <a:lvl4pPr marL="1371600" algn="l" defTabSz="914400" rtl="0" eaLnBrk="1" latinLnBrk="0" hangingPunct="1">
+      <a:defRPr sz="1200" kern="1200">
+        <a:solidFill>
+          <a:schemeClr val="tx1"/>
+        </a:solidFill>
+        <a:latin typeface="+mn-lt"/>
+        <a:ea typeface="+mn-ea"/>
+        <a:cs typeface="+mn-cs"/>
+      </a:defRPr>
+    </a:lvl4pPr>
+    <a:lvl5pPr marL="1828800" algn="l" defTabSz="914400" rtl="0" eaLnBrk="1" latinLnBrk="0" hangingPunct="1">
+      <a:defRPr sz="1200" kern="1200">
+        <a:solidFill>
+          <a:schemeClr val="tx1"/>
+        </a:solidFill>
+        <a:latin typeface="+mn-lt"/>
+        <a:ea typeface="+mn-ea"/>
+        <a:cs typeface="+mn-cs"/>
+      </a:defRPr>
+    </a:lvl5pPr>
+    <a:lvl6pPr marL="2286000" algn="l" defTabSz="914400" rtl="0" eaLnBrk="1" latinLnBrk="0" hangingPunct="1">
+      <a:defRPr sz="1200" kern="1200">
+        <a:solidFill>
+          <a:schemeClr val="tx1"/>
+        </a:solidFill>
+        <a:latin typeface="+mn-lt"/>
+        <a:ea typeface="+mn-ea"/>
+        <a:cs typeface="+mn-cs"/>
+      </a:defRPr>
+    </a:lvl6pPr>
+    <a:lvl7pPr marL="2743200" algn="l" defTabSz="914400" rtl="0" eaLnBrk="1" latinLnBrk="0" hangingPunct="1">
+      <a:defRPr sz="1200" kern="1200">
+        <a:solidFill>
+          <a:schemeClr val="tx1"/>
+        </a:solidFill>
+        <a:latin typeface="+mn-lt"/>
+        <a:ea typeface="+mn-ea"/>
+        <a:cs typeface="+mn-cs"/>
+      </a:defRPr>
+    </a:lvl7pPr>
+    <a:lvl8pPr marL="3200400" algn="l" defTabSz="914400" rtl="0" eaLnBrk="1" latinLnBrk="0" hangingPunct="1">
+      <a:defRPr sz="1200" kern="1200">
+        <a:solidFill>
+          <a:schemeClr val="tx1"/>
+        </a:solidFill>
+        <a:latin typeface="+mn-lt"/>
+        <a:ea typeface="+mn-ea"/>
+        <a:cs typeface="+mn-cs"/>
+      </a:defRPr>
+    </a:lvl8pPr>
+    <a:lvl9pPr marL="3657600" algn="l" defTabSz="914400" rtl="0" eaLnBrk="1" latinLnBrk="0" hangingPunct="1">
+      <a:defRPr sz="1200" kern="1200">
+        <a:solidFill>
+          <a:schemeClr val="tx1"/>
+        </a:solidFill>
+        <a:latin typeface="+mn-lt"/>
+        <a:ea typeface="+mn-ea"/>
+        <a:cs typeface="+mn-cs"/>
+      </a:defRPr>
+    </a:lvl9pPr>
+  </p:notesStyle>
+</p:notesMaster>
+</file>
+
+<file path=ppt/notesSlides/notesSlide1.xml><?xml version="1.0" encoding="utf-8"?>
+<p:notes xmlns:a="http://schemas.openxmlformats.org/drawingml/2006/main" xmlns:r="http://schemas.openxmlformats.org/officeDocument/2006/relationships" xmlns:p="http://schemas.openxmlformats.org/presentationml/2006/main">
+  <p:cSld>
+    <p:spTree>
+      <p:nvGrpSpPr>
+        <p:cNvPr id="1" name=""/>
+        <p:cNvGrpSpPr/>
+        <p:nvPr/>
+      </p:nvGrpSpPr>
+      <p:grpSpPr>
+        <a:xfrm>
+          <a:off x="0" y="0"/>
+          <a:ext cx="0" cy="0"/>
+          <a:chOff x="0" y="0"/>
+          <a:chExt cx="0" cy="0"/>
+        </a:xfrm>
+      </p:grpSpPr>
+      <p:sp>
+        <p:nvSpPr>
+          <p:cNvPr id="2" name="Slide Image Placeholder 1"/>
+          <p:cNvSpPr>
+            <a:spLocks noGrp="1" noRot="1" noChangeAspect="1"/>
+          </p:cNvSpPr>
+          <p:nvPr>
+            <p:ph type="sldImg"/>
+          </p:nvPr>
+        </p:nvSpPr>
+        <p:spPr/>
+      </p:sp>
+      <p:sp>
+        <p:nvSpPr>
+          <p:cNvPr id="3" name="Notes Placeholder 2"/>
+          <p:cNvSpPr>
+            <a:spLocks noGrp="1"/>
+          </p:cNvSpPr>
+          <p:nvPr>
+            <p:ph type="body" idx="1"/>
+          </p:nvPr>
+        </p:nvSpPr>
+        <p:spPr/>
+        <p:txBody>
+          <a:bodyPr/>
+          <a:lstStyle/>
+          <a:p>
+            <a:r>
+              <a:rPr lang="en-US" dirty="0"/>
+              <a:t>Good afternoon, everyone, and welcome to my presentation on the proof-of-concept Exploratory Data Application that I developed for the simulated Orientation Survey results.</a:t>
+            </a:r>
+          </a:p>
+        </p:txBody>
+      </p:sp>
+      <p:sp>
+        <p:nvSpPr>
+          <p:cNvPr id="4" name="Slide Number Placeholder 3"/>
+          <p:cNvSpPr>
+            <a:spLocks noGrp="1"/>
+          </p:cNvSpPr>
+          <p:nvPr>
+            <p:ph type="sldNum" sz="quarter" idx="5"/>
+          </p:nvPr>
+        </p:nvSpPr>
+        <p:spPr/>
+        <p:txBody>
+          <a:bodyPr/>
+          <a:lstStyle/>
+          <a:p>
+            <a:fld id="{55F475E8-DF79-4D15-BE9D-AB07ECBE967F}" type="slidenum">
+              <a:rPr lang="en-US" smtClean="0"/>
+              <a:t>1</a:t>
+            </a:fld>
+            <a:endParaRPr lang="en-US"/>
+          </a:p>
+        </p:txBody>
+      </p:sp>
+    </p:spTree>
+    <p:extLst>
+      <p:ext uri="{BB962C8B-B14F-4D97-AF65-F5344CB8AC3E}">
+        <p14:creationId xmlns:p14="http://schemas.microsoft.com/office/powerpoint/2010/main" val="2882830821"/>
+      </p:ext>
+    </p:extLst>
+  </p:cSld>
+  <p:clrMapOvr>
+    <a:masterClrMapping/>
+  </p:clrMapOvr>
+</p:notes>
+</file>
+
+<file path=ppt/notesSlides/notesSlide2.xml><?xml version="1.0" encoding="utf-8"?>
+<p:notes xmlns:a="http://schemas.openxmlformats.org/drawingml/2006/main" xmlns:r="http://schemas.openxmlformats.org/officeDocument/2006/relationships" xmlns:p="http://schemas.openxmlformats.org/presentationml/2006/main">
+  <p:cSld>
+    <p:spTree>
+      <p:nvGrpSpPr>
+        <p:cNvPr id="1" name=""/>
+        <p:cNvGrpSpPr/>
+        <p:nvPr/>
+      </p:nvGrpSpPr>
+      <p:grpSpPr>
+        <a:xfrm>
+          <a:off x="0" y="0"/>
+          <a:ext cx="0" cy="0"/>
+          <a:chOff x="0" y="0"/>
+          <a:chExt cx="0" cy="0"/>
+        </a:xfrm>
+      </p:grpSpPr>
+      <p:sp>
+        <p:nvSpPr>
+          <p:cNvPr id="2" name="Slide Image Placeholder 1"/>
+          <p:cNvSpPr>
+            <a:spLocks noGrp="1" noRot="1" noChangeAspect="1"/>
+          </p:cNvSpPr>
+          <p:nvPr>
+            <p:ph type="sldImg"/>
+          </p:nvPr>
+        </p:nvSpPr>
+        <p:spPr/>
+      </p:sp>
+      <p:sp>
+        <p:nvSpPr>
+          <p:cNvPr id="3" name="Notes Placeholder 2"/>
+          <p:cNvSpPr>
+            <a:spLocks noGrp="1"/>
+          </p:cNvSpPr>
+          <p:nvPr>
+            <p:ph type="body" idx="1"/>
+          </p:nvPr>
+        </p:nvSpPr>
+        <p:spPr/>
+        <p:txBody>
+          <a:bodyPr/>
+          <a:lstStyle/>
+          <a:p>
+            <a:r>
+              <a:rPr lang="en-US" dirty="0"/>
+              <a:t>Just for a quick outline of the presentation:</a:t>
+            </a:r>
+          </a:p>
+          <a:p>
+            <a:r>
+              <a:rPr lang="en-US" dirty="0"/>
+              <a:t>I’ll start by describing the dataset I was given access to, and the cleaning process I employed.</a:t>
+            </a:r>
+          </a:p>
+          <a:p>
+            <a:r>
+              <a:rPr lang="en-US" dirty="0"/>
+              <a:t>Then I’ll move into the actual development of the application – justification for technical architecture, key features, etc.</a:t>
+            </a:r>
+          </a:p>
+          <a:p>
+            <a:r>
+              <a:rPr lang="en-US" dirty="0"/>
+              <a:t>I’ll follow that with a brief demonstration of the app and share some examples of key insights that a user may glean from using it.</a:t>
+            </a:r>
+          </a:p>
+          <a:p>
+            <a:r>
+              <a:rPr lang="en-US" dirty="0"/>
+              <a:t>Finally, I’ll mention a few ways in which I would improve the application if I had more time to work on it, especially if it were to be scaled to work with much larger datasets.</a:t>
+            </a:r>
+          </a:p>
+        </p:txBody>
+      </p:sp>
+      <p:sp>
+        <p:nvSpPr>
+          <p:cNvPr id="4" name="Slide Number Placeholder 3"/>
+          <p:cNvSpPr>
+            <a:spLocks noGrp="1"/>
+          </p:cNvSpPr>
+          <p:nvPr>
+            <p:ph type="sldNum" sz="quarter" idx="5"/>
+          </p:nvPr>
+        </p:nvSpPr>
+        <p:spPr/>
+        <p:txBody>
+          <a:bodyPr/>
+          <a:lstStyle/>
+          <a:p>
+            <a:fld id="{55F475E8-DF79-4D15-BE9D-AB07ECBE967F}" type="slidenum">
+              <a:rPr lang="en-US" smtClean="0"/>
+              <a:t>2</a:t>
+            </a:fld>
+            <a:endParaRPr lang="en-US"/>
+          </a:p>
+        </p:txBody>
+      </p:sp>
+    </p:spTree>
+    <p:extLst>
+      <p:ext uri="{BB962C8B-B14F-4D97-AF65-F5344CB8AC3E}">
+        <p14:creationId xmlns:p14="http://schemas.microsoft.com/office/powerpoint/2010/main" val="2603429782"/>
+      </p:ext>
+    </p:extLst>
+  </p:cSld>
+  <p:clrMapOvr>
+    <a:masterClrMapping/>
+  </p:clrMapOvr>
+</p:notes>
+</file>
+
+<file path=ppt/notesSlides/notesSlide3.xml><?xml version="1.0" encoding="utf-8"?>
+<p:notes xmlns:a="http://schemas.openxmlformats.org/drawingml/2006/main" xmlns:r="http://schemas.openxmlformats.org/officeDocument/2006/relationships" xmlns:p="http://schemas.openxmlformats.org/presentationml/2006/main">
+  <p:cSld>
+    <p:spTree>
+      <p:nvGrpSpPr>
+        <p:cNvPr id="1" name=""/>
+        <p:cNvGrpSpPr/>
+        <p:nvPr/>
+      </p:nvGrpSpPr>
+      <p:grpSpPr>
+        <a:xfrm>
+          <a:off x="0" y="0"/>
+          <a:ext cx="0" cy="0"/>
+          <a:chOff x="0" y="0"/>
+          <a:chExt cx="0" cy="0"/>
+        </a:xfrm>
+      </p:grpSpPr>
+      <p:sp>
+        <p:nvSpPr>
+          <p:cNvPr id="2" name="Slide Image Placeholder 1"/>
+          <p:cNvSpPr>
+            <a:spLocks noGrp="1" noRot="1" noChangeAspect="1"/>
+          </p:cNvSpPr>
+          <p:nvPr>
+            <p:ph type="sldImg"/>
+          </p:nvPr>
+        </p:nvSpPr>
+        <p:spPr/>
+      </p:sp>
+      <p:sp>
+        <p:nvSpPr>
+          <p:cNvPr id="3" name="Notes Placeholder 2"/>
+          <p:cNvSpPr>
+            <a:spLocks noGrp="1"/>
+          </p:cNvSpPr>
+          <p:nvPr>
+            <p:ph type="body" idx="1"/>
+          </p:nvPr>
+        </p:nvSpPr>
+        <p:spPr/>
+        <p:txBody>
+          <a:bodyPr/>
+          <a:lstStyle/>
+          <a:p>
+            <a:r>
+              <a:rPr lang="en-US" dirty="0"/>
+              <a:t>I’m sure you’re all familiar with the data tables I was provided, but just as a quick refresher:</a:t>
+            </a:r>
+          </a:p>
+          <a:p>
+            <a:r>
+              <a:rPr lang="en-US" dirty="0"/>
+              <a:t>The first data table contained the simulated survey results, including 9 questions on various aspects of </a:t>
+            </a:r>
+            <a:r>
+              <a:rPr lang="en-US" dirty="0" err="1"/>
+              <a:t>Binghampton</a:t>
+            </a:r>
+            <a:r>
+              <a:rPr lang="en-US" dirty="0"/>
+              <a:t> student life like sociality and academic preparedness.</a:t>
+            </a:r>
+          </a:p>
+          <a:p>
+            <a:r>
+              <a:rPr lang="en-US" dirty="0"/>
+              <a:t>Each of these questions were answered of a scale from “Strongly agree” to “Strongly disagree.” It’s important to note that the content of each of these statements is positive, meaning that there is a justified implicit assumption that the more a student agrees with the statement, the better.</a:t>
+            </a:r>
+          </a:p>
+          <a:p>
+            <a:r>
+              <a:rPr lang="en-US" dirty="0"/>
+              <a:t>In addition, there were 8 statements separately classified as regarding “Grit.” In contrast to the previous questions, it’s important to note that not all these statements could be deemed “positive.” For instance, one read “I am diligent” but another was “I have difficulty maintaining my focus.” </a:t>
+            </a:r>
+          </a:p>
+        </p:txBody>
+      </p:sp>
+      <p:sp>
+        <p:nvSpPr>
+          <p:cNvPr id="4" name="Slide Number Placeholder 3"/>
+          <p:cNvSpPr>
+            <a:spLocks noGrp="1"/>
+          </p:cNvSpPr>
+          <p:nvPr>
+            <p:ph type="sldNum" sz="quarter" idx="5"/>
+          </p:nvPr>
+        </p:nvSpPr>
+        <p:spPr/>
+        <p:txBody>
+          <a:bodyPr/>
+          <a:lstStyle/>
+          <a:p>
+            <a:fld id="{55F475E8-DF79-4D15-BE9D-AB07ECBE967F}" type="slidenum">
+              <a:rPr lang="en-US" smtClean="0"/>
+              <a:t>3</a:t>
+            </a:fld>
+            <a:endParaRPr lang="en-US"/>
+          </a:p>
+        </p:txBody>
+      </p:sp>
+    </p:spTree>
+    <p:extLst>
+      <p:ext uri="{BB962C8B-B14F-4D97-AF65-F5344CB8AC3E}">
+        <p14:creationId xmlns:p14="http://schemas.microsoft.com/office/powerpoint/2010/main" val="2911438988"/>
+      </p:ext>
+    </p:extLst>
+  </p:cSld>
+  <p:clrMapOvr>
+    <a:masterClrMapping/>
+  </p:clrMapOvr>
+</p:notes>
+</file>
+
+<file path=ppt/notesSlides/notesSlide4.xml><?xml version="1.0" encoding="utf-8"?>
+<p:notes xmlns:a="http://schemas.openxmlformats.org/drawingml/2006/main" xmlns:r="http://schemas.openxmlformats.org/officeDocument/2006/relationships" xmlns:p="http://schemas.openxmlformats.org/presentationml/2006/main">
+  <p:cSld>
+    <p:spTree>
+      <p:nvGrpSpPr>
+        <p:cNvPr id="1" name="">
+          <a:extLst>
+            <a:ext uri="{FF2B5EF4-FFF2-40B4-BE49-F238E27FC236}">
+              <a16:creationId xmlns:a16="http://schemas.microsoft.com/office/drawing/2014/main" id="{804DF603-E815-5451-92AC-5C9CBF138A59}"/>
+            </a:ext>
+          </a:extLst>
+        </p:cNvPr>
+        <p:cNvGrpSpPr/>
+        <p:nvPr/>
+      </p:nvGrpSpPr>
+      <p:grpSpPr>
+        <a:xfrm>
+          <a:off x="0" y="0"/>
+          <a:ext cx="0" cy="0"/>
+          <a:chOff x="0" y="0"/>
+          <a:chExt cx="0" cy="0"/>
+        </a:xfrm>
+      </p:grpSpPr>
+      <p:sp>
+        <p:nvSpPr>
+          <p:cNvPr id="2" name="Slide Image Placeholder 1">
+            <a:extLst>
+              <a:ext uri="{FF2B5EF4-FFF2-40B4-BE49-F238E27FC236}">
+                <a16:creationId xmlns:a16="http://schemas.microsoft.com/office/drawing/2014/main" id="{D29DA804-D3DE-AEF9-A321-4C03FEA199AB}"/>
+              </a:ext>
+            </a:extLst>
+          </p:cNvPr>
+          <p:cNvSpPr>
+            <a:spLocks noGrp="1" noRot="1" noChangeAspect="1"/>
+          </p:cNvSpPr>
+          <p:nvPr>
+            <p:ph type="sldImg"/>
+          </p:nvPr>
+        </p:nvSpPr>
+        <p:spPr/>
+      </p:sp>
+      <p:sp>
+        <p:nvSpPr>
+          <p:cNvPr id="3" name="Notes Placeholder 2">
+            <a:extLst>
+              <a:ext uri="{FF2B5EF4-FFF2-40B4-BE49-F238E27FC236}">
+                <a16:creationId xmlns:a16="http://schemas.microsoft.com/office/drawing/2014/main" id="{17FFBDF6-98BA-D7AB-5C67-F0C7E385F00C}"/>
+              </a:ext>
+            </a:extLst>
+          </p:cNvPr>
+          <p:cNvSpPr>
+            <a:spLocks noGrp="1"/>
+          </p:cNvSpPr>
+          <p:nvPr>
+            <p:ph type="body" idx="1"/>
+          </p:nvPr>
+        </p:nvSpPr>
+        <p:spPr/>
+        <p:txBody>
+          <a:bodyPr/>
+          <a:lstStyle/>
+          <a:p>
+            <a:r>
+              <a:rPr lang="en-US" dirty="0"/>
+              <a:t>My first step was of course to check for any missing values or other abnormalities like typos, impossible values, etc., but I suppose as this data was simulated, I was fortunate enough to not have to deal with any of that. Even so, there were a few aspects I wanted to refine before continuing with my analysis.</a:t>
+            </a:r>
+          </a:p>
+          <a:p>
+            <a:r>
+              <a:rPr lang="en-US" dirty="0"/>
+              <a:t>-Survey responses ranged from “Strongly disagree” to “Strongly agree”, or for the Grit questions, “Not at all like me” to “Very much like me.” To complete quantitative analysis, these columns were converted to ordinal data ranging from 1 to 5, with 5 being the most positive.</a:t>
+            </a:r>
+          </a:p>
+        </p:txBody>
+      </p:sp>
+      <p:sp>
+        <p:nvSpPr>
+          <p:cNvPr id="4" name="Slide Number Placeholder 3">
+            <a:extLst>
+              <a:ext uri="{FF2B5EF4-FFF2-40B4-BE49-F238E27FC236}">
+                <a16:creationId xmlns:a16="http://schemas.microsoft.com/office/drawing/2014/main" id="{1085884F-25B7-2F00-2D0F-5C0C40FB8972}"/>
+              </a:ext>
+            </a:extLst>
+          </p:cNvPr>
+          <p:cNvSpPr>
+            <a:spLocks noGrp="1"/>
+          </p:cNvSpPr>
+          <p:nvPr>
+            <p:ph type="sldNum" sz="quarter" idx="5"/>
+          </p:nvPr>
+        </p:nvSpPr>
+        <p:spPr/>
+        <p:txBody>
+          <a:bodyPr/>
+          <a:lstStyle/>
+          <a:p>
+            <a:fld id="{55F475E8-DF79-4D15-BE9D-AB07ECBE967F}" type="slidenum">
+              <a:rPr lang="en-US" smtClean="0"/>
+              <a:t>4</a:t>
+            </a:fld>
+            <a:endParaRPr lang="en-US"/>
+          </a:p>
+        </p:txBody>
+      </p:sp>
+    </p:spTree>
+    <p:extLst>
+      <p:ext uri="{BB962C8B-B14F-4D97-AF65-F5344CB8AC3E}">
+        <p14:creationId xmlns:p14="http://schemas.microsoft.com/office/powerpoint/2010/main" val="1518960608"/>
+      </p:ext>
+    </p:extLst>
+  </p:cSld>
+  <p:clrMapOvr>
+    <a:masterClrMapping/>
+  </p:clrMapOvr>
+</p:notes>
 </file>
 
 <file path=ppt/slideLayouts/slideLayout1.xml><?xml version="1.0" encoding="utf-8"?>
@@ -6428,7 +7185,7 @@
           <a:p>
             <a:fld id="{D653F323-25C2-EC45-8262-C12E80E71EC0}" type="datetimeFigureOut">
               <a:rPr lang="en-US" smtClean="0"/>
-              <a:t>2/20/2025</a:t>
+              <a:t>2/23/2025</a:t>
             </a:fld>
             <a:endParaRPr lang="en-US"/>
           </a:p>
@@ -6598,7 +7355,7 @@
           <a:p>
             <a:fld id="{D653F323-25C2-EC45-8262-C12E80E71EC0}" type="datetimeFigureOut">
               <a:rPr lang="en-US" smtClean="0"/>
-              <a:t>2/20/2025</a:t>
+              <a:t>2/23/2025</a:t>
             </a:fld>
             <a:endParaRPr lang="en-US"/>
           </a:p>
@@ -6778,7 +7535,7 @@
           <a:p>
             <a:fld id="{D653F323-25C2-EC45-8262-C12E80E71EC0}" type="datetimeFigureOut">
               <a:rPr lang="en-US" smtClean="0"/>
-              <a:t>2/20/2025</a:t>
+              <a:t>2/23/2025</a:t>
             </a:fld>
             <a:endParaRPr lang="en-US"/>
           </a:p>
@@ -6948,7 +7705,7 @@
           <a:p>
             <a:fld id="{D653F323-25C2-EC45-8262-C12E80E71EC0}" type="datetimeFigureOut">
               <a:rPr lang="en-US" smtClean="0"/>
-              <a:t>2/20/2025</a:t>
+              <a:t>2/23/2025</a:t>
             </a:fld>
             <a:endParaRPr lang="en-US"/>
           </a:p>
@@ -7194,7 +7951,7 @@
           <a:p>
             <a:fld id="{D653F323-25C2-EC45-8262-C12E80E71EC0}" type="datetimeFigureOut">
               <a:rPr lang="en-US" smtClean="0"/>
-              <a:t>2/20/2025</a:t>
+              <a:t>2/23/2025</a:t>
             </a:fld>
             <a:endParaRPr lang="en-US"/>
           </a:p>
@@ -7426,7 +8183,7 @@
           <a:p>
             <a:fld id="{D653F323-25C2-EC45-8262-C12E80E71EC0}" type="datetimeFigureOut">
               <a:rPr lang="en-US" smtClean="0"/>
-              <a:t>2/20/2025</a:t>
+              <a:t>2/23/2025</a:t>
             </a:fld>
             <a:endParaRPr lang="en-US"/>
           </a:p>
@@ -7793,7 +8550,7 @@
           <a:p>
             <a:fld id="{D653F323-25C2-EC45-8262-C12E80E71EC0}" type="datetimeFigureOut">
               <a:rPr lang="en-US" smtClean="0"/>
-              <a:t>2/20/2025</a:t>
+              <a:t>2/23/2025</a:t>
             </a:fld>
             <a:endParaRPr lang="en-US"/>
           </a:p>
@@ -7911,7 +8668,7 @@
           <a:p>
             <a:fld id="{D653F323-25C2-EC45-8262-C12E80E71EC0}" type="datetimeFigureOut">
               <a:rPr lang="en-US" smtClean="0"/>
-              <a:t>2/20/2025</a:t>
+              <a:t>2/23/2025</a:t>
             </a:fld>
             <a:endParaRPr lang="en-US"/>
           </a:p>
@@ -8006,7 +8763,7 @@
           <a:p>
             <a:fld id="{D653F323-25C2-EC45-8262-C12E80E71EC0}" type="datetimeFigureOut">
               <a:rPr lang="en-US" smtClean="0"/>
-              <a:t>2/20/2025</a:t>
+              <a:t>2/23/2025</a:t>
             </a:fld>
             <a:endParaRPr lang="en-US"/>
           </a:p>
@@ -8283,7 +9040,7 @@
           <a:p>
             <a:fld id="{D653F323-25C2-EC45-8262-C12E80E71EC0}" type="datetimeFigureOut">
               <a:rPr lang="en-US" smtClean="0"/>
-              <a:t>2/20/2025</a:t>
+              <a:t>2/23/2025</a:t>
             </a:fld>
             <a:endParaRPr lang="en-US"/>
           </a:p>
@@ -8540,7 +9297,7 @@
           <a:p>
             <a:fld id="{D653F323-25C2-EC45-8262-C12E80E71EC0}" type="datetimeFigureOut">
               <a:rPr lang="en-US" smtClean="0"/>
-              <a:t>2/20/2025</a:t>
+              <a:t>2/23/2025</a:t>
             </a:fld>
             <a:endParaRPr lang="en-US"/>
           </a:p>
@@ -8753,7 +9510,7 @@
           <a:p>
             <a:fld id="{D653F323-25C2-EC45-8262-C12E80E71EC0}" type="datetimeFigureOut">
               <a:rPr lang="en-US" smtClean="0"/>
-              <a:t>2/20/2025</a:t>
+              <a:t>2/23/2025</a:t>
             </a:fld>
             <a:endParaRPr lang="en-US"/>
           </a:p>
@@ -9333,1640 +10090,6 @@
         <p:cNvPr id="1" name="">
           <a:extLst>
             <a:ext uri="{FF2B5EF4-FFF2-40B4-BE49-F238E27FC236}">
-              <a16:creationId xmlns:a16="http://schemas.microsoft.com/office/drawing/2014/main" id="{BC186F1D-A50A-3AD8-1D29-6F6BFC47FC1B}"/>
-            </a:ext>
-          </a:extLst>
-        </p:cNvPr>
-        <p:cNvGrpSpPr/>
-        <p:nvPr/>
-      </p:nvGrpSpPr>
-      <p:grpSpPr>
-        <a:xfrm>
-          <a:off x="0" y="0"/>
-          <a:ext cx="0" cy="0"/>
-          <a:chOff x="0" y="0"/>
-          <a:chExt cx="0" cy="0"/>
-        </a:xfrm>
-      </p:grpSpPr>
-      <p:sp>
-        <p:nvSpPr>
-          <p:cNvPr id="4" name="Title 1">
-            <a:extLst>
-              <a:ext uri="{FF2B5EF4-FFF2-40B4-BE49-F238E27FC236}">
-                <a16:creationId xmlns:a16="http://schemas.microsoft.com/office/drawing/2014/main" id="{440643C5-97DF-5B80-60B8-E85953A48708}"/>
-              </a:ext>
-            </a:extLst>
-          </p:cNvPr>
-          <p:cNvSpPr>
-            <a:spLocks noGrp="1"/>
-          </p:cNvSpPr>
-          <p:nvPr>
-            <p:ph type="title"/>
-          </p:nvPr>
-        </p:nvSpPr>
-        <p:spPr>
-          <a:xfrm>
-            <a:off x="628650" y="789228"/>
-            <a:ext cx="7886700" cy="678114"/>
-          </a:xfrm>
-        </p:spPr>
-        <p:txBody>
-          <a:bodyPr anchor="t">
-            <a:normAutofit/>
-          </a:bodyPr>
-          <a:lstStyle/>
-          <a:p>
-            <a:r>
-              <a:rPr lang="en-US" sz="3600" b="1"/>
-              <a:t>Moving Forward</a:t>
-            </a:r>
-            <a:endParaRPr lang="en-US" sz="3600" b="1" dirty="0"/>
-          </a:p>
-        </p:txBody>
-      </p:sp>
-      <p:sp>
-        <p:nvSpPr>
-          <p:cNvPr id="2" name="Title 1">
-            <a:extLst>
-              <a:ext uri="{FF2B5EF4-FFF2-40B4-BE49-F238E27FC236}">
-                <a16:creationId xmlns:a16="http://schemas.microsoft.com/office/drawing/2014/main" id="{77EF64A6-A094-182D-2F2E-26EEBE9BEE3C}"/>
-              </a:ext>
-            </a:extLst>
-          </p:cNvPr>
-          <p:cNvSpPr txBox="1">
-            <a:spLocks/>
-          </p:cNvSpPr>
-          <p:nvPr/>
-        </p:nvSpPr>
-        <p:spPr>
-          <a:xfrm>
-            <a:off x="628650" y="1568142"/>
-            <a:ext cx="7886700" cy="3090258"/>
-          </a:xfrm>
-          <a:prstGeom prst="rect">
-            <a:avLst/>
-          </a:prstGeom>
-        </p:spPr>
-        <p:txBody>
-          <a:bodyPr vert="horz" lIns="91440" tIns="45720" rIns="91440" bIns="45720" rtlCol="0" anchor="t">
-            <a:normAutofit/>
-          </a:bodyPr>
-          <a:lstStyle>
-            <a:lvl1pPr algn="l" defTabSz="685800" rtl="0" eaLnBrk="1" latinLnBrk="0" hangingPunct="1">
-              <a:lnSpc>
-                <a:spcPct val="90000"/>
-              </a:lnSpc>
-              <a:spcBef>
-                <a:spcPct val="0"/>
-              </a:spcBef>
-              <a:buNone/>
-              <a:defRPr sz="4500" kern="1200">
-                <a:solidFill>
-                  <a:schemeClr val="tx1"/>
-                </a:solidFill>
-                <a:latin typeface="+mj-lt"/>
-                <a:ea typeface="+mj-ea"/>
-                <a:cs typeface="+mj-cs"/>
-              </a:defRPr>
-            </a:lvl1pPr>
-          </a:lstStyle>
-          <a:p>
-            <a:pPr marL="342900" indent="-342900">
-              <a:lnSpc>
-                <a:spcPct val="150000"/>
-              </a:lnSpc>
-              <a:buFont typeface="Arial" panose="020B0604020202020204" pitchFamily="34" charset="0"/>
-              <a:buChar char="•"/>
-            </a:pPr>
-            <a:r>
-              <a:rPr lang="en-US" sz="2400" dirty="0">
-                <a:latin typeface="Calibri Light" panose="020F0302020204030204" pitchFamily="34" charset="0"/>
-                <a:ea typeface="Calibri Light" panose="020F0302020204030204" pitchFamily="34" charset="0"/>
-                <a:cs typeface="Calibri Light" panose="020F0302020204030204" pitchFamily="34" charset="0"/>
-              </a:rPr>
-              <a:t>Scalability:</a:t>
-            </a:r>
-          </a:p>
-          <a:p>
-            <a:pPr marL="800100" lvl="1" indent="-342900">
-              <a:lnSpc>
-                <a:spcPct val="150000"/>
-              </a:lnSpc>
-              <a:buFont typeface="Arial" panose="020B0604020202020204" pitchFamily="34" charset="0"/>
-              <a:buChar char="•"/>
-            </a:pPr>
-            <a:r>
-              <a:rPr lang="en-US" sz="2000" dirty="0">
-                <a:latin typeface="Calibri Light" panose="020F0302020204030204" pitchFamily="34" charset="0"/>
-                <a:ea typeface="Calibri Light" panose="020F0302020204030204" pitchFamily="34" charset="0"/>
-                <a:cs typeface="Calibri Light" panose="020F0302020204030204" pitchFamily="34" charset="0"/>
-              </a:rPr>
-              <a:t>Differential privacy.</a:t>
-            </a:r>
-          </a:p>
-          <a:p>
-            <a:pPr marL="800100" lvl="1" indent="-342900">
-              <a:lnSpc>
-                <a:spcPct val="150000"/>
-              </a:lnSpc>
-              <a:buFont typeface="Arial" panose="020B0604020202020204" pitchFamily="34" charset="0"/>
-              <a:buChar char="•"/>
-            </a:pPr>
-            <a:r>
-              <a:rPr lang="en-US" sz="2000" dirty="0">
-                <a:latin typeface="Calibri Light" panose="020F0302020204030204" pitchFamily="34" charset="0"/>
-                <a:ea typeface="Calibri Light" panose="020F0302020204030204" pitchFamily="34" charset="0"/>
-                <a:cs typeface="Calibri Light" panose="020F0302020204030204" pitchFamily="34" charset="0"/>
-              </a:rPr>
-              <a:t>Random sampling.</a:t>
-            </a:r>
-          </a:p>
-          <a:p>
-            <a:pPr marL="342900" indent="-342900">
-              <a:lnSpc>
-                <a:spcPct val="150000"/>
-              </a:lnSpc>
-              <a:buFont typeface="Arial" panose="020B0604020202020204" pitchFamily="34" charset="0"/>
-              <a:buChar char="•"/>
-            </a:pPr>
-            <a:r>
-              <a:rPr lang="en-US" sz="2400" dirty="0">
-                <a:latin typeface="Calibri Light" panose="020F0302020204030204" pitchFamily="34" charset="0"/>
-                <a:ea typeface="Calibri Light" panose="020F0302020204030204" pitchFamily="34" charset="0"/>
-                <a:cs typeface="Calibri Light" panose="020F0302020204030204" pitchFamily="34" charset="0"/>
-              </a:rPr>
-              <a:t>Enhancement:</a:t>
-            </a:r>
-          </a:p>
-          <a:p>
-            <a:pPr marL="800100" lvl="1" indent="-342900">
-              <a:lnSpc>
-                <a:spcPct val="150000"/>
-              </a:lnSpc>
-              <a:buFont typeface="Arial" panose="020B0604020202020204" pitchFamily="34" charset="0"/>
-              <a:buChar char="•"/>
-            </a:pPr>
-            <a:r>
-              <a:rPr lang="en-US" sz="2000" dirty="0">
-                <a:latin typeface="Calibri Light" panose="020F0302020204030204" pitchFamily="34" charset="0"/>
-                <a:ea typeface="Calibri Light" panose="020F0302020204030204" pitchFamily="34" charset="0"/>
-                <a:cs typeface="Calibri Light" panose="020F0302020204030204" pitchFamily="34" charset="0"/>
-              </a:rPr>
-              <a:t>Aesthetic/usability improvements.</a:t>
-            </a:r>
-          </a:p>
-          <a:p>
-            <a:pPr marL="800100" lvl="1" indent="-342900">
-              <a:lnSpc>
-                <a:spcPct val="150000"/>
-              </a:lnSpc>
-              <a:buFont typeface="Arial" panose="020B0604020202020204" pitchFamily="34" charset="0"/>
-              <a:buChar char="•"/>
-            </a:pPr>
-            <a:r>
-              <a:rPr lang="en-US" sz="2000" dirty="0">
-                <a:latin typeface="Calibri Light" panose="020F0302020204030204" pitchFamily="34" charset="0"/>
-                <a:ea typeface="Calibri Light" panose="020F0302020204030204" pitchFamily="34" charset="0"/>
-                <a:cs typeface="Calibri Light" panose="020F0302020204030204" pitchFamily="34" charset="0"/>
-              </a:rPr>
-              <a:t>Machine Learning implementation.</a:t>
-            </a:r>
-          </a:p>
-          <a:p>
-            <a:pPr marL="342900" indent="-342900">
-              <a:lnSpc>
-                <a:spcPct val="150000"/>
-              </a:lnSpc>
-              <a:buFont typeface="Arial" panose="020B0604020202020204" pitchFamily="34" charset="0"/>
-              <a:buChar char="•"/>
-            </a:pPr>
-            <a:endParaRPr lang="en-US" sz="2400" dirty="0">
-              <a:latin typeface="Calibri Light" panose="020F0302020204030204" pitchFamily="34" charset="0"/>
-              <a:ea typeface="Calibri Light" panose="020F0302020204030204" pitchFamily="34" charset="0"/>
-              <a:cs typeface="Calibri Light" panose="020F0302020204030204" pitchFamily="34" charset="0"/>
-            </a:endParaRPr>
-          </a:p>
-          <a:p>
-            <a:pPr marL="800100" lvl="1" indent="-342900">
-              <a:lnSpc>
-                <a:spcPct val="150000"/>
-              </a:lnSpc>
-              <a:buFont typeface="Arial" panose="020B0604020202020204" pitchFamily="34" charset="0"/>
-              <a:buChar char="•"/>
-            </a:pPr>
-            <a:endParaRPr lang="en-US" sz="2400" dirty="0">
-              <a:latin typeface="Calibri Light" panose="020F0302020204030204" pitchFamily="34" charset="0"/>
-              <a:ea typeface="Calibri Light" panose="020F0302020204030204" pitchFamily="34" charset="0"/>
-              <a:cs typeface="Calibri Light" panose="020F0302020204030204" pitchFamily="34" charset="0"/>
-            </a:endParaRPr>
-          </a:p>
-        </p:txBody>
-      </p:sp>
-    </p:spTree>
-    <p:extLst>
-      <p:ext uri="{BB962C8B-B14F-4D97-AF65-F5344CB8AC3E}">
-        <p14:creationId xmlns:p14="http://schemas.microsoft.com/office/powerpoint/2010/main" val="4104135966"/>
-      </p:ext>
-    </p:extLst>
-  </p:cSld>
-  <p:clrMapOvr>
-    <a:masterClrMapping/>
-  </p:clrMapOvr>
-</p:sld>
-</file>
-
-<file path=ppt/slides/slide11.xml><?xml version="1.0" encoding="utf-8"?>
-<p:sld xmlns:a="http://schemas.openxmlformats.org/drawingml/2006/main" xmlns:r="http://schemas.openxmlformats.org/officeDocument/2006/relationships" xmlns:p="http://schemas.openxmlformats.org/presentationml/2006/main">
-  <p:cSld>
-    <p:spTree>
-      <p:nvGrpSpPr>
-        <p:cNvPr id="1" name="">
-          <a:extLst>
-            <a:ext uri="{FF2B5EF4-FFF2-40B4-BE49-F238E27FC236}">
-              <a16:creationId xmlns:a16="http://schemas.microsoft.com/office/drawing/2014/main" id="{3D1212D8-A40D-40ED-3CB3-60909E7B32A8}"/>
-            </a:ext>
-          </a:extLst>
-        </p:cNvPr>
-        <p:cNvGrpSpPr/>
-        <p:nvPr/>
-      </p:nvGrpSpPr>
-      <p:grpSpPr>
-        <a:xfrm>
-          <a:off x="0" y="0"/>
-          <a:ext cx="0" cy="0"/>
-          <a:chOff x="0" y="0"/>
-          <a:chExt cx="0" cy="0"/>
-        </a:xfrm>
-      </p:grpSpPr>
-      <p:sp>
-        <p:nvSpPr>
-          <p:cNvPr id="2" name="Title 1">
-            <a:extLst>
-              <a:ext uri="{FF2B5EF4-FFF2-40B4-BE49-F238E27FC236}">
-                <a16:creationId xmlns:a16="http://schemas.microsoft.com/office/drawing/2014/main" id="{52E6E183-729C-F03E-42E4-5AED22F2000A}"/>
-              </a:ext>
-            </a:extLst>
-          </p:cNvPr>
-          <p:cNvSpPr>
-            <a:spLocks noGrp="1"/>
-          </p:cNvSpPr>
-          <p:nvPr>
-            <p:ph type="title"/>
-          </p:nvPr>
-        </p:nvSpPr>
-        <p:spPr>
-          <a:xfrm>
-            <a:off x="623888" y="2232693"/>
-            <a:ext cx="7886700" cy="678114"/>
-          </a:xfrm>
-        </p:spPr>
-        <p:txBody>
-          <a:bodyPr anchor="t">
-            <a:normAutofit/>
-          </a:bodyPr>
-          <a:lstStyle/>
-          <a:p>
-            <a:r>
-              <a:rPr lang="en-US" sz="4000" b="1" dirty="0"/>
-              <a:t>Thank you for your consideration!</a:t>
-            </a:r>
-          </a:p>
-        </p:txBody>
-      </p:sp>
-    </p:spTree>
-    <p:extLst>
-      <p:ext uri="{BB962C8B-B14F-4D97-AF65-F5344CB8AC3E}">
-        <p14:creationId xmlns:p14="http://schemas.microsoft.com/office/powerpoint/2010/main" val="1792698077"/>
-      </p:ext>
-    </p:extLst>
-  </p:cSld>
-  <p:clrMapOvr>
-    <a:masterClrMapping/>
-  </p:clrMapOvr>
-</p:sld>
-</file>
-
-<file path=ppt/slides/slide2.xml><?xml version="1.0" encoding="utf-8"?>
-<p:sld xmlns:a="http://schemas.openxmlformats.org/drawingml/2006/main" xmlns:r="http://schemas.openxmlformats.org/officeDocument/2006/relationships" xmlns:p="http://schemas.openxmlformats.org/presentationml/2006/main">
-  <p:cSld>
-    <p:spTree>
-      <p:nvGrpSpPr>
-        <p:cNvPr id="1" name=""/>
-        <p:cNvGrpSpPr/>
-        <p:nvPr/>
-      </p:nvGrpSpPr>
-      <p:grpSpPr>
-        <a:xfrm>
-          <a:off x="0" y="0"/>
-          <a:ext cx="0" cy="0"/>
-          <a:chOff x="0" y="0"/>
-          <a:chExt cx="0" cy="0"/>
-        </a:xfrm>
-      </p:grpSpPr>
-      <p:sp>
-        <p:nvSpPr>
-          <p:cNvPr id="4" name="Title 1">
-            <a:extLst>
-              <a:ext uri="{FF2B5EF4-FFF2-40B4-BE49-F238E27FC236}">
-                <a16:creationId xmlns:a16="http://schemas.microsoft.com/office/drawing/2014/main" id="{7FDB7680-B9C4-BFD3-E9CC-599DE7CD1A36}"/>
-              </a:ext>
-            </a:extLst>
-          </p:cNvPr>
-          <p:cNvSpPr>
-            <a:spLocks noGrp="1"/>
-          </p:cNvSpPr>
-          <p:nvPr>
-            <p:ph type="title"/>
-          </p:nvPr>
-        </p:nvSpPr>
-        <p:spPr>
-          <a:xfrm>
-            <a:off x="628650" y="504885"/>
-            <a:ext cx="7886700" cy="864334"/>
-          </a:xfrm>
-        </p:spPr>
-        <p:txBody>
-          <a:bodyPr vert="horz" lIns="91440" tIns="45720" rIns="91440" bIns="45720" rtlCol="0" anchor="ctr">
-            <a:normAutofit/>
-          </a:bodyPr>
-          <a:lstStyle/>
-          <a:p>
-            <a:r>
-              <a:rPr lang="en-US" b="1" kern="1200" dirty="0"/>
-              <a:t>Overview</a:t>
-            </a:r>
-          </a:p>
-        </p:txBody>
-      </p:sp>
-      <p:graphicFrame>
-        <p:nvGraphicFramePr>
-          <p:cNvPr id="8" name="Title 1">
-            <a:extLst>
-              <a:ext uri="{FF2B5EF4-FFF2-40B4-BE49-F238E27FC236}">
-                <a16:creationId xmlns:a16="http://schemas.microsoft.com/office/drawing/2014/main" id="{1155620D-A2E4-965D-DD93-CF076267A986}"/>
-              </a:ext>
-            </a:extLst>
-          </p:cNvPr>
-          <p:cNvGraphicFramePr/>
-          <p:nvPr>
-            <p:extLst>
-              <p:ext uri="{D42A27DB-BD31-4B8C-83A1-F6EECF244321}">
-                <p14:modId xmlns:p14="http://schemas.microsoft.com/office/powerpoint/2010/main" val="3452738921"/>
-              </p:ext>
-            </p:extLst>
-          </p:nvPr>
-        </p:nvGraphicFramePr>
-        <p:xfrm>
-          <a:off x="628650" y="1369219"/>
-          <a:ext cx="7886700" cy="3263504"/>
-        </p:xfrm>
-        <a:graphic>
-          <a:graphicData uri="http://schemas.openxmlformats.org/drawingml/2006/diagram">
-            <dgm:relIds xmlns:dgm="http://schemas.openxmlformats.org/drawingml/2006/diagram" xmlns:r="http://schemas.openxmlformats.org/officeDocument/2006/relationships" r:dm="rId2" r:lo="rId3" r:qs="rId4" r:cs="rId5"/>
-          </a:graphicData>
-        </a:graphic>
-      </p:graphicFrame>
-    </p:spTree>
-    <p:extLst>
-      <p:ext uri="{BB962C8B-B14F-4D97-AF65-F5344CB8AC3E}">
-        <p14:creationId xmlns:p14="http://schemas.microsoft.com/office/powerpoint/2010/main" val="2078555055"/>
-      </p:ext>
-    </p:extLst>
-  </p:cSld>
-  <p:clrMapOvr>
-    <a:masterClrMapping/>
-  </p:clrMapOvr>
-</p:sld>
-</file>
-
-<file path=ppt/slides/slide3.xml><?xml version="1.0" encoding="utf-8"?>
-<p:sld xmlns:a="http://schemas.openxmlformats.org/drawingml/2006/main" xmlns:r="http://schemas.openxmlformats.org/officeDocument/2006/relationships" xmlns:p="http://schemas.openxmlformats.org/presentationml/2006/main">
-  <p:cSld>
-    <p:spTree>
-      <p:nvGrpSpPr>
-        <p:cNvPr id="1" name="">
-          <a:extLst>
-            <a:ext uri="{FF2B5EF4-FFF2-40B4-BE49-F238E27FC236}">
-              <a16:creationId xmlns:a16="http://schemas.microsoft.com/office/drawing/2014/main" id="{7BCA0543-85FB-415D-0520-0964507E483A}"/>
-            </a:ext>
-          </a:extLst>
-        </p:cNvPr>
-        <p:cNvGrpSpPr/>
-        <p:nvPr/>
-      </p:nvGrpSpPr>
-      <p:grpSpPr>
-        <a:xfrm>
-          <a:off x="0" y="0"/>
-          <a:ext cx="0" cy="0"/>
-          <a:chOff x="0" y="0"/>
-          <a:chExt cx="0" cy="0"/>
-        </a:xfrm>
-      </p:grpSpPr>
-      <p:graphicFrame>
-        <p:nvGraphicFramePr>
-          <p:cNvPr id="6" name="Title 1">
-            <a:extLst>
-              <a:ext uri="{FF2B5EF4-FFF2-40B4-BE49-F238E27FC236}">
-                <a16:creationId xmlns:a16="http://schemas.microsoft.com/office/drawing/2014/main" id="{D598F0D7-05D1-2C87-8647-03EE67EC6A3B}"/>
-              </a:ext>
-            </a:extLst>
-          </p:cNvPr>
-          <p:cNvGraphicFramePr/>
-          <p:nvPr>
-            <p:extLst>
-              <p:ext uri="{D42A27DB-BD31-4B8C-83A1-F6EECF244321}">
-                <p14:modId xmlns:p14="http://schemas.microsoft.com/office/powerpoint/2010/main" val="716732639"/>
-              </p:ext>
-            </p:extLst>
-          </p:nvPr>
-        </p:nvGraphicFramePr>
-        <p:xfrm>
-          <a:off x="628650" y="1557579"/>
-          <a:ext cx="7886700" cy="3075143"/>
-        </p:xfrm>
-        <a:graphic>
-          <a:graphicData uri="http://schemas.openxmlformats.org/drawingml/2006/diagram">
-            <dgm:relIds xmlns:dgm="http://schemas.openxmlformats.org/drawingml/2006/diagram" xmlns:r="http://schemas.openxmlformats.org/officeDocument/2006/relationships" r:dm="rId2" r:lo="rId3" r:qs="rId4" r:cs="rId5"/>
-          </a:graphicData>
-        </a:graphic>
-      </p:graphicFrame>
-      <p:sp>
-        <p:nvSpPr>
-          <p:cNvPr id="7" name="Title 1">
-            <a:extLst>
-              <a:ext uri="{FF2B5EF4-FFF2-40B4-BE49-F238E27FC236}">
-                <a16:creationId xmlns:a16="http://schemas.microsoft.com/office/drawing/2014/main" id="{CDF608FF-2A81-2AED-8D6D-5B8293983D1A}"/>
-              </a:ext>
-            </a:extLst>
-          </p:cNvPr>
-          <p:cNvSpPr txBox="1">
-            <a:spLocks/>
-          </p:cNvSpPr>
-          <p:nvPr/>
-        </p:nvSpPr>
-        <p:spPr>
-          <a:xfrm>
-            <a:off x="628650" y="504885"/>
-            <a:ext cx="7886700" cy="864334"/>
-          </a:xfrm>
-          <a:prstGeom prst="rect">
-            <a:avLst/>
-          </a:prstGeom>
-        </p:spPr>
-        <p:txBody>
-          <a:bodyPr vert="horz" lIns="91440" tIns="45720" rIns="91440" bIns="45720" rtlCol="0" anchor="ctr">
-            <a:normAutofit/>
-          </a:bodyPr>
-          <a:lstStyle>
-            <a:lvl1pPr algn="l" defTabSz="685800" rtl="0" eaLnBrk="1" latinLnBrk="0" hangingPunct="1">
-              <a:lnSpc>
-                <a:spcPct val="90000"/>
-              </a:lnSpc>
-              <a:spcBef>
-                <a:spcPct val="0"/>
-              </a:spcBef>
-              <a:buNone/>
-              <a:defRPr sz="3300" kern="1200">
-                <a:solidFill>
-                  <a:schemeClr val="tx1"/>
-                </a:solidFill>
-                <a:latin typeface="+mj-lt"/>
-                <a:ea typeface="+mj-ea"/>
-                <a:cs typeface="+mj-cs"/>
-              </a:defRPr>
-            </a:lvl1pPr>
-          </a:lstStyle>
-          <a:p>
-            <a:r>
-              <a:rPr lang="en-US" b="1" dirty="0"/>
-              <a:t>Data Refinement</a:t>
-            </a:r>
-          </a:p>
-        </p:txBody>
-      </p:sp>
-    </p:spTree>
-    <p:extLst>
-      <p:ext uri="{BB962C8B-B14F-4D97-AF65-F5344CB8AC3E}">
-        <p14:creationId xmlns:p14="http://schemas.microsoft.com/office/powerpoint/2010/main" val="2099539630"/>
-      </p:ext>
-    </p:extLst>
-  </p:cSld>
-  <p:clrMapOvr>
-    <a:masterClrMapping/>
-  </p:clrMapOvr>
-</p:sld>
-</file>
-
-<file path=ppt/slides/slide4.xml><?xml version="1.0" encoding="utf-8"?>
-<p:sld xmlns:a="http://schemas.openxmlformats.org/drawingml/2006/main" xmlns:r="http://schemas.openxmlformats.org/officeDocument/2006/relationships" xmlns:p="http://schemas.openxmlformats.org/presentationml/2006/main">
-  <p:cSld>
-    <p:spTree>
-      <p:nvGrpSpPr>
-        <p:cNvPr id="1" name="">
-          <a:extLst>
-            <a:ext uri="{FF2B5EF4-FFF2-40B4-BE49-F238E27FC236}">
-              <a16:creationId xmlns:a16="http://schemas.microsoft.com/office/drawing/2014/main" id="{69906B66-5AE0-B346-91E9-2883F072C996}"/>
-            </a:ext>
-          </a:extLst>
-        </p:cNvPr>
-        <p:cNvGrpSpPr/>
-        <p:nvPr/>
-      </p:nvGrpSpPr>
-      <p:grpSpPr>
-        <a:xfrm>
-          <a:off x="0" y="0"/>
-          <a:ext cx="0" cy="0"/>
-          <a:chOff x="0" y="0"/>
-          <a:chExt cx="0" cy="0"/>
-        </a:xfrm>
-      </p:grpSpPr>
-      <p:sp>
-        <p:nvSpPr>
-          <p:cNvPr id="4" name="Title 1">
-            <a:extLst>
-              <a:ext uri="{FF2B5EF4-FFF2-40B4-BE49-F238E27FC236}">
-                <a16:creationId xmlns:a16="http://schemas.microsoft.com/office/drawing/2014/main" id="{4105433A-77DD-9850-7EC7-EBBD2C29B0F0}"/>
-              </a:ext>
-            </a:extLst>
-          </p:cNvPr>
-          <p:cNvSpPr>
-            <a:spLocks noGrp="1"/>
-          </p:cNvSpPr>
-          <p:nvPr>
-            <p:ph type="title"/>
-          </p:nvPr>
-        </p:nvSpPr>
-        <p:spPr>
-          <a:xfrm>
-            <a:off x="628650" y="665667"/>
-            <a:ext cx="7886700" cy="678114"/>
-          </a:xfrm>
-        </p:spPr>
-        <p:txBody>
-          <a:bodyPr anchor="t">
-            <a:normAutofit/>
-          </a:bodyPr>
-          <a:lstStyle/>
-          <a:p>
-            <a:r>
-              <a:rPr lang="en-US" sz="3600" b="1" dirty="0"/>
-              <a:t>Application Development</a:t>
-            </a:r>
-          </a:p>
-        </p:txBody>
-      </p:sp>
-      <p:sp>
-        <p:nvSpPr>
-          <p:cNvPr id="5" name="Title 1">
-            <a:extLst>
-              <a:ext uri="{FF2B5EF4-FFF2-40B4-BE49-F238E27FC236}">
-                <a16:creationId xmlns:a16="http://schemas.microsoft.com/office/drawing/2014/main" id="{FAEDF4E0-0AE7-9300-CF8F-6D0E401102E8}"/>
-              </a:ext>
-            </a:extLst>
-          </p:cNvPr>
-          <p:cNvSpPr txBox="1">
-            <a:spLocks/>
-          </p:cNvSpPr>
-          <p:nvPr/>
-        </p:nvSpPr>
-        <p:spPr>
-          <a:xfrm>
-            <a:off x="628650" y="1568142"/>
-            <a:ext cx="7886700" cy="3090258"/>
-          </a:xfrm>
-          <a:prstGeom prst="rect">
-            <a:avLst/>
-          </a:prstGeom>
-        </p:spPr>
-        <p:txBody>
-          <a:bodyPr vert="horz" lIns="91440" tIns="45720" rIns="91440" bIns="45720" rtlCol="0" anchor="t">
-            <a:normAutofit/>
-          </a:bodyPr>
-          <a:lstStyle>
-            <a:lvl1pPr algn="l" defTabSz="685800" rtl="0" eaLnBrk="1" latinLnBrk="0" hangingPunct="1">
-              <a:lnSpc>
-                <a:spcPct val="90000"/>
-              </a:lnSpc>
-              <a:spcBef>
-                <a:spcPct val="0"/>
-              </a:spcBef>
-              <a:buNone/>
-              <a:defRPr sz="4500" kern="1200">
-                <a:solidFill>
-                  <a:schemeClr val="tx1"/>
-                </a:solidFill>
-                <a:latin typeface="+mj-lt"/>
-                <a:ea typeface="+mj-ea"/>
-                <a:cs typeface="+mj-cs"/>
-              </a:defRPr>
-            </a:lvl1pPr>
-          </a:lstStyle>
-          <a:p>
-            <a:pPr marL="342900" indent="-342900">
-              <a:lnSpc>
-                <a:spcPct val="150000"/>
-              </a:lnSpc>
-              <a:buFont typeface="Arial" panose="020B0604020202020204" pitchFamily="34" charset="0"/>
-              <a:buChar char="•"/>
-            </a:pPr>
-            <a:endParaRPr lang="en-US" sz="2400" dirty="0">
-              <a:latin typeface="Calibri Light" panose="020F0302020204030204" pitchFamily="34" charset="0"/>
-              <a:ea typeface="Calibri Light" panose="020F0302020204030204" pitchFamily="34" charset="0"/>
-              <a:cs typeface="Calibri Light" panose="020F0302020204030204" pitchFamily="34" charset="0"/>
-            </a:endParaRPr>
-          </a:p>
-          <a:p>
-            <a:pPr marL="800100" lvl="1" indent="-342900">
-              <a:lnSpc>
-                <a:spcPct val="150000"/>
-              </a:lnSpc>
-              <a:buFont typeface="Arial" panose="020B0604020202020204" pitchFamily="34" charset="0"/>
-              <a:buChar char="•"/>
-            </a:pPr>
-            <a:endParaRPr lang="en-US" sz="2000" dirty="0">
-              <a:latin typeface="Calibri Light" panose="020F0302020204030204" pitchFamily="34" charset="0"/>
-              <a:ea typeface="Calibri Light" panose="020F0302020204030204" pitchFamily="34" charset="0"/>
-              <a:cs typeface="Calibri Light" panose="020F0302020204030204" pitchFamily="34" charset="0"/>
-            </a:endParaRPr>
-          </a:p>
-        </p:txBody>
-      </p:sp>
-      <p:sp>
-        <p:nvSpPr>
-          <p:cNvPr id="2" name="Title 1">
-            <a:extLst>
-              <a:ext uri="{FF2B5EF4-FFF2-40B4-BE49-F238E27FC236}">
-                <a16:creationId xmlns:a16="http://schemas.microsoft.com/office/drawing/2014/main" id="{BC3A94E6-5262-8460-61B4-7FB1446F07AF}"/>
-              </a:ext>
-            </a:extLst>
-          </p:cNvPr>
-          <p:cNvSpPr txBox="1">
-            <a:spLocks/>
-          </p:cNvSpPr>
-          <p:nvPr/>
-        </p:nvSpPr>
-        <p:spPr>
-          <a:xfrm>
-            <a:off x="628650" y="1157124"/>
-            <a:ext cx="7886700" cy="447315"/>
-          </a:xfrm>
-          <a:prstGeom prst="rect">
-            <a:avLst/>
-          </a:prstGeom>
-        </p:spPr>
-        <p:txBody>
-          <a:bodyPr vert="horz" lIns="91440" tIns="45720" rIns="91440" bIns="45720" rtlCol="0" anchor="t">
-            <a:normAutofit/>
-          </a:bodyPr>
-          <a:lstStyle>
-            <a:lvl1pPr algn="l" defTabSz="685800" rtl="0" eaLnBrk="1" latinLnBrk="0" hangingPunct="1">
-              <a:lnSpc>
-                <a:spcPct val="90000"/>
-              </a:lnSpc>
-              <a:spcBef>
-                <a:spcPct val="0"/>
-              </a:spcBef>
-              <a:buNone/>
-              <a:defRPr sz="4500" kern="1200">
-                <a:solidFill>
-                  <a:schemeClr val="tx1"/>
-                </a:solidFill>
-                <a:latin typeface="+mj-lt"/>
-                <a:ea typeface="+mj-ea"/>
-                <a:cs typeface="+mj-cs"/>
-              </a:defRPr>
-            </a:lvl1pPr>
-          </a:lstStyle>
-          <a:p>
-            <a:r>
-              <a:rPr lang="en-US" sz="2400" b="1" dirty="0">
-                <a:solidFill>
-                  <a:schemeClr val="tx1">
-                    <a:lumMod val="65000"/>
-                    <a:lumOff val="35000"/>
-                  </a:schemeClr>
-                </a:solidFill>
-              </a:rPr>
-              <a:t>Technical Architecture</a:t>
-            </a:r>
-          </a:p>
-        </p:txBody>
-      </p:sp>
-      <p:sp>
-        <p:nvSpPr>
-          <p:cNvPr id="3" name="Title 1">
-            <a:extLst>
-              <a:ext uri="{FF2B5EF4-FFF2-40B4-BE49-F238E27FC236}">
-                <a16:creationId xmlns:a16="http://schemas.microsoft.com/office/drawing/2014/main" id="{86A04A04-7D89-4892-9E05-5B1EF6B624D2}"/>
-              </a:ext>
-            </a:extLst>
-          </p:cNvPr>
-          <p:cNvSpPr txBox="1">
-            <a:spLocks/>
-          </p:cNvSpPr>
-          <p:nvPr/>
-        </p:nvSpPr>
-        <p:spPr>
-          <a:xfrm>
-            <a:off x="628650" y="1568506"/>
-            <a:ext cx="5237457" cy="3090258"/>
-          </a:xfrm>
-          <a:prstGeom prst="rect">
-            <a:avLst/>
-          </a:prstGeom>
-        </p:spPr>
-        <p:txBody>
-          <a:bodyPr vert="horz" lIns="91440" tIns="45720" rIns="91440" bIns="45720" rtlCol="0" anchor="t">
-            <a:normAutofit/>
-          </a:bodyPr>
-          <a:lstStyle>
-            <a:lvl1pPr algn="l" defTabSz="685800" rtl="0" eaLnBrk="1" latinLnBrk="0" hangingPunct="1">
-              <a:lnSpc>
-                <a:spcPct val="90000"/>
-              </a:lnSpc>
-              <a:spcBef>
-                <a:spcPct val="0"/>
-              </a:spcBef>
-              <a:buNone/>
-              <a:defRPr sz="4500" kern="1200">
-                <a:solidFill>
-                  <a:schemeClr val="tx1"/>
-                </a:solidFill>
-                <a:latin typeface="+mj-lt"/>
-                <a:ea typeface="+mj-ea"/>
-                <a:cs typeface="+mj-cs"/>
-              </a:defRPr>
-            </a:lvl1pPr>
-          </a:lstStyle>
-          <a:p>
-            <a:pPr marL="342900" indent="-342900">
-              <a:lnSpc>
-                <a:spcPct val="150000"/>
-              </a:lnSpc>
-              <a:buFont typeface="Arial" panose="020B0604020202020204" pitchFamily="34" charset="0"/>
-              <a:buChar char="•"/>
-            </a:pPr>
-            <a:r>
-              <a:rPr lang="en-US" sz="2000" dirty="0">
-                <a:latin typeface="Calibri Light" panose="020F0302020204030204" pitchFamily="34" charset="0"/>
-                <a:ea typeface="Calibri Light" panose="020F0302020204030204" pitchFamily="34" charset="0"/>
-                <a:cs typeface="Calibri Light" panose="020F0302020204030204" pitchFamily="34" charset="0"/>
-              </a:rPr>
-              <a:t>R Shiny Application:</a:t>
-            </a:r>
-          </a:p>
-          <a:p>
-            <a:pPr marL="800100" lvl="1" indent="-342900">
-              <a:lnSpc>
-                <a:spcPct val="150000"/>
-              </a:lnSpc>
-              <a:buFont typeface="Arial" panose="020B0604020202020204" pitchFamily="34" charset="0"/>
-              <a:buChar char="•"/>
-            </a:pPr>
-            <a:r>
-              <a:rPr lang="en-US" dirty="0">
-                <a:latin typeface="Calibri Light" panose="020F0302020204030204" pitchFamily="34" charset="0"/>
-                <a:ea typeface="Calibri Light" panose="020F0302020204030204" pitchFamily="34" charset="0"/>
-                <a:cs typeface="Calibri Light" panose="020F0302020204030204" pitchFamily="34" charset="0"/>
-              </a:rPr>
-              <a:t>Easily deployable.</a:t>
-            </a:r>
-          </a:p>
-          <a:p>
-            <a:pPr marL="800100" lvl="1" indent="-342900">
-              <a:lnSpc>
-                <a:spcPct val="150000"/>
-              </a:lnSpc>
-              <a:buFont typeface="Arial" panose="020B0604020202020204" pitchFamily="34" charset="0"/>
-              <a:buChar char="•"/>
-            </a:pPr>
-            <a:r>
-              <a:rPr lang="en-US" dirty="0">
-                <a:latin typeface="Calibri Light" panose="020F0302020204030204" pitchFamily="34" charset="0"/>
-                <a:ea typeface="Calibri Light" panose="020F0302020204030204" pitchFamily="34" charset="0"/>
-                <a:cs typeface="Calibri Light" panose="020F0302020204030204" pitchFamily="34" charset="0"/>
-              </a:rPr>
-              <a:t>Seamless integration with CSS and JavaScript.</a:t>
-            </a:r>
-          </a:p>
-          <a:p>
-            <a:pPr marL="800100" lvl="1" indent="-342900">
-              <a:lnSpc>
-                <a:spcPct val="150000"/>
-              </a:lnSpc>
-              <a:buFont typeface="Arial" panose="020B0604020202020204" pitchFamily="34" charset="0"/>
-              <a:buChar char="•"/>
-            </a:pPr>
-            <a:endParaRPr lang="en-US" sz="100" dirty="0">
-              <a:latin typeface="Calibri Light" panose="020F0302020204030204" pitchFamily="34" charset="0"/>
-              <a:ea typeface="Calibri Light" panose="020F0302020204030204" pitchFamily="34" charset="0"/>
-              <a:cs typeface="Calibri Light" panose="020F0302020204030204" pitchFamily="34" charset="0"/>
-            </a:endParaRPr>
-          </a:p>
-          <a:p>
-            <a:pPr marL="342900" indent="-342900">
-              <a:lnSpc>
-                <a:spcPct val="150000"/>
-              </a:lnSpc>
-              <a:buFont typeface="Arial" panose="020B0604020202020204" pitchFamily="34" charset="0"/>
-              <a:buChar char="•"/>
-            </a:pPr>
-            <a:r>
-              <a:rPr lang="en-US" sz="2000" dirty="0">
-                <a:latin typeface="Calibri Light" panose="020F0302020204030204" pitchFamily="34" charset="0"/>
-                <a:ea typeface="Calibri Light" panose="020F0302020204030204" pitchFamily="34" charset="0"/>
-                <a:cs typeface="Calibri Light" panose="020F0302020204030204" pitchFamily="34" charset="0"/>
-              </a:rPr>
-              <a:t>Tab-based, point-and-click UI.</a:t>
-            </a:r>
-          </a:p>
-          <a:p>
-            <a:pPr marL="342900" indent="-342900">
-              <a:lnSpc>
-                <a:spcPct val="150000"/>
-              </a:lnSpc>
-              <a:buFont typeface="Arial" panose="020B0604020202020204" pitchFamily="34" charset="0"/>
-              <a:buChar char="•"/>
-            </a:pPr>
-            <a:r>
-              <a:rPr lang="en-US" sz="2000" dirty="0">
-                <a:latin typeface="Calibri Light" panose="020F0302020204030204" pitchFamily="34" charset="0"/>
-                <a:ea typeface="Calibri Light" panose="020F0302020204030204" pitchFamily="34" charset="0"/>
-                <a:cs typeface="Calibri Light" panose="020F0302020204030204" pitchFamily="34" charset="0"/>
-              </a:rPr>
-              <a:t>Visualization packages:</a:t>
-            </a:r>
-          </a:p>
-          <a:p>
-            <a:pPr marL="800100" lvl="1" indent="-342900">
-              <a:lnSpc>
-                <a:spcPct val="150000"/>
-              </a:lnSpc>
-              <a:buFont typeface="Arial" panose="020B0604020202020204" pitchFamily="34" charset="0"/>
-              <a:buChar char="•"/>
-            </a:pPr>
-            <a:r>
-              <a:rPr lang="en-US" dirty="0">
-                <a:latin typeface="Calibri Light" panose="020F0302020204030204" pitchFamily="34" charset="0"/>
-                <a:ea typeface="Calibri Light" panose="020F0302020204030204" pitchFamily="34" charset="0"/>
-                <a:cs typeface="Calibri Light" panose="020F0302020204030204" pitchFamily="34" charset="0"/>
-              </a:rPr>
-              <a:t>ggplot2, patchwork</a:t>
-            </a:r>
-          </a:p>
-        </p:txBody>
-      </p:sp>
-    </p:spTree>
-    <p:extLst>
-      <p:ext uri="{BB962C8B-B14F-4D97-AF65-F5344CB8AC3E}">
-        <p14:creationId xmlns:p14="http://schemas.microsoft.com/office/powerpoint/2010/main" val="4121858526"/>
-      </p:ext>
-    </p:extLst>
-  </p:cSld>
-  <p:clrMapOvr>
-    <a:masterClrMapping/>
-  </p:clrMapOvr>
-</p:sld>
-</file>
-
-<file path=ppt/slides/slide5.xml><?xml version="1.0" encoding="utf-8"?>
-<p:sld xmlns:a="http://schemas.openxmlformats.org/drawingml/2006/main" xmlns:r="http://schemas.openxmlformats.org/officeDocument/2006/relationships" xmlns:p="http://schemas.openxmlformats.org/presentationml/2006/main">
-  <p:cSld>
-    <p:spTree>
-      <p:nvGrpSpPr>
-        <p:cNvPr id="1" name="">
-          <a:extLst>
-            <a:ext uri="{FF2B5EF4-FFF2-40B4-BE49-F238E27FC236}">
-              <a16:creationId xmlns:a16="http://schemas.microsoft.com/office/drawing/2014/main" id="{ADA52373-1B1C-4BCF-3DCA-C94C5E380F52}"/>
-            </a:ext>
-          </a:extLst>
-        </p:cNvPr>
-        <p:cNvGrpSpPr/>
-        <p:nvPr/>
-      </p:nvGrpSpPr>
-      <p:grpSpPr>
-        <a:xfrm>
-          <a:off x="0" y="0"/>
-          <a:ext cx="0" cy="0"/>
-          <a:chOff x="0" y="0"/>
-          <a:chExt cx="0" cy="0"/>
-        </a:xfrm>
-      </p:grpSpPr>
-      <p:sp>
-        <p:nvSpPr>
-          <p:cNvPr id="4" name="Title 1">
-            <a:extLst>
-              <a:ext uri="{FF2B5EF4-FFF2-40B4-BE49-F238E27FC236}">
-                <a16:creationId xmlns:a16="http://schemas.microsoft.com/office/drawing/2014/main" id="{26931D68-5D12-56D1-623F-F92376985AC4}"/>
-              </a:ext>
-            </a:extLst>
-          </p:cNvPr>
-          <p:cNvSpPr>
-            <a:spLocks noGrp="1"/>
-          </p:cNvSpPr>
-          <p:nvPr>
-            <p:ph type="title"/>
-          </p:nvPr>
-        </p:nvSpPr>
-        <p:spPr>
-          <a:xfrm>
-            <a:off x="628650" y="665667"/>
-            <a:ext cx="7886700" cy="678114"/>
-          </a:xfrm>
-        </p:spPr>
-        <p:txBody>
-          <a:bodyPr anchor="t">
-            <a:normAutofit/>
-          </a:bodyPr>
-          <a:lstStyle/>
-          <a:p>
-            <a:r>
-              <a:rPr lang="en-US" sz="3600" b="1" dirty="0"/>
-              <a:t>Application Development</a:t>
-            </a:r>
-          </a:p>
-        </p:txBody>
-      </p:sp>
-      <p:sp>
-        <p:nvSpPr>
-          <p:cNvPr id="5" name="Title 1">
-            <a:extLst>
-              <a:ext uri="{FF2B5EF4-FFF2-40B4-BE49-F238E27FC236}">
-                <a16:creationId xmlns:a16="http://schemas.microsoft.com/office/drawing/2014/main" id="{A875A886-AA50-1C20-78B1-30AAA2AA3E9A}"/>
-              </a:ext>
-            </a:extLst>
-          </p:cNvPr>
-          <p:cNvSpPr txBox="1">
-            <a:spLocks/>
-          </p:cNvSpPr>
-          <p:nvPr/>
-        </p:nvSpPr>
-        <p:spPr>
-          <a:xfrm>
-            <a:off x="628650" y="1568142"/>
-            <a:ext cx="7886700" cy="3090258"/>
-          </a:xfrm>
-          <a:prstGeom prst="rect">
-            <a:avLst/>
-          </a:prstGeom>
-        </p:spPr>
-        <p:txBody>
-          <a:bodyPr vert="horz" lIns="91440" tIns="45720" rIns="91440" bIns="45720" rtlCol="0" anchor="t">
-            <a:normAutofit/>
-          </a:bodyPr>
-          <a:lstStyle>
-            <a:lvl1pPr algn="l" defTabSz="685800" rtl="0" eaLnBrk="1" latinLnBrk="0" hangingPunct="1">
-              <a:lnSpc>
-                <a:spcPct val="90000"/>
-              </a:lnSpc>
-              <a:spcBef>
-                <a:spcPct val="0"/>
-              </a:spcBef>
-              <a:buNone/>
-              <a:defRPr sz="4500" kern="1200">
-                <a:solidFill>
-                  <a:schemeClr val="tx1"/>
-                </a:solidFill>
-                <a:latin typeface="+mj-lt"/>
-                <a:ea typeface="+mj-ea"/>
-                <a:cs typeface="+mj-cs"/>
-              </a:defRPr>
-            </a:lvl1pPr>
-          </a:lstStyle>
-          <a:p>
-            <a:pPr marL="342900" indent="-342900">
-              <a:lnSpc>
-                <a:spcPct val="150000"/>
-              </a:lnSpc>
-              <a:buFont typeface="Arial" panose="020B0604020202020204" pitchFamily="34" charset="0"/>
-              <a:buChar char="•"/>
-            </a:pPr>
-            <a:endParaRPr lang="en-US" sz="2400" dirty="0">
-              <a:latin typeface="Calibri Light" panose="020F0302020204030204" pitchFamily="34" charset="0"/>
-              <a:ea typeface="Calibri Light" panose="020F0302020204030204" pitchFamily="34" charset="0"/>
-              <a:cs typeface="Calibri Light" panose="020F0302020204030204" pitchFamily="34" charset="0"/>
-            </a:endParaRPr>
-          </a:p>
-          <a:p>
-            <a:pPr marL="800100" lvl="1" indent="-342900">
-              <a:lnSpc>
-                <a:spcPct val="150000"/>
-              </a:lnSpc>
-              <a:buFont typeface="Arial" panose="020B0604020202020204" pitchFamily="34" charset="0"/>
-              <a:buChar char="•"/>
-            </a:pPr>
-            <a:endParaRPr lang="en-US" sz="2000" dirty="0">
-              <a:latin typeface="Calibri Light" panose="020F0302020204030204" pitchFamily="34" charset="0"/>
-              <a:ea typeface="Calibri Light" panose="020F0302020204030204" pitchFamily="34" charset="0"/>
-              <a:cs typeface="Calibri Light" panose="020F0302020204030204" pitchFamily="34" charset="0"/>
-            </a:endParaRPr>
-          </a:p>
-        </p:txBody>
-      </p:sp>
-      <p:sp>
-        <p:nvSpPr>
-          <p:cNvPr id="2" name="Title 1">
-            <a:extLst>
-              <a:ext uri="{FF2B5EF4-FFF2-40B4-BE49-F238E27FC236}">
-                <a16:creationId xmlns:a16="http://schemas.microsoft.com/office/drawing/2014/main" id="{01C01ED6-7260-50AE-B8F8-71ADE9CDBFA3}"/>
-              </a:ext>
-            </a:extLst>
-          </p:cNvPr>
-          <p:cNvSpPr txBox="1">
-            <a:spLocks/>
-          </p:cNvSpPr>
-          <p:nvPr/>
-        </p:nvSpPr>
-        <p:spPr>
-          <a:xfrm>
-            <a:off x="628650" y="1157124"/>
-            <a:ext cx="7886700" cy="447315"/>
-          </a:xfrm>
-          <a:prstGeom prst="rect">
-            <a:avLst/>
-          </a:prstGeom>
-        </p:spPr>
-        <p:txBody>
-          <a:bodyPr vert="horz" lIns="91440" tIns="45720" rIns="91440" bIns="45720" rtlCol="0" anchor="t">
-            <a:normAutofit/>
-          </a:bodyPr>
-          <a:lstStyle>
-            <a:lvl1pPr algn="l" defTabSz="685800" rtl="0" eaLnBrk="1" latinLnBrk="0" hangingPunct="1">
-              <a:lnSpc>
-                <a:spcPct val="90000"/>
-              </a:lnSpc>
-              <a:spcBef>
-                <a:spcPct val="0"/>
-              </a:spcBef>
-              <a:buNone/>
-              <a:defRPr sz="4500" kern="1200">
-                <a:solidFill>
-                  <a:schemeClr val="tx1"/>
-                </a:solidFill>
-                <a:latin typeface="+mj-lt"/>
-                <a:ea typeface="+mj-ea"/>
-                <a:cs typeface="+mj-cs"/>
-              </a:defRPr>
-            </a:lvl1pPr>
-          </a:lstStyle>
-          <a:p>
-            <a:r>
-              <a:rPr lang="en-US" sz="2400" b="1" dirty="0">
-                <a:solidFill>
-                  <a:schemeClr val="tx1">
-                    <a:lumMod val="65000"/>
-                    <a:lumOff val="35000"/>
-                  </a:schemeClr>
-                </a:solidFill>
-              </a:rPr>
-              <a:t>Key Features</a:t>
-            </a:r>
-          </a:p>
-        </p:txBody>
-      </p:sp>
-      <p:sp>
-        <p:nvSpPr>
-          <p:cNvPr id="3" name="Title 1">
-            <a:extLst>
-              <a:ext uri="{FF2B5EF4-FFF2-40B4-BE49-F238E27FC236}">
-                <a16:creationId xmlns:a16="http://schemas.microsoft.com/office/drawing/2014/main" id="{D462E3C3-E8E9-5939-1A6C-6FCA8351F2D2}"/>
-              </a:ext>
-            </a:extLst>
-          </p:cNvPr>
-          <p:cNvSpPr txBox="1">
-            <a:spLocks/>
-          </p:cNvSpPr>
-          <p:nvPr/>
-        </p:nvSpPr>
-        <p:spPr>
-          <a:xfrm>
-            <a:off x="628650" y="1568506"/>
-            <a:ext cx="4997235" cy="3090258"/>
-          </a:xfrm>
-          <a:prstGeom prst="rect">
-            <a:avLst/>
-          </a:prstGeom>
-        </p:spPr>
-        <p:txBody>
-          <a:bodyPr vert="horz" lIns="91440" tIns="45720" rIns="91440" bIns="45720" rtlCol="0" anchor="t">
-            <a:normAutofit/>
-          </a:bodyPr>
-          <a:lstStyle>
-            <a:lvl1pPr algn="l" defTabSz="685800" rtl="0" eaLnBrk="1" latinLnBrk="0" hangingPunct="1">
-              <a:lnSpc>
-                <a:spcPct val="90000"/>
-              </a:lnSpc>
-              <a:spcBef>
-                <a:spcPct val="0"/>
-              </a:spcBef>
-              <a:buNone/>
-              <a:defRPr sz="4500" kern="1200">
-                <a:solidFill>
-                  <a:schemeClr val="tx1"/>
-                </a:solidFill>
-                <a:latin typeface="+mj-lt"/>
-                <a:ea typeface="+mj-ea"/>
-                <a:cs typeface="+mj-cs"/>
-              </a:defRPr>
-            </a:lvl1pPr>
-          </a:lstStyle>
-          <a:p>
-            <a:pPr marL="342900" indent="-342900">
-              <a:lnSpc>
-                <a:spcPct val="150000"/>
-              </a:lnSpc>
-              <a:buFont typeface="Arial" panose="020B0604020202020204" pitchFamily="34" charset="0"/>
-              <a:buChar char="•"/>
-            </a:pPr>
-            <a:r>
-              <a:rPr lang="en-US" sz="2000" dirty="0">
-                <a:latin typeface="Calibri Light" panose="020F0302020204030204" pitchFamily="34" charset="0"/>
-                <a:ea typeface="Calibri Light" panose="020F0302020204030204" pitchFamily="34" charset="0"/>
-                <a:cs typeface="Calibri Light" panose="020F0302020204030204" pitchFamily="34" charset="0"/>
-              </a:rPr>
-              <a:t>Topic-centric exploration:</a:t>
-            </a:r>
-          </a:p>
-          <a:p>
-            <a:pPr marL="800100" lvl="1" indent="-342900">
-              <a:lnSpc>
-                <a:spcPct val="150000"/>
-              </a:lnSpc>
-              <a:buFont typeface="Arial" panose="020B0604020202020204" pitchFamily="34" charset="0"/>
-              <a:buChar char="•"/>
-            </a:pPr>
-            <a:r>
-              <a:rPr lang="en-US" dirty="0">
-                <a:latin typeface="Calibri Light" panose="020F0302020204030204" pitchFamily="34" charset="0"/>
-                <a:ea typeface="Calibri Light" panose="020F0302020204030204" pitchFamily="34" charset="0"/>
-                <a:cs typeface="Calibri Light" panose="020F0302020204030204" pitchFamily="34" charset="0"/>
-              </a:rPr>
-              <a:t>Sociality, Wellness, Success, and Grit.</a:t>
-            </a:r>
-          </a:p>
-          <a:p>
-            <a:pPr marL="800100" lvl="1" indent="-342900">
-              <a:lnSpc>
-                <a:spcPct val="150000"/>
-              </a:lnSpc>
-              <a:buFont typeface="Arial" panose="020B0604020202020204" pitchFamily="34" charset="0"/>
-              <a:buChar char="•"/>
-            </a:pPr>
-            <a:r>
-              <a:rPr lang="en-US" dirty="0">
-                <a:latin typeface="Calibri Light" panose="020F0302020204030204" pitchFamily="34" charset="0"/>
-                <a:ea typeface="Calibri Light" panose="020F0302020204030204" pitchFamily="34" charset="0"/>
-                <a:cs typeface="Calibri Light" panose="020F0302020204030204" pitchFamily="34" charset="0"/>
-              </a:rPr>
-              <a:t>Provides a more easily digestible narrative.</a:t>
-            </a:r>
-          </a:p>
-          <a:p>
-            <a:pPr marL="342900" indent="-342900">
-              <a:lnSpc>
-                <a:spcPct val="150000"/>
-              </a:lnSpc>
-              <a:buFont typeface="Arial" panose="020B0604020202020204" pitchFamily="34" charset="0"/>
-              <a:buChar char="•"/>
-            </a:pPr>
-            <a:r>
-              <a:rPr lang="en-US" sz="2000" dirty="0">
-                <a:latin typeface="Calibri Light" panose="020F0302020204030204" pitchFamily="34" charset="0"/>
-                <a:ea typeface="Calibri Light" panose="020F0302020204030204" pitchFamily="34" charset="0"/>
-                <a:cs typeface="Calibri Light" panose="020F0302020204030204" pitchFamily="34" charset="0"/>
-              </a:rPr>
-              <a:t>Filtering by demographic.</a:t>
-            </a:r>
-          </a:p>
-          <a:p>
-            <a:pPr marL="342900" indent="-342900">
-              <a:lnSpc>
-                <a:spcPct val="150000"/>
-              </a:lnSpc>
-              <a:buFont typeface="Arial" panose="020B0604020202020204" pitchFamily="34" charset="0"/>
-              <a:buChar char="•"/>
-            </a:pPr>
-            <a:r>
-              <a:rPr lang="en-US" sz="2000" dirty="0">
-                <a:latin typeface="Calibri Light" panose="020F0302020204030204" pitchFamily="34" charset="0"/>
-                <a:ea typeface="Calibri Light" panose="020F0302020204030204" pitchFamily="34" charset="0"/>
-                <a:cs typeface="Calibri Light" panose="020F0302020204030204" pitchFamily="34" charset="0"/>
-              </a:rPr>
-              <a:t>Statistical testing:</a:t>
-            </a:r>
-          </a:p>
-          <a:p>
-            <a:pPr marL="800100" lvl="1" indent="-342900">
-              <a:lnSpc>
-                <a:spcPct val="150000"/>
-              </a:lnSpc>
-              <a:buFont typeface="Arial" panose="020B0604020202020204" pitchFamily="34" charset="0"/>
-              <a:buChar char="•"/>
-            </a:pPr>
-            <a:r>
-              <a:rPr lang="en-US" dirty="0">
-                <a:latin typeface="Calibri Light" panose="020F0302020204030204" pitchFamily="34" charset="0"/>
-                <a:ea typeface="Calibri Light" panose="020F0302020204030204" pitchFamily="34" charset="0"/>
-                <a:cs typeface="Calibri Light" panose="020F0302020204030204" pitchFamily="34" charset="0"/>
-              </a:rPr>
-              <a:t>Looks for significance in variation between groups.</a:t>
-            </a:r>
-          </a:p>
-        </p:txBody>
-      </p:sp>
-    </p:spTree>
-    <p:extLst>
-      <p:ext uri="{BB962C8B-B14F-4D97-AF65-F5344CB8AC3E}">
-        <p14:creationId xmlns:p14="http://schemas.microsoft.com/office/powerpoint/2010/main" val="2969737504"/>
-      </p:ext>
-    </p:extLst>
-  </p:cSld>
-  <p:clrMapOvr>
-    <a:masterClrMapping/>
-  </p:clrMapOvr>
-</p:sld>
-</file>
-
-<file path=ppt/slides/slide6.xml><?xml version="1.0" encoding="utf-8"?>
-<p:sld xmlns:a="http://schemas.openxmlformats.org/drawingml/2006/main" xmlns:r="http://schemas.openxmlformats.org/officeDocument/2006/relationships" xmlns:p="http://schemas.openxmlformats.org/presentationml/2006/main">
-  <p:cSld>
-    <p:spTree>
-      <p:nvGrpSpPr>
-        <p:cNvPr id="1" name="">
-          <a:extLst>
-            <a:ext uri="{FF2B5EF4-FFF2-40B4-BE49-F238E27FC236}">
-              <a16:creationId xmlns:a16="http://schemas.microsoft.com/office/drawing/2014/main" id="{B2EE0D03-D670-86E6-71FE-CE3F1914E542}"/>
-            </a:ext>
-          </a:extLst>
-        </p:cNvPr>
-        <p:cNvGrpSpPr/>
-        <p:nvPr/>
-      </p:nvGrpSpPr>
-      <p:grpSpPr>
-        <a:xfrm>
-          <a:off x="0" y="0"/>
-          <a:ext cx="0" cy="0"/>
-          <a:chOff x="0" y="0"/>
-          <a:chExt cx="0" cy="0"/>
-        </a:xfrm>
-      </p:grpSpPr>
-      <p:sp>
-        <p:nvSpPr>
-          <p:cNvPr id="4" name="Title 1">
-            <a:extLst>
-              <a:ext uri="{FF2B5EF4-FFF2-40B4-BE49-F238E27FC236}">
-                <a16:creationId xmlns:a16="http://schemas.microsoft.com/office/drawing/2014/main" id="{4432D666-1338-604A-8D4C-C58D97A29EF3}"/>
-              </a:ext>
-            </a:extLst>
-          </p:cNvPr>
-          <p:cNvSpPr>
-            <a:spLocks noGrp="1"/>
-          </p:cNvSpPr>
-          <p:nvPr>
-            <p:ph type="title"/>
-          </p:nvPr>
-        </p:nvSpPr>
-        <p:spPr>
-          <a:xfrm>
-            <a:off x="628650" y="665667"/>
-            <a:ext cx="7886700" cy="678114"/>
-          </a:xfrm>
-        </p:spPr>
-        <p:txBody>
-          <a:bodyPr anchor="t">
-            <a:normAutofit/>
-          </a:bodyPr>
-          <a:lstStyle/>
-          <a:p>
-            <a:r>
-              <a:rPr lang="en-US" sz="3600" b="1" dirty="0"/>
-              <a:t>Application Development</a:t>
-            </a:r>
-          </a:p>
-        </p:txBody>
-      </p:sp>
-      <p:sp>
-        <p:nvSpPr>
-          <p:cNvPr id="5" name="Title 1">
-            <a:extLst>
-              <a:ext uri="{FF2B5EF4-FFF2-40B4-BE49-F238E27FC236}">
-                <a16:creationId xmlns:a16="http://schemas.microsoft.com/office/drawing/2014/main" id="{5F0AD9AA-699A-FB55-EFD7-125B2B527A3D}"/>
-              </a:ext>
-            </a:extLst>
-          </p:cNvPr>
-          <p:cNvSpPr txBox="1">
-            <a:spLocks/>
-          </p:cNvSpPr>
-          <p:nvPr/>
-        </p:nvSpPr>
-        <p:spPr>
-          <a:xfrm>
-            <a:off x="628650" y="1568142"/>
-            <a:ext cx="7886700" cy="3090258"/>
-          </a:xfrm>
-          <a:prstGeom prst="rect">
-            <a:avLst/>
-          </a:prstGeom>
-        </p:spPr>
-        <p:txBody>
-          <a:bodyPr vert="horz" lIns="91440" tIns="45720" rIns="91440" bIns="45720" rtlCol="0" anchor="t">
-            <a:normAutofit/>
-          </a:bodyPr>
-          <a:lstStyle>
-            <a:lvl1pPr algn="l" defTabSz="685800" rtl="0" eaLnBrk="1" latinLnBrk="0" hangingPunct="1">
-              <a:lnSpc>
-                <a:spcPct val="90000"/>
-              </a:lnSpc>
-              <a:spcBef>
-                <a:spcPct val="0"/>
-              </a:spcBef>
-              <a:buNone/>
-              <a:defRPr sz="4500" kern="1200">
-                <a:solidFill>
-                  <a:schemeClr val="tx1"/>
-                </a:solidFill>
-                <a:latin typeface="+mj-lt"/>
-                <a:ea typeface="+mj-ea"/>
-                <a:cs typeface="+mj-cs"/>
-              </a:defRPr>
-            </a:lvl1pPr>
-          </a:lstStyle>
-          <a:p>
-            <a:pPr marL="342900" indent="-342900">
-              <a:lnSpc>
-                <a:spcPct val="150000"/>
-              </a:lnSpc>
-              <a:buFont typeface="Arial" panose="020B0604020202020204" pitchFamily="34" charset="0"/>
-              <a:buChar char="•"/>
-            </a:pPr>
-            <a:endParaRPr lang="en-US" sz="2400" dirty="0">
-              <a:latin typeface="Calibri Light" panose="020F0302020204030204" pitchFamily="34" charset="0"/>
-              <a:ea typeface="Calibri Light" panose="020F0302020204030204" pitchFamily="34" charset="0"/>
-              <a:cs typeface="Calibri Light" panose="020F0302020204030204" pitchFamily="34" charset="0"/>
-            </a:endParaRPr>
-          </a:p>
-          <a:p>
-            <a:pPr marL="800100" lvl="1" indent="-342900">
-              <a:lnSpc>
-                <a:spcPct val="150000"/>
-              </a:lnSpc>
-              <a:buFont typeface="Arial" panose="020B0604020202020204" pitchFamily="34" charset="0"/>
-              <a:buChar char="•"/>
-            </a:pPr>
-            <a:endParaRPr lang="en-US" sz="2000" dirty="0">
-              <a:latin typeface="Calibri Light" panose="020F0302020204030204" pitchFamily="34" charset="0"/>
-              <a:ea typeface="Calibri Light" panose="020F0302020204030204" pitchFamily="34" charset="0"/>
-              <a:cs typeface="Calibri Light" panose="020F0302020204030204" pitchFamily="34" charset="0"/>
-            </a:endParaRPr>
-          </a:p>
-        </p:txBody>
-      </p:sp>
-      <p:sp>
-        <p:nvSpPr>
-          <p:cNvPr id="2" name="Title 1">
-            <a:extLst>
-              <a:ext uri="{FF2B5EF4-FFF2-40B4-BE49-F238E27FC236}">
-                <a16:creationId xmlns:a16="http://schemas.microsoft.com/office/drawing/2014/main" id="{C4CA8D27-AF77-1D74-7A9B-1370D456725B}"/>
-              </a:ext>
-            </a:extLst>
-          </p:cNvPr>
-          <p:cNvSpPr txBox="1">
-            <a:spLocks/>
-          </p:cNvSpPr>
-          <p:nvPr/>
-        </p:nvSpPr>
-        <p:spPr>
-          <a:xfrm>
-            <a:off x="628650" y="1157124"/>
-            <a:ext cx="7886700" cy="447315"/>
-          </a:xfrm>
-          <a:prstGeom prst="rect">
-            <a:avLst/>
-          </a:prstGeom>
-        </p:spPr>
-        <p:txBody>
-          <a:bodyPr vert="horz" lIns="91440" tIns="45720" rIns="91440" bIns="45720" rtlCol="0" anchor="t">
-            <a:normAutofit/>
-          </a:bodyPr>
-          <a:lstStyle>
-            <a:lvl1pPr algn="l" defTabSz="685800" rtl="0" eaLnBrk="1" latinLnBrk="0" hangingPunct="1">
-              <a:lnSpc>
-                <a:spcPct val="90000"/>
-              </a:lnSpc>
-              <a:spcBef>
-                <a:spcPct val="0"/>
-              </a:spcBef>
-              <a:buNone/>
-              <a:defRPr sz="4500" kern="1200">
-                <a:solidFill>
-                  <a:schemeClr val="tx1"/>
-                </a:solidFill>
-                <a:latin typeface="+mj-lt"/>
-                <a:ea typeface="+mj-ea"/>
-                <a:cs typeface="+mj-cs"/>
-              </a:defRPr>
-            </a:lvl1pPr>
-          </a:lstStyle>
-          <a:p>
-            <a:r>
-              <a:rPr lang="en-US" sz="2400" b="1" dirty="0">
-                <a:solidFill>
-                  <a:schemeClr val="tx1">
-                    <a:lumMod val="65000"/>
-                    <a:lumOff val="35000"/>
-                  </a:schemeClr>
-                </a:solidFill>
-              </a:rPr>
-              <a:t>Performance Optimization</a:t>
-            </a:r>
-          </a:p>
-        </p:txBody>
-      </p:sp>
-      <p:sp>
-        <p:nvSpPr>
-          <p:cNvPr id="3" name="Title 1">
-            <a:extLst>
-              <a:ext uri="{FF2B5EF4-FFF2-40B4-BE49-F238E27FC236}">
-                <a16:creationId xmlns:a16="http://schemas.microsoft.com/office/drawing/2014/main" id="{3911B384-8715-336C-FA3F-BB1364F4A200}"/>
-              </a:ext>
-            </a:extLst>
-          </p:cNvPr>
-          <p:cNvSpPr txBox="1">
-            <a:spLocks/>
-          </p:cNvSpPr>
-          <p:nvPr/>
-        </p:nvSpPr>
-        <p:spPr>
-          <a:xfrm>
-            <a:off x="628650" y="1568506"/>
-            <a:ext cx="7886700" cy="3090258"/>
-          </a:xfrm>
-          <a:prstGeom prst="rect">
-            <a:avLst/>
-          </a:prstGeom>
-        </p:spPr>
-        <p:txBody>
-          <a:bodyPr vert="horz" lIns="91440" tIns="45720" rIns="91440" bIns="45720" rtlCol="0" anchor="t">
-            <a:normAutofit/>
-          </a:bodyPr>
-          <a:lstStyle>
-            <a:lvl1pPr algn="l" defTabSz="685800" rtl="0" eaLnBrk="1" latinLnBrk="0" hangingPunct="1">
-              <a:lnSpc>
-                <a:spcPct val="90000"/>
-              </a:lnSpc>
-              <a:spcBef>
-                <a:spcPct val="0"/>
-              </a:spcBef>
-              <a:buNone/>
-              <a:defRPr sz="4500" kern="1200">
-                <a:solidFill>
-                  <a:schemeClr val="tx1"/>
-                </a:solidFill>
-                <a:latin typeface="+mj-lt"/>
-                <a:ea typeface="+mj-ea"/>
-                <a:cs typeface="+mj-cs"/>
-              </a:defRPr>
-            </a:lvl1pPr>
-          </a:lstStyle>
-          <a:p>
-            <a:pPr marL="342900" indent="-342900">
-              <a:lnSpc>
-                <a:spcPct val="150000"/>
-              </a:lnSpc>
-              <a:buFont typeface="Arial" panose="020B0604020202020204" pitchFamily="34" charset="0"/>
-              <a:buChar char="•"/>
-            </a:pPr>
-            <a:r>
-              <a:rPr lang="en-US" sz="2400" dirty="0">
-                <a:latin typeface="Calibri Light" panose="020F0302020204030204" pitchFamily="34" charset="0"/>
-                <a:ea typeface="Calibri Light" panose="020F0302020204030204" pitchFamily="34" charset="0"/>
-                <a:cs typeface="Calibri Light" panose="020F0302020204030204" pitchFamily="34" charset="0"/>
-              </a:rPr>
-              <a:t>Dependence map.</a:t>
-            </a:r>
-          </a:p>
-          <a:p>
-            <a:pPr marL="342900" indent="-342900">
-              <a:lnSpc>
-                <a:spcPct val="150000"/>
-              </a:lnSpc>
-              <a:buFont typeface="Arial" panose="020B0604020202020204" pitchFamily="34" charset="0"/>
-              <a:buChar char="•"/>
-            </a:pPr>
-            <a:endParaRPr lang="en-US" sz="2400" dirty="0">
-              <a:latin typeface="Calibri Light" panose="020F0302020204030204" pitchFamily="34" charset="0"/>
-              <a:ea typeface="Calibri Light" panose="020F0302020204030204" pitchFamily="34" charset="0"/>
-              <a:cs typeface="Calibri Light" panose="020F0302020204030204" pitchFamily="34" charset="0"/>
-            </a:endParaRPr>
-          </a:p>
-          <a:p>
-            <a:pPr marL="800100" lvl="1" indent="-342900">
-              <a:lnSpc>
-                <a:spcPct val="150000"/>
-              </a:lnSpc>
-              <a:buFont typeface="Arial" panose="020B0604020202020204" pitchFamily="34" charset="0"/>
-              <a:buChar char="•"/>
-            </a:pPr>
-            <a:endParaRPr lang="en-US" sz="2400" dirty="0">
-              <a:latin typeface="Calibri Light" panose="020F0302020204030204" pitchFamily="34" charset="0"/>
-              <a:ea typeface="Calibri Light" panose="020F0302020204030204" pitchFamily="34" charset="0"/>
-              <a:cs typeface="Calibri Light" panose="020F0302020204030204" pitchFamily="34" charset="0"/>
-            </a:endParaRPr>
-          </a:p>
-        </p:txBody>
-      </p:sp>
-    </p:spTree>
-    <p:extLst>
-      <p:ext uri="{BB962C8B-B14F-4D97-AF65-F5344CB8AC3E}">
-        <p14:creationId xmlns:p14="http://schemas.microsoft.com/office/powerpoint/2010/main" val="290807433"/>
-      </p:ext>
-    </p:extLst>
-  </p:cSld>
-  <p:clrMapOvr>
-    <a:masterClrMapping/>
-  </p:clrMapOvr>
-</p:sld>
-</file>
-
-<file path=ppt/slides/slide7.xml><?xml version="1.0" encoding="utf-8"?>
-<p:sld xmlns:a="http://schemas.openxmlformats.org/drawingml/2006/main" xmlns:r="http://schemas.openxmlformats.org/officeDocument/2006/relationships" xmlns:p="http://schemas.openxmlformats.org/presentationml/2006/main">
-  <p:cSld>
-    <p:spTree>
-      <p:nvGrpSpPr>
-        <p:cNvPr id="1" name="">
-          <a:extLst>
-            <a:ext uri="{FF2B5EF4-FFF2-40B4-BE49-F238E27FC236}">
-              <a16:creationId xmlns:a16="http://schemas.microsoft.com/office/drawing/2014/main" id="{6B3019D5-E445-EDC7-293C-E29AA8F42134}"/>
-            </a:ext>
-          </a:extLst>
-        </p:cNvPr>
-        <p:cNvGrpSpPr/>
-        <p:nvPr/>
-      </p:nvGrpSpPr>
-      <p:grpSpPr>
-        <a:xfrm>
-          <a:off x="0" y="0"/>
-          <a:ext cx="0" cy="0"/>
-          <a:chOff x="0" y="0"/>
-          <a:chExt cx="0" cy="0"/>
-        </a:xfrm>
-      </p:grpSpPr>
-      <p:sp>
-        <p:nvSpPr>
-          <p:cNvPr id="2" name="Title 1">
-            <a:extLst>
-              <a:ext uri="{FF2B5EF4-FFF2-40B4-BE49-F238E27FC236}">
-                <a16:creationId xmlns:a16="http://schemas.microsoft.com/office/drawing/2014/main" id="{2ADCD6EE-2EBE-EDE3-34DA-6D980D2D19FC}"/>
-              </a:ext>
-            </a:extLst>
-          </p:cNvPr>
-          <p:cNvSpPr>
-            <a:spLocks noGrp="1"/>
-          </p:cNvSpPr>
-          <p:nvPr>
-            <p:ph type="title"/>
-          </p:nvPr>
-        </p:nvSpPr>
-        <p:spPr>
-          <a:xfrm>
-            <a:off x="623888" y="2232693"/>
-            <a:ext cx="7886700" cy="678114"/>
-          </a:xfrm>
-        </p:spPr>
-        <p:txBody>
-          <a:bodyPr anchor="t">
-            <a:normAutofit/>
-          </a:bodyPr>
-          <a:lstStyle/>
-          <a:p>
-            <a:r>
-              <a:rPr lang="en-US" sz="4000" b="1" dirty="0"/>
-              <a:t>Application Demonstration</a:t>
-            </a:r>
-          </a:p>
-        </p:txBody>
-      </p:sp>
-    </p:spTree>
-    <p:extLst>
-      <p:ext uri="{BB962C8B-B14F-4D97-AF65-F5344CB8AC3E}">
-        <p14:creationId xmlns:p14="http://schemas.microsoft.com/office/powerpoint/2010/main" val="941612015"/>
-      </p:ext>
-    </p:extLst>
-  </p:cSld>
-  <p:clrMapOvr>
-    <a:masterClrMapping/>
-  </p:clrMapOvr>
-</p:sld>
-</file>
-
-<file path=ppt/slides/slide8.xml><?xml version="1.0" encoding="utf-8"?>
-<p:sld xmlns:a="http://schemas.openxmlformats.org/drawingml/2006/main" xmlns:r="http://schemas.openxmlformats.org/officeDocument/2006/relationships" xmlns:p="http://schemas.openxmlformats.org/presentationml/2006/main">
-  <p:cSld>
-    <p:spTree>
-      <p:nvGrpSpPr>
-        <p:cNvPr id="1" name="">
-          <a:extLst>
-            <a:ext uri="{FF2B5EF4-FFF2-40B4-BE49-F238E27FC236}">
               <a16:creationId xmlns:a16="http://schemas.microsoft.com/office/drawing/2014/main" id="{97537F41-561A-748E-47A6-0505820DCD7E}"/>
             </a:ext>
           </a:extLst>
@@ -11094,7 +10217,7 @@
                 <a:ea typeface="Calibri Light" panose="020F0302020204030204" pitchFamily="34" charset="0"/>
                 <a:cs typeface="Calibri Light" panose="020F0302020204030204" pitchFamily="34" charset="0"/>
               </a:rPr>
-              <a:t>The only large jump came from Susquehanna College.</a:t>
+              <a:t>One large jump came from Susquehanna Community.</a:t>
             </a:r>
           </a:p>
           <a:p>
@@ -11111,7 +10234,7 @@
                 <a:ea typeface="Calibri Light" panose="020F0302020204030204" pitchFamily="34" charset="0"/>
                 <a:cs typeface="Calibri Light" panose="020F0302020204030204" pitchFamily="34" charset="0"/>
               </a:rPr>
-              <a:t>Upon further inspection, n was too small to make a reliable conclusion.</a:t>
+              <a:t>Upon further inspection, n was too small to make a reliable conclusion (p=0.111).</a:t>
             </a:r>
           </a:p>
         </p:txBody>
@@ -11159,7 +10282,7 @@
 </p:sld>
 </file>
 
-<file path=ppt/slides/slide9.xml><?xml version="1.0" encoding="utf-8"?>
+<file path=ppt/slides/slide11.xml><?xml version="1.0" encoding="utf-8"?>
 <p:sld xmlns:a="http://schemas.openxmlformats.org/drawingml/2006/main" xmlns:r="http://schemas.openxmlformats.org/officeDocument/2006/relationships" xmlns:p="http://schemas.openxmlformats.org/presentationml/2006/main">
   <p:cSld>
     <p:spTree>
@@ -11281,6 +10404,2873 @@
     <p:extLst>
       <p:ext uri="{BB962C8B-B14F-4D97-AF65-F5344CB8AC3E}">
         <p14:creationId xmlns:p14="http://schemas.microsoft.com/office/powerpoint/2010/main" val="2986206479"/>
+      </p:ext>
+    </p:extLst>
+  </p:cSld>
+  <p:clrMapOvr>
+    <a:masterClrMapping/>
+  </p:clrMapOvr>
+</p:sld>
+</file>
+
+<file path=ppt/slides/slide12.xml><?xml version="1.0" encoding="utf-8"?>
+<p:sld xmlns:a="http://schemas.openxmlformats.org/drawingml/2006/main" xmlns:r="http://schemas.openxmlformats.org/officeDocument/2006/relationships" xmlns:p="http://schemas.openxmlformats.org/presentationml/2006/main">
+  <p:cSld>
+    <p:spTree>
+      <p:nvGrpSpPr>
+        <p:cNvPr id="1" name="">
+          <a:extLst>
+            <a:ext uri="{FF2B5EF4-FFF2-40B4-BE49-F238E27FC236}">
+              <a16:creationId xmlns:a16="http://schemas.microsoft.com/office/drawing/2014/main" id="{BC186F1D-A50A-3AD8-1D29-6F6BFC47FC1B}"/>
+            </a:ext>
+          </a:extLst>
+        </p:cNvPr>
+        <p:cNvGrpSpPr/>
+        <p:nvPr/>
+      </p:nvGrpSpPr>
+      <p:grpSpPr>
+        <a:xfrm>
+          <a:off x="0" y="0"/>
+          <a:ext cx="0" cy="0"/>
+          <a:chOff x="0" y="0"/>
+          <a:chExt cx="0" cy="0"/>
+        </a:xfrm>
+      </p:grpSpPr>
+      <p:sp>
+        <p:nvSpPr>
+          <p:cNvPr id="4" name="Title 1">
+            <a:extLst>
+              <a:ext uri="{FF2B5EF4-FFF2-40B4-BE49-F238E27FC236}">
+                <a16:creationId xmlns:a16="http://schemas.microsoft.com/office/drawing/2014/main" id="{440643C5-97DF-5B80-60B8-E85953A48708}"/>
+              </a:ext>
+            </a:extLst>
+          </p:cNvPr>
+          <p:cNvSpPr>
+            <a:spLocks noGrp="1"/>
+          </p:cNvSpPr>
+          <p:nvPr>
+            <p:ph type="title"/>
+          </p:nvPr>
+        </p:nvSpPr>
+        <p:spPr>
+          <a:xfrm>
+            <a:off x="628650" y="789228"/>
+            <a:ext cx="7886700" cy="678114"/>
+          </a:xfrm>
+        </p:spPr>
+        <p:txBody>
+          <a:bodyPr anchor="t">
+            <a:normAutofit/>
+          </a:bodyPr>
+          <a:lstStyle/>
+          <a:p>
+            <a:r>
+              <a:rPr lang="en-US" sz="3600" b="1"/>
+              <a:t>Moving Forward</a:t>
+            </a:r>
+            <a:endParaRPr lang="en-US" sz="3600" b="1" dirty="0"/>
+          </a:p>
+        </p:txBody>
+      </p:sp>
+      <p:sp>
+        <p:nvSpPr>
+          <p:cNvPr id="2" name="Title 1">
+            <a:extLst>
+              <a:ext uri="{FF2B5EF4-FFF2-40B4-BE49-F238E27FC236}">
+                <a16:creationId xmlns:a16="http://schemas.microsoft.com/office/drawing/2014/main" id="{77EF64A6-A094-182D-2F2E-26EEBE9BEE3C}"/>
+              </a:ext>
+            </a:extLst>
+          </p:cNvPr>
+          <p:cNvSpPr txBox="1">
+            <a:spLocks/>
+          </p:cNvSpPr>
+          <p:nvPr/>
+        </p:nvSpPr>
+        <p:spPr>
+          <a:xfrm>
+            <a:off x="628650" y="1568142"/>
+            <a:ext cx="7886700" cy="3090258"/>
+          </a:xfrm>
+          <a:prstGeom prst="rect">
+            <a:avLst/>
+          </a:prstGeom>
+        </p:spPr>
+        <p:txBody>
+          <a:bodyPr vert="horz" lIns="91440" tIns="45720" rIns="91440" bIns="45720" rtlCol="0" anchor="t">
+            <a:normAutofit/>
+          </a:bodyPr>
+          <a:lstStyle>
+            <a:lvl1pPr algn="l" defTabSz="685800" rtl="0" eaLnBrk="1" latinLnBrk="0" hangingPunct="1">
+              <a:lnSpc>
+                <a:spcPct val="90000"/>
+              </a:lnSpc>
+              <a:spcBef>
+                <a:spcPct val="0"/>
+              </a:spcBef>
+              <a:buNone/>
+              <a:defRPr sz="4500" kern="1200">
+                <a:solidFill>
+                  <a:schemeClr val="tx1"/>
+                </a:solidFill>
+                <a:latin typeface="+mj-lt"/>
+                <a:ea typeface="+mj-ea"/>
+                <a:cs typeface="+mj-cs"/>
+              </a:defRPr>
+            </a:lvl1pPr>
+          </a:lstStyle>
+          <a:p>
+            <a:pPr marL="342900" indent="-342900">
+              <a:lnSpc>
+                <a:spcPct val="150000"/>
+              </a:lnSpc>
+              <a:buFont typeface="Arial" panose="020B0604020202020204" pitchFamily="34" charset="0"/>
+              <a:buChar char="•"/>
+            </a:pPr>
+            <a:r>
+              <a:rPr lang="en-US" sz="2000" dirty="0">
+                <a:latin typeface="Calibri Light" panose="020F0302020204030204" pitchFamily="34" charset="0"/>
+                <a:ea typeface="Calibri Light" panose="020F0302020204030204" pitchFamily="34" charset="0"/>
+                <a:cs typeface="Calibri Light" panose="020F0302020204030204" pitchFamily="34" charset="0"/>
+              </a:rPr>
+              <a:t>Scalability:</a:t>
+            </a:r>
+          </a:p>
+          <a:p>
+            <a:pPr marL="800100" lvl="1" indent="-342900">
+              <a:lnSpc>
+                <a:spcPct val="150000"/>
+              </a:lnSpc>
+              <a:buFont typeface="Arial" panose="020B0604020202020204" pitchFamily="34" charset="0"/>
+              <a:buChar char="•"/>
+            </a:pPr>
+            <a:r>
+              <a:rPr lang="en-US" dirty="0">
+                <a:latin typeface="Calibri Light" panose="020F0302020204030204" pitchFamily="34" charset="0"/>
+                <a:ea typeface="Calibri Light" panose="020F0302020204030204" pitchFamily="34" charset="0"/>
+                <a:cs typeface="Calibri Light" panose="020F0302020204030204" pitchFamily="34" charset="0"/>
+              </a:rPr>
+              <a:t>Differential privacy.</a:t>
+            </a:r>
+          </a:p>
+          <a:p>
+            <a:pPr marL="800100" lvl="1" indent="-342900">
+              <a:lnSpc>
+                <a:spcPct val="150000"/>
+              </a:lnSpc>
+              <a:buFont typeface="Arial" panose="020B0604020202020204" pitchFamily="34" charset="0"/>
+              <a:buChar char="•"/>
+            </a:pPr>
+            <a:r>
+              <a:rPr lang="en-US" dirty="0">
+                <a:latin typeface="Calibri Light" panose="020F0302020204030204" pitchFamily="34" charset="0"/>
+                <a:ea typeface="Calibri Light" panose="020F0302020204030204" pitchFamily="34" charset="0"/>
+                <a:cs typeface="Calibri Light" panose="020F0302020204030204" pitchFamily="34" charset="0"/>
+              </a:rPr>
+              <a:t>Random sampling.</a:t>
+            </a:r>
+          </a:p>
+          <a:p>
+            <a:pPr marL="342900" indent="-342900">
+              <a:lnSpc>
+                <a:spcPct val="150000"/>
+              </a:lnSpc>
+              <a:buFont typeface="Arial" panose="020B0604020202020204" pitchFamily="34" charset="0"/>
+              <a:buChar char="•"/>
+            </a:pPr>
+            <a:r>
+              <a:rPr lang="en-US" sz="2000" dirty="0">
+                <a:latin typeface="Calibri Light" panose="020F0302020204030204" pitchFamily="34" charset="0"/>
+                <a:ea typeface="Calibri Light" panose="020F0302020204030204" pitchFamily="34" charset="0"/>
+                <a:cs typeface="Calibri Light" panose="020F0302020204030204" pitchFamily="34" charset="0"/>
+              </a:rPr>
+              <a:t>Enhancement:</a:t>
+            </a:r>
+          </a:p>
+          <a:p>
+            <a:pPr marL="800100" lvl="1" indent="-342900">
+              <a:lnSpc>
+                <a:spcPct val="150000"/>
+              </a:lnSpc>
+              <a:buFont typeface="Arial" panose="020B0604020202020204" pitchFamily="34" charset="0"/>
+              <a:buChar char="•"/>
+            </a:pPr>
+            <a:r>
+              <a:rPr lang="en-US" dirty="0">
+                <a:latin typeface="Calibri Light" panose="020F0302020204030204" pitchFamily="34" charset="0"/>
+                <a:ea typeface="Calibri Light" panose="020F0302020204030204" pitchFamily="34" charset="0"/>
+                <a:cs typeface="Calibri Light" panose="020F0302020204030204" pitchFamily="34" charset="0"/>
+              </a:rPr>
+              <a:t>Aesthetic/ease of use improvements.</a:t>
+            </a:r>
+          </a:p>
+          <a:p>
+            <a:pPr marL="800100" lvl="1" indent="-342900">
+              <a:lnSpc>
+                <a:spcPct val="150000"/>
+              </a:lnSpc>
+              <a:buFont typeface="Arial" panose="020B0604020202020204" pitchFamily="34" charset="0"/>
+              <a:buChar char="•"/>
+            </a:pPr>
+            <a:r>
+              <a:rPr lang="en-US" dirty="0">
+                <a:latin typeface="Calibri Light" panose="020F0302020204030204" pitchFamily="34" charset="0"/>
+                <a:ea typeface="Calibri Light" panose="020F0302020204030204" pitchFamily="34" charset="0"/>
+                <a:cs typeface="Calibri Light" panose="020F0302020204030204" pitchFamily="34" charset="0"/>
+              </a:rPr>
+              <a:t>Consideration of response bias/representation.</a:t>
+            </a:r>
+            <a:endParaRPr lang="en-US" sz="4500" dirty="0">
+              <a:latin typeface="Calibri Light" panose="020F0302020204030204" pitchFamily="34" charset="0"/>
+              <a:ea typeface="Calibri Light" panose="020F0302020204030204" pitchFamily="34" charset="0"/>
+              <a:cs typeface="Calibri Light" panose="020F0302020204030204" pitchFamily="34" charset="0"/>
+            </a:endParaRPr>
+          </a:p>
+          <a:p>
+            <a:pPr marL="800100" lvl="1" indent="-342900">
+              <a:lnSpc>
+                <a:spcPct val="150000"/>
+              </a:lnSpc>
+              <a:buFont typeface="Arial" panose="020B0604020202020204" pitchFamily="34" charset="0"/>
+              <a:buChar char="•"/>
+            </a:pPr>
+            <a:r>
+              <a:rPr lang="en-US" dirty="0">
+                <a:latin typeface="Calibri Light" panose="020F0302020204030204" pitchFamily="34" charset="0"/>
+                <a:ea typeface="Calibri Light" panose="020F0302020204030204" pitchFamily="34" charset="0"/>
+                <a:cs typeface="Calibri Light" panose="020F0302020204030204" pitchFamily="34" charset="0"/>
+              </a:rPr>
+              <a:t>Homogeneity in sentiment.</a:t>
+            </a:r>
+            <a:endParaRPr lang="en-US" sz="2000" dirty="0">
+              <a:latin typeface="Calibri Light" panose="020F0302020204030204" pitchFamily="34" charset="0"/>
+              <a:ea typeface="Calibri Light" panose="020F0302020204030204" pitchFamily="34" charset="0"/>
+              <a:cs typeface="Calibri Light" panose="020F0302020204030204" pitchFamily="34" charset="0"/>
+            </a:endParaRPr>
+          </a:p>
+          <a:p>
+            <a:pPr marL="800100" lvl="1" indent="-342900">
+              <a:lnSpc>
+                <a:spcPct val="150000"/>
+              </a:lnSpc>
+              <a:buFont typeface="Arial" panose="020B0604020202020204" pitchFamily="34" charset="0"/>
+              <a:buChar char="•"/>
+            </a:pPr>
+            <a:endParaRPr lang="en-US" sz="2000" dirty="0">
+              <a:latin typeface="Calibri Light" panose="020F0302020204030204" pitchFamily="34" charset="0"/>
+              <a:ea typeface="Calibri Light" panose="020F0302020204030204" pitchFamily="34" charset="0"/>
+              <a:cs typeface="Calibri Light" panose="020F0302020204030204" pitchFamily="34" charset="0"/>
+            </a:endParaRPr>
+          </a:p>
+        </p:txBody>
+      </p:sp>
+    </p:spTree>
+    <p:extLst>
+      <p:ext uri="{BB962C8B-B14F-4D97-AF65-F5344CB8AC3E}">
+        <p14:creationId xmlns:p14="http://schemas.microsoft.com/office/powerpoint/2010/main" val="4104135966"/>
+      </p:ext>
+    </p:extLst>
+  </p:cSld>
+  <p:clrMapOvr>
+    <a:masterClrMapping/>
+  </p:clrMapOvr>
+</p:sld>
+</file>
+
+<file path=ppt/slides/slide13.xml><?xml version="1.0" encoding="utf-8"?>
+<p:sld xmlns:a="http://schemas.openxmlformats.org/drawingml/2006/main" xmlns:r="http://schemas.openxmlformats.org/officeDocument/2006/relationships" xmlns:p="http://schemas.openxmlformats.org/presentationml/2006/main">
+  <p:cSld>
+    <p:spTree>
+      <p:nvGrpSpPr>
+        <p:cNvPr id="1" name="">
+          <a:extLst>
+            <a:ext uri="{FF2B5EF4-FFF2-40B4-BE49-F238E27FC236}">
+              <a16:creationId xmlns:a16="http://schemas.microsoft.com/office/drawing/2014/main" id="{3D1212D8-A40D-40ED-3CB3-60909E7B32A8}"/>
+            </a:ext>
+          </a:extLst>
+        </p:cNvPr>
+        <p:cNvGrpSpPr/>
+        <p:nvPr/>
+      </p:nvGrpSpPr>
+      <p:grpSpPr>
+        <a:xfrm>
+          <a:off x="0" y="0"/>
+          <a:ext cx="0" cy="0"/>
+          <a:chOff x="0" y="0"/>
+          <a:chExt cx="0" cy="0"/>
+        </a:xfrm>
+      </p:grpSpPr>
+      <p:sp>
+        <p:nvSpPr>
+          <p:cNvPr id="2" name="Title 1">
+            <a:extLst>
+              <a:ext uri="{FF2B5EF4-FFF2-40B4-BE49-F238E27FC236}">
+                <a16:creationId xmlns:a16="http://schemas.microsoft.com/office/drawing/2014/main" id="{52E6E183-729C-F03E-42E4-5AED22F2000A}"/>
+              </a:ext>
+            </a:extLst>
+          </p:cNvPr>
+          <p:cNvSpPr>
+            <a:spLocks noGrp="1"/>
+          </p:cNvSpPr>
+          <p:nvPr>
+            <p:ph type="title"/>
+          </p:nvPr>
+        </p:nvSpPr>
+        <p:spPr>
+          <a:xfrm>
+            <a:off x="623888" y="2232693"/>
+            <a:ext cx="7886700" cy="678114"/>
+          </a:xfrm>
+        </p:spPr>
+        <p:txBody>
+          <a:bodyPr anchor="t">
+            <a:normAutofit/>
+          </a:bodyPr>
+          <a:lstStyle/>
+          <a:p>
+            <a:r>
+              <a:rPr lang="en-US" sz="4000" b="1" dirty="0"/>
+              <a:t>Thank you for your consideration!</a:t>
+            </a:r>
+          </a:p>
+        </p:txBody>
+      </p:sp>
+    </p:spTree>
+    <p:extLst>
+      <p:ext uri="{BB962C8B-B14F-4D97-AF65-F5344CB8AC3E}">
+        <p14:creationId xmlns:p14="http://schemas.microsoft.com/office/powerpoint/2010/main" val="1792698077"/>
+      </p:ext>
+    </p:extLst>
+  </p:cSld>
+  <p:clrMapOvr>
+    <a:masterClrMapping/>
+  </p:clrMapOvr>
+</p:sld>
+</file>
+
+<file path=ppt/slides/slide2.xml><?xml version="1.0" encoding="utf-8"?>
+<p:sld xmlns:a="http://schemas.openxmlformats.org/drawingml/2006/main" xmlns:r="http://schemas.openxmlformats.org/officeDocument/2006/relationships" xmlns:p="http://schemas.openxmlformats.org/presentationml/2006/main">
+  <p:cSld>
+    <p:spTree>
+      <p:nvGrpSpPr>
+        <p:cNvPr id="1" name=""/>
+        <p:cNvGrpSpPr/>
+        <p:nvPr/>
+      </p:nvGrpSpPr>
+      <p:grpSpPr>
+        <a:xfrm>
+          <a:off x="0" y="0"/>
+          <a:ext cx="0" cy="0"/>
+          <a:chOff x="0" y="0"/>
+          <a:chExt cx="0" cy="0"/>
+        </a:xfrm>
+      </p:grpSpPr>
+      <p:sp>
+        <p:nvSpPr>
+          <p:cNvPr id="4" name="Title 1">
+            <a:extLst>
+              <a:ext uri="{FF2B5EF4-FFF2-40B4-BE49-F238E27FC236}">
+                <a16:creationId xmlns:a16="http://schemas.microsoft.com/office/drawing/2014/main" id="{7FDB7680-B9C4-BFD3-E9CC-599DE7CD1A36}"/>
+              </a:ext>
+            </a:extLst>
+          </p:cNvPr>
+          <p:cNvSpPr>
+            <a:spLocks noGrp="1"/>
+          </p:cNvSpPr>
+          <p:nvPr>
+            <p:ph type="title"/>
+          </p:nvPr>
+        </p:nvSpPr>
+        <p:spPr>
+          <a:xfrm>
+            <a:off x="628650" y="504885"/>
+            <a:ext cx="7886700" cy="864334"/>
+          </a:xfrm>
+        </p:spPr>
+        <p:txBody>
+          <a:bodyPr vert="horz" lIns="91440" tIns="45720" rIns="91440" bIns="45720" rtlCol="0" anchor="ctr">
+            <a:normAutofit/>
+          </a:bodyPr>
+          <a:lstStyle/>
+          <a:p>
+            <a:r>
+              <a:rPr lang="en-US" b="1" kern="1200" dirty="0"/>
+              <a:t>Overview</a:t>
+            </a:r>
+          </a:p>
+        </p:txBody>
+      </p:sp>
+      <p:graphicFrame>
+        <p:nvGraphicFramePr>
+          <p:cNvPr id="8" name="Title 1">
+            <a:extLst>
+              <a:ext uri="{FF2B5EF4-FFF2-40B4-BE49-F238E27FC236}">
+                <a16:creationId xmlns:a16="http://schemas.microsoft.com/office/drawing/2014/main" id="{1155620D-A2E4-965D-DD93-CF076267A986}"/>
+              </a:ext>
+            </a:extLst>
+          </p:cNvPr>
+          <p:cNvGraphicFramePr/>
+          <p:nvPr>
+            <p:extLst>
+              <p:ext uri="{D42A27DB-BD31-4B8C-83A1-F6EECF244321}">
+                <p14:modId xmlns:p14="http://schemas.microsoft.com/office/powerpoint/2010/main" val="648388638"/>
+              </p:ext>
+            </p:extLst>
+          </p:nvPr>
+        </p:nvGraphicFramePr>
+        <p:xfrm>
+          <a:off x="628650" y="1369219"/>
+          <a:ext cx="7886700" cy="3263504"/>
+        </p:xfrm>
+        <a:graphic>
+          <a:graphicData uri="http://schemas.openxmlformats.org/drawingml/2006/diagram">
+            <dgm:relIds xmlns:dgm="http://schemas.openxmlformats.org/drawingml/2006/diagram" xmlns:r="http://schemas.openxmlformats.org/officeDocument/2006/relationships" r:dm="rId3" r:lo="rId4" r:qs="rId5" r:cs="rId6"/>
+          </a:graphicData>
+        </a:graphic>
+      </p:graphicFrame>
+    </p:spTree>
+    <p:extLst>
+      <p:ext uri="{BB962C8B-B14F-4D97-AF65-F5344CB8AC3E}">
+        <p14:creationId xmlns:p14="http://schemas.microsoft.com/office/powerpoint/2010/main" val="2078555055"/>
+      </p:ext>
+    </p:extLst>
+  </p:cSld>
+  <p:clrMapOvr>
+    <a:masterClrMapping/>
+  </p:clrMapOvr>
+</p:sld>
+</file>
+
+<file path=ppt/slides/slide3.xml><?xml version="1.0" encoding="utf-8"?>
+<p:sld xmlns:a="http://schemas.openxmlformats.org/drawingml/2006/main" xmlns:r="http://schemas.openxmlformats.org/officeDocument/2006/relationships" xmlns:p="http://schemas.openxmlformats.org/presentationml/2006/main">
+  <p:cSld>
+    <p:spTree>
+      <p:nvGrpSpPr>
+        <p:cNvPr id="1" name="">
+          <a:extLst>
+            <a:ext uri="{FF2B5EF4-FFF2-40B4-BE49-F238E27FC236}">
+              <a16:creationId xmlns:a16="http://schemas.microsoft.com/office/drawing/2014/main" id="{7BCA0543-85FB-415D-0520-0964507E483A}"/>
+            </a:ext>
+          </a:extLst>
+        </p:cNvPr>
+        <p:cNvGrpSpPr/>
+        <p:nvPr/>
+      </p:nvGrpSpPr>
+      <p:grpSpPr>
+        <a:xfrm>
+          <a:off x="0" y="0"/>
+          <a:ext cx="0" cy="0"/>
+          <a:chOff x="0" y="0"/>
+          <a:chExt cx="0" cy="0"/>
+        </a:xfrm>
+      </p:grpSpPr>
+      <p:sp>
+        <p:nvSpPr>
+          <p:cNvPr id="7" name="Title 1">
+            <a:extLst>
+              <a:ext uri="{FF2B5EF4-FFF2-40B4-BE49-F238E27FC236}">
+                <a16:creationId xmlns:a16="http://schemas.microsoft.com/office/drawing/2014/main" id="{CDF608FF-2A81-2AED-8D6D-5B8293983D1A}"/>
+              </a:ext>
+            </a:extLst>
+          </p:cNvPr>
+          <p:cNvSpPr txBox="1">
+            <a:spLocks/>
+          </p:cNvSpPr>
+          <p:nvPr/>
+        </p:nvSpPr>
+        <p:spPr>
+          <a:xfrm>
+            <a:off x="628650" y="504885"/>
+            <a:ext cx="7886700" cy="864334"/>
+          </a:xfrm>
+          <a:prstGeom prst="rect">
+            <a:avLst/>
+          </a:prstGeom>
+        </p:spPr>
+        <p:txBody>
+          <a:bodyPr vert="horz" lIns="91440" tIns="45720" rIns="91440" bIns="45720" rtlCol="0" anchor="ctr">
+            <a:normAutofit/>
+          </a:bodyPr>
+          <a:lstStyle>
+            <a:lvl1pPr algn="l" defTabSz="685800" rtl="0" eaLnBrk="1" latinLnBrk="0" hangingPunct="1">
+              <a:lnSpc>
+                <a:spcPct val="90000"/>
+              </a:lnSpc>
+              <a:spcBef>
+                <a:spcPct val="0"/>
+              </a:spcBef>
+              <a:buNone/>
+              <a:defRPr sz="3300" kern="1200">
+                <a:solidFill>
+                  <a:schemeClr val="tx1"/>
+                </a:solidFill>
+                <a:latin typeface="+mj-lt"/>
+                <a:ea typeface="+mj-ea"/>
+                <a:cs typeface="+mj-cs"/>
+              </a:defRPr>
+            </a:lvl1pPr>
+          </a:lstStyle>
+          <a:p>
+            <a:r>
+              <a:rPr lang="en-US" b="1" dirty="0"/>
+              <a:t>Data Introduction</a:t>
+            </a:r>
+          </a:p>
+        </p:txBody>
+      </p:sp>
+      <p:sp>
+        <p:nvSpPr>
+          <p:cNvPr id="2" name="Title 1">
+            <a:extLst>
+              <a:ext uri="{FF2B5EF4-FFF2-40B4-BE49-F238E27FC236}">
+                <a16:creationId xmlns:a16="http://schemas.microsoft.com/office/drawing/2014/main" id="{6B2B0977-AF20-4ADA-22B7-0AA403505A87}"/>
+              </a:ext>
+            </a:extLst>
+          </p:cNvPr>
+          <p:cNvSpPr txBox="1">
+            <a:spLocks/>
+          </p:cNvSpPr>
+          <p:nvPr/>
+        </p:nvSpPr>
+        <p:spPr>
+          <a:xfrm>
+            <a:off x="628650" y="1432148"/>
+            <a:ext cx="7886700" cy="3452673"/>
+          </a:xfrm>
+          <a:prstGeom prst="rect">
+            <a:avLst/>
+          </a:prstGeom>
+        </p:spPr>
+        <p:txBody>
+          <a:bodyPr vert="horz" lIns="91440" tIns="45720" rIns="91440" bIns="45720" rtlCol="0" anchor="t">
+            <a:normAutofit/>
+          </a:bodyPr>
+          <a:lstStyle>
+            <a:lvl1pPr algn="l" defTabSz="685800" rtl="0" eaLnBrk="1" latinLnBrk="0" hangingPunct="1">
+              <a:lnSpc>
+                <a:spcPct val="90000"/>
+              </a:lnSpc>
+              <a:spcBef>
+                <a:spcPct val="0"/>
+              </a:spcBef>
+              <a:buNone/>
+              <a:defRPr sz="4500" kern="1200">
+                <a:solidFill>
+                  <a:schemeClr val="tx1"/>
+                </a:solidFill>
+                <a:latin typeface="+mj-lt"/>
+                <a:ea typeface="+mj-ea"/>
+                <a:cs typeface="+mj-cs"/>
+              </a:defRPr>
+            </a:lvl1pPr>
+          </a:lstStyle>
+          <a:p>
+            <a:pPr marL="342900" indent="-342900">
+              <a:lnSpc>
+                <a:spcPct val="150000"/>
+              </a:lnSpc>
+              <a:buFont typeface="Arial" panose="020B0604020202020204" pitchFamily="34" charset="0"/>
+              <a:buChar char="•"/>
+            </a:pPr>
+            <a:r>
+              <a:rPr lang="en-US" sz="2000" dirty="0">
+                <a:latin typeface="Calibri Light" panose="020F0302020204030204" pitchFamily="34" charset="0"/>
+                <a:ea typeface="Calibri Light" panose="020F0302020204030204" pitchFamily="34" charset="0"/>
+                <a:cs typeface="Calibri Light" panose="020F0302020204030204" pitchFamily="34" charset="0"/>
+              </a:rPr>
+              <a:t>Survey results (n = 1,047):</a:t>
+            </a:r>
+          </a:p>
+          <a:p>
+            <a:pPr marL="800100" lvl="1" indent="-342900">
+              <a:lnSpc>
+                <a:spcPct val="150000"/>
+              </a:lnSpc>
+              <a:buFont typeface="Arial" panose="020B0604020202020204" pitchFamily="34" charset="0"/>
+              <a:buChar char="•"/>
+            </a:pPr>
+            <a:r>
+              <a:rPr lang="en-US" dirty="0">
+                <a:latin typeface="Calibri Light" panose="020F0302020204030204" pitchFamily="34" charset="0"/>
+                <a:ea typeface="Calibri Light" panose="020F0302020204030204" pitchFamily="34" charset="0"/>
+                <a:cs typeface="Calibri Light" panose="020F0302020204030204" pitchFamily="34" charset="0"/>
+              </a:rPr>
+              <a:t>9 statements with responses ranging from “Strongly agree” to “Strongly disagree” – </a:t>
+            </a:r>
+            <a:r>
+              <a:rPr lang="en-US" i="1" dirty="0">
+                <a:latin typeface="Calibri Light" panose="020F0302020204030204" pitchFamily="34" charset="0"/>
+                <a:ea typeface="Calibri Light" panose="020F0302020204030204" pitchFamily="34" charset="0"/>
+                <a:cs typeface="Calibri Light" panose="020F0302020204030204" pitchFamily="34" charset="0"/>
+              </a:rPr>
+              <a:t>Note: each statement is “positive”</a:t>
+            </a:r>
+          </a:p>
+          <a:p>
+            <a:pPr marL="800100" lvl="1" indent="-342900">
+              <a:lnSpc>
+                <a:spcPct val="150000"/>
+              </a:lnSpc>
+              <a:buFont typeface="Arial" panose="020B0604020202020204" pitchFamily="34" charset="0"/>
+              <a:buChar char="•"/>
+            </a:pPr>
+            <a:r>
+              <a:rPr lang="en-US" dirty="0">
+                <a:latin typeface="Calibri Light" panose="020F0302020204030204" pitchFamily="34" charset="0"/>
+                <a:ea typeface="Calibri Light" panose="020F0302020204030204" pitchFamily="34" charset="0"/>
+                <a:cs typeface="Calibri Light" panose="020F0302020204030204" pitchFamily="34" charset="0"/>
+              </a:rPr>
+              <a:t>8 statements about “Grit” with responses ranging from “Very much like me” to “Not at all like me” – </a:t>
+            </a:r>
+            <a:r>
+              <a:rPr lang="en-US" i="1" dirty="0">
+                <a:latin typeface="Calibri Light" panose="020F0302020204030204" pitchFamily="34" charset="0"/>
+                <a:ea typeface="Calibri Light" panose="020F0302020204030204" pitchFamily="34" charset="0"/>
+                <a:cs typeface="Calibri Light" panose="020F0302020204030204" pitchFamily="34" charset="0"/>
+              </a:rPr>
+              <a:t>Note: some “positive”, some “negative”</a:t>
+            </a:r>
+          </a:p>
+          <a:p>
+            <a:pPr marL="342900" indent="-342900">
+              <a:lnSpc>
+                <a:spcPct val="150000"/>
+              </a:lnSpc>
+              <a:buFont typeface="Arial" panose="020B0604020202020204" pitchFamily="34" charset="0"/>
+              <a:buChar char="•"/>
+            </a:pPr>
+            <a:r>
+              <a:rPr lang="en-US" sz="2000" dirty="0">
+                <a:latin typeface="Calibri Light" panose="020F0302020204030204" pitchFamily="34" charset="0"/>
+                <a:ea typeface="Calibri Light" panose="020F0302020204030204" pitchFamily="34" charset="0"/>
+                <a:cs typeface="Calibri Light" panose="020F0302020204030204" pitchFamily="34" charset="0"/>
+              </a:rPr>
+              <a:t>Student demographics (n = 3,918):</a:t>
+            </a:r>
+          </a:p>
+          <a:p>
+            <a:pPr marL="800100" lvl="1" indent="-342900">
+              <a:lnSpc>
+                <a:spcPct val="150000"/>
+              </a:lnSpc>
+              <a:buFont typeface="Arial" panose="020B0604020202020204" pitchFamily="34" charset="0"/>
+              <a:buChar char="•"/>
+            </a:pPr>
+            <a:r>
+              <a:rPr lang="en-US" dirty="0">
+                <a:latin typeface="Calibri Light" panose="020F0302020204030204" pitchFamily="34" charset="0"/>
+                <a:ea typeface="Calibri Light" panose="020F0302020204030204" pitchFamily="34" charset="0"/>
+                <a:cs typeface="Calibri Light" panose="020F0302020204030204" pitchFamily="34" charset="0"/>
+              </a:rPr>
+              <a:t>Transfer vs. freshman, First generation, On vs. off campus, Living community, College</a:t>
+            </a:r>
+          </a:p>
+        </p:txBody>
+      </p:sp>
+    </p:spTree>
+    <p:extLst>
+      <p:ext uri="{BB962C8B-B14F-4D97-AF65-F5344CB8AC3E}">
+        <p14:creationId xmlns:p14="http://schemas.microsoft.com/office/powerpoint/2010/main" val="2099539630"/>
+      </p:ext>
+    </p:extLst>
+  </p:cSld>
+  <p:clrMapOvr>
+    <a:masterClrMapping/>
+  </p:clrMapOvr>
+</p:sld>
+</file>
+
+<file path=ppt/slides/slide4.xml><?xml version="1.0" encoding="utf-8"?>
+<p:sld xmlns:a="http://schemas.openxmlformats.org/drawingml/2006/main" xmlns:r="http://schemas.openxmlformats.org/officeDocument/2006/relationships" xmlns:p="http://schemas.openxmlformats.org/presentationml/2006/main">
+  <p:cSld>
+    <p:spTree>
+      <p:nvGrpSpPr>
+        <p:cNvPr id="1" name="">
+          <a:extLst>
+            <a:ext uri="{FF2B5EF4-FFF2-40B4-BE49-F238E27FC236}">
+              <a16:creationId xmlns:a16="http://schemas.microsoft.com/office/drawing/2014/main" id="{0E1409A6-8281-9BA7-DED3-AEA9B065D701}"/>
+            </a:ext>
+          </a:extLst>
+        </p:cNvPr>
+        <p:cNvGrpSpPr/>
+        <p:nvPr/>
+      </p:nvGrpSpPr>
+      <p:grpSpPr>
+        <a:xfrm>
+          <a:off x="0" y="0"/>
+          <a:ext cx="0" cy="0"/>
+          <a:chOff x="0" y="0"/>
+          <a:chExt cx="0" cy="0"/>
+        </a:xfrm>
+      </p:grpSpPr>
+      <p:graphicFrame>
+        <p:nvGraphicFramePr>
+          <p:cNvPr id="6" name="Title 1">
+            <a:extLst>
+              <a:ext uri="{FF2B5EF4-FFF2-40B4-BE49-F238E27FC236}">
+                <a16:creationId xmlns:a16="http://schemas.microsoft.com/office/drawing/2014/main" id="{52DA620B-FEF4-E223-2076-9536072530BA}"/>
+              </a:ext>
+            </a:extLst>
+          </p:cNvPr>
+          <p:cNvGraphicFramePr/>
+          <p:nvPr/>
+        </p:nvGraphicFramePr>
+        <p:xfrm>
+          <a:off x="628650" y="1557579"/>
+          <a:ext cx="7886700" cy="3075143"/>
+        </p:xfrm>
+        <a:graphic>
+          <a:graphicData uri="http://schemas.openxmlformats.org/drawingml/2006/diagram">
+            <dgm:relIds xmlns:dgm="http://schemas.openxmlformats.org/drawingml/2006/diagram" xmlns:r="http://schemas.openxmlformats.org/officeDocument/2006/relationships" r:dm="rId3" r:lo="rId4" r:qs="rId5" r:cs="rId6"/>
+          </a:graphicData>
+        </a:graphic>
+      </p:graphicFrame>
+      <p:sp>
+        <p:nvSpPr>
+          <p:cNvPr id="7" name="Title 1">
+            <a:extLst>
+              <a:ext uri="{FF2B5EF4-FFF2-40B4-BE49-F238E27FC236}">
+                <a16:creationId xmlns:a16="http://schemas.microsoft.com/office/drawing/2014/main" id="{A6069A76-18C2-6807-18B8-B7661E88FE4D}"/>
+              </a:ext>
+            </a:extLst>
+          </p:cNvPr>
+          <p:cNvSpPr txBox="1">
+            <a:spLocks/>
+          </p:cNvSpPr>
+          <p:nvPr/>
+        </p:nvSpPr>
+        <p:spPr>
+          <a:xfrm>
+            <a:off x="628650" y="504885"/>
+            <a:ext cx="7886700" cy="864334"/>
+          </a:xfrm>
+          <a:prstGeom prst="rect">
+            <a:avLst/>
+          </a:prstGeom>
+        </p:spPr>
+        <p:txBody>
+          <a:bodyPr vert="horz" lIns="91440" tIns="45720" rIns="91440" bIns="45720" rtlCol="0" anchor="ctr">
+            <a:normAutofit/>
+          </a:bodyPr>
+          <a:lstStyle>
+            <a:lvl1pPr algn="l" defTabSz="685800" rtl="0" eaLnBrk="1" latinLnBrk="0" hangingPunct="1">
+              <a:lnSpc>
+                <a:spcPct val="90000"/>
+              </a:lnSpc>
+              <a:spcBef>
+                <a:spcPct val="0"/>
+              </a:spcBef>
+              <a:buNone/>
+              <a:defRPr sz="3300" kern="1200">
+                <a:solidFill>
+                  <a:schemeClr val="tx1"/>
+                </a:solidFill>
+                <a:latin typeface="+mj-lt"/>
+                <a:ea typeface="+mj-ea"/>
+                <a:cs typeface="+mj-cs"/>
+              </a:defRPr>
+            </a:lvl1pPr>
+          </a:lstStyle>
+          <a:p>
+            <a:r>
+              <a:rPr lang="en-US" b="1" dirty="0"/>
+              <a:t>Data Cleaning</a:t>
+            </a:r>
+          </a:p>
+        </p:txBody>
+      </p:sp>
+    </p:spTree>
+    <p:extLst>
+      <p:ext uri="{BB962C8B-B14F-4D97-AF65-F5344CB8AC3E}">
+        <p14:creationId xmlns:p14="http://schemas.microsoft.com/office/powerpoint/2010/main" val="2238108818"/>
+      </p:ext>
+    </p:extLst>
+  </p:cSld>
+  <p:clrMapOvr>
+    <a:masterClrMapping/>
+  </p:clrMapOvr>
+</p:sld>
+</file>
+
+<file path=ppt/slides/slide5.xml><?xml version="1.0" encoding="utf-8"?>
+<p:sld xmlns:a="http://schemas.openxmlformats.org/drawingml/2006/main" xmlns:r="http://schemas.openxmlformats.org/officeDocument/2006/relationships" xmlns:p="http://schemas.openxmlformats.org/presentationml/2006/main">
+  <p:cSld>
+    <p:spTree>
+      <p:nvGrpSpPr>
+        <p:cNvPr id="1" name="">
+          <a:extLst>
+            <a:ext uri="{FF2B5EF4-FFF2-40B4-BE49-F238E27FC236}">
+              <a16:creationId xmlns:a16="http://schemas.microsoft.com/office/drawing/2014/main" id="{69906B66-5AE0-B346-91E9-2883F072C996}"/>
+            </a:ext>
+          </a:extLst>
+        </p:cNvPr>
+        <p:cNvGrpSpPr/>
+        <p:nvPr/>
+      </p:nvGrpSpPr>
+      <p:grpSpPr>
+        <a:xfrm>
+          <a:off x="0" y="0"/>
+          <a:ext cx="0" cy="0"/>
+          <a:chOff x="0" y="0"/>
+          <a:chExt cx="0" cy="0"/>
+        </a:xfrm>
+      </p:grpSpPr>
+      <p:sp>
+        <p:nvSpPr>
+          <p:cNvPr id="4" name="Title 1">
+            <a:extLst>
+              <a:ext uri="{FF2B5EF4-FFF2-40B4-BE49-F238E27FC236}">
+                <a16:creationId xmlns:a16="http://schemas.microsoft.com/office/drawing/2014/main" id="{4105433A-77DD-9850-7EC7-EBBD2C29B0F0}"/>
+              </a:ext>
+            </a:extLst>
+          </p:cNvPr>
+          <p:cNvSpPr>
+            <a:spLocks noGrp="1"/>
+          </p:cNvSpPr>
+          <p:nvPr>
+            <p:ph type="title"/>
+          </p:nvPr>
+        </p:nvSpPr>
+        <p:spPr>
+          <a:xfrm>
+            <a:off x="628650" y="665667"/>
+            <a:ext cx="7886700" cy="678114"/>
+          </a:xfrm>
+        </p:spPr>
+        <p:txBody>
+          <a:bodyPr anchor="t">
+            <a:normAutofit/>
+          </a:bodyPr>
+          <a:lstStyle/>
+          <a:p>
+            <a:r>
+              <a:rPr lang="en-US" sz="3600" b="1" dirty="0"/>
+              <a:t>Application Development</a:t>
+            </a:r>
+          </a:p>
+        </p:txBody>
+      </p:sp>
+      <p:sp>
+        <p:nvSpPr>
+          <p:cNvPr id="5" name="Title 1">
+            <a:extLst>
+              <a:ext uri="{FF2B5EF4-FFF2-40B4-BE49-F238E27FC236}">
+                <a16:creationId xmlns:a16="http://schemas.microsoft.com/office/drawing/2014/main" id="{FAEDF4E0-0AE7-9300-CF8F-6D0E401102E8}"/>
+              </a:ext>
+            </a:extLst>
+          </p:cNvPr>
+          <p:cNvSpPr txBox="1">
+            <a:spLocks/>
+          </p:cNvSpPr>
+          <p:nvPr/>
+        </p:nvSpPr>
+        <p:spPr>
+          <a:xfrm>
+            <a:off x="628650" y="1568142"/>
+            <a:ext cx="7886700" cy="3090258"/>
+          </a:xfrm>
+          <a:prstGeom prst="rect">
+            <a:avLst/>
+          </a:prstGeom>
+        </p:spPr>
+        <p:txBody>
+          <a:bodyPr vert="horz" lIns="91440" tIns="45720" rIns="91440" bIns="45720" rtlCol="0" anchor="t">
+            <a:normAutofit/>
+          </a:bodyPr>
+          <a:lstStyle>
+            <a:lvl1pPr algn="l" defTabSz="685800" rtl="0" eaLnBrk="1" latinLnBrk="0" hangingPunct="1">
+              <a:lnSpc>
+                <a:spcPct val="90000"/>
+              </a:lnSpc>
+              <a:spcBef>
+                <a:spcPct val="0"/>
+              </a:spcBef>
+              <a:buNone/>
+              <a:defRPr sz="4500" kern="1200">
+                <a:solidFill>
+                  <a:schemeClr val="tx1"/>
+                </a:solidFill>
+                <a:latin typeface="+mj-lt"/>
+                <a:ea typeface="+mj-ea"/>
+                <a:cs typeface="+mj-cs"/>
+              </a:defRPr>
+            </a:lvl1pPr>
+          </a:lstStyle>
+          <a:p>
+            <a:pPr marL="342900" indent="-342900">
+              <a:lnSpc>
+                <a:spcPct val="150000"/>
+              </a:lnSpc>
+              <a:buFont typeface="Arial" panose="020B0604020202020204" pitchFamily="34" charset="0"/>
+              <a:buChar char="•"/>
+            </a:pPr>
+            <a:endParaRPr lang="en-US" sz="2400" dirty="0">
+              <a:latin typeface="Calibri Light" panose="020F0302020204030204" pitchFamily="34" charset="0"/>
+              <a:ea typeface="Calibri Light" panose="020F0302020204030204" pitchFamily="34" charset="0"/>
+              <a:cs typeface="Calibri Light" panose="020F0302020204030204" pitchFamily="34" charset="0"/>
+            </a:endParaRPr>
+          </a:p>
+          <a:p>
+            <a:pPr marL="800100" lvl="1" indent="-342900">
+              <a:lnSpc>
+                <a:spcPct val="150000"/>
+              </a:lnSpc>
+              <a:buFont typeface="Arial" panose="020B0604020202020204" pitchFamily="34" charset="0"/>
+              <a:buChar char="•"/>
+            </a:pPr>
+            <a:endParaRPr lang="en-US" sz="2000" dirty="0">
+              <a:latin typeface="Calibri Light" panose="020F0302020204030204" pitchFamily="34" charset="0"/>
+              <a:ea typeface="Calibri Light" panose="020F0302020204030204" pitchFamily="34" charset="0"/>
+              <a:cs typeface="Calibri Light" panose="020F0302020204030204" pitchFamily="34" charset="0"/>
+            </a:endParaRPr>
+          </a:p>
+        </p:txBody>
+      </p:sp>
+      <p:sp>
+        <p:nvSpPr>
+          <p:cNvPr id="2" name="Title 1">
+            <a:extLst>
+              <a:ext uri="{FF2B5EF4-FFF2-40B4-BE49-F238E27FC236}">
+                <a16:creationId xmlns:a16="http://schemas.microsoft.com/office/drawing/2014/main" id="{BC3A94E6-5262-8460-61B4-7FB1446F07AF}"/>
+              </a:ext>
+            </a:extLst>
+          </p:cNvPr>
+          <p:cNvSpPr txBox="1">
+            <a:spLocks/>
+          </p:cNvSpPr>
+          <p:nvPr/>
+        </p:nvSpPr>
+        <p:spPr>
+          <a:xfrm>
+            <a:off x="628650" y="1157124"/>
+            <a:ext cx="7886700" cy="447315"/>
+          </a:xfrm>
+          <a:prstGeom prst="rect">
+            <a:avLst/>
+          </a:prstGeom>
+        </p:spPr>
+        <p:txBody>
+          <a:bodyPr vert="horz" lIns="91440" tIns="45720" rIns="91440" bIns="45720" rtlCol="0" anchor="t">
+            <a:normAutofit/>
+          </a:bodyPr>
+          <a:lstStyle>
+            <a:lvl1pPr algn="l" defTabSz="685800" rtl="0" eaLnBrk="1" latinLnBrk="0" hangingPunct="1">
+              <a:lnSpc>
+                <a:spcPct val="90000"/>
+              </a:lnSpc>
+              <a:spcBef>
+                <a:spcPct val="0"/>
+              </a:spcBef>
+              <a:buNone/>
+              <a:defRPr sz="4500" kern="1200">
+                <a:solidFill>
+                  <a:schemeClr val="tx1"/>
+                </a:solidFill>
+                <a:latin typeface="+mj-lt"/>
+                <a:ea typeface="+mj-ea"/>
+                <a:cs typeface="+mj-cs"/>
+              </a:defRPr>
+            </a:lvl1pPr>
+          </a:lstStyle>
+          <a:p>
+            <a:r>
+              <a:rPr lang="en-US" sz="2400" b="1" dirty="0">
+                <a:solidFill>
+                  <a:schemeClr val="tx1">
+                    <a:lumMod val="65000"/>
+                    <a:lumOff val="35000"/>
+                  </a:schemeClr>
+                </a:solidFill>
+              </a:rPr>
+              <a:t>Technical Architecture</a:t>
+            </a:r>
+          </a:p>
+        </p:txBody>
+      </p:sp>
+      <p:sp>
+        <p:nvSpPr>
+          <p:cNvPr id="3" name="Title 1">
+            <a:extLst>
+              <a:ext uri="{FF2B5EF4-FFF2-40B4-BE49-F238E27FC236}">
+                <a16:creationId xmlns:a16="http://schemas.microsoft.com/office/drawing/2014/main" id="{86A04A04-7D89-4892-9E05-5B1EF6B624D2}"/>
+              </a:ext>
+            </a:extLst>
+          </p:cNvPr>
+          <p:cNvSpPr txBox="1">
+            <a:spLocks/>
+          </p:cNvSpPr>
+          <p:nvPr/>
+        </p:nvSpPr>
+        <p:spPr>
+          <a:xfrm>
+            <a:off x="628650" y="1568506"/>
+            <a:ext cx="5237457" cy="3090258"/>
+          </a:xfrm>
+          <a:prstGeom prst="rect">
+            <a:avLst/>
+          </a:prstGeom>
+        </p:spPr>
+        <p:txBody>
+          <a:bodyPr vert="horz" lIns="91440" tIns="45720" rIns="91440" bIns="45720" rtlCol="0" anchor="t">
+            <a:normAutofit/>
+          </a:bodyPr>
+          <a:lstStyle>
+            <a:lvl1pPr algn="l" defTabSz="685800" rtl="0" eaLnBrk="1" latinLnBrk="0" hangingPunct="1">
+              <a:lnSpc>
+                <a:spcPct val="90000"/>
+              </a:lnSpc>
+              <a:spcBef>
+                <a:spcPct val="0"/>
+              </a:spcBef>
+              <a:buNone/>
+              <a:defRPr sz="4500" kern="1200">
+                <a:solidFill>
+                  <a:schemeClr val="tx1"/>
+                </a:solidFill>
+                <a:latin typeface="+mj-lt"/>
+                <a:ea typeface="+mj-ea"/>
+                <a:cs typeface="+mj-cs"/>
+              </a:defRPr>
+            </a:lvl1pPr>
+          </a:lstStyle>
+          <a:p>
+            <a:pPr marL="342900" indent="-342900">
+              <a:lnSpc>
+                <a:spcPct val="150000"/>
+              </a:lnSpc>
+              <a:buFont typeface="Arial" panose="020B0604020202020204" pitchFamily="34" charset="0"/>
+              <a:buChar char="•"/>
+            </a:pPr>
+            <a:r>
+              <a:rPr lang="en-US" sz="2000" dirty="0">
+                <a:latin typeface="Calibri Light" panose="020F0302020204030204" pitchFamily="34" charset="0"/>
+                <a:ea typeface="Calibri Light" panose="020F0302020204030204" pitchFamily="34" charset="0"/>
+                <a:cs typeface="Calibri Light" panose="020F0302020204030204" pitchFamily="34" charset="0"/>
+              </a:rPr>
+              <a:t>R Shiny Application:</a:t>
+            </a:r>
+          </a:p>
+          <a:p>
+            <a:pPr marL="800100" lvl="1" indent="-342900">
+              <a:lnSpc>
+                <a:spcPct val="150000"/>
+              </a:lnSpc>
+              <a:buFont typeface="Arial" panose="020B0604020202020204" pitchFamily="34" charset="0"/>
+              <a:buChar char="•"/>
+            </a:pPr>
+            <a:r>
+              <a:rPr lang="en-US" dirty="0">
+                <a:latin typeface="Calibri Light" panose="020F0302020204030204" pitchFamily="34" charset="0"/>
+                <a:ea typeface="Calibri Light" panose="020F0302020204030204" pitchFamily="34" charset="0"/>
+                <a:cs typeface="Calibri Light" panose="020F0302020204030204" pitchFamily="34" charset="0"/>
+              </a:rPr>
+              <a:t>Easily deployable.</a:t>
+            </a:r>
+          </a:p>
+          <a:p>
+            <a:pPr marL="800100" lvl="1" indent="-342900">
+              <a:lnSpc>
+                <a:spcPct val="150000"/>
+              </a:lnSpc>
+              <a:buFont typeface="Arial" panose="020B0604020202020204" pitchFamily="34" charset="0"/>
+              <a:buChar char="•"/>
+            </a:pPr>
+            <a:r>
+              <a:rPr lang="en-US" dirty="0">
+                <a:latin typeface="Calibri Light" panose="020F0302020204030204" pitchFamily="34" charset="0"/>
+                <a:ea typeface="Calibri Light" panose="020F0302020204030204" pitchFamily="34" charset="0"/>
+                <a:cs typeface="Calibri Light" panose="020F0302020204030204" pitchFamily="34" charset="0"/>
+              </a:rPr>
+              <a:t>Seamless integration with CSS and JavaScript.</a:t>
+            </a:r>
+          </a:p>
+          <a:p>
+            <a:pPr marL="800100" lvl="1" indent="-342900">
+              <a:lnSpc>
+                <a:spcPct val="150000"/>
+              </a:lnSpc>
+              <a:buFont typeface="Arial" panose="020B0604020202020204" pitchFamily="34" charset="0"/>
+              <a:buChar char="•"/>
+            </a:pPr>
+            <a:endParaRPr lang="en-US" sz="100" dirty="0">
+              <a:latin typeface="Calibri Light" panose="020F0302020204030204" pitchFamily="34" charset="0"/>
+              <a:ea typeface="Calibri Light" panose="020F0302020204030204" pitchFamily="34" charset="0"/>
+              <a:cs typeface="Calibri Light" panose="020F0302020204030204" pitchFamily="34" charset="0"/>
+            </a:endParaRPr>
+          </a:p>
+          <a:p>
+            <a:pPr marL="342900" indent="-342900">
+              <a:lnSpc>
+                <a:spcPct val="150000"/>
+              </a:lnSpc>
+              <a:buFont typeface="Arial" panose="020B0604020202020204" pitchFamily="34" charset="0"/>
+              <a:buChar char="•"/>
+            </a:pPr>
+            <a:r>
+              <a:rPr lang="en-US" sz="2000" dirty="0">
+                <a:latin typeface="Calibri Light" panose="020F0302020204030204" pitchFamily="34" charset="0"/>
+                <a:ea typeface="Calibri Light" panose="020F0302020204030204" pitchFamily="34" charset="0"/>
+                <a:cs typeface="Calibri Light" panose="020F0302020204030204" pitchFamily="34" charset="0"/>
+              </a:rPr>
+              <a:t>Tab-based, point-and-click UI.</a:t>
+            </a:r>
+          </a:p>
+          <a:p>
+            <a:pPr marL="342900" indent="-342900">
+              <a:lnSpc>
+                <a:spcPct val="150000"/>
+              </a:lnSpc>
+              <a:buFont typeface="Arial" panose="020B0604020202020204" pitchFamily="34" charset="0"/>
+              <a:buChar char="•"/>
+            </a:pPr>
+            <a:r>
+              <a:rPr lang="en-US" sz="2000" dirty="0">
+                <a:latin typeface="Calibri Light" panose="020F0302020204030204" pitchFamily="34" charset="0"/>
+                <a:ea typeface="Calibri Light" panose="020F0302020204030204" pitchFamily="34" charset="0"/>
+                <a:cs typeface="Calibri Light" panose="020F0302020204030204" pitchFamily="34" charset="0"/>
+              </a:rPr>
+              <a:t>Visualization packages:</a:t>
+            </a:r>
+          </a:p>
+          <a:p>
+            <a:pPr marL="800100" lvl="1" indent="-342900">
+              <a:lnSpc>
+                <a:spcPct val="150000"/>
+              </a:lnSpc>
+              <a:buFont typeface="Arial" panose="020B0604020202020204" pitchFamily="34" charset="0"/>
+              <a:buChar char="•"/>
+            </a:pPr>
+            <a:r>
+              <a:rPr lang="en-US" dirty="0">
+                <a:latin typeface="Calibri Light" panose="020F0302020204030204" pitchFamily="34" charset="0"/>
+                <a:ea typeface="Calibri Light" panose="020F0302020204030204" pitchFamily="34" charset="0"/>
+                <a:cs typeface="Calibri Light" panose="020F0302020204030204" pitchFamily="34" charset="0"/>
+              </a:rPr>
+              <a:t>ggplot2, patchwork</a:t>
+            </a:r>
+          </a:p>
+        </p:txBody>
+      </p:sp>
+      <p:pic>
+        <p:nvPicPr>
+          <p:cNvPr id="1026" name="Picture 2" descr="undefined">
+            <a:extLst>
+              <a:ext uri="{FF2B5EF4-FFF2-40B4-BE49-F238E27FC236}">
+                <a16:creationId xmlns:a16="http://schemas.microsoft.com/office/drawing/2014/main" id="{096A6810-F063-21D2-93B6-2EA72637961D}"/>
+              </a:ext>
+            </a:extLst>
+          </p:cNvPr>
+          <p:cNvPicPr>
+            <a:picLocks noChangeAspect="1" noChangeArrowheads="1"/>
+          </p:cNvPicPr>
+          <p:nvPr/>
+        </p:nvPicPr>
+        <p:blipFill>
+          <a:blip r:embed="rId2">
+            <a:extLst>
+              <a:ext uri="{28A0092B-C50C-407E-A947-70E740481C1C}">
+                <a14:useLocalDpi xmlns:a14="http://schemas.microsoft.com/office/drawing/2010/main" val="0"/>
+              </a:ext>
+            </a:extLst>
+          </a:blip>
+          <a:srcRect/>
+          <a:stretch>
+            <a:fillRect/>
+          </a:stretch>
+        </p:blipFill>
+        <p:spPr bwMode="auto">
+          <a:xfrm>
+            <a:off x="6415200" y="1828800"/>
+            <a:ext cx="1943207" cy="2244560"/>
+          </a:xfrm>
+          <a:prstGeom prst="rect">
+            <a:avLst/>
+          </a:prstGeom>
+          <a:noFill/>
+          <a:extLst>
+            <a:ext uri="{909E8E84-426E-40DD-AFC4-6F175D3DCCD1}">
+              <a14:hiddenFill xmlns:a14="http://schemas.microsoft.com/office/drawing/2010/main">
+                <a:solidFill>
+                  <a:srgbClr val="FFFFFF"/>
+                </a:solidFill>
+              </a14:hiddenFill>
+            </a:ext>
+          </a:extLst>
+        </p:spPr>
+      </p:pic>
+    </p:spTree>
+    <p:extLst>
+      <p:ext uri="{BB962C8B-B14F-4D97-AF65-F5344CB8AC3E}">
+        <p14:creationId xmlns:p14="http://schemas.microsoft.com/office/powerpoint/2010/main" val="4121858526"/>
+      </p:ext>
+    </p:extLst>
+  </p:cSld>
+  <p:clrMapOvr>
+    <a:masterClrMapping/>
+  </p:clrMapOvr>
+</p:sld>
+</file>
+
+<file path=ppt/slides/slide6.xml><?xml version="1.0" encoding="utf-8"?>
+<p:sld xmlns:a="http://schemas.openxmlformats.org/drawingml/2006/main" xmlns:r="http://schemas.openxmlformats.org/officeDocument/2006/relationships" xmlns:p="http://schemas.openxmlformats.org/presentationml/2006/main">
+  <p:cSld>
+    <p:spTree>
+      <p:nvGrpSpPr>
+        <p:cNvPr id="1" name="">
+          <a:extLst>
+            <a:ext uri="{FF2B5EF4-FFF2-40B4-BE49-F238E27FC236}">
+              <a16:creationId xmlns:a16="http://schemas.microsoft.com/office/drawing/2014/main" id="{ADA52373-1B1C-4BCF-3DCA-C94C5E380F52}"/>
+            </a:ext>
+          </a:extLst>
+        </p:cNvPr>
+        <p:cNvGrpSpPr/>
+        <p:nvPr/>
+      </p:nvGrpSpPr>
+      <p:grpSpPr>
+        <a:xfrm>
+          <a:off x="0" y="0"/>
+          <a:ext cx="0" cy="0"/>
+          <a:chOff x="0" y="0"/>
+          <a:chExt cx="0" cy="0"/>
+        </a:xfrm>
+      </p:grpSpPr>
+      <p:sp>
+        <p:nvSpPr>
+          <p:cNvPr id="4" name="Title 1">
+            <a:extLst>
+              <a:ext uri="{FF2B5EF4-FFF2-40B4-BE49-F238E27FC236}">
+                <a16:creationId xmlns:a16="http://schemas.microsoft.com/office/drawing/2014/main" id="{26931D68-5D12-56D1-623F-F92376985AC4}"/>
+              </a:ext>
+            </a:extLst>
+          </p:cNvPr>
+          <p:cNvSpPr>
+            <a:spLocks noGrp="1"/>
+          </p:cNvSpPr>
+          <p:nvPr>
+            <p:ph type="title"/>
+          </p:nvPr>
+        </p:nvSpPr>
+        <p:spPr>
+          <a:xfrm>
+            <a:off x="628650" y="665667"/>
+            <a:ext cx="7886700" cy="678114"/>
+          </a:xfrm>
+        </p:spPr>
+        <p:txBody>
+          <a:bodyPr anchor="t">
+            <a:normAutofit/>
+          </a:bodyPr>
+          <a:lstStyle/>
+          <a:p>
+            <a:r>
+              <a:rPr lang="en-US" sz="3600" b="1" dirty="0"/>
+              <a:t>Application Development</a:t>
+            </a:r>
+          </a:p>
+        </p:txBody>
+      </p:sp>
+      <p:sp>
+        <p:nvSpPr>
+          <p:cNvPr id="5" name="Title 1">
+            <a:extLst>
+              <a:ext uri="{FF2B5EF4-FFF2-40B4-BE49-F238E27FC236}">
+                <a16:creationId xmlns:a16="http://schemas.microsoft.com/office/drawing/2014/main" id="{A875A886-AA50-1C20-78B1-30AAA2AA3E9A}"/>
+              </a:ext>
+            </a:extLst>
+          </p:cNvPr>
+          <p:cNvSpPr txBox="1">
+            <a:spLocks/>
+          </p:cNvSpPr>
+          <p:nvPr/>
+        </p:nvSpPr>
+        <p:spPr>
+          <a:xfrm>
+            <a:off x="628650" y="1568142"/>
+            <a:ext cx="7886700" cy="3090258"/>
+          </a:xfrm>
+          <a:prstGeom prst="rect">
+            <a:avLst/>
+          </a:prstGeom>
+        </p:spPr>
+        <p:txBody>
+          <a:bodyPr vert="horz" lIns="91440" tIns="45720" rIns="91440" bIns="45720" rtlCol="0" anchor="t">
+            <a:normAutofit/>
+          </a:bodyPr>
+          <a:lstStyle>
+            <a:lvl1pPr algn="l" defTabSz="685800" rtl="0" eaLnBrk="1" latinLnBrk="0" hangingPunct="1">
+              <a:lnSpc>
+                <a:spcPct val="90000"/>
+              </a:lnSpc>
+              <a:spcBef>
+                <a:spcPct val="0"/>
+              </a:spcBef>
+              <a:buNone/>
+              <a:defRPr sz="4500" kern="1200">
+                <a:solidFill>
+                  <a:schemeClr val="tx1"/>
+                </a:solidFill>
+                <a:latin typeface="+mj-lt"/>
+                <a:ea typeface="+mj-ea"/>
+                <a:cs typeface="+mj-cs"/>
+              </a:defRPr>
+            </a:lvl1pPr>
+          </a:lstStyle>
+          <a:p>
+            <a:pPr marL="342900" indent="-342900">
+              <a:lnSpc>
+                <a:spcPct val="150000"/>
+              </a:lnSpc>
+              <a:buFont typeface="Arial" panose="020B0604020202020204" pitchFamily="34" charset="0"/>
+              <a:buChar char="•"/>
+            </a:pPr>
+            <a:endParaRPr lang="en-US" sz="2400" dirty="0">
+              <a:latin typeface="Calibri Light" panose="020F0302020204030204" pitchFamily="34" charset="0"/>
+              <a:ea typeface="Calibri Light" panose="020F0302020204030204" pitchFamily="34" charset="0"/>
+              <a:cs typeface="Calibri Light" panose="020F0302020204030204" pitchFamily="34" charset="0"/>
+            </a:endParaRPr>
+          </a:p>
+          <a:p>
+            <a:pPr marL="800100" lvl="1" indent="-342900">
+              <a:lnSpc>
+                <a:spcPct val="150000"/>
+              </a:lnSpc>
+              <a:buFont typeface="Arial" panose="020B0604020202020204" pitchFamily="34" charset="0"/>
+              <a:buChar char="•"/>
+            </a:pPr>
+            <a:endParaRPr lang="en-US" sz="2000" dirty="0">
+              <a:latin typeface="Calibri Light" panose="020F0302020204030204" pitchFamily="34" charset="0"/>
+              <a:ea typeface="Calibri Light" panose="020F0302020204030204" pitchFamily="34" charset="0"/>
+              <a:cs typeface="Calibri Light" panose="020F0302020204030204" pitchFamily="34" charset="0"/>
+            </a:endParaRPr>
+          </a:p>
+        </p:txBody>
+      </p:sp>
+      <p:sp>
+        <p:nvSpPr>
+          <p:cNvPr id="2" name="Title 1">
+            <a:extLst>
+              <a:ext uri="{FF2B5EF4-FFF2-40B4-BE49-F238E27FC236}">
+                <a16:creationId xmlns:a16="http://schemas.microsoft.com/office/drawing/2014/main" id="{01C01ED6-7260-50AE-B8F8-71ADE9CDBFA3}"/>
+              </a:ext>
+            </a:extLst>
+          </p:cNvPr>
+          <p:cNvSpPr txBox="1">
+            <a:spLocks/>
+          </p:cNvSpPr>
+          <p:nvPr/>
+        </p:nvSpPr>
+        <p:spPr>
+          <a:xfrm>
+            <a:off x="628650" y="1157124"/>
+            <a:ext cx="7886700" cy="447315"/>
+          </a:xfrm>
+          <a:prstGeom prst="rect">
+            <a:avLst/>
+          </a:prstGeom>
+        </p:spPr>
+        <p:txBody>
+          <a:bodyPr vert="horz" lIns="91440" tIns="45720" rIns="91440" bIns="45720" rtlCol="0" anchor="t">
+            <a:normAutofit/>
+          </a:bodyPr>
+          <a:lstStyle>
+            <a:lvl1pPr algn="l" defTabSz="685800" rtl="0" eaLnBrk="1" latinLnBrk="0" hangingPunct="1">
+              <a:lnSpc>
+                <a:spcPct val="90000"/>
+              </a:lnSpc>
+              <a:spcBef>
+                <a:spcPct val="0"/>
+              </a:spcBef>
+              <a:buNone/>
+              <a:defRPr sz="4500" kern="1200">
+                <a:solidFill>
+                  <a:schemeClr val="tx1"/>
+                </a:solidFill>
+                <a:latin typeface="+mj-lt"/>
+                <a:ea typeface="+mj-ea"/>
+                <a:cs typeface="+mj-cs"/>
+              </a:defRPr>
+            </a:lvl1pPr>
+          </a:lstStyle>
+          <a:p>
+            <a:r>
+              <a:rPr lang="en-US" sz="2400" b="1" dirty="0">
+                <a:solidFill>
+                  <a:schemeClr val="tx1">
+                    <a:lumMod val="65000"/>
+                    <a:lumOff val="35000"/>
+                  </a:schemeClr>
+                </a:solidFill>
+              </a:rPr>
+              <a:t>Key Features</a:t>
+            </a:r>
+          </a:p>
+        </p:txBody>
+      </p:sp>
+      <p:sp>
+        <p:nvSpPr>
+          <p:cNvPr id="3" name="Title 1">
+            <a:extLst>
+              <a:ext uri="{FF2B5EF4-FFF2-40B4-BE49-F238E27FC236}">
+                <a16:creationId xmlns:a16="http://schemas.microsoft.com/office/drawing/2014/main" id="{D462E3C3-E8E9-5939-1A6C-6FCA8351F2D2}"/>
+              </a:ext>
+            </a:extLst>
+          </p:cNvPr>
+          <p:cNvSpPr txBox="1">
+            <a:spLocks/>
+          </p:cNvSpPr>
+          <p:nvPr/>
+        </p:nvSpPr>
+        <p:spPr>
+          <a:xfrm>
+            <a:off x="628650" y="1568506"/>
+            <a:ext cx="7135729" cy="3090258"/>
+          </a:xfrm>
+          <a:prstGeom prst="rect">
+            <a:avLst/>
+          </a:prstGeom>
+        </p:spPr>
+        <p:txBody>
+          <a:bodyPr vert="horz" lIns="91440" tIns="45720" rIns="91440" bIns="45720" rtlCol="0" anchor="t">
+            <a:normAutofit/>
+          </a:bodyPr>
+          <a:lstStyle>
+            <a:lvl1pPr algn="l" defTabSz="685800" rtl="0" eaLnBrk="1" latinLnBrk="0" hangingPunct="1">
+              <a:lnSpc>
+                <a:spcPct val="90000"/>
+              </a:lnSpc>
+              <a:spcBef>
+                <a:spcPct val="0"/>
+              </a:spcBef>
+              <a:buNone/>
+              <a:defRPr sz="4500" kern="1200">
+                <a:solidFill>
+                  <a:schemeClr val="tx1"/>
+                </a:solidFill>
+                <a:latin typeface="+mj-lt"/>
+                <a:ea typeface="+mj-ea"/>
+                <a:cs typeface="+mj-cs"/>
+              </a:defRPr>
+            </a:lvl1pPr>
+          </a:lstStyle>
+          <a:p>
+            <a:pPr marL="342900" indent="-342900">
+              <a:lnSpc>
+                <a:spcPct val="150000"/>
+              </a:lnSpc>
+              <a:buFont typeface="Arial" panose="020B0604020202020204" pitchFamily="34" charset="0"/>
+              <a:buChar char="•"/>
+            </a:pPr>
+            <a:r>
+              <a:rPr lang="en-US" sz="2000" dirty="0">
+                <a:latin typeface="Calibri Light" panose="020F0302020204030204" pitchFamily="34" charset="0"/>
+                <a:ea typeface="Calibri Light" panose="020F0302020204030204" pitchFamily="34" charset="0"/>
+                <a:cs typeface="Calibri Light" panose="020F0302020204030204" pitchFamily="34" charset="0"/>
+              </a:rPr>
+              <a:t>Topic-centric exploration:</a:t>
+            </a:r>
+          </a:p>
+          <a:p>
+            <a:pPr marL="800100" lvl="1" indent="-342900">
+              <a:lnSpc>
+                <a:spcPct val="150000"/>
+              </a:lnSpc>
+              <a:buFont typeface="Arial" panose="020B0604020202020204" pitchFamily="34" charset="0"/>
+              <a:buChar char="•"/>
+            </a:pPr>
+            <a:r>
+              <a:rPr lang="en-US" dirty="0">
+                <a:latin typeface="Calibri Light" panose="020F0302020204030204" pitchFamily="34" charset="0"/>
+                <a:ea typeface="Calibri Light" panose="020F0302020204030204" pitchFamily="34" charset="0"/>
+                <a:cs typeface="Calibri Light" panose="020F0302020204030204" pitchFamily="34" charset="0"/>
+              </a:rPr>
+              <a:t>Sociality, Wellness, Success, and Grit.</a:t>
+            </a:r>
+          </a:p>
+          <a:p>
+            <a:pPr marL="800100" lvl="1" indent="-342900">
+              <a:lnSpc>
+                <a:spcPct val="150000"/>
+              </a:lnSpc>
+              <a:buFont typeface="Arial" panose="020B0604020202020204" pitchFamily="34" charset="0"/>
+              <a:buChar char="•"/>
+            </a:pPr>
+            <a:r>
+              <a:rPr lang="en-US" dirty="0">
+                <a:latin typeface="Calibri Light" panose="020F0302020204030204" pitchFamily="34" charset="0"/>
+                <a:ea typeface="Calibri Light" panose="020F0302020204030204" pitchFamily="34" charset="0"/>
+                <a:cs typeface="Calibri Light" panose="020F0302020204030204" pitchFamily="34" charset="0"/>
+              </a:rPr>
+              <a:t>Provides a more easily digestible narrative.</a:t>
+            </a:r>
+          </a:p>
+          <a:p>
+            <a:pPr marL="342900" indent="-342900">
+              <a:lnSpc>
+                <a:spcPct val="150000"/>
+              </a:lnSpc>
+              <a:buFont typeface="Arial" panose="020B0604020202020204" pitchFamily="34" charset="0"/>
+              <a:buChar char="•"/>
+            </a:pPr>
+            <a:r>
+              <a:rPr lang="en-US" sz="2000" dirty="0">
+                <a:latin typeface="Calibri Light" panose="020F0302020204030204" pitchFamily="34" charset="0"/>
+                <a:ea typeface="Calibri Light" panose="020F0302020204030204" pitchFamily="34" charset="0"/>
+                <a:cs typeface="Calibri Light" panose="020F0302020204030204" pitchFamily="34" charset="0"/>
+              </a:rPr>
+              <a:t>Filtering by demographic.</a:t>
+            </a:r>
+          </a:p>
+          <a:p>
+            <a:pPr marL="342900" indent="-342900">
+              <a:lnSpc>
+                <a:spcPct val="150000"/>
+              </a:lnSpc>
+              <a:buFont typeface="Arial" panose="020B0604020202020204" pitchFamily="34" charset="0"/>
+              <a:buChar char="•"/>
+            </a:pPr>
+            <a:r>
+              <a:rPr lang="en-US" sz="2000" dirty="0">
+                <a:latin typeface="Calibri Light" panose="020F0302020204030204" pitchFamily="34" charset="0"/>
+                <a:ea typeface="Calibri Light" panose="020F0302020204030204" pitchFamily="34" charset="0"/>
+                <a:cs typeface="Calibri Light" panose="020F0302020204030204" pitchFamily="34" charset="0"/>
+              </a:rPr>
+              <a:t>ANOVA statistical testing:</a:t>
+            </a:r>
+          </a:p>
+          <a:p>
+            <a:pPr marL="800100" lvl="1" indent="-342900">
+              <a:lnSpc>
+                <a:spcPct val="150000"/>
+              </a:lnSpc>
+              <a:buFont typeface="Arial" panose="020B0604020202020204" pitchFamily="34" charset="0"/>
+              <a:buChar char="•"/>
+            </a:pPr>
+            <a:r>
+              <a:rPr lang="en-US" dirty="0">
+                <a:latin typeface="Calibri Light" panose="020F0302020204030204" pitchFamily="34" charset="0"/>
+                <a:ea typeface="Calibri Light" panose="020F0302020204030204" pitchFamily="34" charset="0"/>
+                <a:cs typeface="Calibri Light" panose="020F0302020204030204" pitchFamily="34" charset="0"/>
+              </a:rPr>
+              <a:t>Looks for significance in variation between demographic groups.</a:t>
+            </a:r>
+          </a:p>
+        </p:txBody>
+      </p:sp>
+    </p:spTree>
+    <p:extLst>
+      <p:ext uri="{BB962C8B-B14F-4D97-AF65-F5344CB8AC3E}">
+        <p14:creationId xmlns:p14="http://schemas.microsoft.com/office/powerpoint/2010/main" val="2969737504"/>
+      </p:ext>
+    </p:extLst>
+  </p:cSld>
+  <p:clrMapOvr>
+    <a:masterClrMapping/>
+  </p:clrMapOvr>
+</p:sld>
+</file>
+
+<file path=ppt/slides/slide7.xml><?xml version="1.0" encoding="utf-8"?>
+<p:sld xmlns:a="http://schemas.openxmlformats.org/drawingml/2006/main" xmlns:r="http://schemas.openxmlformats.org/officeDocument/2006/relationships" xmlns:p="http://schemas.openxmlformats.org/presentationml/2006/main">
+  <p:cSld>
+    <p:spTree>
+      <p:nvGrpSpPr>
+        <p:cNvPr id="1" name="">
+          <a:extLst>
+            <a:ext uri="{FF2B5EF4-FFF2-40B4-BE49-F238E27FC236}">
+              <a16:creationId xmlns:a16="http://schemas.microsoft.com/office/drawing/2014/main" id="{3AF7314F-616E-80B5-09CC-2731833F08A9}"/>
+            </a:ext>
+          </a:extLst>
+        </p:cNvPr>
+        <p:cNvGrpSpPr/>
+        <p:nvPr/>
+      </p:nvGrpSpPr>
+      <p:grpSpPr>
+        <a:xfrm>
+          <a:off x="0" y="0"/>
+          <a:ext cx="0" cy="0"/>
+          <a:chOff x="0" y="0"/>
+          <a:chExt cx="0" cy="0"/>
+        </a:xfrm>
+      </p:grpSpPr>
+      <p:sp>
+        <p:nvSpPr>
+          <p:cNvPr id="30" name="Rectangle: Rounded Corners 29">
+            <a:extLst>
+              <a:ext uri="{FF2B5EF4-FFF2-40B4-BE49-F238E27FC236}">
+                <a16:creationId xmlns:a16="http://schemas.microsoft.com/office/drawing/2014/main" id="{868F6A05-BF95-51F6-8A38-8764D020A6FE}"/>
+              </a:ext>
+            </a:extLst>
+          </p:cNvPr>
+          <p:cNvSpPr/>
+          <p:nvPr/>
+        </p:nvSpPr>
+        <p:spPr>
+          <a:xfrm>
+            <a:off x="5521725" y="1910046"/>
+            <a:ext cx="1801654" cy="2795772"/>
+          </a:xfrm>
+          <a:prstGeom prst="roundRect">
+            <a:avLst/>
+          </a:prstGeom>
+          <a:solidFill>
+            <a:schemeClr val="accent6">
+              <a:alpha val="20000"/>
+            </a:schemeClr>
+          </a:solidFill>
+          <a:ln>
+            <a:solidFill>
+              <a:schemeClr val="tx1"/>
+            </a:solidFill>
+          </a:ln>
+        </p:spPr>
+        <p:style>
+          <a:lnRef idx="2">
+            <a:schemeClr val="accent1">
+              <a:shade val="15000"/>
+            </a:schemeClr>
+          </a:lnRef>
+          <a:fillRef idx="1">
+            <a:schemeClr val="accent1"/>
+          </a:fillRef>
+          <a:effectRef idx="0">
+            <a:schemeClr val="accent1"/>
+          </a:effectRef>
+          <a:fontRef idx="minor">
+            <a:schemeClr val="lt1"/>
+          </a:fontRef>
+        </p:style>
+        <p:txBody>
+          <a:bodyPr rtlCol="0" anchor="t" anchorCtr="0"/>
+          <a:lstStyle/>
+          <a:p>
+            <a:pPr algn="ctr"/>
+            <a:r>
+              <a:rPr lang="en-US" sz="2000" b="1" dirty="0">
+                <a:solidFill>
+                  <a:schemeClr val="tx1"/>
+                </a:solidFill>
+              </a:rPr>
+              <a:t>Output</a:t>
+            </a:r>
+          </a:p>
+        </p:txBody>
+      </p:sp>
+      <p:sp>
+        <p:nvSpPr>
+          <p:cNvPr id="21" name="Rectangle: Rounded Corners 20">
+            <a:extLst>
+              <a:ext uri="{FF2B5EF4-FFF2-40B4-BE49-F238E27FC236}">
+                <a16:creationId xmlns:a16="http://schemas.microsoft.com/office/drawing/2014/main" id="{D75011AA-44D4-196A-DA52-E1B0F6327C36}"/>
+              </a:ext>
+            </a:extLst>
+          </p:cNvPr>
+          <p:cNvSpPr/>
+          <p:nvPr/>
+        </p:nvSpPr>
+        <p:spPr>
+          <a:xfrm>
+            <a:off x="1408498" y="1910046"/>
+            <a:ext cx="1801654" cy="2795772"/>
+          </a:xfrm>
+          <a:prstGeom prst="roundRect">
+            <a:avLst/>
+          </a:prstGeom>
+          <a:solidFill>
+            <a:srgbClr val="4472C4">
+              <a:alpha val="20000"/>
+            </a:srgbClr>
+          </a:solidFill>
+          <a:ln>
+            <a:solidFill>
+              <a:schemeClr val="tx1"/>
+            </a:solidFill>
+          </a:ln>
+        </p:spPr>
+        <p:style>
+          <a:lnRef idx="2">
+            <a:schemeClr val="accent1">
+              <a:shade val="15000"/>
+            </a:schemeClr>
+          </a:lnRef>
+          <a:fillRef idx="1">
+            <a:schemeClr val="accent1"/>
+          </a:fillRef>
+          <a:effectRef idx="0">
+            <a:schemeClr val="accent1"/>
+          </a:effectRef>
+          <a:fontRef idx="minor">
+            <a:schemeClr val="lt1"/>
+          </a:fontRef>
+        </p:style>
+        <p:txBody>
+          <a:bodyPr rtlCol="0" anchor="t" anchorCtr="0"/>
+          <a:lstStyle/>
+          <a:p>
+            <a:pPr algn="ctr"/>
+            <a:r>
+              <a:rPr lang="en-US" sz="2000" b="1" dirty="0">
+                <a:solidFill>
+                  <a:schemeClr val="tx1"/>
+                </a:solidFill>
+              </a:rPr>
+              <a:t>Input</a:t>
+            </a:r>
+          </a:p>
+        </p:txBody>
+      </p:sp>
+      <p:sp>
+        <p:nvSpPr>
+          <p:cNvPr id="4" name="Title 1">
+            <a:extLst>
+              <a:ext uri="{FF2B5EF4-FFF2-40B4-BE49-F238E27FC236}">
+                <a16:creationId xmlns:a16="http://schemas.microsoft.com/office/drawing/2014/main" id="{4DDB1CA4-A199-66A3-8F63-3C084DDC8015}"/>
+              </a:ext>
+            </a:extLst>
+          </p:cNvPr>
+          <p:cNvSpPr>
+            <a:spLocks noGrp="1"/>
+          </p:cNvSpPr>
+          <p:nvPr>
+            <p:ph type="title"/>
+          </p:nvPr>
+        </p:nvSpPr>
+        <p:spPr>
+          <a:xfrm>
+            <a:off x="628650" y="665667"/>
+            <a:ext cx="7886700" cy="678114"/>
+          </a:xfrm>
+        </p:spPr>
+        <p:txBody>
+          <a:bodyPr anchor="t">
+            <a:normAutofit/>
+          </a:bodyPr>
+          <a:lstStyle/>
+          <a:p>
+            <a:r>
+              <a:rPr lang="en-US" sz="3600" b="1" dirty="0"/>
+              <a:t>Application Development</a:t>
+            </a:r>
+          </a:p>
+        </p:txBody>
+      </p:sp>
+      <p:sp>
+        <p:nvSpPr>
+          <p:cNvPr id="5" name="Title 1">
+            <a:extLst>
+              <a:ext uri="{FF2B5EF4-FFF2-40B4-BE49-F238E27FC236}">
+                <a16:creationId xmlns:a16="http://schemas.microsoft.com/office/drawing/2014/main" id="{FDDEE955-EE06-C585-B984-D81852A565AF}"/>
+              </a:ext>
+            </a:extLst>
+          </p:cNvPr>
+          <p:cNvSpPr txBox="1">
+            <a:spLocks/>
+          </p:cNvSpPr>
+          <p:nvPr/>
+        </p:nvSpPr>
+        <p:spPr>
+          <a:xfrm>
+            <a:off x="173252" y="1157124"/>
+            <a:ext cx="7886700" cy="3090258"/>
+          </a:xfrm>
+          <a:prstGeom prst="rect">
+            <a:avLst/>
+          </a:prstGeom>
+        </p:spPr>
+        <p:txBody>
+          <a:bodyPr vert="horz" lIns="91440" tIns="45720" rIns="91440" bIns="45720" rtlCol="0" anchor="t">
+            <a:normAutofit/>
+          </a:bodyPr>
+          <a:lstStyle>
+            <a:lvl1pPr algn="l" defTabSz="685800" rtl="0" eaLnBrk="1" latinLnBrk="0" hangingPunct="1">
+              <a:lnSpc>
+                <a:spcPct val="90000"/>
+              </a:lnSpc>
+              <a:spcBef>
+                <a:spcPct val="0"/>
+              </a:spcBef>
+              <a:buNone/>
+              <a:defRPr sz="4500" kern="1200">
+                <a:solidFill>
+                  <a:schemeClr val="tx1"/>
+                </a:solidFill>
+                <a:latin typeface="+mj-lt"/>
+                <a:ea typeface="+mj-ea"/>
+                <a:cs typeface="+mj-cs"/>
+              </a:defRPr>
+            </a:lvl1pPr>
+          </a:lstStyle>
+          <a:p>
+            <a:pPr marL="342900" indent="-342900">
+              <a:lnSpc>
+                <a:spcPct val="150000"/>
+              </a:lnSpc>
+              <a:buFont typeface="Arial" panose="020B0604020202020204" pitchFamily="34" charset="0"/>
+              <a:buChar char="•"/>
+            </a:pPr>
+            <a:endParaRPr lang="en-US" sz="2400" dirty="0">
+              <a:latin typeface="Calibri Light" panose="020F0302020204030204" pitchFamily="34" charset="0"/>
+              <a:ea typeface="Calibri Light" panose="020F0302020204030204" pitchFamily="34" charset="0"/>
+              <a:cs typeface="Calibri Light" panose="020F0302020204030204" pitchFamily="34" charset="0"/>
+            </a:endParaRPr>
+          </a:p>
+          <a:p>
+            <a:pPr marL="800100" lvl="1" indent="-342900">
+              <a:lnSpc>
+                <a:spcPct val="150000"/>
+              </a:lnSpc>
+              <a:buFont typeface="Arial" panose="020B0604020202020204" pitchFamily="34" charset="0"/>
+              <a:buChar char="•"/>
+            </a:pPr>
+            <a:endParaRPr lang="en-US" sz="2000" dirty="0">
+              <a:latin typeface="Calibri Light" panose="020F0302020204030204" pitchFamily="34" charset="0"/>
+              <a:ea typeface="Calibri Light" panose="020F0302020204030204" pitchFamily="34" charset="0"/>
+              <a:cs typeface="Calibri Light" panose="020F0302020204030204" pitchFamily="34" charset="0"/>
+            </a:endParaRPr>
+          </a:p>
+        </p:txBody>
+      </p:sp>
+      <p:sp>
+        <p:nvSpPr>
+          <p:cNvPr id="2" name="Title 1">
+            <a:extLst>
+              <a:ext uri="{FF2B5EF4-FFF2-40B4-BE49-F238E27FC236}">
+                <a16:creationId xmlns:a16="http://schemas.microsoft.com/office/drawing/2014/main" id="{79536EF1-3161-5D01-52A0-65659EB18FED}"/>
+              </a:ext>
+            </a:extLst>
+          </p:cNvPr>
+          <p:cNvSpPr txBox="1">
+            <a:spLocks/>
+          </p:cNvSpPr>
+          <p:nvPr/>
+        </p:nvSpPr>
+        <p:spPr>
+          <a:xfrm>
+            <a:off x="628650" y="1157124"/>
+            <a:ext cx="7886700" cy="447315"/>
+          </a:xfrm>
+          <a:prstGeom prst="rect">
+            <a:avLst/>
+          </a:prstGeom>
+        </p:spPr>
+        <p:txBody>
+          <a:bodyPr vert="horz" lIns="91440" tIns="45720" rIns="91440" bIns="45720" rtlCol="0" anchor="t">
+            <a:normAutofit/>
+          </a:bodyPr>
+          <a:lstStyle>
+            <a:lvl1pPr algn="l" defTabSz="685800" rtl="0" eaLnBrk="1" latinLnBrk="0" hangingPunct="1">
+              <a:lnSpc>
+                <a:spcPct val="90000"/>
+              </a:lnSpc>
+              <a:spcBef>
+                <a:spcPct val="0"/>
+              </a:spcBef>
+              <a:buNone/>
+              <a:defRPr sz="4500" kern="1200">
+                <a:solidFill>
+                  <a:schemeClr val="tx1"/>
+                </a:solidFill>
+                <a:latin typeface="+mj-lt"/>
+                <a:ea typeface="+mj-ea"/>
+                <a:cs typeface="+mj-cs"/>
+              </a:defRPr>
+            </a:lvl1pPr>
+          </a:lstStyle>
+          <a:p>
+            <a:r>
+              <a:rPr lang="en-US" sz="2400" b="1" dirty="0">
+                <a:solidFill>
+                  <a:schemeClr val="tx1">
+                    <a:lumMod val="65000"/>
+                    <a:lumOff val="35000"/>
+                  </a:schemeClr>
+                </a:solidFill>
+              </a:rPr>
+              <a:t>Performance Optimization</a:t>
+            </a:r>
+          </a:p>
+        </p:txBody>
+      </p:sp>
+      <p:sp>
+        <p:nvSpPr>
+          <p:cNvPr id="6" name="Rectangle: Rounded Corners 5">
+            <a:extLst>
+              <a:ext uri="{FF2B5EF4-FFF2-40B4-BE49-F238E27FC236}">
+                <a16:creationId xmlns:a16="http://schemas.microsoft.com/office/drawing/2014/main" id="{7B76B6EC-32BA-6B40-B2ED-18FB83D0A143}"/>
+              </a:ext>
+            </a:extLst>
+          </p:cNvPr>
+          <p:cNvSpPr/>
+          <p:nvPr/>
+        </p:nvSpPr>
+        <p:spPr>
+          <a:xfrm>
+            <a:off x="5736752" y="2980632"/>
+            <a:ext cx="1371600" cy="685800"/>
+          </a:xfrm>
+          <a:prstGeom prst="roundRect">
+            <a:avLst/>
+          </a:prstGeom>
+          <a:solidFill>
+            <a:schemeClr val="accent6"/>
+          </a:solidFill>
+          <a:ln>
+            <a:solidFill>
+              <a:schemeClr val="tx1"/>
+            </a:solidFill>
+          </a:ln>
+        </p:spPr>
+        <p:style>
+          <a:lnRef idx="2">
+            <a:schemeClr val="accent1">
+              <a:shade val="15000"/>
+            </a:schemeClr>
+          </a:lnRef>
+          <a:fillRef idx="1">
+            <a:schemeClr val="accent1"/>
+          </a:fillRef>
+          <a:effectRef idx="0">
+            <a:schemeClr val="accent1"/>
+          </a:effectRef>
+          <a:fontRef idx="minor">
+            <a:schemeClr val="lt1"/>
+          </a:fontRef>
+        </p:style>
+        <p:txBody>
+          <a:bodyPr rtlCol="0" anchor="ctr"/>
+          <a:lstStyle/>
+          <a:p>
+            <a:pPr algn="ctr"/>
+            <a:r>
+              <a:rPr lang="en-US" sz="1600" dirty="0"/>
+              <a:t>Plot</a:t>
+            </a:r>
+          </a:p>
+        </p:txBody>
+      </p:sp>
+      <p:sp>
+        <p:nvSpPr>
+          <p:cNvPr id="8" name="Rectangle: Rounded Corners 7">
+            <a:extLst>
+              <a:ext uri="{FF2B5EF4-FFF2-40B4-BE49-F238E27FC236}">
+                <a16:creationId xmlns:a16="http://schemas.microsoft.com/office/drawing/2014/main" id="{EE35A14F-A79E-C5D1-AC30-9D5741148D31}"/>
+              </a:ext>
+            </a:extLst>
+          </p:cNvPr>
+          <p:cNvSpPr/>
+          <p:nvPr/>
+        </p:nvSpPr>
+        <p:spPr>
+          <a:xfrm>
+            <a:off x="1620455" y="2523153"/>
+            <a:ext cx="1371600" cy="684767"/>
+          </a:xfrm>
+          <a:prstGeom prst="roundRect">
+            <a:avLst/>
+          </a:prstGeom>
+          <a:ln>
+            <a:solidFill>
+              <a:schemeClr val="tx1"/>
+            </a:solidFill>
+          </a:ln>
+        </p:spPr>
+        <p:style>
+          <a:lnRef idx="2">
+            <a:schemeClr val="accent1">
+              <a:shade val="15000"/>
+            </a:schemeClr>
+          </a:lnRef>
+          <a:fillRef idx="1">
+            <a:schemeClr val="accent1"/>
+          </a:fillRef>
+          <a:effectRef idx="0">
+            <a:schemeClr val="accent1"/>
+          </a:effectRef>
+          <a:fontRef idx="minor">
+            <a:schemeClr val="lt1"/>
+          </a:fontRef>
+        </p:style>
+        <p:txBody>
+          <a:bodyPr rtlCol="0" anchor="ctr"/>
+          <a:lstStyle/>
+          <a:p>
+            <a:pPr algn="ctr"/>
+            <a:r>
+              <a:rPr lang="en-US" sz="1600" dirty="0"/>
+              <a:t>Question</a:t>
+            </a:r>
+          </a:p>
+        </p:txBody>
+      </p:sp>
+      <p:sp>
+        <p:nvSpPr>
+          <p:cNvPr id="10" name="Rectangle: Rounded Corners 9">
+            <a:extLst>
+              <a:ext uri="{FF2B5EF4-FFF2-40B4-BE49-F238E27FC236}">
+                <a16:creationId xmlns:a16="http://schemas.microsoft.com/office/drawing/2014/main" id="{ADED161F-F310-1A0C-3DB7-63F5F930B0EB}"/>
+              </a:ext>
+            </a:extLst>
+          </p:cNvPr>
+          <p:cNvSpPr/>
+          <p:nvPr/>
+        </p:nvSpPr>
+        <p:spPr>
+          <a:xfrm>
+            <a:off x="1620455" y="3471771"/>
+            <a:ext cx="1371600" cy="684767"/>
+          </a:xfrm>
+          <a:prstGeom prst="roundRect">
+            <a:avLst/>
+          </a:prstGeom>
+          <a:ln>
+            <a:solidFill>
+              <a:schemeClr val="tx1"/>
+            </a:solidFill>
+          </a:ln>
+        </p:spPr>
+        <p:style>
+          <a:lnRef idx="2">
+            <a:schemeClr val="accent1">
+              <a:shade val="15000"/>
+            </a:schemeClr>
+          </a:lnRef>
+          <a:fillRef idx="1">
+            <a:schemeClr val="accent1"/>
+          </a:fillRef>
+          <a:effectRef idx="0">
+            <a:schemeClr val="accent1"/>
+          </a:effectRef>
+          <a:fontRef idx="minor">
+            <a:schemeClr val="lt1"/>
+          </a:fontRef>
+        </p:style>
+        <p:txBody>
+          <a:bodyPr rtlCol="0" anchor="ctr"/>
+          <a:lstStyle/>
+          <a:p>
+            <a:pPr algn="ctr"/>
+            <a:r>
+              <a:rPr lang="en-US" sz="1600" dirty="0"/>
+              <a:t>Filters</a:t>
+            </a:r>
+          </a:p>
+        </p:txBody>
+      </p:sp>
+      <p:cxnSp>
+        <p:nvCxnSpPr>
+          <p:cNvPr id="18" name="Straight Arrow Connector 17">
+            <a:extLst>
+              <a:ext uri="{FF2B5EF4-FFF2-40B4-BE49-F238E27FC236}">
+                <a16:creationId xmlns:a16="http://schemas.microsoft.com/office/drawing/2014/main" id="{4194D517-FDBE-910B-886E-EB743FC63B5C}"/>
+              </a:ext>
+            </a:extLst>
+          </p:cNvPr>
+          <p:cNvCxnSpPr>
+            <a:stCxn id="8" idx="3"/>
+            <a:endCxn id="30" idx="1"/>
+          </p:cNvCxnSpPr>
+          <p:nvPr/>
+        </p:nvCxnSpPr>
+        <p:spPr>
+          <a:xfrm>
+            <a:off x="2992055" y="2865537"/>
+            <a:ext cx="2529670" cy="442395"/>
+          </a:xfrm>
+          <a:prstGeom prst="straightConnector1">
+            <a:avLst/>
+          </a:prstGeom>
+          <a:ln>
+            <a:solidFill>
+              <a:schemeClr val="tx1"/>
+            </a:solidFill>
+            <a:tailEnd type="triangle"/>
+          </a:ln>
+        </p:spPr>
+        <p:style>
+          <a:lnRef idx="1">
+            <a:schemeClr val="accent1"/>
+          </a:lnRef>
+          <a:fillRef idx="0">
+            <a:schemeClr val="accent1"/>
+          </a:fillRef>
+          <a:effectRef idx="0">
+            <a:schemeClr val="accent1"/>
+          </a:effectRef>
+          <a:fontRef idx="minor">
+            <a:schemeClr val="tx1"/>
+          </a:fontRef>
+        </p:style>
+      </p:cxnSp>
+      <p:cxnSp>
+        <p:nvCxnSpPr>
+          <p:cNvPr id="20" name="Straight Arrow Connector 19">
+            <a:extLst>
+              <a:ext uri="{FF2B5EF4-FFF2-40B4-BE49-F238E27FC236}">
+                <a16:creationId xmlns:a16="http://schemas.microsoft.com/office/drawing/2014/main" id="{0D461109-5C74-A5C3-BB72-7D73F66FAFBA}"/>
+              </a:ext>
+            </a:extLst>
+          </p:cNvPr>
+          <p:cNvCxnSpPr>
+            <a:cxnSpLocks/>
+            <a:stCxn id="10" idx="3"/>
+            <a:endCxn id="30" idx="1"/>
+          </p:cNvCxnSpPr>
+          <p:nvPr/>
+        </p:nvCxnSpPr>
+        <p:spPr>
+          <a:xfrm flipV="1">
+            <a:off x="2992055" y="3307932"/>
+            <a:ext cx="2529670" cy="506223"/>
+          </a:xfrm>
+          <a:prstGeom prst="straightConnector1">
+            <a:avLst/>
+          </a:prstGeom>
+          <a:ln>
+            <a:solidFill>
+              <a:schemeClr val="tx1"/>
+            </a:solidFill>
+            <a:tailEnd type="triangle"/>
+          </a:ln>
+        </p:spPr>
+        <p:style>
+          <a:lnRef idx="1">
+            <a:schemeClr val="accent1"/>
+          </a:lnRef>
+          <a:fillRef idx="0">
+            <a:schemeClr val="accent1"/>
+          </a:fillRef>
+          <a:effectRef idx="0">
+            <a:schemeClr val="accent1"/>
+          </a:effectRef>
+          <a:fontRef idx="minor">
+            <a:schemeClr val="tx1"/>
+          </a:fontRef>
+        </p:style>
+      </p:cxnSp>
+    </p:spTree>
+    <p:extLst>
+      <p:ext uri="{BB962C8B-B14F-4D97-AF65-F5344CB8AC3E}">
+        <p14:creationId xmlns:p14="http://schemas.microsoft.com/office/powerpoint/2010/main" val="821382410"/>
+      </p:ext>
+    </p:extLst>
+  </p:cSld>
+  <p:clrMapOvr>
+    <a:masterClrMapping/>
+  </p:clrMapOvr>
+</p:sld>
+</file>
+
+<file path=ppt/slides/slide8.xml><?xml version="1.0" encoding="utf-8"?>
+<p:sld xmlns:a="http://schemas.openxmlformats.org/drawingml/2006/main" xmlns:r="http://schemas.openxmlformats.org/officeDocument/2006/relationships" xmlns:p="http://schemas.openxmlformats.org/presentationml/2006/main">
+  <p:cSld>
+    <p:spTree>
+      <p:nvGrpSpPr>
+        <p:cNvPr id="1" name="">
+          <a:extLst>
+            <a:ext uri="{FF2B5EF4-FFF2-40B4-BE49-F238E27FC236}">
+              <a16:creationId xmlns:a16="http://schemas.microsoft.com/office/drawing/2014/main" id="{B39CA353-30DD-4BE1-84F7-3053CCE5D227}"/>
+            </a:ext>
+          </a:extLst>
+        </p:cNvPr>
+        <p:cNvGrpSpPr/>
+        <p:nvPr/>
+      </p:nvGrpSpPr>
+      <p:grpSpPr>
+        <a:xfrm>
+          <a:off x="0" y="0"/>
+          <a:ext cx="0" cy="0"/>
+          <a:chOff x="0" y="0"/>
+          <a:chExt cx="0" cy="0"/>
+        </a:xfrm>
+      </p:grpSpPr>
+      <p:sp>
+        <p:nvSpPr>
+          <p:cNvPr id="30" name="Rectangle: Rounded Corners 29">
+            <a:extLst>
+              <a:ext uri="{FF2B5EF4-FFF2-40B4-BE49-F238E27FC236}">
+                <a16:creationId xmlns:a16="http://schemas.microsoft.com/office/drawing/2014/main" id="{DA587C00-9F9A-998C-4A2B-9DE103F4EC42}"/>
+              </a:ext>
+            </a:extLst>
+          </p:cNvPr>
+          <p:cNvSpPr/>
+          <p:nvPr/>
+        </p:nvSpPr>
+        <p:spPr>
+          <a:xfrm>
+            <a:off x="5521725" y="1910046"/>
+            <a:ext cx="1801654" cy="2795772"/>
+          </a:xfrm>
+          <a:prstGeom prst="roundRect">
+            <a:avLst/>
+          </a:prstGeom>
+          <a:solidFill>
+            <a:schemeClr val="accent6">
+              <a:alpha val="20000"/>
+            </a:schemeClr>
+          </a:solidFill>
+          <a:ln>
+            <a:solidFill>
+              <a:schemeClr val="tx1"/>
+            </a:solidFill>
+          </a:ln>
+        </p:spPr>
+        <p:style>
+          <a:lnRef idx="2">
+            <a:schemeClr val="accent1">
+              <a:shade val="15000"/>
+            </a:schemeClr>
+          </a:lnRef>
+          <a:fillRef idx="1">
+            <a:schemeClr val="accent1"/>
+          </a:fillRef>
+          <a:effectRef idx="0">
+            <a:schemeClr val="accent1"/>
+          </a:effectRef>
+          <a:fontRef idx="minor">
+            <a:schemeClr val="lt1"/>
+          </a:fontRef>
+        </p:style>
+        <p:txBody>
+          <a:bodyPr rtlCol="0" anchor="t" anchorCtr="0"/>
+          <a:lstStyle/>
+          <a:p>
+            <a:pPr algn="ctr"/>
+            <a:r>
+              <a:rPr lang="en-US" sz="2000" b="1" dirty="0">
+                <a:solidFill>
+                  <a:schemeClr val="tx1"/>
+                </a:solidFill>
+              </a:rPr>
+              <a:t>Output</a:t>
+            </a:r>
+          </a:p>
+        </p:txBody>
+      </p:sp>
+      <p:sp>
+        <p:nvSpPr>
+          <p:cNvPr id="21" name="Rectangle: Rounded Corners 20">
+            <a:extLst>
+              <a:ext uri="{FF2B5EF4-FFF2-40B4-BE49-F238E27FC236}">
+                <a16:creationId xmlns:a16="http://schemas.microsoft.com/office/drawing/2014/main" id="{2CE8BBF3-D2E6-0078-84BD-437D034F8B25}"/>
+              </a:ext>
+            </a:extLst>
+          </p:cNvPr>
+          <p:cNvSpPr/>
+          <p:nvPr/>
+        </p:nvSpPr>
+        <p:spPr>
+          <a:xfrm>
+            <a:off x="1408498" y="1910046"/>
+            <a:ext cx="1801654" cy="2795772"/>
+          </a:xfrm>
+          <a:prstGeom prst="roundRect">
+            <a:avLst/>
+          </a:prstGeom>
+          <a:solidFill>
+            <a:srgbClr val="4472C4">
+              <a:alpha val="20000"/>
+            </a:srgbClr>
+          </a:solidFill>
+          <a:ln>
+            <a:solidFill>
+              <a:schemeClr val="tx1"/>
+            </a:solidFill>
+          </a:ln>
+        </p:spPr>
+        <p:style>
+          <a:lnRef idx="2">
+            <a:schemeClr val="accent1">
+              <a:shade val="15000"/>
+            </a:schemeClr>
+          </a:lnRef>
+          <a:fillRef idx="1">
+            <a:schemeClr val="accent1"/>
+          </a:fillRef>
+          <a:effectRef idx="0">
+            <a:schemeClr val="accent1"/>
+          </a:effectRef>
+          <a:fontRef idx="minor">
+            <a:schemeClr val="lt1"/>
+          </a:fontRef>
+        </p:style>
+        <p:txBody>
+          <a:bodyPr rtlCol="0" anchor="t" anchorCtr="0"/>
+          <a:lstStyle/>
+          <a:p>
+            <a:pPr algn="ctr"/>
+            <a:r>
+              <a:rPr lang="en-US" sz="2000" b="1" dirty="0">
+                <a:solidFill>
+                  <a:schemeClr val="tx1"/>
+                </a:solidFill>
+              </a:rPr>
+              <a:t>Input</a:t>
+            </a:r>
+          </a:p>
+        </p:txBody>
+      </p:sp>
+      <p:sp>
+        <p:nvSpPr>
+          <p:cNvPr id="4" name="Title 1">
+            <a:extLst>
+              <a:ext uri="{FF2B5EF4-FFF2-40B4-BE49-F238E27FC236}">
+                <a16:creationId xmlns:a16="http://schemas.microsoft.com/office/drawing/2014/main" id="{E49E6081-ECE5-417B-AFF9-472C3415CBCB}"/>
+              </a:ext>
+            </a:extLst>
+          </p:cNvPr>
+          <p:cNvSpPr>
+            <a:spLocks noGrp="1"/>
+          </p:cNvSpPr>
+          <p:nvPr>
+            <p:ph type="title"/>
+          </p:nvPr>
+        </p:nvSpPr>
+        <p:spPr>
+          <a:xfrm>
+            <a:off x="628650" y="665667"/>
+            <a:ext cx="7886700" cy="678114"/>
+          </a:xfrm>
+        </p:spPr>
+        <p:txBody>
+          <a:bodyPr anchor="t">
+            <a:normAutofit/>
+          </a:bodyPr>
+          <a:lstStyle/>
+          <a:p>
+            <a:r>
+              <a:rPr lang="en-US" sz="3600" b="1" dirty="0"/>
+              <a:t>Application Development</a:t>
+            </a:r>
+          </a:p>
+        </p:txBody>
+      </p:sp>
+      <p:sp>
+        <p:nvSpPr>
+          <p:cNvPr id="5" name="Title 1">
+            <a:extLst>
+              <a:ext uri="{FF2B5EF4-FFF2-40B4-BE49-F238E27FC236}">
+                <a16:creationId xmlns:a16="http://schemas.microsoft.com/office/drawing/2014/main" id="{A8690F19-CCFF-2B58-84E3-BCDF2B5194A2}"/>
+              </a:ext>
+            </a:extLst>
+          </p:cNvPr>
+          <p:cNvSpPr txBox="1">
+            <a:spLocks/>
+          </p:cNvSpPr>
+          <p:nvPr/>
+        </p:nvSpPr>
+        <p:spPr>
+          <a:xfrm>
+            <a:off x="173252" y="1157124"/>
+            <a:ext cx="7886700" cy="3090258"/>
+          </a:xfrm>
+          <a:prstGeom prst="rect">
+            <a:avLst/>
+          </a:prstGeom>
+        </p:spPr>
+        <p:txBody>
+          <a:bodyPr vert="horz" lIns="91440" tIns="45720" rIns="91440" bIns="45720" rtlCol="0" anchor="t">
+            <a:normAutofit/>
+          </a:bodyPr>
+          <a:lstStyle>
+            <a:lvl1pPr algn="l" defTabSz="685800" rtl="0" eaLnBrk="1" latinLnBrk="0" hangingPunct="1">
+              <a:lnSpc>
+                <a:spcPct val="90000"/>
+              </a:lnSpc>
+              <a:spcBef>
+                <a:spcPct val="0"/>
+              </a:spcBef>
+              <a:buNone/>
+              <a:defRPr sz="4500" kern="1200">
+                <a:solidFill>
+                  <a:schemeClr val="tx1"/>
+                </a:solidFill>
+                <a:latin typeface="+mj-lt"/>
+                <a:ea typeface="+mj-ea"/>
+                <a:cs typeface="+mj-cs"/>
+              </a:defRPr>
+            </a:lvl1pPr>
+          </a:lstStyle>
+          <a:p>
+            <a:pPr marL="342900" indent="-342900">
+              <a:lnSpc>
+                <a:spcPct val="150000"/>
+              </a:lnSpc>
+              <a:buFont typeface="Arial" panose="020B0604020202020204" pitchFamily="34" charset="0"/>
+              <a:buChar char="•"/>
+            </a:pPr>
+            <a:endParaRPr lang="en-US" sz="2400" dirty="0">
+              <a:latin typeface="Calibri Light" panose="020F0302020204030204" pitchFamily="34" charset="0"/>
+              <a:ea typeface="Calibri Light" panose="020F0302020204030204" pitchFamily="34" charset="0"/>
+              <a:cs typeface="Calibri Light" panose="020F0302020204030204" pitchFamily="34" charset="0"/>
+            </a:endParaRPr>
+          </a:p>
+          <a:p>
+            <a:pPr marL="800100" lvl="1" indent="-342900">
+              <a:lnSpc>
+                <a:spcPct val="150000"/>
+              </a:lnSpc>
+              <a:buFont typeface="Arial" panose="020B0604020202020204" pitchFamily="34" charset="0"/>
+              <a:buChar char="•"/>
+            </a:pPr>
+            <a:endParaRPr lang="en-US" sz="2000" dirty="0">
+              <a:latin typeface="Calibri Light" panose="020F0302020204030204" pitchFamily="34" charset="0"/>
+              <a:ea typeface="Calibri Light" panose="020F0302020204030204" pitchFamily="34" charset="0"/>
+              <a:cs typeface="Calibri Light" panose="020F0302020204030204" pitchFamily="34" charset="0"/>
+            </a:endParaRPr>
+          </a:p>
+        </p:txBody>
+      </p:sp>
+      <p:sp>
+        <p:nvSpPr>
+          <p:cNvPr id="2" name="Title 1">
+            <a:extLst>
+              <a:ext uri="{FF2B5EF4-FFF2-40B4-BE49-F238E27FC236}">
+                <a16:creationId xmlns:a16="http://schemas.microsoft.com/office/drawing/2014/main" id="{8C27F60C-2648-2530-1BCA-3D5148E98815}"/>
+              </a:ext>
+            </a:extLst>
+          </p:cNvPr>
+          <p:cNvSpPr txBox="1">
+            <a:spLocks/>
+          </p:cNvSpPr>
+          <p:nvPr/>
+        </p:nvSpPr>
+        <p:spPr>
+          <a:xfrm>
+            <a:off x="628650" y="1157124"/>
+            <a:ext cx="7886700" cy="447315"/>
+          </a:xfrm>
+          <a:prstGeom prst="rect">
+            <a:avLst/>
+          </a:prstGeom>
+        </p:spPr>
+        <p:txBody>
+          <a:bodyPr vert="horz" lIns="91440" tIns="45720" rIns="91440" bIns="45720" rtlCol="0" anchor="t">
+            <a:normAutofit/>
+          </a:bodyPr>
+          <a:lstStyle>
+            <a:lvl1pPr algn="l" defTabSz="685800" rtl="0" eaLnBrk="1" latinLnBrk="0" hangingPunct="1">
+              <a:lnSpc>
+                <a:spcPct val="90000"/>
+              </a:lnSpc>
+              <a:spcBef>
+                <a:spcPct val="0"/>
+              </a:spcBef>
+              <a:buNone/>
+              <a:defRPr sz="4500" kern="1200">
+                <a:solidFill>
+                  <a:schemeClr val="tx1"/>
+                </a:solidFill>
+                <a:latin typeface="+mj-lt"/>
+                <a:ea typeface="+mj-ea"/>
+                <a:cs typeface="+mj-cs"/>
+              </a:defRPr>
+            </a:lvl1pPr>
+          </a:lstStyle>
+          <a:p>
+            <a:r>
+              <a:rPr lang="en-US" sz="2400" b="1" dirty="0">
+                <a:solidFill>
+                  <a:schemeClr val="tx1">
+                    <a:lumMod val="65000"/>
+                    <a:lumOff val="35000"/>
+                  </a:schemeClr>
+                </a:solidFill>
+              </a:rPr>
+              <a:t>Performance Optimization</a:t>
+            </a:r>
+          </a:p>
+        </p:txBody>
+      </p:sp>
+      <p:sp>
+        <p:nvSpPr>
+          <p:cNvPr id="6" name="Rectangle: Rounded Corners 5">
+            <a:extLst>
+              <a:ext uri="{FF2B5EF4-FFF2-40B4-BE49-F238E27FC236}">
+                <a16:creationId xmlns:a16="http://schemas.microsoft.com/office/drawing/2014/main" id="{23AFB7AC-9D94-44BC-3EC7-CC2274FEB7B5}"/>
+              </a:ext>
+            </a:extLst>
+          </p:cNvPr>
+          <p:cNvSpPr/>
+          <p:nvPr/>
+        </p:nvSpPr>
+        <p:spPr>
+          <a:xfrm>
+            <a:off x="5736752" y="2980632"/>
+            <a:ext cx="1371600" cy="685800"/>
+          </a:xfrm>
+          <a:prstGeom prst="roundRect">
+            <a:avLst/>
+          </a:prstGeom>
+          <a:solidFill>
+            <a:schemeClr val="accent6"/>
+          </a:solidFill>
+          <a:ln>
+            <a:solidFill>
+              <a:schemeClr val="tx1"/>
+            </a:solidFill>
+          </a:ln>
+        </p:spPr>
+        <p:style>
+          <a:lnRef idx="2">
+            <a:schemeClr val="accent1">
+              <a:shade val="15000"/>
+            </a:schemeClr>
+          </a:lnRef>
+          <a:fillRef idx="1">
+            <a:schemeClr val="accent1"/>
+          </a:fillRef>
+          <a:effectRef idx="0">
+            <a:schemeClr val="accent1"/>
+          </a:effectRef>
+          <a:fontRef idx="minor">
+            <a:schemeClr val="lt1"/>
+          </a:fontRef>
+        </p:style>
+        <p:txBody>
+          <a:bodyPr rtlCol="0" anchor="ctr"/>
+          <a:lstStyle/>
+          <a:p>
+            <a:pPr algn="ctr"/>
+            <a:r>
+              <a:rPr lang="en-US" sz="1600" dirty="0"/>
+              <a:t>Plot</a:t>
+            </a:r>
+          </a:p>
+        </p:txBody>
+      </p:sp>
+      <p:sp>
+        <p:nvSpPr>
+          <p:cNvPr id="8" name="Rectangle: Rounded Corners 7">
+            <a:extLst>
+              <a:ext uri="{FF2B5EF4-FFF2-40B4-BE49-F238E27FC236}">
+                <a16:creationId xmlns:a16="http://schemas.microsoft.com/office/drawing/2014/main" id="{E2F1B646-35CE-5246-89F8-2F8F1A62724C}"/>
+              </a:ext>
+            </a:extLst>
+          </p:cNvPr>
+          <p:cNvSpPr/>
+          <p:nvPr/>
+        </p:nvSpPr>
+        <p:spPr>
+          <a:xfrm>
+            <a:off x="1620455" y="2523153"/>
+            <a:ext cx="1371600" cy="684767"/>
+          </a:xfrm>
+          <a:prstGeom prst="roundRect">
+            <a:avLst/>
+          </a:prstGeom>
+          <a:ln>
+            <a:solidFill>
+              <a:schemeClr val="tx1"/>
+            </a:solidFill>
+          </a:ln>
+        </p:spPr>
+        <p:style>
+          <a:lnRef idx="2">
+            <a:schemeClr val="accent1">
+              <a:shade val="15000"/>
+            </a:schemeClr>
+          </a:lnRef>
+          <a:fillRef idx="1">
+            <a:schemeClr val="accent1"/>
+          </a:fillRef>
+          <a:effectRef idx="0">
+            <a:schemeClr val="accent1"/>
+          </a:effectRef>
+          <a:fontRef idx="minor">
+            <a:schemeClr val="lt1"/>
+          </a:fontRef>
+        </p:style>
+        <p:txBody>
+          <a:bodyPr rtlCol="0" anchor="ctr"/>
+          <a:lstStyle/>
+          <a:p>
+            <a:pPr algn="ctr"/>
+            <a:r>
+              <a:rPr lang="en-US" sz="1600" dirty="0"/>
+              <a:t>Question</a:t>
+            </a:r>
+          </a:p>
+        </p:txBody>
+      </p:sp>
+      <p:sp>
+        <p:nvSpPr>
+          <p:cNvPr id="10" name="Rectangle: Rounded Corners 9">
+            <a:extLst>
+              <a:ext uri="{FF2B5EF4-FFF2-40B4-BE49-F238E27FC236}">
+                <a16:creationId xmlns:a16="http://schemas.microsoft.com/office/drawing/2014/main" id="{4D0BE009-94E1-4447-1F4D-CA79D86B04A8}"/>
+              </a:ext>
+            </a:extLst>
+          </p:cNvPr>
+          <p:cNvSpPr/>
+          <p:nvPr/>
+        </p:nvSpPr>
+        <p:spPr>
+          <a:xfrm>
+            <a:off x="1620455" y="3471771"/>
+            <a:ext cx="1371600" cy="684767"/>
+          </a:xfrm>
+          <a:prstGeom prst="roundRect">
+            <a:avLst/>
+          </a:prstGeom>
+          <a:ln>
+            <a:solidFill>
+              <a:schemeClr val="tx1"/>
+            </a:solidFill>
+          </a:ln>
+        </p:spPr>
+        <p:style>
+          <a:lnRef idx="2">
+            <a:schemeClr val="accent1">
+              <a:shade val="15000"/>
+            </a:schemeClr>
+          </a:lnRef>
+          <a:fillRef idx="1">
+            <a:schemeClr val="accent1"/>
+          </a:fillRef>
+          <a:effectRef idx="0">
+            <a:schemeClr val="accent1"/>
+          </a:effectRef>
+          <a:fontRef idx="minor">
+            <a:schemeClr val="lt1"/>
+          </a:fontRef>
+        </p:style>
+        <p:txBody>
+          <a:bodyPr rtlCol="0" anchor="ctr"/>
+          <a:lstStyle/>
+          <a:p>
+            <a:pPr algn="ctr"/>
+            <a:r>
+              <a:rPr lang="en-US" sz="1600" dirty="0"/>
+              <a:t>Filters</a:t>
+            </a:r>
+          </a:p>
+        </p:txBody>
+      </p:sp>
+      <p:sp>
+        <p:nvSpPr>
+          <p:cNvPr id="3" name="Rectangle: Rounded Corners 2">
+            <a:extLst>
+              <a:ext uri="{FF2B5EF4-FFF2-40B4-BE49-F238E27FC236}">
+                <a16:creationId xmlns:a16="http://schemas.microsoft.com/office/drawing/2014/main" id="{19B4D241-533A-18F6-8669-4A8378F9B0B0}"/>
+              </a:ext>
+            </a:extLst>
+          </p:cNvPr>
+          <p:cNvSpPr/>
+          <p:nvPr/>
+        </p:nvSpPr>
+        <p:spPr>
+          <a:xfrm>
+            <a:off x="3680138" y="2965548"/>
+            <a:ext cx="1371600" cy="684767"/>
+          </a:xfrm>
+          <a:prstGeom prst="roundRect">
+            <a:avLst/>
+          </a:prstGeom>
+          <a:solidFill>
+            <a:schemeClr val="tx1">
+              <a:lumMod val="50000"/>
+              <a:lumOff val="50000"/>
+            </a:schemeClr>
+          </a:solidFill>
+          <a:ln>
+            <a:solidFill>
+              <a:schemeClr val="tx1"/>
+            </a:solidFill>
+          </a:ln>
+        </p:spPr>
+        <p:style>
+          <a:lnRef idx="2">
+            <a:schemeClr val="accent1">
+              <a:shade val="15000"/>
+            </a:schemeClr>
+          </a:lnRef>
+          <a:fillRef idx="1">
+            <a:schemeClr val="accent1"/>
+          </a:fillRef>
+          <a:effectRef idx="0">
+            <a:schemeClr val="accent1"/>
+          </a:effectRef>
+          <a:fontRef idx="minor">
+            <a:schemeClr val="lt1"/>
+          </a:fontRef>
+        </p:style>
+        <p:txBody>
+          <a:bodyPr rtlCol="0" anchor="ctr"/>
+          <a:lstStyle/>
+          <a:p>
+            <a:pPr algn="ctr"/>
+            <a:r>
+              <a:rPr lang="en-US" sz="1600" dirty="0"/>
+              <a:t>Button</a:t>
+            </a:r>
+          </a:p>
+        </p:txBody>
+      </p:sp>
+      <p:cxnSp>
+        <p:nvCxnSpPr>
+          <p:cNvPr id="9" name="Straight Arrow Connector 8">
+            <a:extLst>
+              <a:ext uri="{FF2B5EF4-FFF2-40B4-BE49-F238E27FC236}">
+                <a16:creationId xmlns:a16="http://schemas.microsoft.com/office/drawing/2014/main" id="{E8C92DA0-A45F-25A0-0725-CEC02EFBD6BC}"/>
+              </a:ext>
+            </a:extLst>
+          </p:cNvPr>
+          <p:cNvCxnSpPr>
+            <a:cxnSpLocks/>
+            <a:stCxn id="21" idx="3"/>
+            <a:endCxn id="3" idx="1"/>
+          </p:cNvCxnSpPr>
+          <p:nvPr/>
+        </p:nvCxnSpPr>
+        <p:spPr>
+          <a:xfrm>
+            <a:off x="3210152" y="3307932"/>
+            <a:ext cx="469986" cy="0"/>
+          </a:xfrm>
+          <a:prstGeom prst="straightConnector1">
+            <a:avLst/>
+          </a:prstGeom>
+          <a:ln>
+            <a:solidFill>
+              <a:schemeClr val="tx1"/>
+            </a:solidFill>
+            <a:tailEnd type="triangle"/>
+          </a:ln>
+        </p:spPr>
+        <p:style>
+          <a:lnRef idx="1">
+            <a:schemeClr val="accent1"/>
+          </a:lnRef>
+          <a:fillRef idx="0">
+            <a:schemeClr val="accent1"/>
+          </a:fillRef>
+          <a:effectRef idx="0">
+            <a:schemeClr val="accent1"/>
+          </a:effectRef>
+          <a:fontRef idx="minor">
+            <a:schemeClr val="tx1"/>
+          </a:fontRef>
+        </p:style>
+      </p:cxnSp>
+      <p:cxnSp>
+        <p:nvCxnSpPr>
+          <p:cNvPr id="12" name="Straight Arrow Connector 11">
+            <a:extLst>
+              <a:ext uri="{FF2B5EF4-FFF2-40B4-BE49-F238E27FC236}">
+                <a16:creationId xmlns:a16="http://schemas.microsoft.com/office/drawing/2014/main" id="{2296E37E-456B-F5F6-AA23-4EFCEDB9BD51}"/>
+              </a:ext>
+            </a:extLst>
+          </p:cNvPr>
+          <p:cNvCxnSpPr>
+            <a:cxnSpLocks/>
+            <a:stCxn id="3" idx="3"/>
+            <a:endCxn id="30" idx="1"/>
+          </p:cNvCxnSpPr>
+          <p:nvPr/>
+        </p:nvCxnSpPr>
+        <p:spPr>
+          <a:xfrm>
+            <a:off x="5051738" y="3307932"/>
+            <a:ext cx="469987" cy="0"/>
+          </a:xfrm>
+          <a:prstGeom prst="straightConnector1">
+            <a:avLst/>
+          </a:prstGeom>
+          <a:ln>
+            <a:solidFill>
+              <a:schemeClr val="tx1"/>
+            </a:solidFill>
+            <a:tailEnd type="triangle"/>
+          </a:ln>
+        </p:spPr>
+        <p:style>
+          <a:lnRef idx="1">
+            <a:schemeClr val="accent1"/>
+          </a:lnRef>
+          <a:fillRef idx="0">
+            <a:schemeClr val="accent1"/>
+          </a:fillRef>
+          <a:effectRef idx="0">
+            <a:schemeClr val="accent1"/>
+          </a:effectRef>
+          <a:fontRef idx="minor">
+            <a:schemeClr val="tx1"/>
+          </a:fontRef>
+        </p:style>
+      </p:cxnSp>
+    </p:spTree>
+    <p:extLst>
+      <p:ext uri="{BB962C8B-B14F-4D97-AF65-F5344CB8AC3E}">
+        <p14:creationId xmlns:p14="http://schemas.microsoft.com/office/powerpoint/2010/main" val="3701743864"/>
+      </p:ext>
+    </p:extLst>
+  </p:cSld>
+  <p:clrMapOvr>
+    <a:masterClrMapping/>
+  </p:clrMapOvr>
+</p:sld>
+</file>
+
+<file path=ppt/slides/slide9.xml><?xml version="1.0" encoding="utf-8"?>
+<p:sld xmlns:a="http://schemas.openxmlformats.org/drawingml/2006/main" xmlns:r="http://schemas.openxmlformats.org/officeDocument/2006/relationships" xmlns:p="http://schemas.openxmlformats.org/presentationml/2006/main">
+  <p:cSld>
+    <p:spTree>
+      <p:nvGrpSpPr>
+        <p:cNvPr id="1" name="">
+          <a:extLst>
+            <a:ext uri="{FF2B5EF4-FFF2-40B4-BE49-F238E27FC236}">
+              <a16:creationId xmlns:a16="http://schemas.microsoft.com/office/drawing/2014/main" id="{6B3019D5-E445-EDC7-293C-E29AA8F42134}"/>
+            </a:ext>
+          </a:extLst>
+        </p:cNvPr>
+        <p:cNvGrpSpPr/>
+        <p:nvPr/>
+      </p:nvGrpSpPr>
+      <p:grpSpPr>
+        <a:xfrm>
+          <a:off x="0" y="0"/>
+          <a:ext cx="0" cy="0"/>
+          <a:chOff x="0" y="0"/>
+          <a:chExt cx="0" cy="0"/>
+        </a:xfrm>
+      </p:grpSpPr>
+      <p:sp>
+        <p:nvSpPr>
+          <p:cNvPr id="2" name="Title 1">
+            <a:extLst>
+              <a:ext uri="{FF2B5EF4-FFF2-40B4-BE49-F238E27FC236}">
+                <a16:creationId xmlns:a16="http://schemas.microsoft.com/office/drawing/2014/main" id="{2ADCD6EE-2EBE-EDE3-34DA-6D980D2D19FC}"/>
+              </a:ext>
+            </a:extLst>
+          </p:cNvPr>
+          <p:cNvSpPr>
+            <a:spLocks noGrp="1"/>
+          </p:cNvSpPr>
+          <p:nvPr>
+            <p:ph type="title"/>
+          </p:nvPr>
+        </p:nvSpPr>
+        <p:spPr>
+          <a:xfrm>
+            <a:off x="623888" y="2232693"/>
+            <a:ext cx="7886700" cy="678114"/>
+          </a:xfrm>
+        </p:spPr>
+        <p:txBody>
+          <a:bodyPr anchor="t">
+            <a:normAutofit/>
+          </a:bodyPr>
+          <a:lstStyle/>
+          <a:p>
+            <a:r>
+              <a:rPr lang="en-US" sz="4000" b="1" dirty="0"/>
+              <a:t>Application Demonstration</a:t>
+            </a:r>
+          </a:p>
+        </p:txBody>
+      </p:sp>
+    </p:spTree>
+    <p:extLst>
+      <p:ext uri="{BB962C8B-B14F-4D97-AF65-F5344CB8AC3E}">
+        <p14:creationId xmlns:p14="http://schemas.microsoft.com/office/powerpoint/2010/main" val="941612015"/>
       </p:ext>
     </p:extLst>
   </p:cSld>
@@ -11549,4 +13539,319 @@
     </a:ext>
   </a:extLst>
 </a:theme>
+</file>
+
+<file path=ppt/theme/theme2.xml><?xml version="1.0" encoding="utf-8"?>
+<a:theme xmlns:a="http://schemas.openxmlformats.org/drawingml/2006/main" name="Office Theme">
+  <a:themeElements>
+    <a:clrScheme name="Office">
+      <a:dk1>
+        <a:sysClr val="windowText" lastClr="000000"/>
+      </a:dk1>
+      <a:lt1>
+        <a:sysClr val="window" lastClr="FFFFFF"/>
+      </a:lt1>
+      <a:dk2>
+        <a:srgbClr val="0E2841"/>
+      </a:dk2>
+      <a:lt2>
+        <a:srgbClr val="E8E8E8"/>
+      </a:lt2>
+      <a:accent1>
+        <a:srgbClr val="156082"/>
+      </a:accent1>
+      <a:accent2>
+        <a:srgbClr val="E97132"/>
+      </a:accent2>
+      <a:accent3>
+        <a:srgbClr val="196B24"/>
+      </a:accent3>
+      <a:accent4>
+        <a:srgbClr val="0F9ED5"/>
+      </a:accent4>
+      <a:accent5>
+        <a:srgbClr val="A02B93"/>
+      </a:accent5>
+      <a:accent6>
+        <a:srgbClr val="4EA72E"/>
+      </a:accent6>
+      <a:hlink>
+        <a:srgbClr val="467886"/>
+      </a:hlink>
+      <a:folHlink>
+        <a:srgbClr val="96607D"/>
+      </a:folHlink>
+    </a:clrScheme>
+    <a:fontScheme name="Office">
+      <a:majorFont>
+        <a:latin typeface="Aptos Display" panose="02110004020202020204"/>
+        <a:ea typeface=""/>
+        <a:cs typeface=""/>
+        <a:font script="Jpan" typeface="游ゴシック Light"/>
+        <a:font script="Hang" typeface="맑은 고딕"/>
+        <a:font script="Hans" typeface="等线 Light"/>
+        <a:font script="Hant" typeface="新細明體"/>
+        <a:font script="Arab" typeface="Times New Roman"/>
+        <a:font script="Hebr" typeface="Times New Roman"/>
+        <a:font script="Thai" typeface="Angsana New"/>
+        <a:font script="Ethi" typeface="Nyala"/>
+        <a:font script="Beng" typeface="Vrinda"/>
+        <a:font script="Gujr" typeface="Shruti"/>
+        <a:font script="Khmr" typeface="MoolBoran"/>
+        <a:font script="Knda" typeface="Tunga"/>
+        <a:font script="Guru" typeface="Raavi"/>
+        <a:font script="Cans" typeface="Euphemia"/>
+        <a:font script="Cher" typeface="Plantagenet Cherokee"/>
+        <a:font script="Yiii" typeface="Microsoft Yi Baiti"/>
+        <a:font script="Tibt" typeface="Microsoft Himalaya"/>
+        <a:font script="Thaa" typeface="MV Boli"/>
+        <a:font script="Deva" typeface="Mangal"/>
+        <a:font script="Telu" typeface="Gautami"/>
+        <a:font script="Taml" typeface="Latha"/>
+        <a:font script="Syrc" typeface="Estrangelo Edessa"/>
+        <a:font script="Orya" typeface="Kalinga"/>
+        <a:font script="Mlym" typeface="Kartika"/>
+        <a:font script="Laoo" typeface="DokChampa"/>
+        <a:font script="Sinh" typeface="Iskoola Pota"/>
+        <a:font script="Mong" typeface="Mongolian Baiti"/>
+        <a:font script="Viet" typeface="Times New Roman"/>
+        <a:font script="Uigh" typeface="Microsoft Uighur"/>
+        <a:font script="Geor" typeface="Sylfaen"/>
+        <a:font script="Armn" typeface="Arial"/>
+        <a:font script="Bugi" typeface="Leelawadee UI"/>
+        <a:font script="Bopo" typeface="Microsoft JhengHei"/>
+        <a:font script="Java" typeface="Javanese Text"/>
+        <a:font script="Lisu" typeface="Segoe UI"/>
+        <a:font script="Mymr" typeface="Myanmar Text"/>
+        <a:font script="Nkoo" typeface="Ebrima"/>
+        <a:font script="Olck" typeface="Nirmala UI"/>
+        <a:font script="Osma" typeface="Ebrima"/>
+        <a:font script="Phag" typeface="Phagspa"/>
+        <a:font script="Syrn" typeface="Estrangelo Edessa"/>
+        <a:font script="Syrj" typeface="Estrangelo Edessa"/>
+        <a:font script="Syre" typeface="Estrangelo Edessa"/>
+        <a:font script="Sora" typeface="Nirmala UI"/>
+        <a:font script="Tale" typeface="Microsoft Tai Le"/>
+        <a:font script="Talu" typeface="Microsoft New Tai Lue"/>
+        <a:font script="Tfng" typeface="Ebrima"/>
+      </a:majorFont>
+      <a:minorFont>
+        <a:latin typeface="Aptos" panose="02110004020202020204"/>
+        <a:ea typeface=""/>
+        <a:cs typeface=""/>
+        <a:font script="Jpan" typeface="游ゴシック"/>
+        <a:font script="Hang" typeface="맑은 고딕"/>
+        <a:font script="Hans" typeface="等线"/>
+        <a:font script="Hant" typeface="新細明體"/>
+        <a:font script="Arab" typeface="Arial"/>
+        <a:font script="Hebr" typeface="Arial"/>
+        <a:font script="Thai" typeface="Cordia New"/>
+        <a:font script="Ethi" typeface="Nyala"/>
+        <a:font script="Beng" typeface="Vrinda"/>
+        <a:font script="Gujr" typeface="Shruti"/>
+        <a:font script="Khmr" typeface="DaunPenh"/>
+        <a:font script="Knda" typeface="Tunga"/>
+        <a:font script="Guru" typeface="Raavi"/>
+        <a:font script="Cans" typeface="Euphemia"/>
+        <a:font script="Cher" typeface="Plantagenet Cherokee"/>
+        <a:font script="Yiii" typeface="Microsoft Yi Baiti"/>
+        <a:font script="Tibt" typeface="Microsoft Himalaya"/>
+        <a:font script="Thaa" typeface="MV Boli"/>
+        <a:font script="Deva" typeface="Mangal"/>
+        <a:font script="Telu" typeface="Gautami"/>
+        <a:font script="Taml" typeface="Latha"/>
+        <a:font script="Syrc" typeface="Estrangelo Edessa"/>
+        <a:font script="Orya" typeface="Kalinga"/>
+        <a:font script="Mlym" typeface="Kartika"/>
+        <a:font script="Laoo" typeface="DokChampa"/>
+        <a:font script="Sinh" typeface="Iskoola Pota"/>
+        <a:font script="Mong" typeface="Mongolian Baiti"/>
+        <a:font script="Viet" typeface="Arial"/>
+        <a:font script="Uigh" typeface="Microsoft Uighur"/>
+        <a:font script="Geor" typeface="Sylfaen"/>
+        <a:font script="Armn" typeface="Arial"/>
+        <a:font script="Bugi" typeface="Leelawadee UI"/>
+        <a:font script="Bopo" typeface="Microsoft JhengHei"/>
+        <a:font script="Java" typeface="Javanese Text"/>
+        <a:font script="Lisu" typeface="Segoe UI"/>
+        <a:font script="Mymr" typeface="Myanmar Text"/>
+        <a:font script="Nkoo" typeface="Ebrima"/>
+        <a:font script="Olck" typeface="Nirmala UI"/>
+        <a:font script="Osma" typeface="Ebrima"/>
+        <a:font script="Phag" typeface="Phagspa"/>
+        <a:font script="Syrn" typeface="Estrangelo Edessa"/>
+        <a:font script="Syrj" typeface="Estrangelo Edessa"/>
+        <a:font script="Syre" typeface="Estrangelo Edessa"/>
+        <a:font script="Sora" typeface="Nirmala UI"/>
+        <a:font script="Tale" typeface="Microsoft Tai Le"/>
+        <a:font script="Talu" typeface="Microsoft New Tai Lue"/>
+        <a:font script="Tfng" typeface="Ebrima"/>
+      </a:minorFont>
+    </a:fontScheme>
+    <a:fmtScheme name="Office">
+      <a:fillStyleLst>
+        <a:solidFill>
+          <a:schemeClr val="phClr"/>
+        </a:solidFill>
+        <a:gradFill rotWithShape="1">
+          <a:gsLst>
+            <a:gs pos="0">
+              <a:schemeClr val="phClr">
+                <a:lumMod val="110000"/>
+                <a:satMod val="105000"/>
+                <a:tint val="67000"/>
+              </a:schemeClr>
+            </a:gs>
+            <a:gs pos="50000">
+              <a:schemeClr val="phClr">
+                <a:lumMod val="105000"/>
+                <a:satMod val="103000"/>
+                <a:tint val="73000"/>
+              </a:schemeClr>
+            </a:gs>
+            <a:gs pos="100000">
+              <a:schemeClr val="phClr">
+                <a:lumMod val="105000"/>
+                <a:satMod val="109000"/>
+                <a:tint val="81000"/>
+              </a:schemeClr>
+            </a:gs>
+          </a:gsLst>
+          <a:lin ang="5400000" scaled="0"/>
+        </a:gradFill>
+        <a:gradFill rotWithShape="1">
+          <a:gsLst>
+            <a:gs pos="0">
+              <a:schemeClr val="phClr">
+                <a:satMod val="103000"/>
+                <a:lumMod val="102000"/>
+                <a:tint val="94000"/>
+              </a:schemeClr>
+            </a:gs>
+            <a:gs pos="50000">
+              <a:schemeClr val="phClr">
+                <a:satMod val="110000"/>
+                <a:lumMod val="100000"/>
+                <a:shade val="100000"/>
+              </a:schemeClr>
+            </a:gs>
+            <a:gs pos="100000">
+              <a:schemeClr val="phClr">
+                <a:lumMod val="99000"/>
+                <a:satMod val="120000"/>
+                <a:shade val="78000"/>
+              </a:schemeClr>
+            </a:gs>
+          </a:gsLst>
+          <a:lin ang="5400000" scaled="0"/>
+        </a:gradFill>
+      </a:fillStyleLst>
+      <a:lnStyleLst>
+        <a:ln w="12700" cap="flat" cmpd="sng" algn="ctr">
+          <a:solidFill>
+            <a:schemeClr val="phClr"/>
+          </a:solidFill>
+          <a:prstDash val="solid"/>
+          <a:miter lim="800000"/>
+        </a:ln>
+        <a:ln w="19050" cap="flat" cmpd="sng" algn="ctr">
+          <a:solidFill>
+            <a:schemeClr val="phClr"/>
+          </a:solidFill>
+          <a:prstDash val="solid"/>
+          <a:miter lim="800000"/>
+        </a:ln>
+        <a:ln w="25400" cap="flat" cmpd="sng" algn="ctr">
+          <a:solidFill>
+            <a:schemeClr val="phClr"/>
+          </a:solidFill>
+          <a:prstDash val="solid"/>
+          <a:miter lim="800000"/>
+        </a:ln>
+      </a:lnStyleLst>
+      <a:effectStyleLst>
+        <a:effectStyle>
+          <a:effectLst/>
+        </a:effectStyle>
+        <a:effectStyle>
+          <a:effectLst/>
+        </a:effectStyle>
+        <a:effectStyle>
+          <a:effectLst>
+            <a:outerShdw blurRad="57150" dist="19050" dir="5400000" algn="ctr" rotWithShape="0">
+              <a:srgbClr val="000000">
+                <a:alpha val="63000"/>
+              </a:srgbClr>
+            </a:outerShdw>
+          </a:effectLst>
+        </a:effectStyle>
+      </a:effectStyleLst>
+      <a:bgFillStyleLst>
+        <a:solidFill>
+          <a:schemeClr val="phClr"/>
+        </a:solidFill>
+        <a:solidFill>
+          <a:schemeClr val="phClr">
+            <a:tint val="95000"/>
+            <a:satMod val="170000"/>
+          </a:schemeClr>
+        </a:solidFill>
+        <a:gradFill rotWithShape="1">
+          <a:gsLst>
+            <a:gs pos="0">
+              <a:schemeClr val="phClr">
+                <a:tint val="93000"/>
+                <a:satMod val="150000"/>
+                <a:shade val="98000"/>
+                <a:lumMod val="102000"/>
+              </a:schemeClr>
+            </a:gs>
+            <a:gs pos="50000">
+              <a:schemeClr val="phClr">
+                <a:tint val="98000"/>
+                <a:satMod val="130000"/>
+                <a:shade val="90000"/>
+                <a:lumMod val="103000"/>
+              </a:schemeClr>
+            </a:gs>
+            <a:gs pos="100000">
+              <a:schemeClr val="phClr">
+                <a:shade val="63000"/>
+                <a:satMod val="120000"/>
+              </a:schemeClr>
+            </a:gs>
+          </a:gsLst>
+          <a:lin ang="5400000" scaled="0"/>
+        </a:gradFill>
+      </a:bgFillStyleLst>
+    </a:fmtScheme>
+  </a:themeElements>
+  <a:objectDefaults>
+    <a:lnDef>
+      <a:spPr/>
+      <a:bodyPr/>
+      <a:lstStyle/>
+      <a:style>
+        <a:lnRef idx="2">
+          <a:schemeClr val="accent1"/>
+        </a:lnRef>
+        <a:fillRef idx="0">
+          <a:schemeClr val="accent1"/>
+        </a:fillRef>
+        <a:effectRef idx="1">
+          <a:schemeClr val="accent1"/>
+        </a:effectRef>
+        <a:fontRef idx="minor">
+          <a:schemeClr val="tx1"/>
+        </a:fontRef>
+      </a:style>
+    </a:lnDef>
+  </a:objectDefaults>
+  <a:extraClrSchemeLst/>
+  <a:extLst>
+    <a:ext uri="{05A4C25C-085E-4340-85A3-A5531E510DB2}">
+      <thm15:themeFamily xmlns:thm15="http://schemas.microsoft.com/office/thememl/2012/main" name="Office Theme" id="{2E142A2C-CD16-42D6-873A-C26D2A0506FA}" vid="{1BDDFF52-6CD6-40A5-AB3C-68EB2F1E4D0A}"/>
+    </a:ext>
+  </a:extLst>
+</a:theme>
 </file>
--- a/Presentation.pptx
+++ b/Presentation.pptx
@@ -5,7 +5,7 @@
     <p:sldMasterId id="2147483660" r:id="rId1"/>
   </p:sldMasterIdLst>
   <p:notesMasterIdLst>
-    <p:notesMasterId r:id="rId15"/>
+    <p:notesMasterId r:id="rId14"/>
   </p:notesMasterIdLst>
   <p:sldIdLst>
     <p:sldId id="256" r:id="rId2"/>
@@ -16,11 +16,10 @@
     <p:sldId id="259" r:id="rId7"/>
     <p:sldId id="273" r:id="rId8"/>
     <p:sldId id="274" r:id="rId9"/>
-    <p:sldId id="260" r:id="rId10"/>
-    <p:sldId id="264" r:id="rId11"/>
-    <p:sldId id="270" r:id="rId12"/>
-    <p:sldId id="267" r:id="rId13"/>
-    <p:sldId id="268" r:id="rId14"/>
+    <p:sldId id="264" r:id="rId10"/>
+    <p:sldId id="270" r:id="rId11"/>
+    <p:sldId id="267" r:id="rId12"/>
+    <p:sldId id="268" r:id="rId13"/>
   </p:sldIdLst>
   <p:sldSz cx="9144000" cy="5143500" type="screen16x9"/>
   <p:notesSz cx="6858000" cy="9144000"/>
@@ -1730,48 +1729,6 @@
         </a:p>
       </dgm:t>
     </dgm:pt>
-    <dgm:pt modelId="{838B7164-597D-400E-8F53-27D30036C9EE}">
-      <dgm:prSet/>
-      <dgm:spPr/>
-      <dgm:t>
-        <a:bodyPr/>
-        <a:lstStyle/>
-        <a:p>
-          <a:pPr>
-            <a:lnSpc>
-              <a:spcPct val="100000"/>
-            </a:lnSpc>
-            <a:defRPr cap="all"/>
-          </a:pPr>
-          <a:r>
-            <a:rPr lang="en-US"/>
-            <a:t>Demonstration</a:t>
-          </a:r>
-        </a:p>
-      </dgm:t>
-    </dgm:pt>
-    <dgm:pt modelId="{9FF97E8C-C2B8-4489-87A9-6B6ABBB2338B}" type="parTrans" cxnId="{BC34B794-6202-4D34-843E-25B3063C6C60}">
-      <dgm:prSet/>
-      <dgm:spPr/>
-      <dgm:t>
-        <a:bodyPr/>
-        <a:lstStyle/>
-        <a:p>
-          <a:endParaRPr lang="en-US"/>
-        </a:p>
-      </dgm:t>
-    </dgm:pt>
-    <dgm:pt modelId="{13F299F6-B3CA-4C43-AA7D-FBC99BCB431C}" type="sibTrans" cxnId="{BC34B794-6202-4D34-843E-25B3063C6C60}">
-      <dgm:prSet/>
-      <dgm:spPr/>
-      <dgm:t>
-        <a:bodyPr/>
-        <a:lstStyle/>
-        <a:p>
-          <a:endParaRPr lang="en-US"/>
-        </a:p>
-      </dgm:t>
-    </dgm:pt>
     <dgm:pt modelId="{F2D447A9-CDE4-4864-A9B2-57489BECCFE5}">
       <dgm:prSet/>
       <dgm:spPr/>
@@ -1786,7 +1743,7 @@
             <a:defRPr cap="all"/>
           </a:pPr>
           <a:r>
-            <a:rPr lang="en-US"/>
+            <a:rPr lang="en-US" dirty="0"/>
             <a:t>Key Insights</a:t>
           </a:r>
         </a:p>
@@ -1870,11 +1827,11 @@
       <dgm:spPr/>
     </dgm:pt>
     <dgm:pt modelId="{3CB65079-38CC-451D-BCBC-63E8A15D4539}" type="pres">
-      <dgm:prSet presAssocID="{215AE4E5-E865-4BD2-BFB2-16C2377BEC40}" presName="iconBgRect" presStyleLbl="bgShp" presStyleIdx="0" presStyleCnt="5"/>
+      <dgm:prSet presAssocID="{215AE4E5-E865-4BD2-BFB2-16C2377BEC40}" presName="iconBgRect" presStyleLbl="bgShp" presStyleIdx="0" presStyleCnt="4"/>
       <dgm:spPr/>
     </dgm:pt>
     <dgm:pt modelId="{F2DF2FB6-93D6-4BA4-9C49-F650C1E008D2}" type="pres">
-      <dgm:prSet presAssocID="{215AE4E5-E865-4BD2-BFB2-16C2377BEC40}" presName="iconRect" presStyleLbl="node1" presStyleIdx="0" presStyleCnt="5"/>
+      <dgm:prSet presAssocID="{215AE4E5-E865-4BD2-BFB2-16C2377BEC40}" presName="iconRect" presStyleLbl="node1" presStyleIdx="0" presStyleCnt="4"/>
       <dgm:spPr>
         <a:blipFill>
           <a:blip xmlns:r="http://schemas.openxmlformats.org/officeDocument/2006/relationships" r:embed="rId1">
@@ -1903,7 +1860,7 @@
       <dgm:spPr/>
     </dgm:pt>
     <dgm:pt modelId="{7D562ABD-5BCD-44FD-B56D-4EB46B05432A}" type="pres">
-      <dgm:prSet presAssocID="{215AE4E5-E865-4BD2-BFB2-16C2377BEC40}" presName="textRect" presStyleLbl="revTx" presStyleIdx="0" presStyleCnt="5">
+      <dgm:prSet presAssocID="{215AE4E5-E865-4BD2-BFB2-16C2377BEC40}" presName="textRect" presStyleLbl="revTx" presStyleIdx="0" presStyleCnt="4">
         <dgm:presLayoutVars>
           <dgm:chMax val="1"/>
           <dgm:chPref val="1"/>
@@ -1920,11 +1877,11 @@
       <dgm:spPr/>
     </dgm:pt>
     <dgm:pt modelId="{7CB44771-23F4-40BD-AE35-B5393FE5A9BD}" type="pres">
-      <dgm:prSet presAssocID="{186432AE-F030-4EC9-BC7D-13F1DF4F9317}" presName="iconBgRect" presStyleLbl="bgShp" presStyleIdx="1" presStyleCnt="5"/>
+      <dgm:prSet presAssocID="{186432AE-F030-4EC9-BC7D-13F1DF4F9317}" presName="iconBgRect" presStyleLbl="bgShp" presStyleIdx="1" presStyleCnt="4"/>
       <dgm:spPr/>
     </dgm:pt>
     <dgm:pt modelId="{37D6A4DA-C23D-47D4-B4D5-1A403DCA0E79}" type="pres">
-      <dgm:prSet presAssocID="{186432AE-F030-4EC9-BC7D-13F1DF4F9317}" presName="iconRect" presStyleLbl="node1" presStyleIdx="1" presStyleCnt="5"/>
+      <dgm:prSet presAssocID="{186432AE-F030-4EC9-BC7D-13F1DF4F9317}" presName="iconRect" presStyleLbl="node1" presStyleIdx="1" presStyleCnt="4"/>
       <dgm:spPr>
         <a:blipFill>
           <a:blip xmlns:r="http://schemas.openxmlformats.org/officeDocument/2006/relationships" r:embed="rId3">
@@ -1953,7 +1910,7 @@
       <dgm:spPr/>
     </dgm:pt>
     <dgm:pt modelId="{82049C56-CDDA-4586-B506-FF86E50908D8}" type="pres">
-      <dgm:prSet presAssocID="{186432AE-F030-4EC9-BC7D-13F1DF4F9317}" presName="textRect" presStyleLbl="revTx" presStyleIdx="1" presStyleCnt="5">
+      <dgm:prSet presAssocID="{186432AE-F030-4EC9-BC7D-13F1DF4F9317}" presName="textRect" presStyleLbl="revTx" presStyleIdx="1" presStyleCnt="4">
         <dgm:presLayoutVars>
           <dgm:chMax val="1"/>
           <dgm:chPref val="1"/>
@@ -1965,16 +1922,16 @@
       <dgm:prSet presAssocID="{2E490A07-DDA6-4640-AA7E-B68D9B394FCD}" presName="sibTrans" presStyleCnt="0"/>
       <dgm:spPr/>
     </dgm:pt>
-    <dgm:pt modelId="{E1B4A9DF-F751-494E-A223-3C8F300A35C1}" type="pres">
-      <dgm:prSet presAssocID="{838B7164-597D-400E-8F53-27D30036C9EE}" presName="compNode" presStyleCnt="0"/>
+    <dgm:pt modelId="{5937DC60-E29A-4EDC-B0E4-33ABA7C2F421}" type="pres">
+      <dgm:prSet presAssocID="{F2D447A9-CDE4-4864-A9B2-57489BECCFE5}" presName="compNode" presStyleCnt="0"/>
       <dgm:spPr/>
     </dgm:pt>
-    <dgm:pt modelId="{CAC5FCF9-BF7D-4016-B93A-A4ACEED18E1B}" type="pres">
-      <dgm:prSet presAssocID="{838B7164-597D-400E-8F53-27D30036C9EE}" presName="iconBgRect" presStyleLbl="bgShp" presStyleIdx="2" presStyleCnt="5"/>
+    <dgm:pt modelId="{832059D7-76BA-4E21-B161-A4E15E779493}" type="pres">
+      <dgm:prSet presAssocID="{F2D447A9-CDE4-4864-A9B2-57489BECCFE5}" presName="iconBgRect" presStyleLbl="bgShp" presStyleIdx="2" presStyleCnt="4"/>
       <dgm:spPr/>
     </dgm:pt>
-    <dgm:pt modelId="{E3E66B4C-F902-4968-920A-FB0CC4D36F39}" type="pres">
-      <dgm:prSet presAssocID="{838B7164-597D-400E-8F53-27D30036C9EE}" presName="iconRect" presStyleLbl="node1" presStyleIdx="2" presStyleCnt="5"/>
+    <dgm:pt modelId="{0493B229-E50F-4EBA-8681-873DF11A6F97}" type="pres">
+      <dgm:prSet presAssocID="{F2D447A9-CDE4-4864-A9B2-57489BECCFE5}" presName="iconRect" presStyleLbl="node1" presStyleIdx="2" presStyleCnt="4"/>
       <dgm:spPr>
         <a:blipFill>
           <a:blip xmlns:r="http://schemas.openxmlformats.org/officeDocument/2006/relationships" r:embed="rId5">
@@ -1994,16 +1951,16 @@
       </dgm:spPr>
       <dgm:extLst>
         <a:ext uri="{E40237B7-FDA0-4F09-8148-C483321AD2D9}">
-          <dgm14:cNvPr xmlns:dgm14="http://schemas.microsoft.com/office/drawing/2010/diagram" id="0" name="" descr="Teacher"/>
+          <dgm14:cNvPr xmlns:dgm14="http://schemas.microsoft.com/office/drawing/2010/diagram" id="0" name="" descr="Lightbulb"/>
         </a:ext>
       </dgm:extLst>
     </dgm:pt>
-    <dgm:pt modelId="{C0996E2C-3AE7-4C93-B9DD-5D88AC810CB9}" type="pres">
-      <dgm:prSet presAssocID="{838B7164-597D-400E-8F53-27D30036C9EE}" presName="spaceRect" presStyleCnt="0"/>
+    <dgm:pt modelId="{5332F048-1B1B-4575-9569-FF870BAFD610}" type="pres">
+      <dgm:prSet presAssocID="{F2D447A9-CDE4-4864-A9B2-57489BECCFE5}" presName="spaceRect" presStyleCnt="0"/>
       <dgm:spPr/>
     </dgm:pt>
-    <dgm:pt modelId="{C00BA135-77C1-4413-B8C9-9CF9DF71BE4F}" type="pres">
-      <dgm:prSet presAssocID="{838B7164-597D-400E-8F53-27D30036C9EE}" presName="textRect" presStyleLbl="revTx" presStyleIdx="2" presStyleCnt="5">
+    <dgm:pt modelId="{8D537994-233C-4B64-AF64-535FB5A84971}" type="pres">
+      <dgm:prSet presAssocID="{F2D447A9-CDE4-4864-A9B2-57489BECCFE5}" presName="textRect" presStyleLbl="revTx" presStyleIdx="2" presStyleCnt="4">
         <dgm:presLayoutVars>
           <dgm:chMax val="1"/>
           <dgm:chPref val="1"/>
@@ -2011,20 +1968,20 @@
       </dgm:prSet>
       <dgm:spPr/>
     </dgm:pt>
-    <dgm:pt modelId="{D0E248F1-3BE9-4C8D-B23B-0B8609D0B969}" type="pres">
-      <dgm:prSet presAssocID="{13F299F6-B3CA-4C43-AA7D-FBC99BCB431C}" presName="sibTrans" presStyleCnt="0"/>
+    <dgm:pt modelId="{3CF925B0-90E7-43FE-9089-806F5AA81789}" type="pres">
+      <dgm:prSet presAssocID="{AA19740E-D5D9-4B74-AEC1-CF5ECC87B3F4}" presName="sibTrans" presStyleCnt="0"/>
       <dgm:spPr/>
     </dgm:pt>
-    <dgm:pt modelId="{5937DC60-E29A-4EDC-B0E4-33ABA7C2F421}" type="pres">
-      <dgm:prSet presAssocID="{F2D447A9-CDE4-4864-A9B2-57489BECCFE5}" presName="compNode" presStyleCnt="0"/>
+    <dgm:pt modelId="{80368893-C189-4475-802B-006183DE120D}" type="pres">
+      <dgm:prSet presAssocID="{331F6092-37A5-464D-BAE9-1E20FE4F275C}" presName="compNode" presStyleCnt="0"/>
       <dgm:spPr/>
     </dgm:pt>
-    <dgm:pt modelId="{832059D7-76BA-4E21-B161-A4E15E779493}" type="pres">
-      <dgm:prSet presAssocID="{F2D447A9-CDE4-4864-A9B2-57489BECCFE5}" presName="iconBgRect" presStyleLbl="bgShp" presStyleIdx="3" presStyleCnt="5"/>
+    <dgm:pt modelId="{EA849F21-AAC2-4581-BB34-ECC8401E89FA}" type="pres">
+      <dgm:prSet presAssocID="{331F6092-37A5-464D-BAE9-1E20FE4F275C}" presName="iconBgRect" presStyleLbl="bgShp" presStyleIdx="3" presStyleCnt="4"/>
       <dgm:spPr/>
     </dgm:pt>
-    <dgm:pt modelId="{0493B229-E50F-4EBA-8681-873DF11A6F97}" type="pres">
-      <dgm:prSet presAssocID="{F2D447A9-CDE4-4864-A9B2-57489BECCFE5}" presName="iconRect" presStyleLbl="node1" presStyleIdx="3" presStyleCnt="5"/>
+    <dgm:pt modelId="{5D87BD41-D4BC-47B7-95E9-F1E099701A3A}" type="pres">
+      <dgm:prSet presAssocID="{331F6092-37A5-464D-BAE9-1E20FE4F275C}" presName="iconRect" presStyleLbl="node1" presStyleIdx="3" presStyleCnt="4"/>
       <dgm:spPr>
         <a:blipFill>
           <a:blip xmlns:r="http://schemas.openxmlformats.org/officeDocument/2006/relationships" r:embed="rId7">
@@ -2044,56 +2001,6 @@
       </dgm:spPr>
       <dgm:extLst>
         <a:ext uri="{E40237B7-FDA0-4F09-8148-C483321AD2D9}">
-          <dgm14:cNvPr xmlns:dgm14="http://schemas.microsoft.com/office/drawing/2010/diagram" id="0" name="" descr="Lightbulb"/>
-        </a:ext>
-      </dgm:extLst>
-    </dgm:pt>
-    <dgm:pt modelId="{5332F048-1B1B-4575-9569-FF870BAFD610}" type="pres">
-      <dgm:prSet presAssocID="{F2D447A9-CDE4-4864-A9B2-57489BECCFE5}" presName="spaceRect" presStyleCnt="0"/>
-      <dgm:spPr/>
-    </dgm:pt>
-    <dgm:pt modelId="{8D537994-233C-4B64-AF64-535FB5A84971}" type="pres">
-      <dgm:prSet presAssocID="{F2D447A9-CDE4-4864-A9B2-57489BECCFE5}" presName="textRect" presStyleLbl="revTx" presStyleIdx="3" presStyleCnt="5">
-        <dgm:presLayoutVars>
-          <dgm:chMax val="1"/>
-          <dgm:chPref val="1"/>
-        </dgm:presLayoutVars>
-      </dgm:prSet>
-      <dgm:spPr/>
-    </dgm:pt>
-    <dgm:pt modelId="{3CF925B0-90E7-43FE-9089-806F5AA81789}" type="pres">
-      <dgm:prSet presAssocID="{AA19740E-D5D9-4B74-AEC1-CF5ECC87B3F4}" presName="sibTrans" presStyleCnt="0"/>
-      <dgm:spPr/>
-    </dgm:pt>
-    <dgm:pt modelId="{80368893-C189-4475-802B-006183DE120D}" type="pres">
-      <dgm:prSet presAssocID="{331F6092-37A5-464D-BAE9-1E20FE4F275C}" presName="compNode" presStyleCnt="0"/>
-      <dgm:spPr/>
-    </dgm:pt>
-    <dgm:pt modelId="{EA849F21-AAC2-4581-BB34-ECC8401E89FA}" type="pres">
-      <dgm:prSet presAssocID="{331F6092-37A5-464D-BAE9-1E20FE4F275C}" presName="iconBgRect" presStyleLbl="bgShp" presStyleIdx="4" presStyleCnt="5"/>
-      <dgm:spPr/>
-    </dgm:pt>
-    <dgm:pt modelId="{5D87BD41-D4BC-47B7-95E9-F1E099701A3A}" type="pres">
-      <dgm:prSet presAssocID="{331F6092-37A5-464D-BAE9-1E20FE4F275C}" presName="iconRect" presStyleLbl="node1" presStyleIdx="4" presStyleCnt="5"/>
-      <dgm:spPr>
-        <a:blipFill>
-          <a:blip xmlns:r="http://schemas.openxmlformats.org/officeDocument/2006/relationships" r:embed="rId9">
-            <a:extLst>
-              <a:ext uri="{28A0092B-C50C-407E-A947-70E740481C1C}">
-                <a14:useLocalDpi xmlns:a14="http://schemas.microsoft.com/office/drawing/2010/main" val="0"/>
-              </a:ext>
-              <a:ext uri="{96DAC541-7B7A-43D3-8B79-37D633B846F1}">
-                <asvg:svgBlip xmlns:asvg="http://schemas.microsoft.com/office/drawing/2016/SVG/main" r:embed="rId10"/>
-              </a:ext>
-            </a:extLst>
-          </a:blip>
-          <a:stretch>
-            <a:fillRect/>
-          </a:stretch>
-        </a:blipFill>
-      </dgm:spPr>
-      <dgm:extLst>
-        <a:ext uri="{E40237B7-FDA0-4F09-8148-C483321AD2D9}">
           <dgm14:cNvPr xmlns:dgm14="http://schemas.microsoft.com/office/drawing/2010/diagram" id="0" name="" descr="Run"/>
         </a:ext>
       </dgm:extLst>
@@ -2103,7 +2010,7 @@
       <dgm:spPr/>
     </dgm:pt>
     <dgm:pt modelId="{D7FAFEE7-461A-40DC-A7ED-92995FC038CC}" type="pres">
-      <dgm:prSet presAssocID="{331F6092-37A5-464D-BAE9-1E20FE4F275C}" presName="textRect" presStyleLbl="revTx" presStyleIdx="4" presStyleCnt="5">
+      <dgm:prSet presAssocID="{331F6092-37A5-464D-BAE9-1E20FE4F275C}" presName="textRect" presStyleLbl="revTx" presStyleIdx="3" presStyleCnt="4">
         <dgm:presLayoutVars>
           <dgm:chMax val="1"/>
           <dgm:chPref val="1"/>
@@ -2117,12 +2024,10 @@
     <dgm:cxn modelId="{B922115B-29E5-4E77-8D1D-B5D2F7C6E907}" type="presOf" srcId="{EB68B606-1420-49B5-BEA9-02EAB87264D4}" destId="{0587B48A-1CA1-4D9C-AB84-9044C27F7A58}" srcOrd="0" destOrd="0" presId="urn:microsoft.com/office/officeart/2018/5/layout/IconCircleLabelList"/>
     <dgm:cxn modelId="{7F164A45-F301-4F16-8446-269830A38444}" srcId="{EB68B606-1420-49B5-BEA9-02EAB87264D4}" destId="{186432AE-F030-4EC9-BC7D-13F1DF4F9317}" srcOrd="1" destOrd="0" parTransId="{9209FA6F-2121-4E97-8EBA-2EAC791CD230}" sibTransId="{2E490A07-DDA6-4640-AA7E-B68D9B394FCD}"/>
     <dgm:cxn modelId="{BB252A56-ADF5-4FFC-AC89-A82221E15FFB}" type="presOf" srcId="{F2D447A9-CDE4-4864-A9B2-57489BECCFE5}" destId="{8D537994-233C-4B64-AF64-535FB5A84971}" srcOrd="0" destOrd="0" presId="urn:microsoft.com/office/officeart/2018/5/layout/IconCircleLabelList"/>
-    <dgm:cxn modelId="{CD359057-A32D-46F2-8732-8B1A275FB1E9}" srcId="{EB68B606-1420-49B5-BEA9-02EAB87264D4}" destId="{F2D447A9-CDE4-4864-A9B2-57489BECCFE5}" srcOrd="3" destOrd="0" parTransId="{ED91B78D-998D-4FA2-9015-4F4BF2F20F8F}" sibTransId="{AA19740E-D5D9-4B74-AEC1-CF5ECC87B3F4}"/>
+    <dgm:cxn modelId="{CD359057-A32D-46F2-8732-8B1A275FB1E9}" srcId="{EB68B606-1420-49B5-BEA9-02EAB87264D4}" destId="{F2D447A9-CDE4-4864-A9B2-57489BECCFE5}" srcOrd="2" destOrd="0" parTransId="{ED91B78D-998D-4FA2-9015-4F4BF2F20F8F}" sibTransId="{AA19740E-D5D9-4B74-AEC1-CF5ECC87B3F4}"/>
     <dgm:cxn modelId="{1E401D8B-ACD0-4ED7-B206-7A2233C6E612}" srcId="{EB68B606-1420-49B5-BEA9-02EAB87264D4}" destId="{215AE4E5-E865-4BD2-BFB2-16C2377BEC40}" srcOrd="0" destOrd="0" parTransId="{5568BF7E-B795-49C8-B1A3-80E125B6B7FD}" sibTransId="{1E261905-046E-420D-B98A-2E76DA567ED4}"/>
-    <dgm:cxn modelId="{BC34B794-6202-4D34-843E-25B3063C6C60}" srcId="{EB68B606-1420-49B5-BEA9-02EAB87264D4}" destId="{838B7164-597D-400E-8F53-27D30036C9EE}" srcOrd="2" destOrd="0" parTransId="{9FF97E8C-C2B8-4489-87A9-6B6ABBB2338B}" sibTransId="{13F299F6-B3CA-4C43-AA7D-FBC99BCB431C}"/>
     <dgm:cxn modelId="{56A3F898-CA09-4134-BB15-12EC88F6AE77}" type="presOf" srcId="{331F6092-37A5-464D-BAE9-1E20FE4F275C}" destId="{D7FAFEE7-461A-40DC-A7ED-92995FC038CC}" srcOrd="0" destOrd="0" presId="urn:microsoft.com/office/officeart/2018/5/layout/IconCircleLabelList"/>
-    <dgm:cxn modelId="{2B22E4AD-E657-482F-BB71-B18E568A3F23}" type="presOf" srcId="{838B7164-597D-400E-8F53-27D30036C9EE}" destId="{C00BA135-77C1-4413-B8C9-9CF9DF71BE4F}" srcOrd="0" destOrd="0" presId="urn:microsoft.com/office/officeart/2018/5/layout/IconCircleLabelList"/>
-    <dgm:cxn modelId="{D2C269B4-C759-419F-9C79-F2A121A09257}" srcId="{EB68B606-1420-49B5-BEA9-02EAB87264D4}" destId="{331F6092-37A5-464D-BAE9-1E20FE4F275C}" srcOrd="4" destOrd="0" parTransId="{DED6D787-7ABA-4C9B-B5AD-79B8AA942DBA}" sibTransId="{6E12FCA6-BE3D-40DD-A822-BACA86FFD33B}"/>
+    <dgm:cxn modelId="{D2C269B4-C759-419F-9C79-F2A121A09257}" srcId="{EB68B606-1420-49B5-BEA9-02EAB87264D4}" destId="{331F6092-37A5-464D-BAE9-1E20FE4F275C}" srcOrd="3" destOrd="0" parTransId="{DED6D787-7ABA-4C9B-B5AD-79B8AA942DBA}" sibTransId="{6E12FCA6-BE3D-40DD-A822-BACA86FFD33B}"/>
     <dgm:cxn modelId="{05090DD4-1E5D-4819-8287-FC2FED7AAFAC}" type="presOf" srcId="{186432AE-F030-4EC9-BC7D-13F1DF4F9317}" destId="{82049C56-CDDA-4586-B506-FF86E50908D8}" srcOrd="0" destOrd="0" presId="urn:microsoft.com/office/officeart/2018/5/layout/IconCircleLabelList"/>
     <dgm:cxn modelId="{5164DB1E-25A9-4786-BB0B-683514DEC448}" type="presParOf" srcId="{0587B48A-1CA1-4D9C-AB84-9044C27F7A58}" destId="{C48977EC-BE90-4474-A34A-A779045D375D}" srcOrd="0" destOrd="0" presId="urn:microsoft.com/office/officeart/2018/5/layout/IconCircleLabelList"/>
     <dgm:cxn modelId="{CA8DF6C6-A038-4E61-AFFC-C91027ED64E4}" type="presParOf" srcId="{C48977EC-BE90-4474-A34A-A779045D375D}" destId="{3CB65079-38CC-451D-BCBC-63E8A15D4539}" srcOrd="0" destOrd="0" presId="urn:microsoft.com/office/officeart/2018/5/layout/IconCircleLabelList"/>
@@ -2136,19 +2041,13 @@
     <dgm:cxn modelId="{20417906-088E-498F-9390-4F86C13C6E0E}" type="presParOf" srcId="{8D57A134-FDC4-453A-8C26-ADA212C6DCDF}" destId="{BCC2534B-1748-4D6B-B57E-851A49F0294A}" srcOrd="2" destOrd="0" presId="urn:microsoft.com/office/officeart/2018/5/layout/IconCircleLabelList"/>
     <dgm:cxn modelId="{79C520F2-35DE-49D9-8035-559FC6C84132}" type="presParOf" srcId="{8D57A134-FDC4-453A-8C26-ADA212C6DCDF}" destId="{82049C56-CDDA-4586-B506-FF86E50908D8}" srcOrd="3" destOrd="0" presId="urn:microsoft.com/office/officeart/2018/5/layout/IconCircleLabelList"/>
     <dgm:cxn modelId="{BB53058A-AA6B-4ABB-AEE2-E1BA20672372}" type="presParOf" srcId="{0587B48A-1CA1-4D9C-AB84-9044C27F7A58}" destId="{C2D51849-DC5B-4C87-BD67-45E7CB7CB68D}" srcOrd="3" destOrd="0" presId="urn:microsoft.com/office/officeart/2018/5/layout/IconCircleLabelList"/>
-    <dgm:cxn modelId="{70F8BF35-19AF-4250-AE94-1FC11E737C97}" type="presParOf" srcId="{0587B48A-1CA1-4D9C-AB84-9044C27F7A58}" destId="{E1B4A9DF-F751-494E-A223-3C8F300A35C1}" srcOrd="4" destOrd="0" presId="urn:microsoft.com/office/officeart/2018/5/layout/IconCircleLabelList"/>
-    <dgm:cxn modelId="{6DAC490C-6252-443E-A7B6-7749789A1564}" type="presParOf" srcId="{E1B4A9DF-F751-494E-A223-3C8F300A35C1}" destId="{CAC5FCF9-BF7D-4016-B93A-A4ACEED18E1B}" srcOrd="0" destOrd="0" presId="urn:microsoft.com/office/officeart/2018/5/layout/IconCircleLabelList"/>
-    <dgm:cxn modelId="{B149D581-450B-4DFD-928C-8172ADC5D07A}" type="presParOf" srcId="{E1B4A9DF-F751-494E-A223-3C8F300A35C1}" destId="{E3E66B4C-F902-4968-920A-FB0CC4D36F39}" srcOrd="1" destOrd="0" presId="urn:microsoft.com/office/officeart/2018/5/layout/IconCircleLabelList"/>
-    <dgm:cxn modelId="{64810E36-8BE6-4FA9-ABCA-9A2E0049E102}" type="presParOf" srcId="{E1B4A9DF-F751-494E-A223-3C8F300A35C1}" destId="{C0996E2C-3AE7-4C93-B9DD-5D88AC810CB9}" srcOrd="2" destOrd="0" presId="urn:microsoft.com/office/officeart/2018/5/layout/IconCircleLabelList"/>
-    <dgm:cxn modelId="{8DC1EE05-A2B7-4EFA-97C1-6614107C4D9A}" type="presParOf" srcId="{E1B4A9DF-F751-494E-A223-3C8F300A35C1}" destId="{C00BA135-77C1-4413-B8C9-9CF9DF71BE4F}" srcOrd="3" destOrd="0" presId="urn:microsoft.com/office/officeart/2018/5/layout/IconCircleLabelList"/>
-    <dgm:cxn modelId="{7624585B-6F48-448E-83A7-006C60AD7034}" type="presParOf" srcId="{0587B48A-1CA1-4D9C-AB84-9044C27F7A58}" destId="{D0E248F1-3BE9-4C8D-B23B-0B8609D0B969}" srcOrd="5" destOrd="0" presId="urn:microsoft.com/office/officeart/2018/5/layout/IconCircleLabelList"/>
-    <dgm:cxn modelId="{A6A6F845-7C4B-4715-BCC5-DEBDDF28C1CB}" type="presParOf" srcId="{0587B48A-1CA1-4D9C-AB84-9044C27F7A58}" destId="{5937DC60-E29A-4EDC-B0E4-33ABA7C2F421}" srcOrd="6" destOrd="0" presId="urn:microsoft.com/office/officeart/2018/5/layout/IconCircleLabelList"/>
+    <dgm:cxn modelId="{A6A6F845-7C4B-4715-BCC5-DEBDDF28C1CB}" type="presParOf" srcId="{0587B48A-1CA1-4D9C-AB84-9044C27F7A58}" destId="{5937DC60-E29A-4EDC-B0E4-33ABA7C2F421}" srcOrd="4" destOrd="0" presId="urn:microsoft.com/office/officeart/2018/5/layout/IconCircleLabelList"/>
     <dgm:cxn modelId="{724416CA-5B46-4352-A510-C1FA7A6F03CF}" type="presParOf" srcId="{5937DC60-E29A-4EDC-B0E4-33ABA7C2F421}" destId="{832059D7-76BA-4E21-B161-A4E15E779493}" srcOrd="0" destOrd="0" presId="urn:microsoft.com/office/officeart/2018/5/layout/IconCircleLabelList"/>
     <dgm:cxn modelId="{A8D0442E-2852-442B-9C73-5BEB4FB887D9}" type="presParOf" srcId="{5937DC60-E29A-4EDC-B0E4-33ABA7C2F421}" destId="{0493B229-E50F-4EBA-8681-873DF11A6F97}" srcOrd="1" destOrd="0" presId="urn:microsoft.com/office/officeart/2018/5/layout/IconCircleLabelList"/>
     <dgm:cxn modelId="{141CB1C3-BE12-489C-8E3F-5F0671D9CB82}" type="presParOf" srcId="{5937DC60-E29A-4EDC-B0E4-33ABA7C2F421}" destId="{5332F048-1B1B-4575-9569-FF870BAFD610}" srcOrd="2" destOrd="0" presId="urn:microsoft.com/office/officeart/2018/5/layout/IconCircleLabelList"/>
     <dgm:cxn modelId="{AA7D339B-1FA9-4384-8BD0-6C310FC27339}" type="presParOf" srcId="{5937DC60-E29A-4EDC-B0E4-33ABA7C2F421}" destId="{8D537994-233C-4B64-AF64-535FB5A84971}" srcOrd="3" destOrd="0" presId="urn:microsoft.com/office/officeart/2018/5/layout/IconCircleLabelList"/>
-    <dgm:cxn modelId="{8D453CD0-B917-4DDB-A244-2DA276ACAC45}" type="presParOf" srcId="{0587B48A-1CA1-4D9C-AB84-9044C27F7A58}" destId="{3CF925B0-90E7-43FE-9089-806F5AA81789}" srcOrd="7" destOrd="0" presId="urn:microsoft.com/office/officeart/2018/5/layout/IconCircleLabelList"/>
-    <dgm:cxn modelId="{1A83A905-23AA-402A-A092-57D0D902ED6A}" type="presParOf" srcId="{0587B48A-1CA1-4D9C-AB84-9044C27F7A58}" destId="{80368893-C189-4475-802B-006183DE120D}" srcOrd="8" destOrd="0" presId="urn:microsoft.com/office/officeart/2018/5/layout/IconCircleLabelList"/>
+    <dgm:cxn modelId="{8D453CD0-B917-4DDB-A244-2DA276ACAC45}" type="presParOf" srcId="{0587B48A-1CA1-4D9C-AB84-9044C27F7A58}" destId="{3CF925B0-90E7-43FE-9089-806F5AA81789}" srcOrd="5" destOrd="0" presId="urn:microsoft.com/office/officeart/2018/5/layout/IconCircleLabelList"/>
+    <dgm:cxn modelId="{1A83A905-23AA-402A-A092-57D0D902ED6A}" type="presParOf" srcId="{0587B48A-1CA1-4D9C-AB84-9044C27F7A58}" destId="{80368893-C189-4475-802B-006183DE120D}" srcOrd="6" destOrd="0" presId="urn:microsoft.com/office/officeart/2018/5/layout/IconCircleLabelList"/>
     <dgm:cxn modelId="{9E8CBAA6-3C4A-4F5A-9A8B-6F598E5AF7C8}" type="presParOf" srcId="{80368893-C189-4475-802B-006183DE120D}" destId="{EA849F21-AAC2-4581-BB34-ECC8401E89FA}" srcOrd="0" destOrd="0" presId="urn:microsoft.com/office/officeart/2018/5/layout/IconCircleLabelList"/>
     <dgm:cxn modelId="{8374B686-01DF-42B3-B65B-1534A986C097}" type="presParOf" srcId="{80368893-C189-4475-802B-006183DE120D}" destId="{5D87BD41-D4BC-47B7-95E9-F1E099701A3A}" srcOrd="1" destOrd="0" presId="urn:microsoft.com/office/officeart/2018/5/layout/IconCircleLabelList"/>
     <dgm:cxn modelId="{7B2B85BD-2B32-4D6B-86AC-F9EB1D377C1C}" type="presParOf" srcId="{80368893-C189-4475-802B-006183DE120D}" destId="{69690137-BF6A-49DA-A48A-139DD3D69E6F}" srcOrd="2" destOrd="0" presId="urn:microsoft.com/office/officeart/2018/5/layout/IconCircleLabelList"/>
@@ -2175,47 +2074,6 @@
         <a:lstStyle/>
         <a:p>
           <a:endParaRPr lang="en-US"/>
-        </a:p>
-      </dgm:t>
-    </dgm:pt>
-    <dgm:pt modelId="{78551E11-D860-44B8-9992-958595B15793}">
-      <dgm:prSet custT="1"/>
-      <dgm:spPr/>
-      <dgm:t>
-        <a:bodyPr/>
-        <a:lstStyle/>
-        <a:p>
-          <a:pPr>
-            <a:lnSpc>
-              <a:spcPct val="100000"/>
-            </a:lnSpc>
-          </a:pPr>
-          <a:r>
-            <a:rPr lang="en-US" sz="2000" dirty="0"/>
-            <a:t>Accounted for ordinality.</a:t>
-          </a:r>
-        </a:p>
-      </dgm:t>
-    </dgm:pt>
-    <dgm:pt modelId="{C4BF5AEB-D8D0-45A4-9C24-B3B14910B1A4}" type="parTrans" cxnId="{8544A54F-4233-41E7-9BF2-83DBBF1213EF}">
-      <dgm:prSet/>
-      <dgm:spPr/>
-      <dgm:t>
-        <a:bodyPr/>
-        <a:lstStyle/>
-        <a:p>
-          <a:endParaRPr lang="en-US" sz="2000"/>
-        </a:p>
-      </dgm:t>
-    </dgm:pt>
-    <dgm:pt modelId="{F2482834-48CA-4A21-9F29-278FFE265B2D}" type="sibTrans" cxnId="{8544A54F-4233-41E7-9BF2-83DBBF1213EF}">
-      <dgm:prSet/>
-      <dgm:spPr/>
-      <dgm:t>
-        <a:bodyPr/>
-        <a:lstStyle/>
-        <a:p>
-          <a:endParaRPr lang="en-US" sz="2000"/>
         </a:p>
       </dgm:t>
     </dgm:pt>
@@ -2301,6 +2159,48 @@
         </a:p>
       </dgm:t>
     </dgm:pt>
+    <dgm:pt modelId="{FB2E8499-566A-4E46-9F44-4F06A71B9070}">
+      <dgm:prSet custT="1"/>
+      <dgm:spPr/>
+      <dgm:t>
+        <a:bodyPr/>
+        <a:lstStyle/>
+        <a:p>
+          <a:pPr>
+            <a:lnSpc>
+              <a:spcPct val="100000"/>
+            </a:lnSpc>
+          </a:pPr>
+          <a:r>
+            <a:rPr lang="en-US" sz="2000"/>
+            <a:t>Accounted for ordinality.</a:t>
+          </a:r>
+          <a:endParaRPr lang="en-US" sz="2000" dirty="0"/>
+        </a:p>
+      </dgm:t>
+    </dgm:pt>
+    <dgm:pt modelId="{922067FD-014A-4AD8-9F6B-595863A02451}" type="parTrans" cxnId="{C4AB939F-CFF9-498E-A3FF-84E626B9838E}">
+      <dgm:prSet/>
+      <dgm:spPr/>
+      <dgm:t>
+        <a:bodyPr/>
+        <a:lstStyle/>
+        <a:p>
+          <a:endParaRPr lang="en-US"/>
+        </a:p>
+      </dgm:t>
+    </dgm:pt>
+    <dgm:pt modelId="{07E17706-8B97-4CF3-8273-592DD9CF45D2}" type="sibTrans" cxnId="{C4AB939F-CFF9-498E-A3FF-84E626B9838E}">
+      <dgm:prSet/>
+      <dgm:spPr/>
+      <dgm:t>
+        <a:bodyPr/>
+        <a:lstStyle/>
+        <a:p>
+          <a:endParaRPr lang="en-US"/>
+        </a:p>
+      </dgm:t>
+    </dgm:pt>
     <dgm:pt modelId="{3E4A9CB8-55CF-4791-BB63-B0F4EEC3DD43}" type="pres">
       <dgm:prSet presAssocID="{7ACFA93C-7D07-49F0-8C42-7D5E91B653A8}" presName="root" presStyleCnt="0">
         <dgm:presLayoutVars>
@@ -2310,70 +2210,22 @@
       </dgm:prSet>
       <dgm:spPr/>
     </dgm:pt>
-    <dgm:pt modelId="{28D8DC73-B30C-4736-A18C-EF6812FE503F}" type="pres">
-      <dgm:prSet presAssocID="{78551E11-D860-44B8-9992-958595B15793}" presName="compNode" presStyleCnt="0"/>
+    <dgm:pt modelId="{965311E9-C5D0-438B-A696-CC9F78176384}" type="pres">
+      <dgm:prSet presAssocID="{D9C87C10-F188-4356-8DD8-EEEE3B7200A0}" presName="compNode" presStyleCnt="0"/>
       <dgm:spPr/>
     </dgm:pt>
-    <dgm:pt modelId="{5039C880-FE0C-4DA6-910F-7601852C7343}" type="pres">
-      <dgm:prSet presAssocID="{78551E11-D860-44B8-9992-958595B15793}" presName="bgRect" presStyleLbl="bgShp" presStyleIdx="0" presStyleCnt="3"/>
+    <dgm:pt modelId="{F22FE2D6-3269-4C71-9BCA-B9D6167560A2}" type="pres">
+      <dgm:prSet presAssocID="{D9C87C10-F188-4356-8DD8-EEEE3B7200A0}" presName="bgRect" presStyleLbl="bgShp" presStyleIdx="0" presStyleCnt="3"/>
       <dgm:spPr/>
     </dgm:pt>
-    <dgm:pt modelId="{F8AC9FF0-E5B7-4131-8DD0-D54B4C35D6AE}" type="pres">
-      <dgm:prSet presAssocID="{78551E11-D860-44B8-9992-958595B15793}" presName="iconRect" presStyleLbl="node1" presStyleIdx="0" presStyleCnt="3"/>
+    <dgm:pt modelId="{9DA7BBAD-05DF-4A34-A479-23D81049ED8D}" type="pres">
+      <dgm:prSet presAssocID="{D9C87C10-F188-4356-8DD8-EEEE3B7200A0}" presName="iconRect" presStyleLbl="node1" presStyleIdx="0" presStyleCnt="3"/>
       <dgm:spPr>
         <a:blipFill>
           <a:blip xmlns:r="http://schemas.openxmlformats.org/officeDocument/2006/relationships" r:embed="rId1">
             <a:extLst>
               <a:ext uri="{96DAC541-7B7A-43D3-8B79-37D633B846F1}">
                 <asvg:svgBlip xmlns:asvg="http://schemas.microsoft.com/office/drawing/2016/SVG/main" r:embed="rId2"/>
-              </a:ext>
-            </a:extLst>
-          </a:blip>
-          <a:srcRect/>
-          <a:stretch>
-            <a:fillRect/>
-          </a:stretch>
-        </a:blipFill>
-      </dgm:spPr>
-      <dgm:extLst>
-        <a:ext uri="{E40237B7-FDA0-4F09-8148-C483321AD2D9}">
-          <dgm14:cNvPr xmlns:dgm14="http://schemas.microsoft.com/office/drawing/2010/diagram" id="0" name="" descr="Sort with solid fill"/>
-        </a:ext>
-      </dgm:extLst>
-    </dgm:pt>
-    <dgm:pt modelId="{4540D6E3-8963-495F-97FF-F94E55270E07}" type="pres">
-      <dgm:prSet presAssocID="{78551E11-D860-44B8-9992-958595B15793}" presName="spaceRect" presStyleCnt="0"/>
-      <dgm:spPr/>
-    </dgm:pt>
-    <dgm:pt modelId="{0BC06F2B-E777-4F44-A621-16EC352B017A}" type="pres">
-      <dgm:prSet presAssocID="{78551E11-D860-44B8-9992-958595B15793}" presName="parTx" presStyleLbl="revTx" presStyleIdx="0" presStyleCnt="3">
-        <dgm:presLayoutVars>
-          <dgm:chMax val="0"/>
-          <dgm:chPref val="0"/>
-        </dgm:presLayoutVars>
-      </dgm:prSet>
-      <dgm:spPr/>
-    </dgm:pt>
-    <dgm:pt modelId="{F0531908-5015-414B-8E59-6FB119CC1541}" type="pres">
-      <dgm:prSet presAssocID="{F2482834-48CA-4A21-9F29-278FFE265B2D}" presName="sibTrans" presStyleCnt="0"/>
-      <dgm:spPr/>
-    </dgm:pt>
-    <dgm:pt modelId="{965311E9-C5D0-438B-A696-CC9F78176384}" type="pres">
-      <dgm:prSet presAssocID="{D9C87C10-F188-4356-8DD8-EEEE3B7200A0}" presName="compNode" presStyleCnt="0"/>
-      <dgm:spPr/>
-    </dgm:pt>
-    <dgm:pt modelId="{F22FE2D6-3269-4C71-9BCA-B9D6167560A2}" type="pres">
-      <dgm:prSet presAssocID="{D9C87C10-F188-4356-8DD8-EEEE3B7200A0}" presName="bgRect" presStyleLbl="bgShp" presStyleIdx="1" presStyleCnt="3"/>
-      <dgm:spPr/>
-    </dgm:pt>
-    <dgm:pt modelId="{9DA7BBAD-05DF-4A34-A479-23D81049ED8D}" type="pres">
-      <dgm:prSet presAssocID="{D9C87C10-F188-4356-8DD8-EEEE3B7200A0}" presName="iconRect" presStyleLbl="node1" presStyleIdx="1" presStyleCnt="3"/>
-      <dgm:spPr>
-        <a:blipFill>
-          <a:blip xmlns:r="http://schemas.openxmlformats.org/officeDocument/2006/relationships" r:embed="rId3">
-            <a:extLst>
-              <a:ext uri="{96DAC541-7B7A-43D3-8B79-37D633B846F1}">
-                <asvg:svgBlip xmlns:asvg="http://schemas.microsoft.com/office/drawing/2016/SVG/main" r:embed="rId4"/>
               </a:ext>
             </a:extLst>
           </a:blip>
@@ -2394,7 +2246,7 @@
       <dgm:spPr/>
     </dgm:pt>
     <dgm:pt modelId="{64431AD4-207D-4384-892E-D8F4624D8FBA}" type="pres">
-      <dgm:prSet presAssocID="{D9C87C10-F188-4356-8DD8-EEEE3B7200A0}" presName="parTx" presStyleLbl="revTx" presStyleIdx="1" presStyleCnt="3">
+      <dgm:prSet presAssocID="{D9C87C10-F188-4356-8DD8-EEEE3B7200A0}" presName="parTx" presStyleLbl="revTx" presStyleIdx="0" presStyleCnt="3">
         <dgm:presLayoutVars>
           <dgm:chMax val="0"/>
           <dgm:chPref val="0"/>
@@ -2404,6 +2256,54 @@
     </dgm:pt>
     <dgm:pt modelId="{7B2CA6F7-88A0-4E5A-A913-2C87F7DC212C}" type="pres">
       <dgm:prSet presAssocID="{F20A6722-008F-40F2-8F7C-27412512459C}" presName="sibTrans" presStyleCnt="0"/>
+      <dgm:spPr/>
+    </dgm:pt>
+    <dgm:pt modelId="{B743AA56-9DE4-4F1D-92BF-4F715405B79E}" type="pres">
+      <dgm:prSet presAssocID="{FB2E8499-566A-4E46-9F44-4F06A71B9070}" presName="compNode" presStyleCnt="0"/>
+      <dgm:spPr/>
+    </dgm:pt>
+    <dgm:pt modelId="{5D3AA705-5128-4DF4-921C-CDC36FDC3906}" type="pres">
+      <dgm:prSet presAssocID="{FB2E8499-566A-4E46-9F44-4F06A71B9070}" presName="bgRect" presStyleLbl="bgShp" presStyleIdx="1" presStyleCnt="3"/>
+      <dgm:spPr/>
+    </dgm:pt>
+    <dgm:pt modelId="{E34DBD9F-1342-44FE-A3E0-6519528B61B3}" type="pres">
+      <dgm:prSet presAssocID="{FB2E8499-566A-4E46-9F44-4F06A71B9070}" presName="iconRect" presStyleLbl="node1" presStyleIdx="1" presStyleCnt="3"/>
+      <dgm:spPr>
+        <a:blipFill>
+          <a:blip xmlns:r="http://schemas.openxmlformats.org/officeDocument/2006/relationships" r:embed="rId3">
+            <a:extLst>
+              <a:ext uri="{96DAC541-7B7A-43D3-8B79-37D633B846F1}">
+                <asvg:svgBlip xmlns:asvg="http://schemas.microsoft.com/office/drawing/2016/SVG/main" r:embed="rId4"/>
+              </a:ext>
+            </a:extLst>
+          </a:blip>
+          <a:srcRect/>
+          <a:stretch>
+            <a:fillRect/>
+          </a:stretch>
+        </a:blipFill>
+      </dgm:spPr>
+      <dgm:extLst>
+        <a:ext uri="{E40237B7-FDA0-4F09-8148-C483321AD2D9}">
+          <dgm14:cNvPr xmlns:dgm14="http://schemas.microsoft.com/office/drawing/2010/diagram" id="0" name="" descr="Sort with solid fill"/>
+        </a:ext>
+      </dgm:extLst>
+    </dgm:pt>
+    <dgm:pt modelId="{C9459B19-6D97-4EFD-8BFB-64B69C8B8F53}" type="pres">
+      <dgm:prSet presAssocID="{FB2E8499-566A-4E46-9F44-4F06A71B9070}" presName="spaceRect" presStyleCnt="0"/>
+      <dgm:spPr/>
+    </dgm:pt>
+    <dgm:pt modelId="{50E17E94-8633-48A6-B0FB-DF924612DE62}" type="pres">
+      <dgm:prSet presAssocID="{FB2E8499-566A-4E46-9F44-4F06A71B9070}" presName="parTx" presStyleLbl="revTx" presStyleIdx="1" presStyleCnt="3">
+        <dgm:presLayoutVars>
+          <dgm:chMax val="0"/>
+          <dgm:chPref val="0"/>
+        </dgm:presLayoutVars>
+      </dgm:prSet>
+      <dgm:spPr/>
+    </dgm:pt>
+    <dgm:pt modelId="{6F9B88E0-6031-4524-A97B-468AA82B672C}" type="pres">
+      <dgm:prSet presAssocID="{07E17706-8B97-4CF3-8273-592DD9CF45D2}" presName="sibTrans" presStyleCnt="0"/>
       <dgm:spPr/>
     </dgm:pt>
     <dgm:pt modelId="{FF8ECB04-292D-4844-A12A-509893A61A90}" type="pres">
@@ -2453,24 +2353,24 @@
   </dgm:ptLst>
   <dgm:cxnLst>
     <dgm:cxn modelId="{44D36B0D-2B77-4D86-8CDA-DE490F5C4868}" type="presOf" srcId="{18C80688-E618-4210-93D5-5DB0529A4020}" destId="{8137DD96-0246-4DDD-A0EC-3DAA049202BE}" srcOrd="0" destOrd="0" presId="urn:microsoft.com/office/officeart/2018/2/layout/IconVerticalSolidList"/>
-    <dgm:cxn modelId="{E86B321D-0510-4D1C-A2D2-E6DA8FB1A1D3}" srcId="{7ACFA93C-7D07-49F0-8C42-7D5E91B653A8}" destId="{D9C87C10-F188-4356-8DD8-EEEE3B7200A0}" srcOrd="1" destOrd="0" parTransId="{4481ACAA-8E63-4524-8CBC-16623AFEDDBB}" sibTransId="{F20A6722-008F-40F2-8F7C-27412512459C}"/>
+    <dgm:cxn modelId="{E86B321D-0510-4D1C-A2D2-E6DA8FB1A1D3}" srcId="{7ACFA93C-7D07-49F0-8C42-7D5E91B653A8}" destId="{D9C87C10-F188-4356-8DD8-EEEE3B7200A0}" srcOrd="0" destOrd="0" parTransId="{4481ACAA-8E63-4524-8CBC-16623AFEDDBB}" sibTransId="{F20A6722-008F-40F2-8F7C-27412512459C}"/>
     <dgm:cxn modelId="{E3DAD137-08D9-4975-B3EE-2626720DBB0B}" srcId="{7ACFA93C-7D07-49F0-8C42-7D5E91B653A8}" destId="{18C80688-E618-4210-93D5-5DB0529A4020}" srcOrd="2" destOrd="0" parTransId="{85D85545-AC27-4D2B-8E4A-1A68DD958246}" sibTransId="{F717B399-6F1C-4235-B4F2-4D2B648DA606}"/>
     <dgm:cxn modelId="{0C437943-B23A-4DD3-A03A-EDF8EA6A5517}" type="presOf" srcId="{7ACFA93C-7D07-49F0-8C42-7D5E91B653A8}" destId="{3E4A9CB8-55CF-4791-BB63-B0F4EEC3DD43}" srcOrd="0" destOrd="0" presId="urn:microsoft.com/office/officeart/2018/2/layout/IconVerticalSolidList"/>
-    <dgm:cxn modelId="{8544A54F-4233-41E7-9BF2-83DBBF1213EF}" srcId="{7ACFA93C-7D07-49F0-8C42-7D5E91B653A8}" destId="{78551E11-D860-44B8-9992-958595B15793}" srcOrd="0" destOrd="0" parTransId="{C4BF5AEB-D8D0-45A4-9C24-B3B14910B1A4}" sibTransId="{F2482834-48CA-4A21-9F29-278FFE265B2D}"/>
     <dgm:cxn modelId="{F6616B50-B4CB-40CA-87F8-905C406FE16E}" type="presOf" srcId="{D9C87C10-F188-4356-8DD8-EEEE3B7200A0}" destId="{64431AD4-207D-4384-892E-D8F4624D8FBA}" srcOrd="0" destOrd="0" presId="urn:microsoft.com/office/officeart/2018/2/layout/IconVerticalSolidList"/>
-    <dgm:cxn modelId="{4CCB9E86-0BF8-4053-87E5-998E5F5476FF}" type="presOf" srcId="{78551E11-D860-44B8-9992-958595B15793}" destId="{0BC06F2B-E777-4F44-A621-16EC352B017A}" srcOrd="0" destOrd="0" presId="urn:microsoft.com/office/officeart/2018/2/layout/IconVerticalSolidList"/>
-    <dgm:cxn modelId="{76FD991D-DD1D-4931-922A-14388E6608C1}" type="presParOf" srcId="{3E4A9CB8-55CF-4791-BB63-B0F4EEC3DD43}" destId="{28D8DC73-B30C-4736-A18C-EF6812FE503F}" srcOrd="0" destOrd="0" presId="urn:microsoft.com/office/officeart/2018/2/layout/IconVerticalSolidList"/>
-    <dgm:cxn modelId="{DE3E8C4A-D965-422C-80CA-CE116601A4C6}" type="presParOf" srcId="{28D8DC73-B30C-4736-A18C-EF6812FE503F}" destId="{5039C880-FE0C-4DA6-910F-7601852C7343}" srcOrd="0" destOrd="0" presId="urn:microsoft.com/office/officeart/2018/2/layout/IconVerticalSolidList"/>
-    <dgm:cxn modelId="{560CB107-F498-4DF2-B1E7-CB6F502CB5B4}" type="presParOf" srcId="{28D8DC73-B30C-4736-A18C-EF6812FE503F}" destId="{F8AC9FF0-E5B7-4131-8DD0-D54B4C35D6AE}" srcOrd="1" destOrd="0" presId="urn:microsoft.com/office/officeart/2018/2/layout/IconVerticalSolidList"/>
-    <dgm:cxn modelId="{DC146089-CCF2-45BB-9FAA-9270C8019085}" type="presParOf" srcId="{28D8DC73-B30C-4736-A18C-EF6812FE503F}" destId="{4540D6E3-8963-495F-97FF-F94E55270E07}" srcOrd="2" destOrd="0" presId="urn:microsoft.com/office/officeart/2018/2/layout/IconVerticalSolidList"/>
-    <dgm:cxn modelId="{504B9D2A-C4DB-466B-956A-8A418CEB903F}" type="presParOf" srcId="{28D8DC73-B30C-4736-A18C-EF6812FE503F}" destId="{0BC06F2B-E777-4F44-A621-16EC352B017A}" srcOrd="3" destOrd="0" presId="urn:microsoft.com/office/officeart/2018/2/layout/IconVerticalSolidList"/>
-    <dgm:cxn modelId="{38522DA5-B7BB-4914-A4D4-CB90D7195BBD}" type="presParOf" srcId="{3E4A9CB8-55CF-4791-BB63-B0F4EEC3DD43}" destId="{F0531908-5015-414B-8E59-6FB119CC1541}" srcOrd="1" destOrd="0" presId="urn:microsoft.com/office/officeart/2018/2/layout/IconVerticalSolidList"/>
-    <dgm:cxn modelId="{B75B762E-679A-4D55-8D9C-8987E0EAEB54}" type="presParOf" srcId="{3E4A9CB8-55CF-4791-BB63-B0F4EEC3DD43}" destId="{965311E9-C5D0-438B-A696-CC9F78176384}" srcOrd="2" destOrd="0" presId="urn:microsoft.com/office/officeart/2018/2/layout/IconVerticalSolidList"/>
+    <dgm:cxn modelId="{C4AB939F-CFF9-498E-A3FF-84E626B9838E}" srcId="{7ACFA93C-7D07-49F0-8C42-7D5E91B653A8}" destId="{FB2E8499-566A-4E46-9F44-4F06A71B9070}" srcOrd="1" destOrd="0" parTransId="{922067FD-014A-4AD8-9F6B-595863A02451}" sibTransId="{07E17706-8B97-4CF3-8273-592DD9CF45D2}"/>
+    <dgm:cxn modelId="{D9E48FE7-D91E-4E52-B323-F4139746FFFC}" type="presOf" srcId="{FB2E8499-566A-4E46-9F44-4F06A71B9070}" destId="{50E17E94-8633-48A6-B0FB-DF924612DE62}" srcOrd="0" destOrd="0" presId="urn:microsoft.com/office/officeart/2018/2/layout/IconVerticalSolidList"/>
+    <dgm:cxn modelId="{B75B762E-679A-4D55-8D9C-8987E0EAEB54}" type="presParOf" srcId="{3E4A9CB8-55CF-4791-BB63-B0F4EEC3DD43}" destId="{965311E9-C5D0-438B-A696-CC9F78176384}" srcOrd="0" destOrd="0" presId="urn:microsoft.com/office/officeart/2018/2/layout/IconVerticalSolidList"/>
     <dgm:cxn modelId="{5444BBA1-022F-4AD5-996C-0D6B4A8DD57C}" type="presParOf" srcId="{965311E9-C5D0-438B-A696-CC9F78176384}" destId="{F22FE2D6-3269-4C71-9BCA-B9D6167560A2}" srcOrd="0" destOrd="0" presId="urn:microsoft.com/office/officeart/2018/2/layout/IconVerticalSolidList"/>
     <dgm:cxn modelId="{353ED29D-977F-4C82-B3B3-EEE0D3BEA4D2}" type="presParOf" srcId="{965311E9-C5D0-438B-A696-CC9F78176384}" destId="{9DA7BBAD-05DF-4A34-A479-23D81049ED8D}" srcOrd="1" destOrd="0" presId="urn:microsoft.com/office/officeart/2018/2/layout/IconVerticalSolidList"/>
     <dgm:cxn modelId="{FEFF0E89-667C-4A55-BCE5-412FEA5930B2}" type="presParOf" srcId="{965311E9-C5D0-438B-A696-CC9F78176384}" destId="{0E3371CE-837D-4666-B192-773157D68D1E}" srcOrd="2" destOrd="0" presId="urn:microsoft.com/office/officeart/2018/2/layout/IconVerticalSolidList"/>
     <dgm:cxn modelId="{B9273607-A75A-4A41-ADDF-F37F6D1A2E2C}" type="presParOf" srcId="{965311E9-C5D0-438B-A696-CC9F78176384}" destId="{64431AD4-207D-4384-892E-D8F4624D8FBA}" srcOrd="3" destOrd="0" presId="urn:microsoft.com/office/officeart/2018/2/layout/IconVerticalSolidList"/>
-    <dgm:cxn modelId="{453C7AD6-AFB3-484F-8042-838B04B06BC9}" type="presParOf" srcId="{3E4A9CB8-55CF-4791-BB63-B0F4EEC3DD43}" destId="{7B2CA6F7-88A0-4E5A-A913-2C87F7DC212C}" srcOrd="3" destOrd="0" presId="urn:microsoft.com/office/officeart/2018/2/layout/IconVerticalSolidList"/>
+    <dgm:cxn modelId="{453C7AD6-AFB3-484F-8042-838B04B06BC9}" type="presParOf" srcId="{3E4A9CB8-55CF-4791-BB63-B0F4EEC3DD43}" destId="{7B2CA6F7-88A0-4E5A-A913-2C87F7DC212C}" srcOrd="1" destOrd="0" presId="urn:microsoft.com/office/officeart/2018/2/layout/IconVerticalSolidList"/>
+    <dgm:cxn modelId="{6C7E9FEC-D9B4-4007-BCC0-310EDE0FF334}" type="presParOf" srcId="{3E4A9CB8-55CF-4791-BB63-B0F4EEC3DD43}" destId="{B743AA56-9DE4-4F1D-92BF-4F715405B79E}" srcOrd="2" destOrd="0" presId="urn:microsoft.com/office/officeart/2018/2/layout/IconVerticalSolidList"/>
+    <dgm:cxn modelId="{EED9E8F8-1467-4E2B-BC77-1355341A3840}" type="presParOf" srcId="{B743AA56-9DE4-4F1D-92BF-4F715405B79E}" destId="{5D3AA705-5128-4DF4-921C-CDC36FDC3906}" srcOrd="0" destOrd="0" presId="urn:microsoft.com/office/officeart/2018/2/layout/IconVerticalSolidList"/>
+    <dgm:cxn modelId="{EDEC258A-7BA6-4B86-8E91-3895D7607D2A}" type="presParOf" srcId="{B743AA56-9DE4-4F1D-92BF-4F715405B79E}" destId="{E34DBD9F-1342-44FE-A3E0-6519528B61B3}" srcOrd="1" destOrd="0" presId="urn:microsoft.com/office/officeart/2018/2/layout/IconVerticalSolidList"/>
+    <dgm:cxn modelId="{FB9901C2-2522-4C41-A3DB-D547BC28272B}" type="presParOf" srcId="{B743AA56-9DE4-4F1D-92BF-4F715405B79E}" destId="{C9459B19-6D97-4EFD-8BFB-64B69C8B8F53}" srcOrd="2" destOrd="0" presId="urn:microsoft.com/office/officeart/2018/2/layout/IconVerticalSolidList"/>
+    <dgm:cxn modelId="{D22E5749-0E25-4294-925D-EAD313EF9A4D}" type="presParOf" srcId="{B743AA56-9DE4-4F1D-92BF-4F715405B79E}" destId="{50E17E94-8633-48A6-B0FB-DF924612DE62}" srcOrd="3" destOrd="0" presId="urn:microsoft.com/office/officeart/2018/2/layout/IconVerticalSolidList"/>
+    <dgm:cxn modelId="{EC7702D3-3678-4336-A832-86A2E595C797}" type="presParOf" srcId="{3E4A9CB8-55CF-4791-BB63-B0F4EEC3DD43}" destId="{6F9B88E0-6031-4524-A97B-468AA82B672C}" srcOrd="3" destOrd="0" presId="urn:microsoft.com/office/officeart/2018/2/layout/IconVerticalSolidList"/>
     <dgm:cxn modelId="{A6D9A59C-BD0D-4FE7-AFA6-E4A8C6BAB801}" type="presParOf" srcId="{3E4A9CB8-55CF-4791-BB63-B0F4EEC3DD43}" destId="{FF8ECB04-292D-4844-A12A-509893A61A90}" srcOrd="4" destOrd="0" presId="urn:microsoft.com/office/officeart/2018/2/layout/IconVerticalSolidList"/>
     <dgm:cxn modelId="{9A35EC4C-099F-44F7-BFE3-8DD2A5C391C7}" type="presParOf" srcId="{FF8ECB04-292D-4844-A12A-509893A61A90}" destId="{8C8D02FE-FB19-4D3B-9148-90AE290AE10A}" srcOrd="0" destOrd="0" presId="urn:microsoft.com/office/officeart/2018/2/layout/IconVerticalSolidList"/>
     <dgm:cxn modelId="{9F9BA46C-FAD4-48A4-ABCE-4F2D69514B27}" type="presParOf" srcId="{FF8ECB04-292D-4844-A12A-509893A61A90}" destId="{9146751B-BF60-40D1-A8AE-F200B28D5BC9}" srcOrd="1" destOrd="0" presId="urn:microsoft.com/office/officeart/2018/2/layout/IconVerticalSolidList"/>
@@ -2502,8 +2402,8 @@
       </dsp:nvSpPr>
       <dsp:spPr>
         <a:xfrm>
-          <a:off x="270427" y="801712"/>
-          <a:ext cx="843873" cy="843873"/>
+          <a:off x="341781" y="586556"/>
+          <a:ext cx="1062615" cy="1062615"/>
         </a:xfrm>
         <a:prstGeom prst="ellipse">
           <a:avLst/>
@@ -2542,8 +2442,8 @@
       </dsp:nvSpPr>
       <dsp:spPr>
         <a:xfrm>
-          <a:off x="450268" y="981554"/>
-          <a:ext cx="484189" cy="484189"/>
+          <a:off x="568240" y="813015"/>
+          <a:ext cx="609697" cy="609697"/>
         </a:xfrm>
         <a:prstGeom prst="rect">
           <a:avLst/>
@@ -2590,8 +2490,8 @@
       </dsp:nvSpPr>
       <dsp:spPr>
         <a:xfrm>
-          <a:off x="664" y="1908431"/>
-          <a:ext cx="1383398" cy="553359"/>
+          <a:off x="2092" y="1980150"/>
+          <a:ext cx="1741992" cy="696796"/>
         </a:xfrm>
         <a:prstGeom prst="rect">
           <a:avLst/>
@@ -2620,7 +2520,7 @@
         </a:bodyPr>
         <a:lstStyle/>
         <a:p>
-          <a:pPr marL="0" lvl="0" indent="0" algn="ctr" defTabSz="533400">
+          <a:pPr marL="0" lvl="0" indent="0" algn="ctr" defTabSz="666750">
             <a:lnSpc>
               <a:spcPct val="100000"/>
             </a:lnSpc>
@@ -2634,14 +2534,14 @@
             <a:defRPr cap="all"/>
           </a:pPr>
           <a:r>
-            <a:rPr lang="en-US" sz="1200" kern="1200" dirty="0"/>
+            <a:rPr lang="en-US" sz="1500" kern="1200" dirty="0"/>
             <a:t>Data INTRODUCTION AND CLEANING</a:t>
           </a:r>
         </a:p>
       </dsp:txBody>
       <dsp:txXfrm>
-        <a:off x="664" y="1908431"/>
-        <a:ext cx="1383398" cy="553359"/>
+        <a:off x="2092" y="1980150"/>
+        <a:ext cx="1741992" cy="696796"/>
       </dsp:txXfrm>
     </dsp:sp>
     <dsp:sp modelId="{7CB44771-23F4-40BD-AE35-B5393FE5A9BD}">
@@ -2651,8 +2551,8 @@
       </dsp:nvSpPr>
       <dsp:spPr>
         <a:xfrm>
-          <a:off x="1895920" y="801712"/>
-          <a:ext cx="843873" cy="843873"/>
+          <a:off x="2388621" y="586556"/>
+          <a:ext cx="1062615" cy="1062615"/>
         </a:xfrm>
         <a:prstGeom prst="ellipse">
           <a:avLst/>
@@ -2691,8 +2591,8 @@
       </dsp:nvSpPr>
       <dsp:spPr>
         <a:xfrm>
-          <a:off x="2075762" y="981554"/>
-          <a:ext cx="484189" cy="484189"/>
+          <a:off x="2615080" y="813015"/>
+          <a:ext cx="609697" cy="609697"/>
         </a:xfrm>
         <a:prstGeom prst="rect">
           <a:avLst/>
@@ -2739,8 +2639,8 @@
       </dsp:nvSpPr>
       <dsp:spPr>
         <a:xfrm>
-          <a:off x="1626157" y="1908431"/>
-          <a:ext cx="1383398" cy="553359"/>
+          <a:off x="2048933" y="1980150"/>
+          <a:ext cx="1741992" cy="696796"/>
         </a:xfrm>
         <a:prstGeom prst="rect">
           <a:avLst/>
@@ -2769,7 +2669,7 @@
         </a:bodyPr>
         <a:lstStyle/>
         <a:p>
-          <a:pPr marL="0" lvl="0" indent="0" algn="ctr" defTabSz="533400">
+          <a:pPr marL="0" lvl="0" indent="0" algn="ctr" defTabSz="666750">
             <a:lnSpc>
               <a:spcPct val="100000"/>
             </a:lnSpc>
@@ -2783,25 +2683,25 @@
             <a:defRPr cap="all"/>
           </a:pPr>
           <a:r>
-            <a:rPr lang="en-US" sz="1200" kern="1200"/>
+            <a:rPr lang="en-US" sz="1500" kern="1200"/>
             <a:t>Application Development</a:t>
           </a:r>
         </a:p>
       </dsp:txBody>
       <dsp:txXfrm>
-        <a:off x="1626157" y="1908431"/>
-        <a:ext cx="1383398" cy="553359"/>
+        <a:off x="2048933" y="1980150"/>
+        <a:ext cx="1741992" cy="696796"/>
       </dsp:txXfrm>
     </dsp:sp>
-    <dsp:sp modelId="{CAC5FCF9-BF7D-4016-B93A-A4ACEED18E1B}">
+    <dsp:sp modelId="{832059D7-76BA-4E21-B161-A4E15E779493}">
       <dsp:nvSpPr>
         <dsp:cNvPr id="0" name=""/>
         <dsp:cNvSpPr/>
       </dsp:nvSpPr>
       <dsp:spPr>
         <a:xfrm>
-          <a:off x="3521413" y="801712"/>
-          <a:ext cx="843873" cy="843873"/>
+          <a:off x="4435462" y="586556"/>
+          <a:ext cx="1062615" cy="1062615"/>
         </a:xfrm>
         <a:prstGeom prst="ellipse">
           <a:avLst/>
@@ -2833,15 +2733,15 @@
         <a:fontRef idx="minor"/>
       </dsp:style>
     </dsp:sp>
-    <dsp:sp modelId="{E3E66B4C-F902-4968-920A-FB0CC4D36F39}">
+    <dsp:sp modelId="{0493B229-E50F-4EBA-8681-873DF11A6F97}">
       <dsp:nvSpPr>
         <dsp:cNvPr id="0" name=""/>
         <dsp:cNvSpPr/>
       </dsp:nvSpPr>
       <dsp:spPr>
         <a:xfrm>
-          <a:off x="3701255" y="981554"/>
-          <a:ext cx="484189" cy="484189"/>
+          <a:off x="4661921" y="813015"/>
+          <a:ext cx="609697" cy="609697"/>
         </a:xfrm>
         <a:prstGeom prst="rect">
           <a:avLst/>
@@ -2881,15 +2781,15 @@
         </a:fontRef>
       </dsp:style>
     </dsp:sp>
-    <dsp:sp modelId="{C00BA135-77C1-4413-B8C9-9CF9DF71BE4F}">
+    <dsp:sp modelId="{8D537994-233C-4B64-AF64-535FB5A84971}">
       <dsp:nvSpPr>
         <dsp:cNvPr id="0" name=""/>
         <dsp:cNvSpPr/>
       </dsp:nvSpPr>
       <dsp:spPr>
         <a:xfrm>
-          <a:off x="3251650" y="1908431"/>
-          <a:ext cx="1383398" cy="553359"/>
+          <a:off x="4095774" y="1980150"/>
+          <a:ext cx="1741992" cy="696796"/>
         </a:xfrm>
         <a:prstGeom prst="rect">
           <a:avLst/>
@@ -2918,7 +2818,7 @@
         </a:bodyPr>
         <a:lstStyle/>
         <a:p>
-          <a:pPr marL="0" lvl="0" indent="0" algn="ctr" defTabSz="533400">
+          <a:pPr marL="0" lvl="0" indent="0" algn="ctr" defTabSz="666750">
             <a:lnSpc>
               <a:spcPct val="100000"/>
             </a:lnSpc>
@@ -2932,25 +2832,25 @@
             <a:defRPr cap="all"/>
           </a:pPr>
           <a:r>
-            <a:rPr lang="en-US" sz="1200" kern="1200"/>
-            <a:t>Demonstration</a:t>
+            <a:rPr lang="en-US" sz="1500" kern="1200" dirty="0"/>
+            <a:t>Key Insights</a:t>
           </a:r>
         </a:p>
       </dsp:txBody>
       <dsp:txXfrm>
-        <a:off x="3251650" y="1908431"/>
-        <a:ext cx="1383398" cy="553359"/>
+        <a:off x="4095774" y="1980150"/>
+        <a:ext cx="1741992" cy="696796"/>
       </dsp:txXfrm>
     </dsp:sp>
-    <dsp:sp modelId="{832059D7-76BA-4E21-B161-A4E15E779493}">
+    <dsp:sp modelId="{EA849F21-AAC2-4581-BB34-ECC8401E89FA}">
       <dsp:nvSpPr>
         <dsp:cNvPr id="0" name=""/>
         <dsp:cNvSpPr/>
       </dsp:nvSpPr>
       <dsp:spPr>
         <a:xfrm>
-          <a:off x="5146906" y="801712"/>
-          <a:ext cx="843873" cy="843873"/>
+          <a:off x="6482303" y="586556"/>
+          <a:ext cx="1062615" cy="1062615"/>
         </a:xfrm>
         <a:prstGeom prst="ellipse">
           <a:avLst/>
@@ -2982,15 +2882,15 @@
         <a:fontRef idx="minor"/>
       </dsp:style>
     </dsp:sp>
-    <dsp:sp modelId="{0493B229-E50F-4EBA-8681-873DF11A6F97}">
+    <dsp:sp modelId="{5D87BD41-D4BC-47B7-95E9-F1E099701A3A}">
       <dsp:nvSpPr>
         <dsp:cNvPr id="0" name=""/>
         <dsp:cNvSpPr/>
       </dsp:nvSpPr>
       <dsp:spPr>
         <a:xfrm>
-          <a:off x="5326748" y="981554"/>
-          <a:ext cx="484189" cy="484189"/>
+          <a:off x="6708762" y="813015"/>
+          <a:ext cx="609697" cy="609697"/>
         </a:xfrm>
         <a:prstGeom prst="rect">
           <a:avLst/>
@@ -3030,15 +2930,15 @@
         </a:fontRef>
       </dsp:style>
     </dsp:sp>
-    <dsp:sp modelId="{8D537994-233C-4B64-AF64-535FB5A84971}">
+    <dsp:sp modelId="{D7FAFEE7-461A-40DC-A7ED-92995FC038CC}">
       <dsp:nvSpPr>
         <dsp:cNvPr id="0" name=""/>
         <dsp:cNvSpPr/>
       </dsp:nvSpPr>
       <dsp:spPr>
         <a:xfrm>
-          <a:off x="4877143" y="1908431"/>
-          <a:ext cx="1383398" cy="553359"/>
+          <a:off x="6142615" y="1980150"/>
+          <a:ext cx="1741992" cy="696796"/>
         </a:xfrm>
         <a:prstGeom prst="rect">
           <a:avLst/>
@@ -3067,7 +2967,7 @@
         </a:bodyPr>
         <a:lstStyle/>
         <a:p>
-          <a:pPr marL="0" lvl="0" indent="0" algn="ctr" defTabSz="533400">
+          <a:pPr marL="0" lvl="0" indent="0" algn="ctr" defTabSz="666750">
             <a:lnSpc>
               <a:spcPct val="100000"/>
             </a:lnSpc>
@@ -3081,163 +2981,14 @@
             <a:defRPr cap="all"/>
           </a:pPr>
           <a:r>
-            <a:rPr lang="en-US" sz="1200" kern="1200"/>
-            <a:t>Key Insights</a:t>
-          </a:r>
-        </a:p>
-      </dsp:txBody>
-      <dsp:txXfrm>
-        <a:off x="4877143" y="1908431"/>
-        <a:ext cx="1383398" cy="553359"/>
-      </dsp:txXfrm>
-    </dsp:sp>
-    <dsp:sp modelId="{EA849F21-AAC2-4581-BB34-ECC8401E89FA}">
-      <dsp:nvSpPr>
-        <dsp:cNvPr id="0" name=""/>
-        <dsp:cNvSpPr/>
-      </dsp:nvSpPr>
-      <dsp:spPr>
-        <a:xfrm>
-          <a:off x="6772399" y="801712"/>
-          <a:ext cx="843873" cy="843873"/>
-        </a:xfrm>
-        <a:prstGeom prst="ellipse">
-          <a:avLst/>
-        </a:prstGeom>
-        <a:solidFill>
-          <a:schemeClr val="accent6">
-            <a:tint val="40000"/>
-            <a:hueOff val="0"/>
-            <a:satOff val="0"/>
-            <a:lumOff val="0"/>
-            <a:alphaOff val="0"/>
-          </a:schemeClr>
-        </a:solidFill>
-        <a:ln>
-          <a:noFill/>
-        </a:ln>
-        <a:effectLst/>
-      </dsp:spPr>
-      <dsp:style>
-        <a:lnRef idx="0">
-          <a:scrgbClr r="0" g="0" b="0"/>
-        </a:lnRef>
-        <a:fillRef idx="1">
-          <a:scrgbClr r="0" g="0" b="0"/>
-        </a:fillRef>
-        <a:effectRef idx="2">
-          <a:scrgbClr r="0" g="0" b="0"/>
-        </a:effectRef>
-        <a:fontRef idx="minor"/>
-      </dsp:style>
-    </dsp:sp>
-    <dsp:sp modelId="{5D87BD41-D4BC-47B7-95E9-F1E099701A3A}">
-      <dsp:nvSpPr>
-        <dsp:cNvPr id="0" name=""/>
-        <dsp:cNvSpPr/>
-      </dsp:nvSpPr>
-      <dsp:spPr>
-        <a:xfrm>
-          <a:off x="6952241" y="981554"/>
-          <a:ext cx="484189" cy="484189"/>
-        </a:xfrm>
-        <a:prstGeom prst="rect">
-          <a:avLst/>
-        </a:prstGeom>
-        <a:blipFill>
-          <a:blip xmlns:r="http://schemas.openxmlformats.org/officeDocument/2006/relationships" r:embed="rId9">
-            <a:extLst>
-              <a:ext uri="{28A0092B-C50C-407E-A947-70E740481C1C}">
-                <a14:useLocalDpi xmlns:a14="http://schemas.microsoft.com/office/drawing/2010/main" val="0"/>
-              </a:ext>
-              <a:ext uri="{96DAC541-7B7A-43D3-8B79-37D633B846F1}">
-                <asvg:svgBlip xmlns:asvg="http://schemas.microsoft.com/office/drawing/2016/SVG/main" r:embed="rId10"/>
-              </a:ext>
-            </a:extLst>
-          </a:blip>
-          <a:stretch>
-            <a:fillRect/>
-          </a:stretch>
-        </a:blipFill>
-        <a:ln>
-          <a:noFill/>
-        </a:ln>
-        <a:effectLst/>
-      </dsp:spPr>
-      <dsp:style>
-        <a:lnRef idx="0">
-          <a:scrgbClr r="0" g="0" b="0"/>
-        </a:lnRef>
-        <a:fillRef idx="3">
-          <a:scrgbClr r="0" g="0" b="0"/>
-        </a:fillRef>
-        <a:effectRef idx="2">
-          <a:scrgbClr r="0" g="0" b="0"/>
-        </a:effectRef>
-        <a:fontRef idx="minor">
-          <a:schemeClr val="lt1"/>
-        </a:fontRef>
-      </dsp:style>
-    </dsp:sp>
-    <dsp:sp modelId="{D7FAFEE7-461A-40DC-A7ED-92995FC038CC}">
-      <dsp:nvSpPr>
-        <dsp:cNvPr id="0" name=""/>
-        <dsp:cNvSpPr/>
-      </dsp:nvSpPr>
-      <dsp:spPr>
-        <a:xfrm>
-          <a:off x="6502637" y="1908431"/>
-          <a:ext cx="1383398" cy="553359"/>
-        </a:xfrm>
-        <a:prstGeom prst="rect">
-          <a:avLst/>
-        </a:prstGeom>
-        <a:noFill/>
-        <a:ln>
-          <a:noFill/>
-        </a:ln>
-        <a:effectLst/>
-      </dsp:spPr>
-      <dsp:style>
-        <a:lnRef idx="0">
-          <a:scrgbClr r="0" g="0" b="0"/>
-        </a:lnRef>
-        <a:fillRef idx="0">
-          <a:scrgbClr r="0" g="0" b="0"/>
-        </a:fillRef>
-        <a:effectRef idx="0">
-          <a:scrgbClr r="0" g="0" b="0"/>
-        </a:effectRef>
-        <a:fontRef idx="minor"/>
-      </dsp:style>
-      <dsp:txBody>
-        <a:bodyPr spcFirstLastPara="0" vert="horz" wrap="square" lIns="0" tIns="0" rIns="0" bIns="0" numCol="1" spcCol="1270" anchor="t" anchorCtr="0">
-          <a:noAutofit/>
-        </a:bodyPr>
-        <a:lstStyle/>
-        <a:p>
-          <a:pPr marL="0" lvl="0" indent="0" algn="ctr" defTabSz="533400">
-            <a:lnSpc>
-              <a:spcPct val="100000"/>
-            </a:lnSpc>
-            <a:spcBef>
-              <a:spcPct val="0"/>
-            </a:spcBef>
-            <a:spcAft>
-              <a:spcPct val="35000"/>
-            </a:spcAft>
-            <a:buNone/>
-            <a:defRPr cap="all"/>
-          </a:pPr>
-          <a:r>
-            <a:rPr lang="en-US" sz="1200" kern="1200"/>
+            <a:rPr lang="en-US" sz="1500" kern="1200"/>
             <a:t>Moving Forward</a:t>
           </a:r>
         </a:p>
       </dsp:txBody>
       <dsp:txXfrm>
-        <a:off x="6502637" y="1908431"/>
-        <a:ext cx="1383398" cy="553359"/>
+        <a:off x="6142615" y="1980150"/>
+        <a:ext cx="1741992" cy="696796"/>
       </dsp:txXfrm>
     </dsp:sp>
   </dsp:spTree>
@@ -3252,7 +3003,7 @@
       <dsp:cNvGrpSpPr/>
     </dsp:nvGrpSpPr>
     <dsp:grpSpPr/>
-    <dsp:sp modelId="{5039C880-FE0C-4DA6-910F-7601852C7343}">
+    <dsp:sp modelId="{F22FE2D6-3269-4C71-9BCA-B9D6167560A2}">
       <dsp:nvSpPr>
         <dsp:cNvPr id="0" name=""/>
         <dsp:cNvSpPr/>
@@ -3294,7 +3045,7 @@
         <a:fontRef idx="minor"/>
       </dsp:style>
     </dsp:sp>
-    <dsp:sp modelId="{F8AC9FF0-E5B7-4131-8DD0-D54B4C35D6AE}">
+    <dsp:sp modelId="{9DA7BBAD-05DF-4A34-A479-23D81049ED8D}">
       <dsp:nvSpPr>
         <dsp:cNvPr id="0" name=""/>
         <dsp:cNvSpPr/>
@@ -3340,7 +3091,7 @@
         </a:fontRef>
       </dsp:style>
     </dsp:sp>
-    <dsp:sp modelId="{0BC06F2B-E777-4F44-A621-16EC352B017A}">
+    <dsp:sp modelId="{64431AD4-207D-4384-892E-D8F4624D8FBA}">
       <dsp:nvSpPr>
         <dsp:cNvPr id="0" name=""/>
         <dsp:cNvSpPr/>
@@ -3391,7 +3142,7 @@
           </a:pPr>
           <a:r>
             <a:rPr lang="en-US" sz="2000" kern="1200" dirty="0"/>
-            <a:t>Accounted for ordinality.</a:t>
+            <a:t>Joined tables on XID.</a:t>
           </a:r>
         </a:p>
       </dsp:txBody>
@@ -3400,7 +3151,7 @@
         <a:ext cx="6872150" cy="878397"/>
       </dsp:txXfrm>
     </dsp:sp>
-    <dsp:sp modelId="{F22FE2D6-3269-4C71-9BCA-B9D6167560A2}">
+    <dsp:sp modelId="{5D3AA705-5128-4DF4-921C-CDC36FDC3906}">
       <dsp:nvSpPr>
         <dsp:cNvPr id="0" name=""/>
         <dsp:cNvSpPr/>
@@ -3442,7 +3193,7 @@
         <a:fontRef idx="minor"/>
       </dsp:style>
     </dsp:sp>
-    <dsp:sp modelId="{9DA7BBAD-05DF-4A34-A479-23D81049ED8D}">
+    <dsp:sp modelId="{E34DBD9F-1342-44FE-A3E0-6519528B61B3}">
       <dsp:nvSpPr>
         <dsp:cNvPr id="0" name=""/>
         <dsp:cNvSpPr/>
@@ -3488,7 +3239,7 @@
         </a:fontRef>
       </dsp:style>
     </dsp:sp>
-    <dsp:sp modelId="{64431AD4-207D-4384-892E-D8F4624D8FBA}">
+    <dsp:sp modelId="{50E17E94-8633-48A6-B0FB-DF924612DE62}">
       <dsp:nvSpPr>
         <dsp:cNvPr id="0" name=""/>
         <dsp:cNvSpPr/>
@@ -3538,9 +3289,10 @@
             <a:buNone/>
           </a:pPr>
           <a:r>
-            <a:rPr lang="en-US" sz="2000" kern="1200" dirty="0"/>
-            <a:t>Joined tables on XID.</a:t>
+            <a:rPr lang="en-US" sz="2000" kern="1200"/>
+            <a:t>Accounted for ordinality.</a:t>
           </a:r>
+          <a:endParaRPr lang="en-US" sz="2000" kern="1200" dirty="0"/>
         </a:p>
       </dsp:txBody>
       <dsp:txXfrm>
@@ -6359,7 +6111,7 @@
           <a:p>
             <a:fld id="{07068E3F-EE1F-4700-9939-B081F4A99B2A}" type="datetimeFigureOut">
               <a:rPr lang="en-US" smtClean="0"/>
-              <a:t>2/23/2025</a:t>
+              <a:t>2/24/2025</a:t>
             </a:fld>
             <a:endParaRPr lang="en-US"/>
           </a:p>
@@ -6672,7 +6424,7 @@
           <a:p>
             <a:r>
               <a:rPr lang="en-US" dirty="0"/>
-              <a:t>Good afternoon, everyone, and welcome to my presentation on the proof-of-concept Exploratory Data Application that I developed for the simulated Orientation Survey results.</a:t>
+              <a:t>Good afternoon, everyone, and welcome to my presentation on the proof-of-concept Exploratory Data Application that I developed for the Orientation Survey results.</a:t>
             </a:r>
           </a:p>
         </p:txBody>
@@ -6777,7 +6529,7 @@
           <a:p>
             <a:r>
               <a:rPr lang="en-US" dirty="0"/>
-              <a:t>I’ll follow that with a brief demonstration of the app and share some examples of key insights that a user may glean from using it.</a:t>
+              <a:t>I’ll follow that with some examples of key insights that a user might glean from using it.</a:t>
             </a:r>
           </a:p>
           <a:p>
@@ -6896,7 +6648,16 @@
           <a:p>
             <a:r>
               <a:rPr lang="en-US" dirty="0"/>
-              <a:t>In addition, there were 8 statements separately classified as regarding “Grit.” In contrast to the previous questions, it’s important to note that not all these statements could be deemed “positive.” For instance, one read “I am diligent” but another was “I have difficulty maintaining my focus.” </a:t>
+              <a:t>In addition, there were 8 statements separately classified as regarding “Grit.” In contrast to the previous questions, it’s important to note that not all these statements could be deemed “positive.” For instance, one read “I am diligent” but another was along the lines of “I have difficulty maintaining my focus.”</a:t>
+            </a:r>
+          </a:p>
+          <a:p>
+            <a:endParaRPr lang="en-US" dirty="0"/>
+          </a:p>
+          <a:p>
+            <a:r>
+              <a:rPr lang="en-US" dirty="0"/>
+              <a:t>The second table contained demographic information for all students, not just those that completed the survey.</a:t>
             </a:r>
           </a:p>
         </p:txBody>
@@ -7007,7 +6768,19 @@
           <a:p>
             <a:r>
               <a:rPr lang="en-US" dirty="0"/>
+              <a:t>-Since I wanted to focus on those students that did submit the survey, I joined the two tables on  the ID column such that each observation in the results table included that respective student’s demographic information.</a:t>
+            </a:r>
+          </a:p>
+          <a:p>
+            <a:r>
+              <a:rPr lang="en-US" dirty="0"/>
               <a:t>-Survey responses ranged from “Strongly disagree” to “Strongly agree”, or for the Grit questions, “Not at all like me” to “Very much like me.” To complete quantitative analysis, these columns were converted to ordinal data ranging from 1 to 5, with 5 being the most positive.</a:t>
+            </a:r>
+          </a:p>
+          <a:p>
+            <a:r>
+              <a:rPr lang="en-US" dirty="0"/>
+              <a:t>-Additionally, I opted to refactor certain data to improve its readability, such as replacing “Y” and “N” with “Yes” and “No” and representing each question’s contents in a keyword or two rather than the whole statement.</a:t>
             </a:r>
           </a:p>
         </p:txBody>
@@ -7045,6 +6818,530 @@
     <p:extLst>
       <p:ext uri="{BB962C8B-B14F-4D97-AF65-F5344CB8AC3E}">
         <p14:creationId xmlns:p14="http://schemas.microsoft.com/office/powerpoint/2010/main" val="1518960608"/>
+      </p:ext>
+    </p:extLst>
+  </p:cSld>
+  <p:clrMapOvr>
+    <a:masterClrMapping/>
+  </p:clrMapOvr>
+</p:notes>
+</file>
+
+<file path=ppt/notesSlides/notesSlide5.xml><?xml version="1.0" encoding="utf-8"?>
+<p:notes xmlns:a="http://schemas.openxmlformats.org/drawingml/2006/main" xmlns:r="http://schemas.openxmlformats.org/officeDocument/2006/relationships" xmlns:p="http://schemas.openxmlformats.org/presentationml/2006/main">
+  <p:cSld>
+    <p:spTree>
+      <p:nvGrpSpPr>
+        <p:cNvPr id="1" name=""/>
+        <p:cNvGrpSpPr/>
+        <p:nvPr/>
+      </p:nvGrpSpPr>
+      <p:grpSpPr>
+        <a:xfrm>
+          <a:off x="0" y="0"/>
+          <a:ext cx="0" cy="0"/>
+          <a:chOff x="0" y="0"/>
+          <a:chExt cx="0" cy="0"/>
+        </a:xfrm>
+      </p:grpSpPr>
+      <p:sp>
+        <p:nvSpPr>
+          <p:cNvPr id="2" name="Slide Image Placeholder 1"/>
+          <p:cNvSpPr>
+            <a:spLocks noGrp="1" noRot="1" noChangeAspect="1"/>
+          </p:cNvSpPr>
+          <p:nvPr>
+            <p:ph type="sldImg"/>
+          </p:nvPr>
+        </p:nvSpPr>
+        <p:spPr/>
+      </p:sp>
+      <p:sp>
+        <p:nvSpPr>
+          <p:cNvPr id="3" name="Notes Placeholder 2"/>
+          <p:cNvSpPr>
+            <a:spLocks noGrp="1"/>
+          </p:cNvSpPr>
+          <p:nvPr>
+            <p:ph type="body" idx="1"/>
+          </p:nvPr>
+        </p:nvSpPr>
+        <p:spPr/>
+        <p:txBody>
+          <a:bodyPr/>
+          <a:lstStyle/>
+          <a:p>
+            <a:r>
+              <a:rPr lang="en-US" dirty="0"/>
+              <a:t>Now on to the actual development. I chose to work within the R Shiny framework for a couple of reasons.</a:t>
+            </a:r>
+          </a:p>
+          <a:p>
+            <a:r>
+              <a:rPr lang="en-US" dirty="0"/>
+              <a:t>One, I find the base structure of Shiny apps and R plots to be much more intuitive than that of say matplotlib or seaborn in Python.</a:t>
+            </a:r>
+          </a:p>
+          <a:p>
+            <a:r>
+              <a:rPr lang="en-US" dirty="0"/>
+              <a:t>Additionally, this framework in conjunction with the R Studio IDE lends itself to easy deployment both locally and on the web.</a:t>
+            </a:r>
+          </a:p>
+          <a:p>
+            <a:r>
+              <a:rPr lang="en-US" dirty="0"/>
+              <a:t>Also, these apps are specifically structured to implement CSS and JavaScript code for more control over User Experience.</a:t>
+            </a:r>
+          </a:p>
+          <a:p>
+            <a:endParaRPr lang="en-US" dirty="0"/>
+          </a:p>
+          <a:p>
+            <a:r>
+              <a:rPr lang="en-US" dirty="0"/>
+              <a:t>Speaking of user experience, the user interface in organized in a tab-based, point-and-click fashion. I find this to be a great option when designing applications for the lowest common denominator, where I don’t know how familiar the user is with the data in question. This would be in contrast to requiring the user query specific variables or scroll through a data table.</a:t>
+            </a:r>
+          </a:p>
+        </p:txBody>
+      </p:sp>
+      <p:sp>
+        <p:nvSpPr>
+          <p:cNvPr id="4" name="Slide Number Placeholder 3"/>
+          <p:cNvSpPr>
+            <a:spLocks noGrp="1"/>
+          </p:cNvSpPr>
+          <p:nvPr>
+            <p:ph type="sldNum" sz="quarter" idx="5"/>
+          </p:nvPr>
+        </p:nvSpPr>
+        <p:spPr/>
+        <p:txBody>
+          <a:bodyPr/>
+          <a:lstStyle/>
+          <a:p>
+            <a:fld id="{55F475E8-DF79-4D15-BE9D-AB07ECBE967F}" type="slidenum">
+              <a:rPr lang="en-US" smtClean="0"/>
+              <a:t>5</a:t>
+            </a:fld>
+            <a:endParaRPr lang="en-US"/>
+          </a:p>
+        </p:txBody>
+      </p:sp>
+    </p:spTree>
+    <p:extLst>
+      <p:ext uri="{BB962C8B-B14F-4D97-AF65-F5344CB8AC3E}">
+        <p14:creationId xmlns:p14="http://schemas.microsoft.com/office/powerpoint/2010/main" val="1328170537"/>
+      </p:ext>
+    </p:extLst>
+  </p:cSld>
+  <p:clrMapOvr>
+    <a:masterClrMapping/>
+  </p:clrMapOvr>
+</p:notes>
+</file>
+
+<file path=ppt/notesSlides/notesSlide6.xml><?xml version="1.0" encoding="utf-8"?>
+<p:notes xmlns:a="http://schemas.openxmlformats.org/drawingml/2006/main" xmlns:r="http://schemas.openxmlformats.org/officeDocument/2006/relationships" xmlns:p="http://schemas.openxmlformats.org/presentationml/2006/main">
+  <p:cSld>
+    <p:spTree>
+      <p:nvGrpSpPr>
+        <p:cNvPr id="1" name=""/>
+        <p:cNvGrpSpPr/>
+        <p:nvPr/>
+      </p:nvGrpSpPr>
+      <p:grpSpPr>
+        <a:xfrm>
+          <a:off x="0" y="0"/>
+          <a:ext cx="0" cy="0"/>
+          <a:chOff x="0" y="0"/>
+          <a:chExt cx="0" cy="0"/>
+        </a:xfrm>
+      </p:grpSpPr>
+      <p:sp>
+        <p:nvSpPr>
+          <p:cNvPr id="2" name="Slide Image Placeholder 1"/>
+          <p:cNvSpPr>
+            <a:spLocks noGrp="1" noRot="1" noChangeAspect="1"/>
+          </p:cNvSpPr>
+          <p:nvPr>
+            <p:ph type="sldImg"/>
+          </p:nvPr>
+        </p:nvSpPr>
+        <p:spPr/>
+      </p:sp>
+      <p:sp>
+        <p:nvSpPr>
+          <p:cNvPr id="3" name="Notes Placeholder 2"/>
+          <p:cNvSpPr>
+            <a:spLocks noGrp="1"/>
+          </p:cNvSpPr>
+          <p:nvPr>
+            <p:ph type="body" idx="1"/>
+          </p:nvPr>
+        </p:nvSpPr>
+        <p:spPr/>
+        <p:txBody>
+          <a:bodyPr/>
+          <a:lstStyle/>
+          <a:p>
+            <a:r>
+              <a:rPr lang="en-US" dirty="0"/>
+              <a:t>So, what can the app be used for? I mentioned that it’s a tab-based interface, and the two tabs offer “Free Exploration” and “Demographic Analysis.” The “Free Exploration” tab allows users to view the distribution of responses to each individual statement, filtered to their liking by demographic properties.</a:t>
+            </a:r>
+          </a:p>
+          <a:p>
+            <a:endParaRPr lang="en-US" dirty="0"/>
+          </a:p>
+          <a:p>
+            <a:r>
+              <a:rPr lang="en-US" dirty="0"/>
+              <a:t>The “Demographic Analysis,” on the other hand, groups the statements by common theme. My thought was that this would make it easier to reach categorical conclusions about differing responses among demographic groups. In addition to the graphical representation of any difference, I performed a simple Analysis of Variance test to check the significance of said difference.</a:t>
+            </a:r>
+          </a:p>
+        </p:txBody>
+      </p:sp>
+      <p:sp>
+        <p:nvSpPr>
+          <p:cNvPr id="4" name="Slide Number Placeholder 3"/>
+          <p:cNvSpPr>
+            <a:spLocks noGrp="1"/>
+          </p:cNvSpPr>
+          <p:nvPr>
+            <p:ph type="sldNum" sz="quarter" idx="5"/>
+          </p:nvPr>
+        </p:nvSpPr>
+        <p:spPr/>
+        <p:txBody>
+          <a:bodyPr/>
+          <a:lstStyle/>
+          <a:p>
+            <a:fld id="{55F475E8-DF79-4D15-BE9D-AB07ECBE967F}" type="slidenum">
+              <a:rPr lang="en-US" smtClean="0"/>
+              <a:t>6</a:t>
+            </a:fld>
+            <a:endParaRPr lang="en-US"/>
+          </a:p>
+        </p:txBody>
+      </p:sp>
+    </p:spTree>
+    <p:extLst>
+      <p:ext uri="{BB962C8B-B14F-4D97-AF65-F5344CB8AC3E}">
+        <p14:creationId xmlns:p14="http://schemas.microsoft.com/office/powerpoint/2010/main" val="3716765576"/>
+      </p:ext>
+    </p:extLst>
+  </p:cSld>
+  <p:clrMapOvr>
+    <a:masterClrMapping/>
+  </p:clrMapOvr>
+</p:notes>
+</file>
+
+<file path=ppt/notesSlides/notesSlide7.xml><?xml version="1.0" encoding="utf-8"?>
+<p:notes xmlns:a="http://schemas.openxmlformats.org/drawingml/2006/main" xmlns:r="http://schemas.openxmlformats.org/officeDocument/2006/relationships" xmlns:p="http://schemas.openxmlformats.org/presentationml/2006/main">
+  <p:cSld>
+    <p:spTree>
+      <p:nvGrpSpPr>
+        <p:cNvPr id="1" name=""/>
+        <p:cNvGrpSpPr/>
+        <p:nvPr/>
+      </p:nvGrpSpPr>
+      <p:grpSpPr>
+        <a:xfrm>
+          <a:off x="0" y="0"/>
+          <a:ext cx="0" cy="0"/>
+          <a:chOff x="0" y="0"/>
+          <a:chExt cx="0" cy="0"/>
+        </a:xfrm>
+      </p:grpSpPr>
+      <p:sp>
+        <p:nvSpPr>
+          <p:cNvPr id="2" name="Slide Image Placeholder 1"/>
+          <p:cNvSpPr>
+            <a:spLocks noGrp="1" noRot="1" noChangeAspect="1"/>
+          </p:cNvSpPr>
+          <p:nvPr>
+            <p:ph type="sldImg"/>
+          </p:nvPr>
+        </p:nvSpPr>
+        <p:spPr/>
+      </p:sp>
+      <p:sp>
+        <p:nvSpPr>
+          <p:cNvPr id="3" name="Notes Placeholder 2"/>
+          <p:cNvSpPr>
+            <a:spLocks noGrp="1"/>
+          </p:cNvSpPr>
+          <p:nvPr>
+            <p:ph type="body" idx="1"/>
+          </p:nvPr>
+        </p:nvSpPr>
+        <p:spPr/>
+        <p:txBody>
+          <a:bodyPr/>
+          <a:lstStyle/>
+          <a:p>
+            <a:r>
+              <a:rPr lang="en-US" dirty="0"/>
+              <a:t>One quick note about optimization:</a:t>
+            </a:r>
+          </a:p>
+          <a:p>
+            <a:r>
+              <a:rPr lang="en-US" dirty="0"/>
+              <a:t>The default reactive paradigm in Shiny is to update a given output when any of its input variables is updated. This would mean that as the users flip through demographic categories, updating filters or changing the question of interest, the app would need to generate and display a new plot any time there’s a change. This isn’t a huge problem when dealing with small datasets like this one, but as a point of good practice …</a:t>
+            </a:r>
+          </a:p>
+        </p:txBody>
+      </p:sp>
+      <p:sp>
+        <p:nvSpPr>
+          <p:cNvPr id="4" name="Slide Number Placeholder 3"/>
+          <p:cNvSpPr>
+            <a:spLocks noGrp="1"/>
+          </p:cNvSpPr>
+          <p:nvPr>
+            <p:ph type="sldNum" sz="quarter" idx="5"/>
+          </p:nvPr>
+        </p:nvSpPr>
+        <p:spPr/>
+        <p:txBody>
+          <a:bodyPr/>
+          <a:lstStyle/>
+          <a:p>
+            <a:fld id="{55F475E8-DF79-4D15-BE9D-AB07ECBE967F}" type="slidenum">
+              <a:rPr lang="en-US" smtClean="0"/>
+              <a:t>7</a:t>
+            </a:fld>
+            <a:endParaRPr lang="en-US"/>
+          </a:p>
+        </p:txBody>
+      </p:sp>
+    </p:spTree>
+    <p:extLst>
+      <p:ext uri="{BB962C8B-B14F-4D97-AF65-F5344CB8AC3E}">
+        <p14:creationId xmlns:p14="http://schemas.microsoft.com/office/powerpoint/2010/main" val="1438983850"/>
+      </p:ext>
+    </p:extLst>
+  </p:cSld>
+  <p:clrMapOvr>
+    <a:masterClrMapping/>
+  </p:clrMapOvr>
+</p:notes>
+</file>
+
+<file path=ppt/notesSlides/notesSlide8.xml><?xml version="1.0" encoding="utf-8"?>
+<p:notes xmlns:a="http://schemas.openxmlformats.org/drawingml/2006/main" xmlns:r="http://schemas.openxmlformats.org/officeDocument/2006/relationships" xmlns:p="http://schemas.openxmlformats.org/presentationml/2006/main">
+  <p:cSld>
+    <p:spTree>
+      <p:nvGrpSpPr>
+        <p:cNvPr id="1" name=""/>
+        <p:cNvGrpSpPr/>
+        <p:nvPr/>
+      </p:nvGrpSpPr>
+      <p:grpSpPr>
+        <a:xfrm>
+          <a:off x="0" y="0"/>
+          <a:ext cx="0" cy="0"/>
+          <a:chOff x="0" y="0"/>
+          <a:chExt cx="0" cy="0"/>
+        </a:xfrm>
+      </p:grpSpPr>
+      <p:sp>
+        <p:nvSpPr>
+          <p:cNvPr id="2" name="Slide Image Placeholder 1"/>
+          <p:cNvSpPr>
+            <a:spLocks noGrp="1" noRot="1" noChangeAspect="1"/>
+          </p:cNvSpPr>
+          <p:nvPr>
+            <p:ph type="sldImg"/>
+          </p:nvPr>
+        </p:nvSpPr>
+        <p:spPr/>
+      </p:sp>
+      <p:sp>
+        <p:nvSpPr>
+          <p:cNvPr id="3" name="Notes Placeholder 2"/>
+          <p:cNvSpPr>
+            <a:spLocks noGrp="1"/>
+          </p:cNvSpPr>
+          <p:nvPr>
+            <p:ph type="body" idx="1"/>
+          </p:nvPr>
+        </p:nvSpPr>
+        <p:spPr/>
+        <p:txBody>
+          <a:bodyPr/>
+          <a:lstStyle/>
+          <a:p>
+            <a:r>
+              <a:rPr lang="en-US" dirty="0"/>
+              <a:t>I added a button to each tab to act as a buffer between selecting variables and updating the plot. This can hugely improve the performance of the app as it saves both memory and computational power.</a:t>
+            </a:r>
+          </a:p>
+        </p:txBody>
+      </p:sp>
+      <p:sp>
+        <p:nvSpPr>
+          <p:cNvPr id="4" name="Slide Number Placeholder 3"/>
+          <p:cNvSpPr>
+            <a:spLocks noGrp="1"/>
+          </p:cNvSpPr>
+          <p:nvPr>
+            <p:ph type="sldNum" sz="quarter" idx="5"/>
+          </p:nvPr>
+        </p:nvSpPr>
+        <p:spPr/>
+        <p:txBody>
+          <a:bodyPr/>
+          <a:lstStyle/>
+          <a:p>
+            <a:fld id="{55F475E8-DF79-4D15-BE9D-AB07ECBE967F}" type="slidenum">
+              <a:rPr lang="en-US" smtClean="0"/>
+              <a:t>8</a:t>
+            </a:fld>
+            <a:endParaRPr lang="en-US"/>
+          </a:p>
+        </p:txBody>
+      </p:sp>
+    </p:spTree>
+    <p:extLst>
+      <p:ext uri="{BB962C8B-B14F-4D97-AF65-F5344CB8AC3E}">
+        <p14:creationId xmlns:p14="http://schemas.microsoft.com/office/powerpoint/2010/main" val="2523450939"/>
+      </p:ext>
+    </p:extLst>
+  </p:cSld>
+  <p:clrMapOvr>
+    <a:masterClrMapping/>
+  </p:clrMapOvr>
+</p:notes>
+</file>
+
+<file path=ppt/notesSlides/notesSlide9.xml><?xml version="1.0" encoding="utf-8"?>
+<p:notes xmlns:a="http://schemas.openxmlformats.org/drawingml/2006/main" xmlns:r="http://schemas.openxmlformats.org/officeDocument/2006/relationships" xmlns:p="http://schemas.openxmlformats.org/presentationml/2006/main">
+  <p:cSld>
+    <p:spTree>
+      <p:nvGrpSpPr>
+        <p:cNvPr id="1" name=""/>
+        <p:cNvGrpSpPr/>
+        <p:nvPr/>
+      </p:nvGrpSpPr>
+      <p:grpSpPr>
+        <a:xfrm>
+          <a:off x="0" y="0"/>
+          <a:ext cx="0" cy="0"/>
+          <a:chOff x="0" y="0"/>
+          <a:chExt cx="0" cy="0"/>
+        </a:xfrm>
+      </p:grpSpPr>
+      <p:sp>
+        <p:nvSpPr>
+          <p:cNvPr id="2" name="Slide Image Placeholder 1"/>
+          <p:cNvSpPr>
+            <a:spLocks noGrp="1" noRot="1" noChangeAspect="1"/>
+          </p:cNvSpPr>
+          <p:nvPr>
+            <p:ph type="sldImg"/>
+          </p:nvPr>
+        </p:nvSpPr>
+        <p:spPr/>
+      </p:sp>
+      <p:sp>
+        <p:nvSpPr>
+          <p:cNvPr id="3" name="Notes Placeholder 2"/>
+          <p:cNvSpPr>
+            <a:spLocks noGrp="1"/>
+          </p:cNvSpPr>
+          <p:nvPr>
+            <p:ph type="body" idx="1"/>
+          </p:nvPr>
+        </p:nvSpPr>
+        <p:spPr/>
+        <p:txBody>
+          <a:bodyPr/>
+          <a:lstStyle/>
+          <a:p>
+            <a:r>
+              <a:rPr lang="en-US" dirty="0"/>
+              <a:t>Looking to the future, a few things jump out at me as necessary and important improvements.</a:t>
+            </a:r>
+          </a:p>
+          <a:p>
+            <a:r>
+              <a:rPr lang="en-US" dirty="0"/>
+              <a:t>For one, the hard deadline on this project forced me to take certain shortcuts in code elegance, meaning that it’s likely not as efficient as I would like. Given more time, I would focus some energy on refactoring the actual codebase.</a:t>
+            </a:r>
+          </a:p>
+          <a:p>
+            <a:r>
+              <a:rPr lang="en-US" dirty="0"/>
+              <a:t>Additionally, if this application were to be scaled for use on larger datasets, I would consider implementing relative random sampling rather that attempting to analyze the entire dataset. This app is designed to be a top-level exploration tool, not a full statistical analysis, so I would want to prioritize ease of access and quick performance over total precision.</a:t>
+            </a:r>
+          </a:p>
+          <a:p>
+            <a:endParaRPr lang="en-US" dirty="0"/>
+          </a:p>
+          <a:p>
+            <a:r>
+              <a:rPr lang="en-US" dirty="0"/>
+              <a:t>And like I mentioned, Shiny apps lend themselves extremely well to integration with CSS and JavaScript. I did use a bit of CSS for this proof of concept, but there are certainly more implementations I would want to experiment with.</a:t>
+            </a:r>
+          </a:p>
+          <a:p>
+            <a:r>
+              <a:rPr lang="en-US" dirty="0"/>
+              <a:t>Take into account the amount of students from each community, say, that responded, relative to other communities.</a:t>
+            </a:r>
+          </a:p>
+          <a:p>
+            <a:endParaRPr lang="en-US" dirty="0"/>
+          </a:p>
+          <a:p>
+            <a:r>
+              <a:rPr lang="en-US" dirty="0"/>
+              <a:t>Grit: all positive.</a:t>
+            </a:r>
+          </a:p>
+          <a:p>
+            <a:r>
+              <a:rPr lang="en-US" dirty="0"/>
+              <a:t>Explore the negative responses to see what we can </a:t>
+            </a:r>
+            <a:r>
+              <a:rPr lang="en-US"/>
+              <a:t>do better.</a:t>
+            </a:r>
+            <a:endParaRPr lang="en-US" dirty="0"/>
+          </a:p>
+        </p:txBody>
+      </p:sp>
+      <p:sp>
+        <p:nvSpPr>
+          <p:cNvPr id="4" name="Slide Number Placeholder 3"/>
+          <p:cNvSpPr>
+            <a:spLocks noGrp="1"/>
+          </p:cNvSpPr>
+          <p:nvPr>
+            <p:ph type="sldNum" sz="quarter" idx="5"/>
+          </p:nvPr>
+        </p:nvSpPr>
+        <p:spPr/>
+        <p:txBody>
+          <a:bodyPr/>
+          <a:lstStyle/>
+          <a:p>
+            <a:fld id="{55F475E8-DF79-4D15-BE9D-AB07ECBE967F}" type="slidenum">
+              <a:rPr lang="en-US" smtClean="0"/>
+              <a:t>11</a:t>
+            </a:fld>
+            <a:endParaRPr lang="en-US"/>
+          </a:p>
+        </p:txBody>
+      </p:sp>
+    </p:spTree>
+    <p:extLst>
+      <p:ext uri="{BB962C8B-B14F-4D97-AF65-F5344CB8AC3E}">
+        <p14:creationId xmlns:p14="http://schemas.microsoft.com/office/powerpoint/2010/main" val="1884598015"/>
       </p:ext>
     </p:extLst>
   </p:cSld>
@@ -7185,7 +7482,7 @@
           <a:p>
             <a:fld id="{D653F323-25C2-EC45-8262-C12E80E71EC0}" type="datetimeFigureOut">
               <a:rPr lang="en-US" smtClean="0"/>
-              <a:t>2/23/2025</a:t>
+              <a:t>2/24/2025</a:t>
             </a:fld>
             <a:endParaRPr lang="en-US"/>
           </a:p>
@@ -7355,7 +7652,7 @@
           <a:p>
             <a:fld id="{D653F323-25C2-EC45-8262-C12E80E71EC0}" type="datetimeFigureOut">
               <a:rPr lang="en-US" smtClean="0"/>
-              <a:t>2/23/2025</a:t>
+              <a:t>2/24/2025</a:t>
             </a:fld>
             <a:endParaRPr lang="en-US"/>
           </a:p>
@@ -7535,7 +7832,7 @@
           <a:p>
             <a:fld id="{D653F323-25C2-EC45-8262-C12E80E71EC0}" type="datetimeFigureOut">
               <a:rPr lang="en-US" smtClean="0"/>
-              <a:t>2/23/2025</a:t>
+              <a:t>2/24/2025</a:t>
             </a:fld>
             <a:endParaRPr lang="en-US"/>
           </a:p>
@@ -7705,7 +8002,7 @@
           <a:p>
             <a:fld id="{D653F323-25C2-EC45-8262-C12E80E71EC0}" type="datetimeFigureOut">
               <a:rPr lang="en-US" smtClean="0"/>
-              <a:t>2/23/2025</a:t>
+              <a:t>2/24/2025</a:t>
             </a:fld>
             <a:endParaRPr lang="en-US"/>
           </a:p>
@@ -7951,7 +8248,7 @@
           <a:p>
             <a:fld id="{D653F323-25C2-EC45-8262-C12E80E71EC0}" type="datetimeFigureOut">
               <a:rPr lang="en-US" smtClean="0"/>
-              <a:t>2/23/2025</a:t>
+              <a:t>2/24/2025</a:t>
             </a:fld>
             <a:endParaRPr lang="en-US"/>
           </a:p>
@@ -8183,7 +8480,7 @@
           <a:p>
             <a:fld id="{D653F323-25C2-EC45-8262-C12E80E71EC0}" type="datetimeFigureOut">
               <a:rPr lang="en-US" smtClean="0"/>
-              <a:t>2/23/2025</a:t>
+              <a:t>2/24/2025</a:t>
             </a:fld>
             <a:endParaRPr lang="en-US"/>
           </a:p>
@@ -8550,7 +8847,7 @@
           <a:p>
             <a:fld id="{D653F323-25C2-EC45-8262-C12E80E71EC0}" type="datetimeFigureOut">
               <a:rPr lang="en-US" smtClean="0"/>
-              <a:t>2/23/2025</a:t>
+              <a:t>2/24/2025</a:t>
             </a:fld>
             <a:endParaRPr lang="en-US"/>
           </a:p>
@@ -8668,7 +8965,7 @@
           <a:p>
             <a:fld id="{D653F323-25C2-EC45-8262-C12E80E71EC0}" type="datetimeFigureOut">
               <a:rPr lang="en-US" smtClean="0"/>
-              <a:t>2/23/2025</a:t>
+              <a:t>2/24/2025</a:t>
             </a:fld>
             <a:endParaRPr lang="en-US"/>
           </a:p>
@@ -8763,7 +9060,7 @@
           <a:p>
             <a:fld id="{D653F323-25C2-EC45-8262-C12E80E71EC0}" type="datetimeFigureOut">
               <a:rPr lang="en-US" smtClean="0"/>
-              <a:t>2/23/2025</a:t>
+              <a:t>2/24/2025</a:t>
             </a:fld>
             <a:endParaRPr lang="en-US"/>
           </a:p>
@@ -9040,7 +9337,7 @@
           <a:p>
             <a:fld id="{D653F323-25C2-EC45-8262-C12E80E71EC0}" type="datetimeFigureOut">
               <a:rPr lang="en-US" smtClean="0"/>
-              <a:t>2/23/2025</a:t>
+              <a:t>2/24/2025</a:t>
             </a:fld>
             <a:endParaRPr lang="en-US"/>
           </a:p>
@@ -9297,7 +9594,7 @@
           <a:p>
             <a:fld id="{D653F323-25C2-EC45-8262-C12E80E71EC0}" type="datetimeFigureOut">
               <a:rPr lang="en-US" smtClean="0"/>
-              <a:t>2/23/2025</a:t>
+              <a:t>2/24/2025</a:t>
             </a:fld>
             <a:endParaRPr lang="en-US"/>
           </a:p>
@@ -9510,7 +9807,7 @@
           <a:p>
             <a:fld id="{D653F323-25C2-EC45-8262-C12E80E71EC0}" type="datetimeFigureOut">
               <a:rPr lang="en-US" smtClean="0"/>
-              <a:t>2/23/2025</a:t>
+              <a:t>2/24/2025</a:t>
             </a:fld>
             <a:endParaRPr lang="en-US"/>
           </a:p>
@@ -10090,206 +10387,6 @@
         <p:cNvPr id="1" name="">
           <a:extLst>
             <a:ext uri="{FF2B5EF4-FFF2-40B4-BE49-F238E27FC236}">
-              <a16:creationId xmlns:a16="http://schemas.microsoft.com/office/drawing/2014/main" id="{97537F41-561A-748E-47A6-0505820DCD7E}"/>
-            </a:ext>
-          </a:extLst>
-        </p:cNvPr>
-        <p:cNvGrpSpPr/>
-        <p:nvPr/>
-      </p:nvGrpSpPr>
-      <p:grpSpPr>
-        <a:xfrm>
-          <a:off x="0" y="0"/>
-          <a:ext cx="0" cy="0"/>
-          <a:chOff x="0" y="0"/>
-          <a:chExt cx="0" cy="0"/>
-        </a:xfrm>
-      </p:grpSpPr>
-      <p:sp>
-        <p:nvSpPr>
-          <p:cNvPr id="4" name="Title 1">
-            <a:extLst>
-              <a:ext uri="{FF2B5EF4-FFF2-40B4-BE49-F238E27FC236}">
-                <a16:creationId xmlns:a16="http://schemas.microsoft.com/office/drawing/2014/main" id="{743ECD54-825D-5740-559A-341175CF80EB}"/>
-              </a:ext>
-            </a:extLst>
-          </p:cNvPr>
-          <p:cNvSpPr>
-            <a:spLocks noGrp="1"/>
-          </p:cNvSpPr>
-          <p:nvPr>
-            <p:ph type="title"/>
-          </p:nvPr>
-        </p:nvSpPr>
-        <p:spPr>
-          <a:xfrm>
-            <a:off x="628650" y="789228"/>
-            <a:ext cx="7886700" cy="678114"/>
-          </a:xfrm>
-        </p:spPr>
-        <p:txBody>
-          <a:bodyPr anchor="t">
-            <a:normAutofit/>
-          </a:bodyPr>
-          <a:lstStyle/>
-          <a:p>
-            <a:r>
-              <a:rPr lang="en-US" sz="3600" b="1" dirty="0"/>
-              <a:t>Key Insights</a:t>
-            </a:r>
-          </a:p>
-        </p:txBody>
-      </p:sp>
-      <p:sp>
-        <p:nvSpPr>
-          <p:cNvPr id="2" name="Title 1">
-            <a:extLst>
-              <a:ext uri="{FF2B5EF4-FFF2-40B4-BE49-F238E27FC236}">
-                <a16:creationId xmlns:a16="http://schemas.microsoft.com/office/drawing/2014/main" id="{8EEBD763-1CEC-B8C9-7BAC-87E7A13A4336}"/>
-              </a:ext>
-            </a:extLst>
-          </p:cNvPr>
-          <p:cNvSpPr txBox="1">
-            <a:spLocks/>
-          </p:cNvSpPr>
-          <p:nvPr/>
-        </p:nvSpPr>
-        <p:spPr>
-          <a:xfrm>
-            <a:off x="628651" y="1568142"/>
-            <a:ext cx="4834304" cy="3090258"/>
-          </a:xfrm>
-          <a:prstGeom prst="rect">
-            <a:avLst/>
-          </a:prstGeom>
-        </p:spPr>
-        <p:txBody>
-          <a:bodyPr vert="horz" lIns="91440" tIns="45720" rIns="91440" bIns="45720" rtlCol="0" anchor="t">
-            <a:normAutofit/>
-          </a:bodyPr>
-          <a:lstStyle>
-            <a:lvl1pPr algn="l" defTabSz="685800" rtl="0" eaLnBrk="1" latinLnBrk="0" hangingPunct="1">
-              <a:lnSpc>
-                <a:spcPct val="90000"/>
-              </a:lnSpc>
-              <a:spcBef>
-                <a:spcPct val="0"/>
-              </a:spcBef>
-              <a:buNone/>
-              <a:defRPr sz="4500" kern="1200">
-                <a:solidFill>
-                  <a:schemeClr val="tx1"/>
-                </a:solidFill>
-                <a:latin typeface="+mj-lt"/>
-                <a:ea typeface="+mj-ea"/>
-                <a:cs typeface="+mj-cs"/>
-              </a:defRPr>
-            </a:lvl1pPr>
-          </a:lstStyle>
-          <a:p>
-            <a:pPr marL="342900" indent="-342900">
-              <a:lnSpc>
-                <a:spcPct val="150000"/>
-              </a:lnSpc>
-              <a:buFont typeface="Arial" panose="020B0604020202020204" pitchFamily="34" charset="0"/>
-              <a:buChar char="•"/>
-            </a:pPr>
-            <a:r>
-              <a:rPr lang="en-US" sz="2000" dirty="0">
-                <a:latin typeface="Calibri Light" panose="020F0302020204030204" pitchFamily="34" charset="0"/>
-                <a:ea typeface="Calibri Light" panose="020F0302020204030204" pitchFamily="34" charset="0"/>
-                <a:cs typeface="Calibri Light" panose="020F0302020204030204" pitchFamily="34" charset="0"/>
-              </a:rPr>
-              <a:t>Every question had overwhelmingly positive responses.</a:t>
-            </a:r>
-          </a:p>
-          <a:p>
-            <a:pPr marL="342900" indent="-342900">
-              <a:lnSpc>
-                <a:spcPct val="150000"/>
-              </a:lnSpc>
-              <a:buFont typeface="Arial" panose="020B0604020202020204" pitchFamily="34" charset="0"/>
-              <a:buChar char="•"/>
-            </a:pPr>
-            <a:r>
-              <a:rPr lang="en-US" sz="2000" dirty="0">
-                <a:latin typeface="Calibri Light" panose="020F0302020204030204" pitchFamily="34" charset="0"/>
-                <a:ea typeface="Calibri Light" panose="020F0302020204030204" pitchFamily="34" charset="0"/>
-                <a:cs typeface="Calibri Light" panose="020F0302020204030204" pitchFamily="34" charset="0"/>
-              </a:rPr>
-              <a:t>One large jump came from Susquehanna Community.</a:t>
-            </a:r>
-          </a:p>
-          <a:p>
-            <a:pPr marL="800100" lvl="1" indent="-342900">
-              <a:lnSpc>
-                <a:spcPct val="150000"/>
-              </a:lnSpc>
-              <a:buFont typeface="Arial" panose="020B0604020202020204" pitchFamily="34" charset="0"/>
-              <a:buChar char="•"/>
-            </a:pPr>
-            <a:r>
-              <a:rPr lang="en-US" dirty="0">
-                <a:latin typeface="Calibri Light" panose="020F0302020204030204" pitchFamily="34" charset="0"/>
-                <a:ea typeface="Calibri Light" panose="020F0302020204030204" pitchFamily="34" charset="0"/>
-                <a:cs typeface="Calibri Light" panose="020F0302020204030204" pitchFamily="34" charset="0"/>
-              </a:rPr>
-              <a:t>Upon further inspection, n was too small to make a reliable conclusion (p=0.111).</a:t>
-            </a:r>
-          </a:p>
-        </p:txBody>
-      </p:sp>
-      <p:pic>
-        <p:nvPicPr>
-          <p:cNvPr id="5" name="Picture 4">
-            <a:extLst>
-              <a:ext uri="{FF2B5EF4-FFF2-40B4-BE49-F238E27FC236}">
-                <a16:creationId xmlns:a16="http://schemas.microsoft.com/office/drawing/2014/main" id="{00711E56-DF50-0025-34CE-0FFB119D8809}"/>
-              </a:ext>
-            </a:extLst>
-          </p:cNvPr>
-          <p:cNvPicPr>
-            <a:picLocks noChangeAspect="1"/>
-          </p:cNvPicPr>
-          <p:nvPr/>
-        </p:nvPicPr>
-        <p:blipFill>
-          <a:blip r:embed="rId2"/>
-          <a:stretch>
-            <a:fillRect/>
-          </a:stretch>
-        </p:blipFill>
-        <p:spPr>
-          <a:xfrm>
-            <a:off x="5686177" y="1404690"/>
-            <a:ext cx="3187757" cy="3090259"/>
-          </a:xfrm>
-          <a:prstGeom prst="rect">
-            <a:avLst/>
-          </a:prstGeom>
-        </p:spPr>
-      </p:pic>
-    </p:spTree>
-    <p:extLst>
-      <p:ext uri="{BB962C8B-B14F-4D97-AF65-F5344CB8AC3E}">
-        <p14:creationId xmlns:p14="http://schemas.microsoft.com/office/powerpoint/2010/main" val="1069489438"/>
-      </p:ext>
-    </p:extLst>
-  </p:cSld>
-  <p:clrMapOvr>
-    <a:masterClrMapping/>
-  </p:clrMapOvr>
-</p:sld>
-</file>
-
-<file path=ppt/slides/slide11.xml><?xml version="1.0" encoding="utf-8"?>
-<p:sld xmlns:a="http://schemas.openxmlformats.org/drawingml/2006/main" xmlns:r="http://schemas.openxmlformats.org/officeDocument/2006/relationships" xmlns:p="http://schemas.openxmlformats.org/presentationml/2006/main">
-  <p:cSld>
-    <p:spTree>
-      <p:nvGrpSpPr>
-        <p:cNvPr id="1" name="">
-          <a:extLst>
-            <a:ext uri="{FF2B5EF4-FFF2-40B4-BE49-F238E27FC236}">
               <a16:creationId xmlns:a16="http://schemas.microsoft.com/office/drawing/2014/main" id="{0611215F-2AEC-C50E-6367-69C406AD76E4}"/>
             </a:ext>
           </a:extLst>
@@ -10413,7 +10510,7 @@
 </p:sld>
 </file>
 
-<file path=ppt/slides/slide12.xml><?xml version="1.0" encoding="utf-8"?>
+<file path=ppt/slides/slide11.xml><?xml version="1.0" encoding="utf-8"?>
 <p:sld xmlns:a="http://schemas.openxmlformats.org/drawingml/2006/main" xmlns:r="http://schemas.openxmlformats.org/officeDocument/2006/relationships" xmlns:p="http://schemas.openxmlformats.org/presentationml/2006/main">
   <p:cSld>
     <p:spTree>
@@ -10488,8 +10585,8 @@
         </p:nvSpPr>
         <p:spPr>
           <a:xfrm>
-            <a:off x="628650" y="1568142"/>
-            <a:ext cx="7886700" cy="3090258"/>
+            <a:off x="636671" y="1640330"/>
+            <a:ext cx="7886700" cy="3404911"/>
           </a:xfrm>
           <a:prstGeom prst="rect">
             <a:avLst/>
@@ -10497,7 +10594,7 @@
         </p:spPr>
         <p:txBody>
           <a:bodyPr vert="horz" lIns="91440" tIns="45720" rIns="91440" bIns="45720" rtlCol="0" anchor="t">
-            <a:normAutofit/>
+            <a:normAutofit lnSpcReduction="10000"/>
           </a:bodyPr>
           <a:lstStyle>
             <a:lvl1pPr algn="l" defTabSz="685800" rtl="0" eaLnBrk="1" latinLnBrk="0" hangingPunct="1">
@@ -10549,7 +10646,7 @@
                 <a:ea typeface="Calibri Light" panose="020F0302020204030204" pitchFamily="34" charset="0"/>
                 <a:cs typeface="Calibri Light" panose="020F0302020204030204" pitchFamily="34" charset="0"/>
               </a:rPr>
-              <a:t>Differential privacy.</a:t>
+              <a:t>Efficiency of code.</a:t>
             </a:r>
           </a:p>
           <a:p>
@@ -10641,7 +10738,7 @@
               </a:rPr>
               <a:t>Homogeneity in sentiment.</a:t>
             </a:r>
-            <a:endParaRPr lang="en-US" sz="2000" dirty="0">
+            <a:endParaRPr lang="en-US" sz="1700" dirty="0">
               <a:latin typeface="Calibri Light" panose="020F0302020204030204" pitchFamily="34" charset="0"/>
               <a:ea typeface="Calibri Light" panose="020F0302020204030204" pitchFamily="34" charset="0"/>
               <a:cs typeface="Calibri Light" panose="020F0302020204030204" pitchFamily="34" charset="0"/>
@@ -10655,11 +10752,14 @@
               <a:buFont typeface="Arial" panose="020B0604020202020204" pitchFamily="34" charset="0"/>
               <a:buChar char="•"/>
             </a:pPr>
-            <a:endParaRPr lang="en-US" sz="2000" dirty="0">
-              <a:latin typeface="Calibri Light" panose="020F0302020204030204" pitchFamily="34" charset="0"/>
-              <a:ea typeface="Calibri Light" panose="020F0302020204030204" pitchFamily="34" charset="0"/>
-              <a:cs typeface="Calibri Light" panose="020F0302020204030204" pitchFamily="34" charset="0"/>
-            </a:endParaRPr>
+            <a:r>
+              <a:rPr lang="en-US" dirty="0">
+                <a:latin typeface="Calibri Light" panose="020F0302020204030204" pitchFamily="34" charset="0"/>
+                <a:ea typeface="Calibri Light" panose="020F0302020204030204" pitchFamily="34" charset="0"/>
+                <a:cs typeface="Calibri Light" panose="020F0302020204030204" pitchFamily="34" charset="0"/>
+              </a:rPr>
+              <a:t>Focus on negative responses.</a:t>
+            </a:r>
           </a:p>
         </p:txBody>
       </p:sp>
@@ -10676,7 +10776,7 @@
 </p:sld>
 </file>
 
-<file path=ppt/slides/slide13.xml><?xml version="1.0" encoding="utf-8"?>
+<file path=ppt/slides/slide12.xml><?xml version="1.0" encoding="utf-8"?>
 <p:sld xmlns:a="http://schemas.openxmlformats.org/drawingml/2006/main" xmlns:r="http://schemas.openxmlformats.org/officeDocument/2006/relationships" xmlns:p="http://schemas.openxmlformats.org/presentationml/2006/main">
   <p:cSld>
     <p:spTree>
@@ -10812,7 +10912,7 @@
           <p:nvPr>
             <p:extLst>
               <p:ext uri="{D42A27DB-BD31-4B8C-83A1-F6EECF244321}">
-                <p14:modId xmlns:p14="http://schemas.microsoft.com/office/powerpoint/2010/main" val="648388638"/>
+                <p14:modId xmlns:p14="http://schemas.microsoft.com/office/powerpoint/2010/main" val="2686415034"/>
               </p:ext>
             </p:extLst>
           </p:nvPr>
@@ -11112,7 +11212,13 @@
             </a:extLst>
           </p:cNvPr>
           <p:cNvGraphicFramePr/>
-          <p:nvPr/>
+          <p:nvPr>
+            <p:extLst>
+              <p:ext uri="{D42A27DB-BD31-4B8C-83A1-F6EECF244321}">
+                <p14:modId xmlns:p14="http://schemas.microsoft.com/office/powerpoint/2010/main" val="835278358"/>
+              </p:ext>
+            </p:extLst>
+          </p:nvPr>
         </p:nvGraphicFramePr>
         <p:xfrm>
           <a:off x="628650" y="1557579"/>
@@ -11565,7 +11671,7 @@
           <p:nvPr/>
         </p:nvPicPr>
         <p:blipFill>
-          <a:blip r:embed="rId2">
+          <a:blip r:embed="rId3">
             <a:extLst>
               <a:ext uri="{28A0092B-C50C-407E-A947-70E740481C1C}">
                 <a14:useLocalDpi xmlns:a14="http://schemas.microsoft.com/office/drawing/2010/main" val="0"/>
@@ -11865,6 +11971,23 @@
                 <a:ea typeface="Calibri Light" panose="020F0302020204030204" pitchFamily="34" charset="0"/>
                 <a:cs typeface="Calibri Light" panose="020F0302020204030204" pitchFamily="34" charset="0"/>
               </a:rPr>
+              <a:t>Filtering by demographic.</a:t>
+            </a:r>
+          </a:p>
+          <a:p>
+            <a:pPr marL="342900" indent="-342900">
+              <a:lnSpc>
+                <a:spcPct val="150000"/>
+              </a:lnSpc>
+              <a:buFont typeface="Arial" panose="020B0604020202020204" pitchFamily="34" charset="0"/>
+              <a:buChar char="•"/>
+            </a:pPr>
+            <a:r>
+              <a:rPr lang="en-US" sz="2000" dirty="0">
+                <a:latin typeface="Calibri Light" panose="020F0302020204030204" pitchFamily="34" charset="0"/>
+                <a:ea typeface="Calibri Light" panose="020F0302020204030204" pitchFamily="34" charset="0"/>
+                <a:cs typeface="Calibri Light" panose="020F0302020204030204" pitchFamily="34" charset="0"/>
+              </a:rPr>
               <a:t>Topic-centric exploration:</a:t>
             </a:r>
           </a:p>
@@ -11916,23 +12039,6 @@
                 <a:ea typeface="Calibri Light" panose="020F0302020204030204" pitchFamily="34" charset="0"/>
                 <a:cs typeface="Calibri Light" panose="020F0302020204030204" pitchFamily="34" charset="0"/>
               </a:rPr>
-              <a:t>Filtering by demographic.</a:t>
-            </a:r>
-          </a:p>
-          <a:p>
-            <a:pPr marL="342900" indent="-342900">
-              <a:lnSpc>
-                <a:spcPct val="150000"/>
-              </a:lnSpc>
-              <a:buFont typeface="Arial" panose="020B0604020202020204" pitchFamily="34" charset="0"/>
-              <a:buChar char="•"/>
-            </a:pPr>
-            <a:r>
-              <a:rPr lang="en-US" sz="2000" dirty="0">
-                <a:latin typeface="Calibri Light" panose="020F0302020204030204" pitchFamily="34" charset="0"/>
-                <a:ea typeface="Calibri Light" panose="020F0302020204030204" pitchFamily="34" charset="0"/>
-                <a:cs typeface="Calibri Light" panose="020F0302020204030204" pitchFamily="34" charset="0"/>
-              </a:rPr>
               <a:t>ANOVA statistical testing:</a:t>
             </a:r>
           </a:p>
@@ -11955,6 +12061,66 @@
           </a:p>
         </p:txBody>
       </p:sp>
+      <p:pic>
+        <p:nvPicPr>
+          <p:cNvPr id="7" name="Picture 6">
+            <a:extLst>
+              <a:ext uri="{FF2B5EF4-FFF2-40B4-BE49-F238E27FC236}">
+                <a16:creationId xmlns:a16="http://schemas.microsoft.com/office/drawing/2014/main" id="{3AEFABB5-E8F5-D36B-DFFA-6ECB44B1C4FC}"/>
+              </a:ext>
+            </a:extLst>
+          </p:cNvPr>
+          <p:cNvPicPr>
+            <a:picLocks noChangeAspect="1"/>
+          </p:cNvPicPr>
+          <p:nvPr/>
+        </p:nvPicPr>
+        <p:blipFill>
+          <a:blip r:embed="rId3"/>
+          <a:stretch>
+            <a:fillRect/>
+          </a:stretch>
+        </p:blipFill>
+        <p:spPr>
+          <a:xfrm>
+            <a:off x="5790598" y="1821700"/>
+            <a:ext cx="3100238" cy="548391"/>
+          </a:xfrm>
+          <a:prstGeom prst="rect">
+            <a:avLst/>
+          </a:prstGeom>
+          <a:solidFill>
+            <a:srgbClr val="FFFFFF">
+              <a:shade val="85000"/>
+            </a:srgbClr>
+          </a:solidFill>
+          <a:ln w="88900" cap="sq">
+            <a:solidFill>
+              <a:srgbClr val="FFFFFF"/>
+            </a:solidFill>
+            <a:miter lim="800000"/>
+          </a:ln>
+          <a:effectLst>
+            <a:outerShdw blurRad="55000" dist="18000" dir="5400000" algn="tl" rotWithShape="0">
+              <a:srgbClr val="000000">
+                <a:alpha val="40000"/>
+              </a:srgbClr>
+            </a:outerShdw>
+          </a:effectLst>
+          <a:scene3d>
+            <a:camera prst="orthographicFront"/>
+            <a:lightRig rig="twoPt" dir="t">
+              <a:rot lat="0" lon="0" rev="7200000"/>
+            </a:lightRig>
+          </a:scene3d>
+          <a:sp3d>
+            <a:bevelT w="25400" h="19050"/>
+            <a:contourClr>
+              <a:srgbClr val="FFFFFF"/>
+            </a:contourClr>
+          </a:sp3d>
+        </p:spPr>
+      </p:pic>
     </p:spTree>
     <p:extLst>
       <p:ext uri="{BB962C8B-B14F-4D97-AF65-F5344CB8AC3E}">
@@ -13217,7 +13383,7 @@
         <p:cNvPr id="1" name="">
           <a:extLst>
             <a:ext uri="{FF2B5EF4-FFF2-40B4-BE49-F238E27FC236}">
-              <a16:creationId xmlns:a16="http://schemas.microsoft.com/office/drawing/2014/main" id="{6B3019D5-E445-EDC7-293C-E29AA8F42134}"/>
+              <a16:creationId xmlns:a16="http://schemas.microsoft.com/office/drawing/2014/main" id="{97537F41-561A-748E-47A6-0505820DCD7E}"/>
             </a:ext>
           </a:extLst>
         </p:cNvPr>
@@ -13234,10 +13400,10 @@
       </p:grpSpPr>
       <p:sp>
         <p:nvSpPr>
-          <p:cNvPr id="2" name="Title 1">
+          <p:cNvPr id="4" name="Title 1">
             <a:extLst>
               <a:ext uri="{FF2B5EF4-FFF2-40B4-BE49-F238E27FC236}">
-                <a16:creationId xmlns:a16="http://schemas.microsoft.com/office/drawing/2014/main" id="{2ADCD6EE-2EBE-EDE3-34DA-6D980D2D19FC}"/>
+                <a16:creationId xmlns:a16="http://schemas.microsoft.com/office/drawing/2014/main" id="{743ECD54-825D-5740-559A-341175CF80EB}"/>
               </a:ext>
             </a:extLst>
           </p:cNvPr>
@@ -13250,7 +13416,7 @@
         </p:nvSpPr>
         <p:spPr>
           <a:xfrm>
-            <a:off x="623888" y="2232693"/>
+            <a:off x="628650" y="789228"/>
             <a:ext cx="7886700" cy="678114"/>
           </a:xfrm>
         </p:spPr>
@@ -13261,16 +13427,145 @@
           <a:lstStyle/>
           <a:p>
             <a:r>
-              <a:rPr lang="en-US" sz="4000" b="1" dirty="0"/>
-              <a:t>Application Demonstration</a:t>
+              <a:rPr lang="en-US" sz="3600" b="1" dirty="0"/>
+              <a:t>Key Insights</a:t>
             </a:r>
           </a:p>
         </p:txBody>
       </p:sp>
+      <p:sp>
+        <p:nvSpPr>
+          <p:cNvPr id="2" name="Title 1">
+            <a:extLst>
+              <a:ext uri="{FF2B5EF4-FFF2-40B4-BE49-F238E27FC236}">
+                <a16:creationId xmlns:a16="http://schemas.microsoft.com/office/drawing/2014/main" id="{8EEBD763-1CEC-B8C9-7BAC-87E7A13A4336}"/>
+              </a:ext>
+            </a:extLst>
+          </p:cNvPr>
+          <p:cNvSpPr txBox="1">
+            <a:spLocks/>
+          </p:cNvSpPr>
+          <p:nvPr/>
+        </p:nvSpPr>
+        <p:spPr>
+          <a:xfrm>
+            <a:off x="628651" y="1568142"/>
+            <a:ext cx="4834304" cy="3090258"/>
+          </a:xfrm>
+          <a:prstGeom prst="rect">
+            <a:avLst/>
+          </a:prstGeom>
+        </p:spPr>
+        <p:txBody>
+          <a:bodyPr vert="horz" lIns="91440" tIns="45720" rIns="91440" bIns="45720" rtlCol="0" anchor="t">
+            <a:normAutofit/>
+          </a:bodyPr>
+          <a:lstStyle>
+            <a:lvl1pPr algn="l" defTabSz="685800" rtl="0" eaLnBrk="1" latinLnBrk="0" hangingPunct="1">
+              <a:lnSpc>
+                <a:spcPct val="90000"/>
+              </a:lnSpc>
+              <a:spcBef>
+                <a:spcPct val="0"/>
+              </a:spcBef>
+              <a:buNone/>
+              <a:defRPr sz="4500" kern="1200">
+                <a:solidFill>
+                  <a:schemeClr val="tx1"/>
+                </a:solidFill>
+                <a:latin typeface="+mj-lt"/>
+                <a:ea typeface="+mj-ea"/>
+                <a:cs typeface="+mj-cs"/>
+              </a:defRPr>
+            </a:lvl1pPr>
+          </a:lstStyle>
+          <a:p>
+            <a:pPr marL="342900" indent="-342900">
+              <a:lnSpc>
+                <a:spcPct val="150000"/>
+              </a:lnSpc>
+              <a:buFont typeface="Arial" panose="020B0604020202020204" pitchFamily="34" charset="0"/>
+              <a:buChar char="•"/>
+            </a:pPr>
+            <a:r>
+              <a:rPr lang="en-US" sz="2000" dirty="0">
+                <a:latin typeface="Calibri Light" panose="020F0302020204030204" pitchFamily="34" charset="0"/>
+                <a:ea typeface="Calibri Light" panose="020F0302020204030204" pitchFamily="34" charset="0"/>
+                <a:cs typeface="Calibri Light" panose="020F0302020204030204" pitchFamily="34" charset="0"/>
+              </a:rPr>
+              <a:t>Every question had overwhelmingly positive responses.</a:t>
+            </a:r>
+          </a:p>
+          <a:p>
+            <a:pPr marL="342900" indent="-342900">
+              <a:lnSpc>
+                <a:spcPct val="150000"/>
+              </a:lnSpc>
+              <a:buFont typeface="Arial" panose="020B0604020202020204" pitchFamily="34" charset="0"/>
+              <a:buChar char="•"/>
+            </a:pPr>
+            <a:r>
+              <a:rPr lang="en-US" sz="2000" dirty="0">
+                <a:latin typeface="Calibri Light" panose="020F0302020204030204" pitchFamily="34" charset="0"/>
+                <a:ea typeface="Calibri Light" panose="020F0302020204030204" pitchFamily="34" charset="0"/>
+                <a:cs typeface="Calibri Light" panose="020F0302020204030204" pitchFamily="34" charset="0"/>
+              </a:rPr>
+              <a:t>One large jump came from Susquehanna Community.</a:t>
+            </a:r>
+          </a:p>
+          <a:p>
+            <a:pPr marL="800100" lvl="1" indent="-342900">
+              <a:lnSpc>
+                <a:spcPct val="150000"/>
+              </a:lnSpc>
+              <a:buFont typeface="Arial" panose="020B0604020202020204" pitchFamily="34" charset="0"/>
+              <a:buChar char="•"/>
+            </a:pPr>
+            <a:r>
+              <a:rPr lang="en-US" dirty="0">
+                <a:latin typeface="Calibri Light" panose="020F0302020204030204" pitchFamily="34" charset="0"/>
+                <a:ea typeface="Calibri Light" panose="020F0302020204030204" pitchFamily="34" charset="0"/>
+                <a:cs typeface="Calibri Light" panose="020F0302020204030204" pitchFamily="34" charset="0"/>
+              </a:rPr>
+              <a:t>Upon further inspection, n was too small to make a reliable conclusion (p=0.111).</a:t>
+            </a:r>
+          </a:p>
+        </p:txBody>
+      </p:sp>
+      <p:pic>
+        <p:nvPicPr>
+          <p:cNvPr id="5" name="Picture 4">
+            <a:extLst>
+              <a:ext uri="{FF2B5EF4-FFF2-40B4-BE49-F238E27FC236}">
+                <a16:creationId xmlns:a16="http://schemas.microsoft.com/office/drawing/2014/main" id="{00711E56-DF50-0025-34CE-0FFB119D8809}"/>
+              </a:ext>
+            </a:extLst>
+          </p:cNvPr>
+          <p:cNvPicPr>
+            <a:picLocks noChangeAspect="1"/>
+          </p:cNvPicPr>
+          <p:nvPr/>
+        </p:nvPicPr>
+        <p:blipFill>
+          <a:blip r:embed="rId2"/>
+          <a:stretch>
+            <a:fillRect/>
+          </a:stretch>
+        </p:blipFill>
+        <p:spPr>
+          <a:xfrm>
+            <a:off x="5686177" y="1404690"/>
+            <a:ext cx="3187757" cy="3090259"/>
+          </a:xfrm>
+          <a:prstGeom prst="rect">
+            <a:avLst/>
+          </a:prstGeom>
+        </p:spPr>
+      </p:pic>
     </p:spTree>
     <p:extLst>
       <p:ext uri="{BB962C8B-B14F-4D97-AF65-F5344CB8AC3E}">
-        <p14:creationId xmlns:p14="http://schemas.microsoft.com/office/powerpoint/2010/main" val="941612015"/>
+        <p14:creationId xmlns:p14="http://schemas.microsoft.com/office/powerpoint/2010/main" val="1069489438"/>
       </p:ext>
     </p:extLst>
   </p:cSld>
